--- a/UGNM_Instantmessaging/doc/PresentationIM.pptx
+++ b/UGNM_Instantmessaging/doc/PresentationIM.pptx
@@ -7,17 +7,16 @@
     <p:sldMasterId id="2147483684" r:id="rId3"/>
   </p:sldMasterIdLst>
   <p:notesMasterIdLst>
-    <p:notesMasterId r:id="rId12"/>
+    <p:notesMasterId r:id="rId11"/>
   </p:notesMasterIdLst>
   <p:sldIdLst>
     <p:sldId id="256" r:id="rId4"/>
     <p:sldId id="258" r:id="rId5"/>
-    <p:sldId id="259" r:id="rId6"/>
-    <p:sldId id="264" r:id="rId7"/>
-    <p:sldId id="263" r:id="rId8"/>
-    <p:sldId id="262" r:id="rId9"/>
-    <p:sldId id="261" r:id="rId10"/>
-    <p:sldId id="260" r:id="rId11"/>
+    <p:sldId id="264" r:id="rId6"/>
+    <p:sldId id="263" r:id="rId7"/>
+    <p:sldId id="265" r:id="rId8"/>
+    <p:sldId id="261" r:id="rId9"/>
+    <p:sldId id="260" r:id="rId10"/>
   </p:sldIdLst>
   <p:sldSz cx="9144000" cy="6858000" type="screen4x3"/>
   <p:notesSz cx="6858000" cy="9144000"/>
@@ -1613,784 +1612,29 @@
 </dgm:colorsDef>
 </file>
 
-<file path=ppt/diagrams/colors3.xml><?xml version="1.0" encoding="utf-8"?>
-<dgm:colorsDef xmlns:dgm="http://schemas.openxmlformats.org/drawingml/2006/diagram" xmlns:a="http://schemas.openxmlformats.org/drawingml/2006/main" uniqueId="urn:microsoft.com/office/officeart/2005/8/colors/accent1_2">
-  <dgm:title val=""/>
-  <dgm:desc val=""/>
-  <dgm:catLst>
-    <dgm:cat type="accent1" pri="11200"/>
-  </dgm:catLst>
-  <dgm:styleLbl name="node0">
-    <dgm:fillClrLst meth="repeat">
-      <a:schemeClr val="accent1"/>
-    </dgm:fillClrLst>
-    <dgm:linClrLst meth="repeat">
-      <a:schemeClr val="lt1"/>
-    </dgm:linClrLst>
-    <dgm:effectClrLst/>
-    <dgm:txLinClrLst/>
-    <dgm:txFillClrLst/>
-    <dgm:txEffectClrLst/>
-  </dgm:styleLbl>
-  <dgm:styleLbl name="alignNode1">
-    <dgm:fillClrLst meth="repeat">
-      <a:schemeClr val="accent1"/>
-    </dgm:fillClrLst>
-    <dgm:linClrLst meth="repeat">
-      <a:schemeClr val="accent1"/>
-    </dgm:linClrLst>
-    <dgm:effectClrLst/>
-    <dgm:txLinClrLst/>
-    <dgm:txFillClrLst/>
-    <dgm:txEffectClrLst/>
-  </dgm:styleLbl>
-  <dgm:styleLbl name="node1">
-    <dgm:fillClrLst meth="repeat">
-      <a:schemeClr val="accent1"/>
-    </dgm:fillClrLst>
-    <dgm:linClrLst meth="repeat">
-      <a:schemeClr val="lt1"/>
-    </dgm:linClrLst>
-    <dgm:effectClrLst/>
-    <dgm:txLinClrLst/>
-    <dgm:txFillClrLst/>
-    <dgm:txEffectClrLst/>
-  </dgm:styleLbl>
-  <dgm:styleLbl name="lnNode1">
-    <dgm:fillClrLst meth="repeat">
-      <a:schemeClr val="accent1"/>
-    </dgm:fillClrLst>
-    <dgm:linClrLst meth="repeat">
-      <a:schemeClr val="lt1"/>
-    </dgm:linClrLst>
-    <dgm:effectClrLst/>
-    <dgm:txLinClrLst/>
-    <dgm:txFillClrLst/>
-    <dgm:txEffectClrLst/>
-  </dgm:styleLbl>
-  <dgm:styleLbl name="vennNode1">
-    <dgm:fillClrLst meth="repeat">
-      <a:schemeClr val="accent1">
-        <a:alpha val="50000"/>
-      </a:schemeClr>
-    </dgm:fillClrLst>
-    <dgm:linClrLst meth="repeat">
-      <a:schemeClr val="lt1"/>
-    </dgm:linClrLst>
-    <dgm:effectClrLst/>
-    <dgm:txLinClrLst/>
-    <dgm:txFillClrLst/>
-    <dgm:txEffectClrLst/>
-  </dgm:styleLbl>
-  <dgm:styleLbl name="node2">
-    <dgm:fillClrLst meth="repeat">
-      <a:schemeClr val="accent1"/>
-    </dgm:fillClrLst>
-    <dgm:linClrLst meth="repeat">
-      <a:schemeClr val="lt1"/>
-    </dgm:linClrLst>
-    <dgm:effectClrLst/>
-    <dgm:txLinClrLst/>
-    <dgm:txFillClrLst/>
-    <dgm:txEffectClrLst/>
-  </dgm:styleLbl>
-  <dgm:styleLbl name="node3">
-    <dgm:fillClrLst meth="repeat">
-      <a:schemeClr val="accent1"/>
-    </dgm:fillClrLst>
-    <dgm:linClrLst meth="repeat">
-      <a:schemeClr val="lt1"/>
-    </dgm:linClrLst>
-    <dgm:effectClrLst/>
-    <dgm:txLinClrLst/>
-    <dgm:txFillClrLst/>
-    <dgm:txEffectClrLst/>
-  </dgm:styleLbl>
-  <dgm:styleLbl name="node4">
-    <dgm:fillClrLst meth="repeat">
-      <a:schemeClr val="accent1"/>
-    </dgm:fillClrLst>
-    <dgm:linClrLst meth="repeat">
-      <a:schemeClr val="lt1"/>
-    </dgm:linClrLst>
-    <dgm:effectClrLst/>
-    <dgm:txLinClrLst/>
-    <dgm:txFillClrLst/>
-    <dgm:txEffectClrLst/>
-  </dgm:styleLbl>
-  <dgm:styleLbl name="fgImgPlace1">
-    <dgm:fillClrLst meth="repeat">
-      <a:schemeClr val="accent1">
-        <a:tint val="50000"/>
-      </a:schemeClr>
-    </dgm:fillClrLst>
-    <dgm:linClrLst meth="repeat">
-      <a:schemeClr val="lt1"/>
-    </dgm:linClrLst>
-    <dgm:effectClrLst/>
-    <dgm:txLinClrLst/>
-    <dgm:txFillClrLst meth="repeat">
-      <a:schemeClr val="lt1"/>
-    </dgm:txFillClrLst>
-    <dgm:txEffectClrLst/>
-  </dgm:styleLbl>
-  <dgm:styleLbl name="alignImgPlace1">
-    <dgm:fillClrLst meth="repeat">
-      <a:schemeClr val="accent1">
-        <a:tint val="50000"/>
-      </a:schemeClr>
-    </dgm:fillClrLst>
-    <dgm:linClrLst meth="repeat">
-      <a:schemeClr val="lt1"/>
-    </dgm:linClrLst>
-    <dgm:effectClrLst/>
-    <dgm:txLinClrLst/>
-    <dgm:txFillClrLst meth="repeat">
-      <a:schemeClr val="lt1"/>
-    </dgm:txFillClrLst>
-    <dgm:txEffectClrLst/>
-  </dgm:styleLbl>
-  <dgm:styleLbl name="bgImgPlace1">
-    <dgm:fillClrLst meth="repeat">
-      <a:schemeClr val="accent1">
-        <a:tint val="50000"/>
-      </a:schemeClr>
-    </dgm:fillClrLst>
-    <dgm:linClrLst meth="repeat">
-      <a:schemeClr val="lt1"/>
-    </dgm:linClrLst>
-    <dgm:effectClrLst/>
-    <dgm:txLinClrLst/>
-    <dgm:txFillClrLst meth="repeat">
-      <a:schemeClr val="lt1"/>
-    </dgm:txFillClrLst>
-    <dgm:txEffectClrLst/>
-  </dgm:styleLbl>
-  <dgm:styleLbl name="sibTrans2D1">
-    <dgm:fillClrLst meth="repeat">
-      <a:schemeClr val="accent1">
-        <a:tint val="60000"/>
-      </a:schemeClr>
-    </dgm:fillClrLst>
-    <dgm:linClrLst meth="repeat">
-      <a:schemeClr val="accent1">
-        <a:tint val="60000"/>
-      </a:schemeClr>
-    </dgm:linClrLst>
-    <dgm:effectClrLst/>
-    <dgm:txLinClrLst/>
-    <dgm:txFillClrLst/>
-    <dgm:txEffectClrLst/>
-  </dgm:styleLbl>
-  <dgm:styleLbl name="fgSibTrans2D1">
-    <dgm:fillClrLst meth="repeat">
-      <a:schemeClr val="accent1">
-        <a:tint val="60000"/>
-      </a:schemeClr>
-    </dgm:fillClrLst>
-    <dgm:linClrLst meth="repeat">
-      <a:schemeClr val="accent1">
-        <a:tint val="60000"/>
-      </a:schemeClr>
-    </dgm:linClrLst>
-    <dgm:effectClrLst/>
-    <dgm:txLinClrLst/>
-    <dgm:txFillClrLst/>
-    <dgm:txEffectClrLst/>
-  </dgm:styleLbl>
-  <dgm:styleLbl name="bgSibTrans2D1">
-    <dgm:fillClrLst meth="repeat">
-      <a:schemeClr val="accent1">
-        <a:tint val="60000"/>
-      </a:schemeClr>
-    </dgm:fillClrLst>
-    <dgm:linClrLst meth="repeat">
-      <a:schemeClr val="accent1">
-        <a:tint val="60000"/>
-      </a:schemeClr>
-    </dgm:linClrLst>
-    <dgm:effectClrLst/>
-    <dgm:txLinClrLst/>
-    <dgm:txFillClrLst/>
-    <dgm:txEffectClrLst/>
-  </dgm:styleLbl>
-  <dgm:styleLbl name="sibTrans1D1">
-    <dgm:fillClrLst meth="repeat">
-      <a:schemeClr val="accent1"/>
-    </dgm:fillClrLst>
-    <dgm:linClrLst meth="repeat">
-      <a:schemeClr val="accent1"/>
-    </dgm:linClrLst>
-    <dgm:effectClrLst/>
-    <dgm:txLinClrLst/>
-    <dgm:txFillClrLst meth="repeat">
-      <a:schemeClr val="tx1"/>
-    </dgm:txFillClrLst>
-    <dgm:txEffectClrLst/>
-  </dgm:styleLbl>
-  <dgm:styleLbl name="callout">
-    <dgm:fillClrLst meth="repeat">
-      <a:schemeClr val="accent1"/>
-    </dgm:fillClrLst>
-    <dgm:linClrLst meth="repeat">
-      <a:schemeClr val="accent1">
-        <a:tint val="50000"/>
-      </a:schemeClr>
-    </dgm:linClrLst>
-    <dgm:effectClrLst/>
-    <dgm:txLinClrLst/>
-    <dgm:txFillClrLst meth="repeat">
-      <a:schemeClr val="tx1"/>
-    </dgm:txFillClrLst>
-    <dgm:txEffectClrLst/>
-  </dgm:styleLbl>
-  <dgm:styleLbl name="asst0">
-    <dgm:fillClrLst meth="repeat">
-      <a:schemeClr val="accent1"/>
-    </dgm:fillClrLst>
-    <dgm:linClrLst meth="repeat">
-      <a:schemeClr val="lt1"/>
-    </dgm:linClrLst>
-    <dgm:effectClrLst/>
-    <dgm:txLinClrLst/>
-    <dgm:txFillClrLst/>
-    <dgm:txEffectClrLst/>
-  </dgm:styleLbl>
-  <dgm:styleLbl name="asst1">
-    <dgm:fillClrLst meth="repeat">
-      <a:schemeClr val="accent1"/>
-    </dgm:fillClrLst>
-    <dgm:linClrLst meth="repeat">
-      <a:schemeClr val="lt1"/>
-    </dgm:linClrLst>
-    <dgm:effectClrLst/>
-    <dgm:txLinClrLst/>
-    <dgm:txFillClrLst/>
-    <dgm:txEffectClrLst/>
-  </dgm:styleLbl>
-  <dgm:styleLbl name="asst2">
-    <dgm:fillClrLst meth="repeat">
-      <a:schemeClr val="accent1"/>
-    </dgm:fillClrLst>
-    <dgm:linClrLst meth="repeat">
-      <a:schemeClr val="lt1"/>
-    </dgm:linClrLst>
-    <dgm:effectClrLst/>
-    <dgm:txLinClrLst/>
-    <dgm:txFillClrLst/>
-    <dgm:txEffectClrLst/>
-  </dgm:styleLbl>
-  <dgm:styleLbl name="asst3">
-    <dgm:fillClrLst meth="repeat">
-      <a:schemeClr val="accent1"/>
-    </dgm:fillClrLst>
-    <dgm:linClrLst meth="repeat">
-      <a:schemeClr val="lt1"/>
-    </dgm:linClrLst>
-    <dgm:effectClrLst/>
-    <dgm:txLinClrLst/>
-    <dgm:txFillClrLst/>
-    <dgm:txEffectClrLst/>
-  </dgm:styleLbl>
-  <dgm:styleLbl name="asst4">
-    <dgm:fillClrLst meth="repeat">
-      <a:schemeClr val="accent1"/>
-    </dgm:fillClrLst>
-    <dgm:linClrLst meth="repeat">
-      <a:schemeClr val="lt1"/>
-    </dgm:linClrLst>
-    <dgm:effectClrLst/>
-    <dgm:txLinClrLst/>
-    <dgm:txFillClrLst/>
-    <dgm:txEffectClrLst/>
-  </dgm:styleLbl>
-  <dgm:styleLbl name="parChTrans2D1">
-    <dgm:fillClrLst meth="repeat">
-      <a:schemeClr val="accent1">
-        <a:tint val="60000"/>
-      </a:schemeClr>
-    </dgm:fillClrLst>
-    <dgm:linClrLst meth="repeat">
-      <a:schemeClr val="accent1">
-        <a:tint val="60000"/>
-      </a:schemeClr>
-    </dgm:linClrLst>
-    <dgm:effectClrLst/>
-    <dgm:txLinClrLst/>
-    <dgm:txFillClrLst meth="repeat">
-      <a:schemeClr val="lt1"/>
-    </dgm:txFillClrLst>
-    <dgm:txEffectClrLst/>
-  </dgm:styleLbl>
-  <dgm:styleLbl name="parChTrans2D2">
-    <dgm:fillClrLst meth="repeat">
-      <a:schemeClr val="accent1"/>
-    </dgm:fillClrLst>
-    <dgm:linClrLst meth="repeat">
-      <a:schemeClr val="accent1"/>
-    </dgm:linClrLst>
-    <dgm:effectClrLst/>
-    <dgm:txLinClrLst/>
-    <dgm:txFillClrLst meth="repeat">
-      <a:schemeClr val="lt1"/>
-    </dgm:txFillClrLst>
-    <dgm:txEffectClrLst/>
-  </dgm:styleLbl>
-  <dgm:styleLbl name="parChTrans2D3">
-    <dgm:fillClrLst meth="repeat">
-      <a:schemeClr val="accent1"/>
-    </dgm:fillClrLst>
-    <dgm:linClrLst meth="repeat">
-      <a:schemeClr val="accent1"/>
-    </dgm:linClrLst>
-    <dgm:effectClrLst/>
-    <dgm:txLinClrLst/>
-    <dgm:txFillClrLst meth="repeat">
-      <a:schemeClr val="lt1"/>
-    </dgm:txFillClrLst>
-    <dgm:txEffectClrLst/>
-  </dgm:styleLbl>
-  <dgm:styleLbl name="parChTrans2D4">
-    <dgm:fillClrLst meth="repeat">
-      <a:schemeClr val="accent1"/>
-    </dgm:fillClrLst>
-    <dgm:linClrLst meth="repeat">
-      <a:schemeClr val="accent1"/>
-    </dgm:linClrLst>
-    <dgm:effectClrLst/>
-    <dgm:txLinClrLst/>
-    <dgm:txFillClrLst meth="repeat">
-      <a:schemeClr val="lt1"/>
-    </dgm:txFillClrLst>
-    <dgm:txEffectClrLst/>
-  </dgm:styleLbl>
-  <dgm:styleLbl name="parChTrans1D1">
-    <dgm:fillClrLst meth="repeat">
-      <a:schemeClr val="accent1"/>
-    </dgm:fillClrLst>
-    <dgm:linClrLst meth="repeat">
-      <a:schemeClr val="accent1">
-        <a:shade val="60000"/>
-      </a:schemeClr>
-    </dgm:linClrLst>
-    <dgm:effectClrLst/>
-    <dgm:txLinClrLst/>
-    <dgm:txFillClrLst meth="repeat">
-      <a:schemeClr val="tx1"/>
-    </dgm:txFillClrLst>
-    <dgm:txEffectClrLst/>
-  </dgm:styleLbl>
-  <dgm:styleLbl name="parChTrans1D2">
-    <dgm:fillClrLst meth="repeat">
-      <a:schemeClr val="accent1"/>
-    </dgm:fillClrLst>
-    <dgm:linClrLst meth="repeat">
-      <a:schemeClr val="accent1">
-        <a:shade val="60000"/>
-      </a:schemeClr>
-    </dgm:linClrLst>
-    <dgm:effectClrLst/>
-    <dgm:txLinClrLst/>
-    <dgm:txFillClrLst meth="repeat">
-      <a:schemeClr val="tx1"/>
-    </dgm:txFillClrLst>
-    <dgm:txEffectClrLst/>
-  </dgm:styleLbl>
-  <dgm:styleLbl name="parChTrans1D3">
-    <dgm:fillClrLst meth="repeat">
-      <a:schemeClr val="accent1"/>
-    </dgm:fillClrLst>
-    <dgm:linClrLst meth="repeat">
-      <a:schemeClr val="accent1">
-        <a:shade val="80000"/>
-      </a:schemeClr>
-    </dgm:linClrLst>
-    <dgm:effectClrLst/>
-    <dgm:txLinClrLst/>
-    <dgm:txFillClrLst meth="repeat">
-      <a:schemeClr val="tx1"/>
-    </dgm:txFillClrLst>
-    <dgm:txEffectClrLst/>
-  </dgm:styleLbl>
-  <dgm:styleLbl name="parChTrans1D4">
-    <dgm:fillClrLst meth="repeat">
-      <a:schemeClr val="accent1"/>
-    </dgm:fillClrLst>
-    <dgm:linClrLst meth="repeat">
-      <a:schemeClr val="accent1">
-        <a:shade val="80000"/>
-      </a:schemeClr>
-    </dgm:linClrLst>
-    <dgm:effectClrLst/>
-    <dgm:txLinClrLst/>
-    <dgm:txFillClrLst meth="repeat">
-      <a:schemeClr val="tx1"/>
-    </dgm:txFillClrLst>
-    <dgm:txEffectClrLst/>
-  </dgm:styleLbl>
-  <dgm:styleLbl name="fgAcc1">
-    <dgm:fillClrLst meth="repeat">
-      <a:schemeClr val="lt1">
-        <a:alpha val="90000"/>
-      </a:schemeClr>
-    </dgm:fillClrLst>
-    <dgm:linClrLst meth="repeat">
-      <a:schemeClr val="accent1"/>
-    </dgm:linClrLst>
-    <dgm:effectClrLst/>
-    <dgm:txLinClrLst/>
-    <dgm:txFillClrLst meth="repeat">
-      <a:schemeClr val="dk1"/>
-    </dgm:txFillClrLst>
-    <dgm:txEffectClrLst/>
-  </dgm:styleLbl>
-  <dgm:styleLbl name="conFgAcc1">
-    <dgm:fillClrLst meth="repeat">
-      <a:schemeClr val="lt1">
-        <a:alpha val="90000"/>
-      </a:schemeClr>
-    </dgm:fillClrLst>
-    <dgm:linClrLst meth="repeat">
-      <a:schemeClr val="accent1"/>
-    </dgm:linClrLst>
-    <dgm:effectClrLst/>
-    <dgm:txLinClrLst/>
-    <dgm:txFillClrLst meth="repeat">
-      <a:schemeClr val="dk1"/>
-    </dgm:txFillClrLst>
-    <dgm:txEffectClrLst/>
-  </dgm:styleLbl>
-  <dgm:styleLbl name="alignAcc1">
-    <dgm:fillClrLst meth="repeat">
-      <a:schemeClr val="lt1">
-        <a:alpha val="90000"/>
-      </a:schemeClr>
-    </dgm:fillClrLst>
-    <dgm:linClrLst meth="repeat">
-      <a:schemeClr val="accent1"/>
-    </dgm:linClrLst>
-    <dgm:effectClrLst/>
-    <dgm:txLinClrLst/>
-    <dgm:txFillClrLst meth="repeat">
-      <a:schemeClr val="dk1"/>
-    </dgm:txFillClrLst>
-    <dgm:txEffectClrLst/>
-  </dgm:styleLbl>
-  <dgm:styleLbl name="trAlignAcc1">
-    <dgm:fillClrLst meth="repeat">
-      <a:schemeClr val="lt1">
-        <a:alpha val="40000"/>
-      </a:schemeClr>
-    </dgm:fillClrLst>
-    <dgm:linClrLst meth="repeat">
-      <a:schemeClr val="accent1"/>
-    </dgm:linClrLst>
-    <dgm:effectClrLst/>
-    <dgm:txLinClrLst/>
-    <dgm:txFillClrLst meth="repeat">
-      <a:schemeClr val="dk1"/>
-    </dgm:txFillClrLst>
-    <dgm:txEffectClrLst/>
-  </dgm:styleLbl>
-  <dgm:styleLbl name="bgAcc1">
-    <dgm:fillClrLst meth="repeat">
-      <a:schemeClr val="lt1">
-        <a:alpha val="90000"/>
-      </a:schemeClr>
-    </dgm:fillClrLst>
-    <dgm:linClrLst meth="repeat">
-      <a:schemeClr val="accent1"/>
-    </dgm:linClrLst>
-    <dgm:effectClrLst/>
-    <dgm:txLinClrLst/>
-    <dgm:txFillClrLst meth="repeat">
-      <a:schemeClr val="dk1"/>
-    </dgm:txFillClrLst>
-    <dgm:txEffectClrLst/>
-  </dgm:styleLbl>
-  <dgm:styleLbl name="solidFgAcc1">
-    <dgm:fillClrLst meth="repeat">
-      <a:schemeClr val="lt1"/>
-    </dgm:fillClrLst>
-    <dgm:linClrLst meth="repeat">
-      <a:schemeClr val="accent1"/>
-    </dgm:linClrLst>
-    <dgm:effectClrLst/>
-    <dgm:txLinClrLst/>
-    <dgm:txFillClrLst meth="repeat">
-      <a:schemeClr val="dk1"/>
-    </dgm:txFillClrLst>
-    <dgm:txEffectClrLst/>
-  </dgm:styleLbl>
-  <dgm:styleLbl name="solidAlignAcc1">
-    <dgm:fillClrLst meth="repeat">
-      <a:schemeClr val="lt1"/>
-    </dgm:fillClrLst>
-    <dgm:linClrLst meth="repeat">
-      <a:schemeClr val="accent1"/>
-    </dgm:linClrLst>
-    <dgm:effectClrLst/>
-    <dgm:txLinClrLst/>
-    <dgm:txFillClrLst meth="repeat">
-      <a:schemeClr val="dk1"/>
-    </dgm:txFillClrLst>
-    <dgm:txEffectClrLst/>
-  </dgm:styleLbl>
-  <dgm:styleLbl name="solidBgAcc1">
-    <dgm:fillClrLst meth="repeat">
-      <a:schemeClr val="lt1"/>
-    </dgm:fillClrLst>
-    <dgm:linClrLst meth="repeat">
-      <a:schemeClr val="accent1"/>
-    </dgm:linClrLst>
-    <dgm:effectClrLst/>
-    <dgm:txLinClrLst/>
-    <dgm:txFillClrLst meth="repeat">
-      <a:schemeClr val="dk1"/>
-    </dgm:txFillClrLst>
-    <dgm:txEffectClrLst/>
-  </dgm:styleLbl>
-  <dgm:styleLbl name="fgAccFollowNode1">
-    <dgm:fillClrLst meth="repeat">
-      <a:schemeClr val="accent1">
-        <a:alpha val="90000"/>
-        <a:tint val="40000"/>
-      </a:schemeClr>
-    </dgm:fillClrLst>
-    <dgm:linClrLst meth="repeat">
-      <a:schemeClr val="accent1">
-        <a:alpha val="90000"/>
-        <a:tint val="40000"/>
-      </a:schemeClr>
-    </dgm:linClrLst>
-    <dgm:effectClrLst/>
-    <dgm:txLinClrLst/>
-    <dgm:txFillClrLst meth="repeat">
-      <a:schemeClr val="dk1"/>
-    </dgm:txFillClrLst>
-    <dgm:txEffectClrLst/>
-  </dgm:styleLbl>
-  <dgm:styleLbl name="alignAccFollowNode1">
-    <dgm:fillClrLst meth="repeat">
-      <a:schemeClr val="accent1">
-        <a:alpha val="90000"/>
-        <a:tint val="40000"/>
-      </a:schemeClr>
-    </dgm:fillClrLst>
-    <dgm:linClrLst meth="repeat">
-      <a:schemeClr val="accent1">
-        <a:alpha val="90000"/>
-        <a:tint val="40000"/>
-      </a:schemeClr>
-    </dgm:linClrLst>
-    <dgm:effectClrLst/>
-    <dgm:txLinClrLst/>
-    <dgm:txFillClrLst meth="repeat">
-      <a:schemeClr val="dk1"/>
-    </dgm:txFillClrLst>
-    <dgm:txEffectClrLst/>
-  </dgm:styleLbl>
-  <dgm:styleLbl name="bgAccFollowNode1">
-    <dgm:fillClrLst meth="repeat">
-      <a:schemeClr val="accent1">
-        <a:alpha val="90000"/>
-        <a:tint val="40000"/>
-      </a:schemeClr>
-    </dgm:fillClrLst>
-    <dgm:linClrLst meth="repeat">
-      <a:schemeClr val="accent1">
-        <a:alpha val="90000"/>
-        <a:tint val="40000"/>
-      </a:schemeClr>
-    </dgm:linClrLst>
-    <dgm:effectClrLst/>
-    <dgm:txLinClrLst/>
-    <dgm:txFillClrLst meth="repeat">
-      <a:schemeClr val="dk1"/>
-    </dgm:txFillClrLst>
-    <dgm:txEffectClrLst/>
-  </dgm:styleLbl>
-  <dgm:styleLbl name="fgAcc0">
-    <dgm:fillClrLst meth="repeat">
-      <a:schemeClr val="lt1">
-        <a:alpha val="90000"/>
-      </a:schemeClr>
-    </dgm:fillClrLst>
-    <dgm:linClrLst meth="repeat">
-      <a:schemeClr val="accent1"/>
-    </dgm:linClrLst>
-    <dgm:effectClrLst/>
-    <dgm:txLinClrLst/>
-    <dgm:txFillClrLst meth="repeat">
-      <a:schemeClr val="dk1"/>
-    </dgm:txFillClrLst>
-    <dgm:txEffectClrLst/>
-  </dgm:styleLbl>
-  <dgm:styleLbl name="fgAcc2">
-    <dgm:fillClrLst meth="repeat">
-      <a:schemeClr val="lt1">
-        <a:alpha val="90000"/>
-      </a:schemeClr>
-    </dgm:fillClrLst>
-    <dgm:linClrLst meth="repeat">
-      <a:schemeClr val="accent1"/>
-    </dgm:linClrLst>
-    <dgm:effectClrLst/>
-    <dgm:txLinClrLst/>
-    <dgm:txFillClrLst meth="repeat">
-      <a:schemeClr val="dk1"/>
-    </dgm:txFillClrLst>
-    <dgm:txEffectClrLst/>
-  </dgm:styleLbl>
-  <dgm:styleLbl name="fgAcc3">
-    <dgm:fillClrLst meth="repeat">
-      <a:schemeClr val="lt1">
-        <a:alpha val="90000"/>
-      </a:schemeClr>
-    </dgm:fillClrLst>
-    <dgm:linClrLst meth="repeat">
-      <a:schemeClr val="accent1"/>
-    </dgm:linClrLst>
-    <dgm:effectClrLst/>
-    <dgm:txLinClrLst/>
-    <dgm:txFillClrLst meth="repeat">
-      <a:schemeClr val="dk1"/>
-    </dgm:txFillClrLst>
-    <dgm:txEffectClrLst/>
-  </dgm:styleLbl>
-  <dgm:styleLbl name="fgAcc4">
-    <dgm:fillClrLst meth="repeat">
-      <a:schemeClr val="lt1">
-        <a:alpha val="90000"/>
-      </a:schemeClr>
-    </dgm:fillClrLst>
-    <dgm:linClrLst meth="repeat">
-      <a:schemeClr val="accent1"/>
-    </dgm:linClrLst>
-    <dgm:effectClrLst/>
-    <dgm:txLinClrLst/>
-    <dgm:txFillClrLst meth="repeat">
-      <a:schemeClr val="dk1"/>
-    </dgm:txFillClrLst>
-    <dgm:txEffectClrLst/>
-  </dgm:styleLbl>
-  <dgm:styleLbl name="bgShp">
-    <dgm:fillClrLst meth="repeat">
-      <a:schemeClr val="accent1">
-        <a:tint val="40000"/>
-      </a:schemeClr>
-    </dgm:fillClrLst>
-    <dgm:linClrLst meth="repeat">
-      <a:schemeClr val="accent1"/>
-    </dgm:linClrLst>
-    <dgm:effectClrLst/>
-    <dgm:txLinClrLst/>
-    <dgm:txFillClrLst meth="repeat">
-      <a:schemeClr val="dk1"/>
-    </dgm:txFillClrLst>
-    <dgm:txEffectClrLst/>
-  </dgm:styleLbl>
-  <dgm:styleLbl name="dkBgShp">
-    <dgm:fillClrLst meth="repeat">
-      <a:schemeClr val="accent1">
-        <a:shade val="80000"/>
-      </a:schemeClr>
-    </dgm:fillClrLst>
-    <dgm:linClrLst meth="repeat">
-      <a:schemeClr val="accent1"/>
-    </dgm:linClrLst>
-    <dgm:effectClrLst/>
-    <dgm:txLinClrLst/>
-    <dgm:txFillClrLst meth="repeat">
-      <a:schemeClr val="lt1"/>
-    </dgm:txFillClrLst>
-    <dgm:txEffectClrLst/>
-  </dgm:styleLbl>
-  <dgm:styleLbl name="trBgShp">
-    <dgm:fillClrLst meth="repeat">
-      <a:schemeClr val="accent1">
-        <a:tint val="50000"/>
-        <a:alpha val="40000"/>
-      </a:schemeClr>
-    </dgm:fillClrLst>
-    <dgm:linClrLst meth="repeat">
-      <a:schemeClr val="accent1"/>
-    </dgm:linClrLst>
-    <dgm:effectClrLst/>
-    <dgm:txLinClrLst/>
-    <dgm:txFillClrLst meth="repeat">
-      <a:schemeClr val="lt1"/>
-    </dgm:txFillClrLst>
-    <dgm:txEffectClrLst/>
-  </dgm:styleLbl>
-  <dgm:styleLbl name="fgShp">
-    <dgm:fillClrLst meth="repeat">
-      <a:schemeClr val="accent1">
-        <a:tint val="60000"/>
-      </a:schemeClr>
-    </dgm:fillClrLst>
-    <dgm:linClrLst meth="repeat">
-      <a:schemeClr val="lt1"/>
-    </dgm:linClrLst>
-    <dgm:effectClrLst/>
-    <dgm:txLinClrLst/>
-    <dgm:txFillClrLst meth="repeat">
-      <a:schemeClr val="dk1"/>
-    </dgm:txFillClrLst>
-    <dgm:txEffectClrLst/>
-  </dgm:styleLbl>
-  <dgm:styleLbl name="revTx">
-    <dgm:fillClrLst meth="repeat">
-      <a:schemeClr val="lt1">
-        <a:alpha val="0"/>
-      </a:schemeClr>
-    </dgm:fillClrLst>
-    <dgm:linClrLst meth="repeat">
-      <a:schemeClr val="dk1">
-        <a:alpha val="0"/>
-      </a:schemeClr>
-    </dgm:linClrLst>
-    <dgm:effectClrLst/>
-    <dgm:txLinClrLst/>
-    <dgm:txFillClrLst meth="repeat">
-      <a:schemeClr val="tx1"/>
-    </dgm:txFillClrLst>
-    <dgm:txEffectClrLst/>
-  </dgm:styleLbl>
-</dgm:colorsDef>
-</file>
-
 <file path=ppt/diagrams/data1.xml><?xml version="1.0" encoding="utf-8"?>
 <dgm:dataModel xmlns:dgm="http://schemas.openxmlformats.org/drawingml/2006/diagram" xmlns:a="http://schemas.openxmlformats.org/drawingml/2006/main">
   <dgm:ptLst>
-    <dgm:pt modelId="{B7BF5E5C-7C05-41E7-80E8-9ABA021888A4}" type="doc">
-      <dgm:prSet loTypeId="urn:microsoft.com/office/officeart/2005/8/layout/pyramid2" loCatId="list" qsTypeId="urn:microsoft.com/office/officeart/2005/8/quickstyle/simple1" qsCatId="simple" csTypeId="urn:microsoft.com/office/officeart/2005/8/colors/accent1_2" csCatId="accent1" phldr="1"/>
+    <dgm:pt modelId="{D0BCFD5A-5337-496B-81D6-0ACC841A75D4}" type="doc">
+      <dgm:prSet loTypeId="urn:microsoft.com/office/officeart/2005/8/layout/gear1" loCatId="cycle" qsTypeId="urn:microsoft.com/office/officeart/2005/8/quickstyle/simple1" qsCatId="simple" csTypeId="urn:microsoft.com/office/officeart/2005/8/colors/accent1_2" csCatId="accent1" phldr="1"/>
       <dgm:spPr/>
     </dgm:pt>
-    <dgm:pt modelId="{E27A47D7-69EA-4820-ADE4-1AECEE067897}">
+    <dgm:pt modelId="{B5C8E869-5BD4-4E6F-9B9D-8B29E9EA48A4}">
       <dgm:prSet phldrT="[Text]" custT="1"/>
       <dgm:spPr/>
       <dgm:t>
         <a:bodyPr/>
         <a:lstStyle/>
         <a:p>
-          <a:pPr algn="l"/>
           <a:r>
-            <a:rPr lang="en-US" sz="1400" b="1" dirty="0" smtClean="0"/>
-            <a:t>Objective: </a:t>
+            <a:rPr lang="en-US" sz="1600" dirty="0" smtClean="0"/>
+            <a:t>Source code available for study &amp; Research</a:t>
           </a:r>
-        </a:p>
-        <a:p>
-          <a:pPr algn="l"/>
-          <a:r>
-            <a:rPr lang="en-US" sz="1400" dirty="0" smtClean="0"/>
-            <a:t>Enabling simple but compact instant messaging between users </a:t>
-          </a:r>
-          <a:endParaRPr lang="en-US" sz="1400" dirty="0"/>
+          <a:endParaRPr lang="en-US" sz="1600" b="0" dirty="0"/>
         </a:p>
       </dgm:t>
     </dgm:pt>
-    <dgm:pt modelId="{E7458311-1313-4A23-8EF9-16C4B2A8A34B}" type="parTrans" cxnId="{F48E2CC0-AC30-4962-AAC4-9D393A29C3CD}">
+    <dgm:pt modelId="{E9B9E935-A2A2-4802-AADD-A14FECFC9D51}" type="parTrans" cxnId="{5BC87E04-691D-4FE9-9E1A-828113EF56ED}">
       <dgm:prSet/>
       <dgm:spPr/>
       <dgm:t>
@@ -2401,7 +1645,7 @@
         </a:p>
       </dgm:t>
     </dgm:pt>
-    <dgm:pt modelId="{CC4FF348-3F3B-4A65-9503-6D0260EB2BC3}" type="sibTrans" cxnId="{F48E2CC0-AC30-4962-AAC4-9D393A29C3CD}">
+    <dgm:pt modelId="{D1485128-1342-4BF0-BD02-211B0D47CCD0}" type="sibTrans" cxnId="{5BC87E04-691D-4FE9-9E1A-828113EF56ED}">
       <dgm:prSet/>
       <dgm:spPr/>
       <dgm:t>
@@ -2412,37 +1656,22 @@
         </a:p>
       </dgm:t>
     </dgm:pt>
-    <dgm:pt modelId="{E4971A5D-5135-42FE-BB3D-0A8685DCC019}">
+    <dgm:pt modelId="{A00528CC-2B15-4B4A-BF95-45C4F5798181}">
       <dgm:prSet phldrT="[Text]" custT="1"/>
       <dgm:spPr/>
       <dgm:t>
         <a:bodyPr/>
         <a:lstStyle/>
         <a:p>
-          <a:pPr algn="l"/>
           <a:r>
-            <a:rPr lang="en-US" sz="1400" b="1" dirty="0" smtClean="0"/>
-            <a:t>Main features:</a:t>
+            <a:rPr lang="en-US" sz="1600" dirty="0" smtClean="0"/>
+            <a:t>User-friendly interface</a:t>
           </a:r>
-        </a:p>
-        <a:p>
-          <a:pPr algn="l"/>
-          <a:r>
-            <a:rPr lang="en-US" sz="1400" b="0" smtClean="0"/>
-            <a:t>profile, </a:t>
-          </a:r>
-          <a:r>
-            <a:rPr lang="en-US" sz="1400" b="0" dirty="0" smtClean="0"/>
-            <a:t>contact, request and message management</a:t>
-          </a:r>
-        </a:p>
-        <a:p>
-          <a:pPr algn="l"/>
-          <a:endParaRPr lang="en-US" sz="1100" b="0" dirty="0"/>
+          <a:endParaRPr lang="en-US" sz="1600" dirty="0"/>
         </a:p>
       </dgm:t>
     </dgm:pt>
-    <dgm:pt modelId="{0A863BE6-55B8-425E-A086-E0B5BB34382B}" type="parTrans" cxnId="{83FC2502-2F08-45D0-9035-36981AD64683}">
+    <dgm:pt modelId="{662FBE76-F09A-4566-9371-5F1F3DD6156A}" type="parTrans" cxnId="{96648C0F-CAAF-4174-B9A6-826A8866989E}">
       <dgm:prSet/>
       <dgm:spPr/>
       <dgm:t>
@@ -2453,7 +1682,7 @@
         </a:p>
       </dgm:t>
     </dgm:pt>
-    <dgm:pt modelId="{1A82D1C4-962C-429C-AD24-7A6394E25DCB}" type="sibTrans" cxnId="{83FC2502-2F08-45D0-9035-36981AD64683}">
+    <dgm:pt modelId="{121955D9-304B-49AB-852C-D9C9C4479B5B}" type="sibTrans" cxnId="{96648C0F-CAAF-4174-B9A6-826A8866989E}">
       <dgm:prSet/>
       <dgm:spPr/>
       <dgm:t>
@@ -2464,26 +1693,57 @@
         </a:p>
       </dgm:t>
     </dgm:pt>
-    <dgm:pt modelId="{57CBAB72-D913-444C-AD84-42CA9193FDFE}" type="pres">
-      <dgm:prSet presAssocID="{B7BF5E5C-7C05-41E7-80E8-9ABA021888A4}" presName="compositeShape" presStyleCnt="0">
+    <dgm:pt modelId="{B217632E-A364-477E-B0AD-17317438D972}">
+      <dgm:prSet phldrT="[Text]" custT="1"/>
+      <dgm:spPr/>
+      <dgm:t>
+        <a:bodyPr/>
+        <a:lstStyle/>
+        <a:p>
+          <a:r>
+            <a:rPr lang="en-US" sz="1600" dirty="0" smtClean="0"/>
+            <a:t>Simple but compact</a:t>
+          </a:r>
+          <a:endParaRPr lang="en-US" sz="1600" dirty="0"/>
+        </a:p>
+      </dgm:t>
+    </dgm:pt>
+    <dgm:pt modelId="{B25CE0A8-BEDB-474F-A8ED-9466B3A2E5C2}" type="parTrans" cxnId="{8692E10B-9B80-4B63-88A3-86013F60E652}">
+      <dgm:prSet/>
+      <dgm:spPr/>
+      <dgm:t>
+        <a:bodyPr/>
+        <a:lstStyle/>
+        <a:p>
+          <a:endParaRPr lang="en-US"/>
+        </a:p>
+      </dgm:t>
+    </dgm:pt>
+    <dgm:pt modelId="{B7773599-FE92-4815-BC89-8B4C702FBCCB}" type="sibTrans" cxnId="{8692E10B-9B80-4B63-88A3-86013F60E652}">
+      <dgm:prSet/>
+      <dgm:spPr/>
+      <dgm:t>
+        <a:bodyPr/>
+        <a:lstStyle/>
+        <a:p>
+          <a:endParaRPr lang="en-US"/>
+        </a:p>
+      </dgm:t>
+    </dgm:pt>
+    <dgm:pt modelId="{476560EC-74F5-442C-BD20-8AA7FD6B1C5F}" type="pres">
+      <dgm:prSet presAssocID="{D0BCFD5A-5337-496B-81D6-0ACC841A75D4}" presName="composite" presStyleCnt="0">
         <dgm:presLayoutVars>
-          <dgm:dir/>
-          <dgm:resizeHandles/>
+          <dgm:chMax val="3"/>
+          <dgm:animLvl val="lvl"/>
+          <dgm:resizeHandles val="exact"/>
         </dgm:presLayoutVars>
       </dgm:prSet>
       <dgm:spPr/>
     </dgm:pt>
-    <dgm:pt modelId="{7055902E-54BB-4D1E-9893-F5A17E31E96E}" type="pres">
-      <dgm:prSet presAssocID="{B7BF5E5C-7C05-41E7-80E8-9ABA021888A4}" presName="pyramid" presStyleLbl="node1" presStyleIdx="0" presStyleCnt="1"/>
-      <dgm:spPr/>
-    </dgm:pt>
-    <dgm:pt modelId="{89229573-7562-4ECE-A1C9-68242A56A5E3}" type="pres">
-      <dgm:prSet presAssocID="{B7BF5E5C-7C05-41E7-80E8-9ABA021888A4}" presName="theList" presStyleCnt="0"/>
-      <dgm:spPr/>
-    </dgm:pt>
-    <dgm:pt modelId="{22DD6A03-E79E-4185-AC88-3B74479F256C}" type="pres">
-      <dgm:prSet presAssocID="{E27A47D7-69EA-4820-ADE4-1AECEE067897}" presName="aNode" presStyleLbl="fgAcc1" presStyleIdx="0" presStyleCnt="2">
+    <dgm:pt modelId="{296A9A9F-F98F-44E8-B60F-3702464263CD}" type="pres">
+      <dgm:prSet presAssocID="{B5C8E869-5BD4-4E6F-9B9D-8B29E9EA48A4}" presName="gear1" presStyleLbl="node1" presStyleIdx="0" presStyleCnt="3">
         <dgm:presLayoutVars>
+          <dgm:chMax val="1"/>
           <dgm:bulletEnabled val="1"/>
         </dgm:presLayoutVars>
       </dgm:prSet>
@@ -2496,13 +1756,18 @@
         </a:p>
       </dgm:t>
     </dgm:pt>
-    <dgm:pt modelId="{7FED6E39-5F5C-443B-86A8-E0786CF36825}" type="pres">
-      <dgm:prSet presAssocID="{E27A47D7-69EA-4820-ADE4-1AECEE067897}" presName="aSpace" presStyleCnt="0"/>
+    <dgm:pt modelId="{3B6CE429-A00C-4EA0-AB96-76602B35F97B}" type="pres">
+      <dgm:prSet presAssocID="{B5C8E869-5BD4-4E6F-9B9D-8B29E9EA48A4}" presName="gear1srcNode" presStyleLbl="node1" presStyleIdx="0" presStyleCnt="3"/>
       <dgm:spPr/>
     </dgm:pt>
-    <dgm:pt modelId="{28EE9CDE-AADB-417B-BFB3-2E4EF02C10FA}" type="pres">
-      <dgm:prSet presAssocID="{E4971A5D-5135-42FE-BB3D-0A8685DCC019}" presName="aNode" presStyleLbl="fgAcc1" presStyleIdx="1" presStyleCnt="2">
+    <dgm:pt modelId="{0191FE66-9F40-48D6-96D7-FD9411EF3DA2}" type="pres">
+      <dgm:prSet presAssocID="{B5C8E869-5BD4-4E6F-9B9D-8B29E9EA48A4}" presName="gear1dstNode" presStyleLbl="node1" presStyleIdx="0" presStyleCnt="3"/>
+      <dgm:spPr/>
+    </dgm:pt>
+    <dgm:pt modelId="{FFE50F03-6D69-431E-A6F1-3B54261FF702}" type="pres">
+      <dgm:prSet presAssocID="{A00528CC-2B15-4B4A-BF95-45C4F5798181}" presName="gear2" presStyleLbl="node1" presStyleIdx="1" presStyleCnt="3">
         <dgm:presLayoutVars>
+          <dgm:chMax val="1"/>
           <dgm:bulletEnabled val="1"/>
         </dgm:presLayoutVars>
       </dgm:prSet>
@@ -2515,23 +1780,93 @@
         </a:p>
       </dgm:t>
     </dgm:pt>
-    <dgm:pt modelId="{096BE195-E7C1-4E44-B4BD-27603C1A499B}" type="pres">
-      <dgm:prSet presAssocID="{E4971A5D-5135-42FE-BB3D-0A8685DCC019}" presName="aSpace" presStyleCnt="0"/>
+    <dgm:pt modelId="{445183B8-8B27-4230-BEDC-86B65987D422}" type="pres">
+      <dgm:prSet presAssocID="{A00528CC-2B15-4B4A-BF95-45C4F5798181}" presName="gear2srcNode" presStyleLbl="node1" presStyleIdx="1" presStyleCnt="3"/>
+      <dgm:spPr/>
+    </dgm:pt>
+    <dgm:pt modelId="{C6A31676-AFFA-4D20-93E5-1629BD1242B3}" type="pres">
+      <dgm:prSet presAssocID="{A00528CC-2B15-4B4A-BF95-45C4F5798181}" presName="gear2dstNode" presStyleLbl="node1" presStyleIdx="1" presStyleCnt="3"/>
+      <dgm:spPr/>
+    </dgm:pt>
+    <dgm:pt modelId="{61AFD77C-4A46-438F-B324-DCE494D13F76}" type="pres">
+      <dgm:prSet presAssocID="{B217632E-A364-477E-B0AD-17317438D972}" presName="gear3" presStyleLbl="node1" presStyleIdx="2" presStyleCnt="3"/>
+      <dgm:spPr/>
+      <dgm:t>
+        <a:bodyPr/>
+        <a:lstStyle/>
+        <a:p>
+          <a:endParaRPr lang="en-US"/>
+        </a:p>
+      </dgm:t>
+    </dgm:pt>
+    <dgm:pt modelId="{E5C76F26-AD0A-424D-A6E1-D8FFD7C9B3CC}" type="pres">
+      <dgm:prSet presAssocID="{B217632E-A364-477E-B0AD-17317438D972}" presName="gear3tx" presStyleLbl="node1" presStyleIdx="2" presStyleCnt="3">
+        <dgm:presLayoutVars>
+          <dgm:chMax val="1"/>
+          <dgm:bulletEnabled val="1"/>
+        </dgm:presLayoutVars>
+      </dgm:prSet>
+      <dgm:spPr/>
+      <dgm:t>
+        <a:bodyPr/>
+        <a:lstStyle/>
+        <a:p>
+          <a:endParaRPr lang="en-US"/>
+        </a:p>
+      </dgm:t>
+    </dgm:pt>
+    <dgm:pt modelId="{4D3B9CC9-BC24-4020-9CF0-5551B46E80E7}" type="pres">
+      <dgm:prSet presAssocID="{B217632E-A364-477E-B0AD-17317438D972}" presName="gear3srcNode" presStyleLbl="node1" presStyleIdx="2" presStyleCnt="3"/>
+      <dgm:spPr/>
+    </dgm:pt>
+    <dgm:pt modelId="{79D76F92-838E-4A9E-A064-CA921BC314B6}" type="pres">
+      <dgm:prSet presAssocID="{B217632E-A364-477E-B0AD-17317438D972}" presName="gear3dstNode" presStyleLbl="node1" presStyleIdx="2" presStyleCnt="3"/>
+      <dgm:spPr/>
+    </dgm:pt>
+    <dgm:pt modelId="{B6120B17-0102-4B34-9F13-516896D73E03}" type="pres">
+      <dgm:prSet presAssocID="{D1485128-1342-4BF0-BD02-211B0D47CCD0}" presName="connector1" presStyleLbl="sibTrans2D1" presStyleIdx="0" presStyleCnt="3"/>
+      <dgm:spPr/>
+    </dgm:pt>
+    <dgm:pt modelId="{A4C93C43-ED59-4301-9861-206885C55AA9}" type="pres">
+      <dgm:prSet presAssocID="{121955D9-304B-49AB-852C-D9C9C4479B5B}" presName="connector2" presStyleLbl="sibTrans2D1" presStyleIdx="1" presStyleCnt="3"/>
+      <dgm:spPr/>
+    </dgm:pt>
+    <dgm:pt modelId="{E0BDEB98-638C-469F-997E-3F63E8F0DEAD}" type="pres">
+      <dgm:prSet presAssocID="{B7773599-FE92-4815-BC89-8B4C702FBCCB}" presName="connector3" presStyleLbl="sibTrans2D1" presStyleIdx="2" presStyleCnt="3"/>
       <dgm:spPr/>
     </dgm:pt>
   </dgm:ptLst>
   <dgm:cxnLst>
-    <dgm:cxn modelId="{1E2ADB97-C495-4054-ABED-4430699C6292}" type="presOf" srcId="{B7BF5E5C-7C05-41E7-80E8-9ABA021888A4}" destId="{57CBAB72-D913-444C-AD84-42CA9193FDFE}" srcOrd="0" destOrd="0" presId="urn:microsoft.com/office/officeart/2005/8/layout/pyramid2"/>
-    <dgm:cxn modelId="{F48E2CC0-AC30-4962-AAC4-9D393A29C3CD}" srcId="{B7BF5E5C-7C05-41E7-80E8-9ABA021888A4}" destId="{E27A47D7-69EA-4820-ADE4-1AECEE067897}" srcOrd="0" destOrd="0" parTransId="{E7458311-1313-4A23-8EF9-16C4B2A8A34B}" sibTransId="{CC4FF348-3F3B-4A65-9503-6D0260EB2BC3}"/>
-    <dgm:cxn modelId="{260BF225-1CA2-4D54-8578-E070EEFA25A9}" type="presOf" srcId="{E27A47D7-69EA-4820-ADE4-1AECEE067897}" destId="{22DD6A03-E79E-4185-AC88-3B74479F256C}" srcOrd="0" destOrd="0" presId="urn:microsoft.com/office/officeart/2005/8/layout/pyramid2"/>
-    <dgm:cxn modelId="{34222935-C822-48A0-BA5D-E145356DBCE2}" type="presOf" srcId="{E4971A5D-5135-42FE-BB3D-0A8685DCC019}" destId="{28EE9CDE-AADB-417B-BFB3-2E4EF02C10FA}" srcOrd="0" destOrd="0" presId="urn:microsoft.com/office/officeart/2005/8/layout/pyramid2"/>
-    <dgm:cxn modelId="{83FC2502-2F08-45D0-9035-36981AD64683}" srcId="{B7BF5E5C-7C05-41E7-80E8-9ABA021888A4}" destId="{E4971A5D-5135-42FE-BB3D-0A8685DCC019}" srcOrd="1" destOrd="0" parTransId="{0A863BE6-55B8-425E-A086-E0B5BB34382B}" sibTransId="{1A82D1C4-962C-429C-AD24-7A6394E25DCB}"/>
-    <dgm:cxn modelId="{BBD00C7B-61AD-4A8F-A1AD-43A6D2DFB59C}" type="presParOf" srcId="{57CBAB72-D913-444C-AD84-42CA9193FDFE}" destId="{7055902E-54BB-4D1E-9893-F5A17E31E96E}" srcOrd="0" destOrd="0" presId="urn:microsoft.com/office/officeart/2005/8/layout/pyramid2"/>
-    <dgm:cxn modelId="{092E4B9D-08ED-41DA-9269-C003B542029B}" type="presParOf" srcId="{57CBAB72-D913-444C-AD84-42CA9193FDFE}" destId="{89229573-7562-4ECE-A1C9-68242A56A5E3}" srcOrd="1" destOrd="0" presId="urn:microsoft.com/office/officeart/2005/8/layout/pyramid2"/>
-    <dgm:cxn modelId="{AE9A90A3-94E2-40C4-9FDB-EA6E36C9A08D}" type="presParOf" srcId="{89229573-7562-4ECE-A1C9-68242A56A5E3}" destId="{22DD6A03-E79E-4185-AC88-3B74479F256C}" srcOrd="0" destOrd="0" presId="urn:microsoft.com/office/officeart/2005/8/layout/pyramid2"/>
-    <dgm:cxn modelId="{DD32494A-4792-416E-AAE5-BD12E6D9C4C5}" type="presParOf" srcId="{89229573-7562-4ECE-A1C9-68242A56A5E3}" destId="{7FED6E39-5F5C-443B-86A8-E0786CF36825}" srcOrd="1" destOrd="0" presId="urn:microsoft.com/office/officeart/2005/8/layout/pyramid2"/>
-    <dgm:cxn modelId="{1E905184-A60E-407C-BCD5-548207D73770}" type="presParOf" srcId="{89229573-7562-4ECE-A1C9-68242A56A5E3}" destId="{28EE9CDE-AADB-417B-BFB3-2E4EF02C10FA}" srcOrd="2" destOrd="0" presId="urn:microsoft.com/office/officeart/2005/8/layout/pyramid2"/>
-    <dgm:cxn modelId="{C1C9D317-A299-40C8-9D19-15BCD929BD4B}" type="presParOf" srcId="{89229573-7562-4ECE-A1C9-68242A56A5E3}" destId="{096BE195-E7C1-4E44-B4BD-27603C1A499B}" srcOrd="3" destOrd="0" presId="urn:microsoft.com/office/officeart/2005/8/layout/pyramid2"/>
+    <dgm:cxn modelId="{699BC288-1941-4827-8C1B-638790C1ECF6}" type="presOf" srcId="{B5C8E869-5BD4-4E6F-9B9D-8B29E9EA48A4}" destId="{0191FE66-9F40-48D6-96D7-FD9411EF3DA2}" srcOrd="2" destOrd="0" presId="urn:microsoft.com/office/officeart/2005/8/layout/gear1"/>
+    <dgm:cxn modelId="{C4A5B169-3EE1-442D-96EC-7E774719697D}" type="presOf" srcId="{D0BCFD5A-5337-496B-81D6-0ACC841A75D4}" destId="{476560EC-74F5-442C-BD20-8AA7FD6B1C5F}" srcOrd="0" destOrd="0" presId="urn:microsoft.com/office/officeart/2005/8/layout/gear1"/>
+    <dgm:cxn modelId="{CDB32C72-A363-4221-9E52-289652C4CE57}" type="presOf" srcId="{B217632E-A364-477E-B0AD-17317438D972}" destId="{79D76F92-838E-4A9E-A064-CA921BC314B6}" srcOrd="3" destOrd="0" presId="urn:microsoft.com/office/officeart/2005/8/layout/gear1"/>
+    <dgm:cxn modelId="{96648C0F-CAAF-4174-B9A6-826A8866989E}" srcId="{D0BCFD5A-5337-496B-81D6-0ACC841A75D4}" destId="{A00528CC-2B15-4B4A-BF95-45C4F5798181}" srcOrd="1" destOrd="0" parTransId="{662FBE76-F09A-4566-9371-5F1F3DD6156A}" sibTransId="{121955D9-304B-49AB-852C-D9C9C4479B5B}"/>
+    <dgm:cxn modelId="{53FF9DE5-A9AF-4C45-BD2A-747476D16B85}" type="presOf" srcId="{B217632E-A364-477E-B0AD-17317438D972}" destId="{4D3B9CC9-BC24-4020-9CF0-5551B46E80E7}" srcOrd="2" destOrd="0" presId="urn:microsoft.com/office/officeart/2005/8/layout/gear1"/>
+    <dgm:cxn modelId="{F778F4C0-0AF2-4878-988A-8547AF1D0083}" type="presOf" srcId="{A00528CC-2B15-4B4A-BF95-45C4F5798181}" destId="{FFE50F03-6D69-431E-A6F1-3B54261FF702}" srcOrd="0" destOrd="0" presId="urn:microsoft.com/office/officeart/2005/8/layout/gear1"/>
+    <dgm:cxn modelId="{BF1D4F7E-671D-4047-BE14-20462FF9D569}" type="presOf" srcId="{121955D9-304B-49AB-852C-D9C9C4479B5B}" destId="{A4C93C43-ED59-4301-9861-206885C55AA9}" srcOrd="0" destOrd="0" presId="urn:microsoft.com/office/officeart/2005/8/layout/gear1"/>
+    <dgm:cxn modelId="{8692E10B-9B80-4B63-88A3-86013F60E652}" srcId="{D0BCFD5A-5337-496B-81D6-0ACC841A75D4}" destId="{B217632E-A364-477E-B0AD-17317438D972}" srcOrd="2" destOrd="0" parTransId="{B25CE0A8-BEDB-474F-A8ED-9466B3A2E5C2}" sibTransId="{B7773599-FE92-4815-BC89-8B4C702FBCCB}"/>
+    <dgm:cxn modelId="{3FAF7A1E-4008-4D82-B071-BA97EC403FE5}" type="presOf" srcId="{B5C8E869-5BD4-4E6F-9B9D-8B29E9EA48A4}" destId="{3B6CE429-A00C-4EA0-AB96-76602B35F97B}" srcOrd="1" destOrd="0" presId="urn:microsoft.com/office/officeart/2005/8/layout/gear1"/>
+    <dgm:cxn modelId="{ED6A95D0-D48C-40C4-B31A-F3C9DF10B800}" type="presOf" srcId="{B217632E-A364-477E-B0AD-17317438D972}" destId="{61AFD77C-4A46-438F-B324-DCE494D13F76}" srcOrd="0" destOrd="0" presId="urn:microsoft.com/office/officeart/2005/8/layout/gear1"/>
+    <dgm:cxn modelId="{D4AFFB6D-71B6-4BDD-8291-92FE8DE54CED}" type="presOf" srcId="{B7773599-FE92-4815-BC89-8B4C702FBCCB}" destId="{E0BDEB98-638C-469F-997E-3F63E8F0DEAD}" srcOrd="0" destOrd="0" presId="urn:microsoft.com/office/officeart/2005/8/layout/gear1"/>
+    <dgm:cxn modelId="{C5EB0D31-75C1-485D-A342-BD3F00103FAB}" type="presOf" srcId="{B5C8E869-5BD4-4E6F-9B9D-8B29E9EA48A4}" destId="{296A9A9F-F98F-44E8-B60F-3702464263CD}" srcOrd="0" destOrd="0" presId="urn:microsoft.com/office/officeart/2005/8/layout/gear1"/>
+    <dgm:cxn modelId="{D83BB5D2-2C94-40F9-895E-18D83A4F0CE6}" type="presOf" srcId="{D1485128-1342-4BF0-BD02-211B0D47CCD0}" destId="{B6120B17-0102-4B34-9F13-516896D73E03}" srcOrd="0" destOrd="0" presId="urn:microsoft.com/office/officeart/2005/8/layout/gear1"/>
+    <dgm:cxn modelId="{E026ACAA-2F05-430B-ACEA-A7694927497F}" type="presOf" srcId="{A00528CC-2B15-4B4A-BF95-45C4F5798181}" destId="{C6A31676-AFFA-4D20-93E5-1629BD1242B3}" srcOrd="2" destOrd="0" presId="urn:microsoft.com/office/officeart/2005/8/layout/gear1"/>
+    <dgm:cxn modelId="{CE8D2B82-7E89-4E18-83CB-A6594E3A1C6B}" type="presOf" srcId="{B217632E-A364-477E-B0AD-17317438D972}" destId="{E5C76F26-AD0A-424D-A6E1-D8FFD7C9B3CC}" srcOrd="1" destOrd="0" presId="urn:microsoft.com/office/officeart/2005/8/layout/gear1"/>
+    <dgm:cxn modelId="{5BC87E04-691D-4FE9-9E1A-828113EF56ED}" srcId="{D0BCFD5A-5337-496B-81D6-0ACC841A75D4}" destId="{B5C8E869-5BD4-4E6F-9B9D-8B29E9EA48A4}" srcOrd="0" destOrd="0" parTransId="{E9B9E935-A2A2-4802-AADD-A14FECFC9D51}" sibTransId="{D1485128-1342-4BF0-BD02-211B0D47CCD0}"/>
+    <dgm:cxn modelId="{034696D6-7CF3-4398-BE6A-1A66335233FC}" type="presOf" srcId="{A00528CC-2B15-4B4A-BF95-45C4F5798181}" destId="{445183B8-8B27-4230-BEDC-86B65987D422}" srcOrd="1" destOrd="0" presId="urn:microsoft.com/office/officeart/2005/8/layout/gear1"/>
+    <dgm:cxn modelId="{2CCB0AF2-79DA-4CBC-9F3C-72C9F8FDA9DD}" type="presParOf" srcId="{476560EC-74F5-442C-BD20-8AA7FD6B1C5F}" destId="{296A9A9F-F98F-44E8-B60F-3702464263CD}" srcOrd="0" destOrd="0" presId="urn:microsoft.com/office/officeart/2005/8/layout/gear1"/>
+    <dgm:cxn modelId="{AC439F51-99FD-4784-A7BD-2547A162F469}" type="presParOf" srcId="{476560EC-74F5-442C-BD20-8AA7FD6B1C5F}" destId="{3B6CE429-A00C-4EA0-AB96-76602B35F97B}" srcOrd="1" destOrd="0" presId="urn:microsoft.com/office/officeart/2005/8/layout/gear1"/>
+    <dgm:cxn modelId="{F47D9815-4867-4B99-937F-7A9C7FF0EC97}" type="presParOf" srcId="{476560EC-74F5-442C-BD20-8AA7FD6B1C5F}" destId="{0191FE66-9F40-48D6-96D7-FD9411EF3DA2}" srcOrd="2" destOrd="0" presId="urn:microsoft.com/office/officeart/2005/8/layout/gear1"/>
+    <dgm:cxn modelId="{8E28034E-EFB9-4432-89BB-3F45B7DE85D4}" type="presParOf" srcId="{476560EC-74F5-442C-BD20-8AA7FD6B1C5F}" destId="{FFE50F03-6D69-431E-A6F1-3B54261FF702}" srcOrd="3" destOrd="0" presId="urn:microsoft.com/office/officeart/2005/8/layout/gear1"/>
+    <dgm:cxn modelId="{EE666766-5D71-4E9D-A606-B83C3114363E}" type="presParOf" srcId="{476560EC-74F5-442C-BD20-8AA7FD6B1C5F}" destId="{445183B8-8B27-4230-BEDC-86B65987D422}" srcOrd="4" destOrd="0" presId="urn:microsoft.com/office/officeart/2005/8/layout/gear1"/>
+    <dgm:cxn modelId="{E698FF7E-79F6-4D9E-BDE9-7A036DB26B30}" type="presParOf" srcId="{476560EC-74F5-442C-BD20-8AA7FD6B1C5F}" destId="{C6A31676-AFFA-4D20-93E5-1629BD1242B3}" srcOrd="5" destOrd="0" presId="urn:microsoft.com/office/officeart/2005/8/layout/gear1"/>
+    <dgm:cxn modelId="{022EA04B-E789-4995-A537-D1C7C3440DA5}" type="presParOf" srcId="{476560EC-74F5-442C-BD20-8AA7FD6B1C5F}" destId="{61AFD77C-4A46-438F-B324-DCE494D13F76}" srcOrd="6" destOrd="0" presId="urn:microsoft.com/office/officeart/2005/8/layout/gear1"/>
+    <dgm:cxn modelId="{543A101D-8510-4057-AC8B-53C13C213DDD}" type="presParOf" srcId="{476560EC-74F5-442C-BD20-8AA7FD6B1C5F}" destId="{E5C76F26-AD0A-424D-A6E1-D8FFD7C9B3CC}" srcOrd="7" destOrd="0" presId="urn:microsoft.com/office/officeart/2005/8/layout/gear1"/>
+    <dgm:cxn modelId="{5CCD7639-E347-4060-A5C5-56B393CC1A7C}" type="presParOf" srcId="{476560EC-74F5-442C-BD20-8AA7FD6B1C5F}" destId="{4D3B9CC9-BC24-4020-9CF0-5551B46E80E7}" srcOrd="8" destOrd="0" presId="urn:microsoft.com/office/officeart/2005/8/layout/gear1"/>
+    <dgm:cxn modelId="{81A99E66-449B-414A-8AEC-E23B4CCE9A7A}" type="presParOf" srcId="{476560EC-74F5-442C-BD20-8AA7FD6B1C5F}" destId="{79D76F92-838E-4A9E-A064-CA921BC314B6}" srcOrd="9" destOrd="0" presId="urn:microsoft.com/office/officeart/2005/8/layout/gear1"/>
+    <dgm:cxn modelId="{5ED3D6B3-1775-488A-8C12-C953DF07A5C1}" type="presParOf" srcId="{476560EC-74F5-442C-BD20-8AA7FD6B1C5F}" destId="{B6120B17-0102-4B34-9F13-516896D73E03}" srcOrd="10" destOrd="0" presId="urn:microsoft.com/office/officeart/2005/8/layout/gear1"/>
+    <dgm:cxn modelId="{F2B89846-B9BC-49FC-A9B6-29CE8E430FFE}" type="presParOf" srcId="{476560EC-74F5-442C-BD20-8AA7FD6B1C5F}" destId="{A4C93C43-ED59-4301-9861-206885C55AA9}" srcOrd="11" destOrd="0" presId="urn:microsoft.com/office/officeart/2005/8/layout/gear1"/>
+    <dgm:cxn modelId="{4F996453-9A44-405E-99ED-094FE478941D}" type="presParOf" srcId="{476560EC-74F5-442C-BD20-8AA7FD6B1C5F}" destId="{E0BDEB98-638C-469F-997E-3F63E8F0DEAD}" srcOrd="12" destOrd="0" presId="urn:microsoft.com/office/officeart/2005/8/layout/gear1"/>
   </dgm:cxnLst>
   <dgm:bg/>
   <dgm:whole/>
@@ -2546,375 +1881,38 @@
 <file path=ppt/diagrams/data2.xml><?xml version="1.0" encoding="utf-8"?>
 <dgm:dataModel xmlns:dgm="http://schemas.openxmlformats.org/drawingml/2006/diagram" xmlns:a="http://schemas.openxmlformats.org/drawingml/2006/main">
   <dgm:ptLst>
-    <dgm:pt modelId="{13F2706A-8868-40A6-B620-A02EE362C549}" type="doc">
-      <dgm:prSet loTypeId="urn:microsoft.com/office/officeart/2005/8/layout/radial5" loCatId="cycle" qsTypeId="urn:microsoft.com/office/officeart/2005/8/quickstyle/simple1" qsCatId="simple" csTypeId="urn:microsoft.com/office/officeart/2005/8/colors/accent1_2" csCatId="accent1" phldr="1"/>
-      <dgm:spPr/>
-      <dgm:t>
-        <a:bodyPr/>
-        <a:lstStyle/>
-        <a:p>
-          <a:endParaRPr lang="en-US"/>
-        </a:p>
-      </dgm:t>
-    </dgm:pt>
-    <dgm:pt modelId="{9AE2B023-46E0-487C-BFD1-864A925D91D6}">
-      <dgm:prSet phldrT="[Text]"/>
-      <dgm:spPr>
-        <a:solidFill>
-          <a:schemeClr val="bg2">
-            <a:lumMod val="75000"/>
-          </a:schemeClr>
-        </a:solidFill>
-      </dgm:spPr>
-      <dgm:t>
-        <a:bodyPr/>
-        <a:lstStyle/>
-        <a:p>
-          <a:r>
-            <a:rPr lang="en-US" dirty="0" smtClean="0"/>
-            <a:t>IM</a:t>
-          </a:r>
-          <a:endParaRPr lang="en-US" dirty="0"/>
-        </a:p>
-      </dgm:t>
-    </dgm:pt>
-    <dgm:pt modelId="{824384D2-CD36-4A0C-B965-EDDBE7134C7C}" type="parTrans" cxnId="{E3BF37CE-98ED-489A-866B-23AB395F0087}">
-      <dgm:prSet/>
-      <dgm:spPr/>
-      <dgm:t>
-        <a:bodyPr/>
-        <a:lstStyle/>
-        <a:p>
-          <a:endParaRPr lang="en-US"/>
-        </a:p>
-      </dgm:t>
-    </dgm:pt>
-    <dgm:pt modelId="{A3BBEBF3-F439-4B3F-81FA-FFD4EC90CCCD}" type="sibTrans" cxnId="{E3BF37CE-98ED-489A-866B-23AB395F0087}">
-      <dgm:prSet/>
-      <dgm:spPr/>
-      <dgm:t>
-        <a:bodyPr/>
-        <a:lstStyle/>
-        <a:p>
-          <a:endParaRPr lang="en-US"/>
-        </a:p>
-      </dgm:t>
-    </dgm:pt>
-    <dgm:pt modelId="{0530463D-995A-4D5D-BE84-BE05A2724BF4}">
-      <dgm:prSet phldrT="[Text]" custT="1"/>
-      <dgm:spPr/>
-      <dgm:t>
-        <a:bodyPr/>
-        <a:lstStyle/>
-        <a:p>
-          <a:r>
-            <a:rPr lang="en-US" sz="1700" b="1" dirty="0" smtClean="0"/>
-            <a:t>Learning &amp; Research</a:t>
-          </a:r>
-          <a:endParaRPr lang="en-US" sz="1700" b="1" dirty="0"/>
-        </a:p>
-      </dgm:t>
-    </dgm:pt>
-    <dgm:pt modelId="{AA1038E9-3C88-4BAA-9984-E3BDB1B31FD7}" type="parTrans" cxnId="{1738D9DB-927E-4E9E-A2ED-32D46B407723}">
-      <dgm:prSet/>
-      <dgm:spPr/>
-      <dgm:t>
-        <a:bodyPr/>
-        <a:lstStyle/>
-        <a:p>
-          <a:endParaRPr lang="en-US"/>
-        </a:p>
-      </dgm:t>
-    </dgm:pt>
-    <dgm:pt modelId="{3E8E32C2-046E-41B8-A910-21E92CFF79C4}" type="sibTrans" cxnId="{1738D9DB-927E-4E9E-A2ED-32D46B407723}">
-      <dgm:prSet/>
-      <dgm:spPr/>
-      <dgm:t>
-        <a:bodyPr/>
-        <a:lstStyle/>
-        <a:p>
-          <a:endParaRPr lang="en-US"/>
-        </a:p>
-      </dgm:t>
-    </dgm:pt>
-    <dgm:pt modelId="{4E7CFC51-D90B-47F3-8F39-62D96E698348}">
-      <dgm:prSet phldrT="[Text]" custT="1"/>
-      <dgm:spPr/>
-      <dgm:t>
-        <a:bodyPr/>
-        <a:lstStyle/>
-        <a:p>
-          <a:r>
-            <a:rPr lang="en-US" sz="1700" b="1" dirty="0" smtClean="0"/>
-            <a:t>public PC-pool </a:t>
-          </a:r>
-        </a:p>
-        <a:p>
-          <a:r>
-            <a:rPr lang="en-US" sz="1700" b="1" dirty="0" smtClean="0"/>
-            <a:t>(where downloading software is not allowed)</a:t>
-          </a:r>
-          <a:endParaRPr lang="en-US" sz="1700" b="1" dirty="0"/>
-        </a:p>
-      </dgm:t>
-    </dgm:pt>
-    <dgm:pt modelId="{FCBACD8A-9E5B-45F3-9961-45C2B5CEA93E}" type="parTrans" cxnId="{3E9AA053-00E0-47ED-AE18-390D6C79D95F}">
-      <dgm:prSet/>
-      <dgm:spPr/>
-      <dgm:t>
-        <a:bodyPr/>
-        <a:lstStyle/>
-        <a:p>
-          <a:endParaRPr lang="en-US"/>
-        </a:p>
-      </dgm:t>
-    </dgm:pt>
-    <dgm:pt modelId="{3BB99788-481B-40DD-B445-146DA9F3D23C}" type="sibTrans" cxnId="{3E9AA053-00E0-47ED-AE18-390D6C79D95F}">
-      <dgm:prSet/>
-      <dgm:spPr/>
-      <dgm:t>
-        <a:bodyPr/>
-        <a:lstStyle/>
-        <a:p>
-          <a:endParaRPr lang="en-US"/>
-        </a:p>
-      </dgm:t>
-    </dgm:pt>
-    <dgm:pt modelId="{16D27905-618E-49A4-847C-DBA1A41F2235}">
-      <dgm:prSet phldrT="[Text]" custT="1"/>
-      <dgm:spPr/>
-      <dgm:t>
-        <a:bodyPr/>
-        <a:lstStyle/>
-        <a:p>
-          <a:r>
-            <a:rPr lang="en-US" sz="1700" b="1" dirty="0" smtClean="0"/>
-            <a:t>Followers of simplicity principle</a:t>
-          </a:r>
-          <a:endParaRPr lang="en-US" sz="1700" b="1" dirty="0"/>
-        </a:p>
-      </dgm:t>
-    </dgm:pt>
-    <dgm:pt modelId="{C294CDF4-7623-437A-9693-DB9B083E48EB}" type="sibTrans" cxnId="{570D6935-DE23-40B3-9E24-8022C75F8057}">
-      <dgm:prSet/>
-      <dgm:spPr/>
-      <dgm:t>
-        <a:bodyPr/>
-        <a:lstStyle/>
-        <a:p>
-          <a:endParaRPr lang="en-US"/>
-        </a:p>
-      </dgm:t>
-    </dgm:pt>
-    <dgm:pt modelId="{A3FF7F9A-3955-4EA2-9381-8C16780F4084}" type="parTrans" cxnId="{570D6935-DE23-40B3-9E24-8022C75F8057}">
-      <dgm:prSet/>
-      <dgm:spPr/>
-      <dgm:t>
-        <a:bodyPr/>
-        <a:lstStyle/>
-        <a:p>
-          <a:endParaRPr lang="en-US"/>
-        </a:p>
-      </dgm:t>
-    </dgm:pt>
-    <dgm:pt modelId="{2E08D92E-91B8-48FA-AE8D-12AC19D96F28}" type="pres">
-      <dgm:prSet presAssocID="{13F2706A-8868-40A6-B620-A02EE362C549}" presName="Name0" presStyleCnt="0">
-        <dgm:presLayoutVars>
-          <dgm:chMax val="1"/>
-          <dgm:dir/>
-          <dgm:animLvl val="ctr"/>
-          <dgm:resizeHandles val="exact"/>
-        </dgm:presLayoutVars>
-      </dgm:prSet>
-      <dgm:spPr/>
-      <dgm:t>
-        <a:bodyPr/>
-        <a:lstStyle/>
-        <a:p>
-          <a:endParaRPr lang="en-US"/>
-        </a:p>
-      </dgm:t>
-    </dgm:pt>
-    <dgm:pt modelId="{301C4C22-AE49-4CB4-8523-8729F19F38E4}" type="pres">
-      <dgm:prSet presAssocID="{9AE2B023-46E0-487C-BFD1-864A925D91D6}" presName="centerShape" presStyleLbl="node0" presStyleIdx="0" presStyleCnt="1" custLinFactNeighborY="-5992"/>
-      <dgm:spPr/>
-      <dgm:t>
-        <a:bodyPr/>
-        <a:lstStyle/>
-        <a:p>
-          <a:endParaRPr lang="en-US"/>
-        </a:p>
-      </dgm:t>
-    </dgm:pt>
-    <dgm:pt modelId="{E817DFAB-00F7-4EE6-AD74-D68EB0716B51}" type="pres">
-      <dgm:prSet presAssocID="{A3FF7F9A-3955-4EA2-9381-8C16780F4084}" presName="parTrans" presStyleLbl="sibTrans2D1" presStyleIdx="0" presStyleCnt="3"/>
-      <dgm:spPr/>
-      <dgm:t>
-        <a:bodyPr/>
-        <a:lstStyle/>
-        <a:p>
-          <a:endParaRPr lang="en-US"/>
-        </a:p>
-      </dgm:t>
-    </dgm:pt>
-    <dgm:pt modelId="{5D5A6514-3BDD-41CA-9090-C8809C7A3BD6}" type="pres">
-      <dgm:prSet presAssocID="{A3FF7F9A-3955-4EA2-9381-8C16780F4084}" presName="connectorText" presStyleLbl="sibTrans2D1" presStyleIdx="0" presStyleCnt="3"/>
-      <dgm:spPr/>
-      <dgm:t>
-        <a:bodyPr/>
-        <a:lstStyle/>
-        <a:p>
-          <a:endParaRPr lang="en-US"/>
-        </a:p>
-      </dgm:t>
-    </dgm:pt>
-    <dgm:pt modelId="{F80D5C0D-9CA8-4B92-9CA0-F2075D0EC434}" type="pres">
-      <dgm:prSet presAssocID="{16D27905-618E-49A4-847C-DBA1A41F2235}" presName="node" presStyleLbl="node1" presStyleIdx="0" presStyleCnt="3" custScaleX="223006">
-        <dgm:presLayoutVars>
-          <dgm:bulletEnabled val="1"/>
-        </dgm:presLayoutVars>
-      </dgm:prSet>
-      <dgm:spPr/>
-      <dgm:t>
-        <a:bodyPr/>
-        <a:lstStyle/>
-        <a:p>
-          <a:endParaRPr lang="en-US"/>
-        </a:p>
-      </dgm:t>
-    </dgm:pt>
-    <dgm:pt modelId="{3C7CA0F0-4C9F-4F11-83F3-A90D7B112680}" type="pres">
-      <dgm:prSet presAssocID="{AA1038E9-3C88-4BAA-9984-E3BDB1B31FD7}" presName="parTrans" presStyleLbl="sibTrans2D1" presStyleIdx="1" presStyleCnt="3"/>
-      <dgm:spPr/>
-      <dgm:t>
-        <a:bodyPr/>
-        <a:lstStyle/>
-        <a:p>
-          <a:endParaRPr lang="en-US"/>
-        </a:p>
-      </dgm:t>
-    </dgm:pt>
-    <dgm:pt modelId="{8AF7FCC0-E7C2-409D-AFE6-E2987C4BABD7}" type="pres">
-      <dgm:prSet presAssocID="{AA1038E9-3C88-4BAA-9984-E3BDB1B31FD7}" presName="connectorText" presStyleLbl="sibTrans2D1" presStyleIdx="1" presStyleCnt="3"/>
-      <dgm:spPr/>
-      <dgm:t>
-        <a:bodyPr/>
-        <a:lstStyle/>
-        <a:p>
-          <a:endParaRPr lang="en-US"/>
-        </a:p>
-      </dgm:t>
-    </dgm:pt>
-    <dgm:pt modelId="{46671C63-D4D3-43A7-99CA-901D80721E07}" type="pres">
-      <dgm:prSet presAssocID="{0530463D-995A-4D5D-BE84-BE05A2724BF4}" presName="node" presStyleLbl="node1" presStyleIdx="1" presStyleCnt="3" custScaleX="223067">
-        <dgm:presLayoutVars>
-          <dgm:bulletEnabled val="1"/>
-        </dgm:presLayoutVars>
-      </dgm:prSet>
-      <dgm:spPr/>
-      <dgm:t>
-        <a:bodyPr/>
-        <a:lstStyle/>
-        <a:p>
-          <a:endParaRPr lang="en-US"/>
-        </a:p>
-      </dgm:t>
-    </dgm:pt>
-    <dgm:pt modelId="{DB0F3B86-FC1D-4467-B147-BC88B060A660}" type="pres">
-      <dgm:prSet presAssocID="{FCBACD8A-9E5B-45F3-9961-45C2B5CEA93E}" presName="parTrans" presStyleLbl="sibTrans2D1" presStyleIdx="2" presStyleCnt="3"/>
-      <dgm:spPr/>
-      <dgm:t>
-        <a:bodyPr/>
-        <a:lstStyle/>
-        <a:p>
-          <a:endParaRPr lang="en-US"/>
-        </a:p>
-      </dgm:t>
-    </dgm:pt>
-    <dgm:pt modelId="{DCAC4197-F2ED-41C2-9907-643DF8BECF31}" type="pres">
-      <dgm:prSet presAssocID="{FCBACD8A-9E5B-45F3-9961-45C2B5CEA93E}" presName="connectorText" presStyleLbl="sibTrans2D1" presStyleIdx="2" presStyleCnt="3"/>
-      <dgm:spPr/>
-      <dgm:t>
-        <a:bodyPr/>
-        <a:lstStyle/>
-        <a:p>
-          <a:endParaRPr lang="en-US"/>
-        </a:p>
-      </dgm:t>
-    </dgm:pt>
-    <dgm:pt modelId="{A6CB494E-34C8-4D7D-87B2-C170A3F2461F}" type="pres">
-      <dgm:prSet presAssocID="{4E7CFC51-D90B-47F3-8F39-62D96E698348}" presName="node" presStyleLbl="node1" presStyleIdx="2" presStyleCnt="3" custScaleX="223067">
-        <dgm:presLayoutVars>
-          <dgm:bulletEnabled val="1"/>
-        </dgm:presLayoutVars>
-      </dgm:prSet>
-      <dgm:spPr/>
-      <dgm:t>
-        <a:bodyPr/>
-        <a:lstStyle/>
-        <a:p>
-          <a:endParaRPr lang="en-US"/>
-        </a:p>
-      </dgm:t>
-    </dgm:pt>
-  </dgm:ptLst>
-  <dgm:cxnLst>
-    <dgm:cxn modelId="{BB56BD19-3E8B-4645-89FE-EC621C0A0FF8}" type="presOf" srcId="{16D27905-618E-49A4-847C-DBA1A41F2235}" destId="{F80D5C0D-9CA8-4B92-9CA0-F2075D0EC434}" srcOrd="0" destOrd="0" presId="urn:microsoft.com/office/officeart/2005/8/layout/radial5"/>
-    <dgm:cxn modelId="{B99EF737-1558-4602-8FAA-1EB09CC123CC}" type="presOf" srcId="{4E7CFC51-D90B-47F3-8F39-62D96E698348}" destId="{A6CB494E-34C8-4D7D-87B2-C170A3F2461F}" srcOrd="0" destOrd="0" presId="urn:microsoft.com/office/officeart/2005/8/layout/radial5"/>
-    <dgm:cxn modelId="{65399CD0-CABA-4E51-8513-98117BDD7758}" type="presOf" srcId="{A3FF7F9A-3955-4EA2-9381-8C16780F4084}" destId="{E817DFAB-00F7-4EE6-AD74-D68EB0716B51}" srcOrd="0" destOrd="0" presId="urn:microsoft.com/office/officeart/2005/8/layout/radial5"/>
-    <dgm:cxn modelId="{8BD96395-5CC8-4BA4-8CA7-3F032E6B655C}" type="presOf" srcId="{A3FF7F9A-3955-4EA2-9381-8C16780F4084}" destId="{5D5A6514-3BDD-41CA-9090-C8809C7A3BD6}" srcOrd="1" destOrd="0" presId="urn:microsoft.com/office/officeart/2005/8/layout/radial5"/>
-    <dgm:cxn modelId="{97FB3C75-8909-414B-854F-720264C26785}" type="presOf" srcId="{AA1038E9-3C88-4BAA-9984-E3BDB1B31FD7}" destId="{3C7CA0F0-4C9F-4F11-83F3-A90D7B112680}" srcOrd="0" destOrd="0" presId="urn:microsoft.com/office/officeart/2005/8/layout/radial5"/>
-    <dgm:cxn modelId="{3E9AA053-00E0-47ED-AE18-390D6C79D95F}" srcId="{9AE2B023-46E0-487C-BFD1-864A925D91D6}" destId="{4E7CFC51-D90B-47F3-8F39-62D96E698348}" srcOrd="2" destOrd="0" parTransId="{FCBACD8A-9E5B-45F3-9961-45C2B5CEA93E}" sibTransId="{3BB99788-481B-40DD-B445-146DA9F3D23C}"/>
-    <dgm:cxn modelId="{23A70AF7-7695-4F2C-A04F-FB52832C66A0}" type="presOf" srcId="{0530463D-995A-4D5D-BE84-BE05A2724BF4}" destId="{46671C63-D4D3-43A7-99CA-901D80721E07}" srcOrd="0" destOrd="0" presId="urn:microsoft.com/office/officeart/2005/8/layout/radial5"/>
-    <dgm:cxn modelId="{570D6935-DE23-40B3-9E24-8022C75F8057}" srcId="{9AE2B023-46E0-487C-BFD1-864A925D91D6}" destId="{16D27905-618E-49A4-847C-DBA1A41F2235}" srcOrd="0" destOrd="0" parTransId="{A3FF7F9A-3955-4EA2-9381-8C16780F4084}" sibTransId="{C294CDF4-7623-437A-9693-DB9B083E48EB}"/>
-    <dgm:cxn modelId="{7FD59488-3BB6-42A0-AACF-5B0AECA15611}" type="presOf" srcId="{13F2706A-8868-40A6-B620-A02EE362C549}" destId="{2E08D92E-91B8-48FA-AE8D-12AC19D96F28}" srcOrd="0" destOrd="0" presId="urn:microsoft.com/office/officeart/2005/8/layout/radial5"/>
-    <dgm:cxn modelId="{B50C23A1-A4FF-42AE-BA4F-269FC3B60532}" type="presOf" srcId="{9AE2B023-46E0-487C-BFD1-864A925D91D6}" destId="{301C4C22-AE49-4CB4-8523-8729F19F38E4}" srcOrd="0" destOrd="0" presId="urn:microsoft.com/office/officeart/2005/8/layout/radial5"/>
-    <dgm:cxn modelId="{05856553-21EE-40A2-B524-55DF4B77CC01}" type="presOf" srcId="{FCBACD8A-9E5B-45F3-9961-45C2B5CEA93E}" destId="{DCAC4197-F2ED-41C2-9907-643DF8BECF31}" srcOrd="1" destOrd="0" presId="urn:microsoft.com/office/officeart/2005/8/layout/radial5"/>
-    <dgm:cxn modelId="{E3BF37CE-98ED-489A-866B-23AB395F0087}" srcId="{13F2706A-8868-40A6-B620-A02EE362C549}" destId="{9AE2B023-46E0-487C-BFD1-864A925D91D6}" srcOrd="0" destOrd="0" parTransId="{824384D2-CD36-4A0C-B965-EDDBE7134C7C}" sibTransId="{A3BBEBF3-F439-4B3F-81FA-FFD4EC90CCCD}"/>
-    <dgm:cxn modelId="{9C55AF58-C214-460C-B488-8841E04D98EF}" type="presOf" srcId="{AA1038E9-3C88-4BAA-9984-E3BDB1B31FD7}" destId="{8AF7FCC0-E7C2-409D-AFE6-E2987C4BABD7}" srcOrd="1" destOrd="0" presId="urn:microsoft.com/office/officeart/2005/8/layout/radial5"/>
-    <dgm:cxn modelId="{65482DD6-3F96-49E2-A07B-7C902D63F0D1}" type="presOf" srcId="{FCBACD8A-9E5B-45F3-9961-45C2B5CEA93E}" destId="{DB0F3B86-FC1D-4467-B147-BC88B060A660}" srcOrd="0" destOrd="0" presId="urn:microsoft.com/office/officeart/2005/8/layout/radial5"/>
-    <dgm:cxn modelId="{1738D9DB-927E-4E9E-A2ED-32D46B407723}" srcId="{9AE2B023-46E0-487C-BFD1-864A925D91D6}" destId="{0530463D-995A-4D5D-BE84-BE05A2724BF4}" srcOrd="1" destOrd="0" parTransId="{AA1038E9-3C88-4BAA-9984-E3BDB1B31FD7}" sibTransId="{3E8E32C2-046E-41B8-A910-21E92CFF79C4}"/>
-    <dgm:cxn modelId="{22733A33-2A65-4302-8330-DE77CE22EC2B}" type="presParOf" srcId="{2E08D92E-91B8-48FA-AE8D-12AC19D96F28}" destId="{301C4C22-AE49-4CB4-8523-8729F19F38E4}" srcOrd="0" destOrd="0" presId="urn:microsoft.com/office/officeart/2005/8/layout/radial5"/>
-    <dgm:cxn modelId="{8E446417-4EF4-49FB-A547-9550914D7DC3}" type="presParOf" srcId="{2E08D92E-91B8-48FA-AE8D-12AC19D96F28}" destId="{E817DFAB-00F7-4EE6-AD74-D68EB0716B51}" srcOrd="1" destOrd="0" presId="urn:microsoft.com/office/officeart/2005/8/layout/radial5"/>
-    <dgm:cxn modelId="{BE9A5C40-0F21-4C16-829C-DB67FF52BBC1}" type="presParOf" srcId="{E817DFAB-00F7-4EE6-AD74-D68EB0716B51}" destId="{5D5A6514-3BDD-41CA-9090-C8809C7A3BD6}" srcOrd="0" destOrd="0" presId="urn:microsoft.com/office/officeart/2005/8/layout/radial5"/>
-    <dgm:cxn modelId="{3AA2F176-3415-4BF0-8D6B-6851AF8220E1}" type="presParOf" srcId="{2E08D92E-91B8-48FA-AE8D-12AC19D96F28}" destId="{F80D5C0D-9CA8-4B92-9CA0-F2075D0EC434}" srcOrd="2" destOrd="0" presId="urn:microsoft.com/office/officeart/2005/8/layout/radial5"/>
-    <dgm:cxn modelId="{81C96604-23AA-4709-A3E8-670BF332C316}" type="presParOf" srcId="{2E08D92E-91B8-48FA-AE8D-12AC19D96F28}" destId="{3C7CA0F0-4C9F-4F11-83F3-A90D7B112680}" srcOrd="3" destOrd="0" presId="urn:microsoft.com/office/officeart/2005/8/layout/radial5"/>
-    <dgm:cxn modelId="{B938854B-64D9-4F31-A374-4A9EC34318CF}" type="presParOf" srcId="{3C7CA0F0-4C9F-4F11-83F3-A90D7B112680}" destId="{8AF7FCC0-E7C2-409D-AFE6-E2987C4BABD7}" srcOrd="0" destOrd="0" presId="urn:microsoft.com/office/officeart/2005/8/layout/radial5"/>
-    <dgm:cxn modelId="{205CA05C-2FDD-4567-BA21-0C3A6DF7F17A}" type="presParOf" srcId="{2E08D92E-91B8-48FA-AE8D-12AC19D96F28}" destId="{46671C63-D4D3-43A7-99CA-901D80721E07}" srcOrd="4" destOrd="0" presId="urn:microsoft.com/office/officeart/2005/8/layout/radial5"/>
-    <dgm:cxn modelId="{C4F6514D-4737-4CE3-B980-88CA45E4B02A}" type="presParOf" srcId="{2E08D92E-91B8-48FA-AE8D-12AC19D96F28}" destId="{DB0F3B86-FC1D-4467-B147-BC88B060A660}" srcOrd="5" destOrd="0" presId="urn:microsoft.com/office/officeart/2005/8/layout/radial5"/>
-    <dgm:cxn modelId="{B8D83178-6B4A-4BD4-A4DE-880811340167}" type="presParOf" srcId="{DB0F3B86-FC1D-4467-B147-BC88B060A660}" destId="{DCAC4197-F2ED-41C2-9907-643DF8BECF31}" srcOrd="0" destOrd="0" presId="urn:microsoft.com/office/officeart/2005/8/layout/radial5"/>
-    <dgm:cxn modelId="{1D3427A4-9DFB-4CBD-AFDB-A18E97964423}" type="presParOf" srcId="{2E08D92E-91B8-48FA-AE8D-12AC19D96F28}" destId="{A6CB494E-34C8-4D7D-87B2-C170A3F2461F}" srcOrd="6" destOrd="0" presId="urn:microsoft.com/office/officeart/2005/8/layout/radial5"/>
-  </dgm:cxnLst>
-  <dgm:bg/>
-  <dgm:whole/>
-  <dgm:extLst>
-    <a:ext uri="http://schemas.microsoft.com/office/drawing/2008/diagram">
-      <dsp:dataModelExt xmlns:dsp="http://schemas.microsoft.com/office/drawing/2008/diagram" relId="rId6" minVer="http://schemas.openxmlformats.org/drawingml/2006/diagram"/>
-    </a:ext>
-  </dgm:extLst>
-</dgm:dataModel>
-</file>
-
-<file path=ppt/diagrams/data3.xml><?xml version="1.0" encoding="utf-8"?>
-<dgm:dataModel xmlns:dgm="http://schemas.openxmlformats.org/drawingml/2006/diagram" xmlns:a="http://schemas.openxmlformats.org/drawingml/2006/main">
-  <dgm:ptLst>
     <dgm:pt modelId="{93BC5730-6C87-42E5-9B15-63A36BE9F294}" type="doc">
       <dgm:prSet loTypeId="urn:microsoft.com/office/officeart/2005/8/layout/vList3#1" loCatId="list" qsTypeId="urn:microsoft.com/office/officeart/2005/8/quickstyle/simple1" qsCatId="simple" csTypeId="urn:microsoft.com/office/officeart/2005/8/colors/accent1_2" csCatId="accent1" phldr="1"/>
       <dgm:spPr/>
     </dgm:pt>
     <dgm:pt modelId="{1F8F085B-6F7C-434E-AE1A-CCAD0F7C95B8}">
       <dgm:prSet phldrT="[Text]" custT="1"/>
-      <dgm:spPr/>
+      <dgm:spPr>
+        <a:noFill/>
+        <a:ln>
+          <a:solidFill>
+            <a:schemeClr val="accent2"/>
+          </a:solidFill>
+        </a:ln>
+      </dgm:spPr>
       <dgm:t>
         <a:bodyPr/>
         <a:lstStyle/>
         <a:p>
           <a:pPr algn="l"/>
           <a:r>
-            <a:rPr lang="en-US" sz="1600" b="1" dirty="0" smtClean="0"/>
+            <a:rPr lang="en-US" sz="1600" b="0" dirty="0" smtClean="0">
+              <a:solidFill>
+                <a:schemeClr val="tx1"/>
+              </a:solidFill>
+            </a:rPr>
             <a:t>Developing the function of sending messages to groups </a:t>
           </a:r>
-          <a:endParaRPr lang="en-US" sz="1600" b="1" dirty="0"/>
+          <a:endParaRPr lang="en-US" sz="1600" b="0" dirty="0">
+            <a:solidFill>
+              <a:schemeClr val="tx1"/>
+            </a:solidFill>
+          </a:endParaRPr>
         </a:p>
       </dgm:t>
     </dgm:pt>
@@ -2942,23 +1940,30 @@
     </dgm:pt>
     <dgm:pt modelId="{3AF9A87F-E474-4362-8806-2E4639EDB7B2}">
       <dgm:prSet phldrT="[Text]" custT="1"/>
-      <dgm:spPr/>
+      <dgm:spPr>
+        <a:noFill/>
+        <a:ln>
+          <a:solidFill>
+            <a:schemeClr val="accent2"/>
+          </a:solidFill>
+        </a:ln>
+      </dgm:spPr>
       <dgm:t>
         <a:bodyPr/>
         <a:lstStyle/>
         <a:p>
           <a:pPr algn="l"/>
           <a:r>
-            <a:rPr lang="en-US" sz="1600" b="1" dirty="0" smtClean="0">
+            <a:rPr lang="en-US" sz="1600" b="0" dirty="0" smtClean="0">
               <a:solidFill>
-                <a:schemeClr val="bg1"/>
+                <a:schemeClr val="tx1"/>
               </a:solidFill>
             </a:rPr>
             <a:t>Developing further functions like search for history with key words, integration of icons in the messages</a:t>
           </a:r>
-          <a:endParaRPr lang="en-US" sz="1600" b="1" dirty="0">
+          <a:endParaRPr lang="en-US" sz="1600" b="0" dirty="0">
             <a:solidFill>
-              <a:schemeClr val="bg1"/>
+              <a:schemeClr val="tx1"/>
             </a:solidFill>
           </a:endParaRPr>
         </a:p>
@@ -2988,23 +1993,46 @@
     </dgm:pt>
     <dgm:pt modelId="{C96D5131-E2DA-4734-A3EA-66C2FD387F84}">
       <dgm:prSet phldrT="[Text]" custT="1"/>
-      <dgm:spPr/>
+      <dgm:spPr>
+        <a:noFill/>
+        <a:ln>
+          <a:solidFill>
+            <a:schemeClr val="accent2"/>
+          </a:solidFill>
+        </a:ln>
+      </dgm:spPr>
       <dgm:t>
         <a:bodyPr/>
         <a:lstStyle/>
         <a:p>
           <a:pPr algn="l"/>
           <a:r>
-            <a:rPr lang="en-US" sz="1600" b="1" dirty="0" smtClean="0">
+            <a:rPr lang="en-US" sz="1600" b="0" dirty="0" smtClean="0">
               <a:solidFill>
-                <a:schemeClr val="bg1"/>
+                <a:schemeClr val="tx1"/>
               </a:solidFill>
             </a:rPr>
-            <a:t> Developing an app for mobile devices</a:t>
+            <a:t> Developing </a:t>
           </a:r>
-          <a:endParaRPr lang="en-US" sz="1600" b="1" dirty="0">
+          <a:r>
+            <a:rPr lang="en-US" sz="1600" b="0" dirty="0" smtClean="0">
+              <a:solidFill>
+                <a:schemeClr val="tx1"/>
+              </a:solidFill>
+            </a:rPr>
+            <a:t>apps for </a:t>
+          </a:r>
+          <a:r>
+            <a:rPr lang="en-US" sz="1600" b="0" dirty="0" smtClean="0">
+              <a:solidFill>
+                <a:schemeClr val="tx1"/>
+              </a:solidFill>
+            </a:rPr>
+            <a:t>mobile devices</a:t>
+          </a:r>
+          <a:endParaRPr lang="en-US" sz="1600" b="0" dirty="0">
             <a:solidFill>
-              <a:schemeClr val="bg1"/>
+              <a:schemeClr val="tx1"/>
             </a:solidFill>
           </a:endParaRPr>
         </a:p>
@@ -3034,23 +2062,54 @@
     </dgm:pt>
     <dgm:pt modelId="{04A31C94-B9FF-4656-A8B1-D1430B2BD588}">
       <dgm:prSet phldrT="[Text]" custT="1"/>
-      <dgm:spPr/>
+      <dgm:spPr>
+        <a:noFill/>
+        <a:ln>
+          <a:solidFill>
+            <a:schemeClr val="accent2"/>
+          </a:solidFill>
+        </a:ln>
+      </dgm:spPr>
       <dgm:t>
         <a:bodyPr/>
         <a:lstStyle/>
         <a:p>
           <a:pPr algn="l"/>
           <a:r>
-            <a:rPr lang="en-US" sz="1600" b="1" dirty="0" smtClean="0">
+            <a:rPr lang="en-US" sz="1600" b="0" dirty="0" smtClean="0">
               <a:solidFill>
-                <a:schemeClr val="bg1"/>
+                <a:schemeClr val="tx1"/>
               </a:solidFill>
             </a:rPr>
-            <a:t>Developing user-friendly web service interface</a:t>
+            <a:t>Developing </a:t>
           </a:r>
-          <a:endParaRPr lang="en-US" sz="1600" b="1" dirty="0">
+          <a:r>
+            <a:rPr lang="en-US" sz="1600" b="0" dirty="0" smtClean="0">
+              <a:solidFill>
+                <a:schemeClr val="tx1"/>
+              </a:solidFill>
+            </a:rPr>
+            <a:t> more user-friendly </a:t>
+          </a:r>
+          <a:r>
+            <a:rPr lang="en-US" sz="1600" b="0" dirty="0" smtClean="0">
+              <a:solidFill>
+                <a:schemeClr val="tx1"/>
+              </a:solidFill>
+            </a:rPr>
+            <a:t>web </a:t>
+          </a:r>
+          <a:r>
+            <a:rPr lang="en-US" sz="1600" b="0" dirty="0" smtClean="0">
+              <a:solidFill>
+                <a:schemeClr val="tx1"/>
+              </a:solidFill>
+            </a:rPr>
+            <a:t>interface</a:t>
+          </a:r>
+          <a:endParaRPr lang="en-US" sz="1600" b="0" dirty="0">
             <a:solidFill>
-              <a:schemeClr val="bg1"/>
+              <a:schemeClr val="tx1"/>
             </a:solidFill>
           </a:endParaRPr>
         </a:p>
@@ -3184,7 +2243,7 @@
       <dgm:spPr/>
     </dgm:pt>
     <dgm:pt modelId="{D3F9B872-6155-4A33-854F-F30F4516DB45}" type="pres">
-      <dgm:prSet presAssocID="{C96D5131-E2DA-4734-A3EA-66C2FD387F84}" presName="txShp" presStyleLbl="node1" presStyleIdx="3" presStyleCnt="4" custLinFactNeighborX="-1501" custLinFactNeighborY="-3634">
+      <dgm:prSet presAssocID="{C96D5131-E2DA-4734-A3EA-66C2FD387F84}" presName="txShp" presStyleLbl="node1" presStyleIdx="3" presStyleCnt="4" custLinFactNeighborX="-196" custLinFactNeighborY="-3634">
         <dgm:presLayoutVars>
           <dgm:bulletEnabled val="1"/>
         </dgm:presLayoutVars>
@@ -3243,424 +2302,17 @@
       <dsp:cNvGrpSpPr/>
     </dsp:nvGrpSpPr>
     <dsp:grpSpPr/>
-    <dsp:sp modelId="{7055902E-54BB-4D1E-9893-F5A17E31E96E}">
+    <dsp:sp modelId="{296A9A9F-F98F-44E8-B60F-3702464263CD}">
       <dsp:nvSpPr>
         <dsp:cNvPr id="0" name=""/>
         <dsp:cNvSpPr/>
       </dsp:nvSpPr>
       <dsp:spPr>
         <a:xfrm>
-          <a:off x="711199" y="0"/>
-          <a:ext cx="4064000" cy="4064000"/>
+          <a:off x="2844800" y="1828800"/>
+          <a:ext cx="2235200" cy="2235200"/>
         </a:xfrm>
-        <a:prstGeom prst="triangle">
-          <a:avLst/>
-        </a:prstGeom>
-        <a:solidFill>
-          <a:schemeClr val="accent1">
-            <a:hueOff val="0"/>
-            <a:satOff val="0"/>
-            <a:lumOff val="0"/>
-            <a:alphaOff val="0"/>
-          </a:schemeClr>
-        </a:solidFill>
-        <a:ln w="25400" cap="flat" cmpd="sng" algn="ctr">
-          <a:solidFill>
-            <a:schemeClr val="lt1">
-              <a:hueOff val="0"/>
-              <a:satOff val="0"/>
-              <a:lumOff val="0"/>
-              <a:alphaOff val="0"/>
-            </a:schemeClr>
-          </a:solidFill>
-          <a:prstDash val="solid"/>
-        </a:ln>
-        <a:effectLst/>
-      </dsp:spPr>
-      <dsp:style>
-        <a:lnRef idx="2">
-          <a:scrgbClr r="0" g="0" b="0"/>
-        </a:lnRef>
-        <a:fillRef idx="1">
-          <a:scrgbClr r="0" g="0" b="0"/>
-        </a:fillRef>
-        <a:effectRef idx="0">
-          <a:scrgbClr r="0" g="0" b="0"/>
-        </a:effectRef>
-        <a:fontRef idx="minor">
-          <a:schemeClr val="lt1"/>
-        </a:fontRef>
-      </dsp:style>
-    </dsp:sp>
-    <dsp:sp modelId="{22DD6A03-E79E-4185-AC88-3B74479F256C}">
-      <dsp:nvSpPr>
-        <dsp:cNvPr id="0" name=""/>
-        <dsp:cNvSpPr/>
-      </dsp:nvSpPr>
-      <dsp:spPr>
-        <a:xfrm>
-          <a:off x="2743199" y="406796"/>
-          <a:ext cx="2641600" cy="1444624"/>
-        </a:xfrm>
-        <a:prstGeom prst="roundRect">
-          <a:avLst/>
-        </a:prstGeom>
-        <a:solidFill>
-          <a:schemeClr val="lt1">
-            <a:alpha val="90000"/>
-            <a:hueOff val="0"/>
-            <a:satOff val="0"/>
-            <a:lumOff val="0"/>
-            <a:alphaOff val="0"/>
-          </a:schemeClr>
-        </a:solidFill>
-        <a:ln w="25400" cap="flat" cmpd="sng" algn="ctr">
-          <a:solidFill>
-            <a:schemeClr val="accent1">
-              <a:hueOff val="0"/>
-              <a:satOff val="0"/>
-              <a:lumOff val="0"/>
-              <a:alphaOff val="0"/>
-            </a:schemeClr>
-          </a:solidFill>
-          <a:prstDash val="solid"/>
-        </a:ln>
-        <a:effectLst/>
-      </dsp:spPr>
-      <dsp:style>
-        <a:lnRef idx="2">
-          <a:scrgbClr r="0" g="0" b="0"/>
-        </a:lnRef>
-        <a:fillRef idx="1">
-          <a:scrgbClr r="0" g="0" b="0"/>
-        </a:fillRef>
-        <a:effectRef idx="0">
-          <a:scrgbClr r="0" g="0" b="0"/>
-        </a:effectRef>
-        <a:fontRef idx="minor"/>
-      </dsp:style>
-      <dsp:txBody>
-        <a:bodyPr spcFirstLastPara="0" vert="horz" wrap="square" lIns="53340" tIns="53340" rIns="53340" bIns="53340" numCol="1" spcCol="1270" anchor="ctr" anchorCtr="0">
-          <a:noAutofit/>
-        </a:bodyPr>
-        <a:lstStyle/>
-        <a:p>
-          <a:pPr lvl="0" algn="l" defTabSz="622300">
-            <a:lnSpc>
-              <a:spcPct val="90000"/>
-            </a:lnSpc>
-            <a:spcBef>
-              <a:spcPct val="0"/>
-            </a:spcBef>
-            <a:spcAft>
-              <a:spcPct val="35000"/>
-            </a:spcAft>
-          </a:pPr>
-          <a:r>
-            <a:rPr lang="en-US" sz="1400" b="1" kern="1200" dirty="0" smtClean="0"/>
-            <a:t>Objective: </a:t>
-          </a:r>
-        </a:p>
-        <a:p>
-          <a:pPr lvl="0" algn="l" defTabSz="622300">
-            <a:lnSpc>
-              <a:spcPct val="90000"/>
-            </a:lnSpc>
-            <a:spcBef>
-              <a:spcPct val="0"/>
-            </a:spcBef>
-            <a:spcAft>
-              <a:spcPct val="35000"/>
-            </a:spcAft>
-          </a:pPr>
-          <a:r>
-            <a:rPr lang="en-US" sz="1400" kern="1200" dirty="0" smtClean="0"/>
-            <a:t>Enabling simple but compact instant messaging between users </a:t>
-          </a:r>
-          <a:endParaRPr lang="en-US" sz="1400" kern="1200" dirty="0"/>
-        </a:p>
-      </dsp:txBody>
-      <dsp:txXfrm>
-        <a:off x="2813720" y="477317"/>
-        <a:ext cx="2500558" cy="1303582"/>
-      </dsp:txXfrm>
-    </dsp:sp>
-    <dsp:sp modelId="{28EE9CDE-AADB-417B-BFB3-2E4EF02C10FA}">
-      <dsp:nvSpPr>
-        <dsp:cNvPr id="0" name=""/>
-        <dsp:cNvSpPr/>
-      </dsp:nvSpPr>
-      <dsp:spPr>
-        <a:xfrm>
-          <a:off x="2743199" y="2032000"/>
-          <a:ext cx="2641600" cy="1444624"/>
-        </a:xfrm>
-        <a:prstGeom prst="roundRect">
-          <a:avLst/>
-        </a:prstGeom>
-        <a:solidFill>
-          <a:schemeClr val="lt1">
-            <a:alpha val="90000"/>
-            <a:hueOff val="0"/>
-            <a:satOff val="0"/>
-            <a:lumOff val="0"/>
-            <a:alphaOff val="0"/>
-          </a:schemeClr>
-        </a:solidFill>
-        <a:ln w="25400" cap="flat" cmpd="sng" algn="ctr">
-          <a:solidFill>
-            <a:schemeClr val="accent1">
-              <a:hueOff val="0"/>
-              <a:satOff val="0"/>
-              <a:lumOff val="0"/>
-              <a:alphaOff val="0"/>
-            </a:schemeClr>
-          </a:solidFill>
-          <a:prstDash val="solid"/>
-        </a:ln>
-        <a:effectLst/>
-      </dsp:spPr>
-      <dsp:style>
-        <a:lnRef idx="2">
-          <a:scrgbClr r="0" g="0" b="0"/>
-        </a:lnRef>
-        <a:fillRef idx="1">
-          <a:scrgbClr r="0" g="0" b="0"/>
-        </a:fillRef>
-        <a:effectRef idx="0">
-          <a:scrgbClr r="0" g="0" b="0"/>
-        </a:effectRef>
-        <a:fontRef idx="minor"/>
-      </dsp:style>
-      <dsp:txBody>
-        <a:bodyPr spcFirstLastPara="0" vert="horz" wrap="square" lIns="53340" tIns="53340" rIns="53340" bIns="53340" numCol="1" spcCol="1270" anchor="ctr" anchorCtr="0">
-          <a:noAutofit/>
-        </a:bodyPr>
-        <a:lstStyle/>
-        <a:p>
-          <a:pPr lvl="0" algn="l" defTabSz="622300">
-            <a:lnSpc>
-              <a:spcPct val="90000"/>
-            </a:lnSpc>
-            <a:spcBef>
-              <a:spcPct val="0"/>
-            </a:spcBef>
-            <a:spcAft>
-              <a:spcPct val="35000"/>
-            </a:spcAft>
-          </a:pPr>
-          <a:r>
-            <a:rPr lang="en-US" sz="1400" b="1" kern="1200" dirty="0" smtClean="0"/>
-            <a:t>Main features:</a:t>
-          </a:r>
-        </a:p>
-        <a:p>
-          <a:pPr lvl="0" algn="l" defTabSz="622300">
-            <a:lnSpc>
-              <a:spcPct val="90000"/>
-            </a:lnSpc>
-            <a:spcBef>
-              <a:spcPct val="0"/>
-            </a:spcBef>
-            <a:spcAft>
-              <a:spcPct val="35000"/>
-            </a:spcAft>
-          </a:pPr>
-          <a:r>
-            <a:rPr lang="en-US" sz="1400" b="0" kern="1200" smtClean="0"/>
-            <a:t>profile, </a:t>
-          </a:r>
-          <a:r>
-            <a:rPr lang="en-US" sz="1400" b="0" kern="1200" dirty="0" smtClean="0"/>
-            <a:t>contact, request and message management</a:t>
-          </a:r>
-        </a:p>
-        <a:p>
-          <a:pPr lvl="0" algn="l" defTabSz="622300">
-            <a:lnSpc>
-              <a:spcPct val="90000"/>
-            </a:lnSpc>
-            <a:spcBef>
-              <a:spcPct val="0"/>
-            </a:spcBef>
-            <a:spcAft>
-              <a:spcPct val="35000"/>
-            </a:spcAft>
-          </a:pPr>
-          <a:endParaRPr lang="en-US" sz="1100" b="0" kern="1200" dirty="0"/>
-        </a:p>
-      </dsp:txBody>
-      <dsp:txXfrm>
-        <a:off x="2813720" y="2102521"/>
-        <a:ext cx="2500558" cy="1303582"/>
-      </dsp:txXfrm>
-    </dsp:sp>
-  </dsp:spTree>
-</dsp:drawing>
-</file>
-
-<file path=ppt/diagrams/drawing2.xml><?xml version="1.0" encoding="utf-8"?>
-<dsp:drawing xmlns:dgm="http://schemas.openxmlformats.org/drawingml/2006/diagram" xmlns:dsp="http://schemas.microsoft.com/office/drawing/2008/diagram" xmlns:a="http://schemas.openxmlformats.org/drawingml/2006/main">
-  <dsp:spTree>
-    <dsp:nvGrpSpPr>
-      <dsp:cNvPr id="0" name=""/>
-      <dsp:cNvGrpSpPr/>
-    </dsp:nvGrpSpPr>
-    <dsp:grpSpPr/>
-    <dsp:sp modelId="{301C4C22-AE49-4CB4-8523-8729F19F38E4}">
-      <dsp:nvSpPr>
-        <dsp:cNvPr id="0" name=""/>
-        <dsp:cNvSpPr/>
-      </dsp:nvSpPr>
-      <dsp:spPr>
-        <a:xfrm>
-          <a:off x="2393156" y="1615714"/>
-          <a:ext cx="1309687" cy="1309687"/>
-        </a:xfrm>
-        <a:prstGeom prst="ellipse">
-          <a:avLst/>
-        </a:prstGeom>
-        <a:solidFill>
-          <a:schemeClr val="bg2">
-            <a:lumMod val="75000"/>
-          </a:schemeClr>
-        </a:solidFill>
-        <a:ln w="25400" cap="flat" cmpd="sng" algn="ctr">
-          <a:solidFill>
-            <a:schemeClr val="lt1">
-              <a:hueOff val="0"/>
-              <a:satOff val="0"/>
-              <a:lumOff val="0"/>
-              <a:alphaOff val="0"/>
-            </a:schemeClr>
-          </a:solidFill>
-          <a:prstDash val="solid"/>
-        </a:ln>
-        <a:effectLst/>
-      </dsp:spPr>
-      <dsp:style>
-        <a:lnRef idx="2">
-          <a:scrgbClr r="0" g="0" b="0"/>
-        </a:lnRef>
-        <a:fillRef idx="1">
-          <a:scrgbClr r="0" g="0" b="0"/>
-        </a:fillRef>
-        <a:effectRef idx="0">
-          <a:scrgbClr r="0" g="0" b="0"/>
-        </a:effectRef>
-        <a:fontRef idx="minor">
-          <a:schemeClr val="lt1"/>
-        </a:fontRef>
-      </dsp:style>
-      <dsp:txBody>
-        <a:bodyPr spcFirstLastPara="0" vert="horz" wrap="square" lIns="72390" tIns="72390" rIns="72390" bIns="72390" numCol="1" spcCol="1270" anchor="ctr" anchorCtr="0">
-          <a:noAutofit/>
-        </a:bodyPr>
-        <a:lstStyle/>
-        <a:p>
-          <a:pPr lvl="0" algn="ctr" defTabSz="2533650">
-            <a:lnSpc>
-              <a:spcPct val="90000"/>
-            </a:lnSpc>
-            <a:spcBef>
-              <a:spcPct val="0"/>
-            </a:spcBef>
-            <a:spcAft>
-              <a:spcPct val="35000"/>
-            </a:spcAft>
-          </a:pPr>
-          <a:r>
-            <a:rPr lang="en-US" sz="5700" kern="1200" dirty="0" smtClean="0"/>
-            <a:t>IM</a:t>
-          </a:r>
-          <a:endParaRPr lang="en-US" sz="5700" kern="1200" dirty="0"/>
-        </a:p>
-      </dsp:txBody>
-      <dsp:txXfrm>
-        <a:off x="2584955" y="1807513"/>
-        <a:ext cx="926089" cy="926089"/>
-      </dsp:txXfrm>
-    </dsp:sp>
-    <dsp:sp modelId="{E817DFAB-00F7-4EE6-AD74-D68EB0716B51}">
-      <dsp:nvSpPr>
-        <dsp:cNvPr id="0" name=""/>
-        <dsp:cNvSpPr/>
-      </dsp:nvSpPr>
-      <dsp:spPr>
-        <a:xfrm rot="16200000">
-          <a:off x="2967578" y="1245880"/>
-          <a:ext cx="160843" cy="445293"/>
-        </a:xfrm>
-        <a:prstGeom prst="rightArrow">
-          <a:avLst>
-            <a:gd name="adj1" fmla="val 60000"/>
-            <a:gd name="adj2" fmla="val 50000"/>
-          </a:avLst>
-        </a:prstGeom>
-        <a:solidFill>
-          <a:schemeClr val="accent1">
-            <a:tint val="60000"/>
-            <a:hueOff val="0"/>
-            <a:satOff val="0"/>
-            <a:lumOff val="0"/>
-            <a:alphaOff val="0"/>
-          </a:schemeClr>
-        </a:solidFill>
-        <a:ln>
-          <a:noFill/>
-        </a:ln>
-        <a:effectLst/>
-      </dsp:spPr>
-      <dsp:style>
-        <a:lnRef idx="0">
-          <a:scrgbClr r="0" g="0" b="0"/>
-        </a:lnRef>
-        <a:fillRef idx="1">
-          <a:scrgbClr r="0" g="0" b="0"/>
-        </a:fillRef>
-        <a:effectRef idx="0">
-          <a:scrgbClr r="0" g="0" b="0"/>
-        </a:effectRef>
-        <a:fontRef idx="minor">
-          <a:schemeClr val="lt1"/>
-        </a:fontRef>
-      </dsp:style>
-      <dsp:txBody>
-        <a:bodyPr spcFirstLastPara="0" vert="horz" wrap="square" lIns="0" tIns="0" rIns="0" bIns="0" numCol="1" spcCol="1270" anchor="ctr" anchorCtr="0">
-          <a:noAutofit/>
-        </a:bodyPr>
-        <a:lstStyle/>
-        <a:p>
-          <a:pPr lvl="0" algn="ctr" defTabSz="889000">
-            <a:lnSpc>
-              <a:spcPct val="90000"/>
-            </a:lnSpc>
-            <a:spcBef>
-              <a:spcPct val="0"/>
-            </a:spcBef>
-            <a:spcAft>
-              <a:spcPct val="35000"/>
-            </a:spcAft>
-          </a:pPr>
-          <a:endParaRPr lang="en-US" sz="2000" kern="1200"/>
-        </a:p>
-      </dsp:txBody>
-      <dsp:txXfrm>
-        <a:off x="2991705" y="1359066"/>
-        <a:ext cx="112590" cy="267175"/>
-      </dsp:txXfrm>
-    </dsp:sp>
-    <dsp:sp modelId="{F80D5C0D-9CA8-4B92-9CA0-F2075D0EC434}">
-      <dsp:nvSpPr>
-        <dsp:cNvPr id="0" name=""/>
-        <dsp:cNvSpPr/>
-      </dsp:nvSpPr>
-      <dsp:spPr>
-        <a:xfrm>
-          <a:off x="1587659" y="2548"/>
-          <a:ext cx="2920681" cy="1309687"/>
-        </a:xfrm>
-        <a:prstGeom prst="ellipse">
+        <a:prstGeom prst="gear9">
           <a:avLst/>
         </a:prstGeom>
         <a:solidFill>
@@ -3699,12 +2351,12 @@
         </a:fontRef>
       </dsp:style>
       <dsp:txBody>
-        <a:bodyPr spcFirstLastPara="0" vert="horz" wrap="square" lIns="21590" tIns="21590" rIns="21590" bIns="21590" numCol="1" spcCol="1270" anchor="ctr" anchorCtr="0">
+        <a:bodyPr spcFirstLastPara="0" vert="horz" wrap="square" lIns="20320" tIns="20320" rIns="20320" bIns="20320" numCol="1" spcCol="1270" anchor="ctr" anchorCtr="0">
           <a:noAutofit/>
         </a:bodyPr>
         <a:lstStyle/>
         <a:p>
-          <a:pPr lvl="0" algn="ctr" defTabSz="755650">
+          <a:pPr lvl="0" algn="ctr" defTabSz="711200">
             <a:lnSpc>
               <a:spcPct val="90000"/>
             </a:lnSpc>
@@ -3716,97 +2368,28 @@
             </a:spcAft>
           </a:pPr>
           <a:r>
-            <a:rPr lang="en-US" sz="1700" b="1" kern="1200" dirty="0" smtClean="0"/>
-            <a:t>Followers of simplicity principle</a:t>
+            <a:rPr lang="en-US" sz="1600" kern="1200" dirty="0" smtClean="0"/>
+            <a:t>Source code available for study &amp; Research</a:t>
           </a:r>
-          <a:endParaRPr lang="en-US" sz="1700" b="1" kern="1200" dirty="0"/>
+          <a:endParaRPr lang="en-US" sz="1600" b="0" kern="1200" dirty="0"/>
         </a:p>
       </dsp:txBody>
       <dsp:txXfrm>
-        <a:off x="2015383" y="194347"/>
-        <a:ext cx="2065233" cy="926089"/>
+        <a:off x="3294175" y="2352385"/>
+        <a:ext cx="1336450" cy="1148939"/>
       </dsp:txXfrm>
     </dsp:sp>
-    <dsp:sp modelId="{3C7CA0F0-4C9F-4F11-83F3-A90D7B112680}">
-      <dsp:nvSpPr>
-        <dsp:cNvPr id="0" name=""/>
-        <dsp:cNvSpPr/>
-      </dsp:nvSpPr>
-      <dsp:spPr>
-        <a:xfrm rot="2135545">
-          <a:off x="3624956" y="2526016"/>
-          <a:ext cx="182080" cy="445293"/>
-        </a:xfrm>
-        <a:prstGeom prst="rightArrow">
-          <a:avLst>
-            <a:gd name="adj1" fmla="val 60000"/>
-            <a:gd name="adj2" fmla="val 50000"/>
-          </a:avLst>
-        </a:prstGeom>
-        <a:solidFill>
-          <a:schemeClr val="accent1">
-            <a:tint val="60000"/>
-            <a:hueOff val="0"/>
-            <a:satOff val="0"/>
-            <a:lumOff val="0"/>
-            <a:alphaOff val="0"/>
-          </a:schemeClr>
-        </a:solidFill>
-        <a:ln>
-          <a:noFill/>
-        </a:ln>
-        <a:effectLst/>
-      </dsp:spPr>
-      <dsp:style>
-        <a:lnRef idx="0">
-          <a:scrgbClr r="0" g="0" b="0"/>
-        </a:lnRef>
-        <a:fillRef idx="1">
-          <a:scrgbClr r="0" g="0" b="0"/>
-        </a:fillRef>
-        <a:effectRef idx="0">
-          <a:scrgbClr r="0" g="0" b="0"/>
-        </a:effectRef>
-        <a:fontRef idx="minor">
-          <a:schemeClr val="lt1"/>
-        </a:fontRef>
-      </dsp:style>
-      <dsp:txBody>
-        <a:bodyPr spcFirstLastPara="0" vert="horz" wrap="square" lIns="0" tIns="0" rIns="0" bIns="0" numCol="1" spcCol="1270" anchor="ctr" anchorCtr="0">
-          <a:noAutofit/>
-        </a:bodyPr>
-        <a:lstStyle/>
-        <a:p>
-          <a:pPr lvl="0" algn="ctr" defTabSz="889000">
-            <a:lnSpc>
-              <a:spcPct val="90000"/>
-            </a:lnSpc>
-            <a:spcBef>
-              <a:spcPct val="0"/>
-            </a:spcBef>
-            <a:spcAft>
-              <a:spcPct val="35000"/>
-            </a:spcAft>
-          </a:pPr>
-          <a:endParaRPr lang="en-US" sz="2000" kern="1200"/>
-        </a:p>
-      </dsp:txBody>
-      <dsp:txXfrm>
-        <a:off x="3630058" y="2599179"/>
-        <a:ext cx="127456" cy="267175"/>
-      </dsp:txXfrm>
-    </dsp:sp>
-    <dsp:sp modelId="{46671C63-D4D3-43A7-99CA-901D80721E07}">
+    <dsp:sp modelId="{FFE50F03-6D69-431E-A6F1-3B54261FF702}">
       <dsp:nvSpPr>
         <dsp:cNvPr id="0" name=""/>
         <dsp:cNvSpPr/>
       </dsp:nvSpPr>
       <dsp:spPr>
         <a:xfrm>
-          <a:off x="3174519" y="2751763"/>
-          <a:ext cx="2921480" cy="1309687"/>
+          <a:off x="1544320" y="1300480"/>
+          <a:ext cx="1625600" cy="1625600"/>
         </a:xfrm>
-        <a:prstGeom prst="ellipse">
+        <a:prstGeom prst="gear6">
           <a:avLst/>
         </a:prstGeom>
         <a:solidFill>
@@ -3845,12 +2428,12 @@
         </a:fontRef>
       </dsp:style>
       <dsp:txBody>
-        <a:bodyPr spcFirstLastPara="0" vert="horz" wrap="square" lIns="21590" tIns="21590" rIns="21590" bIns="21590" numCol="1" spcCol="1270" anchor="ctr" anchorCtr="0">
+        <a:bodyPr spcFirstLastPara="0" vert="horz" wrap="square" lIns="20320" tIns="20320" rIns="20320" bIns="20320" numCol="1" spcCol="1270" anchor="ctr" anchorCtr="0">
           <a:noAutofit/>
         </a:bodyPr>
         <a:lstStyle/>
         <a:p>
-          <a:pPr lvl="0" algn="ctr" defTabSz="755650">
+          <a:pPr lvl="0" algn="ctr" defTabSz="711200">
             <a:lnSpc>
               <a:spcPct val="90000"/>
             </a:lnSpc>
@@ -3862,97 +2445,28 @@
             </a:spcAft>
           </a:pPr>
           <a:r>
-            <a:rPr lang="en-US" sz="1700" b="1" kern="1200" dirty="0" smtClean="0"/>
-            <a:t>Learning &amp; Research</a:t>
+            <a:rPr lang="en-US" sz="1600" kern="1200" dirty="0" smtClean="0"/>
+            <a:t>User-friendly interface</a:t>
           </a:r>
-          <a:endParaRPr lang="en-US" sz="1700" b="1" kern="1200" dirty="0"/>
+          <a:endParaRPr lang="en-US" sz="1600" kern="1200" dirty="0"/>
         </a:p>
       </dsp:txBody>
       <dsp:txXfrm>
-        <a:off x="3602360" y="2943562"/>
-        <a:ext cx="2065798" cy="926089"/>
+        <a:off x="1953570" y="1712203"/>
+        <a:ext cx="807100" cy="802154"/>
       </dsp:txXfrm>
     </dsp:sp>
-    <dsp:sp modelId="{DB0F3B86-FC1D-4467-B147-BC88B060A660}">
+    <dsp:sp modelId="{61AFD77C-4A46-438F-B324-DCE494D13F76}">
       <dsp:nvSpPr>
         <dsp:cNvPr id="0" name=""/>
         <dsp:cNvSpPr/>
       </dsp:nvSpPr>
       <dsp:spPr>
-        <a:xfrm rot="8664455">
-          <a:off x="2288963" y="2526016"/>
-          <a:ext cx="182080" cy="445293"/>
+        <a:xfrm rot="20700000">
+          <a:off x="2454821" y="178981"/>
+          <a:ext cx="1592756" cy="1592756"/>
         </a:xfrm>
-        <a:prstGeom prst="rightArrow">
-          <a:avLst>
-            <a:gd name="adj1" fmla="val 60000"/>
-            <a:gd name="adj2" fmla="val 50000"/>
-          </a:avLst>
-        </a:prstGeom>
-        <a:solidFill>
-          <a:schemeClr val="accent1">
-            <a:tint val="60000"/>
-            <a:hueOff val="0"/>
-            <a:satOff val="0"/>
-            <a:lumOff val="0"/>
-            <a:alphaOff val="0"/>
-          </a:schemeClr>
-        </a:solidFill>
-        <a:ln>
-          <a:noFill/>
-        </a:ln>
-        <a:effectLst/>
-      </dsp:spPr>
-      <dsp:style>
-        <a:lnRef idx="0">
-          <a:scrgbClr r="0" g="0" b="0"/>
-        </a:lnRef>
-        <a:fillRef idx="1">
-          <a:scrgbClr r="0" g="0" b="0"/>
-        </a:fillRef>
-        <a:effectRef idx="0">
-          <a:scrgbClr r="0" g="0" b="0"/>
-        </a:effectRef>
-        <a:fontRef idx="minor">
-          <a:schemeClr val="lt1"/>
-        </a:fontRef>
-      </dsp:style>
-      <dsp:txBody>
-        <a:bodyPr spcFirstLastPara="0" vert="horz" wrap="square" lIns="0" tIns="0" rIns="0" bIns="0" numCol="1" spcCol="1270" anchor="ctr" anchorCtr="0">
-          <a:noAutofit/>
-        </a:bodyPr>
-        <a:lstStyle/>
-        <a:p>
-          <a:pPr lvl="0" algn="ctr" defTabSz="889000">
-            <a:lnSpc>
-              <a:spcPct val="90000"/>
-            </a:lnSpc>
-            <a:spcBef>
-              <a:spcPct val="0"/>
-            </a:spcBef>
-            <a:spcAft>
-              <a:spcPct val="35000"/>
-            </a:spcAft>
-          </a:pPr>
-          <a:endParaRPr lang="en-US" sz="2000" kern="1200"/>
-        </a:p>
-      </dsp:txBody>
-      <dsp:txXfrm rot="10800000">
-        <a:off x="2338485" y="2599179"/>
-        <a:ext cx="127456" cy="267175"/>
-      </dsp:txXfrm>
-    </dsp:sp>
-    <dsp:sp modelId="{A6CB494E-34C8-4D7D-87B2-C170A3F2461F}">
-      <dsp:nvSpPr>
-        <dsp:cNvPr id="0" name=""/>
-        <dsp:cNvSpPr/>
-      </dsp:nvSpPr>
-      <dsp:spPr>
-        <a:xfrm>
-          <a:off x="0" y="2751763"/>
-          <a:ext cx="2921480" cy="1309687"/>
-        </a:xfrm>
-        <a:prstGeom prst="ellipse">
+        <a:prstGeom prst="gear6">
           <a:avLst/>
         </a:prstGeom>
         <a:solidFill>
@@ -3991,12 +2505,12 @@
         </a:fontRef>
       </dsp:style>
       <dsp:txBody>
-        <a:bodyPr spcFirstLastPara="0" vert="horz" wrap="square" lIns="21590" tIns="21590" rIns="21590" bIns="21590" numCol="1" spcCol="1270" anchor="ctr" anchorCtr="0">
+        <a:bodyPr spcFirstLastPara="0" vert="horz" wrap="square" lIns="20320" tIns="20320" rIns="20320" bIns="20320" numCol="1" spcCol="1270" anchor="ctr" anchorCtr="0">
           <a:noAutofit/>
         </a:bodyPr>
         <a:lstStyle/>
         <a:p>
-          <a:pPr lvl="0" algn="ctr" defTabSz="755650">
+          <a:pPr lvl="0" algn="ctr" defTabSz="711200">
             <a:lnSpc>
               <a:spcPct val="90000"/>
             </a:lnSpc>
@@ -4008,39 +2522,166 @@
             </a:spcAft>
           </a:pPr>
           <a:r>
-            <a:rPr lang="en-US" sz="1700" b="1" kern="1200" dirty="0" smtClean="0"/>
-            <a:t>public PC-pool </a:t>
+            <a:rPr lang="en-US" sz="1600" kern="1200" dirty="0" smtClean="0"/>
+            <a:t>Simple but compact</a:t>
           </a:r>
-        </a:p>
-        <a:p>
-          <a:pPr lvl="0" algn="ctr" defTabSz="755650">
-            <a:lnSpc>
-              <a:spcPct val="90000"/>
-            </a:lnSpc>
-            <a:spcBef>
-              <a:spcPct val="0"/>
-            </a:spcBef>
-            <a:spcAft>
-              <a:spcPct val="35000"/>
-            </a:spcAft>
-          </a:pPr>
-          <a:r>
-            <a:rPr lang="en-US" sz="1700" b="1" kern="1200" dirty="0" smtClean="0"/>
-            <a:t>(where downloading software is not allowed)</a:t>
-          </a:r>
-          <a:endParaRPr lang="en-US" sz="1700" b="1" kern="1200" dirty="0"/>
+          <a:endParaRPr lang="en-US" sz="1600" kern="1200" dirty="0"/>
         </a:p>
       </dsp:txBody>
-      <dsp:txXfrm>
-        <a:off x="427841" y="2943562"/>
-        <a:ext cx="2065798" cy="926089"/>
+      <dsp:txXfrm rot="-20700000">
+        <a:off x="2804160" y="528320"/>
+        <a:ext cx="894080" cy="894080"/>
       </dsp:txXfrm>
+    </dsp:sp>
+    <dsp:sp modelId="{B6120B17-0102-4B34-9F13-516896D73E03}">
+      <dsp:nvSpPr>
+        <dsp:cNvPr id="0" name=""/>
+        <dsp:cNvSpPr/>
+      </dsp:nvSpPr>
+      <dsp:spPr>
+        <a:xfrm>
+          <a:off x="2671505" y="1492320"/>
+          <a:ext cx="2861056" cy="2861056"/>
+        </a:xfrm>
+        <a:prstGeom prst="circularArrow">
+          <a:avLst>
+            <a:gd name="adj1" fmla="val 4687"/>
+            <a:gd name="adj2" fmla="val 299029"/>
+            <a:gd name="adj3" fmla="val 2513083"/>
+            <a:gd name="adj4" fmla="val 15867933"/>
+            <a:gd name="adj5" fmla="val 5469"/>
+          </a:avLst>
+        </a:prstGeom>
+        <a:solidFill>
+          <a:schemeClr val="accent1">
+            <a:tint val="60000"/>
+            <a:hueOff val="0"/>
+            <a:satOff val="0"/>
+            <a:lumOff val="0"/>
+            <a:alphaOff val="0"/>
+          </a:schemeClr>
+        </a:solidFill>
+        <a:ln>
+          <a:noFill/>
+        </a:ln>
+        <a:effectLst/>
+      </dsp:spPr>
+      <dsp:style>
+        <a:lnRef idx="0">
+          <a:scrgbClr r="0" g="0" b="0"/>
+        </a:lnRef>
+        <a:fillRef idx="1">
+          <a:scrgbClr r="0" g="0" b="0"/>
+        </a:fillRef>
+        <a:effectRef idx="0">
+          <a:scrgbClr r="0" g="0" b="0"/>
+        </a:effectRef>
+        <a:fontRef idx="minor">
+          <a:schemeClr val="lt1"/>
+        </a:fontRef>
+      </dsp:style>
+    </dsp:sp>
+    <dsp:sp modelId="{A4C93C43-ED59-4301-9861-206885C55AA9}">
+      <dsp:nvSpPr>
+        <dsp:cNvPr id="0" name=""/>
+        <dsp:cNvSpPr/>
+      </dsp:nvSpPr>
+      <dsp:spPr>
+        <a:xfrm>
+          <a:off x="1256429" y="941355"/>
+          <a:ext cx="2078736" cy="2078736"/>
+        </a:xfrm>
+        <a:prstGeom prst="leftCircularArrow">
+          <a:avLst>
+            <a:gd name="adj1" fmla="val 6452"/>
+            <a:gd name="adj2" fmla="val 429999"/>
+            <a:gd name="adj3" fmla="val 10489124"/>
+            <a:gd name="adj4" fmla="val 14837806"/>
+            <a:gd name="adj5" fmla="val 7527"/>
+          </a:avLst>
+        </a:prstGeom>
+        <a:solidFill>
+          <a:schemeClr val="accent1">
+            <a:tint val="60000"/>
+            <a:hueOff val="0"/>
+            <a:satOff val="0"/>
+            <a:lumOff val="0"/>
+            <a:alphaOff val="0"/>
+          </a:schemeClr>
+        </a:solidFill>
+        <a:ln>
+          <a:noFill/>
+        </a:ln>
+        <a:effectLst/>
+      </dsp:spPr>
+      <dsp:style>
+        <a:lnRef idx="0">
+          <a:scrgbClr r="0" g="0" b="0"/>
+        </a:lnRef>
+        <a:fillRef idx="1">
+          <a:scrgbClr r="0" g="0" b="0"/>
+        </a:fillRef>
+        <a:effectRef idx="0">
+          <a:scrgbClr r="0" g="0" b="0"/>
+        </a:effectRef>
+        <a:fontRef idx="minor">
+          <a:schemeClr val="lt1"/>
+        </a:fontRef>
+      </dsp:style>
+    </dsp:sp>
+    <dsp:sp modelId="{E0BDEB98-638C-469F-997E-3F63E8F0DEAD}">
+      <dsp:nvSpPr>
+        <dsp:cNvPr id="0" name=""/>
+        <dsp:cNvSpPr/>
+      </dsp:nvSpPr>
+      <dsp:spPr>
+        <a:xfrm>
+          <a:off x="2086400" y="-169332"/>
+          <a:ext cx="2241296" cy="2241296"/>
+        </a:xfrm>
+        <a:prstGeom prst="circularArrow">
+          <a:avLst>
+            <a:gd name="adj1" fmla="val 5984"/>
+            <a:gd name="adj2" fmla="val 394124"/>
+            <a:gd name="adj3" fmla="val 13313824"/>
+            <a:gd name="adj4" fmla="val 10508221"/>
+            <a:gd name="adj5" fmla="val 6981"/>
+          </a:avLst>
+        </a:prstGeom>
+        <a:solidFill>
+          <a:schemeClr val="accent1">
+            <a:tint val="60000"/>
+            <a:hueOff val="0"/>
+            <a:satOff val="0"/>
+            <a:lumOff val="0"/>
+            <a:alphaOff val="0"/>
+          </a:schemeClr>
+        </a:solidFill>
+        <a:ln>
+          <a:noFill/>
+        </a:ln>
+        <a:effectLst/>
+      </dsp:spPr>
+      <dsp:style>
+        <a:lnRef idx="0">
+          <a:scrgbClr r="0" g="0" b="0"/>
+        </a:lnRef>
+        <a:fillRef idx="1">
+          <a:scrgbClr r="0" g="0" b="0"/>
+        </a:fillRef>
+        <a:effectRef idx="0">
+          <a:scrgbClr r="0" g="0" b="0"/>
+        </a:effectRef>
+        <a:fontRef idx="minor">
+          <a:schemeClr val="lt1"/>
+        </a:fontRef>
+      </dsp:style>
     </dsp:sp>
   </dsp:spTree>
 </dsp:drawing>
 </file>
 
-<file path=ppt/diagrams/drawing3.xml><?xml version="1.0" encoding="utf-8"?>
+<file path=ppt/diagrams/drawing2.xml><?xml version="1.0" encoding="utf-8"?>
 <dsp:drawing xmlns:dgm="http://schemas.openxmlformats.org/drawingml/2006/diagram" xmlns:dsp="http://schemas.microsoft.com/office/drawing/2008/diagram" xmlns:a="http://schemas.openxmlformats.org/drawingml/2006/main">
   <dsp:spTree>
     <dsp:nvGrpSpPr>
@@ -4061,22 +2702,10 @@
         <a:prstGeom prst="homePlate">
           <a:avLst/>
         </a:prstGeom>
-        <a:solidFill>
-          <a:schemeClr val="accent1">
-            <a:hueOff val="0"/>
-            <a:satOff val="0"/>
-            <a:lumOff val="0"/>
-            <a:alphaOff val="0"/>
-          </a:schemeClr>
-        </a:solidFill>
+        <a:noFill/>
         <a:ln w="25400" cap="flat" cmpd="sng" algn="ctr">
           <a:solidFill>
-            <a:schemeClr val="lt1">
-              <a:hueOff val="0"/>
-              <a:satOff val="0"/>
-              <a:lumOff val="0"/>
-              <a:alphaOff val="0"/>
-            </a:schemeClr>
+            <a:schemeClr val="accent2"/>
           </a:solidFill>
           <a:prstDash val="solid"/>
         </a:ln>
@@ -4114,10 +2743,18 @@
             </a:spcAft>
           </a:pPr>
           <a:r>
-            <a:rPr lang="en-US" sz="1600" b="1" kern="1200" dirty="0" smtClean="0"/>
+            <a:rPr lang="en-US" sz="1600" b="0" kern="1200" dirty="0" smtClean="0">
+              <a:solidFill>
+                <a:schemeClr val="tx1"/>
+              </a:solidFill>
+            </a:rPr>
             <a:t>Developing the function of sending messages to groups </a:t>
           </a:r>
-          <a:endParaRPr lang="en-US" sz="1600" b="1" kern="1200" dirty="0"/>
+          <a:endParaRPr lang="en-US" sz="1600" b="0" kern="1200" dirty="0">
+            <a:solidFill>
+              <a:schemeClr val="tx1"/>
+            </a:solidFill>
+          </a:endParaRPr>
         </a:p>
       </dsp:txBody>
       <dsp:txXfrm rot="10800000">
@@ -4186,22 +2823,10 @@
         <a:prstGeom prst="homePlate">
           <a:avLst/>
         </a:prstGeom>
-        <a:solidFill>
-          <a:schemeClr val="accent1">
-            <a:hueOff val="0"/>
-            <a:satOff val="0"/>
-            <a:lumOff val="0"/>
-            <a:alphaOff val="0"/>
-          </a:schemeClr>
-        </a:solidFill>
+        <a:noFill/>
         <a:ln w="25400" cap="flat" cmpd="sng" algn="ctr">
           <a:solidFill>
-            <a:schemeClr val="lt1">
-              <a:hueOff val="0"/>
-              <a:satOff val="0"/>
-              <a:lumOff val="0"/>
-              <a:alphaOff val="0"/>
-            </a:schemeClr>
+            <a:schemeClr val="accent2"/>
           </a:solidFill>
           <a:prstDash val="solid"/>
         </a:ln>
@@ -4239,16 +2864,16 @@
             </a:spcAft>
           </a:pPr>
           <a:r>
-            <a:rPr lang="en-US" sz="1600" b="1" kern="1200" dirty="0" smtClean="0">
+            <a:rPr lang="en-US" sz="1600" b="0" kern="1200" dirty="0" smtClean="0">
               <a:solidFill>
-                <a:schemeClr val="bg1"/>
+                <a:schemeClr val="tx1"/>
               </a:solidFill>
             </a:rPr>
             <a:t>Developing further functions like search for history with key words, integration of icons in the messages</a:t>
           </a:r>
-          <a:endParaRPr lang="en-US" sz="1600" b="1" kern="1200" dirty="0">
+          <a:endParaRPr lang="en-US" sz="1600" b="0" kern="1200" dirty="0">
             <a:solidFill>
-              <a:schemeClr val="bg1"/>
+              <a:schemeClr val="tx1"/>
             </a:solidFill>
           </a:endParaRPr>
         </a:p>
@@ -4319,22 +2944,10 @@
         <a:prstGeom prst="homePlate">
           <a:avLst/>
         </a:prstGeom>
-        <a:solidFill>
-          <a:schemeClr val="accent1">
-            <a:hueOff val="0"/>
-            <a:satOff val="0"/>
-            <a:lumOff val="0"/>
-            <a:alphaOff val="0"/>
-          </a:schemeClr>
-        </a:solidFill>
+        <a:noFill/>
         <a:ln w="25400" cap="flat" cmpd="sng" algn="ctr">
           <a:solidFill>
-            <a:schemeClr val="lt1">
-              <a:hueOff val="0"/>
-              <a:satOff val="0"/>
-              <a:lumOff val="0"/>
-              <a:alphaOff val="0"/>
-            </a:schemeClr>
+            <a:schemeClr val="accent2"/>
           </a:solidFill>
           <a:prstDash val="solid"/>
         </a:ln>
@@ -4372,16 +2985,40 @@
             </a:spcAft>
           </a:pPr>
           <a:r>
-            <a:rPr lang="en-US" sz="1600" b="1" kern="1200" dirty="0" smtClean="0">
+            <a:rPr lang="en-US" sz="1600" b="0" kern="1200" dirty="0" smtClean="0">
               <a:solidFill>
-                <a:schemeClr val="bg1"/>
+                <a:schemeClr val="tx1"/>
               </a:solidFill>
             </a:rPr>
-            <a:t>Developing user-friendly web service interface</a:t>
+            <a:t>Developing </a:t>
           </a:r>
-          <a:endParaRPr lang="en-US" sz="1600" b="1" kern="1200" dirty="0">
+          <a:r>
+            <a:rPr lang="en-US" sz="1600" b="0" kern="1200" dirty="0" smtClean="0">
+              <a:solidFill>
+                <a:schemeClr val="tx1"/>
+              </a:solidFill>
+            </a:rPr>
+            <a:t> more user-friendly </a:t>
+          </a:r>
+          <a:r>
+            <a:rPr lang="en-US" sz="1600" b="0" kern="1200" dirty="0" smtClean="0">
+              <a:solidFill>
+                <a:schemeClr val="tx1"/>
+              </a:solidFill>
+            </a:rPr>
+            <a:t>web </a:t>
+          </a:r>
+          <a:r>
+            <a:rPr lang="en-US" sz="1600" b="0" kern="1200" dirty="0" smtClean="0">
+              <a:solidFill>
+                <a:schemeClr val="tx1"/>
+              </a:solidFill>
+            </a:rPr>
+            <a:t>interface</a:t>
+          </a:r>
+          <a:endParaRPr lang="en-US" sz="1600" b="0" kern="1200" dirty="0">
             <a:solidFill>
-              <a:schemeClr val="bg1"/>
+              <a:schemeClr val="tx1"/>
             </a:solidFill>
           </a:endParaRPr>
         </a:p>
@@ -4446,28 +3083,16 @@
       </dsp:nvSpPr>
       <dsp:spPr>
         <a:xfrm rot="10800000">
-          <a:off x="1368136" y="2736301"/>
+          <a:off x="1433751" y="2736301"/>
           <a:ext cx="5027958" cy="708662"/>
         </a:xfrm>
         <a:prstGeom prst="homePlate">
           <a:avLst/>
         </a:prstGeom>
-        <a:solidFill>
-          <a:schemeClr val="accent1">
-            <a:hueOff val="0"/>
-            <a:satOff val="0"/>
-            <a:lumOff val="0"/>
-            <a:alphaOff val="0"/>
-          </a:schemeClr>
-        </a:solidFill>
+        <a:noFill/>
         <a:ln w="25400" cap="flat" cmpd="sng" algn="ctr">
           <a:solidFill>
-            <a:schemeClr val="lt1">
-              <a:hueOff val="0"/>
-              <a:satOff val="0"/>
-              <a:lumOff val="0"/>
-              <a:alphaOff val="0"/>
-            </a:schemeClr>
+            <a:schemeClr val="accent2"/>
           </a:solidFill>
           <a:prstDash val="solid"/>
         </a:ln>
@@ -4505,22 +3130,38 @@
             </a:spcAft>
           </a:pPr>
           <a:r>
-            <a:rPr lang="en-US" sz="1600" b="1" kern="1200" dirty="0" smtClean="0">
+            <a:rPr lang="en-US" sz="1600" b="0" kern="1200" dirty="0" smtClean="0">
               <a:solidFill>
-                <a:schemeClr val="bg1"/>
+                <a:schemeClr val="tx1"/>
               </a:solidFill>
             </a:rPr>
-            <a:t> Developing an app for mobile devices</a:t>
+            <a:t> Developing </a:t>
           </a:r>
-          <a:endParaRPr lang="en-US" sz="1600" b="1" kern="1200" dirty="0">
+          <a:r>
+            <a:rPr lang="en-US" sz="1600" b="0" kern="1200" dirty="0" smtClean="0">
+              <a:solidFill>
+                <a:schemeClr val="tx1"/>
+              </a:solidFill>
+            </a:rPr>
+            <a:t>apps for </a:t>
+          </a:r>
+          <a:r>
+            <a:rPr lang="en-US" sz="1600" b="0" kern="1200" dirty="0" smtClean="0">
+              <a:solidFill>
+                <a:schemeClr val="tx1"/>
+              </a:solidFill>
+            </a:rPr>
+            <a:t>mobile devices</a:t>
+          </a:r>
+          <a:endParaRPr lang="en-US" sz="1600" b="0" kern="1200" dirty="0">
             <a:solidFill>
-              <a:schemeClr val="bg1"/>
+              <a:schemeClr val="tx1"/>
             </a:solidFill>
           </a:endParaRPr>
         </a:p>
       </dsp:txBody>
       <dsp:txXfrm rot="10800000">
-        <a:off x="1545301" y="2736301"/>
+        <a:off x="1610916" y="2736301"/>
         <a:ext cx="4850793" cy="708662"/>
       </dsp:txXfrm>
     </dsp:sp>
@@ -4577,13 +3218,13 @@
 </file>
 
 <file path=ppt/diagrams/layout1.xml><?xml version="1.0" encoding="utf-8"?>
-<dgm:layoutDef xmlns:dgm="http://schemas.openxmlformats.org/drawingml/2006/diagram" xmlns:a="http://schemas.openxmlformats.org/drawingml/2006/main" uniqueId="urn:microsoft.com/office/officeart/2005/8/layout/pyramid2">
+<dgm:layoutDef xmlns:dgm="http://schemas.openxmlformats.org/drawingml/2006/diagram" xmlns:a="http://schemas.openxmlformats.org/drawingml/2006/main" uniqueId="urn:microsoft.com/office/officeart/2005/8/layout/gear1">
   <dgm:title val=""/>
   <dgm:desc val=""/>
   <dgm:catLst>
-    <dgm:cat type="pyramid" pri="3000"/>
-    <dgm:cat type="list" pri="21000"/>
-    <dgm:cat type="convert" pri="17000"/>
+    <dgm:cat type="relationship" pri="3000"/>
+    <dgm:cat type="process" pri="28000"/>
+    <dgm:cat type="cycle" pri="14000"/>
   </dgm:catLst>
   <dgm:sampData useDef="1">
     <dgm:dataModel>
@@ -4592,9 +3233,17 @@
       <dgm:whole/>
     </dgm:dataModel>
   </dgm:sampData>
-  <dgm:styleData useDef="1">
+  <dgm:styleData>
     <dgm:dataModel>
-      <dgm:ptLst/>
+      <dgm:ptLst>
+        <dgm:pt modelId="0" type="doc"/>
+        <dgm:pt modelId="1"/>
+        <dgm:pt modelId="2"/>
+      </dgm:ptLst>
+      <dgm:cxnLst>
+        <dgm:cxn modelId="3" srcId="0" destId="1" srcOrd="0" destOrd="0"/>
+        <dgm:cxn modelId="4" srcId="0" destId="2" srcOrd="1" destOrd="0"/>
+      </dgm:cxnLst>
       <dgm:bg/>
       <dgm:whole/>
     </dgm:dataModel>
@@ -4606,269 +3255,163 @@
       <dgm:whole/>
     </dgm:dataModel>
   </dgm:clrData>
-  <dgm:layoutNode name="compositeShape">
-    <dgm:alg type="composite"/>
+  <dgm:layoutNode name="composite">
+    <dgm:varLst>
+      <dgm:chMax val="3"/>
+      <dgm:animLvl val="lvl"/>
+      <dgm:resizeHandles val="exact"/>
+    </dgm:varLst>
+    <dgm:alg type="composite">
+      <dgm:param type="ar" val="1"/>
+    </dgm:alg>
     <dgm:shape xmlns:r="http://schemas.openxmlformats.org/officeDocument/2006/relationships" r:blip="">
       <dgm:adjLst/>
     </dgm:shape>
     <dgm:presOf/>
-    <dgm:varLst>
-      <dgm:dir/>
-      <dgm:resizeHandles/>
-    </dgm:varLst>
     <dgm:choose name="Name0">
-      <dgm:if name="Name1" func="var" arg="dir" op="equ" val="norm">
+      <dgm:if name="Name1" axis="ch" ptType="node" func="cnt" op="lte" val="1">
         <dgm:constrLst>
-          <dgm:constr type="w" for="ch" forName="pyramid" refType="h"/>
-          <dgm:constr type="h" for="ch" forName="pyramid" refType="h"/>
-          <dgm:constr type="h" for="ch" forName="theList" refType="h" fact="0.8"/>
-          <dgm:constr type="w" for="ch" forName="theList" refType="h" fact="0.65"/>
-          <dgm:constr type="ctrY" for="ch" forName="theList" refType="h" refFor="ch" refForName="pyramid" fact="0.5"/>
-          <dgm:constr type="l" for="ch" forName="theList" refType="w" refFor="ch" refForName="pyramid" fact="0.5"/>
-          <dgm:constr type="h" for="des" forName="aSpace" refType="h" fact="0.1"/>
+          <dgm:constr type="primFontSz" for="ch" ptType="node" op="equ" val="65"/>
+          <dgm:constr type="w" for="ch" forName="gear1" refType="w" fact="0.55"/>
+          <dgm:constr type="h" for="ch" forName="gear1" refType="w" fact="0.55"/>
+          <dgm:constr type="l" for="ch" forName="gear1" refType="w" fact="0.05"/>
+          <dgm:constr type="t" for="ch" forName="gear1" refType="w" fact="0.05"/>
+          <dgm:constr type="w" for="ch" forName="gear1srcNode" val="1"/>
+          <dgm:constr type="h" for="ch" forName="gear1srcNode" val="1"/>
+          <dgm:constr type="l" for="ch" forName="gear1srcNode" refType="w" fact="0.32"/>
+          <dgm:constr type="t" for="ch" forName="gear1srcNode"/>
+          <dgm:constr type="w" for="ch" forName="gear1dstNode" val="1"/>
+          <dgm:constr type="h" for="ch" forName="gear1dstNode" val="1"/>
+          <dgm:constr type="r" for="ch" forName="gear1dstNode" refType="w" fact="0.58"/>
+          <dgm:constr type="t" for="ch" forName="gear1dstNode" refType="h" fact="0.55"/>
+          <dgm:constr type="diam" for="des" forName="connector1" refType="w" refFor="ch" refForName="gear1" op="equ" fact="1.1"/>
+          <dgm:constr type="h" for="des" forName="connector1" refType="w" refFor="ch" refForName="gear1" op="equ" fact="0.1"/>
+          <dgm:constr type="w" for="ch" forName="gear1ch" refType="w" fact="0.35"/>
+          <dgm:constr type="h" for="ch" forName="gear1ch" refType="w" refFor="ch" refForName="gear1ch" fact="0.6"/>
+          <dgm:constr type="l" for="ch" forName="gear1ch"/>
+          <dgm:constr type="b" for="ch" forName="gear1ch" refType="h" fact="0.6"/>
         </dgm:constrLst>
       </dgm:if>
-      <dgm:else name="Name2">
+      <dgm:if name="Name2" axis="ch" ptType="node" func="cnt" op="equ" val="2">
         <dgm:constrLst>
-          <dgm:constr type="w" for="ch" forName="pyramid" refType="h"/>
-          <dgm:constr type="h" for="ch" forName="pyramid" refType="h"/>
-          <dgm:constr type="h" for="ch" forName="theList" refType="h" fact="0.8"/>
-          <dgm:constr type="w" for="ch" forName="theList" refType="h" fact="0.65"/>
-          <dgm:constr type="ctrY" for="ch" forName="theList" refType="h" refFor="ch" refForName="pyramid" fact="0.5"/>
-          <dgm:constr type="r" for="ch" forName="theList" refType="w" refFor="ch" refForName="pyramid" fact="0.5"/>
-          <dgm:constr type="h" for="des" forName="aSpace" refType="h" fact="0.1"/>
+          <dgm:constr type="primFontSz" for="ch" ptType="node" op="equ" val="65"/>
+          <dgm:constr type="w" for="ch" forName="gear1" refType="w" fact="0.55"/>
+          <dgm:constr type="h" for="ch" forName="gear1" refType="w" fact="0.55"/>
+          <dgm:constr type="l" for="ch" forName="gear1" refType="w" fact="0.45"/>
+          <dgm:constr type="t" for="ch" forName="gear1" refType="w" fact="0.25"/>
+          <dgm:constr type="w" for="ch" forName="gear1srcNode" val="1"/>
+          <dgm:constr type="h" for="ch" forName="gear1srcNode" val="1"/>
+          <dgm:constr type="l" for="ch" forName="gear1srcNode" refType="w" fact="0.72"/>
+          <dgm:constr type="t" for="ch" forName="gear1srcNode" refType="w" fact="0.2"/>
+          <dgm:constr type="w" for="ch" forName="gear1dstNode" val="1"/>
+          <dgm:constr type="h" for="ch" forName="gear1dstNode" val="1"/>
+          <dgm:constr type="r" for="ch" forName="gear1dstNode" refType="w" fact="0.98"/>
+          <dgm:constr type="t" for="ch" forName="gear1dstNode" refType="h" fact="0.75"/>
+          <dgm:constr type="diam" for="des" forName="connector1" refType="w" refFor="ch" refForName="gear1" op="equ" fact="1.1"/>
+          <dgm:constr type="h" for="des" forName="connector1" refType="w" refFor="ch" refForName="gear1" op="equ" fact="0.1"/>
+          <dgm:constr type="w" for="ch" forName="gear1ch" refType="w" fact="0.35"/>
+          <dgm:constr type="h" for="ch" forName="gear1ch" refType="w" refFor="ch" refForName="gear1ch" fact="0.6"/>
+          <dgm:constr type="l" for="ch" forName="gear1ch" refType="w" fact="0.38"/>
+          <dgm:constr type="b" for="ch" forName="gear1ch" refType="w" fact="0.8"/>
+          <dgm:constr type="w" for="ch" forName="gear2" refType="w" fact="0.4"/>
+          <dgm:constr type="h" for="ch" forName="gear2" refType="w" fact="0.4"/>
+          <dgm:constr type="l" for="ch" forName="gear2" refType="w" fact="0.13"/>
+          <dgm:constr type="t" for="ch" forName="gear2" refType="w" fact="0.12"/>
+          <dgm:constr type="w" for="ch" forName="gear2srcNode" val="1"/>
+          <dgm:constr type="h" for="ch" forName="gear2srcNode" val="1"/>
+          <dgm:constr type="l" for="ch" forName="gear2srcNode" refType="w" fact="0.23"/>
+          <dgm:constr type="t" for="ch" forName="gear2srcNode" refType="w" fact="0.08"/>
+          <dgm:constr type="w" for="ch" forName="gear2dstNode" val="1"/>
+          <dgm:constr type="h" for="ch" forName="gear2dstNode" val="1"/>
+          <dgm:constr type="l" for="ch" forName="gear2dstNode" refType="w" fact="0.1"/>
+          <dgm:constr type="t" for="ch" forName="gear2dstNode" refType="h" fact="0.33"/>
+          <dgm:constr type="diam" for="des" forName="connector2" refType="w" refFor="ch" refForName="gear2" op="equ" fact="-1.1"/>
+          <dgm:constr type="h" for="des" forName="connector2" refType="w" refFor="ch" refForName="gear1" op="equ" fact="0.1"/>
+          <dgm:constr type="w" for="ch" forName="gear2ch" refType="w" fact="0.35"/>
+          <dgm:constr type="h" for="ch" forName="gear2ch" refType="w" refFor="ch" refForName="gear2ch" fact="0.6"/>
+          <dgm:constr type="l" for="ch" forName="gear2ch" refType="w" fact="0.34"/>
+          <dgm:constr type="t" for="ch" forName="gear2ch" refType="w" fact="0.04"/>
+        </dgm:constrLst>
+      </dgm:if>
+      <dgm:else name="Name3">
+        <dgm:constrLst>
+          <dgm:constr type="primFontSz" for="ch" ptType="node" op="equ" val="65"/>
+          <dgm:constr type="w" for="ch" forName="gear1" refType="w" fact="0.55"/>
+          <dgm:constr type="h" for="ch" forName="gear1" refType="w" fact="0.55"/>
+          <dgm:constr type="l" for="ch" forName="gear1" refType="w" fact="0.45"/>
+          <dgm:constr type="t" for="ch" forName="gear1" refType="w" fact="0.45"/>
+          <dgm:constr type="w" for="ch" forName="gear1srcNode" val="1"/>
+          <dgm:constr type="h" for="ch" forName="gear1srcNode" val="1"/>
+          <dgm:constr type="l" for="ch" forName="gear1srcNode" refType="w" fact="0.72"/>
+          <dgm:constr type="t" for="ch" forName="gear1srcNode" refType="w" fact="0.4"/>
+          <dgm:constr type="w" for="ch" forName="gear1dstNode" val="1"/>
+          <dgm:constr type="h" for="ch" forName="gear1dstNode" val="1"/>
+          <dgm:constr type="r" for="ch" forName="gear1dstNode" refType="w" fact="0.98"/>
+          <dgm:constr type="t" for="ch" forName="gear1dstNode" refType="h" fact="0.95"/>
+          <dgm:constr type="diam" for="des" forName="connector1" refType="w" refFor="ch" refForName="gear1" op="equ" fact="1.15"/>
+          <dgm:constr type="h" for="des" forName="connector1" refType="w" refFor="ch" refForName="gear1" op="equ" fact="0.1"/>
+          <dgm:constr type="w" for="ch" forName="gear1ch" refType="w" fact="0.35"/>
+          <dgm:constr type="h" for="ch" forName="gear1ch" refType="w" refFor="ch" refForName="gear1ch" fact="0.6"/>
+          <dgm:constr type="l" for="ch" forName="gear1ch" refType="w" fact="0.38"/>
+          <dgm:constr type="b" for="ch" forName="gear1ch" refType="h"/>
+          <dgm:constr type="w" for="ch" forName="gear2" refType="w" fact="0.4"/>
+          <dgm:constr type="h" for="ch" forName="gear2" refType="w" fact="0.4"/>
+          <dgm:constr type="l" for="ch" forName="gear2" refType="w" fact="0.13"/>
+          <dgm:constr type="t" for="ch" forName="gear2" refType="w" fact="0.32"/>
+          <dgm:constr type="w" for="ch" forName="gear2srcNode" val="1"/>
+          <dgm:constr type="h" for="ch" forName="gear2srcNode" val="1"/>
+          <dgm:constr type="l" for="ch" forName="gear2srcNode" refType="w" fact="0.23"/>
+          <dgm:constr type="t" for="ch" forName="gear2srcNode" refType="w" fact="0.28"/>
+          <dgm:constr type="w" for="ch" forName="gear2dstNode" val="1"/>
+          <dgm:constr type="h" for="ch" forName="gear2dstNode" val="1"/>
+          <dgm:constr type="l" for="ch" forName="gear2dstNode" refType="w" fact="0.1"/>
+          <dgm:constr type="t" for="ch" forName="gear2dstNode" refType="h" fact="0.53"/>
+          <dgm:constr type="diam" for="des" forName="connector2" refType="w" refFor="ch" refForName="gear2" op="equ" fact="-1.1"/>
+          <dgm:constr type="h" for="des" forName="connector2" refType="w" refFor="ch" refForName="gear1" op="equ" fact="0.1"/>
+          <dgm:constr type="w" for="ch" forName="gear2ch" refType="w" fact="0.35"/>
+          <dgm:constr type="h" for="ch" forName="gear2ch" refType="w" refFor="ch" refForName="gear2ch" fact="0.6"/>
+          <dgm:constr type="l" for="ch" forName="gear2ch"/>
+          <dgm:constr type="t" for="ch" forName="gear2ch" refType="w" fact="0.58"/>
+          <dgm:constr type="w" for="ch" forName="gear3" refType="w" fact="0.48"/>
+          <dgm:constr type="h" for="ch" forName="gear3" refType="w" fact="0.48"/>
+          <dgm:constr type="l" for="ch" forName="gear3" refType="w" fact="0.31"/>
+          <dgm:constr type="t" for="ch" forName="gear3"/>
+          <dgm:constr type="w" for="ch" forName="gear3tx" refType="w" fact="0.22"/>
+          <dgm:constr type="h" for="ch" forName="gear3tx" refType="w" fact="0.22"/>
+          <dgm:constr type="ctrX" for="ch" forName="gear3tx" refType="ctrX" refFor="ch" refForName="gear3"/>
+          <dgm:constr type="ctrY" for="ch" forName="gear3tx" refType="ctrY" refFor="ch" refForName="gear3"/>
+          <dgm:constr type="w" for="ch" forName="gear3srcNode" val="1"/>
+          <dgm:constr type="h" for="ch" forName="gear3srcNode" val="1"/>
+          <dgm:constr type="l" for="ch" forName="gear3srcNode" refType="w" fact="0.3"/>
+          <dgm:constr type="t" for="ch" forName="gear3srcNode" refType="w" fact="0.25"/>
+          <dgm:constr type="w" for="ch" forName="gear3dstNode" val="1"/>
+          <dgm:constr type="h" for="ch" forName="gear3dstNode" val="1"/>
+          <dgm:constr type="l" for="ch" forName="gear3dstNode" refType="w" fact="0.38"/>
+          <dgm:constr type="t" for="ch" forName="gear3dstNode" refType="h" fact="0.05"/>
+          <dgm:constr type="diam" for="des" forName="connector3" refType="w" refFor="ch" refForName="gear3" op="equ"/>
+          <dgm:constr type="h" for="des" forName="connector3" refType="w" refFor="ch" refForName="gear1" op="equ" fact="0.1"/>
+          <dgm:constr type="w" for="ch" forName="gear3ch" refType="w" fact="0.35"/>
+          <dgm:constr type="h" for="ch" forName="gear3ch" refType="w" refFor="ch" refForName="gear3ch" fact="0.6"/>
+          <dgm:constr type="l" for="ch" forName="gear3ch" refType="w" fact="0.65"/>
+          <dgm:constr type="t" for="ch" forName="gear3ch" refType="h" fact="0.13"/>
         </dgm:constrLst>
       </dgm:else>
     </dgm:choose>
     <dgm:ruleLst/>
-    <dgm:choose name="Name3">
-      <dgm:if name="Name4" axis="ch" ptType="node" func="cnt" op="gte" val="1">
-        <dgm:layoutNode name="pyramid" styleLbl="node1">
-          <dgm:alg type="sp"/>
-          <dgm:shape xmlns:r="http://schemas.openxmlformats.org/officeDocument/2006/relationships" type="triangle" r:blip="">
-            <dgm:adjLst/>
-          </dgm:shape>
-          <dgm:presOf/>
-          <dgm:constrLst/>
-          <dgm:ruleLst/>
-        </dgm:layoutNode>
-        <dgm:layoutNode name="theList">
-          <dgm:alg type="lin">
-            <dgm:param type="linDir" val="fromT"/>
-          </dgm:alg>
-          <dgm:shape xmlns:r="http://schemas.openxmlformats.org/officeDocument/2006/relationships" r:blip="">
-            <dgm:adjLst/>
-          </dgm:shape>
-          <dgm:presOf/>
-          <dgm:constrLst>
-            <dgm:constr type="w" for="ch" forName="aNode" refType="w"/>
-            <dgm:constr type="h" for="ch" forName="aNode" refType="h"/>
-            <dgm:constr type="primFontSz" for="ch" ptType="node" op="equ"/>
-          </dgm:constrLst>
-          <dgm:ruleLst/>
-          <dgm:forEach name="aNodeForEach" axis="ch" ptType="node">
-            <dgm:layoutNode name="aNode" styleLbl="fgAcc1">
-              <dgm:varLst>
-                <dgm:bulletEnabled val="1"/>
-              </dgm:varLst>
-              <dgm:alg type="tx"/>
-              <dgm:shape xmlns:r="http://schemas.openxmlformats.org/officeDocument/2006/relationships" type="roundRect" r:blip="">
-                <dgm:adjLst/>
-              </dgm:shape>
-              <dgm:presOf axis="desOrSelf" ptType="node"/>
-              <dgm:constrLst>
-                <dgm:constr type="primFontSz" val="65"/>
-                <dgm:constr type="tMarg" refType="primFontSz" fact="0.3"/>
-                <dgm:constr type="bMarg" refType="primFontSz" fact="0.3"/>
-                <dgm:constr type="lMarg" refType="primFontSz" fact="0.3"/>
-                <dgm:constr type="rMarg" refType="primFontSz" fact="0.3"/>
-              </dgm:constrLst>
-              <dgm:ruleLst>
-                <dgm:rule type="primFontSz" val="5" fact="NaN" max="NaN"/>
-              </dgm:ruleLst>
-            </dgm:layoutNode>
-            <dgm:layoutNode name="aSpace">
-              <dgm:alg type="sp"/>
-              <dgm:shape xmlns:r="http://schemas.openxmlformats.org/officeDocument/2006/relationships" r:blip="">
-                <dgm:adjLst/>
-              </dgm:shape>
-              <dgm:presOf/>
-              <dgm:constrLst/>
-              <dgm:ruleLst/>
-            </dgm:layoutNode>
-          </dgm:forEach>
-        </dgm:layoutNode>
-      </dgm:if>
-      <dgm:else name="Name5"/>
-    </dgm:choose>
-  </dgm:layoutNode>
-</dgm:layoutDef>
-</file>
-
-<file path=ppt/diagrams/layout2.xml><?xml version="1.0" encoding="utf-8"?>
-<dgm:layoutDef xmlns:dgm="http://schemas.openxmlformats.org/drawingml/2006/diagram" xmlns:a="http://schemas.openxmlformats.org/drawingml/2006/main" uniqueId="urn:microsoft.com/office/officeart/2005/8/layout/radial5">
-  <dgm:title val=""/>
-  <dgm:desc val=""/>
-  <dgm:catLst>
-    <dgm:cat type="relationship" pri="23000"/>
-    <dgm:cat type="cycle" pri="11000"/>
-  </dgm:catLst>
-  <dgm:sampData>
-    <dgm:dataModel>
-      <dgm:ptLst>
-        <dgm:pt modelId="0" type="doc"/>
-        <dgm:pt modelId="1">
-          <dgm:prSet phldr="1"/>
-        </dgm:pt>
-        <dgm:pt modelId="11">
-          <dgm:prSet phldr="1"/>
-        </dgm:pt>
-        <dgm:pt modelId="12">
-          <dgm:prSet phldr="1"/>
-        </dgm:pt>
-        <dgm:pt modelId="13">
-          <dgm:prSet phldr="1"/>
-        </dgm:pt>
-        <dgm:pt modelId="14">
-          <dgm:prSet phldr="1"/>
-        </dgm:pt>
-      </dgm:ptLst>
-      <dgm:cxnLst>
-        <dgm:cxn modelId="2" srcId="0" destId="1" srcOrd="0" destOrd="0"/>
-        <dgm:cxn modelId="3" srcId="1" destId="11" srcOrd="0" destOrd="0"/>
-        <dgm:cxn modelId="4" srcId="1" destId="12" srcOrd="1" destOrd="0"/>
-        <dgm:cxn modelId="5" srcId="1" destId="13" srcOrd="2" destOrd="0"/>
-        <dgm:cxn modelId="6" srcId="1" destId="14" srcOrd="3" destOrd="0"/>
-      </dgm:cxnLst>
-      <dgm:bg/>
-      <dgm:whole/>
-    </dgm:dataModel>
-  </dgm:sampData>
-  <dgm:styleData>
-    <dgm:dataModel>
-      <dgm:ptLst>
-        <dgm:pt modelId="0" type="doc"/>
-        <dgm:pt modelId="1"/>
-        <dgm:pt modelId="11"/>
-        <dgm:pt modelId="12"/>
-        <dgm:pt modelId="13"/>
-      </dgm:ptLst>
-      <dgm:cxnLst>
-        <dgm:cxn modelId="2" srcId="0" destId="1" srcOrd="0" destOrd="0"/>
-        <dgm:cxn modelId="15" srcId="1" destId="11" srcOrd="0" destOrd="0"/>
-        <dgm:cxn modelId="16" srcId="1" destId="12" srcOrd="1" destOrd="0"/>
-        <dgm:cxn modelId="17" srcId="1" destId="13" srcOrd="2" destOrd="0"/>
-      </dgm:cxnLst>
-      <dgm:bg/>
-      <dgm:whole/>
-    </dgm:dataModel>
-  </dgm:styleData>
-  <dgm:clrData>
-    <dgm:dataModel>
-      <dgm:ptLst>
-        <dgm:pt modelId="0" type="doc"/>
-        <dgm:pt modelId="1"/>
-        <dgm:pt modelId="11"/>
-        <dgm:pt modelId="12"/>
-        <dgm:pt modelId="13"/>
-        <dgm:pt modelId="14"/>
-        <dgm:pt modelId="15"/>
-        <dgm:pt modelId="16"/>
-      </dgm:ptLst>
-      <dgm:cxnLst>
-        <dgm:cxn modelId="2" srcId="0" destId="1" srcOrd="0" destOrd="0"/>
-        <dgm:cxn modelId="16" srcId="1" destId="11" srcOrd="0" destOrd="0"/>
-        <dgm:cxn modelId="17" srcId="1" destId="12" srcOrd="1" destOrd="0"/>
-        <dgm:cxn modelId="18" srcId="1" destId="13" srcOrd="2" destOrd="0"/>
-        <dgm:cxn modelId="19" srcId="1" destId="14" srcOrd="3" destOrd="0"/>
-        <dgm:cxn modelId="20" srcId="1" destId="15" srcOrd="4" destOrd="0"/>
-        <dgm:cxn modelId="21" srcId="1" destId="16" srcOrd="5" destOrd="0"/>
-      </dgm:cxnLst>
-      <dgm:bg/>
-      <dgm:whole/>
-    </dgm:dataModel>
-  </dgm:clrData>
-  <dgm:layoutNode name="Name0">
-    <dgm:varLst>
-      <dgm:chMax val="1"/>
-      <dgm:dir/>
-      <dgm:animLvl val="ctr"/>
-      <dgm:resizeHandles val="exact"/>
-    </dgm:varLst>
-    <dgm:choose name="Name1">
-      <dgm:if name="Name2" func="var" arg="dir" op="equ" val="norm">
-        <dgm:alg type="cycle">
-          <dgm:param type="stAng" val="0"/>
-          <dgm:param type="spanAng" val="360"/>
-          <dgm:param type="ctrShpMap" val="fNode"/>
+    <dgm:forEach name="Name4" axis="ch" ptType="node" cnt="1">
+      <dgm:layoutNode name="gear1" styleLbl="node1">
+        <dgm:varLst>
+          <dgm:chMax val="1"/>
+          <dgm:bulletEnabled val="1"/>
+        </dgm:varLst>
+        <dgm:alg type="tx">
+          <dgm:param type="txAnchorVertCh" val="mid"/>
         </dgm:alg>
-      </dgm:if>
-      <dgm:else name="Name3">
-        <dgm:alg type="cycle">
-          <dgm:param type="stAng" val="0"/>
-          <dgm:param type="spanAng" val="-360"/>
-          <dgm:param type="ctrShpMap" val="fNode"/>
-        </dgm:alg>
-      </dgm:else>
-    </dgm:choose>
-    <dgm:shape xmlns:r="http://schemas.openxmlformats.org/officeDocument/2006/relationships" r:blip="">
-      <dgm:adjLst/>
-    </dgm:shape>
-    <dgm:presOf/>
-    <dgm:constrLst>
-      <dgm:constr type="w" for="ch" forName="centerShape" refType="w"/>
-      <dgm:constr type="w" for="ch" forName="parTrans" refType="w" refFor="ch" refForName="centerShape" fact="0.4"/>
-      <dgm:constr type="w" for="ch" forName="node" refType="w" refFor="ch" refForName="centerShape" op="equ" fact="1.25"/>
-      <dgm:constr type="sp" refType="w" refFor="ch" refForName="centerShape" op="equ" fact="0.4"/>
-      <dgm:constr type="sibSp" refType="w" refFor="ch" refForName="node" fact="0.3"/>
-      <dgm:constr type="primFontSz" for="ch" forName="centerShape" val="65"/>
-      <dgm:constr type="primFontSz" for="des" forName="node" op="equ" val="65"/>
-      <dgm:constr type="primFontSz" for="des" forName="node" refType="primFontSz" refFor="ch" refForName="centerShape" op="lte"/>
-      <dgm:constr type="primFontSz" for="des" forName="connectorText" op="equ" val="55"/>
-      <dgm:constr type="primFontSz" for="des" forName="connectorText" refType="primFontSz" refFor="ch" refForName="centerShape" op="lte" fact="0.8"/>
-      <dgm:constr type="primFontSz" for="des" forName="connectorText" refType="primFontSz" refFor="des" refForName="node" op="lte"/>
-    </dgm:constrLst>
-    <dgm:choose name="Name4">
-      <dgm:if name="Name5" axis="ch ch" ptType="node node" st="1 1" cnt="1 0" func="cnt" op="lte" val="6">
-        <dgm:ruleLst>
-          <dgm:rule type="w" for="ch" forName="node" val="NaN" fact="1" max="NaN"/>
-        </dgm:ruleLst>
-      </dgm:if>
-      <dgm:if name="Name6" axis="ch ch" ptType="node node" st="1 1" cnt="1 0" func="cnt" op="lte" val="8">
-        <dgm:ruleLst>
-          <dgm:rule type="w" for="ch" forName="node" val="NaN" fact="0.9" max="NaN"/>
-        </dgm:ruleLst>
-      </dgm:if>
-      <dgm:if name="Name7" axis="ch ch" ptType="node node" st="1 1" cnt="1 0" func="cnt" op="lte" val="10">
-        <dgm:ruleLst>
-          <dgm:rule type="w" for="ch" forName="node" val="NaN" fact="0.8" max="NaN"/>
-        </dgm:ruleLst>
-      </dgm:if>
-      <dgm:if name="Name8" axis="ch ch" ptType="node node" st="1 1" cnt="1 0" func="cnt" op="lte" val="12">
-        <dgm:ruleLst>
-          <dgm:rule type="w" for="ch" forName="node" val="NaN" fact="0.7" max="NaN"/>
-        </dgm:ruleLst>
-      </dgm:if>
-      <dgm:if name="Name9" axis="ch ch" ptType="node node" st="1 1" cnt="1 0" func="cnt" op="lte" val="14">
-        <dgm:ruleLst>
-          <dgm:rule type="w" for="ch" forName="node" val="NaN" fact="0.6" max="NaN"/>
-        </dgm:ruleLst>
-      </dgm:if>
-      <dgm:else name="Name10">
-        <dgm:ruleLst>
-          <dgm:rule type="w" for="ch" forName="node" val="NaN" fact="0.5" max="NaN"/>
-        </dgm:ruleLst>
-      </dgm:else>
-    </dgm:choose>
-    <dgm:forEach name="Name11" axis="ch" ptType="node" cnt="1">
-      <dgm:layoutNode name="centerShape" styleLbl="node0">
-        <dgm:alg type="tx"/>
-        <dgm:shape xmlns:r="http://schemas.openxmlformats.org/officeDocument/2006/relationships" type="ellipse" r:blip="">
+        <dgm:shape xmlns:r="http://schemas.openxmlformats.org/officeDocument/2006/relationships" type="gear9" r:blip="">
           <dgm:adjLst/>
         </dgm:shape>
         <dgm:presOf axis="self"/>
         <dgm:constrLst>
-          <dgm:constr type="h" refType="w"/>
           <dgm:constr type="tMarg" refType="primFontSz" fact="0.1"/>
           <dgm:constr type="bMarg" refType="primFontSz" fact="0.1"/>
           <dgm:constr type="lMarg" refType="primFontSz" fact="0.1"/>
@@ -4878,73 +3421,276 @@
           <dgm:rule type="primFontSz" val="5" fact="NaN" max="NaN"/>
         </dgm:ruleLst>
       </dgm:layoutNode>
-      <dgm:forEach name="Name12" axis="ch">
-        <dgm:forEach name="Name13" axis="self" ptType="parTrans">
-          <dgm:layoutNode name="parTrans" styleLbl="sibTrans2D1">
-            <dgm:alg type="conn">
-              <dgm:param type="begPts" val="auto"/>
-              <dgm:param type="endPts" val="auto"/>
-            </dgm:alg>
-            <dgm:shape xmlns:r="http://schemas.openxmlformats.org/officeDocument/2006/relationships" type="conn" r:blip="">
-              <dgm:adjLst/>
-            </dgm:shape>
-            <dgm:presOf axis="self"/>
-            <dgm:constrLst>
-              <dgm:constr type="h" refType="w" fact="0.85"/>
-            </dgm:constrLst>
-            <dgm:ruleLst/>
-            <dgm:layoutNode name="connectorText">
-              <dgm:alg type="tx">
-                <dgm:param type="autoTxRot" val="grav"/>
-              </dgm:alg>
-              <dgm:shape xmlns:r="http://schemas.openxmlformats.org/officeDocument/2006/relationships" type="conn" r:blip="" hideGeom="1">
-                <dgm:adjLst/>
-              </dgm:shape>
-              <dgm:presOf axis="self"/>
-              <dgm:constrLst>
-                <dgm:constr type="lMarg"/>
-                <dgm:constr type="rMarg"/>
-                <dgm:constr type="tMarg"/>
-                <dgm:constr type="bMarg"/>
-              </dgm:constrLst>
-              <dgm:ruleLst>
-                <dgm:rule type="primFontSz" val="5" fact="NaN" max="NaN"/>
-              </dgm:ruleLst>
-            </dgm:layoutNode>
-          </dgm:layoutNode>
-        </dgm:forEach>
-        <dgm:forEach name="Name14" axis="self" ptType="node">
-          <dgm:layoutNode name="node" styleLbl="node1">
+      <dgm:layoutNode name="gear1srcNode">
+        <dgm:alg type="sp"/>
+        <dgm:shape xmlns:r="http://schemas.openxmlformats.org/officeDocument/2006/relationships" type="rect" r:blip="" hideGeom="1">
+          <dgm:adjLst/>
+        </dgm:shape>
+        <dgm:presOf axis="self"/>
+        <dgm:constrLst/>
+        <dgm:ruleLst/>
+      </dgm:layoutNode>
+      <dgm:layoutNode name="gear1dstNode">
+        <dgm:alg type="sp"/>
+        <dgm:shape xmlns:r="http://schemas.openxmlformats.org/officeDocument/2006/relationships" type="rect" r:blip="" hideGeom="1">
+          <dgm:adjLst/>
+        </dgm:shape>
+        <dgm:presOf axis="self"/>
+        <dgm:constrLst/>
+        <dgm:ruleLst/>
+      </dgm:layoutNode>
+      <dgm:choose name="Name5">
+        <dgm:if name="Name6" axis="ch" ptType="node" func="cnt" op="gte" val="1">
+          <dgm:layoutNode name="gear1ch" styleLbl="fgAcc1">
             <dgm:varLst>
+              <dgm:chMax val="0"/>
               <dgm:bulletEnabled val="1"/>
             </dgm:varLst>
             <dgm:alg type="tx">
-              <dgm:param type="txAnchorVertCh" val="mid"/>
+              <dgm:param type="stBulletLvl" val="1"/>
             </dgm:alg>
-            <dgm:shape xmlns:r="http://schemas.openxmlformats.org/officeDocument/2006/relationships" type="ellipse" r:blip="">
-              <dgm:adjLst/>
+            <dgm:shape xmlns:r="http://schemas.openxmlformats.org/officeDocument/2006/relationships" type="roundRect" r:blip="">
+              <dgm:adjLst>
+                <dgm:adj idx="1" val="0.1"/>
+              </dgm:adjLst>
             </dgm:shape>
-            <dgm:presOf axis="desOrSelf" ptType="node"/>
+            <dgm:presOf axis="des" ptType="node"/>
             <dgm:constrLst>
-              <dgm:constr type="h" refType="w"/>
-              <dgm:constr type="tMarg" refType="primFontSz" fact="0.1"/>
-              <dgm:constr type="bMarg" refType="primFontSz" fact="0.1"/>
-              <dgm:constr type="lMarg" refType="primFontSz" fact="0.1"/>
-              <dgm:constr type="rMarg" refType="primFontSz" fact="0.1"/>
+              <dgm:constr type="tMarg" refType="primFontSz" fact="0.3"/>
+              <dgm:constr type="bMarg" refType="primFontSz" fact="0.3"/>
+              <dgm:constr type="lMarg" refType="primFontSz" fact="0.3"/>
+              <dgm:constr type="rMarg" refType="primFontSz" fact="0.3"/>
             </dgm:constrLst>
             <dgm:ruleLst>
-              <dgm:rule type="w" val="INF" fact="NaN" max="NaN"/>
               <dgm:rule type="primFontSz" val="5" fact="NaN" max="NaN"/>
             </dgm:ruleLst>
           </dgm:layoutNode>
-        </dgm:forEach>
-      </dgm:forEach>
+        </dgm:if>
+        <dgm:else name="Name7"/>
+      </dgm:choose>
+    </dgm:forEach>
+    <dgm:forEach name="Name8" axis="ch" ptType="node" st="2" cnt="1">
+      <dgm:layoutNode name="gear2" styleLbl="node1">
+        <dgm:varLst>
+          <dgm:chMax val="1"/>
+          <dgm:bulletEnabled val="1"/>
+        </dgm:varLst>
+        <dgm:alg type="tx">
+          <dgm:param type="txAnchorVertCh" val="mid"/>
+        </dgm:alg>
+        <dgm:shape xmlns:r="http://schemas.openxmlformats.org/officeDocument/2006/relationships" type="gear6" r:blip="">
+          <dgm:adjLst/>
+        </dgm:shape>
+        <dgm:presOf axis="self"/>
+        <dgm:constrLst>
+          <dgm:constr type="tMarg" refType="primFontSz" fact="0.1"/>
+          <dgm:constr type="bMarg" refType="primFontSz" fact="0.1"/>
+          <dgm:constr type="lMarg" refType="primFontSz" fact="0.1"/>
+          <dgm:constr type="rMarg" refType="primFontSz" fact="0.1"/>
+        </dgm:constrLst>
+        <dgm:ruleLst>
+          <dgm:rule type="primFontSz" val="5" fact="NaN" max="NaN"/>
+        </dgm:ruleLst>
+      </dgm:layoutNode>
+      <dgm:layoutNode name="gear2srcNode">
+        <dgm:alg type="sp"/>
+        <dgm:shape xmlns:r="http://schemas.openxmlformats.org/officeDocument/2006/relationships" type="rect" r:blip="" hideGeom="1">
+          <dgm:adjLst/>
+        </dgm:shape>
+        <dgm:presOf axis="self"/>
+        <dgm:constrLst/>
+        <dgm:ruleLst/>
+      </dgm:layoutNode>
+      <dgm:layoutNode name="gear2dstNode">
+        <dgm:alg type="sp"/>
+        <dgm:shape xmlns:r="http://schemas.openxmlformats.org/officeDocument/2006/relationships" type="rect" r:blip="" hideGeom="1">
+          <dgm:adjLst/>
+        </dgm:shape>
+        <dgm:presOf axis="self"/>
+        <dgm:constrLst/>
+        <dgm:ruleLst/>
+      </dgm:layoutNode>
+      <dgm:choose name="Name9">
+        <dgm:if name="Name10" axis="ch" ptType="node" func="cnt" op="gte" val="1">
+          <dgm:layoutNode name="gear2ch" styleLbl="fgAcc1">
+            <dgm:varLst>
+              <dgm:chMax val="0"/>
+              <dgm:bulletEnabled val="1"/>
+            </dgm:varLst>
+            <dgm:alg type="tx">
+              <dgm:param type="stBulletLvl" val="1"/>
+            </dgm:alg>
+            <dgm:shape xmlns:r="http://schemas.openxmlformats.org/officeDocument/2006/relationships" type="roundRect" r:blip="">
+              <dgm:adjLst>
+                <dgm:adj idx="1" val="0.1"/>
+              </dgm:adjLst>
+            </dgm:shape>
+            <dgm:presOf axis="des" ptType="node"/>
+            <dgm:constrLst>
+              <dgm:constr type="tMarg" refType="primFontSz" fact="0.3"/>
+              <dgm:constr type="bMarg" refType="primFontSz" fact="0.3"/>
+              <dgm:constr type="lMarg" refType="primFontSz" fact="0.3"/>
+              <dgm:constr type="rMarg" refType="primFontSz" fact="0.3"/>
+            </dgm:constrLst>
+            <dgm:ruleLst>
+              <dgm:rule type="primFontSz" val="5" fact="NaN" max="NaN"/>
+            </dgm:ruleLst>
+          </dgm:layoutNode>
+        </dgm:if>
+        <dgm:else name="Name11"/>
+      </dgm:choose>
+    </dgm:forEach>
+    <dgm:forEach name="Name12" axis="ch" ptType="node" st="3" cnt="1">
+      <dgm:layoutNode name="gear3" styleLbl="node1">
+        <dgm:alg type="sp"/>
+        <dgm:shape xmlns:r="http://schemas.openxmlformats.org/officeDocument/2006/relationships" rot="-15" type="gear6" r:blip="">
+          <dgm:adjLst/>
+        </dgm:shape>
+        <dgm:presOf axis="self"/>
+        <dgm:constrLst/>
+        <dgm:ruleLst/>
+      </dgm:layoutNode>
+      <dgm:layoutNode name="gear3tx" styleLbl="node1">
+        <dgm:varLst>
+          <dgm:chMax val="1"/>
+          <dgm:bulletEnabled val="1"/>
+        </dgm:varLst>
+        <dgm:alg type="tx">
+          <dgm:param type="txAnchorVertCh" val="mid"/>
+        </dgm:alg>
+        <dgm:shape xmlns:r="http://schemas.openxmlformats.org/officeDocument/2006/relationships" type="rect" r:blip="" hideGeom="1">
+          <dgm:adjLst/>
+        </dgm:shape>
+        <dgm:presOf axis="self"/>
+        <dgm:constrLst>
+          <dgm:constr type="tMarg" refType="primFontSz" fact="0.1"/>
+          <dgm:constr type="bMarg" refType="primFontSz" fact="0.1"/>
+          <dgm:constr type="lMarg" refType="primFontSz" fact="0.1"/>
+          <dgm:constr type="rMarg" refType="primFontSz" fact="0.1"/>
+        </dgm:constrLst>
+        <dgm:ruleLst>
+          <dgm:rule type="primFontSz" val="5" fact="NaN" max="NaN"/>
+        </dgm:ruleLst>
+      </dgm:layoutNode>
+      <dgm:layoutNode name="gear3srcNode">
+        <dgm:alg type="sp"/>
+        <dgm:shape xmlns:r="http://schemas.openxmlformats.org/officeDocument/2006/relationships" type="rect" r:blip="" hideGeom="1">
+          <dgm:adjLst/>
+        </dgm:shape>
+        <dgm:presOf axis="self"/>
+        <dgm:constrLst/>
+        <dgm:ruleLst/>
+      </dgm:layoutNode>
+      <dgm:layoutNode name="gear3dstNode">
+        <dgm:alg type="sp"/>
+        <dgm:shape xmlns:r="http://schemas.openxmlformats.org/officeDocument/2006/relationships" type="rect" r:blip="" hideGeom="1">
+          <dgm:adjLst/>
+        </dgm:shape>
+        <dgm:presOf axis="self"/>
+        <dgm:constrLst/>
+        <dgm:ruleLst/>
+      </dgm:layoutNode>
+      <dgm:choose name="Name13">
+        <dgm:if name="Name14" axis="ch" ptType="node" func="cnt" op="gte" val="1">
+          <dgm:layoutNode name="gear3ch" styleLbl="fgAcc1">
+            <dgm:varLst>
+              <dgm:chMax val="0"/>
+              <dgm:bulletEnabled val="1"/>
+            </dgm:varLst>
+            <dgm:alg type="tx">
+              <dgm:param type="stBulletLvl" val="1"/>
+            </dgm:alg>
+            <dgm:shape xmlns:r="http://schemas.openxmlformats.org/officeDocument/2006/relationships" type="roundRect" r:blip="">
+              <dgm:adjLst>
+                <dgm:adj idx="1" val="0.1"/>
+              </dgm:adjLst>
+            </dgm:shape>
+            <dgm:presOf axis="des" ptType="node"/>
+            <dgm:constrLst>
+              <dgm:constr type="tMarg" refType="primFontSz" fact="0.3"/>
+              <dgm:constr type="bMarg" refType="primFontSz" fact="0.3"/>
+              <dgm:constr type="lMarg" refType="primFontSz" fact="0.3"/>
+              <dgm:constr type="rMarg" refType="primFontSz" fact="0.3"/>
+            </dgm:constrLst>
+            <dgm:ruleLst>
+              <dgm:rule type="primFontSz" val="5" fact="NaN" max="NaN"/>
+            </dgm:ruleLst>
+          </dgm:layoutNode>
+        </dgm:if>
+        <dgm:else name="Name15"/>
+      </dgm:choose>
+    </dgm:forEach>
+    <dgm:forEach name="Name16" axis="ch" ptType="sibTrans" hideLastTrans="0" cnt="1">
+      <dgm:layoutNode name="connector1" styleLbl="sibTrans2D1">
+        <dgm:alg type="conn">
+          <dgm:param type="connRout" val="curve"/>
+          <dgm:param type="srcNode" val="gear1srcNode"/>
+          <dgm:param type="dstNode" val="gear1dstNode"/>
+          <dgm:param type="begPts" val="midR"/>
+          <dgm:param type="endPts" val="tCtr"/>
+        </dgm:alg>
+        <dgm:shape xmlns:r="http://schemas.openxmlformats.org/officeDocument/2006/relationships" type="conn" r:blip="">
+          <dgm:adjLst/>
+        </dgm:shape>
+        <dgm:presOf axis="self"/>
+        <dgm:constrLst>
+          <dgm:constr type="w" val="10"/>
+          <dgm:constr type="h" val="10"/>
+          <dgm:constr type="begPad"/>
+          <dgm:constr type="endPad"/>
+        </dgm:constrLst>
+        <dgm:ruleLst/>
+      </dgm:layoutNode>
+    </dgm:forEach>
+    <dgm:forEach name="Name17" axis="ch" ptType="sibTrans" hideLastTrans="0" st="2" cnt="1">
+      <dgm:layoutNode name="connector2" styleLbl="sibTrans2D1">
+        <dgm:alg type="conn">
+          <dgm:param type="connRout" val="curve"/>
+          <dgm:param type="srcNode" val="gear2srcNode"/>
+          <dgm:param type="dstNode" val="gear2dstNode"/>
+          <dgm:param type="begPts" val="midL"/>
+          <dgm:param type="endPts" val="midL"/>
+        </dgm:alg>
+        <dgm:shape xmlns:r="http://schemas.openxmlformats.org/officeDocument/2006/relationships" type="conn" r:blip="">
+          <dgm:adjLst/>
+        </dgm:shape>
+        <dgm:presOf axis="self"/>
+        <dgm:constrLst>
+          <dgm:constr type="w" val="10"/>
+          <dgm:constr type="h" val="10"/>
+          <dgm:constr type="begPad"/>
+          <dgm:constr type="endPad"/>
+        </dgm:constrLst>
+        <dgm:ruleLst/>
+      </dgm:layoutNode>
+    </dgm:forEach>
+    <dgm:forEach name="Name18" axis="ch" ptType="sibTrans" hideLastTrans="0" st="3" cnt="1">
+      <dgm:layoutNode name="connector3" styleLbl="sibTrans2D1">
+        <dgm:alg type="conn">
+          <dgm:param type="connRout" val="curve"/>
+          <dgm:param type="srcNode" val="gear3srcNode"/>
+          <dgm:param type="dstNode" val="gear3dstNode"/>
+          <dgm:param type="begPts" val="midL"/>
+          <dgm:param type="endPts" val="midL"/>
+        </dgm:alg>
+        <dgm:shape xmlns:r="http://schemas.openxmlformats.org/officeDocument/2006/relationships" type="conn" r:blip="">
+          <dgm:adjLst/>
+        </dgm:shape>
+        <dgm:presOf axis="self"/>
+        <dgm:constrLst>
+          <dgm:constr type="w" val="10"/>
+          <dgm:constr type="h" val="10"/>
+          <dgm:constr type="begPad"/>
+          <dgm:constr type="endPad"/>
+        </dgm:constrLst>
+        <dgm:ruleLst/>
+      </dgm:layoutNode>
     </dgm:forEach>
   </dgm:layoutNode>
 </dgm:layoutDef>
 </file>
 
-<file path=ppt/diagrams/layout3.xml><?xml version="1.0" encoding="utf-8"?>
+<file path=ppt/diagrams/layout2.xml><?xml version="1.0" encoding="utf-8"?>
 <dgm:layoutDef xmlns:dgm="http://schemas.openxmlformats.org/drawingml/2006/diagram" xmlns:a="http://schemas.openxmlformats.org/drawingml/2006/main" uniqueId="urn:microsoft.com/office/officeart/2005/8/layout/vList3#1">
   <dgm:title val=""/>
   <dgm:desc val=""/>
@@ -6142,1040 +4888,6 @@
 </file>
 
 <file path=ppt/diagrams/quickStyle2.xml><?xml version="1.0" encoding="utf-8"?>
-<dgm:styleDef xmlns:dgm="http://schemas.openxmlformats.org/drawingml/2006/diagram" xmlns:a="http://schemas.openxmlformats.org/drawingml/2006/main" uniqueId="urn:microsoft.com/office/officeart/2005/8/quickstyle/simple1">
-  <dgm:title val=""/>
-  <dgm:desc val=""/>
-  <dgm:catLst>
-    <dgm:cat type="simple" pri="10100"/>
-  </dgm:catLst>
-  <dgm:scene3d>
-    <a:camera prst="orthographicFront"/>
-    <a:lightRig rig="threePt" dir="t"/>
-  </dgm:scene3d>
-  <dgm:styleLbl name="node0">
-    <dgm:scene3d>
-      <a:camera prst="orthographicFront"/>
-      <a:lightRig rig="threePt" dir="t"/>
-    </dgm:scene3d>
-    <dgm:sp3d/>
-    <dgm:txPr/>
-    <dgm:style>
-      <a:lnRef idx="2">
-        <a:scrgbClr r="0" g="0" b="0"/>
-      </a:lnRef>
-      <a:fillRef idx="1">
-        <a:scrgbClr r="0" g="0" b="0"/>
-      </a:fillRef>
-      <a:effectRef idx="0">
-        <a:scrgbClr r="0" g="0" b="0"/>
-      </a:effectRef>
-      <a:fontRef idx="minor">
-        <a:schemeClr val="lt1"/>
-      </a:fontRef>
-    </dgm:style>
-  </dgm:styleLbl>
-  <dgm:styleLbl name="lnNode1">
-    <dgm:scene3d>
-      <a:camera prst="orthographicFront"/>
-      <a:lightRig rig="threePt" dir="t"/>
-    </dgm:scene3d>
-    <dgm:sp3d/>
-    <dgm:txPr/>
-    <dgm:style>
-      <a:lnRef idx="2">
-        <a:scrgbClr r="0" g="0" b="0"/>
-      </a:lnRef>
-      <a:fillRef idx="1">
-        <a:scrgbClr r="0" g="0" b="0"/>
-      </a:fillRef>
-      <a:effectRef idx="0">
-        <a:scrgbClr r="0" g="0" b="0"/>
-      </a:effectRef>
-      <a:fontRef idx="minor">
-        <a:schemeClr val="lt1"/>
-      </a:fontRef>
-    </dgm:style>
-  </dgm:styleLbl>
-  <dgm:styleLbl name="vennNode1">
-    <dgm:scene3d>
-      <a:camera prst="orthographicFront"/>
-      <a:lightRig rig="threePt" dir="t"/>
-    </dgm:scene3d>
-    <dgm:sp3d/>
-    <dgm:txPr/>
-    <dgm:style>
-      <a:lnRef idx="2">
-        <a:scrgbClr r="0" g="0" b="0"/>
-      </a:lnRef>
-      <a:fillRef idx="1">
-        <a:scrgbClr r="0" g="0" b="0"/>
-      </a:fillRef>
-      <a:effectRef idx="0">
-        <a:scrgbClr r="0" g="0" b="0"/>
-      </a:effectRef>
-      <a:fontRef idx="minor">
-        <a:schemeClr val="tx1"/>
-      </a:fontRef>
-    </dgm:style>
-  </dgm:styleLbl>
-  <dgm:styleLbl name="alignNode1">
-    <dgm:scene3d>
-      <a:camera prst="orthographicFront"/>
-      <a:lightRig rig="threePt" dir="t"/>
-    </dgm:scene3d>
-    <dgm:sp3d/>
-    <dgm:txPr/>
-    <dgm:style>
-      <a:lnRef idx="2">
-        <a:scrgbClr r="0" g="0" b="0"/>
-      </a:lnRef>
-      <a:fillRef idx="1">
-        <a:scrgbClr r="0" g="0" b="0"/>
-      </a:fillRef>
-      <a:effectRef idx="0">
-        <a:scrgbClr r="0" g="0" b="0"/>
-      </a:effectRef>
-      <a:fontRef idx="minor">
-        <a:schemeClr val="lt1"/>
-      </a:fontRef>
-    </dgm:style>
-  </dgm:styleLbl>
-  <dgm:styleLbl name="node1">
-    <dgm:scene3d>
-      <a:camera prst="orthographicFront"/>
-      <a:lightRig rig="threePt" dir="t"/>
-    </dgm:scene3d>
-    <dgm:sp3d/>
-    <dgm:txPr/>
-    <dgm:style>
-      <a:lnRef idx="2">
-        <a:scrgbClr r="0" g="0" b="0"/>
-      </a:lnRef>
-      <a:fillRef idx="1">
-        <a:scrgbClr r="0" g="0" b="0"/>
-      </a:fillRef>
-      <a:effectRef idx="0">
-        <a:scrgbClr r="0" g="0" b="0"/>
-      </a:effectRef>
-      <a:fontRef idx="minor">
-        <a:schemeClr val="lt1"/>
-      </a:fontRef>
-    </dgm:style>
-  </dgm:styleLbl>
-  <dgm:styleLbl name="node2">
-    <dgm:scene3d>
-      <a:camera prst="orthographicFront"/>
-      <a:lightRig rig="threePt" dir="t"/>
-    </dgm:scene3d>
-    <dgm:sp3d/>
-    <dgm:txPr/>
-    <dgm:style>
-      <a:lnRef idx="2">
-        <a:scrgbClr r="0" g="0" b="0"/>
-      </a:lnRef>
-      <a:fillRef idx="1">
-        <a:scrgbClr r="0" g="0" b="0"/>
-      </a:fillRef>
-      <a:effectRef idx="0">
-        <a:scrgbClr r="0" g="0" b="0"/>
-      </a:effectRef>
-      <a:fontRef idx="minor">
-        <a:schemeClr val="lt1"/>
-      </a:fontRef>
-    </dgm:style>
-  </dgm:styleLbl>
-  <dgm:styleLbl name="node3">
-    <dgm:scene3d>
-      <a:camera prst="orthographicFront"/>
-      <a:lightRig rig="threePt" dir="t"/>
-    </dgm:scene3d>
-    <dgm:sp3d/>
-    <dgm:txPr/>
-    <dgm:style>
-      <a:lnRef idx="2">
-        <a:scrgbClr r="0" g="0" b="0"/>
-      </a:lnRef>
-      <a:fillRef idx="1">
-        <a:scrgbClr r="0" g="0" b="0"/>
-      </a:fillRef>
-      <a:effectRef idx="0">
-        <a:scrgbClr r="0" g="0" b="0"/>
-      </a:effectRef>
-      <a:fontRef idx="minor">
-        <a:schemeClr val="lt1"/>
-      </a:fontRef>
-    </dgm:style>
-  </dgm:styleLbl>
-  <dgm:styleLbl name="node4">
-    <dgm:scene3d>
-      <a:camera prst="orthographicFront"/>
-      <a:lightRig rig="threePt" dir="t"/>
-    </dgm:scene3d>
-    <dgm:sp3d/>
-    <dgm:txPr/>
-    <dgm:style>
-      <a:lnRef idx="2">
-        <a:scrgbClr r="0" g="0" b="0"/>
-      </a:lnRef>
-      <a:fillRef idx="1">
-        <a:scrgbClr r="0" g="0" b="0"/>
-      </a:fillRef>
-      <a:effectRef idx="0">
-        <a:scrgbClr r="0" g="0" b="0"/>
-      </a:effectRef>
-      <a:fontRef idx="minor">
-        <a:schemeClr val="lt1"/>
-      </a:fontRef>
-    </dgm:style>
-  </dgm:styleLbl>
-  <dgm:styleLbl name="fgImgPlace1">
-    <dgm:scene3d>
-      <a:camera prst="orthographicFront"/>
-      <a:lightRig rig="threePt" dir="t"/>
-    </dgm:scene3d>
-    <dgm:sp3d/>
-    <dgm:txPr/>
-    <dgm:style>
-      <a:lnRef idx="2">
-        <a:scrgbClr r="0" g="0" b="0"/>
-      </a:lnRef>
-      <a:fillRef idx="1">
-        <a:scrgbClr r="0" g="0" b="0"/>
-      </a:fillRef>
-      <a:effectRef idx="0">
-        <a:scrgbClr r="0" g="0" b="0"/>
-      </a:effectRef>
-      <a:fontRef idx="minor"/>
-    </dgm:style>
-  </dgm:styleLbl>
-  <dgm:styleLbl name="alignImgPlace1">
-    <dgm:scene3d>
-      <a:camera prst="orthographicFront"/>
-      <a:lightRig rig="threePt" dir="t"/>
-    </dgm:scene3d>
-    <dgm:sp3d/>
-    <dgm:txPr/>
-    <dgm:style>
-      <a:lnRef idx="2">
-        <a:scrgbClr r="0" g="0" b="0"/>
-      </a:lnRef>
-      <a:fillRef idx="1">
-        <a:scrgbClr r="0" g="0" b="0"/>
-      </a:fillRef>
-      <a:effectRef idx="0">
-        <a:scrgbClr r="0" g="0" b="0"/>
-      </a:effectRef>
-      <a:fontRef idx="minor"/>
-    </dgm:style>
-  </dgm:styleLbl>
-  <dgm:styleLbl name="bgImgPlace1">
-    <dgm:scene3d>
-      <a:camera prst="orthographicFront"/>
-      <a:lightRig rig="threePt" dir="t"/>
-    </dgm:scene3d>
-    <dgm:sp3d/>
-    <dgm:txPr/>
-    <dgm:style>
-      <a:lnRef idx="2">
-        <a:scrgbClr r="0" g="0" b="0"/>
-      </a:lnRef>
-      <a:fillRef idx="1">
-        <a:scrgbClr r="0" g="0" b="0"/>
-      </a:fillRef>
-      <a:effectRef idx="0">
-        <a:scrgbClr r="0" g="0" b="0"/>
-      </a:effectRef>
-      <a:fontRef idx="minor"/>
-    </dgm:style>
-  </dgm:styleLbl>
-  <dgm:styleLbl name="sibTrans2D1">
-    <dgm:scene3d>
-      <a:camera prst="orthographicFront"/>
-      <a:lightRig rig="threePt" dir="t"/>
-    </dgm:scene3d>
-    <dgm:sp3d/>
-    <dgm:txPr/>
-    <dgm:style>
-      <a:lnRef idx="0">
-        <a:scrgbClr r="0" g="0" b="0"/>
-      </a:lnRef>
-      <a:fillRef idx="1">
-        <a:scrgbClr r="0" g="0" b="0"/>
-      </a:fillRef>
-      <a:effectRef idx="0">
-        <a:scrgbClr r="0" g="0" b="0"/>
-      </a:effectRef>
-      <a:fontRef idx="minor">
-        <a:schemeClr val="lt1"/>
-      </a:fontRef>
-    </dgm:style>
-  </dgm:styleLbl>
-  <dgm:styleLbl name="fgSibTrans2D1">
-    <dgm:scene3d>
-      <a:camera prst="orthographicFront"/>
-      <a:lightRig rig="threePt" dir="t"/>
-    </dgm:scene3d>
-    <dgm:sp3d/>
-    <dgm:txPr/>
-    <dgm:style>
-      <a:lnRef idx="0">
-        <a:scrgbClr r="0" g="0" b="0"/>
-      </a:lnRef>
-      <a:fillRef idx="1">
-        <a:scrgbClr r="0" g="0" b="0"/>
-      </a:fillRef>
-      <a:effectRef idx="0">
-        <a:scrgbClr r="0" g="0" b="0"/>
-      </a:effectRef>
-      <a:fontRef idx="minor">
-        <a:schemeClr val="lt1"/>
-      </a:fontRef>
-    </dgm:style>
-  </dgm:styleLbl>
-  <dgm:styleLbl name="bgSibTrans2D1">
-    <dgm:scene3d>
-      <a:camera prst="orthographicFront"/>
-      <a:lightRig rig="threePt" dir="t"/>
-    </dgm:scene3d>
-    <dgm:sp3d/>
-    <dgm:txPr/>
-    <dgm:style>
-      <a:lnRef idx="0">
-        <a:scrgbClr r="0" g="0" b="0"/>
-      </a:lnRef>
-      <a:fillRef idx="1">
-        <a:scrgbClr r="0" g="0" b="0"/>
-      </a:fillRef>
-      <a:effectRef idx="0">
-        <a:scrgbClr r="0" g="0" b="0"/>
-      </a:effectRef>
-      <a:fontRef idx="minor">
-        <a:schemeClr val="lt1"/>
-      </a:fontRef>
-    </dgm:style>
-  </dgm:styleLbl>
-  <dgm:styleLbl name="sibTrans1D1">
-    <dgm:scene3d>
-      <a:camera prst="orthographicFront"/>
-      <a:lightRig rig="threePt" dir="t"/>
-    </dgm:scene3d>
-    <dgm:sp3d/>
-    <dgm:txPr/>
-    <dgm:style>
-      <a:lnRef idx="1">
-        <a:scrgbClr r="0" g="0" b="0"/>
-      </a:lnRef>
-      <a:fillRef idx="0">
-        <a:scrgbClr r="0" g="0" b="0"/>
-      </a:fillRef>
-      <a:effectRef idx="0">
-        <a:scrgbClr r="0" g="0" b="0"/>
-      </a:effectRef>
-      <a:fontRef idx="minor"/>
-    </dgm:style>
-  </dgm:styleLbl>
-  <dgm:styleLbl name="callout">
-    <dgm:scene3d>
-      <a:camera prst="orthographicFront"/>
-      <a:lightRig rig="threePt" dir="t"/>
-    </dgm:scene3d>
-    <dgm:sp3d/>
-    <dgm:txPr/>
-    <dgm:style>
-      <a:lnRef idx="2">
-        <a:scrgbClr r="0" g="0" b="0"/>
-      </a:lnRef>
-      <a:fillRef idx="1">
-        <a:scrgbClr r="0" g="0" b="0"/>
-      </a:fillRef>
-      <a:effectRef idx="0">
-        <a:scrgbClr r="0" g="0" b="0"/>
-      </a:effectRef>
-      <a:fontRef idx="minor"/>
-    </dgm:style>
-  </dgm:styleLbl>
-  <dgm:styleLbl name="asst0">
-    <dgm:scene3d>
-      <a:camera prst="orthographicFront"/>
-      <a:lightRig rig="threePt" dir="t"/>
-    </dgm:scene3d>
-    <dgm:sp3d/>
-    <dgm:txPr/>
-    <dgm:style>
-      <a:lnRef idx="2">
-        <a:scrgbClr r="0" g="0" b="0"/>
-      </a:lnRef>
-      <a:fillRef idx="1">
-        <a:scrgbClr r="0" g="0" b="0"/>
-      </a:fillRef>
-      <a:effectRef idx="0">
-        <a:scrgbClr r="0" g="0" b="0"/>
-      </a:effectRef>
-      <a:fontRef idx="minor">
-        <a:schemeClr val="lt1"/>
-      </a:fontRef>
-    </dgm:style>
-  </dgm:styleLbl>
-  <dgm:styleLbl name="asst1">
-    <dgm:scene3d>
-      <a:camera prst="orthographicFront"/>
-      <a:lightRig rig="threePt" dir="t"/>
-    </dgm:scene3d>
-    <dgm:sp3d/>
-    <dgm:txPr/>
-    <dgm:style>
-      <a:lnRef idx="2">
-        <a:scrgbClr r="0" g="0" b="0"/>
-      </a:lnRef>
-      <a:fillRef idx="1">
-        <a:scrgbClr r="0" g="0" b="0"/>
-      </a:fillRef>
-      <a:effectRef idx="0">
-        <a:scrgbClr r="0" g="0" b="0"/>
-      </a:effectRef>
-      <a:fontRef idx="minor">
-        <a:schemeClr val="lt1"/>
-      </a:fontRef>
-    </dgm:style>
-  </dgm:styleLbl>
-  <dgm:styleLbl name="asst2">
-    <dgm:scene3d>
-      <a:camera prst="orthographicFront"/>
-      <a:lightRig rig="threePt" dir="t"/>
-    </dgm:scene3d>
-    <dgm:sp3d/>
-    <dgm:txPr/>
-    <dgm:style>
-      <a:lnRef idx="2">
-        <a:scrgbClr r="0" g="0" b="0"/>
-      </a:lnRef>
-      <a:fillRef idx="1">
-        <a:scrgbClr r="0" g="0" b="0"/>
-      </a:fillRef>
-      <a:effectRef idx="0">
-        <a:scrgbClr r="0" g="0" b="0"/>
-      </a:effectRef>
-      <a:fontRef idx="minor">
-        <a:schemeClr val="lt1"/>
-      </a:fontRef>
-    </dgm:style>
-  </dgm:styleLbl>
-  <dgm:styleLbl name="asst3">
-    <dgm:scene3d>
-      <a:camera prst="orthographicFront"/>
-      <a:lightRig rig="threePt" dir="t"/>
-    </dgm:scene3d>
-    <dgm:sp3d/>
-    <dgm:txPr/>
-    <dgm:style>
-      <a:lnRef idx="2">
-        <a:scrgbClr r="0" g="0" b="0"/>
-      </a:lnRef>
-      <a:fillRef idx="1">
-        <a:scrgbClr r="0" g="0" b="0"/>
-      </a:fillRef>
-      <a:effectRef idx="0">
-        <a:scrgbClr r="0" g="0" b="0"/>
-      </a:effectRef>
-      <a:fontRef idx="minor">
-        <a:schemeClr val="lt1"/>
-      </a:fontRef>
-    </dgm:style>
-  </dgm:styleLbl>
-  <dgm:styleLbl name="asst4">
-    <dgm:scene3d>
-      <a:camera prst="orthographicFront"/>
-      <a:lightRig rig="threePt" dir="t"/>
-    </dgm:scene3d>
-    <dgm:sp3d/>
-    <dgm:txPr/>
-    <dgm:style>
-      <a:lnRef idx="2">
-        <a:scrgbClr r="0" g="0" b="0"/>
-      </a:lnRef>
-      <a:fillRef idx="1">
-        <a:scrgbClr r="0" g="0" b="0"/>
-      </a:fillRef>
-      <a:effectRef idx="0">
-        <a:scrgbClr r="0" g="0" b="0"/>
-      </a:effectRef>
-      <a:fontRef idx="minor">
-        <a:schemeClr val="lt1"/>
-      </a:fontRef>
-    </dgm:style>
-  </dgm:styleLbl>
-  <dgm:styleLbl name="parChTrans2D1">
-    <dgm:scene3d>
-      <a:camera prst="orthographicFront"/>
-      <a:lightRig rig="threePt" dir="t"/>
-    </dgm:scene3d>
-    <dgm:sp3d/>
-    <dgm:txPr/>
-    <dgm:style>
-      <a:lnRef idx="2">
-        <a:scrgbClr r="0" g="0" b="0"/>
-      </a:lnRef>
-      <a:fillRef idx="1">
-        <a:scrgbClr r="0" g="0" b="0"/>
-      </a:fillRef>
-      <a:effectRef idx="0">
-        <a:scrgbClr r="0" g="0" b="0"/>
-      </a:effectRef>
-      <a:fontRef idx="minor">
-        <a:schemeClr val="lt1"/>
-      </a:fontRef>
-    </dgm:style>
-  </dgm:styleLbl>
-  <dgm:styleLbl name="parChTrans2D2">
-    <dgm:scene3d>
-      <a:camera prst="orthographicFront"/>
-      <a:lightRig rig="threePt" dir="t"/>
-    </dgm:scene3d>
-    <dgm:sp3d/>
-    <dgm:txPr/>
-    <dgm:style>
-      <a:lnRef idx="2">
-        <a:scrgbClr r="0" g="0" b="0"/>
-      </a:lnRef>
-      <a:fillRef idx="1">
-        <a:scrgbClr r="0" g="0" b="0"/>
-      </a:fillRef>
-      <a:effectRef idx="0">
-        <a:scrgbClr r="0" g="0" b="0"/>
-      </a:effectRef>
-      <a:fontRef idx="minor">
-        <a:schemeClr val="lt1"/>
-      </a:fontRef>
-    </dgm:style>
-  </dgm:styleLbl>
-  <dgm:styleLbl name="parChTrans2D3">
-    <dgm:scene3d>
-      <a:camera prst="orthographicFront"/>
-      <a:lightRig rig="threePt" dir="t"/>
-    </dgm:scene3d>
-    <dgm:sp3d/>
-    <dgm:txPr/>
-    <dgm:style>
-      <a:lnRef idx="2">
-        <a:scrgbClr r="0" g="0" b="0"/>
-      </a:lnRef>
-      <a:fillRef idx="1">
-        <a:scrgbClr r="0" g="0" b="0"/>
-      </a:fillRef>
-      <a:effectRef idx="0">
-        <a:scrgbClr r="0" g="0" b="0"/>
-      </a:effectRef>
-      <a:fontRef idx="minor">
-        <a:schemeClr val="lt1"/>
-      </a:fontRef>
-    </dgm:style>
-  </dgm:styleLbl>
-  <dgm:styleLbl name="parChTrans2D4">
-    <dgm:scene3d>
-      <a:camera prst="orthographicFront"/>
-      <a:lightRig rig="threePt" dir="t"/>
-    </dgm:scene3d>
-    <dgm:sp3d/>
-    <dgm:txPr/>
-    <dgm:style>
-      <a:lnRef idx="2">
-        <a:scrgbClr r="0" g="0" b="0"/>
-      </a:lnRef>
-      <a:fillRef idx="1">
-        <a:scrgbClr r="0" g="0" b="0"/>
-      </a:fillRef>
-      <a:effectRef idx="0">
-        <a:scrgbClr r="0" g="0" b="0"/>
-      </a:effectRef>
-      <a:fontRef idx="minor">
-        <a:schemeClr val="lt1"/>
-      </a:fontRef>
-    </dgm:style>
-  </dgm:styleLbl>
-  <dgm:styleLbl name="parChTrans1D1">
-    <dgm:scene3d>
-      <a:camera prst="orthographicFront"/>
-      <a:lightRig rig="threePt" dir="t"/>
-    </dgm:scene3d>
-    <dgm:sp3d/>
-    <dgm:txPr/>
-    <dgm:style>
-      <a:lnRef idx="2">
-        <a:scrgbClr r="0" g="0" b="0"/>
-      </a:lnRef>
-      <a:fillRef idx="0">
-        <a:scrgbClr r="0" g="0" b="0"/>
-      </a:fillRef>
-      <a:effectRef idx="0">
-        <a:scrgbClr r="0" g="0" b="0"/>
-      </a:effectRef>
-      <a:fontRef idx="minor"/>
-    </dgm:style>
-  </dgm:styleLbl>
-  <dgm:styleLbl name="parChTrans1D2">
-    <dgm:scene3d>
-      <a:camera prst="orthographicFront"/>
-      <a:lightRig rig="threePt" dir="t"/>
-    </dgm:scene3d>
-    <dgm:sp3d/>
-    <dgm:txPr/>
-    <dgm:style>
-      <a:lnRef idx="2">
-        <a:scrgbClr r="0" g="0" b="0"/>
-      </a:lnRef>
-      <a:fillRef idx="0">
-        <a:scrgbClr r="0" g="0" b="0"/>
-      </a:fillRef>
-      <a:effectRef idx="0">
-        <a:scrgbClr r="0" g="0" b="0"/>
-      </a:effectRef>
-      <a:fontRef idx="minor"/>
-    </dgm:style>
-  </dgm:styleLbl>
-  <dgm:styleLbl name="parChTrans1D3">
-    <dgm:scene3d>
-      <a:camera prst="orthographicFront"/>
-      <a:lightRig rig="threePt" dir="t"/>
-    </dgm:scene3d>
-    <dgm:sp3d/>
-    <dgm:txPr/>
-    <dgm:style>
-      <a:lnRef idx="2">
-        <a:scrgbClr r="0" g="0" b="0"/>
-      </a:lnRef>
-      <a:fillRef idx="0">
-        <a:scrgbClr r="0" g="0" b="0"/>
-      </a:fillRef>
-      <a:effectRef idx="0">
-        <a:scrgbClr r="0" g="0" b="0"/>
-      </a:effectRef>
-      <a:fontRef idx="minor"/>
-    </dgm:style>
-  </dgm:styleLbl>
-  <dgm:styleLbl name="parChTrans1D4">
-    <dgm:scene3d>
-      <a:camera prst="orthographicFront"/>
-      <a:lightRig rig="threePt" dir="t"/>
-    </dgm:scene3d>
-    <dgm:sp3d/>
-    <dgm:txPr/>
-    <dgm:style>
-      <a:lnRef idx="2">
-        <a:scrgbClr r="0" g="0" b="0"/>
-      </a:lnRef>
-      <a:fillRef idx="0">
-        <a:scrgbClr r="0" g="0" b="0"/>
-      </a:fillRef>
-      <a:effectRef idx="0">
-        <a:scrgbClr r="0" g="0" b="0"/>
-      </a:effectRef>
-      <a:fontRef idx="minor"/>
-    </dgm:style>
-  </dgm:styleLbl>
-  <dgm:styleLbl name="fgAcc1">
-    <dgm:scene3d>
-      <a:camera prst="orthographicFront"/>
-      <a:lightRig rig="threePt" dir="t"/>
-    </dgm:scene3d>
-    <dgm:sp3d/>
-    <dgm:txPr/>
-    <dgm:style>
-      <a:lnRef idx="2">
-        <a:scrgbClr r="0" g="0" b="0"/>
-      </a:lnRef>
-      <a:fillRef idx="1">
-        <a:scrgbClr r="0" g="0" b="0"/>
-      </a:fillRef>
-      <a:effectRef idx="0">
-        <a:scrgbClr r="0" g="0" b="0"/>
-      </a:effectRef>
-      <a:fontRef idx="minor"/>
-    </dgm:style>
-  </dgm:styleLbl>
-  <dgm:styleLbl name="conFgAcc1">
-    <dgm:scene3d>
-      <a:camera prst="orthographicFront"/>
-      <a:lightRig rig="threePt" dir="t"/>
-    </dgm:scene3d>
-    <dgm:sp3d/>
-    <dgm:txPr/>
-    <dgm:style>
-      <a:lnRef idx="2">
-        <a:scrgbClr r="0" g="0" b="0"/>
-      </a:lnRef>
-      <a:fillRef idx="1">
-        <a:scrgbClr r="0" g="0" b="0"/>
-      </a:fillRef>
-      <a:effectRef idx="0">
-        <a:scrgbClr r="0" g="0" b="0"/>
-      </a:effectRef>
-      <a:fontRef idx="minor"/>
-    </dgm:style>
-  </dgm:styleLbl>
-  <dgm:styleLbl name="alignAcc1">
-    <dgm:scene3d>
-      <a:camera prst="orthographicFront"/>
-      <a:lightRig rig="threePt" dir="t"/>
-    </dgm:scene3d>
-    <dgm:sp3d/>
-    <dgm:txPr/>
-    <dgm:style>
-      <a:lnRef idx="2">
-        <a:scrgbClr r="0" g="0" b="0"/>
-      </a:lnRef>
-      <a:fillRef idx="1">
-        <a:scrgbClr r="0" g="0" b="0"/>
-      </a:fillRef>
-      <a:effectRef idx="0">
-        <a:scrgbClr r="0" g="0" b="0"/>
-      </a:effectRef>
-      <a:fontRef idx="minor"/>
-    </dgm:style>
-  </dgm:styleLbl>
-  <dgm:styleLbl name="trAlignAcc1">
-    <dgm:scene3d>
-      <a:camera prst="orthographicFront"/>
-      <a:lightRig rig="threePt" dir="t"/>
-    </dgm:scene3d>
-    <dgm:sp3d/>
-    <dgm:txPr/>
-    <dgm:style>
-      <a:lnRef idx="1">
-        <a:scrgbClr r="0" g="0" b="0"/>
-      </a:lnRef>
-      <a:fillRef idx="1">
-        <a:scrgbClr r="0" g="0" b="0"/>
-      </a:fillRef>
-      <a:effectRef idx="0">
-        <a:scrgbClr r="0" g="0" b="0"/>
-      </a:effectRef>
-      <a:fontRef idx="minor"/>
-    </dgm:style>
-  </dgm:styleLbl>
-  <dgm:styleLbl name="bgAcc1">
-    <dgm:scene3d>
-      <a:camera prst="orthographicFront"/>
-      <a:lightRig rig="threePt" dir="t"/>
-    </dgm:scene3d>
-    <dgm:sp3d/>
-    <dgm:txPr/>
-    <dgm:style>
-      <a:lnRef idx="2">
-        <a:scrgbClr r="0" g="0" b="0"/>
-      </a:lnRef>
-      <a:fillRef idx="1">
-        <a:scrgbClr r="0" g="0" b="0"/>
-      </a:fillRef>
-      <a:effectRef idx="0">
-        <a:scrgbClr r="0" g="0" b="0"/>
-      </a:effectRef>
-      <a:fontRef idx="minor"/>
-    </dgm:style>
-  </dgm:styleLbl>
-  <dgm:styleLbl name="solidFgAcc1">
-    <dgm:scene3d>
-      <a:camera prst="orthographicFront"/>
-      <a:lightRig rig="threePt" dir="t"/>
-    </dgm:scene3d>
-    <dgm:sp3d/>
-    <dgm:txPr/>
-    <dgm:style>
-      <a:lnRef idx="2">
-        <a:scrgbClr r="0" g="0" b="0"/>
-      </a:lnRef>
-      <a:fillRef idx="1">
-        <a:scrgbClr r="0" g="0" b="0"/>
-      </a:fillRef>
-      <a:effectRef idx="0">
-        <a:scrgbClr r="0" g="0" b="0"/>
-      </a:effectRef>
-      <a:fontRef idx="minor"/>
-    </dgm:style>
-  </dgm:styleLbl>
-  <dgm:styleLbl name="solidAlignAcc1">
-    <dgm:scene3d>
-      <a:camera prst="orthographicFront"/>
-      <a:lightRig rig="threePt" dir="t"/>
-    </dgm:scene3d>
-    <dgm:sp3d/>
-    <dgm:txPr/>
-    <dgm:style>
-      <a:lnRef idx="2">
-        <a:scrgbClr r="0" g="0" b="0"/>
-      </a:lnRef>
-      <a:fillRef idx="1">
-        <a:scrgbClr r="0" g="0" b="0"/>
-      </a:fillRef>
-      <a:effectRef idx="0">
-        <a:scrgbClr r="0" g="0" b="0"/>
-      </a:effectRef>
-      <a:fontRef idx="minor"/>
-    </dgm:style>
-  </dgm:styleLbl>
-  <dgm:styleLbl name="solidBgAcc1">
-    <dgm:scene3d>
-      <a:camera prst="orthographicFront"/>
-      <a:lightRig rig="threePt" dir="t"/>
-    </dgm:scene3d>
-    <dgm:sp3d/>
-    <dgm:txPr/>
-    <dgm:style>
-      <a:lnRef idx="2">
-        <a:scrgbClr r="0" g="0" b="0"/>
-      </a:lnRef>
-      <a:fillRef idx="1">
-        <a:scrgbClr r="0" g="0" b="0"/>
-      </a:fillRef>
-      <a:effectRef idx="0">
-        <a:scrgbClr r="0" g="0" b="0"/>
-      </a:effectRef>
-      <a:fontRef idx="minor"/>
-    </dgm:style>
-  </dgm:styleLbl>
-  <dgm:styleLbl name="fgAccFollowNode1">
-    <dgm:scene3d>
-      <a:camera prst="orthographicFront"/>
-      <a:lightRig rig="threePt" dir="t"/>
-    </dgm:scene3d>
-    <dgm:sp3d/>
-    <dgm:txPr/>
-    <dgm:style>
-      <a:lnRef idx="2">
-        <a:scrgbClr r="0" g="0" b="0"/>
-      </a:lnRef>
-      <a:fillRef idx="1">
-        <a:scrgbClr r="0" g="0" b="0"/>
-      </a:fillRef>
-      <a:effectRef idx="0">
-        <a:scrgbClr r="0" g="0" b="0"/>
-      </a:effectRef>
-      <a:fontRef idx="minor"/>
-    </dgm:style>
-  </dgm:styleLbl>
-  <dgm:styleLbl name="alignAccFollowNode1">
-    <dgm:scene3d>
-      <a:camera prst="orthographicFront"/>
-      <a:lightRig rig="threePt" dir="t"/>
-    </dgm:scene3d>
-    <dgm:sp3d/>
-    <dgm:txPr/>
-    <dgm:style>
-      <a:lnRef idx="2">
-        <a:scrgbClr r="0" g="0" b="0"/>
-      </a:lnRef>
-      <a:fillRef idx="1">
-        <a:scrgbClr r="0" g="0" b="0"/>
-      </a:fillRef>
-      <a:effectRef idx="0">
-        <a:scrgbClr r="0" g="0" b="0"/>
-      </a:effectRef>
-      <a:fontRef idx="minor"/>
-    </dgm:style>
-  </dgm:styleLbl>
-  <dgm:styleLbl name="bgAccFollowNode1">
-    <dgm:scene3d>
-      <a:camera prst="orthographicFront"/>
-      <a:lightRig rig="threePt" dir="t"/>
-    </dgm:scene3d>
-    <dgm:sp3d/>
-    <dgm:txPr/>
-    <dgm:style>
-      <a:lnRef idx="2">
-        <a:scrgbClr r="0" g="0" b="0"/>
-      </a:lnRef>
-      <a:fillRef idx="1">
-        <a:scrgbClr r="0" g="0" b="0"/>
-      </a:fillRef>
-      <a:effectRef idx="0">
-        <a:scrgbClr r="0" g="0" b="0"/>
-      </a:effectRef>
-      <a:fontRef idx="minor"/>
-    </dgm:style>
-  </dgm:styleLbl>
-  <dgm:styleLbl name="fgAcc0">
-    <dgm:scene3d>
-      <a:camera prst="orthographicFront"/>
-      <a:lightRig rig="threePt" dir="t"/>
-    </dgm:scene3d>
-    <dgm:sp3d/>
-    <dgm:txPr/>
-    <dgm:style>
-      <a:lnRef idx="2">
-        <a:scrgbClr r="0" g="0" b="0"/>
-      </a:lnRef>
-      <a:fillRef idx="1">
-        <a:scrgbClr r="0" g="0" b="0"/>
-      </a:fillRef>
-      <a:effectRef idx="0">
-        <a:scrgbClr r="0" g="0" b="0"/>
-      </a:effectRef>
-      <a:fontRef idx="minor"/>
-    </dgm:style>
-  </dgm:styleLbl>
-  <dgm:styleLbl name="fgAcc2">
-    <dgm:scene3d>
-      <a:camera prst="orthographicFront"/>
-      <a:lightRig rig="threePt" dir="t"/>
-    </dgm:scene3d>
-    <dgm:sp3d/>
-    <dgm:txPr/>
-    <dgm:style>
-      <a:lnRef idx="2">
-        <a:scrgbClr r="0" g="0" b="0"/>
-      </a:lnRef>
-      <a:fillRef idx="1">
-        <a:scrgbClr r="0" g="0" b="0"/>
-      </a:fillRef>
-      <a:effectRef idx="0">
-        <a:scrgbClr r="0" g="0" b="0"/>
-      </a:effectRef>
-      <a:fontRef idx="minor"/>
-    </dgm:style>
-  </dgm:styleLbl>
-  <dgm:styleLbl name="fgAcc3">
-    <dgm:scene3d>
-      <a:camera prst="orthographicFront"/>
-      <a:lightRig rig="threePt" dir="t"/>
-    </dgm:scene3d>
-    <dgm:sp3d/>
-    <dgm:txPr/>
-    <dgm:style>
-      <a:lnRef idx="2">
-        <a:scrgbClr r="0" g="0" b="0"/>
-      </a:lnRef>
-      <a:fillRef idx="1">
-        <a:scrgbClr r="0" g="0" b="0"/>
-      </a:fillRef>
-      <a:effectRef idx="0">
-        <a:scrgbClr r="0" g="0" b="0"/>
-      </a:effectRef>
-      <a:fontRef idx="minor"/>
-    </dgm:style>
-  </dgm:styleLbl>
-  <dgm:styleLbl name="fgAcc4">
-    <dgm:scene3d>
-      <a:camera prst="orthographicFront"/>
-      <a:lightRig rig="threePt" dir="t"/>
-    </dgm:scene3d>
-    <dgm:sp3d/>
-    <dgm:txPr/>
-    <dgm:style>
-      <a:lnRef idx="2">
-        <a:scrgbClr r="0" g="0" b="0"/>
-      </a:lnRef>
-      <a:fillRef idx="1">
-        <a:scrgbClr r="0" g="0" b="0"/>
-      </a:fillRef>
-      <a:effectRef idx="0">
-        <a:scrgbClr r="0" g="0" b="0"/>
-      </a:effectRef>
-      <a:fontRef idx="minor"/>
-    </dgm:style>
-  </dgm:styleLbl>
-  <dgm:styleLbl name="bgShp">
-    <dgm:scene3d>
-      <a:camera prst="orthographicFront"/>
-      <a:lightRig rig="threePt" dir="t"/>
-    </dgm:scene3d>
-    <dgm:sp3d/>
-    <dgm:txPr/>
-    <dgm:style>
-      <a:lnRef idx="0">
-        <a:scrgbClr r="0" g="0" b="0"/>
-      </a:lnRef>
-      <a:fillRef idx="1">
-        <a:scrgbClr r="0" g="0" b="0"/>
-      </a:fillRef>
-      <a:effectRef idx="0">
-        <a:scrgbClr r="0" g="0" b="0"/>
-      </a:effectRef>
-      <a:fontRef idx="minor"/>
-    </dgm:style>
-  </dgm:styleLbl>
-  <dgm:styleLbl name="dkBgShp">
-    <dgm:scene3d>
-      <a:camera prst="orthographicFront"/>
-      <a:lightRig rig="threePt" dir="t"/>
-    </dgm:scene3d>
-    <dgm:sp3d/>
-    <dgm:txPr/>
-    <dgm:style>
-      <a:lnRef idx="0">
-        <a:scrgbClr r="0" g="0" b="0"/>
-      </a:lnRef>
-      <a:fillRef idx="1">
-        <a:scrgbClr r="0" g="0" b="0"/>
-      </a:fillRef>
-      <a:effectRef idx="0">
-        <a:scrgbClr r="0" g="0" b="0"/>
-      </a:effectRef>
-      <a:fontRef idx="minor"/>
-    </dgm:style>
-  </dgm:styleLbl>
-  <dgm:styleLbl name="trBgShp">
-    <dgm:scene3d>
-      <a:camera prst="orthographicFront"/>
-      <a:lightRig rig="threePt" dir="t"/>
-    </dgm:scene3d>
-    <dgm:sp3d/>
-    <dgm:txPr/>
-    <dgm:style>
-      <a:lnRef idx="0">
-        <a:scrgbClr r="0" g="0" b="0"/>
-      </a:lnRef>
-      <a:fillRef idx="1">
-        <a:scrgbClr r="0" g="0" b="0"/>
-      </a:fillRef>
-      <a:effectRef idx="0">
-        <a:scrgbClr r="0" g="0" b="0"/>
-      </a:effectRef>
-      <a:fontRef idx="minor"/>
-    </dgm:style>
-  </dgm:styleLbl>
-  <dgm:styleLbl name="fgShp">
-    <dgm:scene3d>
-      <a:camera prst="orthographicFront"/>
-      <a:lightRig rig="threePt" dir="t"/>
-    </dgm:scene3d>
-    <dgm:sp3d/>
-    <dgm:txPr/>
-    <dgm:style>
-      <a:lnRef idx="2">
-        <a:scrgbClr r="0" g="0" b="0"/>
-      </a:lnRef>
-      <a:fillRef idx="1">
-        <a:scrgbClr r="0" g="0" b="0"/>
-      </a:fillRef>
-      <a:effectRef idx="0">
-        <a:scrgbClr r="0" g="0" b="0"/>
-      </a:effectRef>
-      <a:fontRef idx="minor"/>
-    </dgm:style>
-  </dgm:styleLbl>
-  <dgm:styleLbl name="revTx">
-    <dgm:scene3d>
-      <a:camera prst="orthographicFront"/>
-      <a:lightRig rig="threePt" dir="t"/>
-    </dgm:scene3d>
-    <dgm:sp3d/>
-    <dgm:txPr/>
-    <dgm:style>
-      <a:lnRef idx="0">
-        <a:scrgbClr r="0" g="0" b="0"/>
-      </a:lnRef>
-      <a:fillRef idx="0">
-        <a:scrgbClr r="0" g="0" b="0"/>
-      </a:fillRef>
-      <a:effectRef idx="0">
-        <a:scrgbClr r="0" g="0" b="0"/>
-      </a:effectRef>
-      <a:fontRef idx="minor"/>
-    </dgm:style>
-  </dgm:styleLbl>
-</dgm:styleDef>
-</file>
-
-<file path=ppt/diagrams/quickStyle3.xml><?xml version="1.0" encoding="utf-8"?>
 <dgm:styleDef xmlns:dgm="http://schemas.openxmlformats.org/drawingml/2006/diagram" xmlns:a="http://schemas.openxmlformats.org/drawingml/2006/main" uniqueId="urn:microsoft.com/office/officeart/2005/8/quickstyle/simple1">
   <dgm:title val=""/>
   <dgm:desc val=""/>
@@ -19563,11 +17275,7 @@
             </a:br>
             <a:r>
               <a:rPr lang="en-US" dirty="0" smtClean="0"/>
-              <a:t>Instant </a:t>
-            </a:r>
-            <a:r>
-              <a:rPr lang="en-US" dirty="0" smtClean="0"/>
-              <a:t>Messaging </a:t>
+              <a:t>Instant Messaging </a:t>
             </a:r>
             <a:endParaRPr lang="en-US" dirty="0"/>
           </a:p>
@@ -19592,11 +17300,7 @@
           <a:p>
             <a:r>
               <a:rPr lang="de-DE" sz="1200" dirty="0" smtClean="0"/>
-              <a:t>Marco </a:t>
-            </a:r>
-            <a:r>
-              <a:rPr lang="de-DE" sz="1200" dirty="0" smtClean="0"/>
-              <a:t>Dung</a:t>
+              <a:t>Marco Dung</a:t>
             </a:r>
           </a:p>
           <a:p>
@@ -19794,6 +17498,13 @@
           </a:bodyPr>
           <a:lstStyle/>
           <a:p>
+            <a:pPr>
+              <a:buClr>
+                <a:schemeClr val="accent2"/>
+              </a:buClr>
+              <a:buFont typeface="Wingdings" panose="05000000000000000000" pitchFamily="2" charset="2"/>
+              <a:buChar char="ü"/>
+            </a:pPr>
             <a:r>
               <a:rPr lang="de-DE" sz="2200" dirty="0" smtClean="0"/>
               <a:t>Project </a:t>
@@ -19805,28 +17516,74 @@
             <a:endParaRPr lang="de-DE" sz="2200" dirty="0" smtClean="0"/>
           </a:p>
           <a:p>
+            <a:pPr>
+              <a:buClr>
+                <a:schemeClr val="accent2"/>
+              </a:buClr>
+              <a:buFont typeface="Wingdings" panose="05000000000000000000" pitchFamily="2" charset="2"/>
+              <a:buChar char="ü"/>
+            </a:pPr>
             <a:endParaRPr lang="de-DE" sz="2200" dirty="0" smtClean="0"/>
           </a:p>
           <a:p>
+            <a:pPr>
+              <a:buClr>
+                <a:schemeClr val="accent2"/>
+              </a:buClr>
+              <a:buFont typeface="Wingdings" panose="05000000000000000000" pitchFamily="2" charset="2"/>
+              <a:buChar char="ü"/>
+            </a:pPr>
             <a:r>
               <a:rPr lang="de-DE" sz="2200" dirty="0" smtClean="0"/>
-              <a:t>Target Customers</a:t>
+              <a:t>Target </a:t>
+            </a:r>
+            <a:r>
+              <a:rPr lang="de-DE" sz="2200" dirty="0" smtClean="0"/>
+              <a:t>User</a:t>
             </a:r>
             <a:endParaRPr lang="de-DE" sz="2200" dirty="0" smtClean="0"/>
           </a:p>
           <a:p>
+            <a:pPr>
+              <a:buClr>
+                <a:schemeClr val="accent2"/>
+              </a:buClr>
+              <a:buFont typeface="Wingdings" panose="05000000000000000000" pitchFamily="2" charset="2"/>
+              <a:buChar char="ü"/>
+            </a:pPr>
             <a:endParaRPr lang="de-DE" sz="2200" dirty="0"/>
           </a:p>
           <a:p>
+            <a:pPr>
+              <a:buClr>
+                <a:schemeClr val="accent2"/>
+              </a:buClr>
+              <a:buFont typeface="Wingdings" panose="05000000000000000000" pitchFamily="2" charset="2"/>
+              <a:buChar char="ü"/>
+            </a:pPr>
             <a:r>
               <a:rPr lang="de-DE" sz="2000" dirty="0" smtClean="0"/>
               <a:t>Advantages</a:t>
             </a:r>
           </a:p>
           <a:p>
+            <a:pPr>
+              <a:buClr>
+                <a:schemeClr val="accent2"/>
+              </a:buClr>
+              <a:buFont typeface="Wingdings" panose="05000000000000000000" pitchFamily="2" charset="2"/>
+              <a:buChar char="ü"/>
+            </a:pPr>
             <a:endParaRPr lang="de-DE" sz="2200" dirty="0"/>
           </a:p>
           <a:p>
+            <a:pPr>
+              <a:buClr>
+                <a:schemeClr val="accent2"/>
+              </a:buClr>
+              <a:buFont typeface="Wingdings" panose="05000000000000000000" pitchFamily="2" charset="2"/>
+              <a:buChar char="ü"/>
+            </a:pPr>
             <a:r>
               <a:rPr lang="de-DE" sz="2200" dirty="0" smtClean="0"/>
               <a:t>Demo</a:t>
@@ -19834,9 +17591,23 @@
             <a:endParaRPr lang="de-DE" sz="2200" dirty="0"/>
           </a:p>
           <a:p>
+            <a:pPr>
+              <a:buClr>
+                <a:schemeClr val="accent2"/>
+              </a:buClr>
+              <a:buFont typeface="Wingdings" panose="05000000000000000000" pitchFamily="2" charset="2"/>
+              <a:buChar char="ü"/>
+            </a:pPr>
             <a:endParaRPr lang="de-DE" sz="2200" dirty="0"/>
           </a:p>
           <a:p>
+            <a:pPr>
+              <a:buClr>
+                <a:schemeClr val="accent2"/>
+              </a:buClr>
+              <a:buFont typeface="Wingdings" panose="05000000000000000000" pitchFamily="2" charset="2"/>
+              <a:buChar char="ü"/>
+            </a:pPr>
             <a:r>
               <a:rPr lang="de-DE" sz="2200" dirty="0" smtClean="0"/>
               <a:t>Further </a:t>
@@ -19894,116 +17665,6 @@
 </file>
 
 <file path=ppt/slides/slide3.xml><?xml version="1.0" encoding="utf-8"?>
-<p:sld xmlns:a="http://schemas.openxmlformats.org/drawingml/2006/main" xmlns:r="http://schemas.openxmlformats.org/officeDocument/2006/relationships" xmlns:p="http://schemas.openxmlformats.org/presentationml/2006/main">
-  <p:cSld>
-    <p:spTree>
-      <p:nvGrpSpPr>
-        <p:cNvPr id="1" name=""/>
-        <p:cNvGrpSpPr/>
-        <p:nvPr/>
-      </p:nvGrpSpPr>
-      <p:grpSpPr>
-        <a:xfrm>
-          <a:off x="0" y="0"/>
-          <a:ext cx="0" cy="0"/>
-          <a:chOff x="0" y="0"/>
-          <a:chExt cx="0" cy="0"/>
-        </a:xfrm>
-      </p:grpSpPr>
-      <p:sp>
-        <p:nvSpPr>
-          <p:cNvPr id="2" name="Title 1"/>
-          <p:cNvSpPr>
-            <a:spLocks noGrp="1"/>
-          </p:cNvSpPr>
-          <p:nvPr>
-            <p:ph type="title"/>
-          </p:nvPr>
-        </p:nvSpPr>
-        <p:spPr/>
-        <p:txBody>
-          <a:bodyPr/>
-          <a:lstStyle/>
-          <a:p>
-            <a:r>
-              <a:rPr lang="de-DE" sz="2800" dirty="0"/>
-              <a:t>Project </a:t>
-            </a:r>
-            <a:r>
-              <a:rPr lang="de-DE" sz="2800" dirty="0" err="1" smtClean="0"/>
-              <a:t>Overview</a:t>
-            </a:r>
-            <a:endParaRPr lang="en-US" dirty="0"/>
-          </a:p>
-        </p:txBody>
-      </p:sp>
-      <p:sp>
-        <p:nvSpPr>
-          <p:cNvPr id="4" name="Slide Number Placeholder 3"/>
-          <p:cNvSpPr>
-            <a:spLocks noGrp="1"/>
-          </p:cNvSpPr>
-          <p:nvPr>
-            <p:ph type="sldNum" sz="quarter" idx="12"/>
-          </p:nvPr>
-        </p:nvSpPr>
-        <p:spPr/>
-        <p:txBody>
-          <a:bodyPr/>
-          <a:lstStyle/>
-          <a:p>
-            <a:fld id="{E6C8C3D6-4075-4EE4-8CC0-D76389F4D181}" type="slidenum">
-              <a:rPr lang="en-US" smtClean="0"/>
-              <a:pPr/>
-              <a:t>3</a:t>
-            </a:fld>
-            <a:endParaRPr lang="en-US" dirty="0"/>
-          </a:p>
-        </p:txBody>
-      </p:sp>
-      <p:graphicFrame>
-        <p:nvGraphicFramePr>
-          <p:cNvPr id="9" name="Diagram 8"/>
-          <p:cNvGraphicFramePr/>
-          <p:nvPr>
-            <p:extLst>
-              <p:ext uri="{D42A27DB-BD31-4B8C-83A1-F6EECF244321}">
-                <p14:modId xmlns:p14="http://schemas.microsoft.com/office/powerpoint/2010/main" val="2879284320"/>
-              </p:ext>
-            </p:extLst>
-          </p:nvPr>
-        </p:nvGraphicFramePr>
-        <p:xfrm>
-          <a:off x="1524000" y="1397000"/>
-          <a:ext cx="6096000" cy="4064000"/>
-        </p:xfrm>
-        <a:graphic>
-          <a:graphicData uri="http://schemas.openxmlformats.org/drawingml/2006/diagram">
-            <dgm:relIds xmlns:dgm="http://schemas.openxmlformats.org/drawingml/2006/diagram" xmlns:r="http://schemas.openxmlformats.org/officeDocument/2006/relationships" r:dm="rId2" r:lo="rId3" r:qs="rId4" r:cs="rId5"/>
-          </a:graphicData>
-        </a:graphic>
-      </p:graphicFrame>
-    </p:spTree>
-    <p:extLst>
-      <p:ext uri="{BB962C8B-B14F-4D97-AF65-F5344CB8AC3E}">
-        <p14:creationId xmlns:p14="http://schemas.microsoft.com/office/powerpoint/2010/main" val="1655080937"/>
-      </p:ext>
-    </p:extLst>
-  </p:cSld>
-  <p:clrMapOvr>
-    <a:masterClrMapping/>
-  </p:clrMapOvr>
-  <p:timing>
-    <p:tnLst>
-      <p:par>
-        <p:cTn id="1" dur="indefinite" restart="never" nodeType="tmRoot"/>
-      </p:par>
-    </p:tnLst>
-  </p:timing>
-</p:sld>
-</file>
-
-<file path=ppt/slides/slide4.xml><?xml version="1.0" encoding="utf-8"?>
 <p:sld xmlns:a="http://schemas.openxmlformats.org/drawingml/2006/main" xmlns:r="http://schemas.openxmlformats.org/officeDocument/2006/relationships" xmlns:p="http://schemas.openxmlformats.org/presentationml/2006/main">
   <p:cSld>
     <p:bg>
@@ -20073,7 +17734,7 @@
             <a:fld id="{E6C8C3D6-4075-4EE4-8CC0-D76389F4D181}" type="slidenum">
               <a:rPr lang="en-US" smtClean="0"/>
               <a:pPr/>
-              <a:t>4</a:t>
+              <a:t>3</a:t>
             </a:fld>
             <a:endParaRPr lang="en-US" dirty="0"/>
           </a:p>
@@ -20093,6 +17754,213 @@
           <a:prstGeom prst="roundRect">
             <a:avLst/>
           </a:prstGeom>
+          <a:solidFill>
+            <a:schemeClr val="bg1"/>
+          </a:solidFill>
+          <a:ln>
+            <a:solidFill>
+              <a:schemeClr val="accent2"/>
+            </a:solidFill>
+          </a:ln>
+        </p:spPr>
+        <p:style>
+          <a:lnRef idx="2">
+            <a:schemeClr val="accent1">
+              <a:shade val="50000"/>
+            </a:schemeClr>
+          </a:lnRef>
+          <a:fillRef idx="1">
+            <a:schemeClr val="accent1"/>
+          </a:fillRef>
+          <a:effectRef idx="0">
+            <a:schemeClr val="accent1"/>
+          </a:effectRef>
+          <a:fontRef idx="minor">
+            <a:schemeClr val="lt1"/>
+          </a:fontRef>
+        </p:style>
+        <p:txBody>
+          <a:bodyPr rtlCol="0" anchor="ctr"/>
+          <a:lstStyle/>
+          <a:p>
+            <a:endParaRPr lang="en-US" b="1" dirty="0">
+              <a:solidFill>
+                <a:schemeClr val="accent2"/>
+              </a:solidFill>
+            </a:endParaRPr>
+          </a:p>
+        </p:txBody>
+      </p:sp>
+      <p:sp>
+        <p:nvSpPr>
+          <p:cNvPr id="7" name="Rounded Rectangle 6"/>
+          <p:cNvSpPr/>
+          <p:nvPr/>
+        </p:nvSpPr>
+        <p:spPr>
+          <a:xfrm>
+            <a:off x="4836393" y="1412776"/>
+            <a:ext cx="2880320" cy="1584176"/>
+          </a:xfrm>
+          <a:prstGeom prst="roundRect">
+            <a:avLst/>
+          </a:prstGeom>
+          <a:solidFill>
+            <a:schemeClr val="bg1"/>
+          </a:solidFill>
+          <a:ln>
+            <a:solidFill>
+              <a:schemeClr val="accent2"/>
+            </a:solidFill>
+          </a:ln>
+        </p:spPr>
+        <p:style>
+          <a:lnRef idx="2">
+            <a:schemeClr val="accent1">
+              <a:shade val="50000"/>
+            </a:schemeClr>
+          </a:lnRef>
+          <a:fillRef idx="1">
+            <a:schemeClr val="accent1"/>
+          </a:fillRef>
+          <a:effectRef idx="0">
+            <a:schemeClr val="accent1"/>
+          </a:effectRef>
+          <a:fontRef idx="minor">
+            <a:schemeClr val="lt1"/>
+          </a:fontRef>
+        </p:style>
+        <p:txBody>
+          <a:bodyPr rtlCol="0" anchor="ctr"/>
+          <a:lstStyle/>
+          <a:p>
+            <a:endParaRPr lang="en-US" b="1">
+              <a:solidFill>
+                <a:schemeClr val="accent2"/>
+              </a:solidFill>
+            </a:endParaRPr>
+          </a:p>
+        </p:txBody>
+      </p:sp>
+      <p:sp>
+        <p:nvSpPr>
+          <p:cNvPr id="8" name="Rounded Rectangle 7"/>
+          <p:cNvSpPr/>
+          <p:nvPr/>
+        </p:nvSpPr>
+        <p:spPr>
+          <a:xfrm>
+            <a:off x="1475656" y="3212976"/>
+            <a:ext cx="2880320" cy="1584176"/>
+          </a:xfrm>
+          <a:prstGeom prst="roundRect">
+            <a:avLst/>
+          </a:prstGeom>
+          <a:solidFill>
+            <a:schemeClr val="bg1"/>
+          </a:solidFill>
+          <a:ln>
+            <a:solidFill>
+              <a:schemeClr val="accent2"/>
+            </a:solidFill>
+          </a:ln>
+        </p:spPr>
+        <p:style>
+          <a:lnRef idx="2">
+            <a:schemeClr val="accent1">
+              <a:shade val="50000"/>
+            </a:schemeClr>
+          </a:lnRef>
+          <a:fillRef idx="1">
+            <a:schemeClr val="accent1"/>
+          </a:fillRef>
+          <a:effectRef idx="0">
+            <a:schemeClr val="accent1"/>
+          </a:effectRef>
+          <a:fontRef idx="minor">
+            <a:schemeClr val="lt1"/>
+          </a:fontRef>
+        </p:style>
+        <p:txBody>
+          <a:bodyPr rtlCol="0" anchor="ctr"/>
+          <a:lstStyle/>
+          <a:p>
+            <a:endParaRPr lang="en-US" b="1">
+              <a:solidFill>
+                <a:schemeClr val="accent2"/>
+              </a:solidFill>
+            </a:endParaRPr>
+          </a:p>
+        </p:txBody>
+      </p:sp>
+      <p:sp>
+        <p:nvSpPr>
+          <p:cNvPr id="10" name="Rounded Rectangle 9"/>
+          <p:cNvSpPr/>
+          <p:nvPr/>
+        </p:nvSpPr>
+        <p:spPr>
+          <a:xfrm>
+            <a:off x="4860032" y="3212976"/>
+            <a:ext cx="2880320" cy="1584176"/>
+          </a:xfrm>
+          <a:prstGeom prst="roundRect">
+            <a:avLst/>
+          </a:prstGeom>
+          <a:solidFill>
+            <a:schemeClr val="bg1"/>
+          </a:solidFill>
+          <a:ln>
+            <a:solidFill>
+              <a:schemeClr val="accent2"/>
+            </a:solidFill>
+          </a:ln>
+        </p:spPr>
+        <p:style>
+          <a:lnRef idx="2">
+            <a:schemeClr val="accent1">
+              <a:shade val="50000"/>
+            </a:schemeClr>
+          </a:lnRef>
+          <a:fillRef idx="1">
+            <a:schemeClr val="accent1"/>
+          </a:fillRef>
+          <a:effectRef idx="0">
+            <a:schemeClr val="accent1"/>
+          </a:effectRef>
+          <a:fontRef idx="minor">
+            <a:schemeClr val="lt1"/>
+          </a:fontRef>
+        </p:style>
+        <p:txBody>
+          <a:bodyPr rtlCol="0" anchor="ctr"/>
+          <a:lstStyle/>
+          <a:p>
+            <a:endParaRPr lang="en-US" b="1">
+              <a:solidFill>
+                <a:schemeClr val="accent2"/>
+              </a:solidFill>
+            </a:endParaRPr>
+          </a:p>
+        </p:txBody>
+      </p:sp>
+      <p:sp>
+        <p:nvSpPr>
+          <p:cNvPr id="11" name="Rounded Rectangle 10"/>
+          <p:cNvSpPr/>
+          <p:nvPr/>
+        </p:nvSpPr>
+        <p:spPr>
+          <a:xfrm>
+            <a:off x="3131840" y="2320305"/>
+            <a:ext cx="2880320" cy="1584176"/>
+          </a:xfrm>
+          <a:prstGeom prst="roundRect">
+            <a:avLst/>
+          </a:prstGeom>
+          <a:solidFill>
+            <a:schemeClr val="bg2"/>
+          </a:solidFill>
           <a:ln>
             <a:noFill/>
           </a:ln>
@@ -20117,187 +17985,191 @@
           <a:bodyPr rtlCol="0" anchor="ctr"/>
           <a:lstStyle/>
           <a:p>
-            <a:pPr algn="ctr"/>
-            <a:endParaRPr lang="en-US"/>
-          </a:p>
-        </p:txBody>
-      </p:sp>
-      <p:sp>
-        <p:nvSpPr>
-          <p:cNvPr id="7" name="Rounded Rectangle 6"/>
-          <p:cNvSpPr/>
+            <a:pPr lvl="0"/>
+            <a:r>
+              <a:rPr lang="en-US" b="1" dirty="0" smtClean="0">
+                <a:solidFill>
+                  <a:schemeClr val="tx1"/>
+                </a:solidFill>
+              </a:rPr>
+              <a:t>Objective:</a:t>
+            </a:r>
+          </a:p>
+          <a:p>
+            <a:pPr lvl="0"/>
+            <a:r>
+              <a:rPr lang="en-US" dirty="0" smtClean="0">
+                <a:solidFill>
+                  <a:schemeClr val="tx1"/>
+                </a:solidFill>
+              </a:rPr>
+              <a:t>Enabling </a:t>
+            </a:r>
+            <a:r>
+              <a:rPr lang="en-US" dirty="0">
+                <a:solidFill>
+                  <a:schemeClr val="tx1"/>
+                </a:solidFill>
+              </a:rPr>
+              <a:t>simple but compact instant messaging between users </a:t>
+            </a:r>
+            <a:endParaRPr lang="en-US" dirty="0">
+              <a:solidFill>
+                <a:schemeClr val="tx1"/>
+              </a:solidFill>
+            </a:endParaRPr>
+          </a:p>
+        </p:txBody>
+      </p:sp>
+      <p:sp>
+        <p:nvSpPr>
+          <p:cNvPr id="3" name="TextBox 2"/>
+          <p:cNvSpPr txBox="1"/>
           <p:nvPr/>
         </p:nvSpPr>
         <p:spPr>
           <a:xfrm>
-            <a:off x="4836393" y="1412776"/>
-            <a:ext cx="2880320" cy="1584176"/>
+            <a:off x="1842398" y="1776264"/>
+            <a:ext cx="2153538" cy="369332"/>
           </a:xfrm>
-          <a:prstGeom prst="roundRect">
+          <a:prstGeom prst="rect">
             <a:avLst/>
           </a:prstGeom>
-          <a:ln>
-            <a:noFill/>
-          </a:ln>
+          <a:noFill/>
         </p:spPr>
-        <p:style>
-          <a:lnRef idx="2">
-            <a:schemeClr val="accent1">
-              <a:shade val="50000"/>
-            </a:schemeClr>
-          </a:lnRef>
-          <a:fillRef idx="1">
-            <a:schemeClr val="accent1"/>
-          </a:fillRef>
-          <a:effectRef idx="0">
-            <a:schemeClr val="accent1"/>
-          </a:effectRef>
-          <a:fontRef idx="minor">
-            <a:schemeClr val="lt1"/>
-          </a:fontRef>
-        </p:style>
-        <p:txBody>
-          <a:bodyPr rtlCol="0" anchor="ctr"/>
+        <p:txBody>
+          <a:bodyPr wrap="none" rtlCol="0">
+            <a:spAutoFit/>
+          </a:bodyPr>
           <a:lstStyle/>
           <a:p>
-            <a:pPr algn="ctr"/>
-            <a:endParaRPr lang="en-US"/>
-          </a:p>
-        </p:txBody>
-      </p:sp>
-      <p:sp>
-        <p:nvSpPr>
-          <p:cNvPr id="8" name="Rounded Rectangle 7"/>
-          <p:cNvSpPr/>
+            <a:r>
+              <a:rPr lang="en-US" dirty="0" smtClean="0">
+                <a:solidFill>
+                  <a:schemeClr val="accent2"/>
+                </a:solidFill>
+              </a:rPr>
+              <a:t>Profile Management</a:t>
+            </a:r>
+            <a:endParaRPr lang="en-US" dirty="0">
+              <a:solidFill>
+                <a:schemeClr val="accent2"/>
+              </a:solidFill>
+            </a:endParaRPr>
+          </a:p>
+        </p:txBody>
+      </p:sp>
+      <p:sp>
+        <p:nvSpPr>
+          <p:cNvPr id="12" name="TextBox 11"/>
+          <p:cNvSpPr txBox="1"/>
           <p:nvPr/>
         </p:nvSpPr>
         <p:spPr>
           <a:xfrm>
-            <a:off x="1475656" y="3212976"/>
-            <a:ext cx="2880320" cy="1584176"/>
+            <a:off x="5148064" y="1772816"/>
+            <a:ext cx="2284600" cy="369332"/>
           </a:xfrm>
-          <a:prstGeom prst="roundRect">
+          <a:prstGeom prst="rect">
             <a:avLst/>
           </a:prstGeom>
-          <a:ln>
-            <a:noFill/>
-          </a:ln>
+          <a:noFill/>
         </p:spPr>
-        <p:style>
-          <a:lnRef idx="2">
-            <a:schemeClr val="accent1">
-              <a:shade val="50000"/>
-            </a:schemeClr>
-          </a:lnRef>
-          <a:fillRef idx="1">
-            <a:schemeClr val="accent1"/>
-          </a:fillRef>
-          <a:effectRef idx="0">
-            <a:schemeClr val="accent1"/>
-          </a:effectRef>
-          <a:fontRef idx="minor">
-            <a:schemeClr val="lt1"/>
-          </a:fontRef>
-        </p:style>
-        <p:txBody>
-          <a:bodyPr rtlCol="0" anchor="ctr"/>
+        <p:txBody>
+          <a:bodyPr wrap="none" rtlCol="0">
+            <a:spAutoFit/>
+          </a:bodyPr>
           <a:lstStyle/>
           <a:p>
-            <a:pPr algn="ctr"/>
-            <a:endParaRPr lang="en-US"/>
-          </a:p>
-        </p:txBody>
-      </p:sp>
-      <p:sp>
-        <p:nvSpPr>
-          <p:cNvPr id="10" name="Rounded Rectangle 9"/>
-          <p:cNvSpPr/>
+            <a:r>
+              <a:rPr lang="en-US" dirty="0" smtClean="0">
+                <a:solidFill>
+                  <a:schemeClr val="accent2"/>
+                </a:solidFill>
+              </a:rPr>
+              <a:t>Contact Management</a:t>
+            </a:r>
+            <a:endParaRPr lang="en-US" dirty="0">
+              <a:solidFill>
+                <a:schemeClr val="accent2"/>
+              </a:solidFill>
+            </a:endParaRPr>
+          </a:p>
+        </p:txBody>
+      </p:sp>
+      <p:sp>
+        <p:nvSpPr>
+          <p:cNvPr id="13" name="TextBox 12"/>
+          <p:cNvSpPr txBox="1"/>
           <p:nvPr/>
         </p:nvSpPr>
         <p:spPr>
           <a:xfrm>
-            <a:off x="4860032" y="3212976"/>
-            <a:ext cx="2880320" cy="1584176"/>
+            <a:off x="1907704" y="3933056"/>
+            <a:ext cx="2337691" cy="369332"/>
           </a:xfrm>
-          <a:prstGeom prst="roundRect">
+          <a:prstGeom prst="rect">
             <a:avLst/>
           </a:prstGeom>
-          <a:ln>
-            <a:noFill/>
-          </a:ln>
+          <a:noFill/>
         </p:spPr>
-        <p:style>
-          <a:lnRef idx="2">
-            <a:schemeClr val="accent1">
-              <a:shade val="50000"/>
-            </a:schemeClr>
-          </a:lnRef>
-          <a:fillRef idx="1">
-            <a:schemeClr val="accent1"/>
-          </a:fillRef>
-          <a:effectRef idx="0">
-            <a:schemeClr val="accent1"/>
-          </a:effectRef>
-          <a:fontRef idx="minor">
-            <a:schemeClr val="lt1"/>
-          </a:fontRef>
-        </p:style>
-        <p:txBody>
-          <a:bodyPr rtlCol="0" anchor="ctr"/>
+        <p:txBody>
+          <a:bodyPr wrap="none" rtlCol="0">
+            <a:spAutoFit/>
+          </a:bodyPr>
           <a:lstStyle/>
           <a:p>
-            <a:pPr algn="ctr"/>
-            <a:endParaRPr lang="en-US"/>
-          </a:p>
-        </p:txBody>
-      </p:sp>
-      <p:sp>
-        <p:nvSpPr>
-          <p:cNvPr id="11" name="Rounded Rectangle 10"/>
-          <p:cNvSpPr/>
+            <a:r>
+              <a:rPr lang="en-US" dirty="0" smtClean="0">
+                <a:solidFill>
+                  <a:schemeClr val="accent2"/>
+                </a:solidFill>
+              </a:rPr>
+              <a:t>Request Management</a:t>
+            </a:r>
+            <a:endParaRPr lang="en-US" dirty="0">
+              <a:solidFill>
+                <a:schemeClr val="accent2"/>
+              </a:solidFill>
+            </a:endParaRPr>
+          </a:p>
+        </p:txBody>
+      </p:sp>
+      <p:sp>
+        <p:nvSpPr>
+          <p:cNvPr id="14" name="TextBox 13"/>
+          <p:cNvSpPr txBox="1"/>
           <p:nvPr/>
         </p:nvSpPr>
         <p:spPr>
           <a:xfrm>
-            <a:off x="3131840" y="2204864"/>
-            <a:ext cx="2880320" cy="1584176"/>
+            <a:off x="5131346" y="3933056"/>
+            <a:ext cx="2414444" cy="369332"/>
           </a:xfrm>
-          <a:prstGeom prst="roundRect">
+          <a:prstGeom prst="rect">
             <a:avLst/>
           </a:prstGeom>
-          <a:solidFill>
-            <a:schemeClr val="bg1"/>
-          </a:solidFill>
-          <a:ln>
-            <a:solidFill>
-              <a:schemeClr val="accent1">
-                <a:shade val="50000"/>
-              </a:schemeClr>
-            </a:solidFill>
-          </a:ln>
+          <a:noFill/>
         </p:spPr>
-        <p:style>
-          <a:lnRef idx="2">
-            <a:schemeClr val="accent1">
-              <a:shade val="50000"/>
-            </a:schemeClr>
-          </a:lnRef>
-          <a:fillRef idx="1">
-            <a:schemeClr val="accent1"/>
-          </a:fillRef>
-          <a:effectRef idx="0">
-            <a:schemeClr val="accent1"/>
-          </a:effectRef>
-          <a:fontRef idx="minor">
-            <a:schemeClr val="lt1"/>
-          </a:fontRef>
-        </p:style>
-        <p:txBody>
-          <a:bodyPr rtlCol="0" anchor="ctr"/>
+        <p:txBody>
+          <a:bodyPr wrap="none" rtlCol="0">
+            <a:spAutoFit/>
+          </a:bodyPr>
           <a:lstStyle/>
           <a:p>
-            <a:pPr algn="ctr"/>
-            <a:endParaRPr lang="en-US"/>
+            <a:r>
+              <a:rPr lang="en-US" dirty="0" smtClean="0">
+                <a:solidFill>
+                  <a:schemeClr val="accent2"/>
+                </a:solidFill>
+              </a:rPr>
+              <a:t>Message Management</a:t>
+            </a:r>
+            <a:endParaRPr lang="en-US" dirty="0">
+              <a:solidFill>
+                <a:schemeClr val="accent2"/>
+              </a:solidFill>
+            </a:endParaRPr>
           </a:p>
         </p:txBody>
       </p:sp>
@@ -20305,6 +18177,109 @@
     <p:extLst>
       <p:ext uri="{BB962C8B-B14F-4D97-AF65-F5344CB8AC3E}">
         <p14:creationId xmlns:p14="http://schemas.microsoft.com/office/powerpoint/2010/main" val="2983869527"/>
+      </p:ext>
+    </p:extLst>
+  </p:cSld>
+  <p:clrMapOvr>
+    <a:masterClrMapping/>
+  </p:clrMapOvr>
+  <p:timing>
+    <p:tnLst>
+      <p:par>
+        <p:cTn id="1" dur="indefinite" restart="never" nodeType="tmRoot"/>
+      </p:par>
+    </p:tnLst>
+  </p:timing>
+</p:sld>
+</file>
+
+<file path=ppt/slides/slide4.xml><?xml version="1.0" encoding="utf-8"?>
+<p:sld xmlns:a="http://schemas.openxmlformats.org/drawingml/2006/main" xmlns:r="http://schemas.openxmlformats.org/officeDocument/2006/relationships" xmlns:p="http://schemas.openxmlformats.org/presentationml/2006/main">
+  <p:cSld>
+    <p:spTree>
+      <p:nvGrpSpPr>
+        <p:cNvPr id="1" name=""/>
+        <p:cNvGrpSpPr/>
+        <p:nvPr/>
+      </p:nvGrpSpPr>
+      <p:grpSpPr>
+        <a:xfrm>
+          <a:off x="0" y="0"/>
+          <a:ext cx="0" cy="0"/>
+          <a:chOff x="0" y="0"/>
+          <a:chExt cx="0" cy="0"/>
+        </a:xfrm>
+      </p:grpSpPr>
+      <p:sp>
+        <p:nvSpPr>
+          <p:cNvPr id="2" name="Title 1"/>
+          <p:cNvSpPr>
+            <a:spLocks noGrp="1"/>
+          </p:cNvSpPr>
+          <p:nvPr>
+            <p:ph type="title"/>
+          </p:nvPr>
+        </p:nvSpPr>
+        <p:spPr/>
+        <p:txBody>
+          <a:bodyPr/>
+          <a:lstStyle/>
+          <a:p>
+            <a:r>
+              <a:rPr lang="en-US" dirty="0" smtClean="0"/>
+              <a:t>Target User</a:t>
+            </a:r>
+            <a:endParaRPr lang="en-US" dirty="0"/>
+          </a:p>
+        </p:txBody>
+      </p:sp>
+      <p:sp>
+        <p:nvSpPr>
+          <p:cNvPr id="4" name="Slide Number Placeholder 3"/>
+          <p:cNvSpPr>
+            <a:spLocks noGrp="1"/>
+          </p:cNvSpPr>
+          <p:nvPr>
+            <p:ph type="sldNum" sz="quarter" idx="12"/>
+          </p:nvPr>
+        </p:nvSpPr>
+        <p:spPr/>
+        <p:txBody>
+          <a:bodyPr/>
+          <a:lstStyle/>
+          <a:p>
+            <a:fld id="{E6C8C3D6-4075-4EE4-8CC0-D76389F4D181}" type="slidenum">
+              <a:rPr lang="en-US" smtClean="0"/>
+              <a:pPr/>
+              <a:t>4</a:t>
+            </a:fld>
+            <a:endParaRPr lang="en-US" dirty="0"/>
+          </a:p>
+        </p:txBody>
+      </p:sp>
+      <p:sp>
+        <p:nvSpPr>
+          <p:cNvPr id="5" name="Content Placeholder 4"/>
+          <p:cNvSpPr>
+            <a:spLocks noGrp="1"/>
+          </p:cNvSpPr>
+          <p:nvPr>
+            <p:ph idx="1"/>
+          </p:nvPr>
+        </p:nvSpPr>
+        <p:spPr/>
+        <p:txBody>
+          <a:bodyPr/>
+          <a:lstStyle/>
+          <a:p>
+            <a:endParaRPr lang="en-US" dirty="0"/>
+          </a:p>
+        </p:txBody>
+      </p:sp>
+    </p:spTree>
+    <p:extLst>
+      <p:ext uri="{BB962C8B-B14F-4D97-AF65-F5344CB8AC3E}">
+        <p14:creationId xmlns:p14="http://schemas.microsoft.com/office/powerpoint/2010/main" val="3205595241"/>
       </p:ext>
     </p:extLst>
   </p:cSld>
@@ -20354,46 +18329,9 @@
           <a:lstStyle/>
           <a:p>
             <a:r>
-              <a:rPr lang="en-US" dirty="0" smtClean="0"/>
-              <a:t>Target User</a:t>
-            </a:r>
-            <a:endParaRPr lang="en-US" dirty="0"/>
-          </a:p>
-        </p:txBody>
-      </p:sp>
-      <p:sp>
-        <p:nvSpPr>
-          <p:cNvPr id="3" name="Content Placeholder 2"/>
-          <p:cNvSpPr>
-            <a:spLocks noGrp="1"/>
-          </p:cNvSpPr>
-          <p:nvPr>
-            <p:ph idx="1"/>
-          </p:nvPr>
-        </p:nvSpPr>
-        <p:spPr>
-          <a:xfrm>
-            <a:off x="457200" y="1600200"/>
-            <a:ext cx="2818656" cy="4525963"/>
-          </a:xfrm>
-        </p:spPr>
-        <p:txBody>
-          <a:bodyPr/>
-          <a:lstStyle/>
-          <a:p>
-            <a:r>
-              <a:rPr lang="en-US" dirty="0" smtClean="0"/>
-              <a:t>Costs for setting up and maintenance: low </a:t>
-            </a:r>
-            <a:r>
-              <a:rPr lang="en-US" dirty="0" smtClean="0">
-                <a:sym typeface="Wingdings" panose="05000000000000000000" pitchFamily="2" charset="2"/>
-              </a:rPr>
-              <a:t> The service can be used on every PC that have an internet access</a:t>
-            </a:r>
-            <a:endParaRPr lang="en-US" dirty="0" smtClean="0"/>
-          </a:p>
-          <a:p>
+              <a:rPr lang="de-DE" sz="2800" dirty="0" smtClean="0"/>
+              <a:t>Advantages</a:t>
+            </a:r>
             <a:endParaRPr lang="en-US" dirty="0"/>
           </a:p>
         </p:txBody>
@@ -20424,18 +18362,18 @@
       </p:sp>
       <p:graphicFrame>
         <p:nvGraphicFramePr>
-          <p:cNvPr id="6" name="Diagram 5"/>
+          <p:cNvPr id="9" name="Diagram 8"/>
           <p:cNvGraphicFramePr/>
           <p:nvPr>
             <p:extLst>
               <p:ext uri="{D42A27DB-BD31-4B8C-83A1-F6EECF244321}">
-                <p14:modId xmlns:p14="http://schemas.microsoft.com/office/powerpoint/2010/main" val="2254499349"/>
+                <p14:modId xmlns:p14="http://schemas.microsoft.com/office/powerpoint/2010/main" val="1907290022"/>
               </p:ext>
             </p:extLst>
           </p:nvPr>
         </p:nvGraphicFramePr>
         <p:xfrm>
-          <a:off x="2868488" y="1813272"/>
+          <a:off x="1524000" y="1397000"/>
           <a:ext cx="6096000" cy="4064000"/>
         </p:xfrm>
         <a:graphic>
@@ -20447,7 +18385,7 @@
     </p:spTree>
     <p:extLst>
       <p:ext uri="{BB962C8B-B14F-4D97-AF65-F5344CB8AC3E}">
-        <p14:creationId xmlns:p14="http://schemas.microsoft.com/office/powerpoint/2010/main" val="3205595241"/>
+        <p14:creationId xmlns:p14="http://schemas.microsoft.com/office/powerpoint/2010/main" val="2889807263"/>
       </p:ext>
     </p:extLst>
   </p:cSld>
@@ -20498,12 +18436,27 @@
           <a:p>
             <a:r>
               <a:rPr lang="de-DE" sz="2800" dirty="0" smtClean="0"/>
-              <a:t>Advantages &amp; </a:t>
-            </a:r>
-            <a:r>
-              <a:rPr lang="de-DE" sz="2800" dirty="0" err="1" smtClean="0"/>
-              <a:t>Disavantages</a:t>
-            </a:r>
+              <a:t>Demo</a:t>
+            </a:r>
+            <a:endParaRPr lang="en-US" dirty="0"/>
+          </a:p>
+        </p:txBody>
+      </p:sp>
+      <p:sp>
+        <p:nvSpPr>
+          <p:cNvPr id="3" name="Content Placeholder 2"/>
+          <p:cNvSpPr>
+            <a:spLocks noGrp="1"/>
+          </p:cNvSpPr>
+          <p:nvPr>
+            <p:ph idx="1"/>
+          </p:nvPr>
+        </p:nvSpPr>
+        <p:spPr/>
+        <p:txBody>
+          <a:bodyPr/>
+          <a:lstStyle/>
+          <a:p>
             <a:endParaRPr lang="en-US" dirty="0"/>
           </a:p>
         </p:txBody>
@@ -20532,1107 +18485,10 @@
           </a:p>
         </p:txBody>
       </p:sp>
-      <p:sp>
-        <p:nvSpPr>
-          <p:cNvPr id="6" name="Rounded Rectangle 5"/>
-          <p:cNvSpPr/>
-          <p:nvPr/>
-        </p:nvSpPr>
-        <p:spPr>
-          <a:xfrm>
-            <a:off x="827584" y="1556792"/>
-            <a:ext cx="3672408" cy="4392488"/>
-          </a:xfrm>
-          <a:prstGeom prst="roundRect">
-            <a:avLst/>
-          </a:prstGeom>
-          <a:ln>
-            <a:noFill/>
-          </a:ln>
-        </p:spPr>
-        <p:style>
-          <a:lnRef idx="2">
-            <a:schemeClr val="accent1">
-              <a:shade val="50000"/>
-            </a:schemeClr>
-          </a:lnRef>
-          <a:fillRef idx="1">
-            <a:schemeClr val="accent1"/>
-          </a:fillRef>
-          <a:effectRef idx="0">
-            <a:schemeClr val="accent1"/>
-          </a:effectRef>
-          <a:fontRef idx="minor">
-            <a:schemeClr val="lt1"/>
-          </a:fontRef>
-        </p:style>
-        <p:txBody>
-          <a:bodyPr rtlCol="0" anchor="ctr"/>
-          <a:lstStyle/>
-          <a:p>
-            <a:pPr algn="ctr"/>
-            <a:endParaRPr lang="en-US" dirty="0"/>
-          </a:p>
-        </p:txBody>
-      </p:sp>
-      <p:sp>
-        <p:nvSpPr>
-          <p:cNvPr id="7" name="Oval 6"/>
-          <p:cNvSpPr/>
-          <p:nvPr/>
-        </p:nvSpPr>
-        <p:spPr>
-          <a:xfrm>
-            <a:off x="2375756" y="1628800"/>
-            <a:ext cx="576064" cy="576064"/>
-          </a:xfrm>
-          <a:prstGeom prst="ellipse">
-            <a:avLst/>
-          </a:prstGeom>
-          <a:ln>
-            <a:solidFill>
-              <a:schemeClr val="bg1"/>
-            </a:solidFill>
-          </a:ln>
-        </p:spPr>
-        <p:style>
-          <a:lnRef idx="2">
-            <a:schemeClr val="accent1">
-              <a:shade val="50000"/>
-            </a:schemeClr>
-          </a:lnRef>
-          <a:fillRef idx="1">
-            <a:schemeClr val="accent1"/>
-          </a:fillRef>
-          <a:effectRef idx="0">
-            <a:schemeClr val="accent1"/>
-          </a:effectRef>
-          <a:fontRef idx="minor">
-            <a:schemeClr val="lt1"/>
-          </a:fontRef>
-        </p:style>
-        <p:txBody>
-          <a:bodyPr rtlCol="0" anchor="ctr"/>
-          <a:lstStyle/>
-          <a:p>
-            <a:pPr algn="ctr"/>
-            <a:r>
-              <a:rPr lang="de-DE" dirty="0" smtClean="0"/>
-              <a:t>+</a:t>
-            </a:r>
-            <a:endParaRPr lang="en-US" dirty="0"/>
-          </a:p>
-        </p:txBody>
-      </p:sp>
-      <p:sp>
-        <p:nvSpPr>
-          <p:cNvPr id="8" name="TextBox 7"/>
-          <p:cNvSpPr txBox="1"/>
-          <p:nvPr/>
-        </p:nvSpPr>
-        <p:spPr>
-          <a:xfrm>
-            <a:off x="827584" y="2276872"/>
-            <a:ext cx="3528392" cy="2585323"/>
-          </a:xfrm>
-          <a:prstGeom prst="rect">
-            <a:avLst/>
-          </a:prstGeom>
-          <a:noFill/>
-        </p:spPr>
-        <p:txBody>
-          <a:bodyPr wrap="square" rtlCol="0">
-            <a:spAutoFit/>
-          </a:bodyPr>
-          <a:lstStyle/>
-          <a:p>
-            <a:pPr marL="285750" indent="-285750">
-              <a:buFont typeface="Wingdings" pitchFamily="2" charset="2"/>
-              <a:buChar char="q"/>
-            </a:pPr>
-            <a:r>
-              <a:rPr lang="de-DE" b="1" dirty="0" smtClean="0">
-                <a:solidFill>
-                  <a:schemeClr val="bg1"/>
-                </a:solidFill>
-              </a:rPr>
-              <a:t>Simple but </a:t>
-            </a:r>
-            <a:r>
-              <a:rPr lang="de-DE" b="1" dirty="0" err="1" smtClean="0">
-                <a:solidFill>
-                  <a:schemeClr val="bg1"/>
-                </a:solidFill>
-              </a:rPr>
-              <a:t>compact</a:t>
-            </a:r>
-            <a:r>
-              <a:rPr lang="de-DE" b="1" dirty="0" smtClean="0">
-                <a:solidFill>
-                  <a:schemeClr val="bg1"/>
-                </a:solidFill>
-              </a:rPr>
-              <a:t>: easy </a:t>
-            </a:r>
-            <a:r>
-              <a:rPr lang="de-DE" b="1" dirty="0" err="1" smtClean="0">
-                <a:solidFill>
-                  <a:schemeClr val="bg1"/>
-                </a:solidFill>
-              </a:rPr>
-              <a:t>to</a:t>
-            </a:r>
-            <a:r>
-              <a:rPr lang="de-DE" b="1" dirty="0" smtClean="0">
-                <a:solidFill>
-                  <a:schemeClr val="bg1"/>
-                </a:solidFill>
-              </a:rPr>
-              <a:t> </a:t>
-            </a:r>
-            <a:r>
-              <a:rPr lang="de-DE" b="1" dirty="0" err="1" smtClean="0">
-                <a:solidFill>
-                  <a:schemeClr val="bg1"/>
-                </a:solidFill>
-              </a:rPr>
-              <a:t>use</a:t>
-            </a:r>
-            <a:r>
-              <a:rPr lang="de-DE" b="1" dirty="0" smtClean="0">
-                <a:solidFill>
-                  <a:schemeClr val="bg1"/>
-                </a:solidFill>
-              </a:rPr>
-              <a:t> </a:t>
-            </a:r>
-            <a:r>
-              <a:rPr lang="de-DE" b="1" dirty="0" err="1" smtClean="0">
-                <a:solidFill>
-                  <a:schemeClr val="bg1"/>
-                </a:solidFill>
-              </a:rPr>
-              <a:t>and</a:t>
-            </a:r>
-            <a:r>
-              <a:rPr lang="de-DE" b="1" dirty="0" smtClean="0">
-                <a:solidFill>
-                  <a:schemeClr val="bg1"/>
-                </a:solidFill>
-              </a:rPr>
-              <a:t> </a:t>
-            </a:r>
-            <a:r>
-              <a:rPr lang="de-DE" b="1" dirty="0" err="1" smtClean="0">
-                <a:solidFill>
-                  <a:schemeClr val="bg1"/>
-                </a:solidFill>
-              </a:rPr>
-              <a:t>offering</a:t>
-            </a:r>
-            <a:r>
-              <a:rPr lang="de-DE" b="1" dirty="0" smtClean="0">
-                <a:solidFill>
-                  <a:schemeClr val="bg1"/>
-                </a:solidFill>
-              </a:rPr>
-              <a:t> all </a:t>
-            </a:r>
-            <a:r>
-              <a:rPr lang="de-DE" b="1" dirty="0" err="1" smtClean="0">
-                <a:solidFill>
-                  <a:schemeClr val="bg1"/>
-                </a:solidFill>
-              </a:rPr>
-              <a:t>basic</a:t>
-            </a:r>
-            <a:r>
-              <a:rPr lang="de-DE" b="1" dirty="0" smtClean="0">
-                <a:solidFill>
-                  <a:schemeClr val="bg1"/>
-                </a:solidFill>
-              </a:rPr>
-              <a:t> </a:t>
-            </a:r>
-            <a:r>
-              <a:rPr lang="de-DE" b="1" dirty="0" err="1" smtClean="0">
-                <a:solidFill>
-                  <a:schemeClr val="bg1"/>
-                </a:solidFill>
-              </a:rPr>
-              <a:t>functions</a:t>
-            </a:r>
-            <a:endParaRPr lang="de-DE" b="1" dirty="0" smtClean="0">
-              <a:solidFill>
-                <a:schemeClr val="bg1"/>
-              </a:solidFill>
-            </a:endParaRPr>
-          </a:p>
-          <a:p>
-            <a:pPr marL="742950" lvl="1" indent="-285750">
-              <a:buFont typeface="Wingdings" pitchFamily="2" charset="2"/>
-              <a:buChar char="§"/>
-            </a:pPr>
-            <a:endParaRPr lang="de-DE" dirty="0">
-              <a:solidFill>
-                <a:schemeClr val="bg1"/>
-              </a:solidFill>
-            </a:endParaRPr>
-          </a:p>
-          <a:p>
-            <a:pPr marL="285750" indent="-285750">
-              <a:buFont typeface="Wingdings" pitchFamily="2" charset="2"/>
-              <a:buChar char="q"/>
-            </a:pPr>
-            <a:r>
-              <a:rPr lang="de-DE" b="1" dirty="0" smtClean="0">
-                <a:solidFill>
-                  <a:schemeClr val="bg1"/>
-                </a:solidFill>
-              </a:rPr>
-              <a:t>Web </a:t>
-            </a:r>
-            <a:r>
-              <a:rPr lang="de-DE" b="1" dirty="0" err="1" smtClean="0">
-                <a:solidFill>
-                  <a:schemeClr val="bg1"/>
-                </a:solidFill>
-              </a:rPr>
-              <a:t>version</a:t>
-            </a:r>
-            <a:r>
-              <a:rPr lang="de-DE" b="1" dirty="0" smtClean="0">
-                <a:solidFill>
-                  <a:schemeClr val="bg1"/>
-                </a:solidFill>
-              </a:rPr>
-              <a:t> </a:t>
-            </a:r>
-            <a:r>
-              <a:rPr lang="de-DE" b="1" dirty="0" err="1" smtClean="0">
-                <a:solidFill>
-                  <a:schemeClr val="bg1"/>
-                </a:solidFill>
-              </a:rPr>
-              <a:t>allows</a:t>
-            </a:r>
-            <a:r>
-              <a:rPr lang="de-DE" b="1" dirty="0" smtClean="0">
-                <a:solidFill>
-                  <a:schemeClr val="bg1"/>
-                </a:solidFill>
-              </a:rPr>
-              <a:t> </a:t>
-            </a:r>
-            <a:r>
-              <a:rPr lang="de-DE" b="1" dirty="0" err="1" smtClean="0">
-                <a:solidFill>
-                  <a:schemeClr val="bg1"/>
-                </a:solidFill>
-              </a:rPr>
-              <a:t>the</a:t>
-            </a:r>
-            <a:r>
-              <a:rPr lang="de-DE" b="1" dirty="0" smtClean="0">
-                <a:solidFill>
-                  <a:schemeClr val="bg1"/>
-                </a:solidFill>
-              </a:rPr>
-              <a:t> </a:t>
-            </a:r>
-            <a:r>
-              <a:rPr lang="de-DE" b="1" dirty="0" err="1" smtClean="0">
-                <a:solidFill>
-                  <a:schemeClr val="bg1"/>
-                </a:solidFill>
-              </a:rPr>
-              <a:t>use</a:t>
-            </a:r>
-            <a:r>
-              <a:rPr lang="de-DE" b="1" dirty="0">
-                <a:solidFill>
-                  <a:schemeClr val="bg1"/>
-                </a:solidFill>
-              </a:rPr>
-              <a:t> </a:t>
-            </a:r>
-            <a:r>
-              <a:rPr lang="de-DE" b="1" dirty="0" err="1" smtClean="0">
-                <a:solidFill>
-                  <a:schemeClr val="bg1"/>
-                </a:solidFill>
-              </a:rPr>
-              <a:t>of</a:t>
-            </a:r>
-            <a:r>
-              <a:rPr lang="de-DE" b="1" dirty="0" smtClean="0">
-                <a:solidFill>
-                  <a:schemeClr val="bg1"/>
-                </a:solidFill>
-              </a:rPr>
-              <a:t> instant </a:t>
-            </a:r>
-            <a:r>
-              <a:rPr lang="de-DE" b="1" dirty="0" err="1" smtClean="0">
-                <a:solidFill>
-                  <a:schemeClr val="bg1"/>
-                </a:solidFill>
-              </a:rPr>
-              <a:t>messaging</a:t>
-            </a:r>
-            <a:r>
-              <a:rPr lang="de-DE" b="1" dirty="0" smtClean="0">
-                <a:solidFill>
-                  <a:schemeClr val="bg1"/>
-                </a:solidFill>
-              </a:rPr>
-              <a:t> on all </a:t>
-            </a:r>
-            <a:r>
-              <a:rPr lang="de-DE" b="1" dirty="0" err="1" smtClean="0">
-                <a:solidFill>
-                  <a:schemeClr val="bg1"/>
-                </a:solidFill>
-              </a:rPr>
-              <a:t>computers</a:t>
-            </a:r>
-            <a:r>
-              <a:rPr lang="de-DE" b="1" dirty="0" smtClean="0">
-                <a:solidFill>
-                  <a:schemeClr val="bg1"/>
-                </a:solidFill>
-              </a:rPr>
-              <a:t> </a:t>
-            </a:r>
-            <a:r>
-              <a:rPr lang="de-DE" b="1" dirty="0" err="1" smtClean="0">
-                <a:solidFill>
-                  <a:schemeClr val="bg1"/>
-                </a:solidFill>
-              </a:rPr>
-              <a:t>with</a:t>
-            </a:r>
-            <a:r>
-              <a:rPr lang="de-DE" b="1" dirty="0" smtClean="0">
-                <a:solidFill>
-                  <a:schemeClr val="bg1"/>
-                </a:solidFill>
-              </a:rPr>
-              <a:t> </a:t>
-            </a:r>
-            <a:r>
-              <a:rPr lang="de-DE" b="1" dirty="0" err="1" smtClean="0">
-                <a:solidFill>
-                  <a:schemeClr val="bg1"/>
-                </a:solidFill>
-              </a:rPr>
-              <a:t>internet</a:t>
-            </a:r>
-            <a:r>
-              <a:rPr lang="de-DE" b="1" dirty="0" smtClean="0">
-                <a:solidFill>
-                  <a:schemeClr val="bg1"/>
-                </a:solidFill>
-              </a:rPr>
-              <a:t> </a:t>
-            </a:r>
-            <a:r>
-              <a:rPr lang="de-DE" b="1" dirty="0" err="1" smtClean="0">
-                <a:solidFill>
-                  <a:schemeClr val="bg1"/>
-                </a:solidFill>
-              </a:rPr>
-              <a:t>access</a:t>
-            </a:r>
-            <a:endParaRPr lang="de-DE" b="1" dirty="0" smtClean="0">
-              <a:solidFill>
-                <a:schemeClr val="bg1"/>
-              </a:solidFill>
-            </a:endParaRPr>
-          </a:p>
-          <a:p>
-            <a:pPr marL="285750" indent="-285750">
-              <a:buFont typeface="Wingdings" pitchFamily="2" charset="2"/>
-              <a:buChar char="q"/>
-            </a:pPr>
-            <a:endParaRPr lang="de-DE" b="1" dirty="0">
-              <a:solidFill>
-                <a:schemeClr val="bg1"/>
-              </a:solidFill>
-            </a:endParaRPr>
-          </a:p>
-          <a:p>
-            <a:pPr marL="285750" indent="-285750">
-              <a:buFont typeface="Wingdings" pitchFamily="2" charset="2"/>
-              <a:buChar char="q"/>
-            </a:pPr>
-            <a:r>
-              <a:rPr lang="de-DE" b="1" dirty="0" smtClean="0">
-                <a:solidFill>
-                  <a:schemeClr val="bg1"/>
-                </a:solidFill>
-              </a:rPr>
-              <a:t>Source </a:t>
-            </a:r>
-            <a:r>
-              <a:rPr lang="de-DE" b="1" dirty="0" err="1" smtClean="0">
-                <a:solidFill>
-                  <a:schemeClr val="bg1"/>
-                </a:solidFill>
-              </a:rPr>
-              <a:t>code</a:t>
-            </a:r>
-            <a:r>
-              <a:rPr lang="de-DE" b="1" dirty="0" smtClean="0">
-                <a:solidFill>
-                  <a:schemeClr val="bg1"/>
-                </a:solidFill>
-              </a:rPr>
-              <a:t> </a:t>
-            </a:r>
-            <a:r>
-              <a:rPr lang="de-DE" b="1" dirty="0" err="1" smtClean="0">
-                <a:solidFill>
-                  <a:schemeClr val="bg1"/>
-                </a:solidFill>
-              </a:rPr>
-              <a:t>can</a:t>
-            </a:r>
-            <a:r>
-              <a:rPr lang="de-DE" b="1" dirty="0" smtClean="0">
-                <a:solidFill>
-                  <a:schemeClr val="bg1"/>
-                </a:solidFill>
-              </a:rPr>
-              <a:t> </a:t>
-            </a:r>
-            <a:r>
-              <a:rPr lang="de-DE" b="1" dirty="0" err="1" smtClean="0">
-                <a:solidFill>
-                  <a:schemeClr val="bg1"/>
-                </a:solidFill>
-              </a:rPr>
-              <a:t>be</a:t>
-            </a:r>
-            <a:r>
-              <a:rPr lang="de-DE" b="1" dirty="0" smtClean="0">
-                <a:solidFill>
-                  <a:schemeClr val="bg1"/>
-                </a:solidFill>
-              </a:rPr>
-              <a:t> </a:t>
-            </a:r>
-            <a:r>
-              <a:rPr lang="de-DE" b="1" dirty="0" err="1" smtClean="0">
-                <a:solidFill>
-                  <a:schemeClr val="bg1"/>
-                </a:solidFill>
-              </a:rPr>
-              <a:t>made</a:t>
-            </a:r>
-            <a:r>
-              <a:rPr lang="de-DE" b="1" dirty="0" smtClean="0">
-                <a:solidFill>
-                  <a:schemeClr val="bg1"/>
-                </a:solidFill>
-              </a:rPr>
-              <a:t> </a:t>
-            </a:r>
-            <a:r>
-              <a:rPr lang="de-DE" b="1" dirty="0" err="1" smtClean="0">
-                <a:solidFill>
-                  <a:schemeClr val="bg1"/>
-                </a:solidFill>
-              </a:rPr>
-              <a:t>available</a:t>
-            </a:r>
-            <a:r>
-              <a:rPr lang="de-DE" b="1" dirty="0" smtClean="0">
-                <a:solidFill>
-                  <a:schemeClr val="bg1"/>
-                </a:solidFill>
-              </a:rPr>
-              <a:t> </a:t>
-            </a:r>
-            <a:r>
-              <a:rPr lang="de-DE" b="1" dirty="0" err="1" smtClean="0">
-                <a:solidFill>
-                  <a:schemeClr val="bg1"/>
-                </a:solidFill>
-              </a:rPr>
-              <a:t>for</a:t>
-            </a:r>
-            <a:r>
-              <a:rPr lang="de-DE" b="1" dirty="0" smtClean="0">
-                <a:solidFill>
-                  <a:schemeClr val="bg1"/>
-                </a:solidFill>
-              </a:rPr>
-              <a:t> </a:t>
-            </a:r>
-            <a:r>
-              <a:rPr lang="de-DE" b="1" dirty="0" err="1" smtClean="0">
-                <a:solidFill>
-                  <a:schemeClr val="bg1"/>
-                </a:solidFill>
-              </a:rPr>
-              <a:t>further</a:t>
-            </a:r>
-            <a:r>
-              <a:rPr lang="de-DE" b="1" dirty="0" smtClean="0">
-                <a:solidFill>
-                  <a:schemeClr val="bg1"/>
-                </a:solidFill>
-              </a:rPr>
-              <a:t> </a:t>
-            </a:r>
-            <a:r>
-              <a:rPr lang="de-DE" b="1" dirty="0" err="1" smtClean="0">
-                <a:solidFill>
-                  <a:schemeClr val="bg1"/>
-                </a:solidFill>
-              </a:rPr>
-              <a:t>study</a:t>
-            </a:r>
-            <a:endParaRPr lang="de-DE" b="1" dirty="0" smtClean="0">
-              <a:solidFill>
-                <a:schemeClr val="bg1"/>
-              </a:solidFill>
-              <a:sym typeface="Wingdings" pitchFamily="2" charset="2"/>
-            </a:endParaRPr>
-          </a:p>
-        </p:txBody>
-      </p:sp>
-      <p:sp>
-        <p:nvSpPr>
-          <p:cNvPr id="9" name="Rounded Rectangle 8"/>
-          <p:cNvSpPr/>
-          <p:nvPr/>
-        </p:nvSpPr>
-        <p:spPr>
-          <a:xfrm>
-            <a:off x="4775808" y="1541494"/>
-            <a:ext cx="3672408" cy="4392488"/>
-          </a:xfrm>
-          <a:prstGeom prst="roundRect">
-            <a:avLst/>
-          </a:prstGeom>
-          <a:solidFill>
-            <a:schemeClr val="bg2">
-              <a:lumMod val="75000"/>
-            </a:schemeClr>
-          </a:solidFill>
-          <a:ln>
-            <a:noFill/>
-          </a:ln>
-        </p:spPr>
-        <p:style>
-          <a:lnRef idx="2">
-            <a:schemeClr val="accent1">
-              <a:shade val="50000"/>
-            </a:schemeClr>
-          </a:lnRef>
-          <a:fillRef idx="1">
-            <a:schemeClr val="accent1"/>
-          </a:fillRef>
-          <a:effectRef idx="0">
-            <a:schemeClr val="accent1"/>
-          </a:effectRef>
-          <a:fontRef idx="minor">
-            <a:schemeClr val="lt1"/>
-          </a:fontRef>
-        </p:style>
-        <p:txBody>
-          <a:bodyPr rtlCol="0" anchor="ctr"/>
-          <a:lstStyle/>
-          <a:p>
-            <a:pPr algn="ctr"/>
-            <a:endParaRPr lang="en-US" dirty="0"/>
-          </a:p>
-        </p:txBody>
-      </p:sp>
-      <mc:AlternateContent xmlns:mc="http://schemas.openxmlformats.org/markup-compatibility/2006" xmlns:a14="http://schemas.microsoft.com/office/drawing/2010/main">
-        <mc:Choice Requires="a14">
-          <p:sp>
-            <p:nvSpPr>
-              <p:cNvPr id="10" name="Oval 9"/>
-              <p:cNvSpPr/>
-              <p:nvPr/>
-            </p:nvSpPr>
-            <p:spPr>
-              <a:xfrm>
-                <a:off x="6323980" y="1628800"/>
-                <a:ext cx="576064" cy="576064"/>
-              </a:xfrm>
-              <a:prstGeom prst="ellipse">
-                <a:avLst/>
-              </a:prstGeom>
-              <a:noFill/>
-            </p:spPr>
-            <p:style>
-              <a:lnRef idx="2">
-                <a:schemeClr val="accent1">
-                  <a:shade val="50000"/>
-                </a:schemeClr>
-              </a:lnRef>
-              <a:fillRef idx="1">
-                <a:schemeClr val="accent1"/>
-              </a:fillRef>
-              <a:effectRef idx="0">
-                <a:schemeClr val="accent1"/>
-              </a:effectRef>
-              <a:fontRef idx="minor">
-                <a:schemeClr val="lt1"/>
-              </a:fontRef>
-            </p:style>
-            <p:txBody>
-              <a:bodyPr rtlCol="0" anchor="ctr"/>
-              <a:lstStyle/>
-              <a:p>
-                <a:pPr algn="ctr"/>
-                <a14:m>
-                  <m:oMathPara xmlns:m="http://schemas.openxmlformats.org/officeDocument/2006/math">
-                    <m:oMathParaPr>
-                      <m:jc m:val="centerGroup"/>
-                    </m:oMathParaPr>
-                    <m:oMath xmlns:m="http://schemas.openxmlformats.org/officeDocument/2006/math">
-                      <m:r>
-                        <a:rPr lang="en-US" i="1" smtClean="0">
-                          <a:solidFill>
-                            <a:schemeClr val="tx2"/>
-                          </a:solidFill>
-                          <a:latin typeface="Cambria Math"/>
-                          <a:ea typeface="Cambria Math"/>
-                        </a:rPr>
-                        <m:t>−</m:t>
-                      </m:r>
-                    </m:oMath>
-                  </m:oMathPara>
-                </a14:m>
-                <a:endParaRPr lang="en-US" dirty="0">
-                  <a:solidFill>
-                    <a:schemeClr val="tx2"/>
-                  </a:solidFill>
-                </a:endParaRPr>
-              </a:p>
-            </p:txBody>
-          </p:sp>
-        </mc:Choice>
-        <mc:Fallback xmlns="">
-          <p:sp>
-            <p:nvSpPr>
-              <p:cNvPr id="10" name="Oval 9"/>
-              <p:cNvSpPr>
-                <a:spLocks noRot="1" noChangeAspect="1" noMove="1" noResize="1" noEditPoints="1" noAdjustHandles="1" noChangeArrowheads="1" noChangeShapeType="1" noTextEdit="1"/>
-              </p:cNvSpPr>
-              <p:nvPr/>
-            </p:nvSpPr>
-            <p:spPr>
-              <a:xfrm>
-                <a:off x="6323980" y="1628800"/>
-                <a:ext cx="576064" cy="576064"/>
-              </a:xfrm>
-              <a:prstGeom prst="ellipse">
-                <a:avLst/>
-              </a:prstGeom>
-              <a:blipFill rotWithShape="1">
-                <a:blip r:embed="rId2"/>
-                <a:stretch>
-                  <a:fillRect/>
-                </a:stretch>
-              </a:blipFill>
-            </p:spPr>
-            <p:txBody>
-              <a:bodyPr/>
-              <a:lstStyle/>
-              <a:p>
-                <a:r>
-                  <a:rPr lang="en-US">
-                    <a:noFill/>
-                  </a:rPr>
-                  <a:t> </a:t>
-                </a:r>
-              </a:p>
-            </p:txBody>
-          </p:sp>
-        </mc:Fallback>
-      </mc:AlternateContent>
-      <p:sp>
-        <p:nvSpPr>
-          <p:cNvPr id="11" name="TextBox 10"/>
-          <p:cNvSpPr txBox="1"/>
-          <p:nvPr/>
-        </p:nvSpPr>
-        <p:spPr>
-          <a:xfrm>
-            <a:off x="4775808" y="2346451"/>
-            <a:ext cx="3540608" cy="2308324"/>
-          </a:xfrm>
-          <a:prstGeom prst="rect">
-            <a:avLst/>
-          </a:prstGeom>
-          <a:noFill/>
-        </p:spPr>
-        <p:txBody>
-          <a:bodyPr wrap="square" rtlCol="0">
-            <a:spAutoFit/>
-          </a:bodyPr>
-          <a:lstStyle/>
-          <a:p>
-            <a:pPr marL="285750" indent="-285750">
-              <a:buFont typeface="Wingdings" pitchFamily="2" charset="2"/>
-              <a:buChar char="q"/>
-            </a:pPr>
-            <a:r>
-              <a:rPr lang="de-DE" b="1" dirty="0" smtClean="0">
-                <a:solidFill>
-                  <a:schemeClr val="tx2"/>
-                </a:solidFill>
-              </a:rPr>
-              <a:t>Lack </a:t>
-            </a:r>
-            <a:r>
-              <a:rPr lang="de-DE" b="1" dirty="0" err="1" smtClean="0">
-                <a:solidFill>
-                  <a:schemeClr val="tx2"/>
-                </a:solidFill>
-              </a:rPr>
-              <a:t>of</a:t>
-            </a:r>
-            <a:r>
-              <a:rPr lang="de-DE" b="1" dirty="0" smtClean="0">
-                <a:solidFill>
-                  <a:schemeClr val="tx2"/>
-                </a:solidFill>
-              </a:rPr>
-              <a:t> </a:t>
-            </a:r>
-            <a:r>
-              <a:rPr lang="de-DE" b="1" dirty="0" err="1" smtClean="0">
-                <a:solidFill>
-                  <a:schemeClr val="tx2"/>
-                </a:solidFill>
-              </a:rPr>
-              <a:t>many</a:t>
-            </a:r>
-            <a:r>
-              <a:rPr lang="de-DE" b="1" dirty="0">
-                <a:solidFill>
-                  <a:schemeClr val="tx2"/>
-                </a:solidFill>
-              </a:rPr>
-              <a:t> </a:t>
-            </a:r>
-            <a:r>
-              <a:rPr lang="de-DE" b="1" dirty="0" smtClean="0">
-                <a:solidFill>
-                  <a:schemeClr val="tx2"/>
-                </a:solidFill>
-              </a:rPr>
-              <a:t>additional </a:t>
-            </a:r>
-            <a:r>
-              <a:rPr lang="en-US" b="1" dirty="0" smtClean="0">
-                <a:solidFill>
-                  <a:schemeClr val="tx2"/>
-                </a:solidFill>
-              </a:rPr>
-              <a:t>“nice” </a:t>
-            </a:r>
-            <a:r>
-              <a:rPr lang="de-DE" b="1" dirty="0" err="1" smtClean="0">
-                <a:solidFill>
-                  <a:schemeClr val="tx2"/>
-                </a:solidFill>
-              </a:rPr>
-              <a:t>features</a:t>
-            </a:r>
-            <a:r>
-              <a:rPr lang="de-DE" b="1" dirty="0" smtClean="0">
-                <a:solidFill>
-                  <a:schemeClr val="tx2"/>
-                </a:solidFill>
-              </a:rPr>
-              <a:t> in </a:t>
-            </a:r>
-            <a:r>
-              <a:rPr lang="de-DE" b="1" dirty="0" err="1" smtClean="0">
-                <a:solidFill>
-                  <a:schemeClr val="tx2"/>
-                </a:solidFill>
-              </a:rPr>
-              <a:t>comparison</a:t>
-            </a:r>
-            <a:r>
-              <a:rPr lang="de-DE" b="1" dirty="0" smtClean="0">
-                <a:solidFill>
-                  <a:schemeClr val="tx2"/>
-                </a:solidFill>
-              </a:rPr>
-              <a:t> </a:t>
-            </a:r>
-            <a:r>
-              <a:rPr lang="de-DE" b="1" dirty="0" err="1" smtClean="0">
-                <a:solidFill>
-                  <a:schemeClr val="tx2"/>
-                </a:solidFill>
-              </a:rPr>
-              <a:t>with</a:t>
-            </a:r>
-            <a:r>
-              <a:rPr lang="de-DE" b="1" dirty="0" smtClean="0">
-                <a:solidFill>
-                  <a:schemeClr val="tx2"/>
-                </a:solidFill>
-              </a:rPr>
-              <a:t> </a:t>
-            </a:r>
-            <a:r>
-              <a:rPr lang="de-DE" b="1" dirty="0" err="1" smtClean="0">
-                <a:solidFill>
-                  <a:schemeClr val="tx2"/>
-                </a:solidFill>
-              </a:rPr>
-              <a:t>the</a:t>
-            </a:r>
-            <a:r>
-              <a:rPr lang="de-DE" b="1" dirty="0" smtClean="0">
-                <a:solidFill>
-                  <a:schemeClr val="tx2"/>
-                </a:solidFill>
-              </a:rPr>
-              <a:t> dominant instant </a:t>
-            </a:r>
-            <a:r>
-              <a:rPr lang="de-DE" b="1" dirty="0" err="1" smtClean="0">
-                <a:solidFill>
-                  <a:schemeClr val="tx2"/>
-                </a:solidFill>
-              </a:rPr>
-              <a:t>messaging</a:t>
-            </a:r>
-            <a:r>
-              <a:rPr lang="de-DE" b="1" dirty="0" smtClean="0">
-                <a:solidFill>
-                  <a:schemeClr val="tx2"/>
-                </a:solidFill>
-              </a:rPr>
-              <a:t> </a:t>
-            </a:r>
-            <a:r>
-              <a:rPr lang="de-DE" b="1" dirty="0" err="1" smtClean="0">
-                <a:solidFill>
-                  <a:schemeClr val="tx2"/>
-                </a:solidFill>
-              </a:rPr>
-              <a:t>apps</a:t>
-            </a:r>
-            <a:endParaRPr lang="de-DE" b="1" dirty="0" smtClean="0">
-              <a:solidFill>
-                <a:schemeClr val="tx2"/>
-              </a:solidFill>
-            </a:endParaRPr>
-          </a:p>
-          <a:p>
-            <a:pPr marL="285750" indent="-285750">
-              <a:buFont typeface="Wingdings" pitchFamily="2" charset="2"/>
-              <a:buChar char="q"/>
-            </a:pPr>
-            <a:endParaRPr lang="de-DE" b="1" dirty="0" smtClean="0">
-              <a:solidFill>
-                <a:schemeClr val="tx2"/>
-              </a:solidFill>
-            </a:endParaRPr>
-          </a:p>
-          <a:p>
-            <a:pPr marL="285750" lvl="1" indent="-285750">
-              <a:buFont typeface="Wingdings" pitchFamily="2" charset="2"/>
-              <a:buChar char="q"/>
-            </a:pPr>
-            <a:r>
-              <a:rPr lang="de-DE" b="1" dirty="0" err="1" smtClean="0">
-                <a:solidFill>
-                  <a:schemeClr val="tx2"/>
-                </a:solidFill>
-                <a:sym typeface="Wingdings" pitchFamily="2" charset="2"/>
-              </a:rPr>
-              <a:t>Comparatively</a:t>
-            </a:r>
-            <a:r>
-              <a:rPr lang="de-DE" b="1" dirty="0" smtClean="0">
-                <a:solidFill>
-                  <a:schemeClr val="tx2"/>
-                </a:solidFill>
-                <a:sym typeface="Wingdings" pitchFamily="2" charset="2"/>
-              </a:rPr>
-              <a:t> </a:t>
-            </a:r>
-            <a:r>
-              <a:rPr lang="de-DE" b="1" dirty="0" err="1" smtClean="0">
-                <a:solidFill>
-                  <a:schemeClr val="tx2"/>
-                </a:solidFill>
-                <a:sym typeface="Wingdings" pitchFamily="2" charset="2"/>
-              </a:rPr>
-              <a:t>many</a:t>
-            </a:r>
-            <a:r>
-              <a:rPr lang="de-DE" b="1" dirty="0" smtClean="0">
-                <a:solidFill>
-                  <a:schemeClr val="tx2"/>
-                </a:solidFill>
-                <a:sym typeface="Wingdings" pitchFamily="2" charset="2"/>
-              </a:rPr>
-              <a:t> </a:t>
-            </a:r>
-            <a:r>
-              <a:rPr lang="de-DE" b="1" dirty="0" err="1" smtClean="0">
-                <a:solidFill>
-                  <a:schemeClr val="tx2"/>
-                </a:solidFill>
-                <a:sym typeface="Wingdings" pitchFamily="2" charset="2"/>
-              </a:rPr>
-              <a:t>bugs</a:t>
-            </a:r>
-            <a:r>
-              <a:rPr lang="de-DE" b="1" dirty="0" smtClean="0">
-                <a:solidFill>
-                  <a:schemeClr val="tx2"/>
-                </a:solidFill>
-                <a:sym typeface="Wingdings" pitchFamily="2" charset="2"/>
-              </a:rPr>
-              <a:t> </a:t>
-            </a:r>
-            <a:r>
-              <a:rPr lang="de-DE" b="1" dirty="0" err="1" smtClean="0">
-                <a:solidFill>
-                  <a:schemeClr val="tx2"/>
-                </a:solidFill>
-                <a:sym typeface="Wingdings" pitchFamily="2" charset="2"/>
-              </a:rPr>
-              <a:t>as</a:t>
-            </a:r>
-            <a:r>
-              <a:rPr lang="de-DE" b="1" dirty="0" smtClean="0">
-                <a:solidFill>
-                  <a:schemeClr val="tx2"/>
-                </a:solidFill>
-                <a:sym typeface="Wingdings" pitchFamily="2" charset="2"/>
-              </a:rPr>
-              <a:t> </a:t>
-            </a:r>
-            <a:r>
-              <a:rPr lang="de-DE" b="1" dirty="0" err="1" smtClean="0">
-                <a:solidFill>
-                  <a:schemeClr val="tx2"/>
-                </a:solidFill>
-                <a:sym typeface="Wingdings" pitchFamily="2" charset="2"/>
-              </a:rPr>
-              <a:t>the</a:t>
-            </a:r>
-            <a:r>
-              <a:rPr lang="de-DE" b="1" dirty="0" smtClean="0">
-                <a:solidFill>
-                  <a:schemeClr val="tx2"/>
-                </a:solidFill>
-                <a:sym typeface="Wingdings" pitchFamily="2" charset="2"/>
-              </a:rPr>
-              <a:t> </a:t>
-            </a:r>
-            <a:r>
-              <a:rPr lang="de-DE" b="1" dirty="0" err="1" smtClean="0">
-                <a:solidFill>
-                  <a:schemeClr val="tx2"/>
-                </a:solidFill>
-                <a:sym typeface="Wingdings" pitchFamily="2" charset="2"/>
-              </a:rPr>
-              <a:t>service</a:t>
-            </a:r>
-            <a:r>
-              <a:rPr lang="de-DE" b="1" dirty="0" smtClean="0">
-                <a:solidFill>
-                  <a:schemeClr val="tx2"/>
-                </a:solidFill>
-                <a:sym typeface="Wingdings" pitchFamily="2" charset="2"/>
-              </a:rPr>
-              <a:t> </a:t>
-            </a:r>
-            <a:r>
-              <a:rPr lang="de-DE" b="1" dirty="0" err="1" smtClean="0">
-                <a:solidFill>
-                  <a:schemeClr val="tx2"/>
-                </a:solidFill>
-                <a:sym typeface="Wingdings" pitchFamily="2" charset="2"/>
-              </a:rPr>
-              <a:t>is</a:t>
-            </a:r>
-            <a:r>
-              <a:rPr lang="de-DE" b="1" dirty="0" smtClean="0">
-                <a:solidFill>
-                  <a:schemeClr val="tx2"/>
-                </a:solidFill>
-                <a:sym typeface="Wingdings" pitchFamily="2" charset="2"/>
-              </a:rPr>
-              <a:t> still in </a:t>
-            </a:r>
-            <a:r>
-              <a:rPr lang="de-DE" b="1" dirty="0" err="1" smtClean="0">
-                <a:solidFill>
-                  <a:schemeClr val="tx2"/>
-                </a:solidFill>
-                <a:sym typeface="Wingdings" pitchFamily="2" charset="2"/>
-              </a:rPr>
-              <a:t>the</a:t>
-            </a:r>
-            <a:r>
-              <a:rPr lang="de-DE" b="1" dirty="0" smtClean="0">
-                <a:solidFill>
-                  <a:schemeClr val="tx2"/>
-                </a:solidFill>
-                <a:sym typeface="Wingdings" pitchFamily="2" charset="2"/>
-              </a:rPr>
-              <a:t> </a:t>
-            </a:r>
-            <a:r>
-              <a:rPr lang="de-DE" b="1" dirty="0" err="1" smtClean="0">
-                <a:solidFill>
-                  <a:schemeClr val="tx2"/>
-                </a:solidFill>
-                <a:sym typeface="Wingdings" pitchFamily="2" charset="2"/>
-              </a:rPr>
-              <a:t>development</a:t>
-            </a:r>
-            <a:r>
-              <a:rPr lang="de-DE" b="1" dirty="0" smtClean="0">
-                <a:solidFill>
-                  <a:schemeClr val="tx2"/>
-                </a:solidFill>
-                <a:sym typeface="Wingdings" pitchFamily="2" charset="2"/>
-              </a:rPr>
-              <a:t> </a:t>
-            </a:r>
-            <a:r>
-              <a:rPr lang="de-DE" b="1" dirty="0" err="1" smtClean="0">
-                <a:solidFill>
-                  <a:schemeClr val="tx2"/>
-                </a:solidFill>
-                <a:sym typeface="Wingdings" pitchFamily="2" charset="2"/>
-              </a:rPr>
-              <a:t>phase</a:t>
-            </a:r>
-            <a:endParaRPr lang="de-DE" b="1" dirty="0" smtClean="0">
-              <a:solidFill>
-                <a:schemeClr val="tx2"/>
-              </a:solidFill>
-              <a:sym typeface="Wingdings" pitchFamily="2" charset="2"/>
-            </a:endParaRPr>
-          </a:p>
-        </p:txBody>
-      </p:sp>
     </p:spTree>
     <p:extLst>
       <p:ext uri="{BB962C8B-B14F-4D97-AF65-F5344CB8AC3E}">
-        <p14:creationId xmlns:p14="http://schemas.microsoft.com/office/powerpoint/2010/main" val="3576391614"/>
+        <p14:creationId xmlns:p14="http://schemas.microsoft.com/office/powerpoint/2010/main" val="2420229327"/>
       </p:ext>
     </p:extLst>
   </p:cSld>
@@ -21682,29 +18538,14 @@
           <a:lstStyle/>
           <a:p>
             <a:r>
-              <a:rPr lang="de-DE" sz="2800" dirty="0" smtClean="0"/>
-              <a:t>Demo</a:t>
-            </a:r>
-            <a:endParaRPr lang="en-US" dirty="0"/>
-          </a:p>
-        </p:txBody>
-      </p:sp>
-      <p:sp>
-        <p:nvSpPr>
-          <p:cNvPr id="3" name="Content Placeholder 2"/>
-          <p:cNvSpPr>
-            <a:spLocks noGrp="1"/>
-          </p:cNvSpPr>
-          <p:nvPr>
-            <p:ph idx="1"/>
-          </p:nvPr>
-        </p:nvSpPr>
-        <p:spPr/>
-        <p:txBody>
-          <a:bodyPr/>
-          <a:lstStyle/>
-          <a:p>
-            <a:endParaRPr lang="en-US" dirty="0"/>
+              <a:rPr lang="de-DE" sz="2800" dirty="0"/>
+              <a:t>Further </a:t>
+            </a:r>
+            <a:r>
+              <a:rPr lang="de-DE" sz="2800" dirty="0" err="1"/>
+              <a:t>Enhancements</a:t>
+            </a:r>
+            <a:endParaRPr lang="de-DE" sz="2800" dirty="0"/>
           </a:p>
         </p:txBody>
       </p:sp>
@@ -21732,94 +18573,6 @@
           </a:p>
         </p:txBody>
       </p:sp>
-    </p:spTree>
-    <p:extLst>
-      <p:ext uri="{BB962C8B-B14F-4D97-AF65-F5344CB8AC3E}">
-        <p14:creationId xmlns:p14="http://schemas.microsoft.com/office/powerpoint/2010/main" val="2420229327"/>
-      </p:ext>
-    </p:extLst>
-  </p:cSld>
-  <p:clrMapOvr>
-    <a:masterClrMapping/>
-  </p:clrMapOvr>
-  <p:timing>
-    <p:tnLst>
-      <p:par>
-        <p:cTn id="1" dur="indefinite" restart="never" nodeType="tmRoot"/>
-      </p:par>
-    </p:tnLst>
-  </p:timing>
-</p:sld>
-</file>
-
-<file path=ppt/slides/slide8.xml><?xml version="1.0" encoding="utf-8"?>
-<p:sld xmlns:a="http://schemas.openxmlformats.org/drawingml/2006/main" xmlns:r="http://schemas.openxmlformats.org/officeDocument/2006/relationships" xmlns:p="http://schemas.openxmlformats.org/presentationml/2006/main">
-  <p:cSld>
-    <p:spTree>
-      <p:nvGrpSpPr>
-        <p:cNvPr id="1" name=""/>
-        <p:cNvGrpSpPr/>
-        <p:nvPr/>
-      </p:nvGrpSpPr>
-      <p:grpSpPr>
-        <a:xfrm>
-          <a:off x="0" y="0"/>
-          <a:ext cx="0" cy="0"/>
-          <a:chOff x="0" y="0"/>
-          <a:chExt cx="0" cy="0"/>
-        </a:xfrm>
-      </p:grpSpPr>
-      <p:sp>
-        <p:nvSpPr>
-          <p:cNvPr id="2" name="Title 1"/>
-          <p:cNvSpPr>
-            <a:spLocks noGrp="1"/>
-          </p:cNvSpPr>
-          <p:nvPr>
-            <p:ph type="title"/>
-          </p:nvPr>
-        </p:nvSpPr>
-        <p:spPr/>
-        <p:txBody>
-          <a:bodyPr/>
-          <a:lstStyle/>
-          <a:p>
-            <a:r>
-              <a:rPr lang="de-DE" sz="2800" dirty="0"/>
-              <a:t>Further </a:t>
-            </a:r>
-            <a:r>
-              <a:rPr lang="de-DE" sz="2800" dirty="0" err="1"/>
-              <a:t>Enhancements</a:t>
-            </a:r>
-            <a:endParaRPr lang="de-DE" sz="2800" dirty="0"/>
-          </a:p>
-        </p:txBody>
-      </p:sp>
-      <p:sp>
-        <p:nvSpPr>
-          <p:cNvPr id="4" name="Slide Number Placeholder 3"/>
-          <p:cNvSpPr>
-            <a:spLocks noGrp="1"/>
-          </p:cNvSpPr>
-          <p:nvPr>
-            <p:ph type="sldNum" sz="quarter" idx="12"/>
-          </p:nvPr>
-        </p:nvSpPr>
-        <p:spPr/>
-        <p:txBody>
-          <a:bodyPr/>
-          <a:lstStyle/>
-          <a:p>
-            <a:fld id="{E6C8C3D6-4075-4EE4-8CC0-D76389F4D181}" type="slidenum">
-              <a:rPr lang="en-US" smtClean="0"/>
-              <a:pPr/>
-              <a:t>8</a:t>
-            </a:fld>
-            <a:endParaRPr lang="en-US" dirty="0"/>
-          </a:p>
-        </p:txBody>
-      </p:sp>
       <p:graphicFrame>
         <p:nvGraphicFramePr>
           <p:cNvPr id="5" name="Diagram 4"/>
@@ -21827,13 +18580,13 @@
           <p:nvPr>
             <p:extLst>
               <p:ext uri="{D42A27DB-BD31-4B8C-83A1-F6EECF244321}">
-                <p14:modId xmlns:p14="http://schemas.microsoft.com/office/powerpoint/2010/main" val="1408342092"/>
+                <p14:modId xmlns:p14="http://schemas.microsoft.com/office/powerpoint/2010/main" val="3275535167"/>
               </p:ext>
             </p:extLst>
           </p:nvPr>
         </p:nvGraphicFramePr>
         <p:xfrm>
-          <a:off x="755576" y="1844824"/>
+          <a:off x="755576" y="1397000"/>
           <a:ext cx="7560840" cy="3472160"/>
         </p:xfrm>
         <a:graphic>

--- a/UGNM_Instantmessaging/doc/PresentationIM.pptx
+++ b/UGNM_Instantmessaging/doc/PresentationIM.pptx
@@ -1612,7 +1612,1214 @@
 </dgm:colorsDef>
 </file>
 
+<file path=ppt/diagrams/colors3.xml><?xml version="1.0" encoding="utf-8"?>
+<dgm:colorsDef xmlns:dgm="http://schemas.openxmlformats.org/drawingml/2006/diagram" xmlns:a="http://schemas.openxmlformats.org/drawingml/2006/main" uniqueId="urn:microsoft.com/office/officeart/2005/8/colors/accent1_2">
+  <dgm:title val=""/>
+  <dgm:desc val=""/>
+  <dgm:catLst>
+    <dgm:cat type="accent1" pri="11200"/>
+  </dgm:catLst>
+  <dgm:styleLbl name="node0">
+    <dgm:fillClrLst meth="repeat">
+      <a:schemeClr val="accent1"/>
+    </dgm:fillClrLst>
+    <dgm:linClrLst meth="repeat">
+      <a:schemeClr val="lt1"/>
+    </dgm:linClrLst>
+    <dgm:effectClrLst/>
+    <dgm:txLinClrLst/>
+    <dgm:txFillClrLst/>
+    <dgm:txEffectClrLst/>
+  </dgm:styleLbl>
+  <dgm:styleLbl name="alignNode1">
+    <dgm:fillClrLst meth="repeat">
+      <a:schemeClr val="accent1"/>
+    </dgm:fillClrLst>
+    <dgm:linClrLst meth="repeat">
+      <a:schemeClr val="accent1"/>
+    </dgm:linClrLst>
+    <dgm:effectClrLst/>
+    <dgm:txLinClrLst/>
+    <dgm:txFillClrLst/>
+    <dgm:txEffectClrLst/>
+  </dgm:styleLbl>
+  <dgm:styleLbl name="node1">
+    <dgm:fillClrLst meth="repeat">
+      <a:schemeClr val="accent1"/>
+    </dgm:fillClrLst>
+    <dgm:linClrLst meth="repeat">
+      <a:schemeClr val="lt1"/>
+    </dgm:linClrLst>
+    <dgm:effectClrLst/>
+    <dgm:txLinClrLst/>
+    <dgm:txFillClrLst/>
+    <dgm:txEffectClrLst/>
+  </dgm:styleLbl>
+  <dgm:styleLbl name="lnNode1">
+    <dgm:fillClrLst meth="repeat">
+      <a:schemeClr val="accent1"/>
+    </dgm:fillClrLst>
+    <dgm:linClrLst meth="repeat">
+      <a:schemeClr val="lt1"/>
+    </dgm:linClrLst>
+    <dgm:effectClrLst/>
+    <dgm:txLinClrLst/>
+    <dgm:txFillClrLst/>
+    <dgm:txEffectClrLst/>
+  </dgm:styleLbl>
+  <dgm:styleLbl name="vennNode1">
+    <dgm:fillClrLst meth="repeat">
+      <a:schemeClr val="accent1">
+        <a:alpha val="50000"/>
+      </a:schemeClr>
+    </dgm:fillClrLst>
+    <dgm:linClrLst meth="repeat">
+      <a:schemeClr val="lt1"/>
+    </dgm:linClrLst>
+    <dgm:effectClrLst/>
+    <dgm:txLinClrLst/>
+    <dgm:txFillClrLst/>
+    <dgm:txEffectClrLst/>
+  </dgm:styleLbl>
+  <dgm:styleLbl name="node2">
+    <dgm:fillClrLst meth="repeat">
+      <a:schemeClr val="accent1"/>
+    </dgm:fillClrLst>
+    <dgm:linClrLst meth="repeat">
+      <a:schemeClr val="lt1"/>
+    </dgm:linClrLst>
+    <dgm:effectClrLst/>
+    <dgm:txLinClrLst/>
+    <dgm:txFillClrLst/>
+    <dgm:txEffectClrLst/>
+  </dgm:styleLbl>
+  <dgm:styleLbl name="node3">
+    <dgm:fillClrLst meth="repeat">
+      <a:schemeClr val="accent1"/>
+    </dgm:fillClrLst>
+    <dgm:linClrLst meth="repeat">
+      <a:schemeClr val="lt1"/>
+    </dgm:linClrLst>
+    <dgm:effectClrLst/>
+    <dgm:txLinClrLst/>
+    <dgm:txFillClrLst/>
+    <dgm:txEffectClrLst/>
+  </dgm:styleLbl>
+  <dgm:styleLbl name="node4">
+    <dgm:fillClrLst meth="repeat">
+      <a:schemeClr val="accent1"/>
+    </dgm:fillClrLst>
+    <dgm:linClrLst meth="repeat">
+      <a:schemeClr val="lt1"/>
+    </dgm:linClrLst>
+    <dgm:effectClrLst/>
+    <dgm:txLinClrLst/>
+    <dgm:txFillClrLst/>
+    <dgm:txEffectClrLst/>
+  </dgm:styleLbl>
+  <dgm:styleLbl name="fgImgPlace1">
+    <dgm:fillClrLst meth="repeat">
+      <a:schemeClr val="accent1">
+        <a:tint val="50000"/>
+      </a:schemeClr>
+    </dgm:fillClrLst>
+    <dgm:linClrLst meth="repeat">
+      <a:schemeClr val="lt1"/>
+    </dgm:linClrLst>
+    <dgm:effectClrLst/>
+    <dgm:txLinClrLst/>
+    <dgm:txFillClrLst meth="repeat">
+      <a:schemeClr val="lt1"/>
+    </dgm:txFillClrLst>
+    <dgm:txEffectClrLst/>
+  </dgm:styleLbl>
+  <dgm:styleLbl name="alignImgPlace1">
+    <dgm:fillClrLst meth="repeat">
+      <a:schemeClr val="accent1">
+        <a:tint val="50000"/>
+      </a:schemeClr>
+    </dgm:fillClrLst>
+    <dgm:linClrLst meth="repeat">
+      <a:schemeClr val="lt1"/>
+    </dgm:linClrLst>
+    <dgm:effectClrLst/>
+    <dgm:txLinClrLst/>
+    <dgm:txFillClrLst meth="repeat">
+      <a:schemeClr val="lt1"/>
+    </dgm:txFillClrLst>
+    <dgm:txEffectClrLst/>
+  </dgm:styleLbl>
+  <dgm:styleLbl name="bgImgPlace1">
+    <dgm:fillClrLst meth="repeat">
+      <a:schemeClr val="accent1">
+        <a:tint val="50000"/>
+      </a:schemeClr>
+    </dgm:fillClrLst>
+    <dgm:linClrLst meth="repeat">
+      <a:schemeClr val="lt1"/>
+    </dgm:linClrLst>
+    <dgm:effectClrLst/>
+    <dgm:txLinClrLst/>
+    <dgm:txFillClrLst meth="repeat">
+      <a:schemeClr val="lt1"/>
+    </dgm:txFillClrLst>
+    <dgm:txEffectClrLst/>
+  </dgm:styleLbl>
+  <dgm:styleLbl name="sibTrans2D1">
+    <dgm:fillClrLst meth="repeat">
+      <a:schemeClr val="accent1">
+        <a:tint val="60000"/>
+      </a:schemeClr>
+    </dgm:fillClrLst>
+    <dgm:linClrLst meth="repeat">
+      <a:schemeClr val="accent1">
+        <a:tint val="60000"/>
+      </a:schemeClr>
+    </dgm:linClrLst>
+    <dgm:effectClrLst/>
+    <dgm:txLinClrLst/>
+    <dgm:txFillClrLst/>
+    <dgm:txEffectClrLst/>
+  </dgm:styleLbl>
+  <dgm:styleLbl name="fgSibTrans2D1">
+    <dgm:fillClrLst meth="repeat">
+      <a:schemeClr val="accent1">
+        <a:tint val="60000"/>
+      </a:schemeClr>
+    </dgm:fillClrLst>
+    <dgm:linClrLst meth="repeat">
+      <a:schemeClr val="accent1">
+        <a:tint val="60000"/>
+      </a:schemeClr>
+    </dgm:linClrLst>
+    <dgm:effectClrLst/>
+    <dgm:txLinClrLst/>
+    <dgm:txFillClrLst/>
+    <dgm:txEffectClrLst/>
+  </dgm:styleLbl>
+  <dgm:styleLbl name="bgSibTrans2D1">
+    <dgm:fillClrLst meth="repeat">
+      <a:schemeClr val="accent1">
+        <a:tint val="60000"/>
+      </a:schemeClr>
+    </dgm:fillClrLst>
+    <dgm:linClrLst meth="repeat">
+      <a:schemeClr val="accent1">
+        <a:tint val="60000"/>
+      </a:schemeClr>
+    </dgm:linClrLst>
+    <dgm:effectClrLst/>
+    <dgm:txLinClrLst/>
+    <dgm:txFillClrLst/>
+    <dgm:txEffectClrLst/>
+  </dgm:styleLbl>
+  <dgm:styleLbl name="sibTrans1D1">
+    <dgm:fillClrLst meth="repeat">
+      <a:schemeClr val="accent1"/>
+    </dgm:fillClrLst>
+    <dgm:linClrLst meth="repeat">
+      <a:schemeClr val="accent1"/>
+    </dgm:linClrLst>
+    <dgm:effectClrLst/>
+    <dgm:txLinClrLst/>
+    <dgm:txFillClrLst meth="repeat">
+      <a:schemeClr val="tx1"/>
+    </dgm:txFillClrLst>
+    <dgm:txEffectClrLst/>
+  </dgm:styleLbl>
+  <dgm:styleLbl name="callout">
+    <dgm:fillClrLst meth="repeat">
+      <a:schemeClr val="accent1"/>
+    </dgm:fillClrLst>
+    <dgm:linClrLst meth="repeat">
+      <a:schemeClr val="accent1">
+        <a:tint val="50000"/>
+      </a:schemeClr>
+    </dgm:linClrLst>
+    <dgm:effectClrLst/>
+    <dgm:txLinClrLst/>
+    <dgm:txFillClrLst meth="repeat">
+      <a:schemeClr val="tx1"/>
+    </dgm:txFillClrLst>
+    <dgm:txEffectClrLst/>
+  </dgm:styleLbl>
+  <dgm:styleLbl name="asst0">
+    <dgm:fillClrLst meth="repeat">
+      <a:schemeClr val="accent1"/>
+    </dgm:fillClrLst>
+    <dgm:linClrLst meth="repeat">
+      <a:schemeClr val="lt1"/>
+    </dgm:linClrLst>
+    <dgm:effectClrLst/>
+    <dgm:txLinClrLst/>
+    <dgm:txFillClrLst/>
+    <dgm:txEffectClrLst/>
+  </dgm:styleLbl>
+  <dgm:styleLbl name="asst1">
+    <dgm:fillClrLst meth="repeat">
+      <a:schemeClr val="accent1"/>
+    </dgm:fillClrLst>
+    <dgm:linClrLst meth="repeat">
+      <a:schemeClr val="lt1"/>
+    </dgm:linClrLst>
+    <dgm:effectClrLst/>
+    <dgm:txLinClrLst/>
+    <dgm:txFillClrLst/>
+    <dgm:txEffectClrLst/>
+  </dgm:styleLbl>
+  <dgm:styleLbl name="asst2">
+    <dgm:fillClrLst meth="repeat">
+      <a:schemeClr val="accent1"/>
+    </dgm:fillClrLst>
+    <dgm:linClrLst meth="repeat">
+      <a:schemeClr val="lt1"/>
+    </dgm:linClrLst>
+    <dgm:effectClrLst/>
+    <dgm:txLinClrLst/>
+    <dgm:txFillClrLst/>
+    <dgm:txEffectClrLst/>
+  </dgm:styleLbl>
+  <dgm:styleLbl name="asst3">
+    <dgm:fillClrLst meth="repeat">
+      <a:schemeClr val="accent1"/>
+    </dgm:fillClrLst>
+    <dgm:linClrLst meth="repeat">
+      <a:schemeClr val="lt1"/>
+    </dgm:linClrLst>
+    <dgm:effectClrLst/>
+    <dgm:txLinClrLst/>
+    <dgm:txFillClrLst/>
+    <dgm:txEffectClrLst/>
+  </dgm:styleLbl>
+  <dgm:styleLbl name="asst4">
+    <dgm:fillClrLst meth="repeat">
+      <a:schemeClr val="accent1"/>
+    </dgm:fillClrLst>
+    <dgm:linClrLst meth="repeat">
+      <a:schemeClr val="lt1"/>
+    </dgm:linClrLst>
+    <dgm:effectClrLst/>
+    <dgm:txLinClrLst/>
+    <dgm:txFillClrLst/>
+    <dgm:txEffectClrLst/>
+  </dgm:styleLbl>
+  <dgm:styleLbl name="parChTrans2D1">
+    <dgm:fillClrLst meth="repeat">
+      <a:schemeClr val="accent1">
+        <a:tint val="60000"/>
+      </a:schemeClr>
+    </dgm:fillClrLst>
+    <dgm:linClrLst meth="repeat">
+      <a:schemeClr val="accent1">
+        <a:tint val="60000"/>
+      </a:schemeClr>
+    </dgm:linClrLst>
+    <dgm:effectClrLst/>
+    <dgm:txLinClrLst/>
+    <dgm:txFillClrLst meth="repeat">
+      <a:schemeClr val="lt1"/>
+    </dgm:txFillClrLst>
+    <dgm:txEffectClrLst/>
+  </dgm:styleLbl>
+  <dgm:styleLbl name="parChTrans2D2">
+    <dgm:fillClrLst meth="repeat">
+      <a:schemeClr val="accent1"/>
+    </dgm:fillClrLst>
+    <dgm:linClrLst meth="repeat">
+      <a:schemeClr val="accent1"/>
+    </dgm:linClrLst>
+    <dgm:effectClrLst/>
+    <dgm:txLinClrLst/>
+    <dgm:txFillClrLst meth="repeat">
+      <a:schemeClr val="lt1"/>
+    </dgm:txFillClrLst>
+    <dgm:txEffectClrLst/>
+  </dgm:styleLbl>
+  <dgm:styleLbl name="parChTrans2D3">
+    <dgm:fillClrLst meth="repeat">
+      <a:schemeClr val="accent1"/>
+    </dgm:fillClrLst>
+    <dgm:linClrLst meth="repeat">
+      <a:schemeClr val="accent1"/>
+    </dgm:linClrLst>
+    <dgm:effectClrLst/>
+    <dgm:txLinClrLst/>
+    <dgm:txFillClrLst meth="repeat">
+      <a:schemeClr val="lt1"/>
+    </dgm:txFillClrLst>
+    <dgm:txEffectClrLst/>
+  </dgm:styleLbl>
+  <dgm:styleLbl name="parChTrans2D4">
+    <dgm:fillClrLst meth="repeat">
+      <a:schemeClr val="accent1"/>
+    </dgm:fillClrLst>
+    <dgm:linClrLst meth="repeat">
+      <a:schemeClr val="accent1"/>
+    </dgm:linClrLst>
+    <dgm:effectClrLst/>
+    <dgm:txLinClrLst/>
+    <dgm:txFillClrLst meth="repeat">
+      <a:schemeClr val="lt1"/>
+    </dgm:txFillClrLst>
+    <dgm:txEffectClrLst/>
+  </dgm:styleLbl>
+  <dgm:styleLbl name="parChTrans1D1">
+    <dgm:fillClrLst meth="repeat">
+      <a:schemeClr val="accent1"/>
+    </dgm:fillClrLst>
+    <dgm:linClrLst meth="repeat">
+      <a:schemeClr val="accent1">
+        <a:shade val="60000"/>
+      </a:schemeClr>
+    </dgm:linClrLst>
+    <dgm:effectClrLst/>
+    <dgm:txLinClrLst/>
+    <dgm:txFillClrLst meth="repeat">
+      <a:schemeClr val="tx1"/>
+    </dgm:txFillClrLst>
+    <dgm:txEffectClrLst/>
+  </dgm:styleLbl>
+  <dgm:styleLbl name="parChTrans1D2">
+    <dgm:fillClrLst meth="repeat">
+      <a:schemeClr val="accent1"/>
+    </dgm:fillClrLst>
+    <dgm:linClrLst meth="repeat">
+      <a:schemeClr val="accent1">
+        <a:shade val="60000"/>
+      </a:schemeClr>
+    </dgm:linClrLst>
+    <dgm:effectClrLst/>
+    <dgm:txLinClrLst/>
+    <dgm:txFillClrLst meth="repeat">
+      <a:schemeClr val="tx1"/>
+    </dgm:txFillClrLst>
+    <dgm:txEffectClrLst/>
+  </dgm:styleLbl>
+  <dgm:styleLbl name="parChTrans1D3">
+    <dgm:fillClrLst meth="repeat">
+      <a:schemeClr val="accent1"/>
+    </dgm:fillClrLst>
+    <dgm:linClrLst meth="repeat">
+      <a:schemeClr val="accent1">
+        <a:shade val="80000"/>
+      </a:schemeClr>
+    </dgm:linClrLst>
+    <dgm:effectClrLst/>
+    <dgm:txLinClrLst/>
+    <dgm:txFillClrLst meth="repeat">
+      <a:schemeClr val="tx1"/>
+    </dgm:txFillClrLst>
+    <dgm:txEffectClrLst/>
+  </dgm:styleLbl>
+  <dgm:styleLbl name="parChTrans1D4">
+    <dgm:fillClrLst meth="repeat">
+      <a:schemeClr val="accent1"/>
+    </dgm:fillClrLst>
+    <dgm:linClrLst meth="repeat">
+      <a:schemeClr val="accent1">
+        <a:shade val="80000"/>
+      </a:schemeClr>
+    </dgm:linClrLst>
+    <dgm:effectClrLst/>
+    <dgm:txLinClrLst/>
+    <dgm:txFillClrLst meth="repeat">
+      <a:schemeClr val="tx1"/>
+    </dgm:txFillClrLst>
+    <dgm:txEffectClrLst/>
+  </dgm:styleLbl>
+  <dgm:styleLbl name="fgAcc1">
+    <dgm:fillClrLst meth="repeat">
+      <a:schemeClr val="lt1">
+        <a:alpha val="90000"/>
+      </a:schemeClr>
+    </dgm:fillClrLst>
+    <dgm:linClrLst meth="repeat">
+      <a:schemeClr val="accent1"/>
+    </dgm:linClrLst>
+    <dgm:effectClrLst/>
+    <dgm:txLinClrLst/>
+    <dgm:txFillClrLst meth="repeat">
+      <a:schemeClr val="dk1"/>
+    </dgm:txFillClrLst>
+    <dgm:txEffectClrLst/>
+  </dgm:styleLbl>
+  <dgm:styleLbl name="conFgAcc1">
+    <dgm:fillClrLst meth="repeat">
+      <a:schemeClr val="lt1">
+        <a:alpha val="90000"/>
+      </a:schemeClr>
+    </dgm:fillClrLst>
+    <dgm:linClrLst meth="repeat">
+      <a:schemeClr val="accent1"/>
+    </dgm:linClrLst>
+    <dgm:effectClrLst/>
+    <dgm:txLinClrLst/>
+    <dgm:txFillClrLst meth="repeat">
+      <a:schemeClr val="dk1"/>
+    </dgm:txFillClrLst>
+    <dgm:txEffectClrLst/>
+  </dgm:styleLbl>
+  <dgm:styleLbl name="alignAcc1">
+    <dgm:fillClrLst meth="repeat">
+      <a:schemeClr val="lt1">
+        <a:alpha val="90000"/>
+      </a:schemeClr>
+    </dgm:fillClrLst>
+    <dgm:linClrLst meth="repeat">
+      <a:schemeClr val="accent1"/>
+    </dgm:linClrLst>
+    <dgm:effectClrLst/>
+    <dgm:txLinClrLst/>
+    <dgm:txFillClrLst meth="repeat">
+      <a:schemeClr val="dk1"/>
+    </dgm:txFillClrLst>
+    <dgm:txEffectClrLst/>
+  </dgm:styleLbl>
+  <dgm:styleLbl name="trAlignAcc1">
+    <dgm:fillClrLst meth="repeat">
+      <a:schemeClr val="lt1">
+        <a:alpha val="40000"/>
+      </a:schemeClr>
+    </dgm:fillClrLst>
+    <dgm:linClrLst meth="repeat">
+      <a:schemeClr val="accent1"/>
+    </dgm:linClrLst>
+    <dgm:effectClrLst/>
+    <dgm:txLinClrLst/>
+    <dgm:txFillClrLst meth="repeat">
+      <a:schemeClr val="dk1"/>
+    </dgm:txFillClrLst>
+    <dgm:txEffectClrLst/>
+  </dgm:styleLbl>
+  <dgm:styleLbl name="bgAcc1">
+    <dgm:fillClrLst meth="repeat">
+      <a:schemeClr val="lt1">
+        <a:alpha val="90000"/>
+      </a:schemeClr>
+    </dgm:fillClrLst>
+    <dgm:linClrLst meth="repeat">
+      <a:schemeClr val="accent1"/>
+    </dgm:linClrLst>
+    <dgm:effectClrLst/>
+    <dgm:txLinClrLst/>
+    <dgm:txFillClrLst meth="repeat">
+      <a:schemeClr val="dk1"/>
+    </dgm:txFillClrLst>
+    <dgm:txEffectClrLst/>
+  </dgm:styleLbl>
+  <dgm:styleLbl name="solidFgAcc1">
+    <dgm:fillClrLst meth="repeat">
+      <a:schemeClr val="lt1"/>
+    </dgm:fillClrLst>
+    <dgm:linClrLst meth="repeat">
+      <a:schemeClr val="accent1"/>
+    </dgm:linClrLst>
+    <dgm:effectClrLst/>
+    <dgm:txLinClrLst/>
+    <dgm:txFillClrLst meth="repeat">
+      <a:schemeClr val="dk1"/>
+    </dgm:txFillClrLst>
+    <dgm:txEffectClrLst/>
+  </dgm:styleLbl>
+  <dgm:styleLbl name="solidAlignAcc1">
+    <dgm:fillClrLst meth="repeat">
+      <a:schemeClr val="lt1"/>
+    </dgm:fillClrLst>
+    <dgm:linClrLst meth="repeat">
+      <a:schemeClr val="accent1"/>
+    </dgm:linClrLst>
+    <dgm:effectClrLst/>
+    <dgm:txLinClrLst/>
+    <dgm:txFillClrLst meth="repeat">
+      <a:schemeClr val="dk1"/>
+    </dgm:txFillClrLst>
+    <dgm:txEffectClrLst/>
+  </dgm:styleLbl>
+  <dgm:styleLbl name="solidBgAcc1">
+    <dgm:fillClrLst meth="repeat">
+      <a:schemeClr val="lt1"/>
+    </dgm:fillClrLst>
+    <dgm:linClrLst meth="repeat">
+      <a:schemeClr val="accent1"/>
+    </dgm:linClrLst>
+    <dgm:effectClrLst/>
+    <dgm:txLinClrLst/>
+    <dgm:txFillClrLst meth="repeat">
+      <a:schemeClr val="dk1"/>
+    </dgm:txFillClrLst>
+    <dgm:txEffectClrLst/>
+  </dgm:styleLbl>
+  <dgm:styleLbl name="fgAccFollowNode1">
+    <dgm:fillClrLst meth="repeat">
+      <a:schemeClr val="accent1">
+        <a:alpha val="90000"/>
+        <a:tint val="40000"/>
+      </a:schemeClr>
+    </dgm:fillClrLst>
+    <dgm:linClrLst meth="repeat">
+      <a:schemeClr val="accent1">
+        <a:alpha val="90000"/>
+        <a:tint val="40000"/>
+      </a:schemeClr>
+    </dgm:linClrLst>
+    <dgm:effectClrLst/>
+    <dgm:txLinClrLst/>
+    <dgm:txFillClrLst meth="repeat">
+      <a:schemeClr val="dk1"/>
+    </dgm:txFillClrLst>
+    <dgm:txEffectClrLst/>
+  </dgm:styleLbl>
+  <dgm:styleLbl name="alignAccFollowNode1">
+    <dgm:fillClrLst meth="repeat">
+      <a:schemeClr val="accent1">
+        <a:alpha val="90000"/>
+        <a:tint val="40000"/>
+      </a:schemeClr>
+    </dgm:fillClrLst>
+    <dgm:linClrLst meth="repeat">
+      <a:schemeClr val="accent1">
+        <a:alpha val="90000"/>
+        <a:tint val="40000"/>
+      </a:schemeClr>
+    </dgm:linClrLst>
+    <dgm:effectClrLst/>
+    <dgm:txLinClrLst/>
+    <dgm:txFillClrLst meth="repeat">
+      <a:schemeClr val="dk1"/>
+    </dgm:txFillClrLst>
+    <dgm:txEffectClrLst/>
+  </dgm:styleLbl>
+  <dgm:styleLbl name="bgAccFollowNode1">
+    <dgm:fillClrLst meth="repeat">
+      <a:schemeClr val="accent1">
+        <a:alpha val="90000"/>
+        <a:tint val="40000"/>
+      </a:schemeClr>
+    </dgm:fillClrLst>
+    <dgm:linClrLst meth="repeat">
+      <a:schemeClr val="accent1">
+        <a:alpha val="90000"/>
+        <a:tint val="40000"/>
+      </a:schemeClr>
+    </dgm:linClrLst>
+    <dgm:effectClrLst/>
+    <dgm:txLinClrLst/>
+    <dgm:txFillClrLst meth="repeat">
+      <a:schemeClr val="dk1"/>
+    </dgm:txFillClrLst>
+    <dgm:txEffectClrLst/>
+  </dgm:styleLbl>
+  <dgm:styleLbl name="fgAcc0">
+    <dgm:fillClrLst meth="repeat">
+      <a:schemeClr val="lt1">
+        <a:alpha val="90000"/>
+      </a:schemeClr>
+    </dgm:fillClrLst>
+    <dgm:linClrLst meth="repeat">
+      <a:schemeClr val="accent1"/>
+    </dgm:linClrLst>
+    <dgm:effectClrLst/>
+    <dgm:txLinClrLst/>
+    <dgm:txFillClrLst meth="repeat">
+      <a:schemeClr val="dk1"/>
+    </dgm:txFillClrLst>
+    <dgm:txEffectClrLst/>
+  </dgm:styleLbl>
+  <dgm:styleLbl name="fgAcc2">
+    <dgm:fillClrLst meth="repeat">
+      <a:schemeClr val="lt1">
+        <a:alpha val="90000"/>
+      </a:schemeClr>
+    </dgm:fillClrLst>
+    <dgm:linClrLst meth="repeat">
+      <a:schemeClr val="accent1"/>
+    </dgm:linClrLst>
+    <dgm:effectClrLst/>
+    <dgm:txLinClrLst/>
+    <dgm:txFillClrLst meth="repeat">
+      <a:schemeClr val="dk1"/>
+    </dgm:txFillClrLst>
+    <dgm:txEffectClrLst/>
+  </dgm:styleLbl>
+  <dgm:styleLbl name="fgAcc3">
+    <dgm:fillClrLst meth="repeat">
+      <a:schemeClr val="lt1">
+        <a:alpha val="90000"/>
+      </a:schemeClr>
+    </dgm:fillClrLst>
+    <dgm:linClrLst meth="repeat">
+      <a:schemeClr val="accent1"/>
+    </dgm:linClrLst>
+    <dgm:effectClrLst/>
+    <dgm:txLinClrLst/>
+    <dgm:txFillClrLst meth="repeat">
+      <a:schemeClr val="dk1"/>
+    </dgm:txFillClrLst>
+    <dgm:txEffectClrLst/>
+  </dgm:styleLbl>
+  <dgm:styleLbl name="fgAcc4">
+    <dgm:fillClrLst meth="repeat">
+      <a:schemeClr val="lt1">
+        <a:alpha val="90000"/>
+      </a:schemeClr>
+    </dgm:fillClrLst>
+    <dgm:linClrLst meth="repeat">
+      <a:schemeClr val="accent1"/>
+    </dgm:linClrLst>
+    <dgm:effectClrLst/>
+    <dgm:txLinClrLst/>
+    <dgm:txFillClrLst meth="repeat">
+      <a:schemeClr val="dk1"/>
+    </dgm:txFillClrLst>
+    <dgm:txEffectClrLst/>
+  </dgm:styleLbl>
+  <dgm:styleLbl name="bgShp">
+    <dgm:fillClrLst meth="repeat">
+      <a:schemeClr val="accent1">
+        <a:tint val="40000"/>
+      </a:schemeClr>
+    </dgm:fillClrLst>
+    <dgm:linClrLst meth="repeat">
+      <a:schemeClr val="accent1"/>
+    </dgm:linClrLst>
+    <dgm:effectClrLst/>
+    <dgm:txLinClrLst/>
+    <dgm:txFillClrLst meth="repeat">
+      <a:schemeClr val="dk1"/>
+    </dgm:txFillClrLst>
+    <dgm:txEffectClrLst/>
+  </dgm:styleLbl>
+  <dgm:styleLbl name="dkBgShp">
+    <dgm:fillClrLst meth="repeat">
+      <a:schemeClr val="accent1">
+        <a:shade val="80000"/>
+      </a:schemeClr>
+    </dgm:fillClrLst>
+    <dgm:linClrLst meth="repeat">
+      <a:schemeClr val="accent1"/>
+    </dgm:linClrLst>
+    <dgm:effectClrLst/>
+    <dgm:txLinClrLst/>
+    <dgm:txFillClrLst meth="repeat">
+      <a:schemeClr val="lt1"/>
+    </dgm:txFillClrLst>
+    <dgm:txEffectClrLst/>
+  </dgm:styleLbl>
+  <dgm:styleLbl name="trBgShp">
+    <dgm:fillClrLst meth="repeat">
+      <a:schemeClr val="accent1">
+        <a:tint val="50000"/>
+        <a:alpha val="40000"/>
+      </a:schemeClr>
+    </dgm:fillClrLst>
+    <dgm:linClrLst meth="repeat">
+      <a:schemeClr val="accent1"/>
+    </dgm:linClrLst>
+    <dgm:effectClrLst/>
+    <dgm:txLinClrLst/>
+    <dgm:txFillClrLst meth="repeat">
+      <a:schemeClr val="lt1"/>
+    </dgm:txFillClrLst>
+    <dgm:txEffectClrLst/>
+  </dgm:styleLbl>
+  <dgm:styleLbl name="fgShp">
+    <dgm:fillClrLst meth="repeat">
+      <a:schemeClr val="accent1">
+        <a:tint val="60000"/>
+      </a:schemeClr>
+    </dgm:fillClrLst>
+    <dgm:linClrLst meth="repeat">
+      <a:schemeClr val="lt1"/>
+    </dgm:linClrLst>
+    <dgm:effectClrLst/>
+    <dgm:txLinClrLst/>
+    <dgm:txFillClrLst meth="repeat">
+      <a:schemeClr val="dk1"/>
+    </dgm:txFillClrLst>
+    <dgm:txEffectClrLst/>
+  </dgm:styleLbl>
+  <dgm:styleLbl name="revTx">
+    <dgm:fillClrLst meth="repeat">
+      <a:schemeClr val="lt1">
+        <a:alpha val="0"/>
+      </a:schemeClr>
+    </dgm:fillClrLst>
+    <dgm:linClrLst meth="repeat">
+      <a:schemeClr val="dk1">
+        <a:alpha val="0"/>
+      </a:schemeClr>
+    </dgm:linClrLst>
+    <dgm:effectClrLst/>
+    <dgm:txLinClrLst/>
+    <dgm:txFillClrLst meth="repeat">
+      <a:schemeClr val="tx1"/>
+    </dgm:txFillClrLst>
+    <dgm:txEffectClrLst/>
+  </dgm:styleLbl>
+</dgm:colorsDef>
+</file>
+
 <file path=ppt/diagrams/data1.xml><?xml version="1.0" encoding="utf-8"?>
+<dgm:dataModel xmlns:dgm="http://schemas.openxmlformats.org/drawingml/2006/diagram" xmlns:a="http://schemas.openxmlformats.org/drawingml/2006/main">
+  <dgm:ptLst>
+    <dgm:pt modelId="{49D84329-85A5-4759-94A1-7702A59EDD20}" type="doc">
+      <dgm:prSet loTypeId="urn:microsoft.com/office/officeart/2005/8/layout/target3" loCatId="list" qsTypeId="urn:microsoft.com/office/officeart/2005/8/quickstyle/simple1" qsCatId="simple" csTypeId="urn:microsoft.com/office/officeart/2005/8/colors/accent1_2" csCatId="accent1" phldr="1"/>
+      <dgm:spPr/>
+      <dgm:t>
+        <a:bodyPr/>
+        <a:lstStyle/>
+        <a:p>
+          <a:endParaRPr lang="en-US"/>
+        </a:p>
+      </dgm:t>
+    </dgm:pt>
+    <dgm:pt modelId="{3C23A4A6-2917-45B4-847D-41717F2CB7C8}">
+      <dgm:prSet phldrT="[Text]"/>
+      <dgm:spPr/>
+      <dgm:t>
+        <a:bodyPr/>
+        <a:lstStyle/>
+        <a:p>
+          <a:r>
+            <a:rPr lang="en-US" dirty="0" smtClean="0"/>
+            <a:t>End Users</a:t>
+          </a:r>
+          <a:endParaRPr lang="en-US" dirty="0"/>
+        </a:p>
+      </dgm:t>
+    </dgm:pt>
+    <dgm:pt modelId="{B1920EF9-DE0F-4889-B070-D87FA433D3AB}" type="parTrans" cxnId="{A18E8002-3952-4532-9FD0-215EDEF433AF}">
+      <dgm:prSet/>
+      <dgm:spPr/>
+      <dgm:t>
+        <a:bodyPr/>
+        <a:lstStyle/>
+        <a:p>
+          <a:endParaRPr lang="en-US"/>
+        </a:p>
+      </dgm:t>
+    </dgm:pt>
+    <dgm:pt modelId="{0CB90F33-DAD2-4D56-9F3C-F343BBEF65A7}" type="sibTrans" cxnId="{A18E8002-3952-4532-9FD0-215EDEF433AF}">
+      <dgm:prSet/>
+      <dgm:spPr/>
+      <dgm:t>
+        <a:bodyPr/>
+        <a:lstStyle/>
+        <a:p>
+          <a:endParaRPr lang="en-US"/>
+        </a:p>
+      </dgm:t>
+    </dgm:pt>
+    <dgm:pt modelId="{A523E57E-4CBE-4D9D-8C6C-373399D5ADE1}">
+      <dgm:prSet phldrT="[Text]"/>
+      <dgm:spPr/>
+      <dgm:t>
+        <a:bodyPr/>
+        <a:lstStyle/>
+        <a:p>
+          <a:r>
+            <a:rPr lang="en-US" dirty="0" smtClean="0"/>
+            <a:t>who enjoy simplicity</a:t>
+          </a:r>
+          <a:endParaRPr lang="en-US" dirty="0"/>
+        </a:p>
+      </dgm:t>
+    </dgm:pt>
+    <dgm:pt modelId="{D60884EC-78F4-49D6-A9EA-0E874E68DBB3}" type="parTrans" cxnId="{ABEC1AC6-E072-46C0-8D44-17F1CF934327}">
+      <dgm:prSet/>
+      <dgm:spPr/>
+      <dgm:t>
+        <a:bodyPr/>
+        <a:lstStyle/>
+        <a:p>
+          <a:endParaRPr lang="en-US"/>
+        </a:p>
+      </dgm:t>
+    </dgm:pt>
+    <dgm:pt modelId="{B08AB3C1-4E34-4B67-B7A5-9AD45B7A21AB}" type="sibTrans" cxnId="{ABEC1AC6-E072-46C0-8D44-17F1CF934327}">
+      <dgm:prSet/>
+      <dgm:spPr/>
+      <dgm:t>
+        <a:bodyPr/>
+        <a:lstStyle/>
+        <a:p>
+          <a:endParaRPr lang="en-US"/>
+        </a:p>
+      </dgm:t>
+    </dgm:pt>
+    <dgm:pt modelId="{D0913EAA-A5FC-4B90-AB93-8FC99C1F5CDF}">
+      <dgm:prSet phldrT="[Text]"/>
+      <dgm:spPr/>
+      <dgm:t>
+        <a:bodyPr/>
+        <a:lstStyle/>
+        <a:p>
+          <a:r>
+            <a:rPr lang="en-US" dirty="0" smtClean="0"/>
+            <a:t>who appreciate user-friendliness</a:t>
+          </a:r>
+          <a:endParaRPr lang="en-US" dirty="0"/>
+        </a:p>
+      </dgm:t>
+    </dgm:pt>
+    <dgm:pt modelId="{281027E1-0826-46BA-8C5E-6BD32F983802}" type="parTrans" cxnId="{3C0FFE91-4FAF-4701-AD43-DD7D8773AFDA}">
+      <dgm:prSet/>
+      <dgm:spPr/>
+      <dgm:t>
+        <a:bodyPr/>
+        <a:lstStyle/>
+        <a:p>
+          <a:endParaRPr lang="en-US"/>
+        </a:p>
+      </dgm:t>
+    </dgm:pt>
+    <dgm:pt modelId="{3F39470A-51DF-4F51-A312-B830DAB23647}" type="sibTrans" cxnId="{3C0FFE91-4FAF-4701-AD43-DD7D8773AFDA}">
+      <dgm:prSet/>
+      <dgm:spPr/>
+      <dgm:t>
+        <a:bodyPr/>
+        <a:lstStyle/>
+        <a:p>
+          <a:endParaRPr lang="en-US"/>
+        </a:p>
+      </dgm:t>
+    </dgm:pt>
+    <dgm:pt modelId="{55C90367-D9BA-4388-B32D-DF2A89402679}">
+      <dgm:prSet phldrT="[Text]"/>
+      <dgm:spPr>
+        <a:ln>
+          <a:solidFill>
+            <a:schemeClr val="accent2"/>
+          </a:solidFill>
+        </a:ln>
+      </dgm:spPr>
+      <dgm:t>
+        <a:bodyPr/>
+        <a:lstStyle/>
+        <a:p>
+          <a:r>
+            <a:rPr lang="en-US" dirty="0" smtClean="0">
+              <a:solidFill>
+                <a:srgbClr val="FF0000"/>
+              </a:solidFill>
+            </a:rPr>
+            <a:t>Developers</a:t>
+          </a:r>
+          <a:endParaRPr lang="en-US" dirty="0">
+            <a:solidFill>
+              <a:srgbClr val="FF0000"/>
+            </a:solidFill>
+          </a:endParaRPr>
+        </a:p>
+      </dgm:t>
+    </dgm:pt>
+    <dgm:pt modelId="{1C9B0F71-7C84-43F6-B79A-F1CD100EF6B7}" type="parTrans" cxnId="{41F5F9EB-9E2E-4A45-89A7-BB2256650473}">
+      <dgm:prSet/>
+      <dgm:spPr/>
+      <dgm:t>
+        <a:bodyPr/>
+        <a:lstStyle/>
+        <a:p>
+          <a:endParaRPr lang="en-US"/>
+        </a:p>
+      </dgm:t>
+    </dgm:pt>
+    <dgm:pt modelId="{A1ACA193-5298-4FDB-BCDE-F55BA4DDB358}" type="sibTrans" cxnId="{41F5F9EB-9E2E-4A45-89A7-BB2256650473}">
+      <dgm:prSet/>
+      <dgm:spPr/>
+      <dgm:t>
+        <a:bodyPr/>
+        <a:lstStyle/>
+        <a:p>
+          <a:endParaRPr lang="en-US"/>
+        </a:p>
+      </dgm:t>
+    </dgm:pt>
+    <dgm:pt modelId="{24E9FF51-F0B4-494A-8C03-E99E3A051982}">
+      <dgm:prSet phldrT="[Text]"/>
+      <dgm:spPr/>
+      <dgm:t>
+        <a:bodyPr/>
+        <a:lstStyle/>
+        <a:p>
+          <a:endParaRPr lang="en-US" dirty="0"/>
+        </a:p>
+      </dgm:t>
+    </dgm:pt>
+    <dgm:pt modelId="{6B06E610-008D-406A-ACEE-C93221FE5837}" type="parTrans" cxnId="{6153B2FE-23EA-46C8-A577-87494A461B53}">
+      <dgm:prSet/>
+      <dgm:spPr/>
+      <dgm:t>
+        <a:bodyPr/>
+        <a:lstStyle/>
+        <a:p>
+          <a:endParaRPr lang="en-US"/>
+        </a:p>
+      </dgm:t>
+    </dgm:pt>
+    <dgm:pt modelId="{920C60B4-716F-48B0-ADCC-944F62B6AF30}" type="sibTrans" cxnId="{6153B2FE-23EA-46C8-A577-87494A461B53}">
+      <dgm:prSet/>
+      <dgm:spPr/>
+      <dgm:t>
+        <a:bodyPr/>
+        <a:lstStyle/>
+        <a:p>
+          <a:endParaRPr lang="en-US"/>
+        </a:p>
+      </dgm:t>
+    </dgm:pt>
+    <dgm:pt modelId="{000FAAC8-D892-4F2A-BED2-ECCB73EF55A1}">
+      <dgm:prSet phldrT="[Text]"/>
+      <dgm:spPr/>
+      <dgm:t>
+        <a:bodyPr/>
+        <a:lstStyle/>
+        <a:p>
+          <a:r>
+            <a:rPr lang="en-US" dirty="0" smtClean="0"/>
+            <a:t>who like working with Restful API</a:t>
+          </a:r>
+          <a:endParaRPr lang="en-US" dirty="0"/>
+        </a:p>
+      </dgm:t>
+    </dgm:pt>
+    <dgm:pt modelId="{B61F50C1-FC11-4510-ACEA-81322F737EF5}" type="parTrans" cxnId="{F8955CB5-074D-4E91-A4A8-A8763F94C99E}">
+      <dgm:prSet/>
+      <dgm:spPr/>
+      <dgm:t>
+        <a:bodyPr/>
+        <a:lstStyle/>
+        <a:p>
+          <a:endParaRPr lang="en-US"/>
+        </a:p>
+      </dgm:t>
+    </dgm:pt>
+    <dgm:pt modelId="{EFB45C72-9401-49F9-A343-09FE8AD0C5BD}" type="sibTrans" cxnId="{F8955CB5-074D-4E91-A4A8-A8763F94C99E}">
+      <dgm:prSet/>
+      <dgm:spPr/>
+      <dgm:t>
+        <a:bodyPr/>
+        <a:lstStyle/>
+        <a:p>
+          <a:endParaRPr lang="en-US"/>
+        </a:p>
+      </dgm:t>
+    </dgm:pt>
+    <dgm:pt modelId="{1EB04877-0D8F-4D25-9C45-8F3305449F13}">
+      <dgm:prSet phldrT="[Text]"/>
+      <dgm:spPr/>
+      <dgm:t>
+        <a:bodyPr/>
+        <a:lstStyle/>
+        <a:p>
+          <a:r>
+            <a:rPr lang="en-US" dirty="0" smtClean="0"/>
+            <a:t>who are fans of open source </a:t>
+          </a:r>
+          <a:r>
+            <a:rPr lang="en-US" dirty="0" err="1" smtClean="0"/>
+            <a:t>softwares</a:t>
+          </a:r>
+          <a:r>
+            <a:rPr lang="en-US" dirty="0" smtClean="0"/>
+            <a:t> </a:t>
+          </a:r>
+          <a:endParaRPr lang="en-US" dirty="0"/>
+        </a:p>
+      </dgm:t>
+    </dgm:pt>
+    <dgm:pt modelId="{C7719DB8-A08C-432F-977C-B1B657460109}" type="parTrans" cxnId="{5E569E7D-4750-4A1D-9488-30BF51D91066}">
+      <dgm:prSet/>
+      <dgm:spPr/>
+      <dgm:t>
+        <a:bodyPr/>
+        <a:lstStyle/>
+        <a:p>
+          <a:endParaRPr lang="en-US"/>
+        </a:p>
+      </dgm:t>
+    </dgm:pt>
+    <dgm:pt modelId="{8F8451A7-B6C1-4428-966F-663325678464}" type="sibTrans" cxnId="{5E569E7D-4750-4A1D-9488-30BF51D91066}">
+      <dgm:prSet/>
+      <dgm:spPr/>
+      <dgm:t>
+        <a:bodyPr/>
+        <a:lstStyle/>
+        <a:p>
+          <a:endParaRPr lang="en-US"/>
+        </a:p>
+      </dgm:t>
+    </dgm:pt>
+    <dgm:pt modelId="{D52BD6D3-C76E-4A8E-9615-39A2BF47152C}" type="pres">
+      <dgm:prSet presAssocID="{49D84329-85A5-4759-94A1-7702A59EDD20}" presName="Name0" presStyleCnt="0">
+        <dgm:presLayoutVars>
+          <dgm:chMax val="7"/>
+          <dgm:dir/>
+          <dgm:animLvl val="lvl"/>
+          <dgm:resizeHandles val="exact"/>
+        </dgm:presLayoutVars>
+      </dgm:prSet>
+      <dgm:spPr/>
+      <dgm:t>
+        <a:bodyPr/>
+        <a:lstStyle/>
+        <a:p>
+          <a:endParaRPr lang="en-US"/>
+        </a:p>
+      </dgm:t>
+    </dgm:pt>
+    <dgm:pt modelId="{15E9C582-C44D-46D5-B3D8-75E77CE862AE}" type="pres">
+      <dgm:prSet presAssocID="{3C23A4A6-2917-45B4-847D-41717F2CB7C8}" presName="circle1" presStyleLbl="node1" presStyleIdx="0" presStyleCnt="2"/>
+      <dgm:spPr/>
+    </dgm:pt>
+    <dgm:pt modelId="{B9EC89C0-D376-47B4-9094-EF33967B69D3}" type="pres">
+      <dgm:prSet presAssocID="{3C23A4A6-2917-45B4-847D-41717F2CB7C8}" presName="space" presStyleCnt="0"/>
+      <dgm:spPr/>
+    </dgm:pt>
+    <dgm:pt modelId="{B3CE0C0E-FA73-40E2-959F-4886822BF1D3}" type="pres">
+      <dgm:prSet presAssocID="{3C23A4A6-2917-45B4-847D-41717F2CB7C8}" presName="rect1" presStyleLbl="alignAcc1" presStyleIdx="0" presStyleCnt="2"/>
+      <dgm:spPr/>
+      <dgm:t>
+        <a:bodyPr/>
+        <a:lstStyle/>
+        <a:p>
+          <a:endParaRPr lang="en-US"/>
+        </a:p>
+      </dgm:t>
+    </dgm:pt>
+    <dgm:pt modelId="{42B555C1-14C7-4830-893E-B53CA908A10C}" type="pres">
+      <dgm:prSet presAssocID="{55C90367-D9BA-4388-B32D-DF2A89402679}" presName="vertSpace2" presStyleLbl="node1" presStyleIdx="0" presStyleCnt="2"/>
+      <dgm:spPr/>
+    </dgm:pt>
+    <dgm:pt modelId="{1D79F0CC-FC62-4D94-AE3D-66EF5D048D6E}" type="pres">
+      <dgm:prSet presAssocID="{55C90367-D9BA-4388-B32D-DF2A89402679}" presName="circle2" presStyleLbl="node1" presStyleIdx="1" presStyleCnt="2"/>
+      <dgm:spPr>
+        <a:solidFill>
+          <a:schemeClr val="accent2"/>
+        </a:solidFill>
+      </dgm:spPr>
+      <dgm:t>
+        <a:bodyPr/>
+        <a:lstStyle/>
+        <a:p>
+          <a:endParaRPr lang="en-US"/>
+        </a:p>
+      </dgm:t>
+    </dgm:pt>
+    <dgm:pt modelId="{4D87ABAE-4409-4965-B51D-4C814C0CEAF9}" type="pres">
+      <dgm:prSet presAssocID="{55C90367-D9BA-4388-B32D-DF2A89402679}" presName="rect2" presStyleLbl="alignAcc1" presStyleIdx="1" presStyleCnt="2"/>
+      <dgm:spPr/>
+      <dgm:t>
+        <a:bodyPr/>
+        <a:lstStyle/>
+        <a:p>
+          <a:endParaRPr lang="en-US"/>
+        </a:p>
+      </dgm:t>
+    </dgm:pt>
+    <dgm:pt modelId="{1044FDCC-4985-4B49-9C1F-5C726A028775}" type="pres">
+      <dgm:prSet presAssocID="{3C23A4A6-2917-45B4-847D-41717F2CB7C8}" presName="rect1ParTx" presStyleLbl="alignAcc1" presStyleIdx="1" presStyleCnt="2">
+        <dgm:presLayoutVars>
+          <dgm:chMax val="1"/>
+          <dgm:bulletEnabled val="1"/>
+        </dgm:presLayoutVars>
+      </dgm:prSet>
+      <dgm:spPr/>
+      <dgm:t>
+        <a:bodyPr/>
+        <a:lstStyle/>
+        <a:p>
+          <a:endParaRPr lang="en-US"/>
+        </a:p>
+      </dgm:t>
+    </dgm:pt>
+    <dgm:pt modelId="{E3FE3B4E-FD05-4287-9EFE-A17BEA34A1CC}" type="pres">
+      <dgm:prSet presAssocID="{3C23A4A6-2917-45B4-847D-41717F2CB7C8}" presName="rect1ChTx" presStyleLbl="alignAcc1" presStyleIdx="1" presStyleCnt="2">
+        <dgm:presLayoutVars>
+          <dgm:bulletEnabled val="1"/>
+        </dgm:presLayoutVars>
+      </dgm:prSet>
+      <dgm:spPr/>
+      <dgm:t>
+        <a:bodyPr/>
+        <a:lstStyle/>
+        <a:p>
+          <a:endParaRPr lang="en-US"/>
+        </a:p>
+      </dgm:t>
+    </dgm:pt>
+    <dgm:pt modelId="{C33B3EAA-E5A1-4358-8582-AB736B5EEE5E}" type="pres">
+      <dgm:prSet presAssocID="{55C90367-D9BA-4388-B32D-DF2A89402679}" presName="rect2ParTx" presStyleLbl="alignAcc1" presStyleIdx="1" presStyleCnt="2">
+        <dgm:presLayoutVars>
+          <dgm:chMax val="1"/>
+          <dgm:bulletEnabled val="1"/>
+        </dgm:presLayoutVars>
+      </dgm:prSet>
+      <dgm:spPr/>
+      <dgm:t>
+        <a:bodyPr/>
+        <a:lstStyle/>
+        <a:p>
+          <a:endParaRPr lang="en-US"/>
+        </a:p>
+      </dgm:t>
+    </dgm:pt>
+    <dgm:pt modelId="{D817B870-27CB-4CFA-8418-96999225DDD0}" type="pres">
+      <dgm:prSet presAssocID="{55C90367-D9BA-4388-B32D-DF2A89402679}" presName="rect2ChTx" presStyleLbl="alignAcc1" presStyleIdx="1" presStyleCnt="2">
+        <dgm:presLayoutVars>
+          <dgm:bulletEnabled val="1"/>
+        </dgm:presLayoutVars>
+      </dgm:prSet>
+      <dgm:spPr/>
+      <dgm:t>
+        <a:bodyPr/>
+        <a:lstStyle/>
+        <a:p>
+          <a:endParaRPr lang="en-US"/>
+        </a:p>
+      </dgm:t>
+    </dgm:pt>
+  </dgm:ptLst>
+  <dgm:cxnLst>
+    <dgm:cxn modelId="{5E569E7D-4750-4A1D-9488-30BF51D91066}" srcId="{55C90367-D9BA-4388-B32D-DF2A89402679}" destId="{1EB04877-0D8F-4D25-9C45-8F3305449F13}" srcOrd="2" destOrd="0" parTransId="{C7719DB8-A08C-432F-977C-B1B657460109}" sibTransId="{8F8451A7-B6C1-4428-966F-663325678464}"/>
+    <dgm:cxn modelId="{91A23741-8F32-43A5-B7E4-23AB8C689543}" type="presOf" srcId="{49D84329-85A5-4759-94A1-7702A59EDD20}" destId="{D52BD6D3-C76E-4A8E-9615-39A2BF47152C}" srcOrd="0" destOrd="0" presId="urn:microsoft.com/office/officeart/2005/8/layout/target3"/>
+    <dgm:cxn modelId="{146BB4E4-009E-4DCE-90F9-4EFC6CF75B5F}" type="presOf" srcId="{3C23A4A6-2917-45B4-847D-41717F2CB7C8}" destId="{B3CE0C0E-FA73-40E2-959F-4886822BF1D3}" srcOrd="0" destOrd="0" presId="urn:microsoft.com/office/officeart/2005/8/layout/target3"/>
+    <dgm:cxn modelId="{6153B2FE-23EA-46C8-A577-87494A461B53}" srcId="{55C90367-D9BA-4388-B32D-DF2A89402679}" destId="{24E9FF51-F0B4-494A-8C03-E99E3A051982}" srcOrd="0" destOrd="0" parTransId="{6B06E610-008D-406A-ACEE-C93221FE5837}" sibTransId="{920C60B4-716F-48B0-ADCC-944F62B6AF30}"/>
+    <dgm:cxn modelId="{522D0258-1B6C-4A0A-BC91-7FE8A0D96A97}" type="presOf" srcId="{1EB04877-0D8F-4D25-9C45-8F3305449F13}" destId="{D817B870-27CB-4CFA-8418-96999225DDD0}" srcOrd="0" destOrd="2" presId="urn:microsoft.com/office/officeart/2005/8/layout/target3"/>
+    <dgm:cxn modelId="{3C0FFE91-4FAF-4701-AD43-DD7D8773AFDA}" srcId="{3C23A4A6-2917-45B4-847D-41717F2CB7C8}" destId="{D0913EAA-A5FC-4B90-AB93-8FC99C1F5CDF}" srcOrd="1" destOrd="0" parTransId="{281027E1-0826-46BA-8C5E-6BD32F983802}" sibTransId="{3F39470A-51DF-4F51-A312-B830DAB23647}"/>
+    <dgm:cxn modelId="{AF20D417-8592-44F8-9A45-19B884E6F432}" type="presOf" srcId="{A523E57E-4CBE-4D9D-8C6C-373399D5ADE1}" destId="{E3FE3B4E-FD05-4287-9EFE-A17BEA34A1CC}" srcOrd="0" destOrd="0" presId="urn:microsoft.com/office/officeart/2005/8/layout/target3"/>
+    <dgm:cxn modelId="{F8955CB5-074D-4E91-A4A8-A8763F94C99E}" srcId="{55C90367-D9BA-4388-B32D-DF2A89402679}" destId="{000FAAC8-D892-4F2A-BED2-ECCB73EF55A1}" srcOrd="1" destOrd="0" parTransId="{B61F50C1-FC11-4510-ACEA-81322F737EF5}" sibTransId="{EFB45C72-9401-49F9-A343-09FE8AD0C5BD}"/>
+    <dgm:cxn modelId="{D346AF7C-1395-4056-852A-A2EC425EC198}" type="presOf" srcId="{D0913EAA-A5FC-4B90-AB93-8FC99C1F5CDF}" destId="{E3FE3B4E-FD05-4287-9EFE-A17BEA34A1CC}" srcOrd="0" destOrd="1" presId="urn:microsoft.com/office/officeart/2005/8/layout/target3"/>
+    <dgm:cxn modelId="{41F5F9EB-9E2E-4A45-89A7-BB2256650473}" srcId="{49D84329-85A5-4759-94A1-7702A59EDD20}" destId="{55C90367-D9BA-4388-B32D-DF2A89402679}" srcOrd="1" destOrd="0" parTransId="{1C9B0F71-7C84-43F6-B79A-F1CD100EF6B7}" sibTransId="{A1ACA193-5298-4FDB-BCDE-F55BA4DDB358}"/>
+    <dgm:cxn modelId="{66584917-40C4-4505-AB4F-847644BC6A85}" type="presOf" srcId="{000FAAC8-D892-4F2A-BED2-ECCB73EF55A1}" destId="{D817B870-27CB-4CFA-8418-96999225DDD0}" srcOrd="0" destOrd="1" presId="urn:microsoft.com/office/officeart/2005/8/layout/target3"/>
+    <dgm:cxn modelId="{5524A101-3A6F-49DB-A271-367942A605EB}" type="presOf" srcId="{24E9FF51-F0B4-494A-8C03-E99E3A051982}" destId="{D817B870-27CB-4CFA-8418-96999225DDD0}" srcOrd="0" destOrd="0" presId="urn:microsoft.com/office/officeart/2005/8/layout/target3"/>
+    <dgm:cxn modelId="{A078E462-2A3E-40ED-BF41-E748CDBF6489}" type="presOf" srcId="{3C23A4A6-2917-45B4-847D-41717F2CB7C8}" destId="{1044FDCC-4985-4B49-9C1F-5C726A028775}" srcOrd="1" destOrd="0" presId="urn:microsoft.com/office/officeart/2005/8/layout/target3"/>
+    <dgm:cxn modelId="{81999F11-D40E-430D-A005-089F0A40F140}" type="presOf" srcId="{55C90367-D9BA-4388-B32D-DF2A89402679}" destId="{4D87ABAE-4409-4965-B51D-4C814C0CEAF9}" srcOrd="0" destOrd="0" presId="urn:microsoft.com/office/officeart/2005/8/layout/target3"/>
+    <dgm:cxn modelId="{A18E8002-3952-4532-9FD0-215EDEF433AF}" srcId="{49D84329-85A5-4759-94A1-7702A59EDD20}" destId="{3C23A4A6-2917-45B4-847D-41717F2CB7C8}" srcOrd="0" destOrd="0" parTransId="{B1920EF9-DE0F-4889-B070-D87FA433D3AB}" sibTransId="{0CB90F33-DAD2-4D56-9F3C-F343BBEF65A7}"/>
+    <dgm:cxn modelId="{4B4CB2F1-4910-4938-89CE-4648BA1D0E70}" type="presOf" srcId="{55C90367-D9BA-4388-B32D-DF2A89402679}" destId="{C33B3EAA-E5A1-4358-8582-AB736B5EEE5E}" srcOrd="1" destOrd="0" presId="urn:microsoft.com/office/officeart/2005/8/layout/target3"/>
+    <dgm:cxn modelId="{ABEC1AC6-E072-46C0-8D44-17F1CF934327}" srcId="{3C23A4A6-2917-45B4-847D-41717F2CB7C8}" destId="{A523E57E-4CBE-4D9D-8C6C-373399D5ADE1}" srcOrd="0" destOrd="0" parTransId="{D60884EC-78F4-49D6-A9EA-0E874E68DBB3}" sibTransId="{B08AB3C1-4E34-4B67-B7A5-9AD45B7A21AB}"/>
+    <dgm:cxn modelId="{76BCFB75-A6DC-4CD0-BE71-4A48B7EC754B}" type="presParOf" srcId="{D52BD6D3-C76E-4A8E-9615-39A2BF47152C}" destId="{15E9C582-C44D-46D5-B3D8-75E77CE862AE}" srcOrd="0" destOrd="0" presId="urn:microsoft.com/office/officeart/2005/8/layout/target3"/>
+    <dgm:cxn modelId="{727D5201-198D-49BE-80CB-E733DEC29CA2}" type="presParOf" srcId="{D52BD6D3-C76E-4A8E-9615-39A2BF47152C}" destId="{B9EC89C0-D376-47B4-9094-EF33967B69D3}" srcOrd="1" destOrd="0" presId="urn:microsoft.com/office/officeart/2005/8/layout/target3"/>
+    <dgm:cxn modelId="{985CD22B-26E6-4AD8-BA46-E4BD2E03500A}" type="presParOf" srcId="{D52BD6D3-C76E-4A8E-9615-39A2BF47152C}" destId="{B3CE0C0E-FA73-40E2-959F-4886822BF1D3}" srcOrd="2" destOrd="0" presId="urn:microsoft.com/office/officeart/2005/8/layout/target3"/>
+    <dgm:cxn modelId="{8DD7B71C-D7A3-401D-A9D6-1D20D66F92A0}" type="presParOf" srcId="{D52BD6D3-C76E-4A8E-9615-39A2BF47152C}" destId="{42B555C1-14C7-4830-893E-B53CA908A10C}" srcOrd="3" destOrd="0" presId="urn:microsoft.com/office/officeart/2005/8/layout/target3"/>
+    <dgm:cxn modelId="{B916C995-9CE7-4DFE-8702-A32396A77085}" type="presParOf" srcId="{D52BD6D3-C76E-4A8E-9615-39A2BF47152C}" destId="{1D79F0CC-FC62-4D94-AE3D-66EF5D048D6E}" srcOrd="4" destOrd="0" presId="urn:microsoft.com/office/officeart/2005/8/layout/target3"/>
+    <dgm:cxn modelId="{F7E3C026-B32B-4D58-8D0A-7392B6F11698}" type="presParOf" srcId="{D52BD6D3-C76E-4A8E-9615-39A2BF47152C}" destId="{4D87ABAE-4409-4965-B51D-4C814C0CEAF9}" srcOrd="5" destOrd="0" presId="urn:microsoft.com/office/officeart/2005/8/layout/target3"/>
+    <dgm:cxn modelId="{348CE2DB-BAF5-4567-B06C-8A6BF9BF907E}" type="presParOf" srcId="{D52BD6D3-C76E-4A8E-9615-39A2BF47152C}" destId="{1044FDCC-4985-4B49-9C1F-5C726A028775}" srcOrd="6" destOrd="0" presId="urn:microsoft.com/office/officeart/2005/8/layout/target3"/>
+    <dgm:cxn modelId="{DECB1458-601E-4334-9584-BF01E89B1E00}" type="presParOf" srcId="{D52BD6D3-C76E-4A8E-9615-39A2BF47152C}" destId="{E3FE3B4E-FD05-4287-9EFE-A17BEA34A1CC}" srcOrd="7" destOrd="0" presId="urn:microsoft.com/office/officeart/2005/8/layout/target3"/>
+    <dgm:cxn modelId="{9F80FF6C-671A-42B4-B03D-BAD3C4C0EEF4}" type="presParOf" srcId="{D52BD6D3-C76E-4A8E-9615-39A2BF47152C}" destId="{C33B3EAA-E5A1-4358-8582-AB736B5EEE5E}" srcOrd="8" destOrd="0" presId="urn:microsoft.com/office/officeart/2005/8/layout/target3"/>
+    <dgm:cxn modelId="{47D750C4-4210-49A9-881F-A0B3A8933412}" type="presParOf" srcId="{D52BD6D3-C76E-4A8E-9615-39A2BF47152C}" destId="{D817B870-27CB-4CFA-8418-96999225DDD0}" srcOrd="9" destOrd="0" presId="urn:microsoft.com/office/officeart/2005/8/layout/target3"/>
+  </dgm:cxnLst>
+  <dgm:bg/>
+  <dgm:whole/>
+  <dgm:extLst>
+    <a:ext uri="http://schemas.microsoft.com/office/drawing/2008/diagram">
+      <dsp:dataModelExt xmlns:dsp="http://schemas.microsoft.com/office/drawing/2008/diagram" relId="rId6" minVer="http://schemas.openxmlformats.org/drawingml/2006/diagram"/>
+    </a:ext>
+  </dgm:extLst>
+</dgm:dataModel>
+</file>
+
+<file path=ppt/diagrams/data2.xml><?xml version="1.0" encoding="utf-8"?>
 <dgm:dataModel xmlns:dgm="http://schemas.openxmlformats.org/drawingml/2006/diagram" xmlns:a="http://schemas.openxmlformats.org/drawingml/2006/main">
   <dgm:ptLst>
     <dgm:pt modelId="{D0BCFD5A-5337-496B-81D6-0ACC841A75D4}" type="doc">
@@ -1730,6 +2937,39 @@
         </a:p>
       </dgm:t>
     </dgm:pt>
+    <dgm:pt modelId="{F6DDF6BC-85A9-45F4-9D15-C4B57E9927AE}">
+      <dgm:prSet phldrT="[Text]"/>
+      <dgm:spPr/>
+      <dgm:t>
+        <a:bodyPr/>
+        <a:lstStyle/>
+        <a:p>
+          <a:endParaRPr lang="en-US"/>
+        </a:p>
+      </dgm:t>
+    </dgm:pt>
+    <dgm:pt modelId="{96BB0D1A-E83C-4E31-9660-A6C5FA8A8DB5}" type="parTrans" cxnId="{57B6B3C4-7F9D-451A-AD32-EB27AEC9834A}">
+      <dgm:prSet/>
+      <dgm:spPr/>
+      <dgm:t>
+        <a:bodyPr/>
+        <a:lstStyle/>
+        <a:p>
+          <a:endParaRPr lang="en-US"/>
+        </a:p>
+      </dgm:t>
+    </dgm:pt>
+    <dgm:pt modelId="{37504A35-9BF0-4639-9B0B-1CD78B59D2DE}" type="sibTrans" cxnId="{57B6B3C4-7F9D-451A-AD32-EB27AEC9834A}">
+      <dgm:prSet/>
+      <dgm:spPr/>
+      <dgm:t>
+        <a:bodyPr/>
+        <a:lstStyle/>
+        <a:p>
+          <a:endParaRPr lang="en-US"/>
+        </a:p>
+      </dgm:t>
+    </dgm:pt>
     <dgm:pt modelId="{476560EC-74F5-442C-BD20-8AA7FD6B1C5F}" type="pres">
       <dgm:prSet presAssocID="{D0BCFD5A-5337-496B-81D6-0ACC841A75D4}" presName="composite" presStyleCnt="0">
         <dgm:presLayoutVars>
@@ -1759,10 +2999,24 @@
     <dgm:pt modelId="{3B6CE429-A00C-4EA0-AB96-76602B35F97B}" type="pres">
       <dgm:prSet presAssocID="{B5C8E869-5BD4-4E6F-9B9D-8B29E9EA48A4}" presName="gear1srcNode" presStyleLbl="node1" presStyleIdx="0" presStyleCnt="3"/>
       <dgm:spPr/>
+      <dgm:t>
+        <a:bodyPr/>
+        <a:lstStyle/>
+        <a:p>
+          <a:endParaRPr lang="en-US"/>
+        </a:p>
+      </dgm:t>
     </dgm:pt>
     <dgm:pt modelId="{0191FE66-9F40-48D6-96D7-FD9411EF3DA2}" type="pres">
       <dgm:prSet presAssocID="{B5C8E869-5BD4-4E6F-9B9D-8B29E9EA48A4}" presName="gear1dstNode" presStyleLbl="node1" presStyleIdx="0" presStyleCnt="3"/>
       <dgm:spPr/>
+      <dgm:t>
+        <a:bodyPr/>
+        <a:lstStyle/>
+        <a:p>
+          <a:endParaRPr lang="en-US"/>
+        </a:p>
+      </dgm:t>
     </dgm:pt>
     <dgm:pt modelId="{FFE50F03-6D69-431E-A6F1-3B54261FF702}" type="pres">
       <dgm:prSet presAssocID="{A00528CC-2B15-4B4A-BF95-45C4F5798181}" presName="gear2" presStyleLbl="node1" presStyleIdx="1" presStyleCnt="3">
@@ -1783,10 +3037,24 @@
     <dgm:pt modelId="{445183B8-8B27-4230-BEDC-86B65987D422}" type="pres">
       <dgm:prSet presAssocID="{A00528CC-2B15-4B4A-BF95-45C4F5798181}" presName="gear2srcNode" presStyleLbl="node1" presStyleIdx="1" presStyleCnt="3"/>
       <dgm:spPr/>
+      <dgm:t>
+        <a:bodyPr/>
+        <a:lstStyle/>
+        <a:p>
+          <a:endParaRPr lang="en-US"/>
+        </a:p>
+      </dgm:t>
     </dgm:pt>
     <dgm:pt modelId="{C6A31676-AFFA-4D20-93E5-1629BD1242B3}" type="pres">
       <dgm:prSet presAssocID="{A00528CC-2B15-4B4A-BF95-45C4F5798181}" presName="gear2dstNode" presStyleLbl="node1" presStyleIdx="1" presStyleCnt="3"/>
       <dgm:spPr/>
+      <dgm:t>
+        <a:bodyPr/>
+        <a:lstStyle/>
+        <a:p>
+          <a:endParaRPr lang="en-US"/>
+        </a:p>
+      </dgm:t>
     </dgm:pt>
     <dgm:pt modelId="{61AFD77C-4A46-438F-B324-DCE494D13F76}" type="pres">
       <dgm:prSet presAssocID="{B217632E-A364-477E-B0AD-17317438D972}" presName="gear3" presStyleLbl="node1" presStyleIdx="2" presStyleCnt="3"/>
@@ -1818,42 +3086,78 @@
     <dgm:pt modelId="{4D3B9CC9-BC24-4020-9CF0-5551B46E80E7}" type="pres">
       <dgm:prSet presAssocID="{B217632E-A364-477E-B0AD-17317438D972}" presName="gear3srcNode" presStyleLbl="node1" presStyleIdx="2" presStyleCnt="3"/>
       <dgm:spPr/>
+      <dgm:t>
+        <a:bodyPr/>
+        <a:lstStyle/>
+        <a:p>
+          <a:endParaRPr lang="en-US"/>
+        </a:p>
+      </dgm:t>
     </dgm:pt>
     <dgm:pt modelId="{79D76F92-838E-4A9E-A064-CA921BC314B6}" type="pres">
       <dgm:prSet presAssocID="{B217632E-A364-477E-B0AD-17317438D972}" presName="gear3dstNode" presStyleLbl="node1" presStyleIdx="2" presStyleCnt="3"/>
       <dgm:spPr/>
+      <dgm:t>
+        <a:bodyPr/>
+        <a:lstStyle/>
+        <a:p>
+          <a:endParaRPr lang="en-US"/>
+        </a:p>
+      </dgm:t>
     </dgm:pt>
     <dgm:pt modelId="{B6120B17-0102-4B34-9F13-516896D73E03}" type="pres">
       <dgm:prSet presAssocID="{D1485128-1342-4BF0-BD02-211B0D47CCD0}" presName="connector1" presStyleLbl="sibTrans2D1" presStyleIdx="0" presStyleCnt="3"/>
       <dgm:spPr/>
+      <dgm:t>
+        <a:bodyPr/>
+        <a:lstStyle/>
+        <a:p>
+          <a:endParaRPr lang="en-US"/>
+        </a:p>
+      </dgm:t>
     </dgm:pt>
     <dgm:pt modelId="{A4C93C43-ED59-4301-9861-206885C55AA9}" type="pres">
       <dgm:prSet presAssocID="{121955D9-304B-49AB-852C-D9C9C4479B5B}" presName="connector2" presStyleLbl="sibTrans2D1" presStyleIdx="1" presStyleCnt="3"/>
       <dgm:spPr/>
+      <dgm:t>
+        <a:bodyPr/>
+        <a:lstStyle/>
+        <a:p>
+          <a:endParaRPr lang="en-US"/>
+        </a:p>
+      </dgm:t>
     </dgm:pt>
     <dgm:pt modelId="{E0BDEB98-638C-469F-997E-3F63E8F0DEAD}" type="pres">
       <dgm:prSet presAssocID="{B7773599-FE92-4815-BC89-8B4C702FBCCB}" presName="connector3" presStyleLbl="sibTrans2D1" presStyleIdx="2" presStyleCnt="3"/>
       <dgm:spPr/>
+      <dgm:t>
+        <a:bodyPr/>
+        <a:lstStyle/>
+        <a:p>
+          <a:endParaRPr lang="en-US"/>
+        </a:p>
+      </dgm:t>
     </dgm:pt>
   </dgm:ptLst>
   <dgm:cxnLst>
+    <dgm:cxn modelId="{8692E10B-9B80-4B63-88A3-86013F60E652}" srcId="{D0BCFD5A-5337-496B-81D6-0ACC841A75D4}" destId="{B217632E-A364-477E-B0AD-17317438D972}" srcOrd="2" destOrd="0" parTransId="{B25CE0A8-BEDB-474F-A8ED-9466B3A2E5C2}" sibTransId="{B7773599-FE92-4815-BC89-8B4C702FBCCB}"/>
+    <dgm:cxn modelId="{E026ACAA-2F05-430B-ACEA-A7694927497F}" type="presOf" srcId="{A00528CC-2B15-4B4A-BF95-45C4F5798181}" destId="{C6A31676-AFFA-4D20-93E5-1629BD1242B3}" srcOrd="2" destOrd="0" presId="urn:microsoft.com/office/officeart/2005/8/layout/gear1"/>
+    <dgm:cxn modelId="{96648C0F-CAAF-4174-B9A6-826A8866989E}" srcId="{D0BCFD5A-5337-496B-81D6-0ACC841A75D4}" destId="{A00528CC-2B15-4B4A-BF95-45C4F5798181}" srcOrd="1" destOrd="0" parTransId="{662FBE76-F09A-4566-9371-5F1F3DD6156A}" sibTransId="{121955D9-304B-49AB-852C-D9C9C4479B5B}"/>
+    <dgm:cxn modelId="{BF1D4F7E-671D-4047-BE14-20462FF9D569}" type="presOf" srcId="{121955D9-304B-49AB-852C-D9C9C4479B5B}" destId="{A4C93C43-ED59-4301-9861-206885C55AA9}" srcOrd="0" destOrd="0" presId="urn:microsoft.com/office/officeart/2005/8/layout/gear1"/>
+    <dgm:cxn modelId="{F778F4C0-0AF2-4878-988A-8547AF1D0083}" type="presOf" srcId="{A00528CC-2B15-4B4A-BF95-45C4F5798181}" destId="{FFE50F03-6D69-431E-A6F1-3B54261FF702}" srcOrd="0" destOrd="0" presId="urn:microsoft.com/office/officeart/2005/8/layout/gear1"/>
+    <dgm:cxn modelId="{CE8D2B82-7E89-4E18-83CB-A6594E3A1C6B}" type="presOf" srcId="{B217632E-A364-477E-B0AD-17317438D972}" destId="{E5C76F26-AD0A-424D-A6E1-D8FFD7C9B3CC}" srcOrd="1" destOrd="0" presId="urn:microsoft.com/office/officeart/2005/8/layout/gear1"/>
+    <dgm:cxn modelId="{C4A5B169-3EE1-442D-96EC-7E774719697D}" type="presOf" srcId="{D0BCFD5A-5337-496B-81D6-0ACC841A75D4}" destId="{476560EC-74F5-442C-BD20-8AA7FD6B1C5F}" srcOrd="0" destOrd="0" presId="urn:microsoft.com/office/officeart/2005/8/layout/gear1"/>
+    <dgm:cxn modelId="{C5EB0D31-75C1-485D-A342-BD3F00103FAB}" type="presOf" srcId="{B5C8E869-5BD4-4E6F-9B9D-8B29E9EA48A4}" destId="{296A9A9F-F98F-44E8-B60F-3702464263CD}" srcOrd="0" destOrd="0" presId="urn:microsoft.com/office/officeart/2005/8/layout/gear1"/>
     <dgm:cxn modelId="{699BC288-1941-4827-8C1B-638790C1ECF6}" type="presOf" srcId="{B5C8E869-5BD4-4E6F-9B9D-8B29E9EA48A4}" destId="{0191FE66-9F40-48D6-96D7-FD9411EF3DA2}" srcOrd="2" destOrd="0" presId="urn:microsoft.com/office/officeart/2005/8/layout/gear1"/>
-    <dgm:cxn modelId="{C4A5B169-3EE1-442D-96EC-7E774719697D}" type="presOf" srcId="{D0BCFD5A-5337-496B-81D6-0ACC841A75D4}" destId="{476560EC-74F5-442C-BD20-8AA7FD6B1C5F}" srcOrd="0" destOrd="0" presId="urn:microsoft.com/office/officeart/2005/8/layout/gear1"/>
+    <dgm:cxn modelId="{034696D6-7CF3-4398-BE6A-1A66335233FC}" type="presOf" srcId="{A00528CC-2B15-4B4A-BF95-45C4F5798181}" destId="{445183B8-8B27-4230-BEDC-86B65987D422}" srcOrd="1" destOrd="0" presId="urn:microsoft.com/office/officeart/2005/8/layout/gear1"/>
+    <dgm:cxn modelId="{D83BB5D2-2C94-40F9-895E-18D83A4F0CE6}" type="presOf" srcId="{D1485128-1342-4BF0-BD02-211B0D47CCD0}" destId="{B6120B17-0102-4B34-9F13-516896D73E03}" srcOrd="0" destOrd="0" presId="urn:microsoft.com/office/officeart/2005/8/layout/gear1"/>
     <dgm:cxn modelId="{CDB32C72-A363-4221-9E52-289652C4CE57}" type="presOf" srcId="{B217632E-A364-477E-B0AD-17317438D972}" destId="{79D76F92-838E-4A9E-A064-CA921BC314B6}" srcOrd="3" destOrd="0" presId="urn:microsoft.com/office/officeart/2005/8/layout/gear1"/>
-    <dgm:cxn modelId="{96648C0F-CAAF-4174-B9A6-826A8866989E}" srcId="{D0BCFD5A-5337-496B-81D6-0ACC841A75D4}" destId="{A00528CC-2B15-4B4A-BF95-45C4F5798181}" srcOrd="1" destOrd="0" parTransId="{662FBE76-F09A-4566-9371-5F1F3DD6156A}" sibTransId="{121955D9-304B-49AB-852C-D9C9C4479B5B}"/>
+    <dgm:cxn modelId="{5BC87E04-691D-4FE9-9E1A-828113EF56ED}" srcId="{D0BCFD5A-5337-496B-81D6-0ACC841A75D4}" destId="{B5C8E869-5BD4-4E6F-9B9D-8B29E9EA48A4}" srcOrd="0" destOrd="0" parTransId="{E9B9E935-A2A2-4802-AADD-A14FECFC9D51}" sibTransId="{D1485128-1342-4BF0-BD02-211B0D47CCD0}"/>
     <dgm:cxn modelId="{53FF9DE5-A9AF-4C45-BD2A-747476D16B85}" type="presOf" srcId="{B217632E-A364-477E-B0AD-17317438D972}" destId="{4D3B9CC9-BC24-4020-9CF0-5551B46E80E7}" srcOrd="2" destOrd="0" presId="urn:microsoft.com/office/officeart/2005/8/layout/gear1"/>
-    <dgm:cxn modelId="{F778F4C0-0AF2-4878-988A-8547AF1D0083}" type="presOf" srcId="{A00528CC-2B15-4B4A-BF95-45C4F5798181}" destId="{FFE50F03-6D69-431E-A6F1-3B54261FF702}" srcOrd="0" destOrd="0" presId="urn:microsoft.com/office/officeart/2005/8/layout/gear1"/>
-    <dgm:cxn modelId="{BF1D4F7E-671D-4047-BE14-20462FF9D569}" type="presOf" srcId="{121955D9-304B-49AB-852C-D9C9C4479B5B}" destId="{A4C93C43-ED59-4301-9861-206885C55AA9}" srcOrd="0" destOrd="0" presId="urn:microsoft.com/office/officeart/2005/8/layout/gear1"/>
-    <dgm:cxn modelId="{8692E10B-9B80-4B63-88A3-86013F60E652}" srcId="{D0BCFD5A-5337-496B-81D6-0ACC841A75D4}" destId="{B217632E-A364-477E-B0AD-17317438D972}" srcOrd="2" destOrd="0" parTransId="{B25CE0A8-BEDB-474F-A8ED-9466B3A2E5C2}" sibTransId="{B7773599-FE92-4815-BC89-8B4C702FBCCB}"/>
+    <dgm:cxn modelId="{ED6A95D0-D48C-40C4-B31A-F3C9DF10B800}" type="presOf" srcId="{B217632E-A364-477E-B0AD-17317438D972}" destId="{61AFD77C-4A46-438F-B324-DCE494D13F76}" srcOrd="0" destOrd="0" presId="urn:microsoft.com/office/officeart/2005/8/layout/gear1"/>
     <dgm:cxn modelId="{3FAF7A1E-4008-4D82-B071-BA97EC403FE5}" type="presOf" srcId="{B5C8E869-5BD4-4E6F-9B9D-8B29E9EA48A4}" destId="{3B6CE429-A00C-4EA0-AB96-76602B35F97B}" srcOrd="1" destOrd="0" presId="urn:microsoft.com/office/officeart/2005/8/layout/gear1"/>
-    <dgm:cxn modelId="{ED6A95D0-D48C-40C4-B31A-F3C9DF10B800}" type="presOf" srcId="{B217632E-A364-477E-B0AD-17317438D972}" destId="{61AFD77C-4A46-438F-B324-DCE494D13F76}" srcOrd="0" destOrd="0" presId="urn:microsoft.com/office/officeart/2005/8/layout/gear1"/>
+    <dgm:cxn modelId="{57B6B3C4-7F9D-451A-AD32-EB27AEC9834A}" srcId="{D0BCFD5A-5337-496B-81D6-0ACC841A75D4}" destId="{F6DDF6BC-85A9-45F4-9D15-C4B57E9927AE}" srcOrd="3" destOrd="0" parTransId="{96BB0D1A-E83C-4E31-9660-A6C5FA8A8DB5}" sibTransId="{37504A35-9BF0-4639-9B0B-1CD78B59D2DE}"/>
     <dgm:cxn modelId="{D4AFFB6D-71B6-4BDD-8291-92FE8DE54CED}" type="presOf" srcId="{B7773599-FE92-4815-BC89-8B4C702FBCCB}" destId="{E0BDEB98-638C-469F-997E-3F63E8F0DEAD}" srcOrd="0" destOrd="0" presId="urn:microsoft.com/office/officeart/2005/8/layout/gear1"/>
-    <dgm:cxn modelId="{C5EB0D31-75C1-485D-A342-BD3F00103FAB}" type="presOf" srcId="{B5C8E869-5BD4-4E6F-9B9D-8B29E9EA48A4}" destId="{296A9A9F-F98F-44E8-B60F-3702464263CD}" srcOrd="0" destOrd="0" presId="urn:microsoft.com/office/officeart/2005/8/layout/gear1"/>
-    <dgm:cxn modelId="{D83BB5D2-2C94-40F9-895E-18D83A4F0CE6}" type="presOf" srcId="{D1485128-1342-4BF0-BD02-211B0D47CCD0}" destId="{B6120B17-0102-4B34-9F13-516896D73E03}" srcOrd="0" destOrd="0" presId="urn:microsoft.com/office/officeart/2005/8/layout/gear1"/>
-    <dgm:cxn modelId="{E026ACAA-2F05-430B-ACEA-A7694927497F}" type="presOf" srcId="{A00528CC-2B15-4B4A-BF95-45C4F5798181}" destId="{C6A31676-AFFA-4D20-93E5-1629BD1242B3}" srcOrd="2" destOrd="0" presId="urn:microsoft.com/office/officeart/2005/8/layout/gear1"/>
-    <dgm:cxn modelId="{CE8D2B82-7E89-4E18-83CB-A6594E3A1C6B}" type="presOf" srcId="{B217632E-A364-477E-B0AD-17317438D972}" destId="{E5C76F26-AD0A-424D-A6E1-D8FFD7C9B3CC}" srcOrd="1" destOrd="0" presId="urn:microsoft.com/office/officeart/2005/8/layout/gear1"/>
-    <dgm:cxn modelId="{5BC87E04-691D-4FE9-9E1A-828113EF56ED}" srcId="{D0BCFD5A-5337-496B-81D6-0ACC841A75D4}" destId="{B5C8E869-5BD4-4E6F-9B9D-8B29E9EA48A4}" srcOrd="0" destOrd="0" parTransId="{E9B9E935-A2A2-4802-AADD-A14FECFC9D51}" sibTransId="{D1485128-1342-4BF0-BD02-211B0D47CCD0}"/>
-    <dgm:cxn modelId="{034696D6-7CF3-4398-BE6A-1A66335233FC}" type="presOf" srcId="{A00528CC-2B15-4B4A-BF95-45C4F5798181}" destId="{445183B8-8B27-4230-BEDC-86B65987D422}" srcOrd="1" destOrd="0" presId="urn:microsoft.com/office/officeart/2005/8/layout/gear1"/>
     <dgm:cxn modelId="{2CCB0AF2-79DA-4CBC-9F3C-72C9F8FDA9DD}" type="presParOf" srcId="{476560EC-74F5-442C-BD20-8AA7FD6B1C5F}" destId="{296A9A9F-F98F-44E8-B60F-3702464263CD}" srcOrd="0" destOrd="0" presId="urn:microsoft.com/office/officeart/2005/8/layout/gear1"/>
     <dgm:cxn modelId="{AC439F51-99FD-4784-A7BD-2547A162F469}" type="presParOf" srcId="{476560EC-74F5-442C-BD20-8AA7FD6B1C5F}" destId="{3B6CE429-A00C-4EA0-AB96-76602B35F97B}" srcOrd="1" destOrd="0" presId="urn:microsoft.com/office/officeart/2005/8/layout/gear1"/>
     <dgm:cxn modelId="{F47D9815-4867-4B99-937F-7A9C7FF0EC97}" type="presParOf" srcId="{476560EC-74F5-442C-BD20-8AA7FD6B1C5F}" destId="{0191FE66-9F40-48D6-96D7-FD9411EF3DA2}" srcOrd="2" destOrd="0" presId="urn:microsoft.com/office/officeart/2005/8/layout/gear1"/>
@@ -1878,7 +3182,7 @@
 </dgm:dataModel>
 </file>
 
-<file path=ppt/diagrams/data2.xml><?xml version="1.0" encoding="utf-8"?>
+<file path=ppt/diagrams/data3.xml><?xml version="1.0" encoding="utf-8"?>
 <dgm:dataModel xmlns:dgm="http://schemas.openxmlformats.org/drawingml/2006/diagram" xmlns:a="http://schemas.openxmlformats.org/drawingml/2006/main">
   <dgm:ptLst>
     <dgm:pt modelId="{93BC5730-6C87-42E5-9B15-63A36BE9F294}" type="doc">
@@ -2012,23 +3316,7 @@
                 <a:schemeClr val="tx1"/>
               </a:solidFill>
             </a:rPr>
-            <a:t> Developing </a:t>
-          </a:r>
-          <a:r>
-            <a:rPr lang="en-US" sz="1600" b="0" dirty="0" smtClean="0">
-              <a:solidFill>
-                <a:schemeClr val="tx1"/>
-              </a:solidFill>
-            </a:rPr>
-            <a:t>apps for </a:t>
-          </a:r>
-          <a:r>
-            <a:rPr lang="en-US" sz="1600" b="0" dirty="0" smtClean="0">
-              <a:solidFill>
-                <a:schemeClr val="tx1"/>
-              </a:solidFill>
-            </a:rPr>
-            <a:t>mobile devices</a:t>
+            <a:t> Developing apps for mobile devices</a:t>
           </a:r>
           <a:endParaRPr lang="en-US" sz="1600" b="0" dirty="0">
             <a:solidFill>
@@ -2081,31 +3369,7 @@
                 <a:schemeClr val="tx1"/>
               </a:solidFill>
             </a:rPr>
-            <a:t>Developing </a:t>
-          </a:r>
-          <a:r>
-            <a:rPr lang="en-US" sz="1600" b="0" dirty="0" smtClean="0">
-              <a:solidFill>
-                <a:schemeClr val="tx1"/>
-              </a:solidFill>
-            </a:rPr>
-            <a:t> more user-friendly </a:t>
-          </a:r>
-          <a:r>
-            <a:rPr lang="en-US" sz="1600" b="0" dirty="0" smtClean="0">
-              <a:solidFill>
-                <a:schemeClr val="tx1"/>
-              </a:solidFill>
-            </a:rPr>
-            <a:t>web </a:t>
-          </a:r>
-          <a:r>
-            <a:rPr lang="en-US" sz="1600" b="0" dirty="0" smtClean="0">
-              <a:solidFill>
-                <a:schemeClr val="tx1"/>
-              </a:solidFill>
-            </a:rPr>
-            <a:t>interface</a:t>
+            <a:t>Developing different language versions</a:t>
           </a:r>
           <a:endParaRPr lang="en-US" sz="1600" b="0" dirty="0">
             <a:solidFill>
@@ -2295,6 +3559,459 @@
 </file>
 
 <file path=ppt/diagrams/drawing1.xml><?xml version="1.0" encoding="utf-8"?>
+<dsp:drawing xmlns:dgm="http://schemas.openxmlformats.org/drawingml/2006/diagram" xmlns:dsp="http://schemas.microsoft.com/office/drawing/2008/diagram" xmlns:a="http://schemas.openxmlformats.org/drawingml/2006/main">
+  <dsp:spTree>
+    <dsp:nvGrpSpPr>
+      <dsp:cNvPr id="0" name=""/>
+      <dsp:cNvGrpSpPr/>
+    </dsp:nvGrpSpPr>
+    <dsp:grpSpPr/>
+    <dsp:sp modelId="{15E9C582-C44D-46D5-B3D8-75E77CE862AE}">
+      <dsp:nvSpPr>
+        <dsp:cNvPr id="0" name=""/>
+        <dsp:cNvSpPr/>
+      </dsp:nvSpPr>
+      <dsp:spPr>
+        <a:xfrm>
+          <a:off x="0" y="203199"/>
+          <a:ext cx="3657600" cy="3657600"/>
+        </a:xfrm>
+        <a:prstGeom prst="pie">
+          <a:avLst>
+            <a:gd name="adj1" fmla="val 5400000"/>
+            <a:gd name="adj2" fmla="val 16200000"/>
+          </a:avLst>
+        </a:prstGeom>
+        <a:solidFill>
+          <a:schemeClr val="accent1">
+            <a:hueOff val="0"/>
+            <a:satOff val="0"/>
+            <a:lumOff val="0"/>
+            <a:alphaOff val="0"/>
+          </a:schemeClr>
+        </a:solidFill>
+        <a:ln w="25400" cap="flat" cmpd="sng" algn="ctr">
+          <a:solidFill>
+            <a:schemeClr val="lt1">
+              <a:hueOff val="0"/>
+              <a:satOff val="0"/>
+              <a:lumOff val="0"/>
+              <a:alphaOff val="0"/>
+            </a:schemeClr>
+          </a:solidFill>
+          <a:prstDash val="solid"/>
+        </a:ln>
+        <a:effectLst/>
+      </dsp:spPr>
+      <dsp:style>
+        <a:lnRef idx="2">
+          <a:scrgbClr r="0" g="0" b="0"/>
+        </a:lnRef>
+        <a:fillRef idx="1">
+          <a:scrgbClr r="0" g="0" b="0"/>
+        </a:fillRef>
+        <a:effectRef idx="0">
+          <a:scrgbClr r="0" g="0" b="0"/>
+        </a:effectRef>
+        <a:fontRef idx="minor">
+          <a:schemeClr val="lt1"/>
+        </a:fontRef>
+      </dsp:style>
+    </dsp:sp>
+    <dsp:sp modelId="{B3CE0C0E-FA73-40E2-959F-4886822BF1D3}">
+      <dsp:nvSpPr>
+        <dsp:cNvPr id="0" name=""/>
+        <dsp:cNvSpPr/>
+      </dsp:nvSpPr>
+      <dsp:spPr>
+        <a:xfrm>
+          <a:off x="1828800" y="203199"/>
+          <a:ext cx="4267200" cy="3657600"/>
+        </a:xfrm>
+        <a:prstGeom prst="rect">
+          <a:avLst/>
+        </a:prstGeom>
+        <a:solidFill>
+          <a:schemeClr val="lt1">
+            <a:alpha val="90000"/>
+            <a:hueOff val="0"/>
+            <a:satOff val="0"/>
+            <a:lumOff val="0"/>
+            <a:alphaOff val="0"/>
+          </a:schemeClr>
+        </a:solidFill>
+        <a:ln w="25400" cap="flat" cmpd="sng" algn="ctr">
+          <a:solidFill>
+            <a:schemeClr val="accent1">
+              <a:hueOff val="0"/>
+              <a:satOff val="0"/>
+              <a:lumOff val="0"/>
+              <a:alphaOff val="0"/>
+            </a:schemeClr>
+          </a:solidFill>
+          <a:prstDash val="solid"/>
+        </a:ln>
+        <a:effectLst/>
+      </dsp:spPr>
+      <dsp:style>
+        <a:lnRef idx="2">
+          <a:scrgbClr r="0" g="0" b="0"/>
+        </a:lnRef>
+        <a:fillRef idx="1">
+          <a:scrgbClr r="0" g="0" b="0"/>
+        </a:fillRef>
+        <a:effectRef idx="0">
+          <a:scrgbClr r="0" g="0" b="0"/>
+        </a:effectRef>
+        <a:fontRef idx="minor"/>
+      </dsp:style>
+      <dsp:txBody>
+        <a:bodyPr spcFirstLastPara="0" vert="horz" wrap="square" lIns="118110" tIns="118110" rIns="118110" bIns="118110" numCol="1" spcCol="1270" anchor="ctr" anchorCtr="0">
+          <a:noAutofit/>
+        </a:bodyPr>
+        <a:lstStyle/>
+        <a:p>
+          <a:pPr lvl="0" algn="ctr" defTabSz="1377950">
+            <a:lnSpc>
+              <a:spcPct val="90000"/>
+            </a:lnSpc>
+            <a:spcBef>
+              <a:spcPct val="0"/>
+            </a:spcBef>
+            <a:spcAft>
+              <a:spcPct val="35000"/>
+            </a:spcAft>
+          </a:pPr>
+          <a:r>
+            <a:rPr lang="en-US" sz="3100" kern="1200" dirty="0" smtClean="0"/>
+            <a:t>End Users</a:t>
+          </a:r>
+          <a:endParaRPr lang="en-US" sz="3100" kern="1200" dirty="0"/>
+        </a:p>
+      </dsp:txBody>
+      <dsp:txXfrm>
+        <a:off x="1828800" y="203199"/>
+        <a:ext cx="2133600" cy="1737360"/>
+      </dsp:txXfrm>
+    </dsp:sp>
+    <dsp:sp modelId="{1D79F0CC-FC62-4D94-AE3D-66EF5D048D6E}">
+      <dsp:nvSpPr>
+        <dsp:cNvPr id="0" name=""/>
+        <dsp:cNvSpPr/>
+      </dsp:nvSpPr>
+      <dsp:spPr>
+        <a:xfrm>
+          <a:off x="960120" y="1940560"/>
+          <a:ext cx="1737360" cy="1737360"/>
+        </a:xfrm>
+        <a:prstGeom prst="pie">
+          <a:avLst>
+            <a:gd name="adj1" fmla="val 5400000"/>
+            <a:gd name="adj2" fmla="val 16200000"/>
+          </a:avLst>
+        </a:prstGeom>
+        <a:solidFill>
+          <a:schemeClr val="accent2"/>
+        </a:solidFill>
+        <a:ln w="25400" cap="flat" cmpd="sng" algn="ctr">
+          <a:solidFill>
+            <a:schemeClr val="lt1">
+              <a:hueOff val="0"/>
+              <a:satOff val="0"/>
+              <a:lumOff val="0"/>
+              <a:alphaOff val="0"/>
+            </a:schemeClr>
+          </a:solidFill>
+          <a:prstDash val="solid"/>
+        </a:ln>
+        <a:effectLst/>
+      </dsp:spPr>
+      <dsp:style>
+        <a:lnRef idx="2">
+          <a:scrgbClr r="0" g="0" b="0"/>
+        </a:lnRef>
+        <a:fillRef idx="1">
+          <a:scrgbClr r="0" g="0" b="0"/>
+        </a:fillRef>
+        <a:effectRef idx="0">
+          <a:scrgbClr r="0" g="0" b="0"/>
+        </a:effectRef>
+        <a:fontRef idx="minor">
+          <a:schemeClr val="lt1"/>
+        </a:fontRef>
+      </dsp:style>
+    </dsp:sp>
+    <dsp:sp modelId="{4D87ABAE-4409-4965-B51D-4C814C0CEAF9}">
+      <dsp:nvSpPr>
+        <dsp:cNvPr id="0" name=""/>
+        <dsp:cNvSpPr/>
+      </dsp:nvSpPr>
+      <dsp:spPr>
+        <a:xfrm>
+          <a:off x="1828800" y="1940560"/>
+          <a:ext cx="4267200" cy="1737360"/>
+        </a:xfrm>
+        <a:prstGeom prst="rect">
+          <a:avLst/>
+        </a:prstGeom>
+        <a:solidFill>
+          <a:schemeClr val="lt1">
+            <a:alpha val="90000"/>
+            <a:hueOff val="0"/>
+            <a:satOff val="0"/>
+            <a:lumOff val="0"/>
+            <a:alphaOff val="0"/>
+          </a:schemeClr>
+        </a:solidFill>
+        <a:ln w="25400" cap="flat" cmpd="sng" algn="ctr">
+          <a:solidFill>
+            <a:schemeClr val="accent2"/>
+          </a:solidFill>
+          <a:prstDash val="solid"/>
+        </a:ln>
+        <a:effectLst/>
+      </dsp:spPr>
+      <dsp:style>
+        <a:lnRef idx="2">
+          <a:scrgbClr r="0" g="0" b="0"/>
+        </a:lnRef>
+        <a:fillRef idx="1">
+          <a:scrgbClr r="0" g="0" b="0"/>
+        </a:fillRef>
+        <a:effectRef idx="0">
+          <a:scrgbClr r="0" g="0" b="0"/>
+        </a:effectRef>
+        <a:fontRef idx="minor"/>
+      </dsp:style>
+      <dsp:txBody>
+        <a:bodyPr spcFirstLastPara="0" vert="horz" wrap="square" lIns="118110" tIns="118110" rIns="118110" bIns="118110" numCol="1" spcCol="1270" anchor="ctr" anchorCtr="0">
+          <a:noAutofit/>
+        </a:bodyPr>
+        <a:lstStyle/>
+        <a:p>
+          <a:pPr lvl="0" algn="ctr" defTabSz="1377950">
+            <a:lnSpc>
+              <a:spcPct val="90000"/>
+            </a:lnSpc>
+            <a:spcBef>
+              <a:spcPct val="0"/>
+            </a:spcBef>
+            <a:spcAft>
+              <a:spcPct val="35000"/>
+            </a:spcAft>
+          </a:pPr>
+          <a:r>
+            <a:rPr lang="en-US" sz="3100" kern="1200" dirty="0" smtClean="0">
+              <a:solidFill>
+                <a:srgbClr val="FF0000"/>
+              </a:solidFill>
+            </a:rPr>
+            <a:t>Developers</a:t>
+          </a:r>
+          <a:endParaRPr lang="en-US" sz="3100" kern="1200" dirty="0">
+            <a:solidFill>
+              <a:srgbClr val="FF0000"/>
+            </a:solidFill>
+          </a:endParaRPr>
+        </a:p>
+      </dsp:txBody>
+      <dsp:txXfrm>
+        <a:off x="1828800" y="1940560"/>
+        <a:ext cx="2133600" cy="1737360"/>
+      </dsp:txXfrm>
+    </dsp:sp>
+    <dsp:sp modelId="{E3FE3B4E-FD05-4287-9EFE-A17BEA34A1CC}">
+      <dsp:nvSpPr>
+        <dsp:cNvPr id="0" name=""/>
+        <dsp:cNvSpPr/>
+      </dsp:nvSpPr>
+      <dsp:spPr>
+        <a:xfrm>
+          <a:off x="3962400" y="203199"/>
+          <a:ext cx="2133600" cy="1737360"/>
+        </a:xfrm>
+        <a:prstGeom prst="rect">
+          <a:avLst/>
+        </a:prstGeom>
+        <a:noFill/>
+        <a:ln w="25400" cap="flat" cmpd="sng" algn="ctr">
+          <a:noFill/>
+          <a:prstDash val="solid"/>
+        </a:ln>
+        <a:effectLst/>
+        <a:sp3d/>
+      </dsp:spPr>
+      <dsp:style>
+        <a:lnRef idx="2">
+          <a:scrgbClr r="0" g="0" b="0"/>
+        </a:lnRef>
+        <a:fillRef idx="1">
+          <a:scrgbClr r="0" g="0" b="0"/>
+        </a:fillRef>
+        <a:effectRef idx="0">
+          <a:scrgbClr r="0" g="0" b="0"/>
+        </a:effectRef>
+        <a:fontRef idx="minor"/>
+      </dsp:style>
+      <dsp:txBody>
+        <a:bodyPr spcFirstLastPara="0" vert="horz" wrap="square" lIns="72390" tIns="72390" rIns="72390" bIns="72390" numCol="1" spcCol="1270" anchor="ctr" anchorCtr="0">
+          <a:noAutofit/>
+        </a:bodyPr>
+        <a:lstStyle/>
+        <a:p>
+          <a:pPr marL="171450" lvl="1" indent="-171450" algn="l" defTabSz="844550">
+            <a:lnSpc>
+              <a:spcPct val="90000"/>
+            </a:lnSpc>
+            <a:spcBef>
+              <a:spcPct val="0"/>
+            </a:spcBef>
+            <a:spcAft>
+              <a:spcPct val="15000"/>
+            </a:spcAft>
+            <a:buChar char="••"/>
+          </a:pPr>
+          <a:r>
+            <a:rPr lang="en-US" sz="1900" kern="1200" dirty="0" smtClean="0"/>
+            <a:t>who enjoy simplicity</a:t>
+          </a:r>
+          <a:endParaRPr lang="en-US" sz="1900" kern="1200" dirty="0"/>
+        </a:p>
+        <a:p>
+          <a:pPr marL="171450" lvl="1" indent="-171450" algn="l" defTabSz="844550">
+            <a:lnSpc>
+              <a:spcPct val="90000"/>
+            </a:lnSpc>
+            <a:spcBef>
+              <a:spcPct val="0"/>
+            </a:spcBef>
+            <a:spcAft>
+              <a:spcPct val="15000"/>
+            </a:spcAft>
+            <a:buChar char="••"/>
+          </a:pPr>
+          <a:r>
+            <a:rPr lang="en-US" sz="1900" kern="1200" dirty="0" smtClean="0"/>
+            <a:t>who appreciate user-friendliness</a:t>
+          </a:r>
+          <a:endParaRPr lang="en-US" sz="1900" kern="1200" dirty="0"/>
+        </a:p>
+      </dsp:txBody>
+      <dsp:txXfrm>
+        <a:off x="3962400" y="203199"/>
+        <a:ext cx="2133600" cy="1737360"/>
+      </dsp:txXfrm>
+    </dsp:sp>
+    <dsp:sp modelId="{D817B870-27CB-4CFA-8418-96999225DDD0}">
+      <dsp:nvSpPr>
+        <dsp:cNvPr id="0" name=""/>
+        <dsp:cNvSpPr/>
+      </dsp:nvSpPr>
+      <dsp:spPr>
+        <a:xfrm>
+          <a:off x="3962400" y="1940560"/>
+          <a:ext cx="2133600" cy="1737360"/>
+        </a:xfrm>
+        <a:prstGeom prst="rect">
+          <a:avLst/>
+        </a:prstGeom>
+        <a:noFill/>
+        <a:ln w="25400" cap="flat" cmpd="sng" algn="ctr">
+          <a:noFill/>
+          <a:prstDash val="solid"/>
+        </a:ln>
+        <a:effectLst/>
+        <a:sp3d/>
+      </dsp:spPr>
+      <dsp:style>
+        <a:lnRef idx="2">
+          <a:scrgbClr r="0" g="0" b="0"/>
+        </a:lnRef>
+        <a:fillRef idx="1">
+          <a:scrgbClr r="0" g="0" b="0"/>
+        </a:fillRef>
+        <a:effectRef idx="0">
+          <a:scrgbClr r="0" g="0" b="0"/>
+        </a:effectRef>
+        <a:fontRef idx="minor"/>
+      </dsp:style>
+      <dsp:txBody>
+        <a:bodyPr spcFirstLastPara="0" vert="horz" wrap="square" lIns="72390" tIns="72390" rIns="72390" bIns="72390" numCol="1" spcCol="1270" anchor="ctr" anchorCtr="0">
+          <a:noAutofit/>
+        </a:bodyPr>
+        <a:lstStyle/>
+        <a:p>
+          <a:pPr marL="171450" lvl="1" indent="-171450" algn="l" defTabSz="844550">
+            <a:lnSpc>
+              <a:spcPct val="90000"/>
+            </a:lnSpc>
+            <a:spcBef>
+              <a:spcPct val="0"/>
+            </a:spcBef>
+            <a:spcAft>
+              <a:spcPct val="15000"/>
+            </a:spcAft>
+            <a:buChar char="••"/>
+          </a:pPr>
+          <a:endParaRPr lang="en-US" sz="1900" kern="1200" dirty="0"/>
+        </a:p>
+        <a:p>
+          <a:pPr marL="171450" lvl="1" indent="-171450" algn="l" defTabSz="844550">
+            <a:lnSpc>
+              <a:spcPct val="90000"/>
+            </a:lnSpc>
+            <a:spcBef>
+              <a:spcPct val="0"/>
+            </a:spcBef>
+            <a:spcAft>
+              <a:spcPct val="15000"/>
+            </a:spcAft>
+            <a:buChar char="••"/>
+          </a:pPr>
+          <a:r>
+            <a:rPr lang="en-US" sz="1900" kern="1200" dirty="0" smtClean="0"/>
+            <a:t>who like working with Restful API</a:t>
+          </a:r>
+          <a:endParaRPr lang="en-US" sz="1900" kern="1200" dirty="0"/>
+        </a:p>
+        <a:p>
+          <a:pPr marL="171450" lvl="1" indent="-171450" algn="l" defTabSz="844550">
+            <a:lnSpc>
+              <a:spcPct val="90000"/>
+            </a:lnSpc>
+            <a:spcBef>
+              <a:spcPct val="0"/>
+            </a:spcBef>
+            <a:spcAft>
+              <a:spcPct val="15000"/>
+            </a:spcAft>
+            <a:buChar char="••"/>
+          </a:pPr>
+          <a:r>
+            <a:rPr lang="en-US" sz="1900" kern="1200" dirty="0" smtClean="0"/>
+            <a:t>who are fans of open source </a:t>
+          </a:r>
+          <a:r>
+            <a:rPr lang="en-US" sz="1900" kern="1200" dirty="0" err="1" smtClean="0"/>
+            <a:t>softwares</a:t>
+          </a:r>
+          <a:r>
+            <a:rPr lang="en-US" sz="1900" kern="1200" dirty="0" smtClean="0"/>
+            <a:t> </a:t>
+          </a:r>
+          <a:endParaRPr lang="en-US" sz="1900" kern="1200" dirty="0"/>
+        </a:p>
+      </dsp:txBody>
+      <dsp:txXfrm>
+        <a:off x="3962400" y="1940560"/>
+        <a:ext cx="2133600" cy="1737360"/>
+      </dsp:txXfrm>
+    </dsp:sp>
+  </dsp:spTree>
+</dsp:drawing>
+</file>
+
+<file path=ppt/diagrams/drawing2.xml><?xml version="1.0" encoding="utf-8"?>
 <dsp:drawing xmlns:dgm="http://schemas.openxmlformats.org/drawingml/2006/diagram" xmlns:dsp="http://schemas.microsoft.com/office/drawing/2008/diagram" xmlns:a="http://schemas.openxmlformats.org/drawingml/2006/main">
   <dsp:spTree>
     <dsp:nvGrpSpPr>
@@ -2681,7 +4398,7 @@
 </dsp:drawing>
 </file>
 
-<file path=ppt/diagrams/drawing2.xml><?xml version="1.0" encoding="utf-8"?>
+<file path=ppt/diagrams/drawing3.xml><?xml version="1.0" encoding="utf-8"?>
 <dsp:drawing xmlns:dgm="http://schemas.openxmlformats.org/drawingml/2006/diagram" xmlns:dsp="http://schemas.microsoft.com/office/drawing/2008/diagram" xmlns:a="http://schemas.openxmlformats.org/drawingml/2006/main">
   <dsp:spTree>
     <dsp:nvGrpSpPr>
@@ -2990,31 +4707,7 @@
                 <a:schemeClr val="tx1"/>
               </a:solidFill>
             </a:rPr>
-            <a:t>Developing </a:t>
-          </a:r>
-          <a:r>
-            <a:rPr lang="en-US" sz="1600" b="0" kern="1200" dirty="0" smtClean="0">
-              <a:solidFill>
-                <a:schemeClr val="tx1"/>
-              </a:solidFill>
-            </a:rPr>
-            <a:t> more user-friendly </a:t>
-          </a:r>
-          <a:r>
-            <a:rPr lang="en-US" sz="1600" b="0" kern="1200" dirty="0" smtClean="0">
-              <a:solidFill>
-                <a:schemeClr val="tx1"/>
-              </a:solidFill>
-            </a:rPr>
-            <a:t>web </a:t>
-          </a:r>
-          <a:r>
-            <a:rPr lang="en-US" sz="1600" b="0" kern="1200" dirty="0" smtClean="0">
-              <a:solidFill>
-                <a:schemeClr val="tx1"/>
-              </a:solidFill>
-            </a:rPr>
-            <a:t>interface</a:t>
+            <a:t>Developing different language versions</a:t>
           </a:r>
           <a:endParaRPr lang="en-US" sz="1600" b="0" kern="1200" dirty="0">
             <a:solidFill>
@@ -3135,23 +4828,7 @@
                 <a:schemeClr val="tx1"/>
               </a:solidFill>
             </a:rPr>
-            <a:t> Developing </a:t>
-          </a:r>
-          <a:r>
-            <a:rPr lang="en-US" sz="1600" b="0" kern="1200" dirty="0" smtClean="0">
-              <a:solidFill>
-                <a:schemeClr val="tx1"/>
-              </a:solidFill>
-            </a:rPr>
-            <a:t>apps for </a:t>
-          </a:r>
-          <a:r>
-            <a:rPr lang="en-US" sz="1600" b="0" kern="1200" dirty="0" smtClean="0">
-              <a:solidFill>
-                <a:schemeClr val="tx1"/>
-              </a:solidFill>
-            </a:rPr>
-            <a:t>mobile devices</a:t>
+            <a:t> Developing apps for mobile devices</a:t>
           </a:r>
           <a:endParaRPr lang="en-US" sz="1600" b="0" kern="1200" dirty="0">
             <a:solidFill>
@@ -3218,6 +4895,2519 @@
 </file>
 
 <file path=ppt/diagrams/layout1.xml><?xml version="1.0" encoding="utf-8"?>
+<dgm:layoutDef xmlns:dgm="http://schemas.openxmlformats.org/drawingml/2006/diagram" xmlns:a="http://schemas.openxmlformats.org/drawingml/2006/main" uniqueId="urn:microsoft.com/office/officeart/2005/8/layout/target3">
+  <dgm:title val=""/>
+  <dgm:desc val=""/>
+  <dgm:catLst>
+    <dgm:cat type="relationship" pri="11000"/>
+    <dgm:cat type="list" pri="22000"/>
+    <dgm:cat type="convert" pri="4000"/>
+  </dgm:catLst>
+  <dgm:sampData>
+    <dgm:dataModel>
+      <dgm:ptLst>
+        <dgm:pt modelId="0" type="doc"/>
+        <dgm:pt modelId="1">
+          <dgm:prSet phldr="1"/>
+        </dgm:pt>
+        <dgm:pt modelId="11">
+          <dgm:prSet phldr="1"/>
+        </dgm:pt>
+        <dgm:pt modelId="12">
+          <dgm:prSet phldr="1"/>
+        </dgm:pt>
+        <dgm:pt modelId="2">
+          <dgm:prSet phldr="1"/>
+        </dgm:pt>
+        <dgm:pt modelId="21">
+          <dgm:prSet phldr="1"/>
+        </dgm:pt>
+        <dgm:pt modelId="22">
+          <dgm:prSet phldr="1"/>
+        </dgm:pt>
+        <dgm:pt modelId="3">
+          <dgm:prSet phldr="1"/>
+        </dgm:pt>
+        <dgm:pt modelId="31">
+          <dgm:prSet phldr="1"/>
+        </dgm:pt>
+        <dgm:pt modelId="32">
+          <dgm:prSet phldr="1"/>
+        </dgm:pt>
+      </dgm:ptLst>
+      <dgm:cxnLst>
+        <dgm:cxn modelId="4" srcId="0" destId="1" srcOrd="0" destOrd="0"/>
+        <dgm:cxn modelId="5" srcId="0" destId="2" srcOrd="1" destOrd="0"/>
+        <dgm:cxn modelId="6" srcId="0" destId="3" srcOrd="2" destOrd="0"/>
+        <dgm:cxn modelId="41" srcId="1" destId="11" srcOrd="0" destOrd="0"/>
+        <dgm:cxn modelId="42" srcId="1" destId="12" srcOrd="1" destOrd="0"/>
+        <dgm:cxn modelId="51" srcId="2" destId="21" srcOrd="0" destOrd="0"/>
+        <dgm:cxn modelId="52" srcId="2" destId="22" srcOrd="1" destOrd="0"/>
+        <dgm:cxn modelId="61" srcId="3" destId="31" srcOrd="0" destOrd="0"/>
+        <dgm:cxn modelId="62" srcId="3" destId="32" srcOrd="1" destOrd="0"/>
+      </dgm:cxnLst>
+      <dgm:bg/>
+      <dgm:whole/>
+    </dgm:dataModel>
+  </dgm:sampData>
+  <dgm:styleData>
+    <dgm:dataModel>
+      <dgm:ptLst>
+        <dgm:pt modelId="0" type="doc"/>
+        <dgm:pt modelId="1"/>
+        <dgm:pt modelId="11"/>
+        <dgm:pt modelId="12"/>
+        <dgm:pt modelId="2"/>
+        <dgm:pt modelId="21"/>
+        <dgm:pt modelId="22"/>
+        <dgm:pt modelId="3"/>
+        <dgm:pt modelId="31"/>
+        <dgm:pt modelId="32"/>
+      </dgm:ptLst>
+      <dgm:cxnLst>
+        <dgm:cxn modelId="4" srcId="0" destId="1" srcOrd="0" destOrd="0"/>
+        <dgm:cxn modelId="5" srcId="0" destId="2" srcOrd="1" destOrd="0"/>
+        <dgm:cxn modelId="6" srcId="0" destId="3" srcOrd="2" destOrd="0"/>
+        <dgm:cxn modelId="41" srcId="1" destId="11" srcOrd="0" destOrd="0"/>
+        <dgm:cxn modelId="42" srcId="1" destId="12" srcOrd="1" destOrd="0"/>
+        <dgm:cxn modelId="51" srcId="2" destId="21" srcOrd="0" destOrd="0"/>
+        <dgm:cxn modelId="52" srcId="2" destId="22" srcOrd="1" destOrd="0"/>
+        <dgm:cxn modelId="61" srcId="3" destId="31" srcOrd="0" destOrd="0"/>
+        <dgm:cxn modelId="62" srcId="3" destId="32" srcOrd="1" destOrd="0"/>
+      </dgm:cxnLst>
+      <dgm:bg/>
+      <dgm:whole/>
+    </dgm:dataModel>
+  </dgm:styleData>
+  <dgm:clrData>
+    <dgm:dataModel>
+      <dgm:ptLst>
+        <dgm:pt modelId="0" type="doc"/>
+        <dgm:pt modelId="1"/>
+        <dgm:pt modelId="11"/>
+        <dgm:pt modelId="12"/>
+        <dgm:pt modelId="2"/>
+        <dgm:pt modelId="21"/>
+        <dgm:pt modelId="22"/>
+        <dgm:pt modelId="3"/>
+        <dgm:pt modelId="31"/>
+        <dgm:pt modelId="32"/>
+      </dgm:ptLst>
+      <dgm:cxnLst>
+        <dgm:cxn modelId="4" srcId="0" destId="1" srcOrd="0" destOrd="0"/>
+        <dgm:cxn modelId="5" srcId="0" destId="2" srcOrd="1" destOrd="0"/>
+        <dgm:cxn modelId="6" srcId="0" destId="3" srcOrd="2" destOrd="0"/>
+        <dgm:cxn modelId="41" srcId="1" destId="11" srcOrd="0" destOrd="0"/>
+        <dgm:cxn modelId="42" srcId="1" destId="12" srcOrd="1" destOrd="0"/>
+        <dgm:cxn modelId="51" srcId="2" destId="21" srcOrd="0" destOrd="0"/>
+        <dgm:cxn modelId="52" srcId="2" destId="22" srcOrd="1" destOrd="0"/>
+        <dgm:cxn modelId="61" srcId="3" destId="31" srcOrd="0" destOrd="0"/>
+        <dgm:cxn modelId="62" srcId="3" destId="32" srcOrd="1" destOrd="0"/>
+      </dgm:cxnLst>
+      <dgm:bg/>
+      <dgm:whole/>
+    </dgm:dataModel>
+  </dgm:clrData>
+  <dgm:layoutNode name="Name0">
+    <dgm:varLst>
+      <dgm:chMax val="7"/>
+      <dgm:dir/>
+      <dgm:animLvl val="lvl"/>
+      <dgm:resizeHandles val="exact"/>
+    </dgm:varLst>
+    <dgm:alg type="composite"/>
+    <dgm:shape xmlns:r="http://schemas.openxmlformats.org/officeDocument/2006/relationships" r:blip="">
+      <dgm:adjLst/>
+    </dgm:shape>
+    <dgm:presOf/>
+    <dgm:choose name="Name1">
+      <dgm:if name="Name2" func="var" arg="dir" op="equ" val="norm">
+        <dgm:choose name="Name3">
+          <dgm:if name="Name4" axis="ch" ptType="node" func="cnt" op="equ" val="1">
+            <dgm:constrLst>
+              <dgm:constr type="userA" refType="w" fact="0.3"/>
+              <dgm:constr type="w" for="ch" forName="circle1" refType="userA" fact="2"/>
+              <dgm:constr type="h" for="ch" forName="circle1" refType="w" refFor="ch" refForName="circle1" op="equ"/>
+              <dgm:constr type="l" for="ch" forName="circle1"/>
+              <dgm:constr type="ctrY" for="ch" forName="circle1" refType="h" fact="0.5"/>
+              <dgm:constr type="l" for="ch" forName="space" refType="ctrX" refFor="ch" refForName="circle1"/>
+              <dgm:constr type="w" for="ch" forName="space"/>
+              <dgm:constr type="h" for="ch" forName="space" refType="h" refFor="ch" refForName="circle1"/>
+              <dgm:constr type="b" for="ch" forName="space" refType="b" refFor="ch" refForName="circle1"/>
+              <dgm:constr type="l" for="ch" forName="rect1" refType="r" refFor="ch" refForName="space"/>
+              <dgm:constr type="r" for="ch" forName="rect1" refType="w"/>
+              <dgm:constr type="h" for="ch" forName="rect1" refType="h" refFor="ch" refForName="circle1"/>
+              <dgm:constr type="b" for="ch" forName="rect1" refType="b" refFor="ch" refForName="circle1"/>
+              <dgm:constr type="l" for="ch" forName="rect1ParTx" refType="r" refFor="ch" refForName="space"/>
+              <dgm:constr type="w" for="ch" forName="rect1ParTx" refType="w" refFor="ch" refForName="rect1" fact="0.5"/>
+              <dgm:constr type="t" for="ch" forName="rect1ParTx" refType="t" refFor="ch" refForName="rect1"/>
+              <dgm:constr type="b" for="ch" forName="rect1ParTx" refType="b" refFor="ch" refForName="rect1"/>
+              <dgm:constr type="l" for="ch" forName="rect1ChTx" refType="r" refFor="ch" refForName="rect1ParTx"/>
+              <dgm:constr type="w" for="ch" forName="rect1ChTx" refType="w" refFor="ch" refForName="rect1ParTx"/>
+              <dgm:constr type="t" for="ch" forName="rect1ChTx" refType="t" refFor="ch" refForName="rect1ParTx"/>
+              <dgm:constr type="b" for="ch" forName="rect1ChTx" refType="b" refFor="ch" refForName="rect1ParTx"/>
+              <dgm:constr type="l" for="ch" forName="rect1ParTxNoCh" refType="r" refFor="ch" refForName="space"/>
+              <dgm:constr type="w" for="ch" forName="rect1ParTxNoCh" refType="w" refFor="ch" refForName="rect1"/>
+              <dgm:constr type="t" for="ch" forName="rect1ParTxNoCh" refType="t" refFor="ch" refForName="rect1"/>
+              <dgm:constr type="b" for="ch" forName="rect1ParTxNoCh" refType="b" refFor="ch" refForName="rect1"/>
+              <dgm:constr type="primFontSz" for="ch" op="equ" val="65"/>
+              <dgm:constr type="secFontSz" for="ch" op="equ" val="65"/>
+            </dgm:constrLst>
+          </dgm:if>
+          <dgm:if name="Name5" axis="ch" ptType="node" func="cnt" op="equ" val="2">
+            <dgm:constrLst>
+              <dgm:constr type="userA" refType="w" fact="0.3"/>
+              <dgm:constr type="w" for="ch" forName="circle1" refType="userA" fact="2"/>
+              <dgm:constr type="h" for="ch" forName="circle1" refType="w" refFor="ch" refForName="circle1" op="equ"/>
+              <dgm:constr type="l" for="ch" forName="circle1"/>
+              <dgm:constr type="ctrY" for="ch" forName="circle1" refType="h" fact="0.5"/>
+              <dgm:constr type="l" for="ch" forName="space" refType="ctrX" refFor="ch" refForName="circle1"/>
+              <dgm:constr type="w" for="ch" forName="space"/>
+              <dgm:constr type="h" for="ch" forName="space" refType="h" refFor="ch" refForName="circle1"/>
+              <dgm:constr type="b" for="ch" forName="space" refType="b" refFor="ch" refForName="circle1"/>
+              <dgm:constr type="l" for="ch" forName="rect1" refType="r" refFor="ch" refForName="space"/>
+              <dgm:constr type="r" for="ch" forName="rect1" refType="w"/>
+              <dgm:constr type="h" for="ch" forName="rect1" refType="h" refFor="ch" refForName="circle1"/>
+              <dgm:constr type="b" for="ch" forName="rect1" refType="b" refFor="ch" refForName="circle1"/>
+              <dgm:constr type="l" for="ch" forName="vertSpace2"/>
+              <dgm:constr type="w" for="ch" forName="vertSpace2" refType="w"/>
+              <dgm:constr type="h" for="ch" forName="vertSpace2" refType="h" refFor="ch" refForName="circle1" fact="0.05"/>
+              <dgm:constr type="b" for="ch" forName="vertSpace2" refType="b" refFor="ch" refForName="circle1"/>
+              <dgm:constr type="ctrX" for="ch" forName="circle2" refType="l" refFor="ch" refForName="space"/>
+              <dgm:constr type="h" for="ch" forName="circle2" refType="h" refFor="ch" refForName="circle1" fact="0.5"/>
+              <dgm:constr type="hOff" for="ch" forName="circle2" refType="h" refFor="ch" refForName="vertSpace2" fact="-0.5"/>
+              <dgm:constr type="w" for="ch" forName="circle2" refType="h" refFor="ch" refForName="circle2" op="equ"/>
+              <dgm:constr type="wOff" for="ch" forName="circle2" refType="hOff" refFor="ch" refForName="circle2" op="equ"/>
+              <dgm:constr type="b" for="ch" forName="circle2" refType="t" refFor="ch" refForName="vertSpace2"/>
+              <dgm:constr type="l" for="ch" forName="rect2" refType="r" refFor="ch" refForName="space"/>
+              <dgm:constr type="r" for="ch" forName="rect2" refType="w"/>
+              <dgm:constr type="h" for="ch" forName="rect2" refType="h" refFor="ch" refForName="circle2"/>
+              <dgm:constr type="hOff" for="ch" forName="rect2" refType="hOff" refFor="ch" refForName="circle2"/>
+              <dgm:constr type="b" for="ch" forName="rect2" refType="b" refFor="ch" refForName="circle2"/>
+              <dgm:constr type="l" for="ch" forName="rect2ParTx" refType="r" refFor="ch" refForName="space"/>
+              <dgm:constr type="w" for="ch" forName="rect2ParTx" refType="w" refFor="ch" refForName="rect2" fact="0.5"/>
+              <dgm:constr type="t" for="ch" forName="rect2ParTx" refType="t" refFor="ch" refForName="rect2"/>
+              <dgm:constr type="b" for="ch" forName="rect2ParTx" refType="b" refFor="ch" refForName="rect2"/>
+              <dgm:constr type="l" for="ch" forName="rect2ChTx" refType="r" refFor="ch" refForName="rect2ParTx"/>
+              <dgm:constr type="w" for="ch" forName="rect2ChTx" refType="w" refFor="ch" refForName="rect2ParTx"/>
+              <dgm:constr type="t" for="ch" forName="rect2ChTx" refType="t" refFor="ch" refForName="rect2ParTx"/>
+              <dgm:constr type="b" for="ch" forName="rect2ChTx" refType="b" refFor="ch" refForName="rect2ParTx"/>
+              <dgm:constr type="l" for="ch" forName="rect2ParTxNoCh" refType="r" refFor="ch" refForName="space"/>
+              <dgm:constr type="w" for="ch" forName="rect2ParTxNoCh" refType="w" refFor="ch" refForName="rect2"/>
+              <dgm:constr type="t" for="ch" forName="rect2ParTxNoCh" refType="t" refFor="ch" refForName="rect2"/>
+              <dgm:constr type="b" for="ch" forName="rect2ParTxNoCh" refType="b" refFor="ch" refForName="rect2"/>
+              <dgm:constr type="l" for="ch" forName="rect1ParTx" refType="r" refFor="ch" refForName="space"/>
+              <dgm:constr type="w" for="ch" forName="rect1ParTx" refType="w" refFor="ch" refForName="rect1" fact="0.5"/>
+              <dgm:constr type="t" for="ch" forName="rect1ParTx" refType="t" refFor="ch" refForName="rect1"/>
+              <dgm:constr type="b" for="ch" forName="rect1ParTx" refType="t" refFor="ch" refForName="rect2"/>
+              <dgm:constr type="l" for="ch" forName="rect1ChTx" refType="r" refFor="ch" refForName="rect1ParTx"/>
+              <dgm:constr type="w" for="ch" forName="rect1ChTx" refType="w" refFor="ch" refForName="rect1ParTx"/>
+              <dgm:constr type="t" for="ch" forName="rect1ChTx" refType="t" refFor="ch" refForName="rect1ParTx"/>
+              <dgm:constr type="b" for="ch" forName="rect1ChTx" refType="b" refFor="ch" refForName="rect1ParTx"/>
+              <dgm:constr type="l" for="ch" forName="rect1ParTxNoCh" refType="r" refFor="ch" refForName="space"/>
+              <dgm:constr type="w" for="ch" forName="rect1ParTxNoCh" refType="w" refFor="ch" refForName="rect1"/>
+              <dgm:constr type="t" for="ch" forName="rect1ParTxNoCh" refType="t" refFor="ch" refForName="rect1"/>
+              <dgm:constr type="b" for="ch" forName="rect1ParTxNoCh" refType="t" refFor="ch" refForName="rect2"/>
+              <dgm:constr type="primFontSz" for="ch" op="equ" val="65"/>
+              <dgm:constr type="secFontSz" for="ch" op="equ" val="65"/>
+            </dgm:constrLst>
+          </dgm:if>
+          <dgm:if name="Name6" axis="ch" ptType="node" func="cnt" op="equ" val="3">
+            <dgm:constrLst>
+              <dgm:constr type="userA" refType="w" fact="0.3"/>
+              <dgm:constr type="w" for="ch" forName="circle1" refType="userA" fact="2"/>
+              <dgm:constr type="h" for="ch" forName="circle1" refType="w" refFor="ch" refForName="circle1" op="equ"/>
+              <dgm:constr type="l" for="ch" forName="circle1"/>
+              <dgm:constr type="ctrY" for="ch" forName="circle1" refType="h" fact="0.5"/>
+              <dgm:constr type="l" for="ch" forName="space" refType="ctrX" refFor="ch" refForName="circle1"/>
+              <dgm:constr type="w" for="ch" forName="space"/>
+              <dgm:constr type="h" for="ch" forName="space" refType="h" refFor="ch" refForName="circle1"/>
+              <dgm:constr type="b" for="ch" forName="space" refType="b" refFor="ch" refForName="circle1"/>
+              <dgm:constr type="l" for="ch" forName="rect1" refType="r" refFor="ch" refForName="space"/>
+              <dgm:constr type="r" for="ch" forName="rect1" refType="w"/>
+              <dgm:constr type="h" for="ch" forName="rect1" refType="h" refFor="ch" refForName="circle1"/>
+              <dgm:constr type="b" for="ch" forName="rect1" refType="b" refFor="ch" refForName="circle1"/>
+              <dgm:constr type="l" for="ch" forName="vertSpace2"/>
+              <dgm:constr type="w" for="ch" forName="vertSpace2" refType="w"/>
+              <dgm:constr type="h" for="ch" forName="vertSpace2" refType="h" refFor="ch" refForName="circle1" fact="0.05"/>
+              <dgm:constr type="b" for="ch" forName="vertSpace2" refType="b" refFor="ch" refForName="circle1"/>
+              <dgm:constr type="ctrX" for="ch" forName="circle2" refType="l" refFor="ch" refForName="space"/>
+              <dgm:constr type="h" for="ch" forName="circle2" refType="h" refFor="ch" refForName="circle1" fact="0.66667"/>
+              <dgm:constr type="hOff" for="ch" forName="circle2" refType="h" refFor="ch" refForName="vertSpace2" fact="-0.33333"/>
+              <dgm:constr type="w" for="ch" forName="circle2" refType="h" refFor="ch" refForName="circle2" op="equ"/>
+              <dgm:constr type="wOff" for="ch" forName="circle2" refType="hOff" refFor="ch" refForName="circle2" op="equ"/>
+              <dgm:constr type="b" for="ch" forName="circle2" refType="t" refFor="ch" refForName="vertSpace2"/>
+              <dgm:constr type="l" for="ch" forName="rect2" refType="r" refFor="ch" refForName="space"/>
+              <dgm:constr type="r" for="ch" forName="rect2" refType="w"/>
+              <dgm:constr type="h" for="ch" forName="rect2" refType="h" refFor="ch" refForName="circle2"/>
+              <dgm:constr type="hOff" for="ch" forName="rect2" refType="hOff" refFor="ch" refForName="circle2"/>
+              <dgm:constr type="b" for="ch" forName="rect2" refType="b" refFor="ch" refForName="circle2"/>
+              <dgm:constr type="l" for="ch" forName="vertSpace3"/>
+              <dgm:constr type="w" for="ch" forName="vertSpace3" refType="w"/>
+              <dgm:constr type="h" for="ch" forName="vertSpace3" refType="h" refFor="ch" refForName="vertSpace2"/>
+              <dgm:constr type="b" for="ch" forName="vertSpace3" refType="t" refFor="ch" refForName="vertSpace2"/>
+              <dgm:constr type="ctrX" for="ch" forName="circle3" refType="l" refFor="ch" refForName="space"/>
+              <dgm:constr type="h" for="ch" forName="circle3" refType="h" refFor="ch" refForName="circle1" fact="0.33333"/>
+              <dgm:constr type="hOff" for="ch" forName="circle3" refType="h" refFor="ch" refForName="vertSpace2" fact="-0.66667"/>
+              <dgm:constr type="w" for="ch" forName="circle3" refType="h" refFor="ch" refForName="circle3" op="equ"/>
+              <dgm:constr type="wOff" for="ch" forName="circle3" refType="hOff" refFor="ch" refForName="circle3" op="equ"/>
+              <dgm:constr type="b" for="ch" forName="circle3" refType="t" refFor="ch" refForName="vertSpace3"/>
+              <dgm:constr type="l" for="ch" forName="rect3" refType="r" refFor="ch" refForName="space"/>
+              <dgm:constr type="r" for="ch" forName="rect3" refType="w"/>
+              <dgm:constr type="h" for="ch" forName="rect3" refType="h" refFor="ch" refForName="circle3"/>
+              <dgm:constr type="hOff" for="ch" forName="rect3" refType="hOff" refFor="ch" refForName="circle3"/>
+              <dgm:constr type="b" for="ch" forName="rect3" refType="b" refFor="ch" refForName="circle3"/>
+              <dgm:constr type="l" for="ch" forName="rect3ParTx" refType="r" refFor="ch" refForName="space"/>
+              <dgm:constr type="w" for="ch" forName="rect3ParTx" refType="w" refFor="ch" refForName="rect3" fact="0.5"/>
+              <dgm:constr type="t" for="ch" forName="rect3ParTx" refType="t" refFor="ch" refForName="rect3"/>
+              <dgm:constr type="b" for="ch" forName="rect3ParTx" refType="b" refFor="ch" refForName="rect3"/>
+              <dgm:constr type="l" for="ch" forName="rect3ChTx" refType="r" refFor="ch" refForName="rect3ParTx"/>
+              <dgm:constr type="w" for="ch" forName="rect3ChTx" refType="w" refFor="ch" refForName="rect3ParTx"/>
+              <dgm:constr type="t" for="ch" forName="rect3ChTx" refType="t" refFor="ch" refForName="rect3ParTx"/>
+              <dgm:constr type="b" for="ch" forName="rect3ChTx" refType="b" refFor="ch" refForName="rect3ParTx"/>
+              <dgm:constr type="l" for="ch" forName="rect3ParTxNoCh" refType="r" refFor="ch" refForName="space"/>
+              <dgm:constr type="w" for="ch" forName="rect3ParTxNoCh" refType="w" refFor="ch" refForName="rect3"/>
+              <dgm:constr type="t" for="ch" forName="rect3ParTxNoCh" refType="t" refFor="ch" refForName="rect3"/>
+              <dgm:constr type="b" for="ch" forName="rect3ParTxNoCh" refType="b" refFor="ch" refForName="rect3"/>
+              <dgm:constr type="l" for="ch" forName="rect1ParTx" refType="r" refFor="ch" refForName="space"/>
+              <dgm:constr type="w" for="ch" forName="rect1ParTx" refType="w" refFor="ch" refForName="rect1" fact="0.5"/>
+              <dgm:constr type="t" for="ch" forName="rect1ParTx" refType="t" refFor="ch" refForName="rect1"/>
+              <dgm:constr type="b" for="ch" forName="rect1ParTx" refType="t" refFor="ch" refForName="rect2"/>
+              <dgm:constr type="l" for="ch" forName="rect1ChTx" refType="r" refFor="ch" refForName="rect1ParTx"/>
+              <dgm:constr type="w" for="ch" forName="rect1ChTx" refType="w" refFor="ch" refForName="rect1ParTx"/>
+              <dgm:constr type="t" for="ch" forName="rect1ChTx" refType="t" refFor="ch" refForName="rect1ParTx"/>
+              <dgm:constr type="b" for="ch" forName="rect1ChTx" refType="b" refFor="ch" refForName="rect1ParTx"/>
+              <dgm:constr type="l" for="ch" forName="rect1ParTxNoCh" refType="r" refFor="ch" refForName="space"/>
+              <dgm:constr type="w" for="ch" forName="rect1ParTxNoCh" refType="w" refFor="ch" refForName="rect1"/>
+              <dgm:constr type="t" for="ch" forName="rect1ParTxNoCh" refType="t" refFor="ch" refForName="rect1"/>
+              <dgm:constr type="b" for="ch" forName="rect1ParTxNoCh" refType="t" refFor="ch" refForName="rect2"/>
+              <dgm:constr type="l" for="ch" forName="rect2ParTx" refType="r" refFor="ch" refForName="space"/>
+              <dgm:constr type="w" for="ch" forName="rect2ParTx" refType="w" refFor="ch" refForName="rect2" fact="0.5"/>
+              <dgm:constr type="t" for="ch" forName="rect2ParTx" refType="t" refFor="ch" refForName="rect2"/>
+              <dgm:constr type="b" for="ch" forName="rect2ParTx" refType="t" refFor="ch" refForName="rect3"/>
+              <dgm:constr type="l" for="ch" forName="rect2ChTx" refType="r" refFor="ch" refForName="rect2ParTx"/>
+              <dgm:constr type="w" for="ch" forName="rect2ChTx" refType="w" refFor="ch" refForName="rect2ParTx"/>
+              <dgm:constr type="t" for="ch" forName="rect2ChTx" refType="t" refFor="ch" refForName="rect2ParTx"/>
+              <dgm:constr type="b" for="ch" forName="rect2ChTx" refType="b" refFor="ch" refForName="rect2ParTx"/>
+              <dgm:constr type="l" for="ch" forName="rect2ParTxNoCh" refType="r" refFor="ch" refForName="space"/>
+              <dgm:constr type="w" for="ch" forName="rect2ParTxNoCh" refType="w" refFor="ch" refForName="rect2"/>
+              <dgm:constr type="t" for="ch" forName="rect2ParTxNoCh" refType="t" refFor="ch" refForName="rect2"/>
+              <dgm:constr type="b" for="ch" forName="rect2ParTxNoCh" refType="t" refFor="ch" refForName="rect3"/>
+              <dgm:constr type="primFontSz" for="ch" op="equ" val="65"/>
+              <dgm:constr type="secFontSz" for="ch" op="equ" val="65"/>
+            </dgm:constrLst>
+          </dgm:if>
+          <dgm:if name="Name7" axis="ch" ptType="node" func="cnt" op="equ" val="4">
+            <dgm:constrLst>
+              <dgm:constr type="userA" refType="w" fact="0.3"/>
+              <dgm:constr type="w" for="ch" forName="circle1" refType="userA" fact="2"/>
+              <dgm:constr type="h" for="ch" forName="circle1" refType="w" refFor="ch" refForName="circle1" op="equ"/>
+              <dgm:constr type="l" for="ch" forName="circle1"/>
+              <dgm:constr type="ctrY" for="ch" forName="circle1" refType="h" fact="0.5"/>
+              <dgm:constr type="l" for="ch" forName="space" refType="ctrX" refFor="ch" refForName="circle1"/>
+              <dgm:constr type="w" for="ch" forName="space"/>
+              <dgm:constr type="h" for="ch" forName="space" refType="h" refFor="ch" refForName="circle1"/>
+              <dgm:constr type="b" for="ch" forName="space" refType="b" refFor="ch" refForName="circle1"/>
+              <dgm:constr type="l" for="ch" forName="rect1" refType="r" refFor="ch" refForName="space"/>
+              <dgm:constr type="r" for="ch" forName="rect1" refType="w"/>
+              <dgm:constr type="h" for="ch" forName="rect1" refType="h" refFor="ch" refForName="circle1"/>
+              <dgm:constr type="b" for="ch" forName="rect1" refType="b" refFor="ch" refForName="circle1"/>
+              <dgm:constr type="l" for="ch" forName="vertSpace2"/>
+              <dgm:constr type="w" for="ch" forName="vertSpace2" refType="w"/>
+              <dgm:constr type="h" for="ch" forName="vertSpace2" refType="h" refFor="ch" refForName="circle1" fact="0.05"/>
+              <dgm:constr type="b" for="ch" forName="vertSpace2" refType="b" refFor="ch" refForName="circle1"/>
+              <dgm:constr type="ctrX" for="ch" forName="circle2" refType="l" refFor="ch" refForName="space"/>
+              <dgm:constr type="h" for="ch" forName="circle2" refType="h" refFor="ch" refForName="circle1" fact="0.75"/>
+              <dgm:constr type="hOff" for="ch" forName="circle2" refType="h" refFor="ch" refForName="vertSpace2" fact="-0.25"/>
+              <dgm:constr type="w" for="ch" forName="circle2" refType="h" refFor="ch" refForName="circle2" op="equ"/>
+              <dgm:constr type="wOff" for="ch" forName="circle2" refType="hOff" refFor="ch" refForName="circle2" op="equ"/>
+              <dgm:constr type="b" for="ch" forName="circle2" refType="t" refFor="ch" refForName="vertSpace2"/>
+              <dgm:constr type="l" for="ch" forName="rect2" refType="r" refFor="ch" refForName="space"/>
+              <dgm:constr type="r" for="ch" forName="rect2" refType="w"/>
+              <dgm:constr type="h" for="ch" forName="rect2" refType="h" refFor="ch" refForName="circle2"/>
+              <dgm:constr type="hOff" for="ch" forName="rect2" refType="hOff" refFor="ch" refForName="circle2"/>
+              <dgm:constr type="b" for="ch" forName="rect2" refType="b" refFor="ch" refForName="circle2"/>
+              <dgm:constr type="l" for="ch" forName="vertSpace3"/>
+              <dgm:constr type="w" for="ch" forName="vertSpace3" refType="w"/>
+              <dgm:constr type="h" for="ch" forName="vertSpace3" refType="h" refFor="ch" refForName="vertSpace2"/>
+              <dgm:constr type="b" for="ch" forName="vertSpace3" refType="t" refFor="ch" refForName="vertSpace2"/>
+              <dgm:constr type="ctrX" for="ch" forName="circle3" refType="l" refFor="ch" refForName="space"/>
+              <dgm:constr type="h" for="ch" forName="circle3" refType="h" refFor="ch" refForName="circle1" fact="0.5"/>
+              <dgm:constr type="hOff" for="ch" forName="circle3" refType="h" refFor="ch" refForName="vertSpace2" fact="-0.5"/>
+              <dgm:constr type="w" for="ch" forName="circle3" refType="h" refFor="ch" refForName="circle3" op="equ"/>
+              <dgm:constr type="wOff" for="ch" forName="circle3" refType="hOff" refFor="ch" refForName="circle3" op="equ"/>
+              <dgm:constr type="b" for="ch" forName="circle3" refType="t" refFor="ch" refForName="vertSpace3"/>
+              <dgm:constr type="l" for="ch" forName="rect3" refType="r" refFor="ch" refForName="space"/>
+              <dgm:constr type="r" for="ch" forName="rect3" refType="w"/>
+              <dgm:constr type="h" for="ch" forName="rect3" refType="h" refFor="ch" refForName="circle3"/>
+              <dgm:constr type="hOff" for="ch" forName="rect3" refType="hOff" refFor="ch" refForName="circle3"/>
+              <dgm:constr type="b" for="ch" forName="rect3" refType="b" refFor="ch" refForName="circle3"/>
+              <dgm:constr type="l" for="ch" forName="vertSpace4"/>
+              <dgm:constr type="w" for="ch" forName="vertSpace4" refType="w"/>
+              <dgm:constr type="h" for="ch" forName="vertSpace4" refType="h" refFor="ch" refForName="vertSpace3"/>
+              <dgm:constr type="b" for="ch" forName="vertSpace4" refType="t" refFor="ch" refForName="vertSpace3"/>
+              <dgm:constr type="ctrX" for="ch" forName="circle4" refType="l" refFor="ch" refForName="space"/>
+              <dgm:constr type="h" for="ch" forName="circle4" refType="h" refFor="ch" refForName="circle1" fact="0.25"/>
+              <dgm:constr type="hOff" for="ch" forName="circle4" refType="h" refFor="ch" refForName="vertSpace2" fact="-0.75"/>
+              <dgm:constr type="w" for="ch" forName="circle4" refType="h" refFor="ch" refForName="circle4" op="equ"/>
+              <dgm:constr type="wOff" for="ch" forName="circle4" refType="hOff" refFor="ch" refForName="circle4" op="equ"/>
+              <dgm:constr type="b" for="ch" forName="circle4" refType="t" refFor="ch" refForName="vertSpace4"/>
+              <dgm:constr type="l" for="ch" forName="rect4" refType="r" refFor="ch" refForName="space"/>
+              <dgm:constr type="r" for="ch" forName="rect4" refType="w"/>
+              <dgm:constr type="h" for="ch" forName="rect4" refType="h" refFor="ch" refForName="circle4"/>
+              <dgm:constr type="hOff" for="ch" forName="rect4" refType="hOff" refFor="ch" refForName="circle4"/>
+              <dgm:constr type="b" for="ch" forName="rect4" refType="b" refFor="ch" refForName="circle4"/>
+              <dgm:constr type="l" for="ch" forName="rect4ParTx" refType="r" refFor="ch" refForName="space"/>
+              <dgm:constr type="w" for="ch" forName="rect4ParTx" refType="w" refFor="ch" refForName="rect4" fact="0.5"/>
+              <dgm:constr type="t" for="ch" forName="rect4ParTx" refType="t" refFor="ch" refForName="rect4"/>
+              <dgm:constr type="b" for="ch" forName="rect4ParTx" refType="b" refFor="ch" refForName="rect4"/>
+              <dgm:constr type="l" for="ch" forName="rect4ChTx" refType="r" refFor="ch" refForName="rect4ParTx"/>
+              <dgm:constr type="w" for="ch" forName="rect4ChTx" refType="w" refFor="ch" refForName="rect4ParTx"/>
+              <dgm:constr type="t" for="ch" forName="rect4ChTx" refType="t" refFor="ch" refForName="rect4ParTx"/>
+              <dgm:constr type="b" for="ch" forName="rect4ChTx" refType="b" refFor="ch" refForName="rect4ParTx"/>
+              <dgm:constr type="l" for="ch" forName="rect4ParTxNoCh" refType="r" refFor="ch" refForName="space"/>
+              <dgm:constr type="w" for="ch" forName="rect4ParTxNoCh" refType="w" refFor="ch" refForName="rect4"/>
+              <dgm:constr type="t" for="ch" forName="rect4ParTxNoCh" refType="t" refFor="ch" refForName="rect4"/>
+              <dgm:constr type="b" for="ch" forName="rect4ParTxNoCh" refType="b" refFor="ch" refForName="rect4"/>
+              <dgm:constr type="l" for="ch" forName="rect1ParTx" refType="r" refFor="ch" refForName="space"/>
+              <dgm:constr type="w" for="ch" forName="rect1ParTx" refType="w" refFor="ch" refForName="rect1" fact="0.5"/>
+              <dgm:constr type="t" for="ch" forName="rect1ParTx" refType="t" refFor="ch" refForName="rect1"/>
+              <dgm:constr type="b" for="ch" forName="rect1ParTx" refType="t" refFor="ch" refForName="rect2"/>
+              <dgm:constr type="l" for="ch" forName="rect1ChTx" refType="r" refFor="ch" refForName="rect1ParTx"/>
+              <dgm:constr type="w" for="ch" forName="rect1ChTx" refType="w" refFor="ch" refForName="rect1ParTx"/>
+              <dgm:constr type="t" for="ch" forName="rect1ChTx" refType="t" refFor="ch" refForName="rect1ParTx"/>
+              <dgm:constr type="b" for="ch" forName="rect1ChTx" refType="b" refFor="ch" refForName="rect1ParTx"/>
+              <dgm:constr type="l" for="ch" forName="rect1ParTxNoCh" refType="r" refFor="ch" refForName="space"/>
+              <dgm:constr type="w" for="ch" forName="rect1ParTxNoCh" refType="w" refFor="ch" refForName="rect1"/>
+              <dgm:constr type="t" for="ch" forName="rect1ParTxNoCh" refType="t" refFor="ch" refForName="rect1"/>
+              <dgm:constr type="b" for="ch" forName="rect1ParTxNoCh" refType="t" refFor="ch" refForName="rect2"/>
+              <dgm:constr type="l" for="ch" forName="rect2ParTx" refType="r" refFor="ch" refForName="space"/>
+              <dgm:constr type="w" for="ch" forName="rect2ParTx" refType="w" refFor="ch" refForName="rect2" fact="0.5"/>
+              <dgm:constr type="t" for="ch" forName="rect2ParTx" refType="t" refFor="ch" refForName="rect2"/>
+              <dgm:constr type="b" for="ch" forName="rect2ParTx" refType="t" refFor="ch" refForName="rect3"/>
+              <dgm:constr type="l" for="ch" forName="rect2ChTx" refType="r" refFor="ch" refForName="rect2ParTx"/>
+              <dgm:constr type="w" for="ch" forName="rect2ChTx" refType="w" refFor="ch" refForName="rect2ParTx"/>
+              <dgm:constr type="t" for="ch" forName="rect2ChTx" refType="t" refFor="ch" refForName="rect2ParTx"/>
+              <dgm:constr type="b" for="ch" forName="rect2ChTx" refType="b" refFor="ch" refForName="rect2ParTx"/>
+              <dgm:constr type="l" for="ch" forName="rect2ParTxNoCh" refType="r" refFor="ch" refForName="space"/>
+              <dgm:constr type="w" for="ch" forName="rect2ParTxNoCh" refType="w" refFor="ch" refForName="rect2"/>
+              <dgm:constr type="t" for="ch" forName="rect2ParTxNoCh" refType="t" refFor="ch" refForName="rect2"/>
+              <dgm:constr type="b" for="ch" forName="rect2ParTxNoCh" refType="t" refFor="ch" refForName="rect3"/>
+              <dgm:constr type="l" for="ch" forName="rect3ParTx" refType="r" refFor="ch" refForName="space"/>
+              <dgm:constr type="w" for="ch" forName="rect3ParTx" refType="w" refFor="ch" refForName="rect3" fact="0.5"/>
+              <dgm:constr type="t" for="ch" forName="rect3ParTx" refType="t" refFor="ch" refForName="rect3"/>
+              <dgm:constr type="b" for="ch" forName="rect3ParTx" refType="t" refFor="ch" refForName="rect4"/>
+              <dgm:constr type="l" for="ch" forName="rect3ChTx" refType="r" refFor="ch" refForName="rect3ParTx"/>
+              <dgm:constr type="w" for="ch" forName="rect3ChTx" refType="w" refFor="ch" refForName="rect3ParTx"/>
+              <dgm:constr type="t" for="ch" forName="rect3ChTx" refType="t" refFor="ch" refForName="rect3ParTx"/>
+              <dgm:constr type="b" for="ch" forName="rect3ChTx" refType="b" refFor="ch" refForName="rect3ParTx"/>
+              <dgm:constr type="l" for="ch" forName="rect3ParTxNoCh" refType="r" refFor="ch" refForName="space"/>
+              <dgm:constr type="w" for="ch" forName="rect3ParTxNoCh" refType="w" refFor="ch" refForName="rect3"/>
+              <dgm:constr type="t" for="ch" forName="rect3ParTxNoCh" refType="t" refFor="ch" refForName="rect3"/>
+              <dgm:constr type="b" for="ch" forName="rect3ParTxNoCh" refType="t" refFor="ch" refForName="rect4"/>
+              <dgm:constr type="primFontSz" for="ch" op="equ" val="65"/>
+              <dgm:constr type="secFontSz" for="ch" op="equ" val="65"/>
+            </dgm:constrLst>
+          </dgm:if>
+          <dgm:if name="Name8" axis="ch" ptType="node" func="cnt" op="equ" val="5">
+            <dgm:constrLst>
+              <dgm:constr type="userA" refType="w" fact="0.3"/>
+              <dgm:constr type="w" for="ch" forName="circle1" refType="userA" fact="2"/>
+              <dgm:constr type="h" for="ch" forName="circle1" refType="w" refFor="ch" refForName="circle1" op="equ"/>
+              <dgm:constr type="l" for="ch" forName="circle1"/>
+              <dgm:constr type="ctrY" for="ch" forName="circle1" refType="h" fact="0.5"/>
+              <dgm:constr type="l" for="ch" forName="space" refType="ctrX" refFor="ch" refForName="circle1"/>
+              <dgm:constr type="w" for="ch" forName="space"/>
+              <dgm:constr type="h" for="ch" forName="space" refType="h" refFor="ch" refForName="circle1"/>
+              <dgm:constr type="b" for="ch" forName="space" refType="b" refFor="ch" refForName="circle1"/>
+              <dgm:constr type="l" for="ch" forName="rect1" refType="r" refFor="ch" refForName="space"/>
+              <dgm:constr type="r" for="ch" forName="rect1" refType="w"/>
+              <dgm:constr type="h" for="ch" forName="rect1" refType="h" refFor="ch" refForName="circle1"/>
+              <dgm:constr type="b" for="ch" forName="rect1" refType="b" refFor="ch" refForName="circle1"/>
+              <dgm:constr type="l" for="ch" forName="vertSpace2"/>
+              <dgm:constr type="w" for="ch" forName="vertSpace2" refType="w"/>
+              <dgm:constr type="h" for="ch" forName="vertSpace2" refType="h" refFor="ch" refForName="circle1" fact="0.05"/>
+              <dgm:constr type="b" for="ch" forName="vertSpace2" refType="b" refFor="ch" refForName="circle1"/>
+              <dgm:constr type="ctrX" for="ch" forName="circle2" refType="l" refFor="ch" refForName="space"/>
+              <dgm:constr type="h" for="ch" forName="circle2" refType="h" refFor="ch" refForName="circle1" fact="0.8"/>
+              <dgm:constr type="hOff" for="ch" forName="circle2" refType="h" refFor="ch" refForName="vertSpace2" fact="-0.2"/>
+              <dgm:constr type="w" for="ch" forName="circle2" refType="h" refFor="ch" refForName="circle2" op="equ"/>
+              <dgm:constr type="wOff" for="ch" forName="circle2" refType="hOff" refFor="ch" refForName="circle2" op="equ"/>
+              <dgm:constr type="b" for="ch" forName="circle2" refType="t" refFor="ch" refForName="vertSpace2"/>
+              <dgm:constr type="l" for="ch" forName="rect2" refType="r" refFor="ch" refForName="space"/>
+              <dgm:constr type="r" for="ch" forName="rect2" refType="w"/>
+              <dgm:constr type="h" for="ch" forName="rect2" refType="h" refFor="ch" refForName="circle2"/>
+              <dgm:constr type="hOff" for="ch" forName="rect2" refType="hOff" refFor="ch" refForName="circle2"/>
+              <dgm:constr type="b" for="ch" forName="rect2" refType="b" refFor="ch" refForName="circle2"/>
+              <dgm:constr type="l" for="ch" forName="vertSpace3"/>
+              <dgm:constr type="w" for="ch" forName="vertSpace3" refType="w"/>
+              <dgm:constr type="h" for="ch" forName="vertSpace3" refType="h" refFor="ch" refForName="vertSpace2"/>
+              <dgm:constr type="b" for="ch" forName="vertSpace3" refType="t" refFor="ch" refForName="vertSpace2"/>
+              <dgm:constr type="ctrX" for="ch" forName="circle3" refType="l" refFor="ch" refForName="space"/>
+              <dgm:constr type="h" for="ch" forName="circle3" refType="h" refFor="ch" refForName="circle1" fact="0.6"/>
+              <dgm:constr type="hOff" for="ch" forName="circle3" refType="h" refFor="ch" refForName="vertSpace2" fact="-0.4"/>
+              <dgm:constr type="w" for="ch" forName="circle3" refType="h" refFor="ch" refForName="circle3" op="equ"/>
+              <dgm:constr type="wOff" for="ch" forName="circle3" refType="hOff" refFor="ch" refForName="circle3" op="equ"/>
+              <dgm:constr type="b" for="ch" forName="circle3" refType="t" refFor="ch" refForName="vertSpace3"/>
+              <dgm:constr type="l" for="ch" forName="rect3" refType="r" refFor="ch" refForName="space"/>
+              <dgm:constr type="r" for="ch" forName="rect3" refType="w"/>
+              <dgm:constr type="h" for="ch" forName="rect3" refType="h" refFor="ch" refForName="circle3"/>
+              <dgm:constr type="hOff" for="ch" forName="rect3" refType="hOff" refFor="ch" refForName="circle3"/>
+              <dgm:constr type="b" for="ch" forName="rect3" refType="b" refFor="ch" refForName="circle3"/>
+              <dgm:constr type="l" for="ch" forName="vertSpace4"/>
+              <dgm:constr type="w" for="ch" forName="vertSpace4" refType="w"/>
+              <dgm:constr type="h" for="ch" forName="vertSpace4" refType="h" refFor="ch" refForName="vertSpace3"/>
+              <dgm:constr type="b" for="ch" forName="vertSpace4" refType="t" refFor="ch" refForName="vertSpace3"/>
+              <dgm:constr type="ctrX" for="ch" forName="circle4" refType="l" refFor="ch" refForName="space"/>
+              <dgm:constr type="h" for="ch" forName="circle4" refType="h" refFor="ch" refForName="circle1" fact="0.4"/>
+              <dgm:constr type="hOff" for="ch" forName="circle4" refType="h" refFor="ch" refForName="vertSpace2" fact="-0.6"/>
+              <dgm:constr type="w" for="ch" forName="circle4" refType="h" refFor="ch" refForName="circle4" op="equ"/>
+              <dgm:constr type="wOff" for="ch" forName="circle4" refType="hOff" refFor="ch" refForName="circle4" op="equ"/>
+              <dgm:constr type="b" for="ch" forName="circle4" refType="t" refFor="ch" refForName="vertSpace4"/>
+              <dgm:constr type="l" for="ch" forName="rect4" refType="r" refFor="ch" refForName="space"/>
+              <dgm:constr type="r" for="ch" forName="rect4" refType="w"/>
+              <dgm:constr type="h" for="ch" forName="rect4" refType="h" refFor="ch" refForName="circle4"/>
+              <dgm:constr type="hOff" for="ch" forName="rect4" refType="hOff" refFor="ch" refForName="circle4"/>
+              <dgm:constr type="b" for="ch" forName="rect4" refType="b" refFor="ch" refForName="circle4"/>
+              <dgm:constr type="l" for="ch" forName="vertSpace5"/>
+              <dgm:constr type="w" for="ch" forName="vertSpace5" refType="w"/>
+              <dgm:constr type="h" for="ch" forName="vertSpace5" refType="h" refFor="ch" refForName="vertSpace4"/>
+              <dgm:constr type="b" for="ch" forName="vertSpace5" refType="t" refFor="ch" refForName="vertSpace4"/>
+              <dgm:constr type="ctrX" for="ch" forName="circle5" refType="l" refFor="ch" refForName="space"/>
+              <dgm:constr type="h" for="ch" forName="circle5" refType="h" refFor="ch" refForName="circle1" fact="0.2"/>
+              <dgm:constr type="hOff" for="ch" forName="circle5" refType="h" refFor="ch" refForName="vertSpace2" fact="-0.8"/>
+              <dgm:constr type="w" for="ch" forName="circle5" refType="h" refFor="ch" refForName="circle5" op="equ"/>
+              <dgm:constr type="wOff" for="ch" forName="circle5" refType="hOff" refFor="ch" refForName="circle5" op="equ"/>
+              <dgm:constr type="b" for="ch" forName="circle5" refType="t" refFor="ch" refForName="vertSpace5"/>
+              <dgm:constr type="l" for="ch" forName="rect5" refType="r" refFor="ch" refForName="space"/>
+              <dgm:constr type="r" for="ch" forName="rect5" refType="w"/>
+              <dgm:constr type="h" for="ch" forName="rect5" refType="h" refFor="ch" refForName="circle5"/>
+              <dgm:constr type="hOff" for="ch" forName="rect5" refType="hOff" refFor="ch" refForName="circle5"/>
+              <dgm:constr type="b" for="ch" forName="rect5" refType="b" refFor="ch" refForName="circle5"/>
+              <dgm:constr type="l" for="ch" forName="rect5ParTx" refType="r" refFor="ch" refForName="space"/>
+              <dgm:constr type="w" for="ch" forName="rect5ParTx" refType="w" refFor="ch" refForName="rect5" fact="0.5"/>
+              <dgm:constr type="t" for="ch" forName="rect5ParTx" refType="t" refFor="ch" refForName="rect5"/>
+              <dgm:constr type="b" for="ch" forName="rect5ParTx" refType="b" refFor="ch" refForName="rect5"/>
+              <dgm:constr type="l" for="ch" forName="rect5ChTx" refType="r" refFor="ch" refForName="rect5ParTx"/>
+              <dgm:constr type="w" for="ch" forName="rect5ChTx" refType="w" refFor="ch" refForName="rect5ParTx"/>
+              <dgm:constr type="t" for="ch" forName="rect5ChTx" refType="t" refFor="ch" refForName="rect5ParTx"/>
+              <dgm:constr type="b" for="ch" forName="rect5ChTx" refType="b" refFor="ch" refForName="rect5ParTx"/>
+              <dgm:constr type="l" for="ch" forName="rect5ParTxNoCh" refType="r" refFor="ch" refForName="space"/>
+              <dgm:constr type="w" for="ch" forName="rect5ParTxNoCh" refType="w" refFor="ch" refForName="rect5"/>
+              <dgm:constr type="t" for="ch" forName="rect5ParTxNoCh" refType="t" refFor="ch" refForName="rect5"/>
+              <dgm:constr type="b" for="ch" forName="rect5ParTxNoCh" refType="b" refFor="ch" refForName="rect5"/>
+              <dgm:constr type="l" for="ch" forName="rect1ParTx" refType="r" refFor="ch" refForName="space"/>
+              <dgm:constr type="w" for="ch" forName="rect1ParTx" refType="w" refFor="ch" refForName="rect1" fact="0.5"/>
+              <dgm:constr type="t" for="ch" forName="rect1ParTx" refType="t" refFor="ch" refForName="rect1"/>
+              <dgm:constr type="b" for="ch" forName="rect1ParTx" refType="t" refFor="ch" refForName="rect2"/>
+              <dgm:constr type="l" for="ch" forName="rect1ChTx" refType="r" refFor="ch" refForName="rect1ParTx"/>
+              <dgm:constr type="w" for="ch" forName="rect1ChTx" refType="w" refFor="ch" refForName="rect1ParTx"/>
+              <dgm:constr type="t" for="ch" forName="rect1ChTx" refType="t" refFor="ch" refForName="rect1ParTx"/>
+              <dgm:constr type="b" for="ch" forName="rect1ChTx" refType="b" refFor="ch" refForName="rect1ParTx"/>
+              <dgm:constr type="l" for="ch" forName="rect1ParTxNoCh" refType="r" refFor="ch" refForName="space"/>
+              <dgm:constr type="w" for="ch" forName="rect1ParTxNoCh" refType="w" refFor="ch" refForName="rect1"/>
+              <dgm:constr type="t" for="ch" forName="rect1ParTxNoCh" refType="t" refFor="ch" refForName="rect1"/>
+              <dgm:constr type="b" for="ch" forName="rect1ParTxNoCh" refType="t" refFor="ch" refForName="rect2"/>
+              <dgm:constr type="l" for="ch" forName="rect2ParTx" refType="r" refFor="ch" refForName="space"/>
+              <dgm:constr type="w" for="ch" forName="rect2ParTx" refType="w" refFor="ch" refForName="rect2" fact="0.5"/>
+              <dgm:constr type="t" for="ch" forName="rect2ParTx" refType="t" refFor="ch" refForName="rect2"/>
+              <dgm:constr type="b" for="ch" forName="rect2ParTx" refType="t" refFor="ch" refForName="rect3"/>
+              <dgm:constr type="l" for="ch" forName="rect2ChTx" refType="r" refFor="ch" refForName="rect2ParTx"/>
+              <dgm:constr type="w" for="ch" forName="rect2ChTx" refType="w" refFor="ch" refForName="rect2ParTx"/>
+              <dgm:constr type="t" for="ch" forName="rect2ChTx" refType="t" refFor="ch" refForName="rect2ParTx"/>
+              <dgm:constr type="b" for="ch" forName="rect2ChTx" refType="b" refFor="ch" refForName="rect2ParTx"/>
+              <dgm:constr type="l" for="ch" forName="rect2ParTxNoCh" refType="r" refFor="ch" refForName="space"/>
+              <dgm:constr type="w" for="ch" forName="rect2ParTxNoCh" refType="w" refFor="ch" refForName="rect2"/>
+              <dgm:constr type="t" for="ch" forName="rect2ParTxNoCh" refType="t" refFor="ch" refForName="rect2"/>
+              <dgm:constr type="b" for="ch" forName="rect2ParTxNoCh" refType="t" refFor="ch" refForName="rect3"/>
+              <dgm:constr type="l" for="ch" forName="rect3ParTx" refType="r" refFor="ch" refForName="space"/>
+              <dgm:constr type="w" for="ch" forName="rect3ParTx" refType="w" refFor="ch" refForName="rect3" fact="0.5"/>
+              <dgm:constr type="t" for="ch" forName="rect3ParTx" refType="t" refFor="ch" refForName="rect3"/>
+              <dgm:constr type="b" for="ch" forName="rect3ParTx" refType="t" refFor="ch" refForName="rect4"/>
+              <dgm:constr type="l" for="ch" forName="rect3ChTx" refType="r" refFor="ch" refForName="rect3ParTx"/>
+              <dgm:constr type="w" for="ch" forName="rect3ChTx" refType="w" refFor="ch" refForName="rect3ParTx"/>
+              <dgm:constr type="t" for="ch" forName="rect3ChTx" refType="t" refFor="ch" refForName="rect3ParTx"/>
+              <dgm:constr type="b" for="ch" forName="rect3ChTx" refType="b" refFor="ch" refForName="rect3ParTx"/>
+              <dgm:constr type="l" for="ch" forName="rect3ParTxNoCh" refType="r" refFor="ch" refForName="space"/>
+              <dgm:constr type="w" for="ch" forName="rect3ParTxNoCh" refType="w" refFor="ch" refForName="rect3"/>
+              <dgm:constr type="t" for="ch" forName="rect3ParTxNoCh" refType="t" refFor="ch" refForName="rect3"/>
+              <dgm:constr type="b" for="ch" forName="rect3ParTxNoCh" refType="t" refFor="ch" refForName="rect4"/>
+              <dgm:constr type="l" for="ch" forName="rect4ParTx" refType="r" refFor="ch" refForName="space"/>
+              <dgm:constr type="w" for="ch" forName="rect4ParTx" refType="w" refFor="ch" refForName="rect4" fact="0.5"/>
+              <dgm:constr type="t" for="ch" forName="rect4ParTx" refType="t" refFor="ch" refForName="rect4"/>
+              <dgm:constr type="b" for="ch" forName="rect4ParTx" refType="t" refFor="ch" refForName="rect5"/>
+              <dgm:constr type="l" for="ch" forName="rect4ChTx" refType="r" refFor="ch" refForName="rect4ParTx"/>
+              <dgm:constr type="w" for="ch" forName="rect4ChTx" refType="w" refFor="ch" refForName="rect4ParTx"/>
+              <dgm:constr type="t" for="ch" forName="rect4ChTx" refType="t" refFor="ch" refForName="rect4ParTx"/>
+              <dgm:constr type="b" for="ch" forName="rect4ChTx" refType="b" refFor="ch" refForName="rect4ParTx"/>
+              <dgm:constr type="l" for="ch" forName="rect4ParTxNoCh" refType="r" refFor="ch" refForName="space"/>
+              <dgm:constr type="w" for="ch" forName="rect4ParTxNoCh" refType="w" refFor="ch" refForName="rect4"/>
+              <dgm:constr type="t" for="ch" forName="rect4ParTxNoCh" refType="t" refFor="ch" refForName="rect4"/>
+              <dgm:constr type="b" for="ch" forName="rect4ParTxNoCh" refType="t" refFor="ch" refForName="rect5"/>
+              <dgm:constr type="primFontSz" for="ch" op="equ" val="65"/>
+              <dgm:constr type="secFontSz" for="ch" op="equ" val="65"/>
+            </dgm:constrLst>
+          </dgm:if>
+          <dgm:if name="Name9" axis="ch" ptType="node" func="cnt" op="equ" val="6">
+            <dgm:constrLst>
+              <dgm:constr type="userA" refType="w" fact="0.3"/>
+              <dgm:constr type="w" for="ch" forName="circle1" refType="userA" fact="2"/>
+              <dgm:constr type="h" for="ch" forName="circle1" refType="w" refFor="ch" refForName="circle1" op="equ"/>
+              <dgm:constr type="l" for="ch" forName="circle1"/>
+              <dgm:constr type="ctrY" for="ch" forName="circle1" refType="h" fact="0.5"/>
+              <dgm:constr type="l" for="ch" forName="space" refType="ctrX" refFor="ch" refForName="circle1"/>
+              <dgm:constr type="w" for="ch" forName="space"/>
+              <dgm:constr type="h" for="ch" forName="space" refType="h" refFor="ch" refForName="circle1"/>
+              <dgm:constr type="b" for="ch" forName="space" refType="b" refFor="ch" refForName="circle1"/>
+              <dgm:constr type="l" for="ch" forName="rect1" refType="r" refFor="ch" refForName="space"/>
+              <dgm:constr type="r" for="ch" forName="rect1" refType="w"/>
+              <dgm:constr type="h" for="ch" forName="rect1" refType="h" refFor="ch" refForName="circle1"/>
+              <dgm:constr type="b" for="ch" forName="rect1" refType="b" refFor="ch" refForName="circle1"/>
+              <dgm:constr type="l" for="ch" forName="vertSpace2"/>
+              <dgm:constr type="w" for="ch" forName="vertSpace2" refType="w"/>
+              <dgm:constr type="h" for="ch" forName="vertSpace2" refType="h" refFor="ch" refForName="circle1" fact="0.05"/>
+              <dgm:constr type="b" for="ch" forName="vertSpace2" refType="b" refFor="ch" refForName="circle1"/>
+              <dgm:constr type="ctrX" for="ch" forName="circle2" refType="l" refFor="ch" refForName="space"/>
+              <dgm:constr type="h" for="ch" forName="circle2" refType="h" refFor="ch" refForName="circle1" fact="0.83333"/>
+              <dgm:constr type="hOff" for="ch" forName="circle2" refType="h" refFor="ch" refForName="vertSpace2" fact="-0.16667"/>
+              <dgm:constr type="w" for="ch" forName="circle2" refType="h" refFor="ch" refForName="circle2" op="equ"/>
+              <dgm:constr type="wOff" for="ch" forName="circle2" refType="hOff" refFor="ch" refForName="circle2" op="equ"/>
+              <dgm:constr type="b" for="ch" forName="circle2" refType="t" refFor="ch" refForName="vertSpace2"/>
+              <dgm:constr type="l" for="ch" forName="rect2" refType="r" refFor="ch" refForName="space"/>
+              <dgm:constr type="r" for="ch" forName="rect2" refType="w"/>
+              <dgm:constr type="h" for="ch" forName="rect2" refType="h" refFor="ch" refForName="circle2"/>
+              <dgm:constr type="hOff" for="ch" forName="rect2" refType="hOff" refFor="ch" refForName="circle2"/>
+              <dgm:constr type="b" for="ch" forName="rect2" refType="b" refFor="ch" refForName="circle2"/>
+              <dgm:constr type="l" for="ch" forName="vertSpace3"/>
+              <dgm:constr type="w" for="ch" forName="vertSpace3" refType="w"/>
+              <dgm:constr type="h" for="ch" forName="vertSpace3" refType="h" refFor="ch" refForName="vertSpace2"/>
+              <dgm:constr type="b" for="ch" forName="vertSpace3" refType="t" refFor="ch" refForName="vertSpace2"/>
+              <dgm:constr type="ctrX" for="ch" forName="circle3" refType="l" refFor="ch" refForName="space"/>
+              <dgm:constr type="h" for="ch" forName="circle3" refType="h" refFor="ch" refForName="circle1" fact="0.66667"/>
+              <dgm:constr type="hOff" for="ch" forName="circle3" refType="h" refFor="ch" refForName="vertSpace2" fact="-0.33333"/>
+              <dgm:constr type="w" for="ch" forName="circle3" refType="h" refFor="ch" refForName="circle3" op="equ"/>
+              <dgm:constr type="wOff" for="ch" forName="circle3" refType="hOff" refFor="ch" refForName="circle3" op="equ"/>
+              <dgm:constr type="b" for="ch" forName="circle3" refType="t" refFor="ch" refForName="vertSpace3"/>
+              <dgm:constr type="l" for="ch" forName="rect3" refType="r" refFor="ch" refForName="space"/>
+              <dgm:constr type="r" for="ch" forName="rect3" refType="w"/>
+              <dgm:constr type="h" for="ch" forName="rect3" refType="h" refFor="ch" refForName="circle3"/>
+              <dgm:constr type="hOff" for="ch" forName="rect3" refType="hOff" refFor="ch" refForName="circle3"/>
+              <dgm:constr type="b" for="ch" forName="rect3" refType="b" refFor="ch" refForName="circle3"/>
+              <dgm:constr type="l" for="ch" forName="vertSpace4"/>
+              <dgm:constr type="w" for="ch" forName="vertSpace4" refType="w"/>
+              <dgm:constr type="h" for="ch" forName="vertSpace4" refType="h" refFor="ch" refForName="vertSpace3"/>
+              <dgm:constr type="b" for="ch" forName="vertSpace4" refType="t" refFor="ch" refForName="vertSpace3"/>
+              <dgm:constr type="ctrX" for="ch" forName="circle4" refType="l" refFor="ch" refForName="space"/>
+              <dgm:constr type="h" for="ch" forName="circle4" refType="h" refFor="ch" refForName="circle1" fact="0.5"/>
+              <dgm:constr type="hOff" for="ch" forName="circle4" refType="h" refFor="ch" refForName="vertSpace2" fact="-0.5"/>
+              <dgm:constr type="w" for="ch" forName="circle4" refType="h" refFor="ch" refForName="circle4" op="equ"/>
+              <dgm:constr type="wOff" for="ch" forName="circle4" refType="hOff" refFor="ch" refForName="circle4" op="equ"/>
+              <dgm:constr type="b" for="ch" forName="circle4" refType="t" refFor="ch" refForName="vertSpace4"/>
+              <dgm:constr type="l" for="ch" forName="rect4" refType="r" refFor="ch" refForName="space"/>
+              <dgm:constr type="r" for="ch" forName="rect4" refType="w"/>
+              <dgm:constr type="h" for="ch" forName="rect4" refType="h" refFor="ch" refForName="circle4"/>
+              <dgm:constr type="hOff" for="ch" forName="rect4" refType="hOff" refFor="ch" refForName="circle4"/>
+              <dgm:constr type="b" for="ch" forName="rect4" refType="b" refFor="ch" refForName="circle4"/>
+              <dgm:constr type="l" for="ch" forName="vertSpace5"/>
+              <dgm:constr type="w" for="ch" forName="vertSpace5" refType="w"/>
+              <dgm:constr type="h" for="ch" forName="vertSpace5" refType="h" refFor="ch" refForName="vertSpace4"/>
+              <dgm:constr type="b" for="ch" forName="vertSpace5" refType="t" refFor="ch" refForName="vertSpace4"/>
+              <dgm:constr type="ctrX" for="ch" forName="circle5" refType="l" refFor="ch" refForName="space"/>
+              <dgm:constr type="h" for="ch" forName="circle5" refType="h" refFor="ch" refForName="circle1" fact="0.33333"/>
+              <dgm:constr type="hOff" for="ch" forName="circle5" refType="h" refFor="ch" refForName="vertSpace2" fact="-0.66667"/>
+              <dgm:constr type="w" for="ch" forName="circle5" refType="h" refFor="ch" refForName="circle5" op="equ"/>
+              <dgm:constr type="wOff" for="ch" forName="circle5" refType="hOff" refFor="ch" refForName="circle5" op="equ"/>
+              <dgm:constr type="b" for="ch" forName="circle5" refType="t" refFor="ch" refForName="vertSpace5"/>
+              <dgm:constr type="l" for="ch" forName="rect5" refType="r" refFor="ch" refForName="space"/>
+              <dgm:constr type="r" for="ch" forName="rect5" refType="w"/>
+              <dgm:constr type="h" for="ch" forName="rect5" refType="h" refFor="ch" refForName="circle5"/>
+              <dgm:constr type="hOff" for="ch" forName="rect5" refType="hOff" refFor="ch" refForName="circle5"/>
+              <dgm:constr type="b" for="ch" forName="rect5" refType="b" refFor="ch" refForName="circle5"/>
+              <dgm:constr type="l" for="ch" forName="vertSpace6"/>
+              <dgm:constr type="w" for="ch" forName="vertSpace6" refType="w"/>
+              <dgm:constr type="h" for="ch" forName="vertSpace6" refType="h" refFor="ch" refForName="vertSpace5"/>
+              <dgm:constr type="b" for="ch" forName="vertSpace6" refType="t" refFor="ch" refForName="vertSpace5"/>
+              <dgm:constr type="ctrX" for="ch" forName="circle6" refType="l" refFor="ch" refForName="space"/>
+              <dgm:constr type="h" for="ch" forName="circle6" refType="h" refFor="ch" refForName="circle1" fact="0.16667"/>
+              <dgm:constr type="hOff" for="ch" forName="circle6" refType="h" refFor="ch" refForName="vertSpace2" fact="-0.83333"/>
+              <dgm:constr type="w" for="ch" forName="circle6" refType="h" refFor="ch" refForName="circle6" op="equ"/>
+              <dgm:constr type="wOff" for="ch" forName="circle6" refType="hOff" refFor="ch" refForName="circle6" op="equ"/>
+              <dgm:constr type="b" for="ch" forName="circle6" refType="t" refFor="ch" refForName="vertSpace6"/>
+              <dgm:constr type="l" for="ch" forName="rect6" refType="r" refFor="ch" refForName="space"/>
+              <dgm:constr type="r" for="ch" forName="rect6" refType="w"/>
+              <dgm:constr type="h" for="ch" forName="rect6" refType="h" refFor="ch" refForName="circle6"/>
+              <dgm:constr type="hOff" for="ch" forName="rect6" refType="hOff" refFor="ch" refForName="circle6"/>
+              <dgm:constr type="b" for="ch" forName="rect6" refType="b" refFor="ch" refForName="circle6"/>
+              <dgm:constr type="l" for="ch" forName="rect6ParTx" refType="r" refFor="ch" refForName="space"/>
+              <dgm:constr type="w" for="ch" forName="rect6ParTx" refType="w" refFor="ch" refForName="rect6" fact="0.5"/>
+              <dgm:constr type="t" for="ch" forName="rect6ParTx" refType="t" refFor="ch" refForName="rect6"/>
+              <dgm:constr type="b" for="ch" forName="rect6ParTx" refType="b" refFor="ch" refForName="rect6"/>
+              <dgm:constr type="l" for="ch" forName="rect6ChTx" refType="r" refFor="ch" refForName="rect6ParTx"/>
+              <dgm:constr type="w" for="ch" forName="rect6ChTx" refType="w" refFor="ch" refForName="rect6ParTx"/>
+              <dgm:constr type="t" for="ch" forName="rect6ChTx" refType="t" refFor="ch" refForName="rect6ParTx"/>
+              <dgm:constr type="b" for="ch" forName="rect6ChTx" refType="b" refFor="ch" refForName="rect6ParTx"/>
+              <dgm:constr type="l" for="ch" forName="rect6ParTxNoCh" refType="r" refFor="ch" refForName="space"/>
+              <dgm:constr type="w" for="ch" forName="rect6ParTxNoCh" refType="w" refFor="ch" refForName="rect6"/>
+              <dgm:constr type="t" for="ch" forName="rect6ParTxNoCh" refType="t" refFor="ch" refForName="rect6"/>
+              <dgm:constr type="b" for="ch" forName="rect6ParTxNoCh" refType="b" refFor="ch" refForName="rect6"/>
+              <dgm:constr type="l" for="ch" forName="rect1ParTx" refType="r" refFor="ch" refForName="space"/>
+              <dgm:constr type="w" for="ch" forName="rect1ParTx" refType="w" refFor="ch" refForName="rect1" fact="0.5"/>
+              <dgm:constr type="t" for="ch" forName="rect1ParTx" refType="t" refFor="ch" refForName="rect1"/>
+              <dgm:constr type="b" for="ch" forName="rect1ParTx" refType="t" refFor="ch" refForName="rect2"/>
+              <dgm:constr type="l" for="ch" forName="rect1ChTx" refType="r" refFor="ch" refForName="rect1ParTx"/>
+              <dgm:constr type="w" for="ch" forName="rect1ChTx" refType="w" refFor="ch" refForName="rect1ParTx"/>
+              <dgm:constr type="t" for="ch" forName="rect1ChTx" refType="t" refFor="ch" refForName="rect1ParTx"/>
+              <dgm:constr type="b" for="ch" forName="rect1ChTx" refType="b" refFor="ch" refForName="rect1ParTx"/>
+              <dgm:constr type="l" for="ch" forName="rect1ParTxNoCh" refType="r" refFor="ch" refForName="space"/>
+              <dgm:constr type="w" for="ch" forName="rect1ParTxNoCh" refType="w" refFor="ch" refForName="rect1"/>
+              <dgm:constr type="t" for="ch" forName="rect1ParTxNoCh" refType="t" refFor="ch" refForName="rect1"/>
+              <dgm:constr type="b" for="ch" forName="rect1ParTxNoCh" refType="t" refFor="ch" refForName="rect2"/>
+              <dgm:constr type="l" for="ch" forName="rect2ParTx" refType="r" refFor="ch" refForName="space"/>
+              <dgm:constr type="w" for="ch" forName="rect2ParTx" refType="w" refFor="ch" refForName="rect2" fact="0.5"/>
+              <dgm:constr type="t" for="ch" forName="rect2ParTx" refType="t" refFor="ch" refForName="rect2"/>
+              <dgm:constr type="b" for="ch" forName="rect2ParTx" refType="t" refFor="ch" refForName="rect3"/>
+              <dgm:constr type="l" for="ch" forName="rect2ChTx" refType="r" refFor="ch" refForName="rect2ParTx"/>
+              <dgm:constr type="w" for="ch" forName="rect2ChTx" refType="w" refFor="ch" refForName="rect2ParTx"/>
+              <dgm:constr type="t" for="ch" forName="rect2ChTx" refType="t" refFor="ch" refForName="rect2ParTx"/>
+              <dgm:constr type="b" for="ch" forName="rect2ChTx" refType="b" refFor="ch" refForName="rect2ParTx"/>
+              <dgm:constr type="l" for="ch" forName="rect2ParTxNoCh" refType="r" refFor="ch" refForName="space"/>
+              <dgm:constr type="w" for="ch" forName="rect2ParTxNoCh" refType="w" refFor="ch" refForName="rect2"/>
+              <dgm:constr type="t" for="ch" forName="rect2ParTxNoCh" refType="t" refFor="ch" refForName="rect2"/>
+              <dgm:constr type="b" for="ch" forName="rect2ParTxNoCh" refType="t" refFor="ch" refForName="rect3"/>
+              <dgm:constr type="l" for="ch" forName="rect3ParTx" refType="r" refFor="ch" refForName="space"/>
+              <dgm:constr type="w" for="ch" forName="rect3ParTx" refType="w" refFor="ch" refForName="rect3" fact="0.5"/>
+              <dgm:constr type="t" for="ch" forName="rect3ParTx" refType="t" refFor="ch" refForName="rect3"/>
+              <dgm:constr type="b" for="ch" forName="rect3ParTx" refType="t" refFor="ch" refForName="rect4"/>
+              <dgm:constr type="l" for="ch" forName="rect3ChTx" refType="r" refFor="ch" refForName="rect3ParTx"/>
+              <dgm:constr type="w" for="ch" forName="rect3ChTx" refType="w" refFor="ch" refForName="rect3ParTx"/>
+              <dgm:constr type="t" for="ch" forName="rect3ChTx" refType="t" refFor="ch" refForName="rect3ParTx"/>
+              <dgm:constr type="b" for="ch" forName="rect3ChTx" refType="b" refFor="ch" refForName="rect3ParTx"/>
+              <dgm:constr type="l" for="ch" forName="rect3ParTxNoCh" refType="r" refFor="ch" refForName="space"/>
+              <dgm:constr type="w" for="ch" forName="rect3ParTxNoCh" refType="w" refFor="ch" refForName="rect3"/>
+              <dgm:constr type="t" for="ch" forName="rect3ParTxNoCh" refType="t" refFor="ch" refForName="rect3"/>
+              <dgm:constr type="b" for="ch" forName="rect3ParTxNoCh" refType="t" refFor="ch" refForName="rect4"/>
+              <dgm:constr type="l" for="ch" forName="rect4ParTx" refType="r" refFor="ch" refForName="space"/>
+              <dgm:constr type="w" for="ch" forName="rect4ParTx" refType="w" refFor="ch" refForName="rect4" fact="0.5"/>
+              <dgm:constr type="t" for="ch" forName="rect4ParTx" refType="t" refFor="ch" refForName="rect4"/>
+              <dgm:constr type="b" for="ch" forName="rect4ParTx" refType="t" refFor="ch" refForName="rect5"/>
+              <dgm:constr type="l" for="ch" forName="rect4ChTx" refType="r" refFor="ch" refForName="rect4ParTx"/>
+              <dgm:constr type="w" for="ch" forName="rect4ChTx" refType="w" refFor="ch" refForName="rect4ParTx"/>
+              <dgm:constr type="t" for="ch" forName="rect4ChTx" refType="t" refFor="ch" refForName="rect4ParTx"/>
+              <dgm:constr type="b" for="ch" forName="rect4ChTx" refType="b" refFor="ch" refForName="rect4ParTx"/>
+              <dgm:constr type="l" for="ch" forName="rect4ParTxNoCh" refType="r" refFor="ch" refForName="space"/>
+              <dgm:constr type="w" for="ch" forName="rect4ParTxNoCh" refType="w" refFor="ch" refForName="rect4"/>
+              <dgm:constr type="t" for="ch" forName="rect4ParTxNoCh" refType="t" refFor="ch" refForName="rect4"/>
+              <dgm:constr type="b" for="ch" forName="rect4ParTxNoCh" refType="t" refFor="ch" refForName="rect5"/>
+              <dgm:constr type="l" for="ch" forName="rect5ParTx" refType="r" refFor="ch" refForName="space"/>
+              <dgm:constr type="w" for="ch" forName="rect5ParTx" refType="w" refFor="ch" refForName="rect5" fact="0.5"/>
+              <dgm:constr type="t" for="ch" forName="rect5ParTx" refType="t" refFor="ch" refForName="rect5"/>
+              <dgm:constr type="b" for="ch" forName="rect5ParTx" refType="t" refFor="ch" refForName="rect6"/>
+              <dgm:constr type="l" for="ch" forName="rect5ChTx" refType="r" refFor="ch" refForName="rect5ParTx"/>
+              <dgm:constr type="w" for="ch" forName="rect5ChTx" refType="w" refFor="ch" refForName="rect5ParTx"/>
+              <dgm:constr type="t" for="ch" forName="rect5ChTx" refType="t" refFor="ch" refForName="rect5ParTx"/>
+              <dgm:constr type="b" for="ch" forName="rect5ChTx" refType="b" refFor="ch" refForName="rect5ParTx"/>
+              <dgm:constr type="l" for="ch" forName="rect5ParTxNoCh" refType="r" refFor="ch" refForName="space"/>
+              <dgm:constr type="w" for="ch" forName="rect5ParTxNoCh" refType="w" refFor="ch" refForName="rect5"/>
+              <dgm:constr type="t" for="ch" forName="rect5ParTxNoCh" refType="t" refFor="ch" refForName="rect5"/>
+              <dgm:constr type="b" for="ch" forName="rect5ParTxNoCh" refType="t" refFor="ch" refForName="rect6"/>
+              <dgm:constr type="primFontSz" for="ch" op="equ" val="65"/>
+              <dgm:constr type="secFontSz" for="ch" op="equ" val="65"/>
+            </dgm:constrLst>
+          </dgm:if>
+          <dgm:if name="Name10" axis="ch" ptType="node" func="cnt" op="gte" val="7">
+            <dgm:constrLst>
+              <dgm:constr type="userA" refType="w" fact="0.3"/>
+              <dgm:constr type="w" for="ch" forName="circle1" refType="userA" fact="2"/>
+              <dgm:constr type="h" for="ch" forName="circle1" refType="w" refFor="ch" refForName="circle1" op="equ"/>
+              <dgm:constr type="l" for="ch" forName="circle1"/>
+              <dgm:constr type="ctrY" for="ch" forName="circle1" refType="h" fact="0.5"/>
+              <dgm:constr type="l" for="ch" forName="space" refType="ctrX" refFor="ch" refForName="circle1"/>
+              <dgm:constr type="w" for="ch" forName="space"/>
+              <dgm:constr type="h" for="ch" forName="space" refType="h" refFor="ch" refForName="circle1"/>
+              <dgm:constr type="b" for="ch" forName="space" refType="b" refFor="ch" refForName="circle1"/>
+              <dgm:constr type="l" for="ch" forName="rect1" refType="r" refFor="ch" refForName="space"/>
+              <dgm:constr type="r" for="ch" forName="rect1" refType="w"/>
+              <dgm:constr type="h" for="ch" forName="rect1" refType="h" refFor="ch" refForName="circle1"/>
+              <dgm:constr type="b" for="ch" forName="rect1" refType="b" refFor="ch" refForName="circle1"/>
+              <dgm:constr type="l" for="ch" forName="vertSpace2"/>
+              <dgm:constr type="w" for="ch" forName="vertSpace2" refType="w"/>
+              <dgm:constr type="h" for="ch" forName="vertSpace2" refType="h" refFor="ch" refForName="circle1" fact="0.05"/>
+              <dgm:constr type="b" for="ch" forName="vertSpace2" refType="b" refFor="ch" refForName="circle1"/>
+              <dgm:constr type="ctrX" for="ch" forName="circle2" refType="l" refFor="ch" refForName="space"/>
+              <dgm:constr type="h" for="ch" forName="circle2" refType="h" refFor="ch" refForName="circle1" fact="0.85714"/>
+              <dgm:constr type="hOff" for="ch" forName="circle2" refType="h" refFor="ch" refForName="vertSpace2" fact="-0.14286"/>
+              <dgm:constr type="w" for="ch" forName="circle2" refType="h" refFor="ch" refForName="circle2" op="equ"/>
+              <dgm:constr type="wOff" for="ch" forName="circle2" refType="hOff" refFor="ch" refForName="circle2" op="equ"/>
+              <dgm:constr type="b" for="ch" forName="circle2" refType="t" refFor="ch" refForName="vertSpace2"/>
+              <dgm:constr type="l" for="ch" forName="rect2" refType="r" refFor="ch" refForName="space"/>
+              <dgm:constr type="r" for="ch" forName="rect2" refType="w"/>
+              <dgm:constr type="h" for="ch" forName="rect2" refType="h" refFor="ch" refForName="circle2"/>
+              <dgm:constr type="hOff" for="ch" forName="rect2" refType="hOff" refFor="ch" refForName="circle2"/>
+              <dgm:constr type="b" for="ch" forName="rect2" refType="b" refFor="ch" refForName="circle2"/>
+              <dgm:constr type="l" for="ch" forName="vertSpace3"/>
+              <dgm:constr type="w" for="ch" forName="vertSpace3" refType="w"/>
+              <dgm:constr type="h" for="ch" forName="vertSpace3" refType="h" refFor="ch" refForName="vertSpace2"/>
+              <dgm:constr type="b" for="ch" forName="vertSpace3" refType="t" refFor="ch" refForName="vertSpace2"/>
+              <dgm:constr type="ctrX" for="ch" forName="circle3" refType="l" refFor="ch" refForName="space"/>
+              <dgm:constr type="h" for="ch" forName="circle3" refType="h" refFor="ch" refForName="circle1" fact="0.71429"/>
+              <dgm:constr type="hOff" for="ch" forName="circle3" refType="h" refFor="ch" refForName="vertSpace2" fact="-0.28571"/>
+              <dgm:constr type="w" for="ch" forName="circle3" refType="h" refFor="ch" refForName="circle3" op="equ"/>
+              <dgm:constr type="wOff" for="ch" forName="circle3" refType="hOff" refFor="ch" refForName="circle3" op="equ"/>
+              <dgm:constr type="b" for="ch" forName="circle3" refType="t" refFor="ch" refForName="vertSpace3"/>
+              <dgm:constr type="l" for="ch" forName="rect3" refType="r" refFor="ch" refForName="space"/>
+              <dgm:constr type="r" for="ch" forName="rect3" refType="w"/>
+              <dgm:constr type="h" for="ch" forName="rect3" refType="h" refFor="ch" refForName="circle3"/>
+              <dgm:constr type="hOff" for="ch" forName="rect3" refType="hOff" refFor="ch" refForName="circle3"/>
+              <dgm:constr type="b" for="ch" forName="rect3" refType="b" refFor="ch" refForName="circle3"/>
+              <dgm:constr type="l" for="ch" forName="vertSpace4"/>
+              <dgm:constr type="w" for="ch" forName="vertSpace4" refType="w"/>
+              <dgm:constr type="h" for="ch" forName="vertSpace4" refType="h" refFor="ch" refForName="vertSpace3"/>
+              <dgm:constr type="b" for="ch" forName="vertSpace4" refType="t" refFor="ch" refForName="vertSpace3"/>
+              <dgm:constr type="ctrX" for="ch" forName="circle4" refType="l" refFor="ch" refForName="space"/>
+              <dgm:constr type="h" for="ch" forName="circle4" refType="h" refFor="ch" refForName="circle1" fact="0.57143"/>
+              <dgm:constr type="hOff" for="ch" forName="circle4" refType="h" refFor="ch" refForName="vertSpace2" fact="-0.42857"/>
+              <dgm:constr type="w" for="ch" forName="circle4" refType="h" refFor="ch" refForName="circle4" op="equ"/>
+              <dgm:constr type="wOff" for="ch" forName="circle4" refType="hOff" refFor="ch" refForName="circle4" op="equ"/>
+              <dgm:constr type="b" for="ch" forName="circle4" refType="t" refFor="ch" refForName="vertSpace4"/>
+              <dgm:constr type="l" for="ch" forName="rect4" refType="r" refFor="ch" refForName="space"/>
+              <dgm:constr type="r" for="ch" forName="rect4" refType="w"/>
+              <dgm:constr type="h" for="ch" forName="rect4" refType="h" refFor="ch" refForName="circle4"/>
+              <dgm:constr type="hOff" for="ch" forName="rect4" refType="hOff" refFor="ch" refForName="circle4"/>
+              <dgm:constr type="b" for="ch" forName="rect4" refType="b" refFor="ch" refForName="circle4"/>
+              <dgm:constr type="l" for="ch" forName="vertSpace5"/>
+              <dgm:constr type="w" for="ch" forName="vertSpace5" refType="w"/>
+              <dgm:constr type="h" for="ch" forName="vertSpace5" refType="h" refFor="ch" refForName="vertSpace4"/>
+              <dgm:constr type="b" for="ch" forName="vertSpace5" refType="t" refFor="ch" refForName="vertSpace4"/>
+              <dgm:constr type="ctrX" for="ch" forName="circle5" refType="l" refFor="ch" refForName="space"/>
+              <dgm:constr type="h" for="ch" forName="circle5" refType="h" refFor="ch" refForName="circle1" fact="0.42857"/>
+              <dgm:constr type="hOff" for="ch" forName="circle5" refType="h" refFor="ch" refForName="vertSpace2" fact="-0.57143"/>
+              <dgm:constr type="w" for="ch" forName="circle5" refType="h" refFor="ch" refForName="circle5" op="equ"/>
+              <dgm:constr type="wOff" for="ch" forName="circle5" refType="hOff" refFor="ch" refForName="circle5" op="equ"/>
+              <dgm:constr type="b" for="ch" forName="circle5" refType="t" refFor="ch" refForName="vertSpace5"/>
+              <dgm:constr type="l" for="ch" forName="rect5" refType="r" refFor="ch" refForName="space"/>
+              <dgm:constr type="r" for="ch" forName="rect5" refType="w"/>
+              <dgm:constr type="h" for="ch" forName="rect5" refType="h" refFor="ch" refForName="circle5"/>
+              <dgm:constr type="hOff" for="ch" forName="rect5" refType="hOff" refFor="ch" refForName="circle5"/>
+              <dgm:constr type="b" for="ch" forName="rect5" refType="b" refFor="ch" refForName="circle5"/>
+              <dgm:constr type="l" for="ch" forName="vertSpace6"/>
+              <dgm:constr type="w" for="ch" forName="vertSpace6" refType="w"/>
+              <dgm:constr type="h" for="ch" forName="vertSpace6" refType="h" refFor="ch" refForName="vertSpace5"/>
+              <dgm:constr type="b" for="ch" forName="vertSpace6" refType="t" refFor="ch" refForName="vertSpace5"/>
+              <dgm:constr type="ctrX" for="ch" forName="circle6" refType="l" refFor="ch" refForName="space"/>
+              <dgm:constr type="h" for="ch" forName="circle6" refType="h" refFor="ch" refForName="circle1" fact="0.28571"/>
+              <dgm:constr type="hOff" for="ch" forName="circle6" refType="h" refFor="ch" refForName="vertSpace2" fact="-0.71429"/>
+              <dgm:constr type="w" for="ch" forName="circle6" refType="h" refFor="ch" refForName="circle6" op="equ"/>
+              <dgm:constr type="wOff" for="ch" forName="circle6" refType="hOff" refFor="ch" refForName="circle6" op="equ"/>
+              <dgm:constr type="b" for="ch" forName="circle6" refType="t" refFor="ch" refForName="vertSpace6"/>
+              <dgm:constr type="l" for="ch" forName="rect6" refType="r" refFor="ch" refForName="space"/>
+              <dgm:constr type="r" for="ch" forName="rect6" refType="w"/>
+              <dgm:constr type="h" for="ch" forName="rect6" refType="h" refFor="ch" refForName="circle6"/>
+              <dgm:constr type="hOff" for="ch" forName="rect6" refType="hOff" refFor="ch" refForName="circle6"/>
+              <dgm:constr type="b" for="ch" forName="rect6" refType="b" refFor="ch" refForName="circle6"/>
+              <dgm:constr type="l" for="ch" forName="vertSpace7"/>
+              <dgm:constr type="w" for="ch" forName="vertSpace7" refType="w"/>
+              <dgm:constr type="h" for="ch" forName="vertSpace7" refType="h" refFor="ch" refForName="vertSpace6"/>
+              <dgm:constr type="b" for="ch" forName="vertSpace7" refType="t" refFor="ch" refForName="vertSpace6"/>
+              <dgm:constr type="ctrX" for="ch" forName="circle7" refType="l" refFor="ch" refForName="space"/>
+              <dgm:constr type="h" for="ch" forName="circle7" refType="h" refFor="ch" refForName="circle1" fact="0.14286"/>
+              <dgm:constr type="hOff" for="ch" forName="circle7" refType="h" refFor="ch" refForName="vertSpace2" fact="-0.85714"/>
+              <dgm:constr type="w" for="ch" forName="circle7" refType="h" refFor="ch" refForName="circle7" op="equ"/>
+              <dgm:constr type="wOff" for="ch" forName="circle7" refType="hOff" refFor="ch" refForName="circle7" op="equ"/>
+              <dgm:constr type="b" for="ch" forName="circle7" refType="t" refFor="ch" refForName="vertSpace7"/>
+              <dgm:constr type="l" for="ch" forName="rect7" refType="r" refFor="ch" refForName="space"/>
+              <dgm:constr type="r" for="ch" forName="rect7" refType="w"/>
+              <dgm:constr type="h" for="ch" forName="rect7" refType="h" refFor="ch" refForName="circle7"/>
+              <dgm:constr type="hOff" for="ch" forName="rect7" refType="hOff" refFor="ch" refForName="circle7"/>
+              <dgm:constr type="b" for="ch" forName="rect7" refType="b" refFor="ch" refForName="circle7"/>
+              <dgm:constr type="l" for="ch" forName="rect7ParTx" refType="r" refFor="ch" refForName="space"/>
+              <dgm:constr type="w" for="ch" forName="rect7ParTx" refType="w" refFor="ch" refForName="rect7" fact="0.5"/>
+              <dgm:constr type="t" for="ch" forName="rect7ParTx" refType="t" refFor="ch" refForName="rect7"/>
+              <dgm:constr type="b" for="ch" forName="rect7ParTx" refType="b" refFor="ch" refForName="rect7"/>
+              <dgm:constr type="l" for="ch" forName="rect7ChTx" refType="r" refFor="ch" refForName="rect7ParTx"/>
+              <dgm:constr type="w" for="ch" forName="rect7ChTx" refType="w" refFor="ch" refForName="rect7ParTx"/>
+              <dgm:constr type="t" for="ch" forName="rect7ChTx" refType="t" refFor="ch" refForName="rect7ParTx"/>
+              <dgm:constr type="b" for="ch" forName="rect7ChTx" refType="b" refFor="ch" refForName="rect7ParTx"/>
+              <dgm:constr type="l" for="ch" forName="rect7ParTxNoCh" refType="r" refFor="ch" refForName="space"/>
+              <dgm:constr type="w" for="ch" forName="rect7ParTxNoCh" refType="w" refFor="ch" refForName="rect7"/>
+              <dgm:constr type="t" for="ch" forName="rect7ParTxNoCh" refType="t" refFor="ch" refForName="rect7"/>
+              <dgm:constr type="b" for="ch" forName="rect7ParTxNoCh" refType="b" refFor="ch" refForName="rect7"/>
+              <dgm:constr type="l" for="ch" forName="rect1ParTx" refType="r" refFor="ch" refForName="space"/>
+              <dgm:constr type="w" for="ch" forName="rect1ParTx" refType="w" refFor="ch" refForName="rect1" fact="0.5"/>
+              <dgm:constr type="t" for="ch" forName="rect1ParTx" refType="t" refFor="ch" refForName="rect1"/>
+              <dgm:constr type="b" for="ch" forName="rect1ParTx" refType="t" refFor="ch" refForName="rect2"/>
+              <dgm:constr type="l" for="ch" forName="rect1ChTx" refType="r" refFor="ch" refForName="rect1ParTx"/>
+              <dgm:constr type="w" for="ch" forName="rect1ChTx" refType="w" refFor="ch" refForName="rect1ParTx"/>
+              <dgm:constr type="t" for="ch" forName="rect1ChTx" refType="t" refFor="ch" refForName="rect1ParTx"/>
+              <dgm:constr type="b" for="ch" forName="rect1ChTx" refType="b" refFor="ch" refForName="rect1ParTx"/>
+              <dgm:constr type="l" for="ch" forName="rect1ParTxNoCh" refType="r" refFor="ch" refForName="space"/>
+              <dgm:constr type="w" for="ch" forName="rect1ParTxNoCh" refType="w" refFor="ch" refForName="rect1"/>
+              <dgm:constr type="t" for="ch" forName="rect1ParTxNoCh" refType="t" refFor="ch" refForName="rect1"/>
+              <dgm:constr type="b" for="ch" forName="rect1ParTxNoCh" refType="t" refFor="ch" refForName="rect2"/>
+              <dgm:constr type="l" for="ch" forName="rect2ParTx" refType="r" refFor="ch" refForName="space"/>
+              <dgm:constr type="w" for="ch" forName="rect2ParTx" refType="w" refFor="ch" refForName="rect2" fact="0.5"/>
+              <dgm:constr type="t" for="ch" forName="rect2ParTx" refType="t" refFor="ch" refForName="rect2"/>
+              <dgm:constr type="b" for="ch" forName="rect2ParTx" refType="t" refFor="ch" refForName="rect3"/>
+              <dgm:constr type="l" for="ch" forName="rect2ChTx" refType="r" refFor="ch" refForName="rect2ParTx"/>
+              <dgm:constr type="w" for="ch" forName="rect2ChTx" refType="w" refFor="ch" refForName="rect2ParTx"/>
+              <dgm:constr type="t" for="ch" forName="rect2ChTx" refType="t" refFor="ch" refForName="rect2ParTx"/>
+              <dgm:constr type="b" for="ch" forName="rect2ChTx" refType="b" refFor="ch" refForName="rect2ParTx"/>
+              <dgm:constr type="l" for="ch" forName="rect2ParTxNoCh" refType="r" refFor="ch" refForName="space"/>
+              <dgm:constr type="w" for="ch" forName="rect2ParTxNoCh" refType="w" refFor="ch" refForName="rect2"/>
+              <dgm:constr type="t" for="ch" forName="rect2ParTxNoCh" refType="t" refFor="ch" refForName="rect2"/>
+              <dgm:constr type="b" for="ch" forName="rect2ParTxNoCh" refType="t" refFor="ch" refForName="rect3"/>
+              <dgm:constr type="l" for="ch" forName="rect3ParTx" refType="r" refFor="ch" refForName="space"/>
+              <dgm:constr type="w" for="ch" forName="rect3ParTx" refType="w" refFor="ch" refForName="rect3" fact="0.5"/>
+              <dgm:constr type="t" for="ch" forName="rect3ParTx" refType="t" refFor="ch" refForName="rect3"/>
+              <dgm:constr type="b" for="ch" forName="rect3ParTx" refType="t" refFor="ch" refForName="rect4"/>
+              <dgm:constr type="l" for="ch" forName="rect3ChTx" refType="r" refFor="ch" refForName="rect3ParTx"/>
+              <dgm:constr type="w" for="ch" forName="rect3ChTx" refType="w" refFor="ch" refForName="rect3ParTx"/>
+              <dgm:constr type="t" for="ch" forName="rect3ChTx" refType="t" refFor="ch" refForName="rect3ParTx"/>
+              <dgm:constr type="b" for="ch" forName="rect3ChTx" refType="b" refFor="ch" refForName="rect3ParTx"/>
+              <dgm:constr type="l" for="ch" forName="rect3ParTxNoCh" refType="r" refFor="ch" refForName="space"/>
+              <dgm:constr type="w" for="ch" forName="rect3ParTxNoCh" refType="w" refFor="ch" refForName="rect3"/>
+              <dgm:constr type="t" for="ch" forName="rect3ParTxNoCh" refType="t" refFor="ch" refForName="rect3"/>
+              <dgm:constr type="b" for="ch" forName="rect3ParTxNoCh" refType="t" refFor="ch" refForName="rect4"/>
+              <dgm:constr type="l" for="ch" forName="rect4ParTx" refType="r" refFor="ch" refForName="space"/>
+              <dgm:constr type="w" for="ch" forName="rect4ParTx" refType="w" refFor="ch" refForName="rect4" fact="0.5"/>
+              <dgm:constr type="t" for="ch" forName="rect4ParTx" refType="t" refFor="ch" refForName="rect4"/>
+              <dgm:constr type="b" for="ch" forName="rect4ParTx" refType="t" refFor="ch" refForName="rect5"/>
+              <dgm:constr type="l" for="ch" forName="rect4ChTx" refType="r" refFor="ch" refForName="rect4ParTx"/>
+              <dgm:constr type="w" for="ch" forName="rect4ChTx" refType="w" refFor="ch" refForName="rect4ParTx"/>
+              <dgm:constr type="t" for="ch" forName="rect4ChTx" refType="t" refFor="ch" refForName="rect4ParTx"/>
+              <dgm:constr type="b" for="ch" forName="rect4ChTx" refType="b" refFor="ch" refForName="rect4ParTx"/>
+              <dgm:constr type="l" for="ch" forName="rect4ParTxNoCh" refType="r" refFor="ch" refForName="space"/>
+              <dgm:constr type="w" for="ch" forName="rect4ParTxNoCh" refType="w" refFor="ch" refForName="rect4"/>
+              <dgm:constr type="t" for="ch" forName="rect4ParTxNoCh" refType="t" refFor="ch" refForName="rect4"/>
+              <dgm:constr type="b" for="ch" forName="rect4ParTxNoCh" refType="t" refFor="ch" refForName="rect5"/>
+              <dgm:constr type="l" for="ch" forName="rect5ParTx" refType="r" refFor="ch" refForName="space"/>
+              <dgm:constr type="w" for="ch" forName="rect5ParTx" refType="w" refFor="ch" refForName="rect5" fact="0.5"/>
+              <dgm:constr type="t" for="ch" forName="rect5ParTx" refType="t" refFor="ch" refForName="rect5"/>
+              <dgm:constr type="b" for="ch" forName="rect5ParTx" refType="t" refFor="ch" refForName="rect6"/>
+              <dgm:constr type="l" for="ch" forName="rect5ChTx" refType="r" refFor="ch" refForName="rect5ParTx"/>
+              <dgm:constr type="w" for="ch" forName="rect5ChTx" refType="w" refFor="ch" refForName="rect5ParTx"/>
+              <dgm:constr type="t" for="ch" forName="rect5ChTx" refType="t" refFor="ch" refForName="rect5ParTx"/>
+              <dgm:constr type="b" for="ch" forName="rect5ChTx" refType="b" refFor="ch" refForName="rect5ParTx"/>
+              <dgm:constr type="l" for="ch" forName="rect5ParTxNoCh" refType="r" refFor="ch" refForName="space"/>
+              <dgm:constr type="w" for="ch" forName="rect5ParTxNoCh" refType="w" refFor="ch" refForName="rect5"/>
+              <dgm:constr type="t" for="ch" forName="rect5ParTxNoCh" refType="t" refFor="ch" refForName="rect5"/>
+              <dgm:constr type="b" for="ch" forName="rect5ParTxNoCh" refType="t" refFor="ch" refForName="rect6"/>
+              <dgm:constr type="l" for="ch" forName="rect6ParTx" refType="r" refFor="ch" refForName="space"/>
+              <dgm:constr type="w" for="ch" forName="rect6ParTx" refType="w" refFor="ch" refForName="rect6" fact="0.5"/>
+              <dgm:constr type="t" for="ch" forName="rect6ParTx" refType="t" refFor="ch" refForName="rect6"/>
+              <dgm:constr type="b" for="ch" forName="rect6ParTx" refType="t" refFor="ch" refForName="rect7"/>
+              <dgm:constr type="l" for="ch" forName="rect6ChTx" refType="r" refFor="ch" refForName="rect6ParTx"/>
+              <dgm:constr type="w" for="ch" forName="rect6ChTx" refType="w" refFor="ch" refForName="rect6ParTx"/>
+              <dgm:constr type="t" for="ch" forName="rect6ChTx" refType="t" refFor="ch" refForName="rect6ParTx"/>
+              <dgm:constr type="b" for="ch" forName="rect6ChTx" refType="b" refFor="ch" refForName="rect6ParTx"/>
+              <dgm:constr type="l" for="ch" forName="rect6ParTxNoCh" refType="r" refFor="ch" refForName="space"/>
+              <dgm:constr type="w" for="ch" forName="rect6ParTxNoCh" refType="w" refFor="ch" refForName="rect6"/>
+              <dgm:constr type="t" for="ch" forName="rect6ParTxNoCh" refType="t" refFor="ch" refForName="rect6"/>
+              <dgm:constr type="b" for="ch" forName="rect6ParTxNoCh" refType="t" refFor="ch" refForName="rect7"/>
+              <dgm:constr type="primFontSz" for="ch" op="equ" val="65"/>
+              <dgm:constr type="secFontSz" for="ch" op="equ" val="65"/>
+            </dgm:constrLst>
+          </dgm:if>
+          <dgm:else name="Name11">
+            <dgm:constrLst/>
+          </dgm:else>
+        </dgm:choose>
+      </dgm:if>
+      <dgm:else name="Name12">
+        <dgm:choose name="Name13">
+          <dgm:if name="Name14" axis="ch" ptType="node" func="cnt" op="equ" val="1">
+            <dgm:constrLst>
+              <dgm:constr type="userA" refType="w" fact="0.3"/>
+              <dgm:constr type="w" for="ch" forName="circle1" refType="userA" fact="2"/>
+              <dgm:constr type="h" for="ch" forName="circle1" refType="w" refFor="ch" refForName="circle1" op="equ"/>
+              <dgm:constr type="r" for="ch" forName="circle1" refType="w"/>
+              <dgm:constr type="ctrY" for="ch" forName="circle1" refType="h" fact="0.5"/>
+              <dgm:constr type="r" for="ch" forName="space" refType="ctrX" refFor="ch" refForName="circle1"/>
+              <dgm:constr type="w" for="ch" forName="space"/>
+              <dgm:constr type="h" for="ch" forName="space" refType="h" refFor="ch" refForName="circle1"/>
+              <dgm:constr type="b" for="ch" forName="space" refType="b" refFor="ch" refForName="circle1"/>
+              <dgm:constr type="r" for="ch" forName="rect1" refType="l" refFor="ch" refForName="space"/>
+              <dgm:constr type="l" for="ch" forName="rect1"/>
+              <dgm:constr type="h" for="ch" forName="rect1" refType="h" refFor="ch" refForName="circle1"/>
+              <dgm:constr type="b" for="ch" forName="rect1" refType="b" refFor="ch" refForName="circle1"/>
+              <dgm:constr type="r" for="ch" forName="rect1ParTx" refType="l" refFor="ch" refForName="space"/>
+              <dgm:constr type="w" for="ch" forName="rect1ParTx" refType="w" refFor="ch" refForName="rect1" fact="0.5"/>
+              <dgm:constr type="t" for="ch" forName="rect1ParTx" refType="t" refFor="ch" refForName="rect1"/>
+              <dgm:constr type="b" for="ch" forName="rect1ParTx" refType="b" refFor="ch" refForName="rect1"/>
+              <dgm:constr type="r" for="ch" forName="rect1ChTx" refType="l" refFor="ch" refForName="rect1ParTx"/>
+              <dgm:constr type="w" for="ch" forName="rect1ChTx" refType="w" refFor="ch" refForName="rect1ParTx"/>
+              <dgm:constr type="t" for="ch" forName="rect1ChTx" refType="t" refFor="ch" refForName="rect1ParTx"/>
+              <dgm:constr type="b" for="ch" forName="rect1ChTx" refType="b" refFor="ch" refForName="rect1ParTx"/>
+              <dgm:constr type="r" for="ch" forName="rect1ParTxNoCh" refType="l" refFor="ch" refForName="space"/>
+              <dgm:constr type="w" for="ch" forName="rect1ParTxNoCh" refType="w" refFor="ch" refForName="rect1"/>
+              <dgm:constr type="t" for="ch" forName="rect1ParTxNoCh" refType="t" refFor="ch" refForName="rect1"/>
+              <dgm:constr type="b" for="ch" forName="rect1ParTxNoCh" refType="b" refFor="ch" refForName="rect1"/>
+              <dgm:constr type="primFontSz" for="ch" op="equ" val="65"/>
+              <dgm:constr type="secFontSz" for="ch" op="equ" val="65"/>
+            </dgm:constrLst>
+          </dgm:if>
+          <dgm:if name="Name15" axis="ch" ptType="node" func="cnt" op="equ" val="2">
+            <dgm:constrLst>
+              <dgm:constr type="userA" refType="w" fact="0.3"/>
+              <dgm:constr type="w" for="ch" forName="circle1" refType="userA" fact="2"/>
+              <dgm:constr type="h" for="ch" forName="circle1" refType="w" refFor="ch" refForName="circle1" op="equ"/>
+              <dgm:constr type="r" for="ch" forName="circle1" refType="w"/>
+              <dgm:constr type="ctrY" for="ch" forName="circle1" refType="h" fact="0.5"/>
+              <dgm:constr type="r" for="ch" forName="space" refType="ctrX" refFor="ch" refForName="circle1"/>
+              <dgm:constr type="w" for="ch" forName="space"/>
+              <dgm:constr type="h" for="ch" forName="space" refType="h" refFor="ch" refForName="circle1"/>
+              <dgm:constr type="b" for="ch" forName="space" refType="b" refFor="ch" refForName="circle1"/>
+              <dgm:constr type="r" for="ch" forName="rect1" refType="l" refFor="ch" refForName="space"/>
+              <dgm:constr type="l" for="ch" forName="rect1"/>
+              <dgm:constr type="h" for="ch" forName="rect1" refType="h" refFor="ch" refForName="circle1"/>
+              <dgm:constr type="b" for="ch" forName="rect1" refType="b" refFor="ch" refForName="circle1"/>
+              <dgm:constr type="l" for="ch" forName="vertSpace2"/>
+              <dgm:constr type="w" for="ch" forName="vertSpace2" refType="w"/>
+              <dgm:constr type="h" for="ch" forName="vertSpace2" refType="h" refFor="ch" refForName="circle1" fact="0.05"/>
+              <dgm:constr type="b" for="ch" forName="vertSpace2" refType="b" refFor="ch" refForName="circle1"/>
+              <dgm:constr type="ctrX" for="ch" forName="circle2" refType="r" refFor="ch" refForName="space"/>
+              <dgm:constr type="h" for="ch" forName="circle2" refType="h" refFor="ch" refForName="circle1" fact="0.5"/>
+              <dgm:constr type="hOff" for="ch" forName="circle2" refType="h" refFor="ch" refForName="vertSpace2" fact="-0.5"/>
+              <dgm:constr type="w" for="ch" forName="circle2" refType="h" refFor="ch" refForName="circle2" op="equ"/>
+              <dgm:constr type="wOff" for="ch" forName="circle2" refType="hOff" refFor="ch" refForName="circle2" op="equ"/>
+              <dgm:constr type="b" for="ch" forName="circle2" refType="t" refFor="ch" refForName="vertSpace2"/>
+              <dgm:constr type="r" for="ch" forName="rect2" refType="l" refFor="ch" refForName="space"/>
+              <dgm:constr type="l" for="ch" forName="rect2"/>
+              <dgm:constr type="h" for="ch" forName="rect2" refType="h" refFor="ch" refForName="circle2"/>
+              <dgm:constr type="hOff" for="ch" forName="rect2" refType="hOff" refFor="ch" refForName="circle2"/>
+              <dgm:constr type="b" for="ch" forName="rect2" refType="b" refFor="ch" refForName="circle2"/>
+              <dgm:constr type="r" for="ch" forName="rect2ParTx" refType="l" refFor="ch" refForName="space"/>
+              <dgm:constr type="w" for="ch" forName="rect2ParTx" refType="w" refFor="ch" refForName="rect2" fact="0.5"/>
+              <dgm:constr type="t" for="ch" forName="rect2ParTx" refType="t" refFor="ch" refForName="rect2"/>
+              <dgm:constr type="b" for="ch" forName="rect2ParTx" refType="b" refFor="ch" refForName="rect2"/>
+              <dgm:constr type="r" for="ch" forName="rect2ChTx" refType="l" refFor="ch" refForName="rect2ParTx"/>
+              <dgm:constr type="w" for="ch" forName="rect2ChTx" refType="w" refFor="ch" refForName="rect2ParTx"/>
+              <dgm:constr type="t" for="ch" forName="rect2ChTx" refType="t" refFor="ch" refForName="rect2ParTx"/>
+              <dgm:constr type="b" for="ch" forName="rect2ChTx" refType="b" refFor="ch" refForName="rect2ParTx"/>
+              <dgm:constr type="r" for="ch" forName="rect2ParTxNoCh" refType="l" refFor="ch" refForName="space"/>
+              <dgm:constr type="w" for="ch" forName="rect2ParTxNoCh" refType="w" refFor="ch" refForName="rect2"/>
+              <dgm:constr type="t" for="ch" forName="rect2ParTxNoCh" refType="t" refFor="ch" refForName="rect2"/>
+              <dgm:constr type="b" for="ch" forName="rect2ParTxNoCh" refType="b" refFor="ch" refForName="rect2"/>
+              <dgm:constr type="r" for="ch" forName="rect1ParTx" refType="l" refFor="ch" refForName="space"/>
+              <dgm:constr type="w" for="ch" forName="rect1ParTx" refType="w" refFor="ch" refForName="rect1" fact="0.5"/>
+              <dgm:constr type="t" for="ch" forName="rect1ParTx" refType="t" refFor="ch" refForName="rect1"/>
+              <dgm:constr type="b" for="ch" forName="rect1ParTx" refType="t" refFor="ch" refForName="rect2"/>
+              <dgm:constr type="r" for="ch" forName="rect1ChTx" refType="l" refFor="ch" refForName="rect1ParTx"/>
+              <dgm:constr type="w" for="ch" forName="rect1ChTx" refType="w" refFor="ch" refForName="rect1ParTx"/>
+              <dgm:constr type="t" for="ch" forName="rect1ChTx" refType="t" refFor="ch" refForName="rect1ParTx"/>
+              <dgm:constr type="b" for="ch" forName="rect1ChTx" refType="b" refFor="ch" refForName="rect1ParTx"/>
+              <dgm:constr type="r" for="ch" forName="rect1ParTxNoCh" refType="l" refFor="ch" refForName="space"/>
+              <dgm:constr type="w" for="ch" forName="rect1ParTxNoCh" refType="w" refFor="ch" refForName="rect1"/>
+              <dgm:constr type="t" for="ch" forName="rect1ParTxNoCh" refType="t" refFor="ch" refForName="rect1"/>
+              <dgm:constr type="b" for="ch" forName="rect1ParTxNoCh" refType="t" refFor="ch" refForName="rect2"/>
+              <dgm:constr type="primFontSz" for="ch" op="equ" val="65"/>
+              <dgm:constr type="secFontSz" for="ch" op="equ" val="65"/>
+            </dgm:constrLst>
+          </dgm:if>
+          <dgm:if name="Name16" axis="ch" ptType="node" func="cnt" op="equ" val="3">
+            <dgm:constrLst>
+              <dgm:constr type="userA" refType="w" fact="0.3"/>
+              <dgm:constr type="w" for="ch" forName="circle1" refType="userA" fact="2"/>
+              <dgm:constr type="h" for="ch" forName="circle1" refType="w" refFor="ch" refForName="circle1" op="equ"/>
+              <dgm:constr type="r" for="ch" forName="circle1" refType="w"/>
+              <dgm:constr type="ctrY" for="ch" forName="circle1" refType="h" fact="0.5"/>
+              <dgm:constr type="r" for="ch" forName="space" refType="ctrX" refFor="ch" refForName="circle1"/>
+              <dgm:constr type="w" for="ch" forName="space"/>
+              <dgm:constr type="h" for="ch" forName="space" refType="h" refFor="ch" refForName="circle1"/>
+              <dgm:constr type="b" for="ch" forName="space" refType="b" refFor="ch" refForName="circle1"/>
+              <dgm:constr type="r" for="ch" forName="rect1" refType="l" refFor="ch" refForName="space"/>
+              <dgm:constr type="l" for="ch" forName="rect1"/>
+              <dgm:constr type="h" for="ch" forName="rect1" refType="h" refFor="ch" refForName="circle1"/>
+              <dgm:constr type="b" for="ch" forName="rect1" refType="b" refFor="ch" refForName="circle1"/>
+              <dgm:constr type="l" for="ch" forName="vertSpace2"/>
+              <dgm:constr type="w" for="ch" forName="vertSpace2" refType="w"/>
+              <dgm:constr type="h" for="ch" forName="vertSpace2" refType="h" refFor="ch" refForName="circle1" fact="0.05"/>
+              <dgm:constr type="b" for="ch" forName="vertSpace2" refType="b" refFor="ch" refForName="circle1"/>
+              <dgm:constr type="ctrX" for="ch" forName="circle2" refType="r" refFor="ch" refForName="space"/>
+              <dgm:constr type="h" for="ch" forName="circle2" refType="h" refFor="ch" refForName="circle1" fact="0.66667"/>
+              <dgm:constr type="hOff" for="ch" forName="circle2" refType="h" refFor="ch" refForName="vertSpace2" fact="-0.33333"/>
+              <dgm:constr type="w" for="ch" forName="circle2" refType="h" refFor="ch" refForName="circle2" op="equ"/>
+              <dgm:constr type="wOff" for="ch" forName="circle2" refType="hOff" refFor="ch" refForName="circle2" op="equ"/>
+              <dgm:constr type="b" for="ch" forName="circle2" refType="t" refFor="ch" refForName="vertSpace2"/>
+              <dgm:constr type="r" for="ch" forName="rect2" refType="l" refFor="ch" refForName="space"/>
+              <dgm:constr type="l" for="ch" forName="rect2"/>
+              <dgm:constr type="h" for="ch" forName="rect2" refType="h" refFor="ch" refForName="circle2"/>
+              <dgm:constr type="hOff" for="ch" forName="rect2" refType="hOff" refFor="ch" refForName="circle2"/>
+              <dgm:constr type="b" for="ch" forName="rect2" refType="b" refFor="ch" refForName="circle2"/>
+              <dgm:constr type="l" for="ch" forName="vertSpace3"/>
+              <dgm:constr type="w" for="ch" forName="vertSpace3" refType="w"/>
+              <dgm:constr type="h" for="ch" forName="vertSpace3" refType="h" refFor="ch" refForName="vertSpace2"/>
+              <dgm:constr type="b" for="ch" forName="vertSpace3" refType="t" refFor="ch" refForName="vertSpace2"/>
+              <dgm:constr type="ctrX" for="ch" forName="circle3" refType="r" refFor="ch" refForName="space"/>
+              <dgm:constr type="h" for="ch" forName="circle3" refType="h" refFor="ch" refForName="circle1" fact="0.33333"/>
+              <dgm:constr type="hOff" for="ch" forName="circle3" refType="h" refFor="ch" refForName="vertSpace2" fact="-0.66667"/>
+              <dgm:constr type="w" for="ch" forName="circle3" refType="h" refFor="ch" refForName="circle3" op="equ"/>
+              <dgm:constr type="wOff" for="ch" forName="circle3" refType="hOff" refFor="ch" refForName="circle3" op="equ"/>
+              <dgm:constr type="b" for="ch" forName="circle3" refType="t" refFor="ch" refForName="vertSpace3"/>
+              <dgm:constr type="r" for="ch" forName="rect3" refType="l" refFor="ch" refForName="space"/>
+              <dgm:constr type="l" for="ch" forName="rect3"/>
+              <dgm:constr type="h" for="ch" forName="rect3" refType="h" refFor="ch" refForName="circle3"/>
+              <dgm:constr type="hOff" for="ch" forName="rect3" refType="hOff" refFor="ch" refForName="circle3"/>
+              <dgm:constr type="b" for="ch" forName="rect3" refType="b" refFor="ch" refForName="circle3"/>
+              <dgm:constr type="r" for="ch" forName="rect3ParTx" refType="l" refFor="ch" refForName="space"/>
+              <dgm:constr type="w" for="ch" forName="rect3ParTx" refType="w" refFor="ch" refForName="rect3" fact="0.5"/>
+              <dgm:constr type="t" for="ch" forName="rect3ParTx" refType="t" refFor="ch" refForName="rect3"/>
+              <dgm:constr type="b" for="ch" forName="rect3ParTx" refType="b" refFor="ch" refForName="rect3"/>
+              <dgm:constr type="r" for="ch" forName="rect3ChTx" refType="l" refFor="ch" refForName="rect3ParTx"/>
+              <dgm:constr type="w" for="ch" forName="rect3ChTx" refType="w" refFor="ch" refForName="rect3ParTx"/>
+              <dgm:constr type="t" for="ch" forName="rect3ChTx" refType="t" refFor="ch" refForName="rect3ParTx"/>
+              <dgm:constr type="b" for="ch" forName="rect3ChTx" refType="b" refFor="ch" refForName="rect3ParTx"/>
+              <dgm:constr type="r" for="ch" forName="rect3ParTxNoCh" refType="l" refFor="ch" refForName="space"/>
+              <dgm:constr type="w" for="ch" forName="rect3ParTxNoCh" refType="w" refFor="ch" refForName="rect3"/>
+              <dgm:constr type="t" for="ch" forName="rect3ParTxNoCh" refType="t" refFor="ch" refForName="rect3"/>
+              <dgm:constr type="b" for="ch" forName="rect3ParTxNoCh" refType="b" refFor="ch" refForName="rect3"/>
+              <dgm:constr type="r" for="ch" forName="rect1ParTx" refType="l" refFor="ch" refForName="space"/>
+              <dgm:constr type="w" for="ch" forName="rect1ParTx" refType="w" refFor="ch" refForName="rect1" fact="0.5"/>
+              <dgm:constr type="t" for="ch" forName="rect1ParTx" refType="t" refFor="ch" refForName="rect1"/>
+              <dgm:constr type="b" for="ch" forName="rect1ParTx" refType="t" refFor="ch" refForName="rect2"/>
+              <dgm:constr type="r" for="ch" forName="rect1ChTx" refType="l" refFor="ch" refForName="rect1ParTx"/>
+              <dgm:constr type="w" for="ch" forName="rect1ChTx" refType="w" refFor="ch" refForName="rect1ParTx"/>
+              <dgm:constr type="t" for="ch" forName="rect1ChTx" refType="t" refFor="ch" refForName="rect1ParTx"/>
+              <dgm:constr type="b" for="ch" forName="rect1ChTx" refType="b" refFor="ch" refForName="rect1ParTx"/>
+              <dgm:constr type="r" for="ch" forName="rect1ParTxNoCh" refType="l" refFor="ch" refForName="space"/>
+              <dgm:constr type="w" for="ch" forName="rect1ParTxNoCh" refType="w" refFor="ch" refForName="rect1"/>
+              <dgm:constr type="t" for="ch" forName="rect1ParTxNoCh" refType="t" refFor="ch" refForName="rect1"/>
+              <dgm:constr type="b" for="ch" forName="rect1ParTxNoCh" refType="t" refFor="ch" refForName="rect2"/>
+              <dgm:constr type="r" for="ch" forName="rect2ParTx" refType="l" refFor="ch" refForName="space"/>
+              <dgm:constr type="w" for="ch" forName="rect2ParTx" refType="w" refFor="ch" refForName="rect2" fact="0.5"/>
+              <dgm:constr type="t" for="ch" forName="rect2ParTx" refType="t" refFor="ch" refForName="rect2"/>
+              <dgm:constr type="b" for="ch" forName="rect2ParTx" refType="t" refFor="ch" refForName="rect3"/>
+              <dgm:constr type="r" for="ch" forName="rect2ChTx" refType="l" refFor="ch" refForName="rect2ParTx"/>
+              <dgm:constr type="w" for="ch" forName="rect2ChTx" refType="w" refFor="ch" refForName="rect2ParTx"/>
+              <dgm:constr type="t" for="ch" forName="rect2ChTx" refType="t" refFor="ch" refForName="rect2ParTx"/>
+              <dgm:constr type="b" for="ch" forName="rect2ChTx" refType="b" refFor="ch" refForName="rect2ParTx"/>
+              <dgm:constr type="r" for="ch" forName="rect2ParTxNoCh" refType="l" refFor="ch" refForName="space"/>
+              <dgm:constr type="w" for="ch" forName="rect2ParTxNoCh" refType="w" refFor="ch" refForName="rect2"/>
+              <dgm:constr type="t" for="ch" forName="rect2ParTxNoCh" refType="t" refFor="ch" refForName="rect2"/>
+              <dgm:constr type="b" for="ch" forName="rect2ParTxNoCh" refType="t" refFor="ch" refForName="rect3"/>
+              <dgm:constr type="primFontSz" for="ch" op="equ" val="65"/>
+              <dgm:constr type="secFontSz" for="ch" op="equ" val="65"/>
+            </dgm:constrLst>
+          </dgm:if>
+          <dgm:if name="Name17" axis="ch" ptType="node" func="cnt" op="equ" val="4">
+            <dgm:constrLst>
+              <dgm:constr type="userA" refType="w" fact="0.3"/>
+              <dgm:constr type="w" for="ch" forName="circle1" refType="userA" fact="2"/>
+              <dgm:constr type="h" for="ch" forName="circle1" refType="w" refFor="ch" refForName="circle1" op="equ"/>
+              <dgm:constr type="r" for="ch" forName="circle1" refType="w"/>
+              <dgm:constr type="ctrY" for="ch" forName="circle1" refType="h" fact="0.5"/>
+              <dgm:constr type="r" for="ch" forName="space" refType="ctrX" refFor="ch" refForName="circle1"/>
+              <dgm:constr type="w" for="ch" forName="space"/>
+              <dgm:constr type="h" for="ch" forName="space" refType="h" refFor="ch" refForName="circle1"/>
+              <dgm:constr type="b" for="ch" forName="space" refType="b" refFor="ch" refForName="circle1"/>
+              <dgm:constr type="r" for="ch" forName="rect1" refType="l" refFor="ch" refForName="space"/>
+              <dgm:constr type="l" for="ch" forName="rect1"/>
+              <dgm:constr type="h" for="ch" forName="rect1" refType="h" refFor="ch" refForName="circle1"/>
+              <dgm:constr type="b" for="ch" forName="rect1" refType="b" refFor="ch" refForName="circle1"/>
+              <dgm:constr type="l" for="ch" forName="vertSpace2"/>
+              <dgm:constr type="w" for="ch" forName="vertSpace2" refType="w"/>
+              <dgm:constr type="h" for="ch" forName="vertSpace2" refType="h" refFor="ch" refForName="circle1" fact="0.05"/>
+              <dgm:constr type="b" for="ch" forName="vertSpace2" refType="b" refFor="ch" refForName="circle1"/>
+              <dgm:constr type="ctrX" for="ch" forName="circle2" refType="r" refFor="ch" refForName="space"/>
+              <dgm:constr type="h" for="ch" forName="circle2" refType="h" refFor="ch" refForName="circle1" fact="0.75"/>
+              <dgm:constr type="hOff" for="ch" forName="circle2" refType="h" refFor="ch" refForName="vertSpace2" fact="-0.25"/>
+              <dgm:constr type="w" for="ch" forName="circle2" refType="h" refFor="ch" refForName="circle2" op="equ"/>
+              <dgm:constr type="wOff" for="ch" forName="circle2" refType="hOff" refFor="ch" refForName="circle2" op="equ"/>
+              <dgm:constr type="b" for="ch" forName="circle2" refType="t" refFor="ch" refForName="vertSpace2"/>
+              <dgm:constr type="r" for="ch" forName="rect2" refType="l" refFor="ch" refForName="space"/>
+              <dgm:constr type="l" for="ch" forName="rect2"/>
+              <dgm:constr type="h" for="ch" forName="rect2" refType="h" refFor="ch" refForName="circle2"/>
+              <dgm:constr type="hOff" for="ch" forName="rect2" refType="hOff" refFor="ch" refForName="circle2"/>
+              <dgm:constr type="b" for="ch" forName="rect2" refType="b" refFor="ch" refForName="circle2"/>
+              <dgm:constr type="l" for="ch" forName="vertSpace3"/>
+              <dgm:constr type="w" for="ch" forName="vertSpace3" refType="w"/>
+              <dgm:constr type="h" for="ch" forName="vertSpace3" refType="h" refFor="ch" refForName="vertSpace2"/>
+              <dgm:constr type="b" for="ch" forName="vertSpace3" refType="t" refFor="ch" refForName="vertSpace2"/>
+              <dgm:constr type="ctrX" for="ch" forName="circle3" refType="r" refFor="ch" refForName="space"/>
+              <dgm:constr type="h" for="ch" forName="circle3" refType="h" refFor="ch" refForName="circle1" fact="0.5"/>
+              <dgm:constr type="hOff" for="ch" forName="circle3" refType="h" refFor="ch" refForName="vertSpace2" fact="-0.5"/>
+              <dgm:constr type="w" for="ch" forName="circle3" refType="h" refFor="ch" refForName="circle3" op="equ"/>
+              <dgm:constr type="wOff" for="ch" forName="circle3" refType="hOff" refFor="ch" refForName="circle3" op="equ"/>
+              <dgm:constr type="b" for="ch" forName="circle3" refType="t" refFor="ch" refForName="vertSpace3"/>
+              <dgm:constr type="r" for="ch" forName="rect3" refType="l" refFor="ch" refForName="space"/>
+              <dgm:constr type="l" for="ch" forName="rect3"/>
+              <dgm:constr type="h" for="ch" forName="rect3" refType="h" refFor="ch" refForName="circle3"/>
+              <dgm:constr type="hOff" for="ch" forName="rect3" refType="hOff" refFor="ch" refForName="circle3"/>
+              <dgm:constr type="b" for="ch" forName="rect3" refType="b" refFor="ch" refForName="circle3"/>
+              <dgm:constr type="l" for="ch" forName="vertSpace4"/>
+              <dgm:constr type="w" for="ch" forName="vertSpace4" refType="w"/>
+              <dgm:constr type="h" for="ch" forName="vertSpace4" refType="h" refFor="ch" refForName="vertSpace3"/>
+              <dgm:constr type="b" for="ch" forName="vertSpace4" refType="t" refFor="ch" refForName="vertSpace3"/>
+              <dgm:constr type="ctrX" for="ch" forName="circle4" refType="r" refFor="ch" refForName="space"/>
+              <dgm:constr type="h" for="ch" forName="circle4" refType="h" refFor="ch" refForName="circle1" fact="0.25"/>
+              <dgm:constr type="hOff" for="ch" forName="circle4" refType="h" refFor="ch" refForName="vertSpace2" fact="-0.75"/>
+              <dgm:constr type="w" for="ch" forName="circle4" refType="h" refFor="ch" refForName="circle4" op="equ"/>
+              <dgm:constr type="wOff" for="ch" forName="circle4" refType="hOff" refFor="ch" refForName="circle4" op="equ"/>
+              <dgm:constr type="b" for="ch" forName="circle4" refType="t" refFor="ch" refForName="vertSpace4"/>
+              <dgm:constr type="r" for="ch" forName="rect4" refType="l" refFor="ch" refForName="space"/>
+              <dgm:constr type="l" for="ch" forName="rect4"/>
+              <dgm:constr type="h" for="ch" forName="rect4" refType="h" refFor="ch" refForName="circle4"/>
+              <dgm:constr type="hOff" for="ch" forName="rect4" refType="hOff" refFor="ch" refForName="circle4"/>
+              <dgm:constr type="b" for="ch" forName="rect4" refType="b" refFor="ch" refForName="circle4"/>
+              <dgm:constr type="r" for="ch" forName="rect4ParTx" refType="l" refFor="ch" refForName="space"/>
+              <dgm:constr type="w" for="ch" forName="rect4ParTx" refType="w" refFor="ch" refForName="rect4" fact="0.5"/>
+              <dgm:constr type="t" for="ch" forName="rect4ParTx" refType="t" refFor="ch" refForName="rect4"/>
+              <dgm:constr type="b" for="ch" forName="rect4ParTx" refType="b" refFor="ch" refForName="rect4"/>
+              <dgm:constr type="r" for="ch" forName="rect4ChTx" refType="l" refFor="ch" refForName="rect4ParTx"/>
+              <dgm:constr type="w" for="ch" forName="rect4ChTx" refType="w" refFor="ch" refForName="rect4ParTx"/>
+              <dgm:constr type="t" for="ch" forName="rect4ChTx" refType="t" refFor="ch" refForName="rect4ParTx"/>
+              <dgm:constr type="b" for="ch" forName="rect4ChTx" refType="b" refFor="ch" refForName="rect4ParTx"/>
+              <dgm:constr type="r" for="ch" forName="rect4ParTxNoCh" refType="l" refFor="ch" refForName="space"/>
+              <dgm:constr type="w" for="ch" forName="rect4ParTxNoCh" refType="w" refFor="ch" refForName="rect4"/>
+              <dgm:constr type="t" for="ch" forName="rect4ParTxNoCh" refType="t" refFor="ch" refForName="rect4"/>
+              <dgm:constr type="b" for="ch" forName="rect4ParTxNoCh" refType="b" refFor="ch" refForName="rect4"/>
+              <dgm:constr type="r" for="ch" forName="rect1ParTx" refType="l" refFor="ch" refForName="space"/>
+              <dgm:constr type="w" for="ch" forName="rect1ParTx" refType="w" refFor="ch" refForName="rect1" fact="0.5"/>
+              <dgm:constr type="t" for="ch" forName="rect1ParTx" refType="t" refFor="ch" refForName="rect1"/>
+              <dgm:constr type="b" for="ch" forName="rect1ParTx" refType="t" refFor="ch" refForName="rect2"/>
+              <dgm:constr type="r" for="ch" forName="rect1ChTx" refType="l" refFor="ch" refForName="rect1ParTx"/>
+              <dgm:constr type="w" for="ch" forName="rect1ChTx" refType="w" refFor="ch" refForName="rect1ParTx"/>
+              <dgm:constr type="t" for="ch" forName="rect1ChTx" refType="t" refFor="ch" refForName="rect1ParTx"/>
+              <dgm:constr type="b" for="ch" forName="rect1ChTx" refType="b" refFor="ch" refForName="rect1ParTx"/>
+              <dgm:constr type="r" for="ch" forName="rect1ParTxNoCh" refType="l" refFor="ch" refForName="space"/>
+              <dgm:constr type="w" for="ch" forName="rect1ParTxNoCh" refType="w" refFor="ch" refForName="rect1"/>
+              <dgm:constr type="t" for="ch" forName="rect1ParTxNoCh" refType="t" refFor="ch" refForName="rect1"/>
+              <dgm:constr type="b" for="ch" forName="rect1ParTxNoCh" refType="t" refFor="ch" refForName="rect2"/>
+              <dgm:constr type="r" for="ch" forName="rect2ParTx" refType="l" refFor="ch" refForName="space"/>
+              <dgm:constr type="w" for="ch" forName="rect2ParTx" refType="w" refFor="ch" refForName="rect2" fact="0.5"/>
+              <dgm:constr type="t" for="ch" forName="rect2ParTx" refType="t" refFor="ch" refForName="rect2"/>
+              <dgm:constr type="b" for="ch" forName="rect2ParTx" refType="t" refFor="ch" refForName="rect3"/>
+              <dgm:constr type="r" for="ch" forName="rect2ChTx" refType="l" refFor="ch" refForName="rect2ParTx"/>
+              <dgm:constr type="w" for="ch" forName="rect2ChTx" refType="w" refFor="ch" refForName="rect2ParTx"/>
+              <dgm:constr type="t" for="ch" forName="rect2ChTx" refType="t" refFor="ch" refForName="rect2ParTx"/>
+              <dgm:constr type="b" for="ch" forName="rect2ChTx" refType="b" refFor="ch" refForName="rect2ParTx"/>
+              <dgm:constr type="r" for="ch" forName="rect2ParTxNoCh" refType="l" refFor="ch" refForName="space"/>
+              <dgm:constr type="w" for="ch" forName="rect2ParTxNoCh" refType="w" refFor="ch" refForName="rect2"/>
+              <dgm:constr type="t" for="ch" forName="rect2ParTxNoCh" refType="t" refFor="ch" refForName="rect2"/>
+              <dgm:constr type="b" for="ch" forName="rect2ParTxNoCh" refType="t" refFor="ch" refForName="rect3"/>
+              <dgm:constr type="r" for="ch" forName="rect3ParTx" refType="l" refFor="ch" refForName="space"/>
+              <dgm:constr type="w" for="ch" forName="rect3ParTx" refType="w" refFor="ch" refForName="rect3" fact="0.5"/>
+              <dgm:constr type="t" for="ch" forName="rect3ParTx" refType="t" refFor="ch" refForName="rect3"/>
+              <dgm:constr type="b" for="ch" forName="rect3ParTx" refType="t" refFor="ch" refForName="rect4"/>
+              <dgm:constr type="r" for="ch" forName="rect3ChTx" refType="l" refFor="ch" refForName="rect3ParTx"/>
+              <dgm:constr type="w" for="ch" forName="rect3ChTx" refType="w" refFor="ch" refForName="rect3ParTx"/>
+              <dgm:constr type="t" for="ch" forName="rect3ChTx" refType="t" refFor="ch" refForName="rect3ParTx"/>
+              <dgm:constr type="b" for="ch" forName="rect3ChTx" refType="b" refFor="ch" refForName="rect3ParTx"/>
+              <dgm:constr type="r" for="ch" forName="rect3ParTxNoCh" refType="l" refFor="ch" refForName="space"/>
+              <dgm:constr type="w" for="ch" forName="rect3ParTxNoCh" refType="w" refFor="ch" refForName="rect3"/>
+              <dgm:constr type="t" for="ch" forName="rect3ParTxNoCh" refType="t" refFor="ch" refForName="rect3"/>
+              <dgm:constr type="b" for="ch" forName="rect3ParTxNoCh" refType="t" refFor="ch" refForName="rect4"/>
+              <dgm:constr type="primFontSz" for="ch" op="equ" val="65"/>
+              <dgm:constr type="secFontSz" for="ch" op="equ" val="65"/>
+            </dgm:constrLst>
+          </dgm:if>
+          <dgm:if name="Name18" axis="ch" ptType="node" func="cnt" op="equ" val="5">
+            <dgm:constrLst>
+              <dgm:constr type="userA" refType="w" fact="0.3"/>
+              <dgm:constr type="w" for="ch" forName="circle1" refType="userA" fact="2"/>
+              <dgm:constr type="h" for="ch" forName="circle1" refType="w" refFor="ch" refForName="circle1" op="equ"/>
+              <dgm:constr type="r" for="ch" forName="circle1" refType="w"/>
+              <dgm:constr type="ctrY" for="ch" forName="circle1" refType="h" fact="0.5"/>
+              <dgm:constr type="r" for="ch" forName="space" refType="ctrX" refFor="ch" refForName="circle1"/>
+              <dgm:constr type="w" for="ch" forName="space"/>
+              <dgm:constr type="h" for="ch" forName="space" refType="h" refFor="ch" refForName="circle1"/>
+              <dgm:constr type="b" for="ch" forName="space" refType="b" refFor="ch" refForName="circle1"/>
+              <dgm:constr type="r" for="ch" forName="rect1" refType="l" refFor="ch" refForName="space"/>
+              <dgm:constr type="l" for="ch" forName="rect1"/>
+              <dgm:constr type="h" for="ch" forName="rect1" refType="h" refFor="ch" refForName="circle1"/>
+              <dgm:constr type="b" for="ch" forName="rect1" refType="b" refFor="ch" refForName="circle1"/>
+              <dgm:constr type="l" for="ch" forName="vertSpace2"/>
+              <dgm:constr type="w" for="ch" forName="vertSpace2" refType="w"/>
+              <dgm:constr type="h" for="ch" forName="vertSpace2" refType="h" refFor="ch" refForName="circle1" fact="0.05"/>
+              <dgm:constr type="b" for="ch" forName="vertSpace2" refType="b" refFor="ch" refForName="circle1"/>
+              <dgm:constr type="ctrX" for="ch" forName="circle2" refType="r" refFor="ch" refForName="space"/>
+              <dgm:constr type="h" for="ch" forName="circle2" refType="h" refFor="ch" refForName="circle1" fact="0.8"/>
+              <dgm:constr type="hOff" for="ch" forName="circle2" refType="h" refFor="ch" refForName="vertSpace2" fact="-0.2"/>
+              <dgm:constr type="w" for="ch" forName="circle2" refType="h" refFor="ch" refForName="circle2" op="equ"/>
+              <dgm:constr type="wOff" for="ch" forName="circle2" refType="hOff" refFor="ch" refForName="circle2" op="equ"/>
+              <dgm:constr type="b" for="ch" forName="circle2" refType="t" refFor="ch" refForName="vertSpace2"/>
+              <dgm:constr type="r" for="ch" forName="rect2" refType="l" refFor="ch" refForName="space"/>
+              <dgm:constr type="l" for="ch" forName="rect2"/>
+              <dgm:constr type="h" for="ch" forName="rect2" refType="h" refFor="ch" refForName="circle2"/>
+              <dgm:constr type="hOff" for="ch" forName="rect2" refType="hOff" refFor="ch" refForName="circle2"/>
+              <dgm:constr type="b" for="ch" forName="rect2" refType="b" refFor="ch" refForName="circle2"/>
+              <dgm:constr type="l" for="ch" forName="vertSpace3"/>
+              <dgm:constr type="w" for="ch" forName="vertSpace3" refType="w"/>
+              <dgm:constr type="h" for="ch" forName="vertSpace3" refType="h" refFor="ch" refForName="vertSpace2"/>
+              <dgm:constr type="b" for="ch" forName="vertSpace3" refType="t" refFor="ch" refForName="vertSpace2"/>
+              <dgm:constr type="ctrX" for="ch" forName="circle3" refType="r" refFor="ch" refForName="space"/>
+              <dgm:constr type="h" for="ch" forName="circle3" refType="h" refFor="ch" refForName="circle1" fact="0.6"/>
+              <dgm:constr type="hOff" for="ch" forName="circle3" refType="h" refFor="ch" refForName="vertSpace2" fact="-0.4"/>
+              <dgm:constr type="w" for="ch" forName="circle3" refType="h" refFor="ch" refForName="circle3" op="equ"/>
+              <dgm:constr type="wOff" for="ch" forName="circle3" refType="hOff" refFor="ch" refForName="circle3" op="equ"/>
+              <dgm:constr type="b" for="ch" forName="circle3" refType="t" refFor="ch" refForName="vertSpace3"/>
+              <dgm:constr type="r" for="ch" forName="rect3" refType="l" refFor="ch" refForName="space"/>
+              <dgm:constr type="l" for="ch" forName="rect3"/>
+              <dgm:constr type="h" for="ch" forName="rect3" refType="h" refFor="ch" refForName="circle3"/>
+              <dgm:constr type="hOff" for="ch" forName="rect3" refType="hOff" refFor="ch" refForName="circle3"/>
+              <dgm:constr type="b" for="ch" forName="rect3" refType="b" refFor="ch" refForName="circle3"/>
+              <dgm:constr type="l" for="ch" forName="vertSpace4"/>
+              <dgm:constr type="w" for="ch" forName="vertSpace4" refType="w"/>
+              <dgm:constr type="h" for="ch" forName="vertSpace4" refType="h" refFor="ch" refForName="vertSpace3"/>
+              <dgm:constr type="b" for="ch" forName="vertSpace4" refType="t" refFor="ch" refForName="vertSpace3"/>
+              <dgm:constr type="ctrX" for="ch" forName="circle4" refType="r" refFor="ch" refForName="space"/>
+              <dgm:constr type="h" for="ch" forName="circle4" refType="h" refFor="ch" refForName="circle1" fact="0.4"/>
+              <dgm:constr type="hOff" for="ch" forName="circle4" refType="h" refFor="ch" refForName="vertSpace2" fact="-0.6"/>
+              <dgm:constr type="w" for="ch" forName="circle4" refType="h" refFor="ch" refForName="circle4" op="equ"/>
+              <dgm:constr type="wOff" for="ch" forName="circle4" refType="hOff" refFor="ch" refForName="circle4" op="equ"/>
+              <dgm:constr type="b" for="ch" forName="circle4" refType="t" refFor="ch" refForName="vertSpace4"/>
+              <dgm:constr type="r" for="ch" forName="rect4" refType="l" refFor="ch" refForName="space"/>
+              <dgm:constr type="l" for="ch" forName="rect4"/>
+              <dgm:constr type="h" for="ch" forName="rect4" refType="h" refFor="ch" refForName="circle4"/>
+              <dgm:constr type="hOff" for="ch" forName="rect4" refType="hOff" refFor="ch" refForName="circle4"/>
+              <dgm:constr type="b" for="ch" forName="rect4" refType="b" refFor="ch" refForName="circle4"/>
+              <dgm:constr type="l" for="ch" forName="vertSpace5"/>
+              <dgm:constr type="w" for="ch" forName="vertSpace5" refType="w"/>
+              <dgm:constr type="h" for="ch" forName="vertSpace5" refType="h" refFor="ch" refForName="vertSpace4"/>
+              <dgm:constr type="b" for="ch" forName="vertSpace5" refType="t" refFor="ch" refForName="vertSpace4"/>
+              <dgm:constr type="ctrX" for="ch" forName="circle5" refType="r" refFor="ch" refForName="space"/>
+              <dgm:constr type="h" for="ch" forName="circle5" refType="h" refFor="ch" refForName="circle1" fact="0.2"/>
+              <dgm:constr type="hOff" for="ch" forName="circle5" refType="h" refFor="ch" refForName="vertSpace2" fact="-0.8"/>
+              <dgm:constr type="w" for="ch" forName="circle5" refType="h" refFor="ch" refForName="circle5" op="equ"/>
+              <dgm:constr type="wOff" for="ch" forName="circle5" refType="hOff" refFor="ch" refForName="circle5" op="equ"/>
+              <dgm:constr type="b" for="ch" forName="circle5" refType="t" refFor="ch" refForName="vertSpace5"/>
+              <dgm:constr type="r" for="ch" forName="rect5" refType="l" refFor="ch" refForName="space"/>
+              <dgm:constr type="l" for="ch" forName="rect5"/>
+              <dgm:constr type="h" for="ch" forName="rect5" refType="h" refFor="ch" refForName="circle5"/>
+              <dgm:constr type="hOff" for="ch" forName="rect5" refType="hOff" refFor="ch" refForName="circle5"/>
+              <dgm:constr type="b" for="ch" forName="rect5" refType="b" refFor="ch" refForName="circle5"/>
+              <dgm:constr type="r" for="ch" forName="rect5ParTx" refType="l" refFor="ch" refForName="space"/>
+              <dgm:constr type="w" for="ch" forName="rect5ParTx" refType="w" refFor="ch" refForName="rect5" fact="0.5"/>
+              <dgm:constr type="t" for="ch" forName="rect5ParTx" refType="t" refFor="ch" refForName="rect5"/>
+              <dgm:constr type="b" for="ch" forName="rect5ParTx" refType="b" refFor="ch" refForName="rect5"/>
+              <dgm:constr type="r" for="ch" forName="rect5ChTx" refType="l" refFor="ch" refForName="rect5ParTx"/>
+              <dgm:constr type="w" for="ch" forName="rect5ChTx" refType="w" refFor="ch" refForName="rect5ParTx"/>
+              <dgm:constr type="t" for="ch" forName="rect5ChTx" refType="t" refFor="ch" refForName="rect5ParTx"/>
+              <dgm:constr type="b" for="ch" forName="rect5ChTx" refType="b" refFor="ch" refForName="rect5ParTx"/>
+              <dgm:constr type="r" for="ch" forName="rect5ParTxNoCh" refType="l" refFor="ch" refForName="space"/>
+              <dgm:constr type="w" for="ch" forName="rect5ParTxNoCh" refType="w" refFor="ch" refForName="rect5"/>
+              <dgm:constr type="t" for="ch" forName="rect5ParTxNoCh" refType="t" refFor="ch" refForName="rect5"/>
+              <dgm:constr type="b" for="ch" forName="rect5ParTxNoCh" refType="b" refFor="ch" refForName="rect5"/>
+              <dgm:constr type="r" for="ch" forName="rect1ParTx" refType="l" refFor="ch" refForName="space"/>
+              <dgm:constr type="w" for="ch" forName="rect1ParTx" refType="w" refFor="ch" refForName="rect1" fact="0.5"/>
+              <dgm:constr type="t" for="ch" forName="rect1ParTx" refType="t" refFor="ch" refForName="rect1"/>
+              <dgm:constr type="b" for="ch" forName="rect1ParTx" refType="t" refFor="ch" refForName="rect2"/>
+              <dgm:constr type="r" for="ch" forName="rect1ChTx" refType="l" refFor="ch" refForName="rect1ParTx"/>
+              <dgm:constr type="w" for="ch" forName="rect1ChTx" refType="w" refFor="ch" refForName="rect1ParTx"/>
+              <dgm:constr type="t" for="ch" forName="rect1ChTx" refType="t" refFor="ch" refForName="rect1ParTx"/>
+              <dgm:constr type="b" for="ch" forName="rect1ChTx" refType="b" refFor="ch" refForName="rect1ParTx"/>
+              <dgm:constr type="r" for="ch" forName="rect1ParTxNoCh" refType="l" refFor="ch" refForName="space"/>
+              <dgm:constr type="w" for="ch" forName="rect1ParTxNoCh" refType="w" refFor="ch" refForName="rect1"/>
+              <dgm:constr type="t" for="ch" forName="rect1ParTxNoCh" refType="t" refFor="ch" refForName="rect1"/>
+              <dgm:constr type="b" for="ch" forName="rect1ParTxNoCh" refType="t" refFor="ch" refForName="rect2"/>
+              <dgm:constr type="r" for="ch" forName="rect2ParTx" refType="l" refFor="ch" refForName="space"/>
+              <dgm:constr type="w" for="ch" forName="rect2ParTx" refType="w" refFor="ch" refForName="rect2" fact="0.5"/>
+              <dgm:constr type="t" for="ch" forName="rect2ParTx" refType="t" refFor="ch" refForName="rect2"/>
+              <dgm:constr type="b" for="ch" forName="rect2ParTx" refType="t" refFor="ch" refForName="rect3"/>
+              <dgm:constr type="r" for="ch" forName="rect2ChTx" refType="l" refFor="ch" refForName="rect2ParTx"/>
+              <dgm:constr type="w" for="ch" forName="rect2ChTx" refType="w" refFor="ch" refForName="rect2ParTx"/>
+              <dgm:constr type="t" for="ch" forName="rect2ChTx" refType="t" refFor="ch" refForName="rect2ParTx"/>
+              <dgm:constr type="b" for="ch" forName="rect2ChTx" refType="b" refFor="ch" refForName="rect2ParTx"/>
+              <dgm:constr type="r" for="ch" forName="rect2ParTxNoCh" refType="l" refFor="ch" refForName="space"/>
+              <dgm:constr type="w" for="ch" forName="rect2ParTxNoCh" refType="w" refFor="ch" refForName="rect2"/>
+              <dgm:constr type="t" for="ch" forName="rect2ParTxNoCh" refType="t" refFor="ch" refForName="rect2"/>
+              <dgm:constr type="b" for="ch" forName="rect2ParTxNoCh" refType="t" refFor="ch" refForName="rect3"/>
+              <dgm:constr type="r" for="ch" forName="rect3ParTx" refType="l" refFor="ch" refForName="space"/>
+              <dgm:constr type="w" for="ch" forName="rect3ParTx" refType="w" refFor="ch" refForName="rect3" fact="0.5"/>
+              <dgm:constr type="t" for="ch" forName="rect3ParTx" refType="t" refFor="ch" refForName="rect3"/>
+              <dgm:constr type="b" for="ch" forName="rect3ParTx" refType="t" refFor="ch" refForName="rect4"/>
+              <dgm:constr type="r" for="ch" forName="rect3ChTx" refType="l" refFor="ch" refForName="rect3ParTx"/>
+              <dgm:constr type="w" for="ch" forName="rect3ChTx" refType="w" refFor="ch" refForName="rect3ParTx"/>
+              <dgm:constr type="t" for="ch" forName="rect3ChTx" refType="t" refFor="ch" refForName="rect3ParTx"/>
+              <dgm:constr type="b" for="ch" forName="rect3ChTx" refType="b" refFor="ch" refForName="rect3ParTx"/>
+              <dgm:constr type="r" for="ch" forName="rect3ParTxNoCh" refType="l" refFor="ch" refForName="space"/>
+              <dgm:constr type="w" for="ch" forName="rect3ParTxNoCh" refType="w" refFor="ch" refForName="rect3"/>
+              <dgm:constr type="t" for="ch" forName="rect3ParTxNoCh" refType="t" refFor="ch" refForName="rect3"/>
+              <dgm:constr type="b" for="ch" forName="rect3ParTxNoCh" refType="t" refFor="ch" refForName="rect4"/>
+              <dgm:constr type="r" for="ch" forName="rect4ParTx" refType="l" refFor="ch" refForName="space"/>
+              <dgm:constr type="w" for="ch" forName="rect4ParTx" refType="w" refFor="ch" refForName="rect4" fact="0.5"/>
+              <dgm:constr type="t" for="ch" forName="rect4ParTx" refType="t" refFor="ch" refForName="rect4"/>
+              <dgm:constr type="b" for="ch" forName="rect4ParTx" refType="t" refFor="ch" refForName="rect5"/>
+              <dgm:constr type="r" for="ch" forName="rect4ChTx" refType="l" refFor="ch" refForName="rect4ParTx"/>
+              <dgm:constr type="w" for="ch" forName="rect4ChTx" refType="w" refFor="ch" refForName="rect4ParTx"/>
+              <dgm:constr type="t" for="ch" forName="rect4ChTx" refType="t" refFor="ch" refForName="rect4ParTx"/>
+              <dgm:constr type="b" for="ch" forName="rect4ChTx" refType="b" refFor="ch" refForName="rect4ParTx"/>
+              <dgm:constr type="r" for="ch" forName="rect4ParTxNoCh" refType="l" refFor="ch" refForName="space"/>
+              <dgm:constr type="w" for="ch" forName="rect4ParTxNoCh" refType="w" refFor="ch" refForName="rect4"/>
+              <dgm:constr type="t" for="ch" forName="rect4ParTxNoCh" refType="t" refFor="ch" refForName="rect4"/>
+              <dgm:constr type="b" for="ch" forName="rect4ParTxNoCh" refType="t" refFor="ch" refForName="rect5"/>
+              <dgm:constr type="primFontSz" for="ch" op="equ" val="65"/>
+              <dgm:constr type="secFontSz" for="ch" op="equ" val="65"/>
+            </dgm:constrLst>
+          </dgm:if>
+          <dgm:if name="Name19" axis="ch" ptType="node" func="cnt" op="equ" val="6">
+            <dgm:constrLst>
+              <dgm:constr type="userA" refType="w" fact="0.3"/>
+              <dgm:constr type="w" for="ch" forName="circle1" refType="userA" fact="2"/>
+              <dgm:constr type="h" for="ch" forName="circle1" refType="w" refFor="ch" refForName="circle1" op="equ"/>
+              <dgm:constr type="r" for="ch" forName="circle1" refType="w"/>
+              <dgm:constr type="ctrY" for="ch" forName="circle1" refType="h" fact="0.5"/>
+              <dgm:constr type="r" for="ch" forName="space" refType="ctrX" refFor="ch" refForName="circle1"/>
+              <dgm:constr type="w" for="ch" forName="space"/>
+              <dgm:constr type="h" for="ch" forName="space" refType="h" refFor="ch" refForName="circle1"/>
+              <dgm:constr type="b" for="ch" forName="space" refType="b" refFor="ch" refForName="circle1"/>
+              <dgm:constr type="r" for="ch" forName="rect1" refType="l" refFor="ch" refForName="space"/>
+              <dgm:constr type="l" for="ch" forName="rect1"/>
+              <dgm:constr type="h" for="ch" forName="rect1" refType="h" refFor="ch" refForName="circle1"/>
+              <dgm:constr type="b" for="ch" forName="rect1" refType="b" refFor="ch" refForName="circle1"/>
+              <dgm:constr type="l" for="ch" forName="vertSpace2"/>
+              <dgm:constr type="w" for="ch" forName="vertSpace2" refType="w"/>
+              <dgm:constr type="h" for="ch" forName="vertSpace2" refType="h" refFor="ch" refForName="circle1" fact="0.05"/>
+              <dgm:constr type="b" for="ch" forName="vertSpace2" refType="b" refFor="ch" refForName="circle1"/>
+              <dgm:constr type="ctrX" for="ch" forName="circle2" refType="r" refFor="ch" refForName="space"/>
+              <dgm:constr type="h" for="ch" forName="circle2" refType="h" refFor="ch" refForName="circle1" fact="0.83333"/>
+              <dgm:constr type="hOff" for="ch" forName="circle2" refType="h" refFor="ch" refForName="vertSpace2" fact="-0.16667"/>
+              <dgm:constr type="w" for="ch" forName="circle2" refType="h" refFor="ch" refForName="circle2" op="equ"/>
+              <dgm:constr type="wOff" for="ch" forName="circle2" refType="hOff" refFor="ch" refForName="circle2" op="equ"/>
+              <dgm:constr type="b" for="ch" forName="circle2" refType="t" refFor="ch" refForName="vertSpace2"/>
+              <dgm:constr type="r" for="ch" forName="rect2" refType="l" refFor="ch" refForName="space"/>
+              <dgm:constr type="l" for="ch" forName="rect2"/>
+              <dgm:constr type="h" for="ch" forName="rect2" refType="h" refFor="ch" refForName="circle2"/>
+              <dgm:constr type="hOff" for="ch" forName="rect2" refType="hOff" refFor="ch" refForName="circle2"/>
+              <dgm:constr type="b" for="ch" forName="rect2" refType="b" refFor="ch" refForName="circle2"/>
+              <dgm:constr type="l" for="ch" forName="vertSpace3"/>
+              <dgm:constr type="w" for="ch" forName="vertSpace3" refType="w"/>
+              <dgm:constr type="h" for="ch" forName="vertSpace3" refType="h" refFor="ch" refForName="vertSpace2"/>
+              <dgm:constr type="b" for="ch" forName="vertSpace3" refType="t" refFor="ch" refForName="vertSpace2"/>
+              <dgm:constr type="ctrX" for="ch" forName="circle3" refType="r" refFor="ch" refForName="space"/>
+              <dgm:constr type="h" for="ch" forName="circle3" refType="h" refFor="ch" refForName="circle1" fact="0.66667"/>
+              <dgm:constr type="hOff" for="ch" forName="circle3" refType="h" refFor="ch" refForName="vertSpace2" fact="-0.33333"/>
+              <dgm:constr type="w" for="ch" forName="circle3" refType="h" refFor="ch" refForName="circle3" op="equ"/>
+              <dgm:constr type="wOff" for="ch" forName="circle3" refType="hOff" refFor="ch" refForName="circle3" op="equ"/>
+              <dgm:constr type="b" for="ch" forName="circle3" refType="t" refFor="ch" refForName="vertSpace3"/>
+              <dgm:constr type="r" for="ch" forName="rect3" refType="l" refFor="ch" refForName="space"/>
+              <dgm:constr type="l" for="ch" forName="rect3"/>
+              <dgm:constr type="h" for="ch" forName="rect3" refType="h" refFor="ch" refForName="circle3"/>
+              <dgm:constr type="hOff" for="ch" forName="rect3" refType="hOff" refFor="ch" refForName="circle3"/>
+              <dgm:constr type="b" for="ch" forName="rect3" refType="b" refFor="ch" refForName="circle3"/>
+              <dgm:constr type="l" for="ch" forName="vertSpace4"/>
+              <dgm:constr type="w" for="ch" forName="vertSpace4" refType="w"/>
+              <dgm:constr type="h" for="ch" forName="vertSpace4" refType="h" refFor="ch" refForName="vertSpace3"/>
+              <dgm:constr type="b" for="ch" forName="vertSpace4" refType="t" refFor="ch" refForName="vertSpace3"/>
+              <dgm:constr type="ctrX" for="ch" forName="circle4" refType="r" refFor="ch" refForName="space"/>
+              <dgm:constr type="h" for="ch" forName="circle4" refType="h" refFor="ch" refForName="circle1" fact="0.5"/>
+              <dgm:constr type="hOff" for="ch" forName="circle4" refType="h" refFor="ch" refForName="vertSpace2" fact="-0.5"/>
+              <dgm:constr type="w" for="ch" forName="circle4" refType="h" refFor="ch" refForName="circle4" op="equ"/>
+              <dgm:constr type="wOff" for="ch" forName="circle4" refType="hOff" refFor="ch" refForName="circle4" op="equ"/>
+              <dgm:constr type="b" for="ch" forName="circle4" refType="t" refFor="ch" refForName="vertSpace4"/>
+              <dgm:constr type="r" for="ch" forName="rect4" refType="l" refFor="ch" refForName="space"/>
+              <dgm:constr type="l" for="ch" forName="rect4"/>
+              <dgm:constr type="h" for="ch" forName="rect4" refType="h" refFor="ch" refForName="circle4"/>
+              <dgm:constr type="hOff" for="ch" forName="rect4" refType="hOff" refFor="ch" refForName="circle4"/>
+              <dgm:constr type="b" for="ch" forName="rect4" refType="b" refFor="ch" refForName="circle4"/>
+              <dgm:constr type="l" for="ch" forName="vertSpace5"/>
+              <dgm:constr type="w" for="ch" forName="vertSpace5" refType="w"/>
+              <dgm:constr type="h" for="ch" forName="vertSpace5" refType="h" refFor="ch" refForName="vertSpace4"/>
+              <dgm:constr type="b" for="ch" forName="vertSpace5" refType="t" refFor="ch" refForName="vertSpace4"/>
+              <dgm:constr type="ctrX" for="ch" forName="circle5" refType="r" refFor="ch" refForName="space"/>
+              <dgm:constr type="h" for="ch" forName="circle5" refType="h" refFor="ch" refForName="circle1" fact="0.33333"/>
+              <dgm:constr type="hOff" for="ch" forName="circle5" refType="h" refFor="ch" refForName="vertSpace2" fact="-0.66667"/>
+              <dgm:constr type="w" for="ch" forName="circle5" refType="h" refFor="ch" refForName="circle5" op="equ"/>
+              <dgm:constr type="wOff" for="ch" forName="circle5" refType="hOff" refFor="ch" refForName="circle5" op="equ"/>
+              <dgm:constr type="b" for="ch" forName="circle5" refType="t" refFor="ch" refForName="vertSpace5"/>
+              <dgm:constr type="r" for="ch" forName="rect5" refType="l" refFor="ch" refForName="space"/>
+              <dgm:constr type="l" for="ch" forName="rect5"/>
+              <dgm:constr type="h" for="ch" forName="rect5" refType="h" refFor="ch" refForName="circle5"/>
+              <dgm:constr type="hOff" for="ch" forName="rect5" refType="hOff" refFor="ch" refForName="circle5"/>
+              <dgm:constr type="b" for="ch" forName="rect5" refType="b" refFor="ch" refForName="circle5"/>
+              <dgm:constr type="l" for="ch" forName="vertSpace6"/>
+              <dgm:constr type="w" for="ch" forName="vertSpace6" refType="w"/>
+              <dgm:constr type="h" for="ch" forName="vertSpace6" refType="h" refFor="ch" refForName="vertSpace5"/>
+              <dgm:constr type="b" for="ch" forName="vertSpace6" refType="t" refFor="ch" refForName="vertSpace5"/>
+              <dgm:constr type="ctrX" for="ch" forName="circle6" refType="r" refFor="ch" refForName="space"/>
+              <dgm:constr type="h" for="ch" forName="circle6" refType="h" refFor="ch" refForName="circle1" fact="0.16667"/>
+              <dgm:constr type="hOff" for="ch" forName="circle6" refType="h" refFor="ch" refForName="vertSpace2" fact="-0.83333"/>
+              <dgm:constr type="w" for="ch" forName="circle6" refType="h" refFor="ch" refForName="circle6" op="equ"/>
+              <dgm:constr type="wOff" for="ch" forName="circle6" refType="hOff" refFor="ch" refForName="circle6" op="equ"/>
+              <dgm:constr type="b" for="ch" forName="circle6" refType="t" refFor="ch" refForName="vertSpace6"/>
+              <dgm:constr type="r" for="ch" forName="rect6" refType="l" refFor="ch" refForName="space"/>
+              <dgm:constr type="l" for="ch" forName="rect6"/>
+              <dgm:constr type="h" for="ch" forName="rect6" refType="h" refFor="ch" refForName="circle6"/>
+              <dgm:constr type="hOff" for="ch" forName="rect6" refType="hOff" refFor="ch" refForName="circle6"/>
+              <dgm:constr type="b" for="ch" forName="rect6" refType="b" refFor="ch" refForName="circle6"/>
+              <dgm:constr type="r" for="ch" forName="rect6ParTx" refType="l" refFor="ch" refForName="space"/>
+              <dgm:constr type="w" for="ch" forName="rect6ParTx" refType="w" refFor="ch" refForName="rect6" fact="0.5"/>
+              <dgm:constr type="t" for="ch" forName="rect6ParTx" refType="t" refFor="ch" refForName="rect6"/>
+              <dgm:constr type="b" for="ch" forName="rect6ParTx" refType="b" refFor="ch" refForName="rect6"/>
+              <dgm:constr type="r" for="ch" forName="rect6ChTx" refType="l" refFor="ch" refForName="rect6ParTx"/>
+              <dgm:constr type="w" for="ch" forName="rect6ChTx" refType="w" refFor="ch" refForName="rect6ParTx"/>
+              <dgm:constr type="t" for="ch" forName="rect6ChTx" refType="t" refFor="ch" refForName="rect6ParTx"/>
+              <dgm:constr type="b" for="ch" forName="rect6ChTx" refType="b" refFor="ch" refForName="rect6ParTx"/>
+              <dgm:constr type="r" for="ch" forName="rect6ParTxNoCh" refType="l" refFor="ch" refForName="space"/>
+              <dgm:constr type="w" for="ch" forName="rect6ParTxNoCh" refType="w" refFor="ch" refForName="rect6"/>
+              <dgm:constr type="t" for="ch" forName="rect6ParTxNoCh" refType="t" refFor="ch" refForName="rect6"/>
+              <dgm:constr type="b" for="ch" forName="rect6ParTxNoCh" refType="b" refFor="ch" refForName="rect6"/>
+              <dgm:constr type="r" for="ch" forName="rect1ParTx" refType="l" refFor="ch" refForName="space"/>
+              <dgm:constr type="w" for="ch" forName="rect1ParTx" refType="w" refFor="ch" refForName="rect1" fact="0.5"/>
+              <dgm:constr type="t" for="ch" forName="rect1ParTx" refType="t" refFor="ch" refForName="rect1"/>
+              <dgm:constr type="b" for="ch" forName="rect1ParTx" refType="t" refFor="ch" refForName="rect2"/>
+              <dgm:constr type="r" for="ch" forName="rect1ChTx" refType="l" refFor="ch" refForName="rect1ParTx"/>
+              <dgm:constr type="w" for="ch" forName="rect1ChTx" refType="w" refFor="ch" refForName="rect1ParTx"/>
+              <dgm:constr type="t" for="ch" forName="rect1ChTx" refType="t" refFor="ch" refForName="rect1ParTx"/>
+              <dgm:constr type="b" for="ch" forName="rect1ChTx" refType="b" refFor="ch" refForName="rect1ParTx"/>
+              <dgm:constr type="r" for="ch" forName="rect1ParTxNoCh" refType="l" refFor="ch" refForName="space"/>
+              <dgm:constr type="w" for="ch" forName="rect1ParTxNoCh" refType="w" refFor="ch" refForName="rect1"/>
+              <dgm:constr type="t" for="ch" forName="rect1ParTxNoCh" refType="t" refFor="ch" refForName="rect1"/>
+              <dgm:constr type="b" for="ch" forName="rect1ParTxNoCh" refType="t" refFor="ch" refForName="rect2"/>
+              <dgm:constr type="r" for="ch" forName="rect2ParTx" refType="l" refFor="ch" refForName="space"/>
+              <dgm:constr type="w" for="ch" forName="rect2ParTx" refType="w" refFor="ch" refForName="rect2" fact="0.5"/>
+              <dgm:constr type="t" for="ch" forName="rect2ParTx" refType="t" refFor="ch" refForName="rect2"/>
+              <dgm:constr type="b" for="ch" forName="rect2ParTx" refType="t" refFor="ch" refForName="rect3"/>
+              <dgm:constr type="r" for="ch" forName="rect2ChTx" refType="l" refFor="ch" refForName="rect2ParTx"/>
+              <dgm:constr type="w" for="ch" forName="rect2ChTx" refType="w" refFor="ch" refForName="rect2ParTx"/>
+              <dgm:constr type="t" for="ch" forName="rect2ChTx" refType="t" refFor="ch" refForName="rect2ParTx"/>
+              <dgm:constr type="b" for="ch" forName="rect2ChTx" refType="b" refFor="ch" refForName="rect2ParTx"/>
+              <dgm:constr type="r" for="ch" forName="rect2ParTxNoCh" refType="l" refFor="ch" refForName="space"/>
+              <dgm:constr type="w" for="ch" forName="rect2ParTxNoCh" refType="w" refFor="ch" refForName="rect2"/>
+              <dgm:constr type="t" for="ch" forName="rect2ParTxNoCh" refType="t" refFor="ch" refForName="rect2"/>
+              <dgm:constr type="b" for="ch" forName="rect2ParTxNoCh" refType="t" refFor="ch" refForName="rect3"/>
+              <dgm:constr type="r" for="ch" forName="rect3ParTx" refType="l" refFor="ch" refForName="space"/>
+              <dgm:constr type="w" for="ch" forName="rect3ParTx" refType="w" refFor="ch" refForName="rect3" fact="0.5"/>
+              <dgm:constr type="t" for="ch" forName="rect3ParTx" refType="t" refFor="ch" refForName="rect3"/>
+              <dgm:constr type="b" for="ch" forName="rect3ParTx" refType="t" refFor="ch" refForName="rect4"/>
+              <dgm:constr type="r" for="ch" forName="rect3ChTx" refType="l" refFor="ch" refForName="rect3ParTx"/>
+              <dgm:constr type="w" for="ch" forName="rect3ChTx" refType="w" refFor="ch" refForName="rect3ParTx"/>
+              <dgm:constr type="t" for="ch" forName="rect3ChTx" refType="t" refFor="ch" refForName="rect3ParTx"/>
+              <dgm:constr type="b" for="ch" forName="rect3ChTx" refType="b" refFor="ch" refForName="rect3ParTx"/>
+              <dgm:constr type="r" for="ch" forName="rect3ParTxNoCh" refType="l" refFor="ch" refForName="space"/>
+              <dgm:constr type="w" for="ch" forName="rect3ParTxNoCh" refType="w" refFor="ch" refForName="rect3"/>
+              <dgm:constr type="t" for="ch" forName="rect3ParTxNoCh" refType="t" refFor="ch" refForName="rect3"/>
+              <dgm:constr type="b" for="ch" forName="rect3ParTxNoCh" refType="t" refFor="ch" refForName="rect4"/>
+              <dgm:constr type="r" for="ch" forName="rect4ParTx" refType="l" refFor="ch" refForName="space"/>
+              <dgm:constr type="w" for="ch" forName="rect4ParTx" refType="w" refFor="ch" refForName="rect4" fact="0.5"/>
+              <dgm:constr type="t" for="ch" forName="rect4ParTx" refType="t" refFor="ch" refForName="rect4"/>
+              <dgm:constr type="b" for="ch" forName="rect4ParTx" refType="t" refFor="ch" refForName="rect5"/>
+              <dgm:constr type="r" for="ch" forName="rect4ChTx" refType="l" refFor="ch" refForName="rect4ParTx"/>
+              <dgm:constr type="w" for="ch" forName="rect4ChTx" refType="w" refFor="ch" refForName="rect4ParTx"/>
+              <dgm:constr type="t" for="ch" forName="rect4ChTx" refType="t" refFor="ch" refForName="rect4ParTx"/>
+              <dgm:constr type="b" for="ch" forName="rect4ChTx" refType="b" refFor="ch" refForName="rect4ParTx"/>
+              <dgm:constr type="r" for="ch" forName="rect4ParTxNoCh" refType="l" refFor="ch" refForName="space"/>
+              <dgm:constr type="w" for="ch" forName="rect4ParTxNoCh" refType="w" refFor="ch" refForName="rect4"/>
+              <dgm:constr type="t" for="ch" forName="rect4ParTxNoCh" refType="t" refFor="ch" refForName="rect4"/>
+              <dgm:constr type="b" for="ch" forName="rect4ParTxNoCh" refType="t" refFor="ch" refForName="rect5"/>
+              <dgm:constr type="r" for="ch" forName="rect5ParTx" refType="l" refFor="ch" refForName="space"/>
+              <dgm:constr type="w" for="ch" forName="rect5ParTx" refType="w" refFor="ch" refForName="rect5" fact="0.5"/>
+              <dgm:constr type="t" for="ch" forName="rect5ParTx" refType="t" refFor="ch" refForName="rect5"/>
+              <dgm:constr type="b" for="ch" forName="rect5ParTx" refType="t" refFor="ch" refForName="rect6"/>
+              <dgm:constr type="r" for="ch" forName="rect5ChTx" refType="l" refFor="ch" refForName="rect5ParTx"/>
+              <dgm:constr type="w" for="ch" forName="rect5ChTx" refType="w" refFor="ch" refForName="rect5ParTx"/>
+              <dgm:constr type="t" for="ch" forName="rect5ChTx" refType="t" refFor="ch" refForName="rect5ParTx"/>
+              <dgm:constr type="b" for="ch" forName="rect5ChTx" refType="b" refFor="ch" refForName="rect5ParTx"/>
+              <dgm:constr type="r" for="ch" forName="rect5ParTxNoCh" refType="l" refFor="ch" refForName="space"/>
+              <dgm:constr type="w" for="ch" forName="rect5ParTxNoCh" refType="w" refFor="ch" refForName="rect5"/>
+              <dgm:constr type="t" for="ch" forName="rect5ParTxNoCh" refType="t" refFor="ch" refForName="rect5"/>
+              <dgm:constr type="b" for="ch" forName="rect5ParTxNoCh" refType="t" refFor="ch" refForName="rect6"/>
+              <dgm:constr type="primFontSz" for="ch" op="equ" val="65"/>
+              <dgm:constr type="secFontSz" for="ch" op="equ" val="65"/>
+            </dgm:constrLst>
+          </dgm:if>
+          <dgm:if name="Name20" axis="ch" ptType="node" func="cnt" op="gte" val="7">
+            <dgm:constrLst>
+              <dgm:constr type="userA" refType="w" fact="0.3"/>
+              <dgm:constr type="w" for="ch" forName="circle1" refType="userA" fact="2"/>
+              <dgm:constr type="h" for="ch" forName="circle1" refType="w" refFor="ch" refForName="circle1" op="equ"/>
+              <dgm:constr type="r" for="ch" forName="circle1" refType="w"/>
+              <dgm:constr type="ctrY" for="ch" forName="circle1" refType="h" fact="0.5"/>
+              <dgm:constr type="r" for="ch" forName="space" refType="ctrX" refFor="ch" refForName="circle1"/>
+              <dgm:constr type="w" for="ch" forName="space"/>
+              <dgm:constr type="h" for="ch" forName="space" refType="h" refFor="ch" refForName="circle1"/>
+              <dgm:constr type="b" for="ch" forName="space" refType="b" refFor="ch" refForName="circle1"/>
+              <dgm:constr type="r" for="ch" forName="rect1" refType="l" refFor="ch" refForName="space"/>
+              <dgm:constr type="l" for="ch" forName="rect1"/>
+              <dgm:constr type="h" for="ch" forName="rect1" refType="h" refFor="ch" refForName="circle1"/>
+              <dgm:constr type="b" for="ch" forName="rect1" refType="b" refFor="ch" refForName="circle1"/>
+              <dgm:constr type="l" for="ch" forName="vertSpace2"/>
+              <dgm:constr type="w" for="ch" forName="vertSpace2" refType="w"/>
+              <dgm:constr type="h" for="ch" forName="vertSpace2" refType="h" refFor="ch" refForName="circle1" fact="0.05"/>
+              <dgm:constr type="b" for="ch" forName="vertSpace2" refType="b" refFor="ch" refForName="circle1"/>
+              <dgm:constr type="ctrX" for="ch" forName="circle2" refType="r" refFor="ch" refForName="space"/>
+              <dgm:constr type="h" for="ch" forName="circle2" refType="h" refFor="ch" refForName="circle1" fact="0.85714"/>
+              <dgm:constr type="hOff" for="ch" forName="circle2" refType="h" refFor="ch" refForName="vertSpace2" fact="-0.14286"/>
+              <dgm:constr type="w" for="ch" forName="circle2" refType="h" refFor="ch" refForName="circle2" op="equ"/>
+              <dgm:constr type="wOff" for="ch" forName="circle2" refType="hOff" refFor="ch" refForName="circle2" op="equ"/>
+              <dgm:constr type="b" for="ch" forName="circle2" refType="t" refFor="ch" refForName="vertSpace2"/>
+              <dgm:constr type="r" for="ch" forName="rect2" refType="l" refFor="ch" refForName="space"/>
+              <dgm:constr type="l" for="ch" forName="rect2"/>
+              <dgm:constr type="h" for="ch" forName="rect2" refType="h" refFor="ch" refForName="circle2"/>
+              <dgm:constr type="hOff" for="ch" forName="rect2" refType="hOff" refFor="ch" refForName="circle2"/>
+              <dgm:constr type="b" for="ch" forName="rect2" refType="b" refFor="ch" refForName="circle2"/>
+              <dgm:constr type="l" for="ch" forName="vertSpace3"/>
+              <dgm:constr type="w" for="ch" forName="vertSpace3" refType="w"/>
+              <dgm:constr type="h" for="ch" forName="vertSpace3" refType="h" refFor="ch" refForName="vertSpace2"/>
+              <dgm:constr type="b" for="ch" forName="vertSpace3" refType="t" refFor="ch" refForName="vertSpace2"/>
+              <dgm:constr type="ctrX" for="ch" forName="circle3" refType="r" refFor="ch" refForName="space"/>
+              <dgm:constr type="h" for="ch" forName="circle3" refType="h" refFor="ch" refForName="circle1" fact="0.71429"/>
+              <dgm:constr type="hOff" for="ch" forName="circle3" refType="h" refFor="ch" refForName="vertSpace2" fact="-0.28571"/>
+              <dgm:constr type="w" for="ch" forName="circle3" refType="h" refFor="ch" refForName="circle3" op="equ"/>
+              <dgm:constr type="wOff" for="ch" forName="circle3" refType="hOff" refFor="ch" refForName="circle3" op="equ"/>
+              <dgm:constr type="b" for="ch" forName="circle3" refType="t" refFor="ch" refForName="vertSpace3"/>
+              <dgm:constr type="r" for="ch" forName="rect3" refType="l" refFor="ch" refForName="space"/>
+              <dgm:constr type="l" for="ch" forName="rect3"/>
+              <dgm:constr type="h" for="ch" forName="rect3" refType="h" refFor="ch" refForName="circle3"/>
+              <dgm:constr type="hOff" for="ch" forName="rect3" refType="hOff" refFor="ch" refForName="circle3"/>
+              <dgm:constr type="b" for="ch" forName="rect3" refType="b" refFor="ch" refForName="circle3"/>
+              <dgm:constr type="l" for="ch" forName="vertSpace4"/>
+              <dgm:constr type="w" for="ch" forName="vertSpace4" refType="w"/>
+              <dgm:constr type="h" for="ch" forName="vertSpace4" refType="h" refFor="ch" refForName="vertSpace3"/>
+              <dgm:constr type="b" for="ch" forName="vertSpace4" refType="t" refFor="ch" refForName="vertSpace3"/>
+              <dgm:constr type="ctrX" for="ch" forName="circle4" refType="r" refFor="ch" refForName="space"/>
+              <dgm:constr type="h" for="ch" forName="circle4" refType="h" refFor="ch" refForName="circle1" fact="0.57143"/>
+              <dgm:constr type="hOff" for="ch" forName="circle4" refType="h" refFor="ch" refForName="vertSpace2" fact="-0.42857"/>
+              <dgm:constr type="w" for="ch" forName="circle4" refType="h" refFor="ch" refForName="circle4" op="equ"/>
+              <dgm:constr type="wOff" for="ch" forName="circle4" refType="hOff" refFor="ch" refForName="circle4" op="equ"/>
+              <dgm:constr type="b" for="ch" forName="circle4" refType="t" refFor="ch" refForName="vertSpace4"/>
+              <dgm:constr type="r" for="ch" forName="rect4" refType="l" refFor="ch" refForName="space"/>
+              <dgm:constr type="l" for="ch" forName="rect4"/>
+              <dgm:constr type="h" for="ch" forName="rect4" refType="h" refFor="ch" refForName="circle4"/>
+              <dgm:constr type="hOff" for="ch" forName="rect4" refType="hOff" refFor="ch" refForName="circle4"/>
+              <dgm:constr type="b" for="ch" forName="rect4" refType="b" refFor="ch" refForName="circle4"/>
+              <dgm:constr type="l" for="ch" forName="vertSpace5"/>
+              <dgm:constr type="w" for="ch" forName="vertSpace5" refType="w"/>
+              <dgm:constr type="h" for="ch" forName="vertSpace5" refType="h" refFor="ch" refForName="vertSpace4"/>
+              <dgm:constr type="b" for="ch" forName="vertSpace5" refType="t" refFor="ch" refForName="vertSpace4"/>
+              <dgm:constr type="ctrX" for="ch" forName="circle5" refType="r" refFor="ch" refForName="space"/>
+              <dgm:constr type="h" for="ch" forName="circle5" refType="h" refFor="ch" refForName="circle1" fact="0.42857"/>
+              <dgm:constr type="hOff" for="ch" forName="circle5" refType="h" refFor="ch" refForName="vertSpace2" fact="-0.57143"/>
+              <dgm:constr type="w" for="ch" forName="circle5" refType="h" refFor="ch" refForName="circle5" op="equ"/>
+              <dgm:constr type="wOff" for="ch" forName="circle5" refType="hOff" refFor="ch" refForName="circle5" op="equ"/>
+              <dgm:constr type="b" for="ch" forName="circle5" refType="t" refFor="ch" refForName="vertSpace5"/>
+              <dgm:constr type="r" for="ch" forName="rect5" refType="l" refFor="ch" refForName="space"/>
+              <dgm:constr type="l" for="ch" forName="rect5"/>
+              <dgm:constr type="h" for="ch" forName="rect5" refType="h" refFor="ch" refForName="circle5"/>
+              <dgm:constr type="hOff" for="ch" forName="rect5" refType="hOff" refFor="ch" refForName="circle5"/>
+              <dgm:constr type="b" for="ch" forName="rect5" refType="b" refFor="ch" refForName="circle5"/>
+              <dgm:constr type="l" for="ch" forName="vertSpace6"/>
+              <dgm:constr type="w" for="ch" forName="vertSpace6" refType="w"/>
+              <dgm:constr type="h" for="ch" forName="vertSpace6" refType="h" refFor="ch" refForName="vertSpace5"/>
+              <dgm:constr type="b" for="ch" forName="vertSpace6" refType="t" refFor="ch" refForName="vertSpace5"/>
+              <dgm:constr type="ctrX" for="ch" forName="circle6" refType="r" refFor="ch" refForName="space"/>
+              <dgm:constr type="h" for="ch" forName="circle6" refType="h" refFor="ch" refForName="circle1" fact="0.28571"/>
+              <dgm:constr type="hOff" for="ch" forName="circle6" refType="h" refFor="ch" refForName="vertSpace2" fact="-0.71429"/>
+              <dgm:constr type="w" for="ch" forName="circle6" refType="h" refFor="ch" refForName="circle6" op="equ"/>
+              <dgm:constr type="wOff" for="ch" forName="circle6" refType="hOff" refFor="ch" refForName="circle6" op="equ"/>
+              <dgm:constr type="b" for="ch" forName="circle6" refType="t" refFor="ch" refForName="vertSpace6"/>
+              <dgm:constr type="r" for="ch" forName="rect6" refType="l" refFor="ch" refForName="space"/>
+              <dgm:constr type="l" for="ch" forName="rect6"/>
+              <dgm:constr type="h" for="ch" forName="rect6" refType="h" refFor="ch" refForName="circle6"/>
+              <dgm:constr type="hOff" for="ch" forName="rect6" refType="hOff" refFor="ch" refForName="circle6"/>
+              <dgm:constr type="b" for="ch" forName="rect6" refType="b" refFor="ch" refForName="circle6"/>
+              <dgm:constr type="l" for="ch" forName="vertSpace7"/>
+              <dgm:constr type="w" for="ch" forName="vertSpace7" refType="w"/>
+              <dgm:constr type="h" for="ch" forName="vertSpace7" refType="h" refFor="ch" refForName="vertSpace6"/>
+              <dgm:constr type="b" for="ch" forName="vertSpace7" refType="t" refFor="ch" refForName="vertSpace6"/>
+              <dgm:constr type="ctrX" for="ch" forName="circle7" refType="r" refFor="ch" refForName="space"/>
+              <dgm:constr type="h" for="ch" forName="circle7" refType="h" refFor="ch" refForName="circle1" fact="0.14286"/>
+              <dgm:constr type="hOff" for="ch" forName="circle7" refType="h" refFor="ch" refForName="vertSpace2" fact="-0.85714"/>
+              <dgm:constr type="w" for="ch" forName="circle7" refType="h" refFor="ch" refForName="circle7" op="equ"/>
+              <dgm:constr type="wOff" for="ch" forName="circle7" refType="hOff" refFor="ch" refForName="circle7" op="equ"/>
+              <dgm:constr type="b" for="ch" forName="circle7" refType="t" refFor="ch" refForName="vertSpace7"/>
+              <dgm:constr type="r" for="ch" forName="rect7" refType="l" refFor="ch" refForName="space"/>
+              <dgm:constr type="l" for="ch" forName="rect7"/>
+              <dgm:constr type="h" for="ch" forName="rect7" refType="h" refFor="ch" refForName="circle7"/>
+              <dgm:constr type="hOff" for="ch" forName="rect7" refType="hOff" refFor="ch" refForName="circle7"/>
+              <dgm:constr type="b" for="ch" forName="rect7" refType="b" refFor="ch" refForName="circle7"/>
+              <dgm:constr type="r" for="ch" forName="rect7ParTx" refType="l" refFor="ch" refForName="space"/>
+              <dgm:constr type="w" for="ch" forName="rect7ParTx" refType="w" refFor="ch" refForName="rect7" fact="0.5"/>
+              <dgm:constr type="t" for="ch" forName="rect7ParTx" refType="t" refFor="ch" refForName="rect7"/>
+              <dgm:constr type="b" for="ch" forName="rect7ParTx" refType="b" refFor="ch" refForName="rect7"/>
+              <dgm:constr type="r" for="ch" forName="rect7ChTx" refType="l" refFor="ch" refForName="rect7ParTx"/>
+              <dgm:constr type="w" for="ch" forName="rect7ChTx" refType="w" refFor="ch" refForName="rect7ParTx"/>
+              <dgm:constr type="t" for="ch" forName="rect7ChTx" refType="t" refFor="ch" refForName="rect7ParTx"/>
+              <dgm:constr type="b" for="ch" forName="rect7ChTx" refType="b" refFor="ch" refForName="rect7ParTx"/>
+              <dgm:constr type="r" for="ch" forName="rect7ParTxNoCh" refType="l" refFor="ch" refForName="space"/>
+              <dgm:constr type="w" for="ch" forName="rect7ParTxNoCh" refType="w" refFor="ch" refForName="rect7"/>
+              <dgm:constr type="t" for="ch" forName="rect7ParTxNoCh" refType="t" refFor="ch" refForName="rect7"/>
+              <dgm:constr type="b" for="ch" forName="rect7ParTxNoCh" refType="b" refFor="ch" refForName="rect7"/>
+              <dgm:constr type="r" for="ch" forName="rect1ParTx" refType="l" refFor="ch" refForName="space"/>
+              <dgm:constr type="w" for="ch" forName="rect1ParTx" refType="w" refFor="ch" refForName="rect1" fact="0.5"/>
+              <dgm:constr type="t" for="ch" forName="rect1ParTx" refType="t" refFor="ch" refForName="rect1"/>
+              <dgm:constr type="b" for="ch" forName="rect1ParTx" refType="t" refFor="ch" refForName="rect2"/>
+              <dgm:constr type="r" for="ch" forName="rect1ChTx" refType="l" refFor="ch" refForName="rect1ParTx"/>
+              <dgm:constr type="w" for="ch" forName="rect1ChTx" refType="w" refFor="ch" refForName="rect1ParTx"/>
+              <dgm:constr type="t" for="ch" forName="rect1ChTx" refType="t" refFor="ch" refForName="rect1ParTx"/>
+              <dgm:constr type="b" for="ch" forName="rect1ChTx" refType="b" refFor="ch" refForName="rect1ParTx"/>
+              <dgm:constr type="r" for="ch" forName="rect1ParTxNoCh" refType="l" refFor="ch" refForName="space"/>
+              <dgm:constr type="w" for="ch" forName="rect1ParTxNoCh" refType="w" refFor="ch" refForName="rect1"/>
+              <dgm:constr type="t" for="ch" forName="rect1ParTxNoCh" refType="t" refFor="ch" refForName="rect1"/>
+              <dgm:constr type="b" for="ch" forName="rect1ParTxNoCh" refType="t" refFor="ch" refForName="rect2"/>
+              <dgm:constr type="r" for="ch" forName="rect2ParTx" refType="l" refFor="ch" refForName="space"/>
+              <dgm:constr type="w" for="ch" forName="rect2ParTx" refType="w" refFor="ch" refForName="rect2" fact="0.5"/>
+              <dgm:constr type="t" for="ch" forName="rect2ParTx" refType="t" refFor="ch" refForName="rect2"/>
+              <dgm:constr type="b" for="ch" forName="rect2ParTx" refType="t" refFor="ch" refForName="rect3"/>
+              <dgm:constr type="r" for="ch" forName="rect2ChTx" refType="l" refFor="ch" refForName="rect2ParTx"/>
+              <dgm:constr type="w" for="ch" forName="rect2ChTx" refType="w" refFor="ch" refForName="rect2ParTx"/>
+              <dgm:constr type="t" for="ch" forName="rect2ChTx" refType="t" refFor="ch" refForName="rect2ParTx"/>
+              <dgm:constr type="b" for="ch" forName="rect2ChTx" refType="b" refFor="ch" refForName="rect2ParTx"/>
+              <dgm:constr type="r" for="ch" forName="rect2ParTxNoCh" refType="l" refFor="ch" refForName="space"/>
+              <dgm:constr type="w" for="ch" forName="rect2ParTxNoCh" refType="w" refFor="ch" refForName="rect2"/>
+              <dgm:constr type="t" for="ch" forName="rect2ParTxNoCh" refType="t" refFor="ch" refForName="rect2"/>
+              <dgm:constr type="b" for="ch" forName="rect2ParTxNoCh" refType="t" refFor="ch" refForName="rect3"/>
+              <dgm:constr type="r" for="ch" forName="rect3ParTx" refType="l" refFor="ch" refForName="space"/>
+              <dgm:constr type="w" for="ch" forName="rect3ParTx" refType="w" refFor="ch" refForName="rect3" fact="0.5"/>
+              <dgm:constr type="t" for="ch" forName="rect3ParTx" refType="t" refFor="ch" refForName="rect3"/>
+              <dgm:constr type="b" for="ch" forName="rect3ParTx" refType="t" refFor="ch" refForName="rect4"/>
+              <dgm:constr type="r" for="ch" forName="rect3ChTx" refType="l" refFor="ch" refForName="rect3ParTx"/>
+              <dgm:constr type="w" for="ch" forName="rect3ChTx" refType="w" refFor="ch" refForName="rect3ParTx"/>
+              <dgm:constr type="t" for="ch" forName="rect3ChTx" refType="t" refFor="ch" refForName="rect3ParTx"/>
+              <dgm:constr type="b" for="ch" forName="rect3ChTx" refType="b" refFor="ch" refForName="rect3ParTx"/>
+              <dgm:constr type="r" for="ch" forName="rect3ParTxNoCh" refType="l" refFor="ch" refForName="space"/>
+              <dgm:constr type="w" for="ch" forName="rect3ParTxNoCh" refType="w" refFor="ch" refForName="rect3"/>
+              <dgm:constr type="t" for="ch" forName="rect3ParTxNoCh" refType="t" refFor="ch" refForName="rect3"/>
+              <dgm:constr type="b" for="ch" forName="rect3ParTxNoCh" refType="t" refFor="ch" refForName="rect4"/>
+              <dgm:constr type="r" for="ch" forName="rect4ParTx" refType="l" refFor="ch" refForName="space"/>
+              <dgm:constr type="w" for="ch" forName="rect4ParTx" refType="w" refFor="ch" refForName="rect4" fact="0.5"/>
+              <dgm:constr type="t" for="ch" forName="rect4ParTx" refType="t" refFor="ch" refForName="rect4"/>
+              <dgm:constr type="b" for="ch" forName="rect4ParTx" refType="t" refFor="ch" refForName="rect5"/>
+              <dgm:constr type="r" for="ch" forName="rect4ChTx" refType="l" refFor="ch" refForName="rect4ParTx"/>
+              <dgm:constr type="w" for="ch" forName="rect4ChTx" refType="w" refFor="ch" refForName="rect4ParTx"/>
+              <dgm:constr type="t" for="ch" forName="rect4ChTx" refType="t" refFor="ch" refForName="rect4ParTx"/>
+              <dgm:constr type="b" for="ch" forName="rect4ChTx" refType="b" refFor="ch" refForName="rect4ParTx"/>
+              <dgm:constr type="r" for="ch" forName="rect4ParTxNoCh" refType="l" refFor="ch" refForName="space"/>
+              <dgm:constr type="w" for="ch" forName="rect4ParTxNoCh" refType="w" refFor="ch" refForName="rect4"/>
+              <dgm:constr type="t" for="ch" forName="rect4ParTxNoCh" refType="t" refFor="ch" refForName="rect4"/>
+              <dgm:constr type="b" for="ch" forName="rect4ParTxNoCh" refType="t" refFor="ch" refForName="rect5"/>
+              <dgm:constr type="r" for="ch" forName="rect5ParTx" refType="l" refFor="ch" refForName="space"/>
+              <dgm:constr type="w" for="ch" forName="rect5ParTx" refType="w" refFor="ch" refForName="rect5" fact="0.5"/>
+              <dgm:constr type="t" for="ch" forName="rect5ParTx" refType="t" refFor="ch" refForName="rect5"/>
+              <dgm:constr type="b" for="ch" forName="rect5ParTx" refType="t" refFor="ch" refForName="rect6"/>
+              <dgm:constr type="r" for="ch" forName="rect5ChTx" refType="l" refFor="ch" refForName="rect5ParTx"/>
+              <dgm:constr type="w" for="ch" forName="rect5ChTx" refType="w" refFor="ch" refForName="rect5ParTx"/>
+              <dgm:constr type="t" for="ch" forName="rect5ChTx" refType="t" refFor="ch" refForName="rect5ParTx"/>
+              <dgm:constr type="b" for="ch" forName="rect5ChTx" refType="b" refFor="ch" refForName="rect5ParTx"/>
+              <dgm:constr type="r" for="ch" forName="rect5ParTxNoCh" refType="l" refFor="ch" refForName="space"/>
+              <dgm:constr type="w" for="ch" forName="rect5ParTxNoCh" refType="w" refFor="ch" refForName="rect5"/>
+              <dgm:constr type="t" for="ch" forName="rect5ParTxNoCh" refType="t" refFor="ch" refForName="rect5"/>
+              <dgm:constr type="b" for="ch" forName="rect5ParTxNoCh" refType="t" refFor="ch" refForName="rect6"/>
+              <dgm:constr type="r" for="ch" forName="rect6ParTx" refType="l" refFor="ch" refForName="space"/>
+              <dgm:constr type="w" for="ch" forName="rect6ParTx" refType="w" refFor="ch" refForName="rect6" fact="0.5"/>
+              <dgm:constr type="t" for="ch" forName="rect6ParTx" refType="t" refFor="ch" refForName="rect6"/>
+              <dgm:constr type="b" for="ch" forName="rect6ParTx" refType="t" refFor="ch" refForName="rect7"/>
+              <dgm:constr type="r" for="ch" forName="rect6ChTx" refType="l" refFor="ch" refForName="rect6ParTx"/>
+              <dgm:constr type="w" for="ch" forName="rect6ChTx" refType="w" refFor="ch" refForName="rect6ParTx"/>
+              <dgm:constr type="t" for="ch" forName="rect6ChTx" refType="t" refFor="ch" refForName="rect6ParTx"/>
+              <dgm:constr type="b" for="ch" forName="rect6ChTx" refType="b" refFor="ch" refForName="rect6ParTx"/>
+              <dgm:constr type="r" for="ch" forName="rect6ParTxNoCh" refType="l" refFor="ch" refForName="space"/>
+              <dgm:constr type="w" for="ch" forName="rect6ParTxNoCh" refType="w" refFor="ch" refForName="rect6"/>
+              <dgm:constr type="t" for="ch" forName="rect6ParTxNoCh" refType="t" refFor="ch" refForName="rect6"/>
+              <dgm:constr type="b" for="ch" forName="rect6ParTxNoCh" refType="t" refFor="ch" refForName="rect7"/>
+              <dgm:constr type="primFontSz" for="ch" op="equ" val="65"/>
+              <dgm:constr type="secFontSz" for="ch" op="equ" val="65"/>
+            </dgm:constrLst>
+          </dgm:if>
+          <dgm:else name="Name21">
+            <dgm:constrLst/>
+          </dgm:else>
+        </dgm:choose>
+      </dgm:else>
+    </dgm:choose>
+    <dgm:ruleLst/>
+    <dgm:forEach name="Name22" axis="ch" ptType="node" cnt="1">
+      <dgm:layoutNode name="circle1" styleLbl="node1">
+        <dgm:alg type="sp"/>
+        <dgm:choose name="Name23">
+          <dgm:if name="Name24" func="var" arg="dir" op="equ" val="norm">
+            <dgm:shape xmlns:r="http://schemas.openxmlformats.org/officeDocument/2006/relationships" type="pie" r:blip="">
+              <dgm:adjLst>
+                <dgm:adj idx="1" val="90"/>
+                <dgm:adj idx="2" val="270"/>
+              </dgm:adjLst>
+            </dgm:shape>
+          </dgm:if>
+          <dgm:else name="Name25">
+            <dgm:shape xmlns:r="http://schemas.openxmlformats.org/officeDocument/2006/relationships" type="pie" r:blip="">
+              <dgm:adjLst>
+                <dgm:adj idx="1" val="270"/>
+                <dgm:adj idx="2" val="90"/>
+              </dgm:adjLst>
+            </dgm:shape>
+          </dgm:else>
+        </dgm:choose>
+        <dgm:presOf/>
+        <dgm:constrLst/>
+        <dgm:ruleLst/>
+      </dgm:layoutNode>
+      <dgm:layoutNode name="space">
+        <dgm:alg type="sp"/>
+        <dgm:shape xmlns:r="http://schemas.openxmlformats.org/officeDocument/2006/relationships" r:blip="">
+          <dgm:adjLst/>
+        </dgm:shape>
+        <dgm:presOf/>
+        <dgm:constrLst/>
+        <dgm:ruleLst/>
+      </dgm:layoutNode>
+      <dgm:layoutNode name="rect1" styleLbl="alignAcc1">
+        <dgm:alg type="sp"/>
+        <dgm:shape xmlns:r="http://schemas.openxmlformats.org/officeDocument/2006/relationships" type="rect" r:blip="">
+          <dgm:adjLst/>
+        </dgm:shape>
+        <dgm:presOf axis="self"/>
+        <dgm:constrLst/>
+        <dgm:ruleLst/>
+      </dgm:layoutNode>
+    </dgm:forEach>
+    <dgm:forEach name="Name26" axis="ch" ptType="node" st="2" cnt="1">
+      <dgm:layoutNode name="vertSpace2">
+        <dgm:alg type="sp"/>
+        <dgm:shape xmlns:r="http://schemas.openxmlformats.org/officeDocument/2006/relationships" type="rect" r:blip="" hideGeom="1">
+          <dgm:adjLst/>
+        </dgm:shape>
+        <dgm:presOf/>
+        <dgm:constrLst/>
+        <dgm:ruleLst/>
+      </dgm:layoutNode>
+      <dgm:layoutNode name="circle2" styleLbl="node1">
+        <dgm:alg type="sp"/>
+        <dgm:choose name="Name27">
+          <dgm:if name="Name28" func="var" arg="dir" op="equ" val="norm">
+            <dgm:shape xmlns:r="http://schemas.openxmlformats.org/officeDocument/2006/relationships" type="pie" r:blip="">
+              <dgm:adjLst>
+                <dgm:adj idx="1" val="90"/>
+                <dgm:adj idx="2" val="270"/>
+              </dgm:adjLst>
+            </dgm:shape>
+          </dgm:if>
+          <dgm:else name="Name29">
+            <dgm:shape xmlns:r="http://schemas.openxmlformats.org/officeDocument/2006/relationships" type="pie" r:blip="">
+              <dgm:adjLst>
+                <dgm:adj idx="1" val="270"/>
+                <dgm:adj idx="2" val="90"/>
+              </dgm:adjLst>
+            </dgm:shape>
+          </dgm:else>
+        </dgm:choose>
+        <dgm:presOf/>
+        <dgm:constrLst/>
+        <dgm:ruleLst/>
+      </dgm:layoutNode>
+      <dgm:layoutNode name="rect2" styleLbl="alignAcc1">
+        <dgm:alg type="sp"/>
+        <dgm:shape xmlns:r="http://schemas.openxmlformats.org/officeDocument/2006/relationships" type="rect" r:blip="">
+          <dgm:adjLst/>
+        </dgm:shape>
+        <dgm:presOf axis="self"/>
+        <dgm:constrLst/>
+        <dgm:ruleLst/>
+      </dgm:layoutNode>
+    </dgm:forEach>
+    <dgm:forEach name="Name30" axis="ch" ptType="node" st="3" cnt="1">
+      <dgm:layoutNode name="vertSpace3">
+        <dgm:alg type="sp"/>
+        <dgm:shape xmlns:r="http://schemas.openxmlformats.org/officeDocument/2006/relationships" type="rect" r:blip="" hideGeom="1">
+          <dgm:adjLst/>
+        </dgm:shape>
+        <dgm:presOf/>
+        <dgm:constrLst/>
+        <dgm:ruleLst/>
+      </dgm:layoutNode>
+      <dgm:layoutNode name="circle3" styleLbl="node1">
+        <dgm:alg type="sp"/>
+        <dgm:choose name="Name31">
+          <dgm:if name="Name32" func="var" arg="dir" op="equ" val="norm">
+            <dgm:shape xmlns:r="http://schemas.openxmlformats.org/officeDocument/2006/relationships" type="pie" r:blip="">
+              <dgm:adjLst>
+                <dgm:adj idx="1" val="90"/>
+                <dgm:adj idx="2" val="270"/>
+              </dgm:adjLst>
+            </dgm:shape>
+          </dgm:if>
+          <dgm:else name="Name33">
+            <dgm:shape xmlns:r="http://schemas.openxmlformats.org/officeDocument/2006/relationships" type="pie" r:blip="">
+              <dgm:adjLst>
+                <dgm:adj idx="1" val="270"/>
+                <dgm:adj idx="2" val="90"/>
+              </dgm:adjLst>
+            </dgm:shape>
+          </dgm:else>
+        </dgm:choose>
+        <dgm:presOf/>
+        <dgm:constrLst/>
+        <dgm:ruleLst/>
+      </dgm:layoutNode>
+      <dgm:layoutNode name="rect3" styleLbl="alignAcc1">
+        <dgm:alg type="sp"/>
+        <dgm:shape xmlns:r="http://schemas.openxmlformats.org/officeDocument/2006/relationships" type="rect" r:blip="">
+          <dgm:adjLst/>
+        </dgm:shape>
+        <dgm:presOf axis="self"/>
+        <dgm:constrLst/>
+        <dgm:ruleLst/>
+      </dgm:layoutNode>
+    </dgm:forEach>
+    <dgm:forEach name="Name34" axis="ch" ptType="node" st="4" cnt="1">
+      <dgm:layoutNode name="vertSpace4">
+        <dgm:alg type="sp"/>
+        <dgm:shape xmlns:r="http://schemas.openxmlformats.org/officeDocument/2006/relationships" type="rect" r:blip="" hideGeom="1">
+          <dgm:adjLst/>
+        </dgm:shape>
+        <dgm:presOf/>
+        <dgm:constrLst/>
+        <dgm:ruleLst/>
+      </dgm:layoutNode>
+      <dgm:layoutNode name="circle4" styleLbl="node1">
+        <dgm:alg type="sp"/>
+        <dgm:choose name="Name35">
+          <dgm:if name="Name36" func="var" arg="dir" op="equ" val="norm">
+            <dgm:shape xmlns:r="http://schemas.openxmlformats.org/officeDocument/2006/relationships" type="pie" r:blip="">
+              <dgm:adjLst>
+                <dgm:adj idx="1" val="90"/>
+                <dgm:adj idx="2" val="270"/>
+              </dgm:adjLst>
+            </dgm:shape>
+          </dgm:if>
+          <dgm:else name="Name37">
+            <dgm:shape xmlns:r="http://schemas.openxmlformats.org/officeDocument/2006/relationships" type="pie" r:blip="">
+              <dgm:adjLst>
+                <dgm:adj idx="1" val="270"/>
+                <dgm:adj idx="2" val="90"/>
+              </dgm:adjLst>
+            </dgm:shape>
+          </dgm:else>
+        </dgm:choose>
+        <dgm:presOf/>
+        <dgm:constrLst/>
+        <dgm:ruleLst/>
+      </dgm:layoutNode>
+      <dgm:layoutNode name="rect4" styleLbl="alignAcc1">
+        <dgm:alg type="sp"/>
+        <dgm:shape xmlns:r="http://schemas.openxmlformats.org/officeDocument/2006/relationships" type="rect" r:blip="">
+          <dgm:adjLst/>
+        </dgm:shape>
+        <dgm:presOf axis="self"/>
+        <dgm:constrLst/>
+        <dgm:ruleLst/>
+      </dgm:layoutNode>
+    </dgm:forEach>
+    <dgm:forEach name="Name38" axis="ch" ptType="node" st="5" cnt="1">
+      <dgm:layoutNode name="vertSpace5">
+        <dgm:alg type="sp"/>
+        <dgm:shape xmlns:r="http://schemas.openxmlformats.org/officeDocument/2006/relationships" type="rect" r:blip="" hideGeom="1">
+          <dgm:adjLst/>
+        </dgm:shape>
+        <dgm:presOf/>
+        <dgm:constrLst/>
+        <dgm:ruleLst/>
+      </dgm:layoutNode>
+      <dgm:layoutNode name="circle5" styleLbl="node1">
+        <dgm:alg type="sp"/>
+        <dgm:choose name="Name39">
+          <dgm:if name="Name40" func="var" arg="dir" op="equ" val="norm">
+            <dgm:shape xmlns:r="http://schemas.openxmlformats.org/officeDocument/2006/relationships" type="pie" r:blip="">
+              <dgm:adjLst>
+                <dgm:adj idx="1" val="90"/>
+                <dgm:adj idx="2" val="270"/>
+              </dgm:adjLst>
+            </dgm:shape>
+          </dgm:if>
+          <dgm:else name="Name41">
+            <dgm:shape xmlns:r="http://schemas.openxmlformats.org/officeDocument/2006/relationships" type="pie" r:blip="">
+              <dgm:adjLst>
+                <dgm:adj idx="1" val="270"/>
+                <dgm:adj idx="2" val="90"/>
+              </dgm:adjLst>
+            </dgm:shape>
+          </dgm:else>
+        </dgm:choose>
+        <dgm:presOf/>
+        <dgm:constrLst/>
+        <dgm:ruleLst/>
+      </dgm:layoutNode>
+      <dgm:layoutNode name="rect5" styleLbl="alignAcc1">
+        <dgm:alg type="sp"/>
+        <dgm:shape xmlns:r="http://schemas.openxmlformats.org/officeDocument/2006/relationships" type="rect" r:blip="">
+          <dgm:adjLst/>
+        </dgm:shape>
+        <dgm:presOf axis="self"/>
+        <dgm:constrLst/>
+        <dgm:ruleLst/>
+      </dgm:layoutNode>
+    </dgm:forEach>
+    <dgm:forEach name="Name42" axis="ch" ptType="node" st="6" cnt="1">
+      <dgm:layoutNode name="vertSpace6">
+        <dgm:alg type="sp"/>
+        <dgm:shape xmlns:r="http://schemas.openxmlformats.org/officeDocument/2006/relationships" type="rect" r:blip="" hideGeom="1">
+          <dgm:adjLst/>
+        </dgm:shape>
+        <dgm:presOf/>
+        <dgm:constrLst/>
+        <dgm:ruleLst/>
+      </dgm:layoutNode>
+      <dgm:layoutNode name="circle6" styleLbl="node1">
+        <dgm:alg type="sp"/>
+        <dgm:choose name="Name43">
+          <dgm:if name="Name44" func="var" arg="dir" op="equ" val="norm">
+            <dgm:shape xmlns:r="http://schemas.openxmlformats.org/officeDocument/2006/relationships" type="pie" r:blip="">
+              <dgm:adjLst>
+                <dgm:adj idx="1" val="90"/>
+                <dgm:adj idx="2" val="270"/>
+              </dgm:adjLst>
+            </dgm:shape>
+          </dgm:if>
+          <dgm:else name="Name45">
+            <dgm:shape xmlns:r="http://schemas.openxmlformats.org/officeDocument/2006/relationships" type="pie" r:blip="">
+              <dgm:adjLst>
+                <dgm:adj idx="1" val="270"/>
+                <dgm:adj idx="2" val="90"/>
+              </dgm:adjLst>
+            </dgm:shape>
+          </dgm:else>
+        </dgm:choose>
+        <dgm:presOf/>
+        <dgm:constrLst/>
+        <dgm:ruleLst/>
+      </dgm:layoutNode>
+      <dgm:layoutNode name="rect6" styleLbl="alignAcc1">
+        <dgm:alg type="sp"/>
+        <dgm:shape xmlns:r="http://schemas.openxmlformats.org/officeDocument/2006/relationships" type="rect" r:blip="">
+          <dgm:adjLst/>
+        </dgm:shape>
+        <dgm:presOf axis="self"/>
+        <dgm:constrLst/>
+        <dgm:ruleLst/>
+      </dgm:layoutNode>
+    </dgm:forEach>
+    <dgm:forEach name="Name46" axis="ch" ptType="node" st="7" cnt="1">
+      <dgm:layoutNode name="vertSpace7">
+        <dgm:alg type="sp"/>
+        <dgm:shape xmlns:r="http://schemas.openxmlformats.org/officeDocument/2006/relationships" type="rect" r:blip="" hideGeom="1">
+          <dgm:adjLst/>
+        </dgm:shape>
+        <dgm:presOf/>
+        <dgm:constrLst/>
+        <dgm:ruleLst/>
+      </dgm:layoutNode>
+      <dgm:layoutNode name="circle7" styleLbl="node1">
+        <dgm:alg type="sp"/>
+        <dgm:choose name="Name47">
+          <dgm:if name="Name48" func="var" arg="dir" op="equ" val="norm">
+            <dgm:shape xmlns:r="http://schemas.openxmlformats.org/officeDocument/2006/relationships" type="pie" r:blip="">
+              <dgm:adjLst>
+                <dgm:adj idx="1" val="90"/>
+                <dgm:adj idx="2" val="270"/>
+              </dgm:adjLst>
+            </dgm:shape>
+          </dgm:if>
+          <dgm:else name="Name49">
+            <dgm:shape xmlns:r="http://schemas.openxmlformats.org/officeDocument/2006/relationships" type="pie" r:blip="">
+              <dgm:adjLst>
+                <dgm:adj idx="1" val="270"/>
+                <dgm:adj idx="2" val="90"/>
+              </dgm:adjLst>
+            </dgm:shape>
+          </dgm:else>
+        </dgm:choose>
+        <dgm:presOf/>
+        <dgm:constrLst/>
+        <dgm:ruleLst/>
+      </dgm:layoutNode>
+      <dgm:layoutNode name="rect7" styleLbl="alignAcc1">
+        <dgm:alg type="sp"/>
+        <dgm:shape xmlns:r="http://schemas.openxmlformats.org/officeDocument/2006/relationships" type="rect" r:blip="">
+          <dgm:adjLst/>
+        </dgm:shape>
+        <dgm:presOf axis="self"/>
+        <dgm:constrLst/>
+        <dgm:ruleLst/>
+      </dgm:layoutNode>
+    </dgm:forEach>
+    <dgm:forEach name="Name50" axis="ch" ptType="node" cnt="1">
+      <dgm:choose name="Name51">
+        <dgm:if name="Name52" axis="root des" ptType="all node" func="maxDepth" op="gte" val="2">
+          <dgm:layoutNode name="rect1ParTx" styleLbl="alignAcc1">
+            <dgm:varLst>
+              <dgm:chMax val="1"/>
+              <dgm:bulletEnabled val="1"/>
+            </dgm:varLst>
+            <dgm:alg type="tx"/>
+            <dgm:shape xmlns:r="http://schemas.openxmlformats.org/officeDocument/2006/relationships" type="rect" r:blip="" hideGeom="1">
+              <dgm:adjLst/>
+            </dgm:shape>
+            <dgm:presOf axis="self"/>
+            <dgm:constrLst>
+              <dgm:constr type="lMarg" refType="primFontSz" fact="0.3"/>
+              <dgm:constr type="rMarg" refType="primFontSz" fact="0.3"/>
+              <dgm:constr type="tMarg" refType="primFontSz" fact="0.3"/>
+              <dgm:constr type="bMarg" refType="primFontSz" fact="0.3"/>
+            </dgm:constrLst>
+            <dgm:ruleLst>
+              <dgm:rule type="primFontSz" val="5" fact="NaN" max="NaN"/>
+            </dgm:ruleLst>
+          </dgm:layoutNode>
+          <dgm:layoutNode name="rect1ChTx" styleLbl="alignAcc1">
+            <dgm:varLst>
+              <dgm:bulletEnabled val="1"/>
+            </dgm:varLst>
+            <dgm:alg type="tx">
+              <dgm:param type="stBulletLvl" val="1"/>
+              <dgm:param type="txAnchorVertCh" val="mid"/>
+            </dgm:alg>
+            <dgm:shape xmlns:r="http://schemas.openxmlformats.org/officeDocument/2006/relationships" type="rect" r:blip="" hideGeom="1">
+              <dgm:adjLst/>
+            </dgm:shape>
+            <dgm:presOf axis="des" ptType="node"/>
+            <dgm:constrLst>
+              <dgm:constr type="lMarg" refType="secFontSz" fact="0.3"/>
+              <dgm:constr type="rMarg" refType="secFontSz" fact="0.3"/>
+              <dgm:constr type="tMarg" refType="secFontSz" fact="0.3"/>
+              <dgm:constr type="bMarg" refType="secFontSz" fact="0.3"/>
+            </dgm:constrLst>
+            <dgm:ruleLst>
+              <dgm:rule type="secFontSz" val="5" fact="NaN" max="NaN"/>
+            </dgm:ruleLst>
+          </dgm:layoutNode>
+        </dgm:if>
+        <dgm:else name="Name53">
+          <dgm:layoutNode name="rect1ParTxNoCh" styleLbl="alignAcc1">
+            <dgm:varLst>
+              <dgm:chMax val="1"/>
+              <dgm:bulletEnabled val="1"/>
+            </dgm:varLst>
+            <dgm:alg type="tx"/>
+            <dgm:shape xmlns:r="http://schemas.openxmlformats.org/officeDocument/2006/relationships" type="rect" r:blip="" hideGeom="1">
+              <dgm:adjLst/>
+            </dgm:shape>
+            <dgm:presOf axis="self"/>
+            <dgm:constrLst>
+              <dgm:constr type="lMarg" refType="primFontSz" fact="0.3"/>
+              <dgm:constr type="rMarg" refType="primFontSz" fact="0.3"/>
+              <dgm:constr type="tMarg" refType="primFontSz" fact="0.3"/>
+              <dgm:constr type="bMarg" refType="primFontSz" fact="0.3"/>
+            </dgm:constrLst>
+            <dgm:ruleLst>
+              <dgm:rule type="primFontSz" val="5" fact="NaN" max="NaN"/>
+            </dgm:ruleLst>
+          </dgm:layoutNode>
+        </dgm:else>
+      </dgm:choose>
+    </dgm:forEach>
+    <dgm:forEach name="Name54" axis="ch" ptType="node" st="2" cnt="1">
+      <dgm:choose name="Name55">
+        <dgm:if name="Name56" axis="root des" ptType="all node" func="maxDepth" op="gte" val="2">
+          <dgm:layoutNode name="rect2ParTx" styleLbl="alignAcc1">
+            <dgm:varLst>
+              <dgm:chMax val="1"/>
+              <dgm:bulletEnabled val="1"/>
+            </dgm:varLst>
+            <dgm:alg type="tx"/>
+            <dgm:shape xmlns:r="http://schemas.openxmlformats.org/officeDocument/2006/relationships" type="rect" r:blip="" hideGeom="1">
+              <dgm:adjLst/>
+            </dgm:shape>
+            <dgm:presOf axis="self"/>
+            <dgm:constrLst>
+              <dgm:constr type="lMarg" refType="primFontSz" fact="0.3"/>
+              <dgm:constr type="rMarg" refType="primFontSz" fact="0.3"/>
+              <dgm:constr type="tMarg" refType="primFontSz" fact="0.3"/>
+              <dgm:constr type="bMarg" refType="primFontSz" fact="0.3"/>
+            </dgm:constrLst>
+            <dgm:ruleLst>
+              <dgm:rule type="primFontSz" val="5" fact="NaN" max="NaN"/>
+            </dgm:ruleLst>
+          </dgm:layoutNode>
+          <dgm:layoutNode name="rect2ChTx" styleLbl="alignAcc1">
+            <dgm:varLst>
+              <dgm:bulletEnabled val="1"/>
+            </dgm:varLst>
+            <dgm:alg type="tx">
+              <dgm:param type="stBulletLvl" val="1"/>
+              <dgm:param type="txAnchorVertCh" val="mid"/>
+            </dgm:alg>
+            <dgm:shape xmlns:r="http://schemas.openxmlformats.org/officeDocument/2006/relationships" type="rect" r:blip="" hideGeom="1">
+              <dgm:adjLst/>
+            </dgm:shape>
+            <dgm:presOf axis="des" ptType="node"/>
+            <dgm:constrLst>
+              <dgm:constr type="lMarg" refType="secFontSz" fact="0.3"/>
+              <dgm:constr type="rMarg" refType="secFontSz" fact="0.3"/>
+              <dgm:constr type="tMarg" refType="secFontSz" fact="0.3"/>
+              <dgm:constr type="bMarg" refType="secFontSz" fact="0.3"/>
+            </dgm:constrLst>
+            <dgm:ruleLst>
+              <dgm:rule type="secFontSz" val="5" fact="NaN" max="NaN"/>
+            </dgm:ruleLst>
+          </dgm:layoutNode>
+        </dgm:if>
+        <dgm:else name="Name57">
+          <dgm:layoutNode name="rect2ParTxNoCh" styleLbl="alignAcc1">
+            <dgm:varLst>
+              <dgm:chMax val="1"/>
+              <dgm:bulletEnabled val="1"/>
+            </dgm:varLst>
+            <dgm:alg type="tx"/>
+            <dgm:shape xmlns:r="http://schemas.openxmlformats.org/officeDocument/2006/relationships" type="rect" r:blip="" hideGeom="1">
+              <dgm:adjLst/>
+            </dgm:shape>
+            <dgm:presOf axis="self"/>
+            <dgm:constrLst>
+              <dgm:constr type="lMarg" refType="primFontSz" fact="0.3"/>
+              <dgm:constr type="rMarg" refType="primFontSz" fact="0.3"/>
+              <dgm:constr type="tMarg" refType="primFontSz" fact="0.3"/>
+              <dgm:constr type="bMarg" refType="primFontSz" fact="0.3"/>
+            </dgm:constrLst>
+            <dgm:ruleLst>
+              <dgm:rule type="primFontSz" val="5" fact="NaN" max="NaN"/>
+            </dgm:ruleLst>
+          </dgm:layoutNode>
+        </dgm:else>
+      </dgm:choose>
+    </dgm:forEach>
+    <dgm:forEach name="Name58" axis="ch" ptType="node" st="3" cnt="1">
+      <dgm:choose name="Name59">
+        <dgm:if name="Name60" axis="root des" ptType="all node" func="maxDepth" op="gte" val="2">
+          <dgm:layoutNode name="rect3ParTx" styleLbl="alignAcc1">
+            <dgm:varLst>
+              <dgm:chMax val="1"/>
+              <dgm:bulletEnabled val="1"/>
+            </dgm:varLst>
+            <dgm:alg type="tx"/>
+            <dgm:shape xmlns:r="http://schemas.openxmlformats.org/officeDocument/2006/relationships" type="rect" r:blip="" hideGeom="1">
+              <dgm:adjLst/>
+            </dgm:shape>
+            <dgm:presOf axis="self"/>
+            <dgm:constrLst>
+              <dgm:constr type="lMarg" refType="primFontSz" fact="0.3"/>
+              <dgm:constr type="rMarg" refType="primFontSz" fact="0.3"/>
+              <dgm:constr type="tMarg" refType="primFontSz" fact="0.3"/>
+              <dgm:constr type="bMarg" refType="primFontSz" fact="0.3"/>
+            </dgm:constrLst>
+            <dgm:ruleLst>
+              <dgm:rule type="primFontSz" val="5" fact="NaN" max="NaN"/>
+            </dgm:ruleLst>
+          </dgm:layoutNode>
+          <dgm:layoutNode name="rect3ChTx" styleLbl="alignAcc1">
+            <dgm:varLst>
+              <dgm:bulletEnabled val="1"/>
+            </dgm:varLst>
+            <dgm:alg type="tx">
+              <dgm:param type="stBulletLvl" val="1"/>
+              <dgm:param type="txAnchorVertCh" val="mid"/>
+            </dgm:alg>
+            <dgm:shape xmlns:r="http://schemas.openxmlformats.org/officeDocument/2006/relationships" type="rect" r:blip="" hideGeom="1">
+              <dgm:adjLst/>
+            </dgm:shape>
+            <dgm:presOf axis="des" ptType="node"/>
+            <dgm:constrLst>
+              <dgm:constr type="lMarg" refType="secFontSz" fact="0.3"/>
+              <dgm:constr type="rMarg" refType="secFontSz" fact="0.3"/>
+              <dgm:constr type="tMarg" refType="secFontSz" fact="0.3"/>
+              <dgm:constr type="bMarg" refType="secFontSz" fact="0.3"/>
+            </dgm:constrLst>
+            <dgm:ruleLst>
+              <dgm:rule type="secFontSz" val="5" fact="NaN" max="NaN"/>
+            </dgm:ruleLst>
+          </dgm:layoutNode>
+        </dgm:if>
+        <dgm:else name="Name61">
+          <dgm:layoutNode name="rect3ParTxNoCh" styleLbl="alignAcc1">
+            <dgm:varLst>
+              <dgm:chMax val="1"/>
+              <dgm:bulletEnabled val="1"/>
+            </dgm:varLst>
+            <dgm:alg type="tx"/>
+            <dgm:shape xmlns:r="http://schemas.openxmlformats.org/officeDocument/2006/relationships" type="rect" r:blip="" hideGeom="1">
+              <dgm:adjLst/>
+            </dgm:shape>
+            <dgm:presOf axis="self"/>
+            <dgm:constrLst>
+              <dgm:constr type="lMarg" refType="primFontSz" fact="0.3"/>
+              <dgm:constr type="rMarg" refType="primFontSz" fact="0.3"/>
+              <dgm:constr type="tMarg" refType="primFontSz" fact="0.3"/>
+              <dgm:constr type="bMarg" refType="primFontSz" fact="0.3"/>
+            </dgm:constrLst>
+            <dgm:ruleLst>
+              <dgm:rule type="primFontSz" val="5" fact="NaN" max="NaN"/>
+            </dgm:ruleLst>
+          </dgm:layoutNode>
+        </dgm:else>
+      </dgm:choose>
+    </dgm:forEach>
+    <dgm:forEach name="Name62" axis="ch" ptType="node" st="4" cnt="1">
+      <dgm:choose name="Name63">
+        <dgm:if name="Name64" axis="root des" ptType="all node" func="maxDepth" op="gte" val="2">
+          <dgm:layoutNode name="rect4ParTx" styleLbl="alignAcc1">
+            <dgm:varLst>
+              <dgm:chMax val="1"/>
+              <dgm:bulletEnabled val="1"/>
+            </dgm:varLst>
+            <dgm:alg type="tx"/>
+            <dgm:shape xmlns:r="http://schemas.openxmlformats.org/officeDocument/2006/relationships" type="rect" r:blip="" hideGeom="1">
+              <dgm:adjLst/>
+            </dgm:shape>
+            <dgm:presOf axis="self"/>
+            <dgm:constrLst>
+              <dgm:constr type="lMarg" refType="primFontSz" fact="0.3"/>
+              <dgm:constr type="rMarg" refType="primFontSz" fact="0.3"/>
+              <dgm:constr type="tMarg" refType="primFontSz" fact="0.3"/>
+              <dgm:constr type="bMarg" refType="primFontSz" fact="0.3"/>
+            </dgm:constrLst>
+            <dgm:ruleLst>
+              <dgm:rule type="primFontSz" val="5" fact="NaN" max="NaN"/>
+            </dgm:ruleLst>
+          </dgm:layoutNode>
+          <dgm:layoutNode name="rect4ChTx" styleLbl="alignAcc1">
+            <dgm:varLst>
+              <dgm:bulletEnabled val="1"/>
+            </dgm:varLst>
+            <dgm:alg type="tx">
+              <dgm:param type="stBulletLvl" val="1"/>
+              <dgm:param type="txAnchorVertCh" val="mid"/>
+            </dgm:alg>
+            <dgm:shape xmlns:r="http://schemas.openxmlformats.org/officeDocument/2006/relationships" type="rect" r:blip="" hideGeom="1">
+              <dgm:adjLst/>
+            </dgm:shape>
+            <dgm:presOf axis="des" ptType="node"/>
+            <dgm:constrLst>
+              <dgm:constr type="lMarg" refType="secFontSz" fact="0.3"/>
+              <dgm:constr type="rMarg" refType="secFontSz" fact="0.3"/>
+              <dgm:constr type="tMarg" refType="secFontSz" fact="0.3"/>
+              <dgm:constr type="bMarg" refType="secFontSz" fact="0.3"/>
+            </dgm:constrLst>
+            <dgm:ruleLst>
+              <dgm:rule type="secFontSz" val="5" fact="NaN" max="NaN"/>
+            </dgm:ruleLst>
+          </dgm:layoutNode>
+        </dgm:if>
+        <dgm:else name="Name65">
+          <dgm:layoutNode name="rect4ParTxNoCh" styleLbl="alignAcc1">
+            <dgm:varLst>
+              <dgm:chMax val="1"/>
+              <dgm:bulletEnabled val="1"/>
+            </dgm:varLst>
+            <dgm:alg type="tx"/>
+            <dgm:shape xmlns:r="http://schemas.openxmlformats.org/officeDocument/2006/relationships" type="rect" r:blip="" hideGeom="1">
+              <dgm:adjLst/>
+            </dgm:shape>
+            <dgm:presOf axis="self"/>
+            <dgm:constrLst>
+              <dgm:constr type="lMarg" refType="primFontSz" fact="0.3"/>
+              <dgm:constr type="rMarg" refType="primFontSz" fact="0.3"/>
+              <dgm:constr type="tMarg" refType="primFontSz" fact="0.3"/>
+              <dgm:constr type="bMarg" refType="primFontSz" fact="0.3"/>
+            </dgm:constrLst>
+            <dgm:ruleLst>
+              <dgm:rule type="primFontSz" val="5" fact="NaN" max="NaN"/>
+            </dgm:ruleLst>
+          </dgm:layoutNode>
+        </dgm:else>
+      </dgm:choose>
+    </dgm:forEach>
+    <dgm:forEach name="Name66" axis="ch" ptType="node" st="5" cnt="1">
+      <dgm:choose name="Name67">
+        <dgm:if name="Name68" axis="root des" ptType="all node" func="maxDepth" op="gte" val="2">
+          <dgm:layoutNode name="rect5ParTx" styleLbl="alignAcc1">
+            <dgm:varLst>
+              <dgm:chMax val="1"/>
+              <dgm:bulletEnabled val="1"/>
+            </dgm:varLst>
+            <dgm:alg type="tx"/>
+            <dgm:shape xmlns:r="http://schemas.openxmlformats.org/officeDocument/2006/relationships" type="rect" r:blip="" hideGeom="1">
+              <dgm:adjLst/>
+            </dgm:shape>
+            <dgm:presOf axis="self"/>
+            <dgm:constrLst>
+              <dgm:constr type="lMarg" refType="primFontSz" fact="0.3"/>
+              <dgm:constr type="rMarg" refType="primFontSz" fact="0.3"/>
+              <dgm:constr type="tMarg" refType="primFontSz" fact="0.3"/>
+              <dgm:constr type="bMarg" refType="primFontSz" fact="0.3"/>
+            </dgm:constrLst>
+            <dgm:ruleLst>
+              <dgm:rule type="primFontSz" val="5" fact="NaN" max="NaN"/>
+            </dgm:ruleLst>
+          </dgm:layoutNode>
+          <dgm:layoutNode name="rect5ChTx" styleLbl="alignAcc1">
+            <dgm:varLst>
+              <dgm:bulletEnabled val="1"/>
+            </dgm:varLst>
+            <dgm:alg type="tx">
+              <dgm:param type="stBulletLvl" val="1"/>
+              <dgm:param type="txAnchorVertCh" val="mid"/>
+            </dgm:alg>
+            <dgm:shape xmlns:r="http://schemas.openxmlformats.org/officeDocument/2006/relationships" type="rect" r:blip="" hideGeom="1">
+              <dgm:adjLst/>
+            </dgm:shape>
+            <dgm:presOf axis="des" ptType="node"/>
+            <dgm:constrLst>
+              <dgm:constr type="lMarg" refType="secFontSz" fact="0.3"/>
+              <dgm:constr type="rMarg" refType="secFontSz" fact="0.3"/>
+              <dgm:constr type="tMarg" refType="secFontSz" fact="0.3"/>
+              <dgm:constr type="bMarg" refType="secFontSz" fact="0.3"/>
+            </dgm:constrLst>
+            <dgm:ruleLst>
+              <dgm:rule type="secFontSz" val="5" fact="NaN" max="NaN"/>
+            </dgm:ruleLst>
+          </dgm:layoutNode>
+        </dgm:if>
+        <dgm:else name="Name69">
+          <dgm:layoutNode name="rect5ParTxNoCh" styleLbl="alignAcc1">
+            <dgm:varLst>
+              <dgm:chMax val="1"/>
+              <dgm:bulletEnabled val="1"/>
+            </dgm:varLst>
+            <dgm:alg type="tx"/>
+            <dgm:shape xmlns:r="http://schemas.openxmlformats.org/officeDocument/2006/relationships" type="rect" r:blip="" hideGeom="1">
+              <dgm:adjLst/>
+            </dgm:shape>
+            <dgm:presOf axis="self"/>
+            <dgm:constrLst>
+              <dgm:constr type="lMarg" refType="primFontSz" fact="0.3"/>
+              <dgm:constr type="rMarg" refType="primFontSz" fact="0.3"/>
+              <dgm:constr type="tMarg" refType="primFontSz" fact="0.3"/>
+              <dgm:constr type="bMarg" refType="primFontSz" fact="0.3"/>
+            </dgm:constrLst>
+            <dgm:ruleLst>
+              <dgm:rule type="primFontSz" val="5" fact="NaN" max="NaN"/>
+            </dgm:ruleLst>
+          </dgm:layoutNode>
+        </dgm:else>
+      </dgm:choose>
+    </dgm:forEach>
+    <dgm:forEach name="Name70" axis="ch" ptType="node" st="6" cnt="1">
+      <dgm:choose name="Name71">
+        <dgm:if name="Name72" axis="root des" ptType="all node" func="maxDepth" op="gte" val="2">
+          <dgm:layoutNode name="rect6ParTx" styleLbl="alignAcc1">
+            <dgm:varLst>
+              <dgm:chMax val="1"/>
+              <dgm:bulletEnabled val="1"/>
+            </dgm:varLst>
+            <dgm:alg type="tx"/>
+            <dgm:shape xmlns:r="http://schemas.openxmlformats.org/officeDocument/2006/relationships" type="rect" r:blip="" hideGeom="1">
+              <dgm:adjLst/>
+            </dgm:shape>
+            <dgm:presOf axis="self"/>
+            <dgm:constrLst>
+              <dgm:constr type="lMarg" refType="primFontSz" fact="0.3"/>
+              <dgm:constr type="rMarg" refType="primFontSz" fact="0.3"/>
+              <dgm:constr type="tMarg" refType="primFontSz" fact="0.3"/>
+              <dgm:constr type="bMarg" refType="primFontSz" fact="0.3"/>
+            </dgm:constrLst>
+            <dgm:ruleLst>
+              <dgm:rule type="primFontSz" val="5" fact="NaN" max="NaN"/>
+            </dgm:ruleLst>
+          </dgm:layoutNode>
+          <dgm:layoutNode name="rect6ChTx" styleLbl="alignAcc1">
+            <dgm:varLst>
+              <dgm:bulletEnabled val="1"/>
+            </dgm:varLst>
+            <dgm:alg type="tx">
+              <dgm:param type="stBulletLvl" val="1"/>
+              <dgm:param type="txAnchorVertCh" val="mid"/>
+            </dgm:alg>
+            <dgm:shape xmlns:r="http://schemas.openxmlformats.org/officeDocument/2006/relationships" type="rect" r:blip="" hideGeom="1">
+              <dgm:adjLst/>
+            </dgm:shape>
+            <dgm:presOf axis="des" ptType="node"/>
+            <dgm:constrLst>
+              <dgm:constr type="lMarg" refType="secFontSz" fact="0.3"/>
+              <dgm:constr type="rMarg" refType="secFontSz" fact="0.3"/>
+              <dgm:constr type="tMarg" refType="secFontSz" fact="0.3"/>
+              <dgm:constr type="bMarg" refType="secFontSz" fact="0.3"/>
+            </dgm:constrLst>
+            <dgm:ruleLst>
+              <dgm:rule type="secFontSz" val="5" fact="NaN" max="NaN"/>
+            </dgm:ruleLst>
+          </dgm:layoutNode>
+        </dgm:if>
+        <dgm:else name="Name73">
+          <dgm:layoutNode name="rect6ParTxNoCh" styleLbl="alignAcc1">
+            <dgm:varLst>
+              <dgm:chMax val="1"/>
+              <dgm:bulletEnabled val="1"/>
+            </dgm:varLst>
+            <dgm:alg type="tx"/>
+            <dgm:shape xmlns:r="http://schemas.openxmlformats.org/officeDocument/2006/relationships" type="rect" r:blip="" hideGeom="1">
+              <dgm:adjLst/>
+            </dgm:shape>
+            <dgm:presOf axis="self"/>
+            <dgm:constrLst>
+              <dgm:constr type="lMarg" refType="primFontSz" fact="0.3"/>
+              <dgm:constr type="rMarg" refType="primFontSz" fact="0.3"/>
+              <dgm:constr type="tMarg" refType="primFontSz" fact="0.3"/>
+              <dgm:constr type="bMarg" refType="primFontSz" fact="0.3"/>
+            </dgm:constrLst>
+            <dgm:ruleLst>
+              <dgm:rule type="primFontSz" val="5" fact="NaN" max="NaN"/>
+            </dgm:ruleLst>
+          </dgm:layoutNode>
+        </dgm:else>
+      </dgm:choose>
+    </dgm:forEach>
+    <dgm:forEach name="Name74" axis="ch" ptType="node" st="7" cnt="1">
+      <dgm:choose name="Name75">
+        <dgm:if name="Name76" axis="root des" ptType="all node" func="maxDepth" op="gte" val="2">
+          <dgm:layoutNode name="rect7ParTx" styleLbl="alignAcc1">
+            <dgm:varLst>
+              <dgm:chMax val="1"/>
+              <dgm:bulletEnabled val="1"/>
+            </dgm:varLst>
+            <dgm:alg type="tx"/>
+            <dgm:shape xmlns:r="http://schemas.openxmlformats.org/officeDocument/2006/relationships" type="rect" r:blip="" hideGeom="1">
+              <dgm:adjLst/>
+            </dgm:shape>
+            <dgm:presOf axis="self"/>
+            <dgm:constrLst>
+              <dgm:constr type="lMarg" refType="primFontSz" fact="0.3"/>
+              <dgm:constr type="rMarg" refType="primFontSz" fact="0.3"/>
+              <dgm:constr type="tMarg" refType="primFontSz" fact="0.3"/>
+              <dgm:constr type="bMarg" refType="primFontSz" fact="0.3"/>
+            </dgm:constrLst>
+            <dgm:ruleLst>
+              <dgm:rule type="primFontSz" val="5" fact="NaN" max="NaN"/>
+            </dgm:ruleLst>
+          </dgm:layoutNode>
+          <dgm:layoutNode name="rect7ChTx" styleLbl="alignAcc1">
+            <dgm:varLst>
+              <dgm:bulletEnabled val="1"/>
+            </dgm:varLst>
+            <dgm:alg type="tx">
+              <dgm:param type="stBulletLvl" val="1"/>
+              <dgm:param type="txAnchorVertCh" val="mid"/>
+            </dgm:alg>
+            <dgm:shape xmlns:r="http://schemas.openxmlformats.org/officeDocument/2006/relationships" type="rect" r:blip="" hideGeom="1">
+              <dgm:adjLst/>
+            </dgm:shape>
+            <dgm:presOf axis="des" ptType="node"/>
+            <dgm:constrLst>
+              <dgm:constr type="lMarg" refType="secFontSz" fact="0.3"/>
+              <dgm:constr type="rMarg" refType="secFontSz" fact="0.3"/>
+              <dgm:constr type="tMarg" refType="secFontSz" fact="0.3"/>
+              <dgm:constr type="bMarg" refType="secFontSz" fact="0.3"/>
+            </dgm:constrLst>
+            <dgm:ruleLst>
+              <dgm:rule type="secFontSz" val="5" fact="NaN" max="NaN"/>
+            </dgm:ruleLst>
+          </dgm:layoutNode>
+        </dgm:if>
+        <dgm:else name="Name77">
+          <dgm:layoutNode name="rect7ParTxNoCh" styleLbl="alignAcc1">
+            <dgm:varLst>
+              <dgm:chMax val="1"/>
+              <dgm:bulletEnabled val="1"/>
+            </dgm:varLst>
+            <dgm:alg type="tx"/>
+            <dgm:shape xmlns:r="http://schemas.openxmlformats.org/officeDocument/2006/relationships" type="rect" r:blip="" hideGeom="1">
+              <dgm:adjLst/>
+            </dgm:shape>
+            <dgm:presOf axis="self"/>
+            <dgm:constrLst>
+              <dgm:constr type="lMarg" refType="primFontSz" fact="0.3"/>
+              <dgm:constr type="rMarg" refType="primFontSz" fact="0.3"/>
+              <dgm:constr type="tMarg" refType="primFontSz" fact="0.3"/>
+              <dgm:constr type="bMarg" refType="primFontSz" fact="0.3"/>
+            </dgm:constrLst>
+            <dgm:ruleLst>
+              <dgm:rule type="primFontSz" val="5" fact="NaN" max="NaN"/>
+            </dgm:ruleLst>
+          </dgm:layoutNode>
+        </dgm:else>
+      </dgm:choose>
+    </dgm:forEach>
+  </dgm:layoutNode>
+</dgm:layoutDef>
+</file>
+
+<file path=ppt/diagrams/layout2.xml><?xml version="1.0" encoding="utf-8"?>
 <dgm:layoutDef xmlns:dgm="http://schemas.openxmlformats.org/drawingml/2006/diagram" xmlns:a="http://schemas.openxmlformats.org/drawingml/2006/main" uniqueId="urn:microsoft.com/office/officeart/2005/8/layout/gear1">
   <dgm:title val=""/>
   <dgm:desc val=""/>
@@ -3690,7 +7880,7 @@
 </dgm:layoutDef>
 </file>
 
-<file path=ppt/diagrams/layout2.xml><?xml version="1.0" encoding="utf-8"?>
+<file path=ppt/diagrams/layout3.xml><?xml version="1.0" encoding="utf-8"?>
 <dgm:layoutDef xmlns:dgm="http://schemas.openxmlformats.org/drawingml/2006/diagram" xmlns:a="http://schemas.openxmlformats.org/drawingml/2006/main" uniqueId="urn:microsoft.com/office/officeart/2005/8/layout/vList3#1">
   <dgm:title val=""/>
   <dgm:desc val=""/>
@@ -4888,6 +9078,1040 @@
 </file>
 
 <file path=ppt/diagrams/quickStyle2.xml><?xml version="1.0" encoding="utf-8"?>
+<dgm:styleDef xmlns:dgm="http://schemas.openxmlformats.org/drawingml/2006/diagram" xmlns:a="http://schemas.openxmlformats.org/drawingml/2006/main" uniqueId="urn:microsoft.com/office/officeart/2005/8/quickstyle/simple1">
+  <dgm:title val=""/>
+  <dgm:desc val=""/>
+  <dgm:catLst>
+    <dgm:cat type="simple" pri="10100"/>
+  </dgm:catLst>
+  <dgm:scene3d>
+    <a:camera prst="orthographicFront"/>
+    <a:lightRig rig="threePt" dir="t"/>
+  </dgm:scene3d>
+  <dgm:styleLbl name="node0">
+    <dgm:scene3d>
+      <a:camera prst="orthographicFront"/>
+      <a:lightRig rig="threePt" dir="t"/>
+    </dgm:scene3d>
+    <dgm:sp3d/>
+    <dgm:txPr/>
+    <dgm:style>
+      <a:lnRef idx="2">
+        <a:scrgbClr r="0" g="0" b="0"/>
+      </a:lnRef>
+      <a:fillRef idx="1">
+        <a:scrgbClr r="0" g="0" b="0"/>
+      </a:fillRef>
+      <a:effectRef idx="0">
+        <a:scrgbClr r="0" g="0" b="0"/>
+      </a:effectRef>
+      <a:fontRef idx="minor">
+        <a:schemeClr val="lt1"/>
+      </a:fontRef>
+    </dgm:style>
+  </dgm:styleLbl>
+  <dgm:styleLbl name="lnNode1">
+    <dgm:scene3d>
+      <a:camera prst="orthographicFront"/>
+      <a:lightRig rig="threePt" dir="t"/>
+    </dgm:scene3d>
+    <dgm:sp3d/>
+    <dgm:txPr/>
+    <dgm:style>
+      <a:lnRef idx="2">
+        <a:scrgbClr r="0" g="0" b="0"/>
+      </a:lnRef>
+      <a:fillRef idx="1">
+        <a:scrgbClr r="0" g="0" b="0"/>
+      </a:fillRef>
+      <a:effectRef idx="0">
+        <a:scrgbClr r="0" g="0" b="0"/>
+      </a:effectRef>
+      <a:fontRef idx="minor">
+        <a:schemeClr val="lt1"/>
+      </a:fontRef>
+    </dgm:style>
+  </dgm:styleLbl>
+  <dgm:styleLbl name="vennNode1">
+    <dgm:scene3d>
+      <a:camera prst="orthographicFront"/>
+      <a:lightRig rig="threePt" dir="t"/>
+    </dgm:scene3d>
+    <dgm:sp3d/>
+    <dgm:txPr/>
+    <dgm:style>
+      <a:lnRef idx="2">
+        <a:scrgbClr r="0" g="0" b="0"/>
+      </a:lnRef>
+      <a:fillRef idx="1">
+        <a:scrgbClr r="0" g="0" b="0"/>
+      </a:fillRef>
+      <a:effectRef idx="0">
+        <a:scrgbClr r="0" g="0" b="0"/>
+      </a:effectRef>
+      <a:fontRef idx="minor">
+        <a:schemeClr val="tx1"/>
+      </a:fontRef>
+    </dgm:style>
+  </dgm:styleLbl>
+  <dgm:styleLbl name="alignNode1">
+    <dgm:scene3d>
+      <a:camera prst="orthographicFront"/>
+      <a:lightRig rig="threePt" dir="t"/>
+    </dgm:scene3d>
+    <dgm:sp3d/>
+    <dgm:txPr/>
+    <dgm:style>
+      <a:lnRef idx="2">
+        <a:scrgbClr r="0" g="0" b="0"/>
+      </a:lnRef>
+      <a:fillRef idx="1">
+        <a:scrgbClr r="0" g="0" b="0"/>
+      </a:fillRef>
+      <a:effectRef idx="0">
+        <a:scrgbClr r="0" g="0" b="0"/>
+      </a:effectRef>
+      <a:fontRef idx="minor">
+        <a:schemeClr val="lt1"/>
+      </a:fontRef>
+    </dgm:style>
+  </dgm:styleLbl>
+  <dgm:styleLbl name="node1">
+    <dgm:scene3d>
+      <a:camera prst="orthographicFront"/>
+      <a:lightRig rig="threePt" dir="t"/>
+    </dgm:scene3d>
+    <dgm:sp3d/>
+    <dgm:txPr/>
+    <dgm:style>
+      <a:lnRef idx="2">
+        <a:scrgbClr r="0" g="0" b="0"/>
+      </a:lnRef>
+      <a:fillRef idx="1">
+        <a:scrgbClr r="0" g="0" b="0"/>
+      </a:fillRef>
+      <a:effectRef idx="0">
+        <a:scrgbClr r="0" g="0" b="0"/>
+      </a:effectRef>
+      <a:fontRef idx="minor">
+        <a:schemeClr val="lt1"/>
+      </a:fontRef>
+    </dgm:style>
+  </dgm:styleLbl>
+  <dgm:styleLbl name="node2">
+    <dgm:scene3d>
+      <a:camera prst="orthographicFront"/>
+      <a:lightRig rig="threePt" dir="t"/>
+    </dgm:scene3d>
+    <dgm:sp3d/>
+    <dgm:txPr/>
+    <dgm:style>
+      <a:lnRef idx="2">
+        <a:scrgbClr r="0" g="0" b="0"/>
+      </a:lnRef>
+      <a:fillRef idx="1">
+        <a:scrgbClr r="0" g="0" b="0"/>
+      </a:fillRef>
+      <a:effectRef idx="0">
+        <a:scrgbClr r="0" g="0" b="0"/>
+      </a:effectRef>
+      <a:fontRef idx="minor">
+        <a:schemeClr val="lt1"/>
+      </a:fontRef>
+    </dgm:style>
+  </dgm:styleLbl>
+  <dgm:styleLbl name="node3">
+    <dgm:scene3d>
+      <a:camera prst="orthographicFront"/>
+      <a:lightRig rig="threePt" dir="t"/>
+    </dgm:scene3d>
+    <dgm:sp3d/>
+    <dgm:txPr/>
+    <dgm:style>
+      <a:lnRef idx="2">
+        <a:scrgbClr r="0" g="0" b="0"/>
+      </a:lnRef>
+      <a:fillRef idx="1">
+        <a:scrgbClr r="0" g="0" b="0"/>
+      </a:fillRef>
+      <a:effectRef idx="0">
+        <a:scrgbClr r="0" g="0" b="0"/>
+      </a:effectRef>
+      <a:fontRef idx="minor">
+        <a:schemeClr val="lt1"/>
+      </a:fontRef>
+    </dgm:style>
+  </dgm:styleLbl>
+  <dgm:styleLbl name="node4">
+    <dgm:scene3d>
+      <a:camera prst="orthographicFront"/>
+      <a:lightRig rig="threePt" dir="t"/>
+    </dgm:scene3d>
+    <dgm:sp3d/>
+    <dgm:txPr/>
+    <dgm:style>
+      <a:lnRef idx="2">
+        <a:scrgbClr r="0" g="0" b="0"/>
+      </a:lnRef>
+      <a:fillRef idx="1">
+        <a:scrgbClr r="0" g="0" b="0"/>
+      </a:fillRef>
+      <a:effectRef idx="0">
+        <a:scrgbClr r="0" g="0" b="0"/>
+      </a:effectRef>
+      <a:fontRef idx="minor">
+        <a:schemeClr val="lt1"/>
+      </a:fontRef>
+    </dgm:style>
+  </dgm:styleLbl>
+  <dgm:styleLbl name="fgImgPlace1">
+    <dgm:scene3d>
+      <a:camera prst="orthographicFront"/>
+      <a:lightRig rig="threePt" dir="t"/>
+    </dgm:scene3d>
+    <dgm:sp3d/>
+    <dgm:txPr/>
+    <dgm:style>
+      <a:lnRef idx="2">
+        <a:scrgbClr r="0" g="0" b="0"/>
+      </a:lnRef>
+      <a:fillRef idx="1">
+        <a:scrgbClr r="0" g="0" b="0"/>
+      </a:fillRef>
+      <a:effectRef idx="0">
+        <a:scrgbClr r="0" g="0" b="0"/>
+      </a:effectRef>
+      <a:fontRef idx="minor"/>
+    </dgm:style>
+  </dgm:styleLbl>
+  <dgm:styleLbl name="alignImgPlace1">
+    <dgm:scene3d>
+      <a:camera prst="orthographicFront"/>
+      <a:lightRig rig="threePt" dir="t"/>
+    </dgm:scene3d>
+    <dgm:sp3d/>
+    <dgm:txPr/>
+    <dgm:style>
+      <a:lnRef idx="2">
+        <a:scrgbClr r="0" g="0" b="0"/>
+      </a:lnRef>
+      <a:fillRef idx="1">
+        <a:scrgbClr r="0" g="0" b="0"/>
+      </a:fillRef>
+      <a:effectRef idx="0">
+        <a:scrgbClr r="0" g="0" b="0"/>
+      </a:effectRef>
+      <a:fontRef idx="minor"/>
+    </dgm:style>
+  </dgm:styleLbl>
+  <dgm:styleLbl name="bgImgPlace1">
+    <dgm:scene3d>
+      <a:camera prst="orthographicFront"/>
+      <a:lightRig rig="threePt" dir="t"/>
+    </dgm:scene3d>
+    <dgm:sp3d/>
+    <dgm:txPr/>
+    <dgm:style>
+      <a:lnRef idx="2">
+        <a:scrgbClr r="0" g="0" b="0"/>
+      </a:lnRef>
+      <a:fillRef idx="1">
+        <a:scrgbClr r="0" g="0" b="0"/>
+      </a:fillRef>
+      <a:effectRef idx="0">
+        <a:scrgbClr r="0" g="0" b="0"/>
+      </a:effectRef>
+      <a:fontRef idx="minor"/>
+    </dgm:style>
+  </dgm:styleLbl>
+  <dgm:styleLbl name="sibTrans2D1">
+    <dgm:scene3d>
+      <a:camera prst="orthographicFront"/>
+      <a:lightRig rig="threePt" dir="t"/>
+    </dgm:scene3d>
+    <dgm:sp3d/>
+    <dgm:txPr/>
+    <dgm:style>
+      <a:lnRef idx="0">
+        <a:scrgbClr r="0" g="0" b="0"/>
+      </a:lnRef>
+      <a:fillRef idx="1">
+        <a:scrgbClr r="0" g="0" b="0"/>
+      </a:fillRef>
+      <a:effectRef idx="0">
+        <a:scrgbClr r="0" g="0" b="0"/>
+      </a:effectRef>
+      <a:fontRef idx="minor">
+        <a:schemeClr val="lt1"/>
+      </a:fontRef>
+    </dgm:style>
+  </dgm:styleLbl>
+  <dgm:styleLbl name="fgSibTrans2D1">
+    <dgm:scene3d>
+      <a:camera prst="orthographicFront"/>
+      <a:lightRig rig="threePt" dir="t"/>
+    </dgm:scene3d>
+    <dgm:sp3d/>
+    <dgm:txPr/>
+    <dgm:style>
+      <a:lnRef idx="0">
+        <a:scrgbClr r="0" g="0" b="0"/>
+      </a:lnRef>
+      <a:fillRef idx="1">
+        <a:scrgbClr r="0" g="0" b="0"/>
+      </a:fillRef>
+      <a:effectRef idx="0">
+        <a:scrgbClr r="0" g="0" b="0"/>
+      </a:effectRef>
+      <a:fontRef idx="minor">
+        <a:schemeClr val="lt1"/>
+      </a:fontRef>
+    </dgm:style>
+  </dgm:styleLbl>
+  <dgm:styleLbl name="bgSibTrans2D1">
+    <dgm:scene3d>
+      <a:camera prst="orthographicFront"/>
+      <a:lightRig rig="threePt" dir="t"/>
+    </dgm:scene3d>
+    <dgm:sp3d/>
+    <dgm:txPr/>
+    <dgm:style>
+      <a:lnRef idx="0">
+        <a:scrgbClr r="0" g="0" b="0"/>
+      </a:lnRef>
+      <a:fillRef idx="1">
+        <a:scrgbClr r="0" g="0" b="0"/>
+      </a:fillRef>
+      <a:effectRef idx="0">
+        <a:scrgbClr r="0" g="0" b="0"/>
+      </a:effectRef>
+      <a:fontRef idx="minor">
+        <a:schemeClr val="lt1"/>
+      </a:fontRef>
+    </dgm:style>
+  </dgm:styleLbl>
+  <dgm:styleLbl name="sibTrans1D1">
+    <dgm:scene3d>
+      <a:camera prst="orthographicFront"/>
+      <a:lightRig rig="threePt" dir="t"/>
+    </dgm:scene3d>
+    <dgm:sp3d/>
+    <dgm:txPr/>
+    <dgm:style>
+      <a:lnRef idx="1">
+        <a:scrgbClr r="0" g="0" b="0"/>
+      </a:lnRef>
+      <a:fillRef idx="0">
+        <a:scrgbClr r="0" g="0" b="0"/>
+      </a:fillRef>
+      <a:effectRef idx="0">
+        <a:scrgbClr r="0" g="0" b="0"/>
+      </a:effectRef>
+      <a:fontRef idx="minor"/>
+    </dgm:style>
+  </dgm:styleLbl>
+  <dgm:styleLbl name="callout">
+    <dgm:scene3d>
+      <a:camera prst="orthographicFront"/>
+      <a:lightRig rig="threePt" dir="t"/>
+    </dgm:scene3d>
+    <dgm:sp3d/>
+    <dgm:txPr/>
+    <dgm:style>
+      <a:lnRef idx="2">
+        <a:scrgbClr r="0" g="0" b="0"/>
+      </a:lnRef>
+      <a:fillRef idx="1">
+        <a:scrgbClr r="0" g="0" b="0"/>
+      </a:fillRef>
+      <a:effectRef idx="0">
+        <a:scrgbClr r="0" g="0" b="0"/>
+      </a:effectRef>
+      <a:fontRef idx="minor"/>
+    </dgm:style>
+  </dgm:styleLbl>
+  <dgm:styleLbl name="asst0">
+    <dgm:scene3d>
+      <a:camera prst="orthographicFront"/>
+      <a:lightRig rig="threePt" dir="t"/>
+    </dgm:scene3d>
+    <dgm:sp3d/>
+    <dgm:txPr/>
+    <dgm:style>
+      <a:lnRef idx="2">
+        <a:scrgbClr r="0" g="0" b="0"/>
+      </a:lnRef>
+      <a:fillRef idx="1">
+        <a:scrgbClr r="0" g="0" b="0"/>
+      </a:fillRef>
+      <a:effectRef idx="0">
+        <a:scrgbClr r="0" g="0" b="0"/>
+      </a:effectRef>
+      <a:fontRef idx="minor">
+        <a:schemeClr val="lt1"/>
+      </a:fontRef>
+    </dgm:style>
+  </dgm:styleLbl>
+  <dgm:styleLbl name="asst1">
+    <dgm:scene3d>
+      <a:camera prst="orthographicFront"/>
+      <a:lightRig rig="threePt" dir="t"/>
+    </dgm:scene3d>
+    <dgm:sp3d/>
+    <dgm:txPr/>
+    <dgm:style>
+      <a:lnRef idx="2">
+        <a:scrgbClr r="0" g="0" b="0"/>
+      </a:lnRef>
+      <a:fillRef idx="1">
+        <a:scrgbClr r="0" g="0" b="0"/>
+      </a:fillRef>
+      <a:effectRef idx="0">
+        <a:scrgbClr r="0" g="0" b="0"/>
+      </a:effectRef>
+      <a:fontRef idx="minor">
+        <a:schemeClr val="lt1"/>
+      </a:fontRef>
+    </dgm:style>
+  </dgm:styleLbl>
+  <dgm:styleLbl name="asst2">
+    <dgm:scene3d>
+      <a:camera prst="orthographicFront"/>
+      <a:lightRig rig="threePt" dir="t"/>
+    </dgm:scene3d>
+    <dgm:sp3d/>
+    <dgm:txPr/>
+    <dgm:style>
+      <a:lnRef idx="2">
+        <a:scrgbClr r="0" g="0" b="0"/>
+      </a:lnRef>
+      <a:fillRef idx="1">
+        <a:scrgbClr r="0" g="0" b="0"/>
+      </a:fillRef>
+      <a:effectRef idx="0">
+        <a:scrgbClr r="0" g="0" b="0"/>
+      </a:effectRef>
+      <a:fontRef idx="minor">
+        <a:schemeClr val="lt1"/>
+      </a:fontRef>
+    </dgm:style>
+  </dgm:styleLbl>
+  <dgm:styleLbl name="asst3">
+    <dgm:scene3d>
+      <a:camera prst="orthographicFront"/>
+      <a:lightRig rig="threePt" dir="t"/>
+    </dgm:scene3d>
+    <dgm:sp3d/>
+    <dgm:txPr/>
+    <dgm:style>
+      <a:lnRef idx="2">
+        <a:scrgbClr r="0" g="0" b="0"/>
+      </a:lnRef>
+      <a:fillRef idx="1">
+        <a:scrgbClr r="0" g="0" b="0"/>
+      </a:fillRef>
+      <a:effectRef idx="0">
+        <a:scrgbClr r="0" g="0" b="0"/>
+      </a:effectRef>
+      <a:fontRef idx="minor">
+        <a:schemeClr val="lt1"/>
+      </a:fontRef>
+    </dgm:style>
+  </dgm:styleLbl>
+  <dgm:styleLbl name="asst4">
+    <dgm:scene3d>
+      <a:camera prst="orthographicFront"/>
+      <a:lightRig rig="threePt" dir="t"/>
+    </dgm:scene3d>
+    <dgm:sp3d/>
+    <dgm:txPr/>
+    <dgm:style>
+      <a:lnRef idx="2">
+        <a:scrgbClr r="0" g="0" b="0"/>
+      </a:lnRef>
+      <a:fillRef idx="1">
+        <a:scrgbClr r="0" g="0" b="0"/>
+      </a:fillRef>
+      <a:effectRef idx="0">
+        <a:scrgbClr r="0" g="0" b="0"/>
+      </a:effectRef>
+      <a:fontRef idx="minor">
+        <a:schemeClr val="lt1"/>
+      </a:fontRef>
+    </dgm:style>
+  </dgm:styleLbl>
+  <dgm:styleLbl name="parChTrans2D1">
+    <dgm:scene3d>
+      <a:camera prst="orthographicFront"/>
+      <a:lightRig rig="threePt" dir="t"/>
+    </dgm:scene3d>
+    <dgm:sp3d/>
+    <dgm:txPr/>
+    <dgm:style>
+      <a:lnRef idx="2">
+        <a:scrgbClr r="0" g="0" b="0"/>
+      </a:lnRef>
+      <a:fillRef idx="1">
+        <a:scrgbClr r="0" g="0" b="0"/>
+      </a:fillRef>
+      <a:effectRef idx="0">
+        <a:scrgbClr r="0" g="0" b="0"/>
+      </a:effectRef>
+      <a:fontRef idx="minor">
+        <a:schemeClr val="lt1"/>
+      </a:fontRef>
+    </dgm:style>
+  </dgm:styleLbl>
+  <dgm:styleLbl name="parChTrans2D2">
+    <dgm:scene3d>
+      <a:camera prst="orthographicFront"/>
+      <a:lightRig rig="threePt" dir="t"/>
+    </dgm:scene3d>
+    <dgm:sp3d/>
+    <dgm:txPr/>
+    <dgm:style>
+      <a:lnRef idx="2">
+        <a:scrgbClr r="0" g="0" b="0"/>
+      </a:lnRef>
+      <a:fillRef idx="1">
+        <a:scrgbClr r="0" g="0" b="0"/>
+      </a:fillRef>
+      <a:effectRef idx="0">
+        <a:scrgbClr r="0" g="0" b="0"/>
+      </a:effectRef>
+      <a:fontRef idx="minor">
+        <a:schemeClr val="lt1"/>
+      </a:fontRef>
+    </dgm:style>
+  </dgm:styleLbl>
+  <dgm:styleLbl name="parChTrans2D3">
+    <dgm:scene3d>
+      <a:camera prst="orthographicFront"/>
+      <a:lightRig rig="threePt" dir="t"/>
+    </dgm:scene3d>
+    <dgm:sp3d/>
+    <dgm:txPr/>
+    <dgm:style>
+      <a:lnRef idx="2">
+        <a:scrgbClr r="0" g="0" b="0"/>
+      </a:lnRef>
+      <a:fillRef idx="1">
+        <a:scrgbClr r="0" g="0" b="0"/>
+      </a:fillRef>
+      <a:effectRef idx="0">
+        <a:scrgbClr r="0" g="0" b="0"/>
+      </a:effectRef>
+      <a:fontRef idx="minor">
+        <a:schemeClr val="lt1"/>
+      </a:fontRef>
+    </dgm:style>
+  </dgm:styleLbl>
+  <dgm:styleLbl name="parChTrans2D4">
+    <dgm:scene3d>
+      <a:camera prst="orthographicFront"/>
+      <a:lightRig rig="threePt" dir="t"/>
+    </dgm:scene3d>
+    <dgm:sp3d/>
+    <dgm:txPr/>
+    <dgm:style>
+      <a:lnRef idx="2">
+        <a:scrgbClr r="0" g="0" b="0"/>
+      </a:lnRef>
+      <a:fillRef idx="1">
+        <a:scrgbClr r="0" g="0" b="0"/>
+      </a:fillRef>
+      <a:effectRef idx="0">
+        <a:scrgbClr r="0" g="0" b="0"/>
+      </a:effectRef>
+      <a:fontRef idx="minor">
+        <a:schemeClr val="lt1"/>
+      </a:fontRef>
+    </dgm:style>
+  </dgm:styleLbl>
+  <dgm:styleLbl name="parChTrans1D1">
+    <dgm:scene3d>
+      <a:camera prst="orthographicFront"/>
+      <a:lightRig rig="threePt" dir="t"/>
+    </dgm:scene3d>
+    <dgm:sp3d/>
+    <dgm:txPr/>
+    <dgm:style>
+      <a:lnRef idx="2">
+        <a:scrgbClr r="0" g="0" b="0"/>
+      </a:lnRef>
+      <a:fillRef idx="0">
+        <a:scrgbClr r="0" g="0" b="0"/>
+      </a:fillRef>
+      <a:effectRef idx="0">
+        <a:scrgbClr r="0" g="0" b="0"/>
+      </a:effectRef>
+      <a:fontRef idx="minor"/>
+    </dgm:style>
+  </dgm:styleLbl>
+  <dgm:styleLbl name="parChTrans1D2">
+    <dgm:scene3d>
+      <a:camera prst="orthographicFront"/>
+      <a:lightRig rig="threePt" dir="t"/>
+    </dgm:scene3d>
+    <dgm:sp3d/>
+    <dgm:txPr/>
+    <dgm:style>
+      <a:lnRef idx="2">
+        <a:scrgbClr r="0" g="0" b="0"/>
+      </a:lnRef>
+      <a:fillRef idx="0">
+        <a:scrgbClr r="0" g="0" b="0"/>
+      </a:fillRef>
+      <a:effectRef idx="0">
+        <a:scrgbClr r="0" g="0" b="0"/>
+      </a:effectRef>
+      <a:fontRef idx="minor"/>
+    </dgm:style>
+  </dgm:styleLbl>
+  <dgm:styleLbl name="parChTrans1D3">
+    <dgm:scene3d>
+      <a:camera prst="orthographicFront"/>
+      <a:lightRig rig="threePt" dir="t"/>
+    </dgm:scene3d>
+    <dgm:sp3d/>
+    <dgm:txPr/>
+    <dgm:style>
+      <a:lnRef idx="2">
+        <a:scrgbClr r="0" g="0" b="0"/>
+      </a:lnRef>
+      <a:fillRef idx="0">
+        <a:scrgbClr r="0" g="0" b="0"/>
+      </a:fillRef>
+      <a:effectRef idx="0">
+        <a:scrgbClr r="0" g="0" b="0"/>
+      </a:effectRef>
+      <a:fontRef idx="minor"/>
+    </dgm:style>
+  </dgm:styleLbl>
+  <dgm:styleLbl name="parChTrans1D4">
+    <dgm:scene3d>
+      <a:camera prst="orthographicFront"/>
+      <a:lightRig rig="threePt" dir="t"/>
+    </dgm:scene3d>
+    <dgm:sp3d/>
+    <dgm:txPr/>
+    <dgm:style>
+      <a:lnRef idx="2">
+        <a:scrgbClr r="0" g="0" b="0"/>
+      </a:lnRef>
+      <a:fillRef idx="0">
+        <a:scrgbClr r="0" g="0" b="0"/>
+      </a:fillRef>
+      <a:effectRef idx="0">
+        <a:scrgbClr r="0" g="0" b="0"/>
+      </a:effectRef>
+      <a:fontRef idx="minor"/>
+    </dgm:style>
+  </dgm:styleLbl>
+  <dgm:styleLbl name="fgAcc1">
+    <dgm:scene3d>
+      <a:camera prst="orthographicFront"/>
+      <a:lightRig rig="threePt" dir="t"/>
+    </dgm:scene3d>
+    <dgm:sp3d/>
+    <dgm:txPr/>
+    <dgm:style>
+      <a:lnRef idx="2">
+        <a:scrgbClr r="0" g="0" b="0"/>
+      </a:lnRef>
+      <a:fillRef idx="1">
+        <a:scrgbClr r="0" g="0" b="0"/>
+      </a:fillRef>
+      <a:effectRef idx="0">
+        <a:scrgbClr r="0" g="0" b="0"/>
+      </a:effectRef>
+      <a:fontRef idx="minor"/>
+    </dgm:style>
+  </dgm:styleLbl>
+  <dgm:styleLbl name="conFgAcc1">
+    <dgm:scene3d>
+      <a:camera prst="orthographicFront"/>
+      <a:lightRig rig="threePt" dir="t"/>
+    </dgm:scene3d>
+    <dgm:sp3d/>
+    <dgm:txPr/>
+    <dgm:style>
+      <a:lnRef idx="2">
+        <a:scrgbClr r="0" g="0" b="0"/>
+      </a:lnRef>
+      <a:fillRef idx="1">
+        <a:scrgbClr r="0" g="0" b="0"/>
+      </a:fillRef>
+      <a:effectRef idx="0">
+        <a:scrgbClr r="0" g="0" b="0"/>
+      </a:effectRef>
+      <a:fontRef idx="minor"/>
+    </dgm:style>
+  </dgm:styleLbl>
+  <dgm:styleLbl name="alignAcc1">
+    <dgm:scene3d>
+      <a:camera prst="orthographicFront"/>
+      <a:lightRig rig="threePt" dir="t"/>
+    </dgm:scene3d>
+    <dgm:sp3d/>
+    <dgm:txPr/>
+    <dgm:style>
+      <a:lnRef idx="2">
+        <a:scrgbClr r="0" g="0" b="0"/>
+      </a:lnRef>
+      <a:fillRef idx="1">
+        <a:scrgbClr r="0" g="0" b="0"/>
+      </a:fillRef>
+      <a:effectRef idx="0">
+        <a:scrgbClr r="0" g="0" b="0"/>
+      </a:effectRef>
+      <a:fontRef idx="minor"/>
+    </dgm:style>
+  </dgm:styleLbl>
+  <dgm:styleLbl name="trAlignAcc1">
+    <dgm:scene3d>
+      <a:camera prst="orthographicFront"/>
+      <a:lightRig rig="threePt" dir="t"/>
+    </dgm:scene3d>
+    <dgm:sp3d/>
+    <dgm:txPr/>
+    <dgm:style>
+      <a:lnRef idx="1">
+        <a:scrgbClr r="0" g="0" b="0"/>
+      </a:lnRef>
+      <a:fillRef idx="1">
+        <a:scrgbClr r="0" g="0" b="0"/>
+      </a:fillRef>
+      <a:effectRef idx="0">
+        <a:scrgbClr r="0" g="0" b="0"/>
+      </a:effectRef>
+      <a:fontRef idx="minor"/>
+    </dgm:style>
+  </dgm:styleLbl>
+  <dgm:styleLbl name="bgAcc1">
+    <dgm:scene3d>
+      <a:camera prst="orthographicFront"/>
+      <a:lightRig rig="threePt" dir="t"/>
+    </dgm:scene3d>
+    <dgm:sp3d/>
+    <dgm:txPr/>
+    <dgm:style>
+      <a:lnRef idx="2">
+        <a:scrgbClr r="0" g="0" b="0"/>
+      </a:lnRef>
+      <a:fillRef idx="1">
+        <a:scrgbClr r="0" g="0" b="0"/>
+      </a:fillRef>
+      <a:effectRef idx="0">
+        <a:scrgbClr r="0" g="0" b="0"/>
+      </a:effectRef>
+      <a:fontRef idx="minor"/>
+    </dgm:style>
+  </dgm:styleLbl>
+  <dgm:styleLbl name="solidFgAcc1">
+    <dgm:scene3d>
+      <a:camera prst="orthographicFront"/>
+      <a:lightRig rig="threePt" dir="t"/>
+    </dgm:scene3d>
+    <dgm:sp3d/>
+    <dgm:txPr/>
+    <dgm:style>
+      <a:lnRef idx="2">
+        <a:scrgbClr r="0" g="0" b="0"/>
+      </a:lnRef>
+      <a:fillRef idx="1">
+        <a:scrgbClr r="0" g="0" b="0"/>
+      </a:fillRef>
+      <a:effectRef idx="0">
+        <a:scrgbClr r="0" g="0" b="0"/>
+      </a:effectRef>
+      <a:fontRef idx="minor"/>
+    </dgm:style>
+  </dgm:styleLbl>
+  <dgm:styleLbl name="solidAlignAcc1">
+    <dgm:scene3d>
+      <a:camera prst="orthographicFront"/>
+      <a:lightRig rig="threePt" dir="t"/>
+    </dgm:scene3d>
+    <dgm:sp3d/>
+    <dgm:txPr/>
+    <dgm:style>
+      <a:lnRef idx="2">
+        <a:scrgbClr r="0" g="0" b="0"/>
+      </a:lnRef>
+      <a:fillRef idx="1">
+        <a:scrgbClr r="0" g="0" b="0"/>
+      </a:fillRef>
+      <a:effectRef idx="0">
+        <a:scrgbClr r="0" g="0" b="0"/>
+      </a:effectRef>
+      <a:fontRef idx="minor"/>
+    </dgm:style>
+  </dgm:styleLbl>
+  <dgm:styleLbl name="solidBgAcc1">
+    <dgm:scene3d>
+      <a:camera prst="orthographicFront"/>
+      <a:lightRig rig="threePt" dir="t"/>
+    </dgm:scene3d>
+    <dgm:sp3d/>
+    <dgm:txPr/>
+    <dgm:style>
+      <a:lnRef idx="2">
+        <a:scrgbClr r="0" g="0" b="0"/>
+      </a:lnRef>
+      <a:fillRef idx="1">
+        <a:scrgbClr r="0" g="0" b="0"/>
+      </a:fillRef>
+      <a:effectRef idx="0">
+        <a:scrgbClr r="0" g="0" b="0"/>
+      </a:effectRef>
+      <a:fontRef idx="minor"/>
+    </dgm:style>
+  </dgm:styleLbl>
+  <dgm:styleLbl name="fgAccFollowNode1">
+    <dgm:scene3d>
+      <a:camera prst="orthographicFront"/>
+      <a:lightRig rig="threePt" dir="t"/>
+    </dgm:scene3d>
+    <dgm:sp3d/>
+    <dgm:txPr/>
+    <dgm:style>
+      <a:lnRef idx="2">
+        <a:scrgbClr r="0" g="0" b="0"/>
+      </a:lnRef>
+      <a:fillRef idx="1">
+        <a:scrgbClr r="0" g="0" b="0"/>
+      </a:fillRef>
+      <a:effectRef idx="0">
+        <a:scrgbClr r="0" g="0" b="0"/>
+      </a:effectRef>
+      <a:fontRef idx="minor"/>
+    </dgm:style>
+  </dgm:styleLbl>
+  <dgm:styleLbl name="alignAccFollowNode1">
+    <dgm:scene3d>
+      <a:camera prst="orthographicFront"/>
+      <a:lightRig rig="threePt" dir="t"/>
+    </dgm:scene3d>
+    <dgm:sp3d/>
+    <dgm:txPr/>
+    <dgm:style>
+      <a:lnRef idx="2">
+        <a:scrgbClr r="0" g="0" b="0"/>
+      </a:lnRef>
+      <a:fillRef idx="1">
+        <a:scrgbClr r="0" g="0" b="0"/>
+      </a:fillRef>
+      <a:effectRef idx="0">
+        <a:scrgbClr r="0" g="0" b="0"/>
+      </a:effectRef>
+      <a:fontRef idx="minor"/>
+    </dgm:style>
+  </dgm:styleLbl>
+  <dgm:styleLbl name="bgAccFollowNode1">
+    <dgm:scene3d>
+      <a:camera prst="orthographicFront"/>
+      <a:lightRig rig="threePt" dir="t"/>
+    </dgm:scene3d>
+    <dgm:sp3d/>
+    <dgm:txPr/>
+    <dgm:style>
+      <a:lnRef idx="2">
+        <a:scrgbClr r="0" g="0" b="0"/>
+      </a:lnRef>
+      <a:fillRef idx="1">
+        <a:scrgbClr r="0" g="0" b="0"/>
+      </a:fillRef>
+      <a:effectRef idx="0">
+        <a:scrgbClr r="0" g="0" b="0"/>
+      </a:effectRef>
+      <a:fontRef idx="minor"/>
+    </dgm:style>
+  </dgm:styleLbl>
+  <dgm:styleLbl name="fgAcc0">
+    <dgm:scene3d>
+      <a:camera prst="orthographicFront"/>
+      <a:lightRig rig="threePt" dir="t"/>
+    </dgm:scene3d>
+    <dgm:sp3d/>
+    <dgm:txPr/>
+    <dgm:style>
+      <a:lnRef idx="2">
+        <a:scrgbClr r="0" g="0" b="0"/>
+      </a:lnRef>
+      <a:fillRef idx="1">
+        <a:scrgbClr r="0" g="0" b="0"/>
+      </a:fillRef>
+      <a:effectRef idx="0">
+        <a:scrgbClr r="0" g="0" b="0"/>
+      </a:effectRef>
+      <a:fontRef idx="minor"/>
+    </dgm:style>
+  </dgm:styleLbl>
+  <dgm:styleLbl name="fgAcc2">
+    <dgm:scene3d>
+      <a:camera prst="orthographicFront"/>
+      <a:lightRig rig="threePt" dir="t"/>
+    </dgm:scene3d>
+    <dgm:sp3d/>
+    <dgm:txPr/>
+    <dgm:style>
+      <a:lnRef idx="2">
+        <a:scrgbClr r="0" g="0" b="0"/>
+      </a:lnRef>
+      <a:fillRef idx="1">
+        <a:scrgbClr r="0" g="0" b="0"/>
+      </a:fillRef>
+      <a:effectRef idx="0">
+        <a:scrgbClr r="0" g="0" b="0"/>
+      </a:effectRef>
+      <a:fontRef idx="minor"/>
+    </dgm:style>
+  </dgm:styleLbl>
+  <dgm:styleLbl name="fgAcc3">
+    <dgm:scene3d>
+      <a:camera prst="orthographicFront"/>
+      <a:lightRig rig="threePt" dir="t"/>
+    </dgm:scene3d>
+    <dgm:sp3d/>
+    <dgm:txPr/>
+    <dgm:style>
+      <a:lnRef idx="2">
+        <a:scrgbClr r="0" g="0" b="0"/>
+      </a:lnRef>
+      <a:fillRef idx="1">
+        <a:scrgbClr r="0" g="0" b="0"/>
+      </a:fillRef>
+      <a:effectRef idx="0">
+        <a:scrgbClr r="0" g="0" b="0"/>
+      </a:effectRef>
+      <a:fontRef idx="minor"/>
+    </dgm:style>
+  </dgm:styleLbl>
+  <dgm:styleLbl name="fgAcc4">
+    <dgm:scene3d>
+      <a:camera prst="orthographicFront"/>
+      <a:lightRig rig="threePt" dir="t"/>
+    </dgm:scene3d>
+    <dgm:sp3d/>
+    <dgm:txPr/>
+    <dgm:style>
+      <a:lnRef idx="2">
+        <a:scrgbClr r="0" g="0" b="0"/>
+      </a:lnRef>
+      <a:fillRef idx="1">
+        <a:scrgbClr r="0" g="0" b="0"/>
+      </a:fillRef>
+      <a:effectRef idx="0">
+        <a:scrgbClr r="0" g="0" b="0"/>
+      </a:effectRef>
+      <a:fontRef idx="minor"/>
+    </dgm:style>
+  </dgm:styleLbl>
+  <dgm:styleLbl name="bgShp">
+    <dgm:scene3d>
+      <a:camera prst="orthographicFront"/>
+      <a:lightRig rig="threePt" dir="t"/>
+    </dgm:scene3d>
+    <dgm:sp3d/>
+    <dgm:txPr/>
+    <dgm:style>
+      <a:lnRef idx="0">
+        <a:scrgbClr r="0" g="0" b="0"/>
+      </a:lnRef>
+      <a:fillRef idx="1">
+        <a:scrgbClr r="0" g="0" b="0"/>
+      </a:fillRef>
+      <a:effectRef idx="0">
+        <a:scrgbClr r="0" g="0" b="0"/>
+      </a:effectRef>
+      <a:fontRef idx="minor"/>
+    </dgm:style>
+  </dgm:styleLbl>
+  <dgm:styleLbl name="dkBgShp">
+    <dgm:scene3d>
+      <a:camera prst="orthographicFront"/>
+      <a:lightRig rig="threePt" dir="t"/>
+    </dgm:scene3d>
+    <dgm:sp3d/>
+    <dgm:txPr/>
+    <dgm:style>
+      <a:lnRef idx="0">
+        <a:scrgbClr r="0" g="0" b="0"/>
+      </a:lnRef>
+      <a:fillRef idx="1">
+        <a:scrgbClr r="0" g="0" b="0"/>
+      </a:fillRef>
+      <a:effectRef idx="0">
+        <a:scrgbClr r="0" g="0" b="0"/>
+      </a:effectRef>
+      <a:fontRef idx="minor"/>
+    </dgm:style>
+  </dgm:styleLbl>
+  <dgm:styleLbl name="trBgShp">
+    <dgm:scene3d>
+      <a:camera prst="orthographicFront"/>
+      <a:lightRig rig="threePt" dir="t"/>
+    </dgm:scene3d>
+    <dgm:sp3d/>
+    <dgm:txPr/>
+    <dgm:style>
+      <a:lnRef idx="0">
+        <a:scrgbClr r="0" g="0" b="0"/>
+      </a:lnRef>
+      <a:fillRef idx="1">
+        <a:scrgbClr r="0" g="0" b="0"/>
+      </a:fillRef>
+      <a:effectRef idx="0">
+        <a:scrgbClr r="0" g="0" b="0"/>
+      </a:effectRef>
+      <a:fontRef idx="minor"/>
+    </dgm:style>
+  </dgm:styleLbl>
+  <dgm:styleLbl name="fgShp">
+    <dgm:scene3d>
+      <a:camera prst="orthographicFront"/>
+      <a:lightRig rig="threePt" dir="t"/>
+    </dgm:scene3d>
+    <dgm:sp3d/>
+    <dgm:txPr/>
+    <dgm:style>
+      <a:lnRef idx="2">
+        <a:scrgbClr r="0" g="0" b="0"/>
+      </a:lnRef>
+      <a:fillRef idx="1">
+        <a:scrgbClr r="0" g="0" b="0"/>
+      </a:fillRef>
+      <a:effectRef idx="0">
+        <a:scrgbClr r="0" g="0" b="0"/>
+      </a:effectRef>
+      <a:fontRef idx="minor"/>
+    </dgm:style>
+  </dgm:styleLbl>
+  <dgm:styleLbl name="revTx">
+    <dgm:scene3d>
+      <a:camera prst="orthographicFront"/>
+      <a:lightRig rig="threePt" dir="t"/>
+    </dgm:scene3d>
+    <dgm:sp3d/>
+    <dgm:txPr/>
+    <dgm:style>
+      <a:lnRef idx="0">
+        <a:scrgbClr r="0" g="0" b="0"/>
+      </a:lnRef>
+      <a:fillRef idx="0">
+        <a:scrgbClr r="0" g="0" b="0"/>
+      </a:fillRef>
+      <a:effectRef idx="0">
+        <a:scrgbClr r="0" g="0" b="0"/>
+      </a:effectRef>
+      <a:fontRef idx="minor"/>
+    </dgm:style>
+  </dgm:styleLbl>
+</dgm:styleDef>
+</file>
+
+<file path=ppt/diagrams/quickStyle3.xml><?xml version="1.0" encoding="utf-8"?>
 <dgm:styleDef xmlns:dgm="http://schemas.openxmlformats.org/drawingml/2006/diagram" xmlns:a="http://schemas.openxmlformats.org/drawingml/2006/main" uniqueId="urn:microsoft.com/office/officeart/2005/8/quickstyle/simple1">
   <dgm:title val=""/>
   <dgm:desc val=""/>
@@ -17535,13 +22759,8 @@
             </a:pPr>
             <a:r>
               <a:rPr lang="de-DE" sz="2200" dirty="0" smtClean="0"/>
-              <a:t>Target </a:t>
+              <a:t>Target User</a:t>
             </a:r>
-            <a:r>
-              <a:rPr lang="de-DE" sz="2200" dirty="0" smtClean="0"/>
-              <a:t>User</a:t>
-            </a:r>
-            <a:endParaRPr lang="de-DE" sz="2200" dirty="0" smtClean="0"/>
           </a:p>
           <a:p>
             <a:pPr>
@@ -18013,11 +23232,6 @@
               </a:rPr>
               <a:t>simple but compact instant messaging between users </a:t>
             </a:r>
-            <a:endParaRPr lang="en-US" dirty="0">
-              <a:solidFill>
-                <a:schemeClr val="tx1"/>
-              </a:solidFill>
-            </a:endParaRPr>
           </a:p>
         </p:txBody>
       </p:sp>
@@ -18257,25 +23471,28 @@
           </a:p>
         </p:txBody>
       </p:sp>
-      <p:sp>
-        <p:nvSpPr>
-          <p:cNvPr id="5" name="Content Placeholder 4"/>
-          <p:cNvSpPr>
-            <a:spLocks noGrp="1"/>
-          </p:cNvSpPr>
+      <p:graphicFrame>
+        <p:nvGraphicFramePr>
+          <p:cNvPr id="6" name="Diagram 5"/>
+          <p:cNvGraphicFramePr/>
           <p:nvPr>
-            <p:ph idx="1"/>
+            <p:extLst>
+              <p:ext uri="{D42A27DB-BD31-4B8C-83A1-F6EECF244321}">
+                <p14:modId xmlns:p14="http://schemas.microsoft.com/office/powerpoint/2010/main" val="3941442068"/>
+              </p:ext>
+            </p:extLst>
           </p:nvPr>
-        </p:nvSpPr>
-        <p:spPr/>
-        <p:txBody>
-          <a:bodyPr/>
-          <a:lstStyle/>
-          <a:p>
-            <a:endParaRPr lang="en-US" dirty="0"/>
-          </a:p>
-        </p:txBody>
-      </p:sp>
+        </p:nvGraphicFramePr>
+        <p:xfrm>
+          <a:off x="1524000" y="1397000"/>
+          <a:ext cx="6096000" cy="4064000"/>
+        </p:xfrm>
+        <a:graphic>
+          <a:graphicData uri="http://schemas.openxmlformats.org/drawingml/2006/diagram">
+            <dgm:relIds xmlns:dgm="http://schemas.openxmlformats.org/drawingml/2006/diagram" xmlns:r="http://schemas.openxmlformats.org/officeDocument/2006/relationships" r:dm="rId2" r:lo="rId3" r:qs="rId4" r:cs="rId5"/>
+          </a:graphicData>
+        </a:graphic>
+      </p:graphicFrame>
     </p:spTree>
     <p:extLst>
       <p:ext uri="{BB962C8B-B14F-4D97-AF65-F5344CB8AC3E}">
@@ -18367,7 +23584,7 @@
           <p:nvPr>
             <p:extLst>
               <p:ext uri="{D42A27DB-BD31-4B8C-83A1-F6EECF244321}">
-                <p14:modId xmlns:p14="http://schemas.microsoft.com/office/powerpoint/2010/main" val="1907290022"/>
+                <p14:modId xmlns:p14="http://schemas.microsoft.com/office/powerpoint/2010/main" val="4218774640"/>
               </p:ext>
             </p:extLst>
           </p:nvPr>
@@ -18580,7 +23797,7 @@
           <p:nvPr>
             <p:extLst>
               <p:ext uri="{D42A27DB-BD31-4B8C-83A1-F6EECF244321}">
-                <p14:modId xmlns:p14="http://schemas.microsoft.com/office/powerpoint/2010/main" val="3275535167"/>
+                <p14:modId xmlns:p14="http://schemas.microsoft.com/office/powerpoint/2010/main" val="2714446008"/>
               </p:ext>
             </p:extLst>
           </p:nvPr>

--- a/UGNM_Instantmessaging/doc/PresentationIM.pptx
+++ b/UGNM_Instantmessaging/doc/PresentationIM.pptx
@@ -5,16 +5,14 @@
     <p:sldMasterId id="2147483648" r:id="rId1"/>
   </p:sldMasterIdLst>
   <p:notesMasterIdLst>
-    <p:notesMasterId r:id="rId9"/>
+    <p:notesMasterId r:id="rId7"/>
   </p:notesMasterIdLst>
   <p:sldIdLst>
     <p:sldId id="256" r:id="rId2"/>
-    <p:sldId id="258" r:id="rId3"/>
-    <p:sldId id="259" r:id="rId4"/>
-    <p:sldId id="260" r:id="rId5"/>
-    <p:sldId id="261" r:id="rId6"/>
-    <p:sldId id="262" r:id="rId7"/>
-    <p:sldId id="263" r:id="rId8"/>
+    <p:sldId id="259" r:id="rId3"/>
+    <p:sldId id="260" r:id="rId4"/>
+    <p:sldId id="261" r:id="rId5"/>
+    <p:sldId id="263" r:id="rId6"/>
   </p:sldIdLst>
   <p:sldSz cx="9144000" cy="6858000" type="screen4x3"/>
   <p:notesSz cx="6858000" cy="9144000"/>
@@ -1625,7 +1623,7 @@
       </dgm:t>
     </dgm:pt>
     <dgm:pt modelId="{8CC1643E-AFB1-4290-A3E5-6D40C6407789}">
-      <dgm:prSet phldrT="[Text]"/>
+      <dgm:prSet phldrT="[Text]" custT="1"/>
       <dgm:spPr>
         <a:noFill/>
         <a:ln>
@@ -1639,14 +1637,14 @@
         <a:lstStyle/>
         <a:p>
           <a:r>
-            <a:rPr lang="en-US" b="1" dirty="0" smtClean="0">
+            <a:rPr lang="en-US" sz="1800" b="1" dirty="0" smtClean="0">
               <a:solidFill>
                 <a:srgbClr val="3C536F"/>
               </a:solidFill>
             </a:rPr>
             <a:t>simple but compact</a:t>
           </a:r>
-          <a:endParaRPr lang="en-US" b="1" dirty="0">
+          <a:endParaRPr lang="en-US" sz="1800" b="1" dirty="0">
             <a:solidFill>
               <a:srgbClr val="3C536F"/>
             </a:solidFill>
@@ -1661,7 +1659,7 @@
         <a:bodyPr/>
         <a:lstStyle/>
         <a:p>
-          <a:endParaRPr lang="en-US" b="1">
+          <a:endParaRPr lang="en-US" sz="1800" b="1">
             <a:solidFill>
               <a:srgbClr val="3C536F"/>
             </a:solidFill>
@@ -1676,7 +1674,7 @@
         <a:bodyPr/>
         <a:lstStyle/>
         <a:p>
-          <a:endParaRPr lang="en-US" b="1">
+          <a:endParaRPr lang="en-US" sz="1800" b="1">
             <a:solidFill>
               <a:srgbClr val="3C536F"/>
             </a:solidFill>
@@ -1685,7 +1683,7 @@
       </dgm:t>
     </dgm:pt>
     <dgm:pt modelId="{EBFA210D-317A-4558-8D90-FE7AC251B712}">
-      <dgm:prSet phldrT="[Text]"/>
+      <dgm:prSet phldrT="[Text]" custT="1"/>
       <dgm:spPr>
         <a:noFill/>
         <a:ln>
@@ -1699,14 +1697,14 @@
         <a:lstStyle/>
         <a:p>
           <a:r>
-            <a:rPr lang="en-US" b="1" dirty="0" smtClean="0">
+            <a:rPr lang="en-US" sz="1800" b="1" dirty="0" smtClean="0">
               <a:solidFill>
                 <a:srgbClr val="3C536F"/>
               </a:solidFill>
             </a:rPr>
             <a:t>user-friendly interface</a:t>
           </a:r>
-          <a:endParaRPr lang="en-US" b="1" dirty="0">
+          <a:endParaRPr lang="en-US" sz="1800" b="1" dirty="0">
             <a:solidFill>
               <a:srgbClr val="3C536F"/>
             </a:solidFill>
@@ -1721,7 +1719,7 @@
         <a:bodyPr/>
         <a:lstStyle/>
         <a:p>
-          <a:endParaRPr lang="en-US" b="1">
+          <a:endParaRPr lang="en-US" sz="1800" b="1">
             <a:solidFill>
               <a:srgbClr val="3C536F"/>
             </a:solidFill>
@@ -1736,7 +1734,7 @@
         <a:bodyPr/>
         <a:lstStyle/>
         <a:p>
-          <a:endParaRPr lang="en-US" b="1">
+          <a:endParaRPr lang="en-US" sz="1800" b="1">
             <a:solidFill>
               <a:srgbClr val="3C536F"/>
             </a:solidFill>
@@ -1745,7 +1743,7 @@
       </dgm:t>
     </dgm:pt>
     <dgm:pt modelId="{7439BAB3-02AF-47DC-966A-C3021B5F97C4}">
-      <dgm:prSet phldrT="[Text]"/>
+      <dgm:prSet phldrT="[Text]" custT="1"/>
       <dgm:spPr>
         <a:noFill/>
         <a:ln>
@@ -1759,14 +1757,22 @@
         <a:lstStyle/>
         <a:p>
           <a:r>
-            <a:rPr lang="en-US" b="1" dirty="0" smtClean="0">
+            <a:rPr lang="en-US" sz="1800" b="1" dirty="0" smtClean="0">
               <a:solidFill>
                 <a:srgbClr val="3C536F"/>
               </a:solidFill>
             </a:rPr>
-            <a:t>code available for study</a:t>
+            <a:t>code available for </a:t>
           </a:r>
-          <a:endParaRPr lang="en-US" b="1" dirty="0">
+          <a:r>
+            <a:rPr lang="en-US" sz="1800" b="1" dirty="0" smtClean="0">
+              <a:solidFill>
+                <a:srgbClr val="3C536F"/>
+              </a:solidFill>
+            </a:rPr>
+            <a:t>reuse</a:t>
+          </a:r>
+          <a:endParaRPr lang="en-US" sz="1800" b="1" dirty="0">
             <a:solidFill>
               <a:srgbClr val="3C536F"/>
             </a:solidFill>
@@ -1781,7 +1787,7 @@
         <a:bodyPr/>
         <a:lstStyle/>
         <a:p>
-          <a:endParaRPr lang="en-US" b="1">
+          <a:endParaRPr lang="en-US" sz="1800" b="1">
             <a:solidFill>
               <a:srgbClr val="3C536F"/>
             </a:solidFill>
@@ -1796,7 +1802,7 @@
         <a:bodyPr/>
         <a:lstStyle/>
         <a:p>
-          <a:endParaRPr lang="en-US" b="1">
+          <a:endParaRPr lang="en-US" sz="1800" b="1">
             <a:solidFill>
               <a:srgbClr val="3C536F"/>
             </a:solidFill>
@@ -1805,7 +1811,7 @@
       </dgm:t>
     </dgm:pt>
     <dgm:pt modelId="{D9479AF4-E814-4BD7-A559-EDFA05BA663D}">
-      <dgm:prSet phldrT="[Text]"/>
+      <dgm:prSet phldrT="[Text]" custT="1"/>
       <dgm:spPr>
         <a:noFill/>
         <a:ln>
@@ -1819,15 +1825,15 @@
         <a:lstStyle/>
         <a:p>
           <a:r>
-            <a:rPr lang="en-US" b="1" dirty="0" smtClean="0">
+            <a:rPr lang="en-US" sz="1800" b="1" dirty="0" smtClean="0">
               <a:solidFill>
                 <a:srgbClr val="3C536F"/>
               </a:solidFill>
             </a:rPr>
-            <a:t>privacy by registration with </a:t>
+            <a:t>latest industry-standard authentication with </a:t>
           </a:r>
           <a:r>
-            <a:rPr lang="en-US" b="1" dirty="0" err="1" smtClean="0">
+            <a:rPr lang="en-US" sz="1800" b="1" dirty="0" err="1" smtClean="0">
               <a:solidFill>
                 <a:srgbClr val="3C536F"/>
               </a:solidFill>
@@ -1835,14 +1841,14 @@
             <a:t>OpenID</a:t>
           </a:r>
           <a:r>
-            <a:rPr lang="en-US" b="1" dirty="0" smtClean="0">
+            <a:rPr lang="en-US" sz="1800" b="1" dirty="0" smtClean="0">
               <a:solidFill>
                 <a:srgbClr val="3C536F"/>
               </a:solidFill>
             </a:rPr>
             <a:t> Connect</a:t>
           </a:r>
-          <a:endParaRPr lang="en-US" b="1" dirty="0">
+          <a:endParaRPr lang="en-US" sz="1800" b="1" dirty="0">
             <a:solidFill>
               <a:srgbClr val="3C536F"/>
             </a:solidFill>
@@ -1857,7 +1863,7 @@
         <a:bodyPr/>
         <a:lstStyle/>
         <a:p>
-          <a:endParaRPr lang="en-US" b="1">
+          <a:endParaRPr lang="en-US" sz="1800" b="1">
             <a:solidFill>
               <a:srgbClr val="3C536F"/>
             </a:solidFill>
@@ -1872,7 +1878,7 @@
         <a:bodyPr/>
         <a:lstStyle/>
         <a:p>
-          <a:endParaRPr lang="en-US" b="1">
+          <a:endParaRPr lang="en-US" sz="1800" b="1">
             <a:solidFill>
               <a:srgbClr val="3C536F"/>
             </a:solidFill>
@@ -1881,7 +1887,7 @@
       </dgm:t>
     </dgm:pt>
     <dgm:pt modelId="{6513F0F8-3D52-4B79-B074-9FB469B08FF0}">
-      <dgm:prSet phldrT="[Text]"/>
+      <dgm:prSet phldrT="[Text]" custT="1"/>
       <dgm:spPr>
         <a:noFill/>
         <a:ln>
@@ -1895,14 +1901,14 @@
         <a:lstStyle/>
         <a:p>
           <a:r>
-            <a:rPr lang="en-US" b="1" dirty="0" smtClean="0">
+            <a:rPr lang="en-US" sz="1800" b="1" dirty="0" smtClean="0">
               <a:solidFill>
                 <a:srgbClr val="3C536F"/>
               </a:solidFill>
             </a:rPr>
-            <a:t>responsive web design</a:t>
+            <a:t>Responsive Web Design</a:t>
           </a:r>
-          <a:endParaRPr lang="en-US" b="1" dirty="0">
+          <a:endParaRPr lang="en-US" sz="1800" b="1" dirty="0">
             <a:solidFill>
               <a:srgbClr val="3C536F"/>
             </a:solidFill>
@@ -1917,7 +1923,7 @@
         <a:bodyPr/>
         <a:lstStyle/>
         <a:p>
-          <a:endParaRPr lang="en-US" b="1">
+          <a:endParaRPr lang="en-US" sz="1800" b="1">
             <a:solidFill>
               <a:srgbClr val="3C536F"/>
             </a:solidFill>
@@ -1932,7 +1938,7 @@
         <a:bodyPr/>
         <a:lstStyle/>
         <a:p>
-          <a:endParaRPr lang="en-US" b="1">
+          <a:endParaRPr lang="en-US" sz="1800" b="1">
             <a:solidFill>
               <a:srgbClr val="3C536F"/>
             </a:solidFill>
@@ -2538,7 +2544,15 @@
                 <a:schemeClr val="tx1"/>
               </a:solidFill>
             </a:rPr>
-            <a:t>Integration with other services like ADAC etc.</a:t>
+            <a:t>Integration with other </a:t>
+          </a:r>
+          <a:r>
+            <a:rPr lang="en-US" sz="2000" b="0" dirty="0" smtClean="0">
+              <a:solidFill>
+                <a:schemeClr val="tx1"/>
+              </a:solidFill>
+            </a:rPr>
+            <a:t>services like IRC </a:t>
           </a:r>
           <a:endParaRPr lang="en-US" sz="2000" b="0" dirty="0">
             <a:solidFill>
@@ -2728,6 +2742,13 @@
           <a:srgbClr val="3C536F"/>
         </a:solidFill>
       </dgm:spPr>
+      <dgm:t>
+        <a:bodyPr/>
+        <a:lstStyle/>
+        <a:p>
+          <a:endParaRPr lang="en-US"/>
+        </a:p>
+      </dgm:t>
     </dgm:pt>
     <dgm:pt modelId="{A66CBEBE-4CE9-4BA5-BB29-B3262B392917}" type="pres">
       <dgm:prSet presAssocID="{FDDB9305-DF90-4D6A-B4C1-4A4642D5F846}" presName="txShp" presStyleLbl="node1" presStyleIdx="4" presStyleCnt="5" custScaleX="97737" custScaleY="1735653" custLinFactNeighborX="5756" custLinFactNeighborY="-3634">
@@ -2835,12 +2856,12 @@
         </a:fontRef>
       </dsp:style>
       <dsp:txBody>
-        <a:bodyPr spcFirstLastPara="0" vert="horz" wrap="square" lIns="24130" tIns="24130" rIns="24130" bIns="24130" numCol="1" spcCol="1270" anchor="ctr" anchorCtr="0">
+        <a:bodyPr spcFirstLastPara="0" vert="horz" wrap="square" lIns="22860" tIns="22860" rIns="22860" bIns="22860" numCol="1" spcCol="1270" anchor="ctr" anchorCtr="0">
           <a:noAutofit/>
         </a:bodyPr>
         <a:lstStyle/>
         <a:p>
-          <a:pPr lvl="0" algn="ctr" defTabSz="844550">
+          <a:pPr lvl="0" algn="ctr" defTabSz="800100">
             <a:lnSpc>
               <a:spcPct val="90000"/>
             </a:lnSpc>
@@ -2852,14 +2873,14 @@
             </a:spcAft>
           </a:pPr>
           <a:r>
-            <a:rPr lang="en-US" sz="1900" b="1" kern="1200" dirty="0" smtClean="0">
+            <a:rPr lang="en-US" sz="1800" b="1" kern="1200" dirty="0" smtClean="0">
               <a:solidFill>
                 <a:srgbClr val="3C536F"/>
               </a:solidFill>
             </a:rPr>
             <a:t>simple but compact</a:t>
           </a:r>
-          <a:endParaRPr lang="en-US" sz="1900" b="1" kern="1200" dirty="0">
+          <a:endParaRPr lang="en-US" sz="1800" b="1" kern="1200" dirty="0">
             <a:solidFill>
               <a:srgbClr val="3C536F"/>
             </a:solidFill>
@@ -2911,12 +2932,12 @@
         </a:fontRef>
       </dsp:style>
       <dsp:txBody>
-        <a:bodyPr spcFirstLastPara="0" vert="horz" wrap="square" lIns="24130" tIns="24130" rIns="24130" bIns="24130" numCol="1" spcCol="1270" anchor="ctr" anchorCtr="0">
+        <a:bodyPr spcFirstLastPara="0" vert="horz" wrap="square" lIns="22860" tIns="22860" rIns="22860" bIns="22860" numCol="1" spcCol="1270" anchor="ctr" anchorCtr="0">
           <a:noAutofit/>
         </a:bodyPr>
         <a:lstStyle/>
         <a:p>
-          <a:pPr lvl="0" algn="ctr" defTabSz="844550">
+          <a:pPr lvl="0" algn="ctr" defTabSz="800100">
             <a:lnSpc>
               <a:spcPct val="90000"/>
             </a:lnSpc>
@@ -2928,14 +2949,14 @@
             </a:spcAft>
           </a:pPr>
           <a:r>
-            <a:rPr lang="en-US" sz="1900" b="1" kern="1200" dirty="0" smtClean="0">
+            <a:rPr lang="en-US" sz="1800" b="1" kern="1200" dirty="0" smtClean="0">
               <a:solidFill>
                 <a:srgbClr val="3C536F"/>
               </a:solidFill>
             </a:rPr>
             <a:t>user-friendly interface</a:t>
           </a:r>
-          <a:endParaRPr lang="en-US" sz="1900" b="1" kern="1200" dirty="0">
+          <a:endParaRPr lang="en-US" sz="1800" b="1" kern="1200" dirty="0">
             <a:solidFill>
               <a:srgbClr val="3C536F"/>
             </a:solidFill>
@@ -2987,12 +3008,12 @@
         </a:fontRef>
       </dsp:style>
       <dsp:txBody>
-        <a:bodyPr spcFirstLastPara="0" vert="horz" wrap="square" lIns="24130" tIns="24130" rIns="24130" bIns="24130" numCol="1" spcCol="1270" anchor="ctr" anchorCtr="0">
+        <a:bodyPr spcFirstLastPara="0" vert="horz" wrap="square" lIns="22860" tIns="22860" rIns="22860" bIns="22860" numCol="1" spcCol="1270" anchor="ctr" anchorCtr="0">
           <a:noAutofit/>
         </a:bodyPr>
         <a:lstStyle/>
         <a:p>
-          <a:pPr lvl="0" algn="ctr" defTabSz="844550">
+          <a:pPr lvl="0" algn="ctr" defTabSz="800100">
             <a:lnSpc>
               <a:spcPct val="90000"/>
             </a:lnSpc>
@@ -3004,14 +3025,22 @@
             </a:spcAft>
           </a:pPr>
           <a:r>
-            <a:rPr lang="en-US" sz="1900" b="1" kern="1200" dirty="0" smtClean="0">
+            <a:rPr lang="en-US" sz="1800" b="1" kern="1200" dirty="0" smtClean="0">
               <a:solidFill>
                 <a:srgbClr val="3C536F"/>
               </a:solidFill>
             </a:rPr>
-            <a:t>code available for study</a:t>
+            <a:t>code available for </a:t>
           </a:r>
-          <a:endParaRPr lang="en-US" sz="1900" b="1" kern="1200" dirty="0">
+          <a:r>
+            <a:rPr lang="en-US" sz="1800" b="1" kern="1200" dirty="0" smtClean="0">
+              <a:solidFill>
+                <a:srgbClr val="3C536F"/>
+              </a:solidFill>
+            </a:rPr>
+            <a:t>reuse</a:t>
+          </a:r>
+          <a:endParaRPr lang="en-US" sz="1800" b="1" kern="1200" dirty="0">
             <a:solidFill>
               <a:srgbClr val="3C536F"/>
             </a:solidFill>
@@ -3063,12 +3092,12 @@
         </a:fontRef>
       </dsp:style>
       <dsp:txBody>
-        <a:bodyPr spcFirstLastPara="0" vert="horz" wrap="square" lIns="24130" tIns="24130" rIns="24130" bIns="24130" numCol="1" spcCol="1270" anchor="ctr" anchorCtr="0">
+        <a:bodyPr spcFirstLastPara="0" vert="horz" wrap="square" lIns="22860" tIns="22860" rIns="22860" bIns="22860" numCol="1" spcCol="1270" anchor="ctr" anchorCtr="0">
           <a:noAutofit/>
         </a:bodyPr>
         <a:lstStyle/>
         <a:p>
-          <a:pPr lvl="0" algn="ctr" defTabSz="844550">
+          <a:pPr lvl="0" algn="ctr" defTabSz="800100">
             <a:lnSpc>
               <a:spcPct val="90000"/>
             </a:lnSpc>
@@ -3080,15 +3109,15 @@
             </a:spcAft>
           </a:pPr>
           <a:r>
-            <a:rPr lang="en-US" sz="1900" b="1" kern="1200" dirty="0" smtClean="0">
+            <a:rPr lang="en-US" sz="1800" b="1" kern="1200" dirty="0" smtClean="0">
               <a:solidFill>
                 <a:srgbClr val="3C536F"/>
               </a:solidFill>
             </a:rPr>
-            <a:t>privacy by registration with </a:t>
+            <a:t>latest industry-standard authentication with </a:t>
           </a:r>
           <a:r>
-            <a:rPr lang="en-US" sz="1900" b="1" kern="1200" dirty="0" err="1" smtClean="0">
+            <a:rPr lang="en-US" sz="1800" b="1" kern="1200" dirty="0" err="1" smtClean="0">
               <a:solidFill>
                 <a:srgbClr val="3C536F"/>
               </a:solidFill>
@@ -3096,14 +3125,14 @@
             <a:t>OpenID</a:t>
           </a:r>
           <a:r>
-            <a:rPr lang="en-US" sz="1900" b="1" kern="1200" dirty="0" smtClean="0">
+            <a:rPr lang="en-US" sz="1800" b="1" kern="1200" dirty="0" smtClean="0">
               <a:solidFill>
                 <a:srgbClr val="3C536F"/>
               </a:solidFill>
             </a:rPr>
             <a:t> Connect</a:t>
           </a:r>
-          <a:endParaRPr lang="en-US" sz="1900" b="1" kern="1200" dirty="0">
+          <a:endParaRPr lang="en-US" sz="1800" b="1" kern="1200" dirty="0">
             <a:solidFill>
               <a:srgbClr val="3C536F"/>
             </a:solidFill>
@@ -3155,12 +3184,12 @@
         </a:fontRef>
       </dsp:style>
       <dsp:txBody>
-        <a:bodyPr spcFirstLastPara="0" vert="horz" wrap="square" lIns="24130" tIns="24130" rIns="24130" bIns="24130" numCol="1" spcCol="1270" anchor="ctr" anchorCtr="0">
+        <a:bodyPr spcFirstLastPara="0" vert="horz" wrap="square" lIns="22860" tIns="22860" rIns="22860" bIns="22860" numCol="1" spcCol="1270" anchor="ctr" anchorCtr="0">
           <a:noAutofit/>
         </a:bodyPr>
         <a:lstStyle/>
         <a:p>
-          <a:pPr lvl="0" algn="ctr" defTabSz="844550">
+          <a:pPr lvl="0" algn="ctr" defTabSz="800100">
             <a:lnSpc>
               <a:spcPct val="90000"/>
             </a:lnSpc>
@@ -3172,14 +3201,14 @@
             </a:spcAft>
           </a:pPr>
           <a:r>
-            <a:rPr lang="en-US" sz="1900" b="1" kern="1200" dirty="0" smtClean="0">
+            <a:rPr lang="en-US" sz="1800" b="1" kern="1200" dirty="0" smtClean="0">
               <a:solidFill>
                 <a:srgbClr val="3C536F"/>
               </a:solidFill>
             </a:rPr>
-            <a:t>responsive web design</a:t>
+            <a:t>Responsive Web Design</a:t>
           </a:r>
-          <a:endParaRPr lang="en-US" sz="1900" b="1" kern="1200" dirty="0">
+          <a:endParaRPr lang="en-US" sz="1800" b="1" kern="1200" dirty="0">
             <a:solidFill>
               <a:srgbClr val="3C536F"/>
             </a:solidFill>
@@ -3957,7 +3986,15 @@
                 <a:schemeClr val="tx1"/>
               </a:solidFill>
             </a:rPr>
-            <a:t>Integration with other services like ADAC etc.</a:t>
+            <a:t>Integration with other </a:t>
+          </a:r>
+          <a:r>
+            <a:rPr lang="en-US" sz="2000" b="0" kern="1200" dirty="0" smtClean="0">
+              <a:solidFill>
+                <a:schemeClr val="tx1"/>
+              </a:solidFill>
+            </a:rPr>
+            <a:t>services like IRC </a:t>
           </a:r>
           <a:endParaRPr lang="en-US" sz="2000" b="0" kern="1200" dirty="0">
             <a:solidFill>
@@ -12589,17 +12626,22 @@
         </p:spPr>
         <p:txBody>
           <a:bodyPr>
-            <a:normAutofit fontScale="90000"/>
+            <a:normAutofit/>
           </a:bodyPr>
           <a:lstStyle/>
           <a:p>
+            <a:pPr>
+              <a:lnSpc>
+                <a:spcPts val="4500"/>
+              </a:lnSpc>
+            </a:pPr>
             <a:r>
               <a:rPr lang="en-US" sz="5600" b="1" dirty="0" err="1" smtClean="0">
                 <a:solidFill>
                   <a:srgbClr val="F9A703"/>
                 </a:solidFill>
               </a:rPr>
-              <a:t>EasyChat</a:t>
+              <a:t>FamcyChat</a:t>
             </a:r>
             <a:r>
               <a:rPr lang="en-US" dirty="0" smtClean="0"/>
@@ -12772,7 +12814,7 @@
           </a:prstGeom>
           <a:solidFill>
             <a:schemeClr val="bg2">
-              <a:lumMod val="75000"/>
+              <a:lumMod val="50000"/>
             </a:schemeClr>
           </a:solidFill>
           <a:ln>
@@ -12801,71 +12843,79 @@
           <a:p>
             <a:pPr algn="r"/>
             <a:r>
-              <a:rPr lang="de-DE" b="1" dirty="0" err="1" smtClean="0"/>
-              <a:t>Product</a:t>
+              <a:rPr lang="de-DE" b="1" dirty="0" smtClean="0"/>
+              <a:t>Development Team: </a:t>
             </a:r>
             <a:r>
               <a:rPr lang="de-DE" b="1" dirty="0" smtClean="0"/>
-              <a:t> Developers: Marco Dung, Christoph Krämer, Ying Li  </a:t>
+              <a:t>Marco Dung, Christoph Krämer, Ying Li  </a:t>
             </a:r>
           </a:p>
           <a:p>
             <a:pPr algn="r"/>
             <a:r>
-              <a:rPr lang="de-DE" b="1" dirty="0" smtClean="0"/>
-              <a:t>Software Lab: </a:t>
+              <a:rPr lang="en-US" b="1" dirty="0" smtClean="0"/>
+              <a:t>06.02.2015</a:t>
+            </a:r>
+            <a:r>
+              <a:rPr lang="en-US" b="1" dirty="0" smtClean="0"/>
+              <a:t>, </a:t>
             </a:r>
             <a:r>
               <a:rPr lang="de-DE" b="1" dirty="0"/>
-              <a:t>Unternehmensgründung </a:t>
+              <a:t>RWTH </a:t>
             </a:r>
             <a:r>
               <a:rPr lang="de-DE" b="1" dirty="0" smtClean="0"/>
-              <a:t>&amp; Neue Medien</a:t>
-            </a:r>
-          </a:p>
-          <a:p>
-            <a:pPr algn="r"/>
-            <a:r>
-              <a:rPr lang="en-US" b="1" dirty="0" smtClean="0"/>
-              <a:t>Supervision: Dominik </a:t>
-            </a:r>
-            <a:r>
-              <a:rPr lang="en-US" b="1" dirty="0" err="1" smtClean="0"/>
-              <a:t>Renzel</a:t>
-            </a:r>
-            <a:r>
-              <a:rPr lang="en-US" b="1" dirty="0"/>
-              <a:t> &amp; </a:t>
-            </a:r>
-            <a:r>
-              <a:rPr lang="en-US" b="1" dirty="0" err="1"/>
-              <a:t>Petru</a:t>
-            </a:r>
-            <a:r>
-              <a:rPr lang="en-US" b="1" dirty="0"/>
-              <a:t> </a:t>
-            </a:r>
-            <a:r>
-              <a:rPr lang="en-US" b="1" dirty="0" smtClean="0"/>
-              <a:t>Nicolaescu</a:t>
-            </a:r>
-          </a:p>
-          <a:p>
-            <a:pPr algn="r"/>
-            <a:r>
-              <a:rPr lang="en-US" b="1" dirty="0" smtClean="0"/>
-              <a:t>06.02.2015, </a:t>
-            </a:r>
-            <a:r>
-              <a:rPr lang="de-DE" b="1" dirty="0" smtClean="0"/>
-              <a:t>RWTH Aachen</a:t>
-            </a:r>
-            <a:r>
-              <a:rPr lang="en-US" b="1" dirty="0" smtClean="0"/>
-              <a:t>  </a:t>
+              <a:t>Aachen University</a:t>
             </a:r>
             <a:endParaRPr lang="en-US" b="1" dirty="0"/>
+          </a:p>
+        </p:txBody>
+      </p:sp>
+      <p:sp>
+        <p:nvSpPr>
+          <p:cNvPr id="7" name="Rounded Rectangle 6"/>
+          <p:cNvSpPr/>
+          <p:nvPr/>
+        </p:nvSpPr>
+        <p:spPr>
+          <a:xfrm>
+            <a:off x="2483232" y="2665230"/>
+            <a:ext cx="4681056" cy="2779994"/>
+          </a:xfrm>
+          <a:prstGeom prst="roundRect">
+            <a:avLst/>
+          </a:prstGeom>
+          <a:solidFill>
+            <a:srgbClr val="3C536F"/>
+          </a:solidFill>
+          <a:ln>
+            <a:noFill/>
+          </a:ln>
+        </p:spPr>
+        <p:style>
+          <a:lnRef idx="2">
+            <a:schemeClr val="accent1">
+              <a:shade val="50000"/>
+            </a:schemeClr>
+          </a:lnRef>
+          <a:fillRef idx="1">
+            <a:schemeClr val="accent1"/>
+          </a:fillRef>
+          <a:effectRef idx="0">
+            <a:schemeClr val="accent1"/>
+          </a:effectRef>
+          <a:fontRef idx="minor">
+            <a:schemeClr val="lt1"/>
+          </a:fontRef>
+        </p:style>
+        <p:txBody>
+          <a:bodyPr rtlCol="0" anchor="ctr"/>
+          <a:lstStyle/>
+          <a:p>
+            <a:pPr algn="ctr"/>
+            <a:endParaRPr lang="en-US"/>
           </a:p>
         </p:txBody>
       </p:sp>
@@ -12877,8 +12927,8 @@
         </p:nvSpPr>
         <p:spPr>
           <a:xfrm>
-            <a:off x="2666008" y="2733438"/>
-            <a:ext cx="4320480" cy="2635586"/>
+            <a:off x="2666008" y="2809638"/>
+            <a:ext cx="4320480" cy="2495762"/>
           </a:xfrm>
           <a:prstGeom prst="roundRect">
             <a:avLst/>
@@ -12943,7 +12993,7 @@
         </p:blipFill>
         <p:spPr bwMode="auto">
           <a:xfrm>
-            <a:off x="3059832" y="2809638"/>
+            <a:off x="3059832" y="2840118"/>
             <a:ext cx="3600400" cy="2419562"/>
           </a:xfrm>
           <a:prstGeom prst="rect">
@@ -13023,109 +13073,14 @@
         </p:nvSpPr>
         <p:spPr/>
         <p:txBody>
-          <a:bodyPr/>
+          <a:bodyPr>
+            <a:normAutofit/>
+          </a:bodyPr>
           <a:lstStyle/>
           <a:p>
-            <a:r>
-              <a:rPr lang="en-US" dirty="0" smtClean="0"/>
-              <a:t>Agenda</a:t>
-            </a:r>
-            <a:endParaRPr lang="en-US" dirty="0"/>
-          </a:p>
-        </p:txBody>
-      </p:sp>
-      <p:sp>
-        <p:nvSpPr>
-          <p:cNvPr id="3" name="Content Placeholder 2"/>
-          <p:cNvSpPr>
-            <a:spLocks noGrp="1"/>
-          </p:cNvSpPr>
-          <p:nvPr>
-            <p:ph idx="1"/>
-          </p:nvPr>
-        </p:nvSpPr>
-        <p:spPr/>
-        <p:txBody>
-          <a:bodyPr/>
-          <a:lstStyle/>
-          <a:p>
-            <a:pPr>
-              <a:spcAft>
-                <a:spcPts val="300"/>
-              </a:spcAft>
-              <a:buClr>
-                <a:srgbClr val="F9A703"/>
-              </a:buClr>
-              <a:buFont typeface="Wingdings" panose="05000000000000000000" pitchFamily="2" charset="2"/>
-              <a:buChar char="§"/>
-            </a:pPr>
             <a:r>
               <a:rPr lang="en-US" dirty="0" smtClean="0"/>
               <a:t>Product Features</a:t>
-            </a:r>
-          </a:p>
-          <a:p>
-            <a:pPr>
-              <a:spcAft>
-                <a:spcPts val="300"/>
-              </a:spcAft>
-              <a:buClr>
-                <a:srgbClr val="F9A703"/>
-              </a:buClr>
-              <a:buFont typeface="Wingdings" panose="05000000000000000000" pitchFamily="2" charset="2"/>
-              <a:buChar char="§"/>
-            </a:pPr>
-            <a:r>
-              <a:rPr lang="en-US" dirty="0" smtClean="0"/>
-              <a:t>Target User</a:t>
-            </a:r>
-          </a:p>
-          <a:p>
-            <a:pPr>
-              <a:spcAft>
-                <a:spcPts val="300"/>
-              </a:spcAft>
-              <a:buClr>
-                <a:srgbClr val="F9A703"/>
-              </a:buClr>
-              <a:buFont typeface="Wingdings" panose="05000000000000000000" pitchFamily="2" charset="2"/>
-              <a:buChar char="§"/>
-            </a:pPr>
-            <a:r>
-              <a:rPr lang="en-US" dirty="0" smtClean="0"/>
-              <a:t>Advantages</a:t>
-            </a:r>
-          </a:p>
-          <a:p>
-            <a:pPr>
-              <a:spcAft>
-                <a:spcPts val="300"/>
-              </a:spcAft>
-              <a:buClr>
-                <a:srgbClr val="F9A703"/>
-              </a:buClr>
-              <a:buFont typeface="Wingdings" panose="05000000000000000000" pitchFamily="2" charset="2"/>
-              <a:buChar char="§"/>
-            </a:pPr>
-            <a:r>
-              <a:rPr lang="en-US" dirty="0" smtClean="0"/>
-              <a:t>Demo</a:t>
-            </a:r>
-          </a:p>
-          <a:p>
-            <a:pPr>
-              <a:spcAft>
-                <a:spcPts val="300"/>
-              </a:spcAft>
-              <a:buClr>
-                <a:srgbClr val="F9A703"/>
-              </a:buClr>
-              <a:buFont typeface="Wingdings" panose="05000000000000000000" pitchFamily="2" charset="2"/>
-              <a:buChar char="§"/>
-            </a:pPr>
-            <a:r>
-              <a:rPr lang="en-US" dirty="0" smtClean="0"/>
-              <a:t>Further Enhancements</a:t>
             </a:r>
             <a:endParaRPr lang="en-US" dirty="0"/>
           </a:p>
@@ -13147,18 +13102,733 @@
           <a:lstStyle/>
           <a:p>
             <a:fld id="{639B228B-E4D6-40B8-B79B-9A0D26B7F84A}" type="slidenum">
-              <a:rPr lang="en-US" smtClean="0"/>
+              <a:rPr lang="en-US" sz="1800" smtClean="0"/>
               <a:pPr/>
               <a:t>2</a:t>
             </a:fld>
+            <a:endParaRPr lang="en-US" sz="1800" dirty="0"/>
+          </a:p>
+        </p:txBody>
+      </p:sp>
+      <p:sp>
+        <p:nvSpPr>
+          <p:cNvPr id="5" name="Rounded Rectangle 4"/>
+          <p:cNvSpPr/>
+          <p:nvPr/>
+        </p:nvSpPr>
+        <p:spPr>
+          <a:xfrm>
+            <a:off x="1259632" y="1628800"/>
+            <a:ext cx="2880320" cy="1584176"/>
+          </a:xfrm>
+          <a:prstGeom prst="roundRect">
+            <a:avLst/>
+          </a:prstGeom>
+          <a:pattFill prst="pct5">
+            <a:fgClr>
+              <a:srgbClr val="F9A703"/>
+            </a:fgClr>
+            <a:bgClr>
+              <a:schemeClr val="bg1"/>
+            </a:bgClr>
+          </a:pattFill>
+          <a:ln w="50800">
+            <a:solidFill>
+              <a:srgbClr val="F9A703"/>
+            </a:solidFill>
+          </a:ln>
+        </p:spPr>
+        <p:style>
+          <a:lnRef idx="2">
+            <a:schemeClr val="accent1">
+              <a:shade val="50000"/>
+            </a:schemeClr>
+          </a:lnRef>
+          <a:fillRef idx="1">
+            <a:schemeClr val="accent1"/>
+          </a:fillRef>
+          <a:effectRef idx="0">
+            <a:schemeClr val="accent1"/>
+          </a:effectRef>
+          <a:fontRef idx="minor">
+            <a:schemeClr val="lt1"/>
+          </a:fontRef>
+        </p:style>
+        <p:txBody>
+          <a:bodyPr rtlCol="0" anchor="ctr"/>
+          <a:lstStyle/>
+          <a:p>
+            <a:endParaRPr lang="en-US" b="1" dirty="0">
+              <a:solidFill>
+                <a:schemeClr val="accent2"/>
+              </a:solidFill>
+            </a:endParaRPr>
+          </a:p>
+        </p:txBody>
+      </p:sp>
+      <p:sp>
+        <p:nvSpPr>
+          <p:cNvPr id="6" name="Rounded Rectangle 5"/>
+          <p:cNvSpPr/>
+          <p:nvPr/>
+        </p:nvSpPr>
+        <p:spPr>
+          <a:xfrm>
+            <a:off x="4644008" y="1628800"/>
+            <a:ext cx="2880320" cy="1584176"/>
+          </a:xfrm>
+          <a:prstGeom prst="roundRect">
+            <a:avLst/>
+          </a:prstGeom>
+          <a:pattFill prst="pct5">
+            <a:fgClr>
+              <a:srgbClr val="F9A703"/>
+            </a:fgClr>
+            <a:bgClr>
+              <a:schemeClr val="bg1"/>
+            </a:bgClr>
+          </a:pattFill>
+          <a:ln w="50800">
+            <a:solidFill>
+              <a:srgbClr val="F9A703"/>
+            </a:solidFill>
+          </a:ln>
+        </p:spPr>
+        <p:style>
+          <a:lnRef idx="2">
+            <a:schemeClr val="accent1">
+              <a:shade val="50000"/>
+            </a:schemeClr>
+          </a:lnRef>
+          <a:fillRef idx="1">
+            <a:schemeClr val="accent1"/>
+          </a:fillRef>
+          <a:effectRef idx="0">
+            <a:schemeClr val="accent1"/>
+          </a:effectRef>
+          <a:fontRef idx="minor">
+            <a:schemeClr val="lt1"/>
+          </a:fontRef>
+        </p:style>
+        <p:txBody>
+          <a:bodyPr rtlCol="0" anchor="ctr"/>
+          <a:lstStyle/>
+          <a:p>
+            <a:endParaRPr lang="en-US" b="1">
+              <a:solidFill>
+                <a:schemeClr val="accent2"/>
+              </a:solidFill>
+            </a:endParaRPr>
+          </a:p>
+        </p:txBody>
+      </p:sp>
+      <p:sp>
+        <p:nvSpPr>
+          <p:cNvPr id="7" name="Rounded Rectangle 6"/>
+          <p:cNvSpPr/>
+          <p:nvPr/>
+        </p:nvSpPr>
+        <p:spPr>
+          <a:xfrm>
+            <a:off x="1283271" y="4136132"/>
+            <a:ext cx="2880320" cy="1584176"/>
+          </a:xfrm>
+          <a:prstGeom prst="roundRect">
+            <a:avLst/>
+          </a:prstGeom>
+          <a:pattFill prst="pct5">
+            <a:fgClr>
+              <a:srgbClr val="F9A703"/>
+            </a:fgClr>
+            <a:bgClr>
+              <a:schemeClr val="bg1"/>
+            </a:bgClr>
+          </a:pattFill>
+          <a:ln w="50800">
+            <a:solidFill>
+              <a:srgbClr val="F9A703"/>
+            </a:solidFill>
+          </a:ln>
+        </p:spPr>
+        <p:style>
+          <a:lnRef idx="2">
+            <a:schemeClr val="accent1">
+              <a:shade val="50000"/>
+            </a:schemeClr>
+          </a:lnRef>
+          <a:fillRef idx="1">
+            <a:schemeClr val="accent1"/>
+          </a:fillRef>
+          <a:effectRef idx="0">
+            <a:schemeClr val="accent1"/>
+          </a:effectRef>
+          <a:fontRef idx="minor">
+            <a:schemeClr val="lt1"/>
+          </a:fontRef>
+        </p:style>
+        <p:txBody>
+          <a:bodyPr rtlCol="0" anchor="ctr"/>
+          <a:lstStyle/>
+          <a:p>
+            <a:endParaRPr lang="en-US" b="1">
+              <a:solidFill>
+                <a:schemeClr val="accent2"/>
+              </a:solidFill>
+            </a:endParaRPr>
+          </a:p>
+        </p:txBody>
+      </p:sp>
+      <p:sp>
+        <p:nvSpPr>
+          <p:cNvPr id="8" name="Rounded Rectangle 7"/>
+          <p:cNvSpPr/>
+          <p:nvPr/>
+        </p:nvSpPr>
+        <p:spPr>
+          <a:xfrm>
+            <a:off x="4667647" y="4136132"/>
+            <a:ext cx="2880320" cy="1584176"/>
+          </a:xfrm>
+          <a:prstGeom prst="roundRect">
+            <a:avLst/>
+          </a:prstGeom>
+          <a:pattFill prst="pct5">
+            <a:fgClr>
+              <a:srgbClr val="F9A703"/>
+            </a:fgClr>
+            <a:bgClr>
+              <a:schemeClr val="bg1"/>
+            </a:bgClr>
+          </a:pattFill>
+          <a:ln w="50800">
+            <a:solidFill>
+              <a:srgbClr val="F9A703"/>
+            </a:solidFill>
+          </a:ln>
+        </p:spPr>
+        <p:style>
+          <a:lnRef idx="2">
+            <a:schemeClr val="accent1">
+              <a:shade val="50000"/>
+            </a:schemeClr>
+          </a:lnRef>
+          <a:fillRef idx="1">
+            <a:schemeClr val="accent1"/>
+          </a:fillRef>
+          <a:effectRef idx="0">
+            <a:schemeClr val="accent1"/>
+          </a:effectRef>
+          <a:fontRef idx="minor">
+            <a:schemeClr val="lt1"/>
+          </a:fontRef>
+        </p:style>
+        <p:txBody>
+          <a:bodyPr rtlCol="0" anchor="ctr"/>
+          <a:lstStyle/>
+          <a:p>
+            <a:endParaRPr lang="en-US" b="1">
+              <a:solidFill>
+                <a:schemeClr val="accent2"/>
+              </a:solidFill>
+            </a:endParaRPr>
+          </a:p>
+        </p:txBody>
+      </p:sp>
+      <p:sp>
+        <p:nvSpPr>
+          <p:cNvPr id="10" name="TextBox 9"/>
+          <p:cNvSpPr txBox="1"/>
+          <p:nvPr/>
+        </p:nvSpPr>
+        <p:spPr>
+          <a:xfrm>
+            <a:off x="1475656" y="1628800"/>
+            <a:ext cx="2144113" cy="1477328"/>
+          </a:xfrm>
+          <a:prstGeom prst="rect">
+            <a:avLst/>
+          </a:prstGeom>
+          <a:noFill/>
+        </p:spPr>
+        <p:txBody>
+          <a:bodyPr wrap="none" rtlCol="0">
+            <a:spAutoFit/>
+          </a:bodyPr>
+          <a:lstStyle/>
+          <a:p>
+            <a:r>
+              <a:rPr lang="en-US" b="1" dirty="0" smtClean="0"/>
+              <a:t>Profile Management</a:t>
+            </a:r>
+          </a:p>
+          <a:p>
+            <a:pPr marL="285750" indent="-285750">
+              <a:buClr>
+                <a:srgbClr val="F9A703"/>
+              </a:buClr>
+              <a:buFont typeface="Wingdings" panose="05000000000000000000" pitchFamily="2" charset="2"/>
+              <a:buChar char="§"/>
+            </a:pPr>
+            <a:r>
+              <a:rPr lang="de-DE" dirty="0" smtClean="0"/>
+              <a:t>update </a:t>
+            </a:r>
+            <a:r>
+              <a:rPr lang="de-DE" dirty="0" err="1" smtClean="0"/>
+              <a:t>profile</a:t>
+            </a:r>
+            <a:endParaRPr lang="de-DE" dirty="0" smtClean="0"/>
+          </a:p>
+          <a:p>
+            <a:pPr marL="285750" indent="-285750">
+              <a:buClr>
+                <a:srgbClr val="F9A703"/>
+              </a:buClr>
+              <a:buFont typeface="Wingdings" panose="05000000000000000000" pitchFamily="2" charset="2"/>
+              <a:buChar char="§"/>
+            </a:pPr>
+            <a:r>
+              <a:rPr lang="de-DE" dirty="0" err="1" smtClean="0"/>
+              <a:t>picture</a:t>
+            </a:r>
+            <a:r>
+              <a:rPr lang="de-DE" dirty="0" smtClean="0"/>
+              <a:t> link</a:t>
+            </a:r>
+          </a:p>
+          <a:p>
+            <a:pPr marL="285750" indent="-285750">
+              <a:buClr>
+                <a:srgbClr val="F9A703"/>
+              </a:buClr>
+              <a:buFont typeface="Wingdings" panose="05000000000000000000" pitchFamily="2" charset="2"/>
+              <a:buChar char="§"/>
+            </a:pPr>
+            <a:r>
+              <a:rPr lang="de-DE" dirty="0" err="1" smtClean="0"/>
+              <a:t>visibility</a:t>
+            </a:r>
+            <a:endParaRPr lang="de-DE" dirty="0" smtClean="0"/>
+          </a:p>
+          <a:p>
             <a:endParaRPr lang="en-US" dirty="0"/>
+          </a:p>
+        </p:txBody>
+      </p:sp>
+      <p:sp>
+        <p:nvSpPr>
+          <p:cNvPr id="11" name="TextBox 10"/>
+          <p:cNvSpPr txBox="1"/>
+          <p:nvPr/>
+        </p:nvSpPr>
+        <p:spPr>
+          <a:xfrm>
+            <a:off x="5056726" y="1628800"/>
+            <a:ext cx="2413931" cy="1477328"/>
+          </a:xfrm>
+          <a:prstGeom prst="rect">
+            <a:avLst/>
+          </a:prstGeom>
+          <a:noFill/>
+        </p:spPr>
+        <p:txBody>
+          <a:bodyPr wrap="none" rtlCol="0">
+            <a:spAutoFit/>
+          </a:bodyPr>
+          <a:lstStyle/>
+          <a:p>
+            <a:r>
+              <a:rPr lang="en-US" b="1" dirty="0" smtClean="0"/>
+              <a:t>Contact Management</a:t>
+            </a:r>
+          </a:p>
+          <a:p>
+            <a:pPr marL="285750" indent="-285750">
+              <a:buClr>
+                <a:srgbClr val="F9A703"/>
+              </a:buClr>
+              <a:buFont typeface="Wingdings" panose="05000000000000000000" pitchFamily="2" charset="2"/>
+              <a:buChar char="§"/>
+            </a:pPr>
+            <a:r>
+              <a:rPr lang="de-DE" dirty="0" err="1" smtClean="0"/>
+              <a:t>add</a:t>
+            </a:r>
+            <a:r>
+              <a:rPr lang="de-DE" dirty="0" smtClean="0"/>
+              <a:t> </a:t>
+            </a:r>
+            <a:r>
+              <a:rPr lang="de-DE" dirty="0" err="1" smtClean="0"/>
+              <a:t>contacts</a:t>
+            </a:r>
+            <a:endParaRPr lang="de-DE" dirty="0" smtClean="0"/>
+          </a:p>
+          <a:p>
+            <a:pPr marL="285750" indent="-285750">
+              <a:buClr>
+                <a:srgbClr val="F9A703"/>
+              </a:buClr>
+              <a:buFont typeface="Wingdings" panose="05000000000000000000" pitchFamily="2" charset="2"/>
+              <a:buChar char="§"/>
+            </a:pPr>
+            <a:r>
+              <a:rPr lang="de-DE" dirty="0" err="1" smtClean="0"/>
+              <a:t>delete</a:t>
+            </a:r>
+            <a:r>
+              <a:rPr lang="de-DE" dirty="0" smtClean="0"/>
+              <a:t> </a:t>
+            </a:r>
+            <a:r>
+              <a:rPr lang="de-DE" dirty="0" err="1" smtClean="0"/>
+              <a:t>contacts</a:t>
+            </a:r>
+            <a:endParaRPr lang="de-DE" dirty="0" smtClean="0"/>
+          </a:p>
+          <a:p>
+            <a:pPr marL="285750" indent="-285750">
+              <a:buClr>
+                <a:srgbClr val="F9A703"/>
+              </a:buClr>
+              <a:buFont typeface="Wingdings" panose="05000000000000000000" pitchFamily="2" charset="2"/>
+              <a:buChar char="§"/>
+            </a:pPr>
+            <a:r>
+              <a:rPr lang="de-DE" dirty="0" err="1" smtClean="0"/>
+              <a:t>view</a:t>
+            </a:r>
+            <a:r>
+              <a:rPr lang="de-DE" dirty="0" smtClean="0"/>
+              <a:t> </a:t>
+            </a:r>
+            <a:r>
+              <a:rPr lang="de-DE" dirty="0" err="1" smtClean="0"/>
+              <a:t>contact</a:t>
+            </a:r>
+            <a:r>
+              <a:rPr lang="de-DE" dirty="0" smtClean="0"/>
+              <a:t> </a:t>
+            </a:r>
+            <a:r>
+              <a:rPr lang="de-DE" dirty="0" err="1" smtClean="0"/>
+              <a:t>profiles</a:t>
+            </a:r>
+            <a:endParaRPr lang="en-US" dirty="0" smtClean="0"/>
+          </a:p>
+          <a:p>
+            <a:endParaRPr lang="en-US" dirty="0"/>
+          </a:p>
+        </p:txBody>
+      </p:sp>
+      <p:sp>
+        <p:nvSpPr>
+          <p:cNvPr id="12" name="TextBox 11"/>
+          <p:cNvSpPr txBox="1"/>
+          <p:nvPr/>
+        </p:nvSpPr>
+        <p:spPr>
+          <a:xfrm>
+            <a:off x="1331640" y="4365104"/>
+            <a:ext cx="2757422" cy="1754326"/>
+          </a:xfrm>
+          <a:prstGeom prst="rect">
+            <a:avLst/>
+          </a:prstGeom>
+          <a:noFill/>
+        </p:spPr>
+        <p:txBody>
+          <a:bodyPr wrap="none" rtlCol="0">
+            <a:spAutoFit/>
+          </a:bodyPr>
+          <a:lstStyle/>
+          <a:p>
+            <a:r>
+              <a:rPr lang="en-US" b="1" dirty="0" smtClean="0"/>
+              <a:t>Request Management</a:t>
+            </a:r>
+          </a:p>
+          <a:p>
+            <a:pPr marL="285750" indent="-285750">
+              <a:buClr>
+                <a:srgbClr val="F9A703"/>
+              </a:buClr>
+              <a:buFont typeface="Wingdings" panose="05000000000000000000" pitchFamily="2" charset="2"/>
+              <a:buChar char="§"/>
+            </a:pPr>
+            <a:r>
+              <a:rPr lang="de-DE" dirty="0" smtClean="0"/>
+              <a:t>send </a:t>
+            </a:r>
+            <a:r>
+              <a:rPr lang="de-DE" dirty="0" err="1" smtClean="0"/>
+              <a:t>contact</a:t>
+            </a:r>
+            <a:r>
+              <a:rPr lang="de-DE" dirty="0" smtClean="0"/>
+              <a:t> </a:t>
+            </a:r>
+            <a:r>
+              <a:rPr lang="de-DE" dirty="0" err="1" smtClean="0"/>
+              <a:t>requests</a:t>
+            </a:r>
+            <a:endParaRPr lang="de-DE" dirty="0" smtClean="0"/>
+          </a:p>
+          <a:p>
+            <a:pPr marL="285750" indent="-285750">
+              <a:buClr>
+                <a:srgbClr val="F9A703"/>
+              </a:buClr>
+              <a:buFont typeface="Wingdings" panose="05000000000000000000" pitchFamily="2" charset="2"/>
+              <a:buChar char="§"/>
+            </a:pPr>
+            <a:r>
+              <a:rPr lang="de-DE" dirty="0" err="1" smtClean="0"/>
+              <a:t>receive</a:t>
+            </a:r>
+            <a:r>
+              <a:rPr lang="de-DE" dirty="0" smtClean="0"/>
+              <a:t> </a:t>
+            </a:r>
+            <a:r>
+              <a:rPr lang="de-DE" dirty="0" err="1" smtClean="0"/>
+              <a:t>contact</a:t>
+            </a:r>
+            <a:r>
+              <a:rPr lang="de-DE" dirty="0" smtClean="0"/>
+              <a:t> </a:t>
+            </a:r>
+            <a:r>
+              <a:rPr lang="de-DE" dirty="0" err="1" smtClean="0"/>
+              <a:t>requests</a:t>
+            </a:r>
+            <a:endParaRPr lang="de-DE" dirty="0" smtClean="0"/>
+          </a:p>
+          <a:p>
+            <a:pPr marL="285750" indent="-285750">
+              <a:buClr>
+                <a:srgbClr val="F9A703"/>
+              </a:buClr>
+              <a:buFont typeface="Wingdings" panose="05000000000000000000" pitchFamily="2" charset="2"/>
+              <a:buChar char="§"/>
+            </a:pPr>
+            <a:r>
+              <a:rPr lang="de-DE" dirty="0" err="1" smtClean="0"/>
+              <a:t>request</a:t>
+            </a:r>
+            <a:r>
+              <a:rPr lang="de-DE" dirty="0" smtClean="0"/>
+              <a:t> </a:t>
+            </a:r>
+            <a:r>
+              <a:rPr lang="de-DE" dirty="0" err="1" smtClean="0"/>
+              <a:t>overview</a:t>
+            </a:r>
+            <a:endParaRPr lang="en-US" dirty="0" smtClean="0"/>
+          </a:p>
+          <a:p>
+            <a:endParaRPr lang="en-US" dirty="0" smtClean="0"/>
+          </a:p>
+          <a:p>
+            <a:endParaRPr lang="en-US" dirty="0"/>
+          </a:p>
+        </p:txBody>
+      </p:sp>
+      <p:sp>
+        <p:nvSpPr>
+          <p:cNvPr id="13" name="TextBox 12"/>
+          <p:cNvSpPr txBox="1"/>
+          <p:nvPr/>
+        </p:nvSpPr>
+        <p:spPr>
+          <a:xfrm>
+            <a:off x="4735761" y="4360912"/>
+            <a:ext cx="2827249" cy="1477328"/>
+          </a:xfrm>
+          <a:prstGeom prst="rect">
+            <a:avLst/>
+          </a:prstGeom>
+          <a:noFill/>
+        </p:spPr>
+        <p:txBody>
+          <a:bodyPr wrap="none" rtlCol="0">
+            <a:spAutoFit/>
+          </a:bodyPr>
+          <a:lstStyle/>
+          <a:p>
+            <a:r>
+              <a:rPr lang="en-US" b="1" dirty="0" smtClean="0"/>
+              <a:t>Message Management</a:t>
+            </a:r>
+          </a:p>
+          <a:p>
+            <a:pPr marL="285750" indent="-285750">
+              <a:buClr>
+                <a:srgbClr val="F9A703"/>
+              </a:buClr>
+              <a:buFont typeface="Wingdings" panose="05000000000000000000" pitchFamily="2" charset="2"/>
+              <a:buChar char="§"/>
+            </a:pPr>
+            <a:r>
+              <a:rPr lang="de-DE" dirty="0" err="1" smtClean="0"/>
+              <a:t>messages</a:t>
+            </a:r>
+            <a:r>
+              <a:rPr lang="de-DE" dirty="0" smtClean="0"/>
+              <a:t> </a:t>
+            </a:r>
+            <a:r>
+              <a:rPr lang="de-DE" dirty="0" err="1"/>
+              <a:t>to</a:t>
+            </a:r>
+            <a:r>
+              <a:rPr lang="de-DE" dirty="0"/>
+              <a:t> offline </a:t>
+            </a:r>
+            <a:r>
+              <a:rPr lang="de-DE" dirty="0" err="1"/>
+              <a:t>users</a:t>
+            </a:r>
+            <a:endParaRPr lang="de-DE" dirty="0"/>
+          </a:p>
+          <a:p>
+            <a:pPr marL="285750" indent="-285750">
+              <a:buClr>
+                <a:srgbClr val="F9A703"/>
+              </a:buClr>
+              <a:buFont typeface="Wingdings" panose="05000000000000000000" pitchFamily="2" charset="2"/>
+              <a:buChar char="§"/>
+            </a:pPr>
+            <a:r>
+              <a:rPr lang="de-DE" dirty="0" err="1"/>
+              <a:t>chat</a:t>
+            </a:r>
+            <a:r>
+              <a:rPr lang="de-DE" dirty="0"/>
+              <a:t> </a:t>
+            </a:r>
+            <a:r>
+              <a:rPr lang="de-DE" dirty="0" err="1"/>
+              <a:t>history</a:t>
+            </a:r>
+            <a:endParaRPr lang="de-DE" dirty="0"/>
+          </a:p>
+          <a:p>
+            <a:pPr marL="285750" indent="-285750">
+              <a:buClr>
+                <a:srgbClr val="F9A703"/>
+              </a:buClr>
+              <a:buFont typeface="Wingdings" panose="05000000000000000000" pitchFamily="2" charset="2"/>
+              <a:buChar char="§"/>
+            </a:pPr>
+            <a:r>
+              <a:rPr lang="de-DE" dirty="0"/>
+              <a:t>funny </a:t>
+            </a:r>
+            <a:r>
+              <a:rPr lang="de-DE" dirty="0" err="1"/>
+              <a:t>icons</a:t>
+            </a:r>
+            <a:endParaRPr lang="de-DE" dirty="0"/>
+          </a:p>
+          <a:p>
+            <a:endParaRPr lang="en-US" dirty="0"/>
+          </a:p>
+        </p:txBody>
+      </p:sp>
+      <p:sp>
+        <p:nvSpPr>
+          <p:cNvPr id="9" name="Rounded Rectangle 8"/>
+          <p:cNvSpPr/>
+          <p:nvPr/>
+        </p:nvSpPr>
+        <p:spPr>
+          <a:xfrm>
+            <a:off x="2939455" y="2824361"/>
+            <a:ext cx="2880320" cy="1584176"/>
+          </a:xfrm>
+          <a:prstGeom prst="roundRect">
+            <a:avLst/>
+          </a:prstGeom>
+          <a:solidFill>
+            <a:srgbClr val="3C536F"/>
+          </a:solidFill>
+          <a:ln w="50800">
+            <a:noFill/>
+          </a:ln>
+        </p:spPr>
+        <p:style>
+          <a:lnRef idx="2">
+            <a:schemeClr val="accent1">
+              <a:shade val="50000"/>
+            </a:schemeClr>
+          </a:lnRef>
+          <a:fillRef idx="1">
+            <a:schemeClr val="accent1"/>
+          </a:fillRef>
+          <a:effectRef idx="0">
+            <a:schemeClr val="accent1"/>
+          </a:effectRef>
+          <a:fontRef idx="minor">
+            <a:schemeClr val="lt1"/>
+          </a:fontRef>
+        </p:style>
+        <p:txBody>
+          <a:bodyPr rtlCol="0" anchor="ctr"/>
+          <a:lstStyle/>
+          <a:p>
+            <a:pPr lvl="0"/>
+            <a:r>
+              <a:rPr lang="en-US" b="1" dirty="0" smtClean="0">
+                <a:solidFill>
+                  <a:schemeClr val="bg1"/>
+                </a:solidFill>
+              </a:rPr>
+              <a:t>Mission</a:t>
+            </a:r>
+          </a:p>
+          <a:p>
+            <a:pPr lvl="0">
+              <a:buClr>
+                <a:srgbClr val="3C536F"/>
+              </a:buClr>
+            </a:pPr>
+            <a:r>
+              <a:rPr lang="en-US" dirty="0" smtClean="0">
+                <a:solidFill>
+                  <a:schemeClr val="bg1"/>
+                </a:solidFill>
+              </a:rPr>
+              <a:t>Enabling </a:t>
+            </a:r>
+            <a:r>
+              <a:rPr lang="en-US" dirty="0">
+                <a:solidFill>
+                  <a:schemeClr val="bg1"/>
+                </a:solidFill>
+              </a:rPr>
+              <a:t>simple but compact instant </a:t>
+            </a:r>
+            <a:r>
+              <a:rPr lang="en-US" dirty="0" smtClean="0">
+                <a:solidFill>
+                  <a:schemeClr val="bg1"/>
+                </a:solidFill>
+              </a:rPr>
+              <a:t>messaging</a:t>
+            </a:r>
+            <a:endParaRPr lang="en-US" dirty="0">
+              <a:solidFill>
+                <a:schemeClr val="bg1"/>
+              </a:solidFill>
+            </a:endParaRPr>
           </a:p>
         </p:txBody>
       </p:sp>
     </p:spTree>
     <p:extLst>
       <p:ext uri="{BB962C8B-B14F-4D97-AF65-F5344CB8AC3E}">
-        <p14:creationId xmlns:p14="http://schemas.microsoft.com/office/powerpoint/2010/main" val="536944606"/>
+        <p14:creationId xmlns:p14="http://schemas.microsoft.com/office/powerpoint/2010/main" val="1753163992"/>
       </p:ext>
     </p:extLst>
   </p:cSld>
@@ -13211,7 +13881,11 @@
           <a:p>
             <a:r>
               <a:rPr lang="en-US" dirty="0" smtClean="0"/>
-              <a:t>Product Features</a:t>
+              <a:t>Target </a:t>
+            </a:r>
+            <a:r>
+              <a:rPr lang="en-US" dirty="0" smtClean="0"/>
+              <a:t>Groups</a:t>
             </a:r>
             <a:endParaRPr lang="en-US" dirty="0"/>
           </a:p>
@@ -13236,806 +13910,6 @@
               <a:rPr lang="en-US" sz="1800" smtClean="0"/>
               <a:pPr/>
               <a:t>3</a:t>
-            </a:fld>
-            <a:endParaRPr lang="en-US" sz="1800" dirty="0"/>
-          </a:p>
-        </p:txBody>
-      </p:sp>
-      <p:sp>
-        <p:nvSpPr>
-          <p:cNvPr id="5" name="Rounded Rectangle 4"/>
-          <p:cNvSpPr/>
-          <p:nvPr/>
-        </p:nvSpPr>
-        <p:spPr>
-          <a:xfrm>
-            <a:off x="1259632" y="1628800"/>
-            <a:ext cx="2880320" cy="1584176"/>
-          </a:xfrm>
-          <a:prstGeom prst="roundRect">
-            <a:avLst/>
-          </a:prstGeom>
-          <a:pattFill prst="narVert">
-            <a:fgClr>
-              <a:srgbClr val="F9A703"/>
-            </a:fgClr>
-            <a:bgClr>
-              <a:schemeClr val="bg1"/>
-            </a:bgClr>
-          </a:pattFill>
-          <a:ln w="50800">
-            <a:noFill/>
-          </a:ln>
-        </p:spPr>
-        <p:style>
-          <a:lnRef idx="2">
-            <a:schemeClr val="accent1">
-              <a:shade val="50000"/>
-            </a:schemeClr>
-          </a:lnRef>
-          <a:fillRef idx="1">
-            <a:schemeClr val="accent1"/>
-          </a:fillRef>
-          <a:effectRef idx="0">
-            <a:schemeClr val="accent1"/>
-          </a:effectRef>
-          <a:fontRef idx="minor">
-            <a:schemeClr val="lt1"/>
-          </a:fontRef>
-        </p:style>
-        <p:txBody>
-          <a:bodyPr rtlCol="0" anchor="ctr"/>
-          <a:lstStyle/>
-          <a:p>
-            <a:endParaRPr lang="en-US" b="1" dirty="0">
-              <a:solidFill>
-                <a:schemeClr val="accent2"/>
-              </a:solidFill>
-            </a:endParaRPr>
-          </a:p>
-        </p:txBody>
-      </p:sp>
-      <p:sp>
-        <p:nvSpPr>
-          <p:cNvPr id="6" name="Rounded Rectangle 5"/>
-          <p:cNvSpPr/>
-          <p:nvPr/>
-        </p:nvSpPr>
-        <p:spPr>
-          <a:xfrm>
-            <a:off x="4644008" y="1628800"/>
-            <a:ext cx="2880320" cy="1584176"/>
-          </a:xfrm>
-          <a:prstGeom prst="roundRect">
-            <a:avLst/>
-          </a:prstGeom>
-          <a:pattFill prst="narVert">
-            <a:fgClr>
-              <a:srgbClr val="F9A703"/>
-            </a:fgClr>
-            <a:bgClr>
-              <a:schemeClr val="bg1"/>
-            </a:bgClr>
-          </a:pattFill>
-          <a:ln w="50800">
-            <a:noFill/>
-          </a:ln>
-        </p:spPr>
-        <p:style>
-          <a:lnRef idx="2">
-            <a:schemeClr val="accent1">
-              <a:shade val="50000"/>
-            </a:schemeClr>
-          </a:lnRef>
-          <a:fillRef idx="1">
-            <a:schemeClr val="accent1"/>
-          </a:fillRef>
-          <a:effectRef idx="0">
-            <a:schemeClr val="accent1"/>
-          </a:effectRef>
-          <a:fontRef idx="minor">
-            <a:schemeClr val="lt1"/>
-          </a:fontRef>
-        </p:style>
-        <p:txBody>
-          <a:bodyPr rtlCol="0" anchor="ctr"/>
-          <a:lstStyle/>
-          <a:p>
-            <a:endParaRPr lang="en-US" b="1">
-              <a:solidFill>
-                <a:schemeClr val="accent2"/>
-              </a:solidFill>
-            </a:endParaRPr>
-          </a:p>
-        </p:txBody>
-      </p:sp>
-      <p:sp>
-        <p:nvSpPr>
-          <p:cNvPr id="7" name="Rounded Rectangle 6"/>
-          <p:cNvSpPr/>
-          <p:nvPr/>
-        </p:nvSpPr>
-        <p:spPr>
-          <a:xfrm>
-            <a:off x="1283271" y="4136132"/>
-            <a:ext cx="2880320" cy="1584176"/>
-          </a:xfrm>
-          <a:prstGeom prst="roundRect">
-            <a:avLst/>
-          </a:prstGeom>
-          <a:pattFill prst="narVert">
-            <a:fgClr>
-              <a:srgbClr val="F9A703"/>
-            </a:fgClr>
-            <a:bgClr>
-              <a:schemeClr val="bg1"/>
-            </a:bgClr>
-          </a:pattFill>
-          <a:ln w="50800">
-            <a:noFill/>
-          </a:ln>
-        </p:spPr>
-        <p:style>
-          <a:lnRef idx="2">
-            <a:schemeClr val="accent1">
-              <a:shade val="50000"/>
-            </a:schemeClr>
-          </a:lnRef>
-          <a:fillRef idx="1">
-            <a:schemeClr val="accent1"/>
-          </a:fillRef>
-          <a:effectRef idx="0">
-            <a:schemeClr val="accent1"/>
-          </a:effectRef>
-          <a:fontRef idx="minor">
-            <a:schemeClr val="lt1"/>
-          </a:fontRef>
-        </p:style>
-        <p:txBody>
-          <a:bodyPr rtlCol="0" anchor="ctr"/>
-          <a:lstStyle/>
-          <a:p>
-            <a:endParaRPr lang="en-US" b="1">
-              <a:solidFill>
-                <a:schemeClr val="accent2"/>
-              </a:solidFill>
-            </a:endParaRPr>
-          </a:p>
-        </p:txBody>
-      </p:sp>
-      <p:sp>
-        <p:nvSpPr>
-          <p:cNvPr id="8" name="Rounded Rectangle 7"/>
-          <p:cNvSpPr/>
-          <p:nvPr/>
-        </p:nvSpPr>
-        <p:spPr>
-          <a:xfrm>
-            <a:off x="4667647" y="4136132"/>
-            <a:ext cx="2880320" cy="1584176"/>
-          </a:xfrm>
-          <a:prstGeom prst="roundRect">
-            <a:avLst/>
-          </a:prstGeom>
-          <a:pattFill prst="narVert">
-            <a:fgClr>
-              <a:srgbClr val="F9A703"/>
-            </a:fgClr>
-            <a:bgClr>
-              <a:schemeClr val="bg1"/>
-            </a:bgClr>
-          </a:pattFill>
-          <a:ln w="50800">
-            <a:noFill/>
-          </a:ln>
-        </p:spPr>
-        <p:style>
-          <a:lnRef idx="2">
-            <a:schemeClr val="accent1">
-              <a:shade val="50000"/>
-            </a:schemeClr>
-          </a:lnRef>
-          <a:fillRef idx="1">
-            <a:schemeClr val="accent1"/>
-          </a:fillRef>
-          <a:effectRef idx="0">
-            <a:schemeClr val="accent1"/>
-          </a:effectRef>
-          <a:fontRef idx="minor">
-            <a:schemeClr val="lt1"/>
-          </a:fontRef>
-        </p:style>
-        <p:txBody>
-          <a:bodyPr rtlCol="0" anchor="ctr"/>
-          <a:lstStyle/>
-          <a:p>
-            <a:endParaRPr lang="en-US" b="1">
-              <a:solidFill>
-                <a:schemeClr val="accent2"/>
-              </a:solidFill>
-            </a:endParaRPr>
-          </a:p>
-        </p:txBody>
-      </p:sp>
-      <p:sp>
-        <p:nvSpPr>
-          <p:cNvPr id="10" name="TextBox 9"/>
-          <p:cNvSpPr txBox="1"/>
-          <p:nvPr/>
-        </p:nvSpPr>
-        <p:spPr>
-          <a:xfrm>
-            <a:off x="1475656" y="1628800"/>
-            <a:ext cx="2144113" cy="1477328"/>
-          </a:xfrm>
-          <a:prstGeom prst="rect">
-            <a:avLst/>
-          </a:prstGeom>
-          <a:noFill/>
-        </p:spPr>
-        <p:txBody>
-          <a:bodyPr wrap="none" rtlCol="0">
-            <a:spAutoFit/>
-          </a:bodyPr>
-          <a:lstStyle/>
-          <a:p>
-            <a:r>
-              <a:rPr lang="en-US" b="1" dirty="0" smtClean="0"/>
-              <a:t>Profile Management</a:t>
-            </a:r>
-          </a:p>
-          <a:p>
-            <a:pPr marL="285750" indent="-285750">
-              <a:buClr>
-                <a:srgbClr val="F9A703"/>
-              </a:buClr>
-              <a:buFont typeface="Wingdings" panose="05000000000000000000" pitchFamily="2" charset="2"/>
-              <a:buChar char="§"/>
-            </a:pPr>
-            <a:r>
-              <a:rPr lang="de-DE" dirty="0" smtClean="0"/>
-              <a:t>update </a:t>
-            </a:r>
-            <a:r>
-              <a:rPr lang="de-DE" dirty="0" err="1" smtClean="0"/>
-              <a:t>profile</a:t>
-            </a:r>
-            <a:endParaRPr lang="de-DE" dirty="0" smtClean="0"/>
-          </a:p>
-          <a:p>
-            <a:pPr marL="285750" indent="-285750">
-              <a:buClr>
-                <a:srgbClr val="F9A703"/>
-              </a:buClr>
-              <a:buFont typeface="Wingdings" panose="05000000000000000000" pitchFamily="2" charset="2"/>
-              <a:buChar char="§"/>
-            </a:pPr>
-            <a:r>
-              <a:rPr lang="de-DE" dirty="0" err="1" smtClean="0"/>
-              <a:t>picture</a:t>
-            </a:r>
-            <a:r>
-              <a:rPr lang="de-DE" dirty="0" smtClean="0"/>
-              <a:t> link</a:t>
-            </a:r>
-          </a:p>
-          <a:p>
-            <a:pPr marL="285750" indent="-285750">
-              <a:buClr>
-                <a:srgbClr val="F9A703"/>
-              </a:buClr>
-              <a:buFont typeface="Wingdings" panose="05000000000000000000" pitchFamily="2" charset="2"/>
-              <a:buChar char="§"/>
-            </a:pPr>
-            <a:r>
-              <a:rPr lang="de-DE" dirty="0" err="1" smtClean="0"/>
-              <a:t>visibility</a:t>
-            </a:r>
-            <a:endParaRPr lang="de-DE" dirty="0" smtClean="0"/>
-          </a:p>
-          <a:p>
-            <a:endParaRPr lang="en-US" dirty="0"/>
-          </a:p>
-        </p:txBody>
-      </p:sp>
-      <p:sp>
-        <p:nvSpPr>
-          <p:cNvPr id="11" name="TextBox 10"/>
-          <p:cNvSpPr txBox="1"/>
-          <p:nvPr/>
-        </p:nvSpPr>
-        <p:spPr>
-          <a:xfrm>
-            <a:off x="5056726" y="1628800"/>
-            <a:ext cx="2413931" cy="1477328"/>
-          </a:xfrm>
-          <a:prstGeom prst="rect">
-            <a:avLst/>
-          </a:prstGeom>
-          <a:noFill/>
-        </p:spPr>
-        <p:txBody>
-          <a:bodyPr wrap="none" rtlCol="0">
-            <a:spAutoFit/>
-          </a:bodyPr>
-          <a:lstStyle/>
-          <a:p>
-            <a:r>
-              <a:rPr lang="en-US" b="1" dirty="0" smtClean="0"/>
-              <a:t>Contact Management</a:t>
-            </a:r>
-          </a:p>
-          <a:p>
-            <a:pPr marL="285750" indent="-285750">
-              <a:buClr>
-                <a:srgbClr val="F9A703"/>
-              </a:buClr>
-              <a:buFont typeface="Wingdings" panose="05000000000000000000" pitchFamily="2" charset="2"/>
-              <a:buChar char="§"/>
-            </a:pPr>
-            <a:r>
-              <a:rPr lang="de-DE" dirty="0" err="1" smtClean="0"/>
-              <a:t>add</a:t>
-            </a:r>
-            <a:r>
-              <a:rPr lang="de-DE" dirty="0" smtClean="0"/>
-              <a:t> </a:t>
-            </a:r>
-            <a:r>
-              <a:rPr lang="de-DE" dirty="0" err="1" smtClean="0"/>
-              <a:t>contacts</a:t>
-            </a:r>
-            <a:endParaRPr lang="de-DE" dirty="0" smtClean="0"/>
-          </a:p>
-          <a:p>
-            <a:pPr marL="285750" indent="-285750">
-              <a:buClr>
-                <a:srgbClr val="F9A703"/>
-              </a:buClr>
-              <a:buFont typeface="Wingdings" panose="05000000000000000000" pitchFamily="2" charset="2"/>
-              <a:buChar char="§"/>
-            </a:pPr>
-            <a:r>
-              <a:rPr lang="de-DE" dirty="0" err="1" smtClean="0"/>
-              <a:t>delete</a:t>
-            </a:r>
-            <a:r>
-              <a:rPr lang="de-DE" dirty="0" smtClean="0"/>
-              <a:t> </a:t>
-            </a:r>
-            <a:r>
-              <a:rPr lang="de-DE" dirty="0" err="1" smtClean="0"/>
-              <a:t>contacts</a:t>
-            </a:r>
-            <a:endParaRPr lang="de-DE" dirty="0" smtClean="0"/>
-          </a:p>
-          <a:p>
-            <a:pPr marL="285750" indent="-285750">
-              <a:buClr>
-                <a:srgbClr val="F9A703"/>
-              </a:buClr>
-              <a:buFont typeface="Wingdings" panose="05000000000000000000" pitchFamily="2" charset="2"/>
-              <a:buChar char="§"/>
-            </a:pPr>
-            <a:r>
-              <a:rPr lang="de-DE" dirty="0" err="1" smtClean="0"/>
-              <a:t>view</a:t>
-            </a:r>
-            <a:r>
-              <a:rPr lang="de-DE" dirty="0" smtClean="0"/>
-              <a:t> </a:t>
-            </a:r>
-            <a:r>
-              <a:rPr lang="de-DE" dirty="0" err="1" smtClean="0"/>
-              <a:t>contact</a:t>
-            </a:r>
-            <a:r>
-              <a:rPr lang="de-DE" dirty="0" smtClean="0"/>
-              <a:t> </a:t>
-            </a:r>
-            <a:r>
-              <a:rPr lang="de-DE" dirty="0" err="1" smtClean="0"/>
-              <a:t>profiles</a:t>
-            </a:r>
-            <a:endParaRPr lang="en-US" dirty="0" smtClean="0"/>
-          </a:p>
-          <a:p>
-            <a:endParaRPr lang="en-US" dirty="0"/>
-          </a:p>
-        </p:txBody>
-      </p:sp>
-      <p:sp>
-        <p:nvSpPr>
-          <p:cNvPr id="12" name="TextBox 11"/>
-          <p:cNvSpPr txBox="1"/>
-          <p:nvPr/>
-        </p:nvSpPr>
-        <p:spPr>
-          <a:xfrm>
-            <a:off x="1331640" y="4365104"/>
-            <a:ext cx="2757422" cy="1754326"/>
-          </a:xfrm>
-          <a:prstGeom prst="rect">
-            <a:avLst/>
-          </a:prstGeom>
-          <a:noFill/>
-        </p:spPr>
-        <p:txBody>
-          <a:bodyPr wrap="none" rtlCol="0">
-            <a:spAutoFit/>
-          </a:bodyPr>
-          <a:lstStyle/>
-          <a:p>
-            <a:r>
-              <a:rPr lang="en-US" b="1" dirty="0" smtClean="0"/>
-              <a:t>Request Management</a:t>
-            </a:r>
-          </a:p>
-          <a:p>
-            <a:pPr marL="285750" indent="-285750">
-              <a:buClr>
-                <a:srgbClr val="F9A703"/>
-              </a:buClr>
-              <a:buFont typeface="Wingdings" panose="05000000000000000000" pitchFamily="2" charset="2"/>
-              <a:buChar char="§"/>
-            </a:pPr>
-            <a:r>
-              <a:rPr lang="de-DE" dirty="0" smtClean="0"/>
-              <a:t>send </a:t>
-            </a:r>
-            <a:r>
-              <a:rPr lang="de-DE" dirty="0" err="1" smtClean="0"/>
-              <a:t>contact</a:t>
-            </a:r>
-            <a:r>
-              <a:rPr lang="de-DE" dirty="0" smtClean="0"/>
-              <a:t> </a:t>
-            </a:r>
-            <a:r>
-              <a:rPr lang="de-DE" dirty="0" err="1" smtClean="0"/>
-              <a:t>requests</a:t>
-            </a:r>
-            <a:endParaRPr lang="de-DE" dirty="0" smtClean="0"/>
-          </a:p>
-          <a:p>
-            <a:pPr marL="285750" indent="-285750">
-              <a:buClr>
-                <a:srgbClr val="F9A703"/>
-              </a:buClr>
-              <a:buFont typeface="Wingdings" panose="05000000000000000000" pitchFamily="2" charset="2"/>
-              <a:buChar char="§"/>
-            </a:pPr>
-            <a:r>
-              <a:rPr lang="de-DE" dirty="0" err="1" smtClean="0"/>
-              <a:t>receive</a:t>
-            </a:r>
-            <a:r>
-              <a:rPr lang="de-DE" dirty="0" smtClean="0"/>
-              <a:t> </a:t>
-            </a:r>
-            <a:r>
-              <a:rPr lang="de-DE" dirty="0" err="1" smtClean="0"/>
-              <a:t>contact</a:t>
-            </a:r>
-            <a:r>
-              <a:rPr lang="de-DE" dirty="0" smtClean="0"/>
-              <a:t> </a:t>
-            </a:r>
-            <a:r>
-              <a:rPr lang="de-DE" dirty="0" err="1" smtClean="0"/>
-              <a:t>requests</a:t>
-            </a:r>
-            <a:endParaRPr lang="de-DE" dirty="0" smtClean="0"/>
-          </a:p>
-          <a:p>
-            <a:pPr marL="285750" indent="-285750">
-              <a:buClr>
-                <a:srgbClr val="F9A703"/>
-              </a:buClr>
-              <a:buFont typeface="Wingdings" panose="05000000000000000000" pitchFamily="2" charset="2"/>
-              <a:buChar char="§"/>
-            </a:pPr>
-            <a:r>
-              <a:rPr lang="de-DE" dirty="0" err="1" smtClean="0"/>
-              <a:t>request</a:t>
-            </a:r>
-            <a:r>
-              <a:rPr lang="de-DE" dirty="0" smtClean="0"/>
-              <a:t> </a:t>
-            </a:r>
-            <a:r>
-              <a:rPr lang="de-DE" dirty="0" err="1" smtClean="0"/>
-              <a:t>overview</a:t>
-            </a:r>
-            <a:endParaRPr lang="en-US" dirty="0" smtClean="0"/>
-          </a:p>
-          <a:p>
-            <a:endParaRPr lang="en-US" dirty="0" smtClean="0"/>
-          </a:p>
-          <a:p>
-            <a:endParaRPr lang="en-US" dirty="0"/>
-          </a:p>
-        </p:txBody>
-      </p:sp>
-      <p:sp>
-        <p:nvSpPr>
-          <p:cNvPr id="13" name="TextBox 12"/>
-          <p:cNvSpPr txBox="1"/>
-          <p:nvPr/>
-        </p:nvSpPr>
-        <p:spPr>
-          <a:xfrm>
-            <a:off x="4735761" y="4360912"/>
-            <a:ext cx="2827249" cy="1477328"/>
-          </a:xfrm>
-          <a:prstGeom prst="rect">
-            <a:avLst/>
-          </a:prstGeom>
-          <a:noFill/>
-        </p:spPr>
-        <p:txBody>
-          <a:bodyPr wrap="none" rtlCol="0">
-            <a:spAutoFit/>
-          </a:bodyPr>
-          <a:lstStyle/>
-          <a:p>
-            <a:r>
-              <a:rPr lang="en-US" b="1" dirty="0" smtClean="0"/>
-              <a:t>Message Management</a:t>
-            </a:r>
-          </a:p>
-          <a:p>
-            <a:pPr marL="285750" indent="-285750">
-              <a:buClr>
-                <a:srgbClr val="F9A703"/>
-              </a:buClr>
-              <a:buFont typeface="Wingdings" panose="05000000000000000000" pitchFamily="2" charset="2"/>
-              <a:buChar char="§"/>
-            </a:pPr>
-            <a:r>
-              <a:rPr lang="de-DE" dirty="0" err="1" smtClean="0"/>
-              <a:t>messages</a:t>
-            </a:r>
-            <a:r>
-              <a:rPr lang="de-DE" dirty="0" smtClean="0"/>
-              <a:t> </a:t>
-            </a:r>
-            <a:r>
-              <a:rPr lang="de-DE" dirty="0" err="1"/>
-              <a:t>to</a:t>
-            </a:r>
-            <a:r>
-              <a:rPr lang="de-DE" dirty="0"/>
-              <a:t> offline </a:t>
-            </a:r>
-            <a:r>
-              <a:rPr lang="de-DE" dirty="0" err="1"/>
-              <a:t>users</a:t>
-            </a:r>
-            <a:endParaRPr lang="de-DE" dirty="0"/>
-          </a:p>
-          <a:p>
-            <a:pPr marL="285750" indent="-285750">
-              <a:buClr>
-                <a:srgbClr val="F9A703"/>
-              </a:buClr>
-              <a:buFont typeface="Wingdings" panose="05000000000000000000" pitchFamily="2" charset="2"/>
-              <a:buChar char="§"/>
-            </a:pPr>
-            <a:r>
-              <a:rPr lang="de-DE" dirty="0" err="1"/>
-              <a:t>chat</a:t>
-            </a:r>
-            <a:r>
-              <a:rPr lang="de-DE" dirty="0"/>
-              <a:t> </a:t>
-            </a:r>
-            <a:r>
-              <a:rPr lang="de-DE" dirty="0" err="1"/>
-              <a:t>history</a:t>
-            </a:r>
-            <a:endParaRPr lang="de-DE" dirty="0"/>
-          </a:p>
-          <a:p>
-            <a:pPr marL="285750" indent="-285750">
-              <a:buClr>
-                <a:srgbClr val="F9A703"/>
-              </a:buClr>
-              <a:buFont typeface="Wingdings" panose="05000000000000000000" pitchFamily="2" charset="2"/>
-              <a:buChar char="§"/>
-            </a:pPr>
-            <a:r>
-              <a:rPr lang="de-DE" dirty="0"/>
-              <a:t>funny </a:t>
-            </a:r>
-            <a:r>
-              <a:rPr lang="de-DE" dirty="0" err="1"/>
-              <a:t>icons</a:t>
-            </a:r>
-            <a:endParaRPr lang="de-DE" dirty="0"/>
-          </a:p>
-          <a:p>
-            <a:endParaRPr lang="en-US" dirty="0"/>
-          </a:p>
-        </p:txBody>
-      </p:sp>
-      <p:sp>
-        <p:nvSpPr>
-          <p:cNvPr id="9" name="Rounded Rectangle 8"/>
-          <p:cNvSpPr/>
-          <p:nvPr/>
-        </p:nvSpPr>
-        <p:spPr>
-          <a:xfrm>
-            <a:off x="2939455" y="2824361"/>
-            <a:ext cx="2880320" cy="1584176"/>
-          </a:xfrm>
-          <a:prstGeom prst="roundRect">
-            <a:avLst/>
-          </a:prstGeom>
-          <a:pattFill prst="pct25">
-            <a:fgClr>
-              <a:schemeClr val="accent1"/>
-            </a:fgClr>
-            <a:bgClr>
-              <a:schemeClr val="bg1"/>
-            </a:bgClr>
-          </a:pattFill>
-          <a:ln w="50800">
-            <a:noFill/>
-          </a:ln>
-        </p:spPr>
-        <p:style>
-          <a:lnRef idx="2">
-            <a:schemeClr val="accent1">
-              <a:shade val="50000"/>
-            </a:schemeClr>
-          </a:lnRef>
-          <a:fillRef idx="1">
-            <a:schemeClr val="accent1"/>
-          </a:fillRef>
-          <a:effectRef idx="0">
-            <a:schemeClr val="accent1"/>
-          </a:effectRef>
-          <a:fontRef idx="minor">
-            <a:schemeClr val="lt1"/>
-          </a:fontRef>
-        </p:style>
-        <p:txBody>
-          <a:bodyPr rtlCol="0" anchor="ctr"/>
-          <a:lstStyle/>
-          <a:p>
-            <a:pPr lvl="0"/>
-            <a:r>
-              <a:rPr lang="en-US" b="1" dirty="0" smtClean="0">
-                <a:solidFill>
-                  <a:schemeClr val="tx1"/>
-                </a:solidFill>
-              </a:rPr>
-              <a:t>Mission</a:t>
-            </a:r>
-          </a:p>
-          <a:p>
-            <a:pPr marL="285750" lvl="0" indent="-285750">
-              <a:buClr>
-                <a:srgbClr val="3C536F"/>
-              </a:buClr>
-              <a:buFont typeface="Wingdings" panose="05000000000000000000" pitchFamily="2" charset="2"/>
-              <a:buChar char="§"/>
-            </a:pPr>
-            <a:r>
-              <a:rPr lang="en-US" dirty="0" smtClean="0">
-                <a:solidFill>
-                  <a:schemeClr val="tx1"/>
-                </a:solidFill>
-              </a:rPr>
-              <a:t>Enabling </a:t>
-            </a:r>
-            <a:r>
-              <a:rPr lang="en-US" dirty="0">
-                <a:solidFill>
-                  <a:schemeClr val="tx1"/>
-                </a:solidFill>
-              </a:rPr>
-              <a:t>simple but compact instant </a:t>
-            </a:r>
-            <a:r>
-              <a:rPr lang="en-US" dirty="0" smtClean="0">
-                <a:solidFill>
-                  <a:schemeClr val="tx1"/>
-                </a:solidFill>
-              </a:rPr>
-              <a:t>messaging</a:t>
-            </a:r>
-            <a:endParaRPr lang="en-US" dirty="0">
-              <a:solidFill>
-                <a:schemeClr val="tx1"/>
-              </a:solidFill>
-            </a:endParaRPr>
-          </a:p>
-        </p:txBody>
-      </p:sp>
-    </p:spTree>
-    <p:extLst>
-      <p:ext uri="{BB962C8B-B14F-4D97-AF65-F5344CB8AC3E}">
-        <p14:creationId xmlns:p14="http://schemas.microsoft.com/office/powerpoint/2010/main" val="1753163992"/>
-      </p:ext>
-    </p:extLst>
-  </p:cSld>
-  <p:clrMapOvr>
-    <a:masterClrMapping/>
-  </p:clrMapOvr>
-  <p:timing>
-    <p:tnLst>
-      <p:par>
-        <p:cTn id="1" dur="indefinite" restart="never" nodeType="tmRoot"/>
-      </p:par>
-    </p:tnLst>
-  </p:timing>
-</p:sld>
-</file>
-
-<file path=ppt/slides/slide4.xml><?xml version="1.0" encoding="utf-8"?>
-<p:sld xmlns:a="http://schemas.openxmlformats.org/drawingml/2006/main" xmlns:r="http://schemas.openxmlformats.org/officeDocument/2006/relationships" xmlns:p="http://schemas.openxmlformats.org/presentationml/2006/main">
-  <p:cSld>
-    <p:spTree>
-      <p:nvGrpSpPr>
-        <p:cNvPr id="1" name=""/>
-        <p:cNvGrpSpPr/>
-        <p:nvPr/>
-      </p:nvGrpSpPr>
-      <p:grpSpPr>
-        <a:xfrm>
-          <a:off x="0" y="0"/>
-          <a:ext cx="0" cy="0"/>
-          <a:chOff x="0" y="0"/>
-          <a:chExt cx="0" cy="0"/>
-        </a:xfrm>
-      </p:grpSpPr>
-      <p:sp>
-        <p:nvSpPr>
-          <p:cNvPr id="2" name="Title 1"/>
-          <p:cNvSpPr>
-            <a:spLocks noGrp="1"/>
-          </p:cNvSpPr>
-          <p:nvPr>
-            <p:ph type="title"/>
-          </p:nvPr>
-        </p:nvSpPr>
-        <p:spPr/>
-        <p:txBody>
-          <a:bodyPr>
-            <a:normAutofit/>
-          </a:bodyPr>
-          <a:lstStyle/>
-          <a:p>
-            <a:r>
-              <a:rPr lang="en-US" dirty="0" smtClean="0"/>
-              <a:t>Target User</a:t>
-            </a:r>
-            <a:endParaRPr lang="en-US" dirty="0"/>
-          </a:p>
-        </p:txBody>
-      </p:sp>
-      <p:sp>
-        <p:nvSpPr>
-          <p:cNvPr id="4" name="Slide Number Placeholder 3"/>
-          <p:cNvSpPr>
-            <a:spLocks noGrp="1"/>
-          </p:cNvSpPr>
-          <p:nvPr>
-            <p:ph type="sldNum" sz="quarter" idx="12"/>
-          </p:nvPr>
-        </p:nvSpPr>
-        <p:spPr/>
-        <p:txBody>
-          <a:bodyPr/>
-          <a:lstStyle/>
-          <a:p>
-            <a:fld id="{639B228B-E4D6-40B8-B79B-9A0D26B7F84A}" type="slidenum">
-              <a:rPr lang="en-US" sz="1800" smtClean="0"/>
-              <a:pPr/>
-              <a:t>4</a:t>
             </a:fld>
             <a:endParaRPr lang="en-US" sz="1800" dirty="0"/>
           </a:p>
@@ -14688,7 +14562,11 @@
               </a:pPr>
               <a:r>
                 <a:rPr lang="en-US" sz="1900" kern="1200" dirty="0" smtClean="0"/>
-                <a:t>who like working with Restful API</a:t>
+                <a:t>who like working with Restful </a:t>
+              </a:r>
+              <a:r>
+                <a:rPr lang="en-US" sz="1900" kern="1200" dirty="0" smtClean="0"/>
+                <a:t>APIs</a:t>
               </a:r>
               <a:endParaRPr lang="en-US" sz="1900" kern="1200" dirty="0"/>
             </a:p>
@@ -14707,15 +14585,11 @@
               </a:pPr>
               <a:r>
                 <a:rPr lang="en-US" sz="1900" kern="1200" dirty="0" smtClean="0"/>
-                <a:t>who are fans of open source </a:t>
-              </a:r>
-              <a:r>
-                <a:rPr lang="en-US" sz="1900" kern="1200" dirty="0" err="1" smtClean="0"/>
-                <a:t>softwares</a:t>
+                <a:t>who are fans of </a:t>
               </a:r>
               <a:r>
                 <a:rPr lang="en-US" sz="1900" kern="1200" dirty="0" smtClean="0"/>
-                <a:t> </a:t>
+                <a:t>open source software </a:t>
               </a:r>
               <a:endParaRPr lang="en-US" sz="1900" kern="1200" dirty="0"/>
             </a:p>
@@ -14726,6 +14600,114 @@
     <p:extLst>
       <p:ext uri="{BB962C8B-B14F-4D97-AF65-F5344CB8AC3E}">
         <p14:creationId xmlns:p14="http://schemas.microsoft.com/office/powerpoint/2010/main" val="3040686525"/>
+      </p:ext>
+    </p:extLst>
+  </p:cSld>
+  <p:clrMapOvr>
+    <a:masterClrMapping/>
+  </p:clrMapOvr>
+  <p:timing>
+    <p:tnLst>
+      <p:par>
+        <p:cTn id="1" dur="indefinite" restart="never" nodeType="tmRoot"/>
+      </p:par>
+    </p:tnLst>
+  </p:timing>
+</p:sld>
+</file>
+
+<file path=ppt/slides/slide4.xml><?xml version="1.0" encoding="utf-8"?>
+<p:sld xmlns:a="http://schemas.openxmlformats.org/drawingml/2006/main" xmlns:r="http://schemas.openxmlformats.org/officeDocument/2006/relationships" xmlns:p="http://schemas.openxmlformats.org/presentationml/2006/main">
+  <p:cSld>
+    <p:spTree>
+      <p:nvGrpSpPr>
+        <p:cNvPr id="1" name=""/>
+        <p:cNvGrpSpPr/>
+        <p:nvPr/>
+      </p:nvGrpSpPr>
+      <p:grpSpPr>
+        <a:xfrm>
+          <a:off x="0" y="0"/>
+          <a:ext cx="0" cy="0"/>
+          <a:chOff x="0" y="0"/>
+          <a:chExt cx="0" cy="0"/>
+        </a:xfrm>
+      </p:grpSpPr>
+      <p:sp>
+        <p:nvSpPr>
+          <p:cNvPr id="2" name="Title 1"/>
+          <p:cNvSpPr>
+            <a:spLocks noGrp="1"/>
+          </p:cNvSpPr>
+          <p:nvPr>
+            <p:ph type="title"/>
+          </p:nvPr>
+        </p:nvSpPr>
+        <p:spPr/>
+        <p:txBody>
+          <a:bodyPr>
+            <a:normAutofit/>
+          </a:bodyPr>
+          <a:lstStyle/>
+          <a:p>
+            <a:r>
+              <a:rPr lang="en-US" dirty="0" smtClean="0"/>
+              <a:t>Advantages</a:t>
+            </a:r>
+            <a:endParaRPr lang="en-US" dirty="0"/>
+          </a:p>
+        </p:txBody>
+      </p:sp>
+      <p:sp>
+        <p:nvSpPr>
+          <p:cNvPr id="4" name="Slide Number Placeholder 3"/>
+          <p:cNvSpPr>
+            <a:spLocks noGrp="1"/>
+          </p:cNvSpPr>
+          <p:nvPr>
+            <p:ph type="sldNum" sz="quarter" idx="12"/>
+          </p:nvPr>
+        </p:nvSpPr>
+        <p:spPr/>
+        <p:txBody>
+          <a:bodyPr/>
+          <a:lstStyle/>
+          <a:p>
+            <a:fld id="{639B228B-E4D6-40B8-B79B-9A0D26B7F84A}" type="slidenum">
+              <a:rPr lang="en-US" sz="1800" smtClean="0"/>
+              <a:pPr/>
+              <a:t>4</a:t>
+            </a:fld>
+            <a:endParaRPr lang="en-US" sz="1800" dirty="0"/>
+          </a:p>
+        </p:txBody>
+      </p:sp>
+      <p:graphicFrame>
+        <p:nvGraphicFramePr>
+          <p:cNvPr id="5" name="Diagram 4"/>
+          <p:cNvGraphicFramePr/>
+          <p:nvPr>
+            <p:extLst>
+              <p:ext uri="{D42A27DB-BD31-4B8C-83A1-F6EECF244321}">
+                <p14:modId xmlns:p14="http://schemas.microsoft.com/office/powerpoint/2010/main" val="425494896"/>
+              </p:ext>
+            </p:extLst>
+          </p:nvPr>
+        </p:nvGraphicFramePr>
+        <p:xfrm>
+          <a:off x="323528" y="1196752"/>
+          <a:ext cx="8160568" cy="5776416"/>
+        </p:xfrm>
+        <a:graphic>
+          <a:graphicData uri="http://schemas.openxmlformats.org/drawingml/2006/diagram">
+            <dgm:relIds xmlns:dgm="http://schemas.openxmlformats.org/drawingml/2006/diagram" xmlns:r="http://schemas.openxmlformats.org/officeDocument/2006/relationships" r:dm="rId2" r:lo="rId3" r:qs="rId4" r:cs="rId5"/>
+          </a:graphicData>
+        </a:graphic>
+      </p:graphicFrame>
+    </p:spTree>
+    <p:extLst>
+      <p:ext uri="{BB962C8B-B14F-4D97-AF65-F5344CB8AC3E}">
+        <p14:creationId xmlns:p14="http://schemas.microsoft.com/office/powerpoint/2010/main" val="1780178925"/>
       </p:ext>
     </p:extLst>
   </p:cSld>
@@ -14771,14 +14753,12 @@
         </p:nvSpPr>
         <p:spPr/>
         <p:txBody>
-          <a:bodyPr>
-            <a:normAutofit/>
-          </a:bodyPr>
+          <a:bodyPr/>
           <a:lstStyle/>
           <a:p>
             <a:r>
               <a:rPr lang="en-US" dirty="0" smtClean="0"/>
-              <a:t>Advantages</a:t>
+              <a:t>Further Enhancements</a:t>
             </a:r>
             <a:endParaRPr lang="en-US" dirty="0"/>
           </a:p>
@@ -14800,11 +14780,11 @@
           <a:lstStyle/>
           <a:p>
             <a:fld id="{639B228B-E4D6-40B8-B79B-9A0D26B7F84A}" type="slidenum">
-              <a:rPr lang="en-US" sz="1800" smtClean="0"/>
+              <a:rPr lang="en-US" smtClean="0"/>
               <a:pPr/>
               <a:t>5</a:t>
             </a:fld>
-            <a:endParaRPr lang="en-US" sz="1800" dirty="0"/>
+            <a:endParaRPr lang="en-US" dirty="0"/>
           </a:p>
         </p:txBody>
       </p:sp>
@@ -14815,320 +14795,7 @@
           <p:nvPr>
             <p:extLst>
               <p:ext uri="{D42A27DB-BD31-4B8C-83A1-F6EECF244321}">
-                <p14:modId xmlns:p14="http://schemas.microsoft.com/office/powerpoint/2010/main" val="1153118831"/>
-              </p:ext>
-            </p:extLst>
-          </p:nvPr>
-        </p:nvGraphicFramePr>
-        <p:xfrm>
-          <a:off x="323528" y="1196752"/>
-          <a:ext cx="8160568" cy="5776416"/>
-        </p:xfrm>
-        <a:graphic>
-          <a:graphicData uri="http://schemas.openxmlformats.org/drawingml/2006/diagram">
-            <dgm:relIds xmlns:dgm="http://schemas.openxmlformats.org/drawingml/2006/diagram" xmlns:r="http://schemas.openxmlformats.org/officeDocument/2006/relationships" r:dm="rId2" r:lo="rId3" r:qs="rId4" r:cs="rId5"/>
-          </a:graphicData>
-        </a:graphic>
-      </p:graphicFrame>
-    </p:spTree>
-    <p:extLst>
-      <p:ext uri="{BB962C8B-B14F-4D97-AF65-F5344CB8AC3E}">
-        <p14:creationId xmlns:p14="http://schemas.microsoft.com/office/powerpoint/2010/main" val="1780178925"/>
-      </p:ext>
-    </p:extLst>
-  </p:cSld>
-  <p:clrMapOvr>
-    <a:masterClrMapping/>
-  </p:clrMapOvr>
-  <p:timing>
-    <p:tnLst>
-      <p:par>
-        <p:cTn id="1" dur="indefinite" restart="never" nodeType="tmRoot"/>
-      </p:par>
-    </p:tnLst>
-  </p:timing>
-</p:sld>
-</file>
-
-<file path=ppt/slides/slide6.xml><?xml version="1.0" encoding="utf-8"?>
-<p:sld xmlns:a="http://schemas.openxmlformats.org/drawingml/2006/main" xmlns:r="http://schemas.openxmlformats.org/officeDocument/2006/relationships" xmlns:p="http://schemas.openxmlformats.org/presentationml/2006/main">
-  <p:cSld>
-    <p:spTree>
-      <p:nvGrpSpPr>
-        <p:cNvPr id="1" name=""/>
-        <p:cNvGrpSpPr/>
-        <p:nvPr/>
-      </p:nvGrpSpPr>
-      <p:grpSpPr>
-        <a:xfrm>
-          <a:off x="0" y="0"/>
-          <a:ext cx="0" cy="0"/>
-          <a:chOff x="0" y="0"/>
-          <a:chExt cx="0" cy="0"/>
-        </a:xfrm>
-      </p:grpSpPr>
-      <p:sp>
-        <p:nvSpPr>
-          <p:cNvPr id="2" name="Title 1"/>
-          <p:cNvSpPr>
-            <a:spLocks noGrp="1"/>
-          </p:cNvSpPr>
-          <p:nvPr>
-            <p:ph type="title"/>
-          </p:nvPr>
-        </p:nvSpPr>
-        <p:spPr/>
-        <p:txBody>
-          <a:bodyPr/>
-          <a:lstStyle/>
-          <a:p>
-            <a:r>
-              <a:rPr lang="en-US" dirty="0" smtClean="0"/>
-              <a:t>Demo</a:t>
-            </a:r>
-            <a:endParaRPr lang="en-US" dirty="0"/>
-          </a:p>
-        </p:txBody>
-      </p:sp>
-      <p:sp>
-        <p:nvSpPr>
-          <p:cNvPr id="3" name="Content Placeholder 2"/>
-          <p:cNvSpPr>
-            <a:spLocks noGrp="1"/>
-          </p:cNvSpPr>
-          <p:nvPr>
-            <p:ph idx="1"/>
-          </p:nvPr>
-        </p:nvSpPr>
-        <p:spPr/>
-        <p:txBody>
-          <a:bodyPr>
-            <a:normAutofit/>
-          </a:bodyPr>
-          <a:lstStyle/>
-          <a:p>
-            <a:pPr>
-              <a:spcAft>
-                <a:spcPts val="300"/>
-              </a:spcAft>
-              <a:buClr>
-                <a:srgbClr val="F9A703"/>
-              </a:buClr>
-              <a:buFont typeface="Wingdings" panose="05000000000000000000" pitchFamily="2" charset="2"/>
-              <a:buChar char="§"/>
-            </a:pPr>
-            <a:r>
-              <a:rPr lang="en-US" dirty="0"/>
-              <a:t>Registration with </a:t>
-            </a:r>
-            <a:r>
-              <a:rPr lang="en-US" dirty="0" err="1"/>
-              <a:t>OpenID</a:t>
-            </a:r>
-            <a:r>
-              <a:rPr lang="en-US" dirty="0"/>
-              <a:t> Connect</a:t>
-            </a:r>
-          </a:p>
-          <a:p>
-            <a:pPr>
-              <a:spcAft>
-                <a:spcPts val="300"/>
-              </a:spcAft>
-              <a:buClr>
-                <a:srgbClr val="F9A703"/>
-              </a:buClr>
-              <a:buFont typeface="Wingdings" panose="05000000000000000000" pitchFamily="2" charset="2"/>
-              <a:buChar char="§"/>
-            </a:pPr>
-            <a:r>
-              <a:rPr lang="de-DE" dirty="0" err="1" smtClean="0"/>
-              <a:t>Sign</a:t>
-            </a:r>
-            <a:r>
-              <a:rPr lang="en-US" dirty="0" smtClean="0"/>
-              <a:t> </a:t>
-            </a:r>
-            <a:r>
-              <a:rPr lang="en-US" dirty="0"/>
-              <a:t>in</a:t>
-            </a:r>
-          </a:p>
-          <a:p>
-            <a:pPr>
-              <a:spcAft>
-                <a:spcPts val="300"/>
-              </a:spcAft>
-              <a:buClr>
-                <a:srgbClr val="F9A703"/>
-              </a:buClr>
-              <a:buFont typeface="Wingdings" panose="05000000000000000000" pitchFamily="2" charset="2"/>
-              <a:buChar char="§"/>
-            </a:pPr>
-            <a:r>
-              <a:rPr lang="en-US" dirty="0"/>
-              <a:t>Add </a:t>
-            </a:r>
-            <a:r>
-              <a:rPr lang="en-US" dirty="0" smtClean="0"/>
-              <a:t>contacts</a:t>
-            </a:r>
-          </a:p>
-          <a:p>
-            <a:pPr>
-              <a:spcAft>
-                <a:spcPts val="300"/>
-              </a:spcAft>
-              <a:buClr>
-                <a:srgbClr val="F9A703"/>
-              </a:buClr>
-              <a:buFont typeface="Wingdings" panose="05000000000000000000" pitchFamily="2" charset="2"/>
-              <a:buChar char="§"/>
-            </a:pPr>
-            <a:r>
-              <a:rPr lang="de-DE" dirty="0" smtClean="0"/>
-              <a:t>Delete </a:t>
-            </a:r>
-            <a:r>
-              <a:rPr lang="de-DE" dirty="0" err="1" smtClean="0"/>
-              <a:t>contacts</a:t>
-            </a:r>
-            <a:endParaRPr lang="en-US" dirty="0"/>
-          </a:p>
-          <a:p>
-            <a:pPr>
-              <a:spcAft>
-                <a:spcPts val="300"/>
-              </a:spcAft>
-              <a:buClr>
-                <a:srgbClr val="F9A703"/>
-              </a:buClr>
-              <a:buFont typeface="Wingdings" panose="05000000000000000000" pitchFamily="2" charset="2"/>
-              <a:buChar char="§"/>
-            </a:pPr>
-            <a:r>
-              <a:rPr lang="en-US" dirty="0"/>
-              <a:t>Send messages</a:t>
-            </a:r>
-          </a:p>
-        </p:txBody>
-      </p:sp>
-      <p:sp>
-        <p:nvSpPr>
-          <p:cNvPr id="4" name="Slide Number Placeholder 3"/>
-          <p:cNvSpPr>
-            <a:spLocks noGrp="1"/>
-          </p:cNvSpPr>
-          <p:nvPr>
-            <p:ph type="sldNum" sz="quarter" idx="12"/>
-          </p:nvPr>
-        </p:nvSpPr>
-        <p:spPr/>
-        <p:txBody>
-          <a:bodyPr/>
-          <a:lstStyle/>
-          <a:p>
-            <a:fld id="{639B228B-E4D6-40B8-B79B-9A0D26B7F84A}" type="slidenum">
-              <a:rPr lang="en-US" smtClean="0"/>
-              <a:pPr/>
-              <a:t>6</a:t>
-            </a:fld>
-            <a:endParaRPr lang="en-US" dirty="0"/>
-          </a:p>
-        </p:txBody>
-      </p:sp>
-    </p:spTree>
-    <p:extLst>
-      <p:ext uri="{BB962C8B-B14F-4D97-AF65-F5344CB8AC3E}">
-        <p14:creationId xmlns:p14="http://schemas.microsoft.com/office/powerpoint/2010/main" val="3519858869"/>
-      </p:ext>
-    </p:extLst>
-  </p:cSld>
-  <p:clrMapOvr>
-    <a:masterClrMapping/>
-  </p:clrMapOvr>
-  <p:timing>
-    <p:tnLst>
-      <p:par>
-        <p:cTn id="1" dur="indefinite" restart="never" nodeType="tmRoot"/>
-      </p:par>
-    </p:tnLst>
-  </p:timing>
-</p:sld>
-</file>
-
-<file path=ppt/slides/slide7.xml><?xml version="1.0" encoding="utf-8"?>
-<p:sld xmlns:a="http://schemas.openxmlformats.org/drawingml/2006/main" xmlns:r="http://schemas.openxmlformats.org/officeDocument/2006/relationships" xmlns:p="http://schemas.openxmlformats.org/presentationml/2006/main">
-  <p:cSld>
-    <p:spTree>
-      <p:nvGrpSpPr>
-        <p:cNvPr id="1" name=""/>
-        <p:cNvGrpSpPr/>
-        <p:nvPr/>
-      </p:nvGrpSpPr>
-      <p:grpSpPr>
-        <a:xfrm>
-          <a:off x="0" y="0"/>
-          <a:ext cx="0" cy="0"/>
-          <a:chOff x="0" y="0"/>
-          <a:chExt cx="0" cy="0"/>
-        </a:xfrm>
-      </p:grpSpPr>
-      <p:sp>
-        <p:nvSpPr>
-          <p:cNvPr id="2" name="Title 1"/>
-          <p:cNvSpPr>
-            <a:spLocks noGrp="1"/>
-          </p:cNvSpPr>
-          <p:nvPr>
-            <p:ph type="title"/>
-          </p:nvPr>
-        </p:nvSpPr>
-        <p:spPr/>
-        <p:txBody>
-          <a:bodyPr/>
-          <a:lstStyle/>
-          <a:p>
-            <a:r>
-              <a:rPr lang="en-US" dirty="0" smtClean="0"/>
-              <a:t>Further Enhancements</a:t>
-            </a:r>
-            <a:endParaRPr lang="en-US" dirty="0"/>
-          </a:p>
-        </p:txBody>
-      </p:sp>
-      <p:sp>
-        <p:nvSpPr>
-          <p:cNvPr id="4" name="Slide Number Placeholder 3"/>
-          <p:cNvSpPr>
-            <a:spLocks noGrp="1"/>
-          </p:cNvSpPr>
-          <p:nvPr>
-            <p:ph type="sldNum" sz="quarter" idx="12"/>
-          </p:nvPr>
-        </p:nvSpPr>
-        <p:spPr/>
-        <p:txBody>
-          <a:bodyPr/>
-          <a:lstStyle/>
-          <a:p>
-            <a:fld id="{639B228B-E4D6-40B8-B79B-9A0D26B7F84A}" type="slidenum">
-              <a:rPr lang="en-US" smtClean="0"/>
-              <a:pPr/>
-              <a:t>7</a:t>
-            </a:fld>
-            <a:endParaRPr lang="en-US" dirty="0"/>
-          </a:p>
-        </p:txBody>
-      </p:sp>
-      <p:graphicFrame>
-        <p:nvGraphicFramePr>
-          <p:cNvPr id="5" name="Diagram 4"/>
-          <p:cNvGraphicFramePr/>
-          <p:nvPr>
-            <p:extLst>
-              <p:ext uri="{D42A27DB-BD31-4B8C-83A1-F6EECF244321}">
-                <p14:modId xmlns:p14="http://schemas.microsoft.com/office/powerpoint/2010/main" val="4041276274"/>
+                <p14:modId xmlns:p14="http://schemas.microsoft.com/office/powerpoint/2010/main" val="830465199"/>
               </p:ext>
             </p:extLst>
           </p:nvPr>
@@ -15693,14 +15360,14 @@
       </p:pic>
       <p:pic>
         <p:nvPicPr>
-          <p:cNvPr id="1030" name="Picture 6"/>
+          <p:cNvPr id="3" name="Picture 2"/>
           <p:cNvPicPr>
             <a:picLocks noChangeAspect="1" noChangeArrowheads="1"/>
           </p:cNvPicPr>
           <p:nvPr/>
         </p:nvPicPr>
         <p:blipFill>
-          <a:blip r:embed="rId9">
+          <a:blip r:embed="rId9" cstate="print">
             <a:extLst>
               <a:ext uri="{28A0092B-C50C-407E-A947-70E740481C1C}">
                 <a14:useLocalDpi xmlns:a14="http://schemas.microsoft.com/office/drawing/2010/main" val="0"/>
@@ -15714,8 +15381,8 @@
         </p:blipFill>
         <p:spPr bwMode="auto">
           <a:xfrm>
-            <a:off x="1493938" y="5400512"/>
-            <a:ext cx="660854" cy="562545"/>
+            <a:off x="1525312" y="5414744"/>
+            <a:ext cx="610567" cy="588208"/>
           </a:xfrm>
           <a:prstGeom prst="rect">
             <a:avLst/>

--- a/UGNM_Instantmessaging/doc/PresentationIM.pptx
+++ b/UGNM_Instantmessaging/doc/PresentationIM.pptx
@@ -5,7 +5,7 @@
     <p:sldMasterId id="2147483648" r:id="rId1"/>
   </p:sldMasterIdLst>
   <p:notesMasterIdLst>
-    <p:notesMasterId r:id="rId7"/>
+    <p:notesMasterId r:id="rId12"/>
   </p:notesMasterIdLst>
   <p:sldIdLst>
     <p:sldId id="256" r:id="rId2"/>
@@ -13,6 +13,11 @@
     <p:sldId id="260" r:id="rId4"/>
     <p:sldId id="261" r:id="rId5"/>
     <p:sldId id="263" r:id="rId6"/>
+    <p:sldId id="268" r:id="rId7"/>
+    <p:sldId id="264" r:id="rId8"/>
+    <p:sldId id="265" r:id="rId9"/>
+    <p:sldId id="266" r:id="rId10"/>
+    <p:sldId id="267" r:id="rId11"/>
   </p:sldIdLst>
   <p:sldSz cx="9144000" cy="6858000" type="screen4x3"/>
   <p:notesSz cx="6858000" cy="9144000"/>
@@ -1762,15 +1767,7 @@
                 <a:srgbClr val="3C536F"/>
               </a:solidFill>
             </a:rPr>
-            <a:t>code available for </a:t>
-          </a:r>
-          <a:r>
-            <a:rPr lang="en-US" sz="1800" b="1" dirty="0" smtClean="0">
-              <a:solidFill>
-                <a:srgbClr val="3C536F"/>
-              </a:solidFill>
-            </a:rPr>
-            <a:t>reuse</a:t>
+            <a:t>code available for reuse</a:t>
           </a:r>
           <a:endParaRPr lang="en-US" sz="1800" b="1" dirty="0">
             <a:solidFill>
@@ -2380,12 +2377,20 @@
         <a:p>
           <a:pPr algn="l"/>
           <a:r>
+            <a:rPr lang="en-US" sz="2000" b="0" dirty="0" err="1" smtClean="0">
+              <a:solidFill>
+                <a:schemeClr val="tx1"/>
+              </a:solidFill>
+            </a:rPr>
+            <a:t>Seaching</a:t>
+          </a:r>
+          <a:r>
             <a:rPr lang="en-US" sz="2000" b="0" dirty="0" smtClean="0">
               <a:solidFill>
                 <a:schemeClr val="tx1"/>
               </a:solidFill>
             </a:rPr>
-            <a:t>Search history with key words</a:t>
+            <a:t> history with key words</a:t>
           </a:r>
           <a:endParaRPr lang="en-US" sz="2000" b="0" dirty="0">
             <a:solidFill>
@@ -2544,15 +2549,7 @@
                 <a:schemeClr val="tx1"/>
               </a:solidFill>
             </a:rPr>
-            <a:t>Integration with other </a:t>
-          </a:r>
-          <a:r>
-            <a:rPr lang="en-US" sz="2000" b="0" dirty="0" smtClean="0">
-              <a:solidFill>
-                <a:schemeClr val="tx1"/>
-              </a:solidFill>
-            </a:rPr>
-            <a:t>services like IRC </a:t>
+            <a:t>Integration with other services like IRC </a:t>
           </a:r>
           <a:endParaRPr lang="en-US" sz="2000" b="0" dirty="0">
             <a:solidFill>
@@ -3030,15 +3027,7 @@
                 <a:srgbClr val="3C536F"/>
               </a:solidFill>
             </a:rPr>
-            <a:t>code available for </a:t>
-          </a:r>
-          <a:r>
-            <a:rPr lang="en-US" sz="1800" b="1" kern="1200" dirty="0" smtClean="0">
-              <a:solidFill>
-                <a:srgbClr val="3C536F"/>
-              </a:solidFill>
-            </a:rPr>
-            <a:t>reuse</a:t>
+            <a:t>code available for reuse</a:t>
           </a:r>
           <a:endParaRPr lang="en-US" sz="1800" b="1" kern="1200" dirty="0">
             <a:solidFill>
@@ -3636,12 +3625,20 @@
             </a:spcAft>
           </a:pPr>
           <a:r>
+            <a:rPr lang="en-US" sz="2000" b="0" kern="1200" dirty="0" err="1" smtClean="0">
+              <a:solidFill>
+                <a:schemeClr val="tx1"/>
+              </a:solidFill>
+            </a:rPr>
+            <a:t>Seaching</a:t>
+          </a:r>
+          <a:r>
             <a:rPr lang="en-US" sz="2000" b="0" kern="1200" dirty="0" smtClean="0">
               <a:solidFill>
                 <a:schemeClr val="tx1"/>
               </a:solidFill>
             </a:rPr>
-            <a:t>Search history with key words</a:t>
+            <a:t> history with key words</a:t>
           </a:r>
           <a:endParaRPr lang="en-US" sz="2000" b="0" kern="1200" dirty="0">
             <a:solidFill>
@@ -3986,15 +3983,7 @@
                 <a:schemeClr val="tx1"/>
               </a:solidFill>
             </a:rPr>
-            <a:t>Integration with other </a:t>
-          </a:r>
-          <a:r>
-            <a:rPr lang="en-US" sz="2000" b="0" kern="1200" dirty="0" smtClean="0">
-              <a:solidFill>
-                <a:schemeClr val="tx1"/>
-              </a:solidFill>
-            </a:rPr>
-            <a:t>services like IRC </a:t>
+            <a:t>Integration with other services like IRC </a:t>
           </a:r>
           <a:endParaRPr lang="en-US" sz="2000" b="0" kern="1200" dirty="0">
             <a:solidFill>
@@ -8127,7 +8116,7 @@
           <a:p>
             <a:fld id="{25311B48-C320-4C6B-A4ED-882654EB857D}" type="datetimeFigureOut">
               <a:rPr lang="en-US" smtClean="0"/>
-              <a:t>2/3/2015</a:t>
+              <a:t>2/6/2015</a:t>
             </a:fld>
             <a:endParaRPr lang="en-US"/>
           </a:p>
@@ -8393,6 +8382,90 @@
     </a:lvl9pPr>
   </p:notesStyle>
 </p:notesMaster>
+</file>
+
+<file path=ppt/notesSlides/notesSlide1.xml><?xml version="1.0" encoding="utf-8"?>
+<p:notes xmlns:a="http://schemas.openxmlformats.org/drawingml/2006/main" xmlns:r="http://schemas.openxmlformats.org/officeDocument/2006/relationships" xmlns:p="http://schemas.openxmlformats.org/presentationml/2006/main">
+  <p:cSld>
+    <p:spTree>
+      <p:nvGrpSpPr>
+        <p:cNvPr id="1" name=""/>
+        <p:cNvGrpSpPr/>
+        <p:nvPr/>
+      </p:nvGrpSpPr>
+      <p:grpSpPr>
+        <a:xfrm>
+          <a:off x="0" y="0"/>
+          <a:ext cx="0" cy="0"/>
+          <a:chOff x="0" y="0"/>
+          <a:chExt cx="0" cy="0"/>
+        </a:xfrm>
+      </p:grpSpPr>
+      <p:sp>
+        <p:nvSpPr>
+          <p:cNvPr id="2" name="Slide Image Placeholder 1"/>
+          <p:cNvSpPr>
+            <a:spLocks noGrp="1" noRot="1" noChangeAspect="1"/>
+          </p:cNvSpPr>
+          <p:nvPr>
+            <p:ph type="sldImg"/>
+          </p:nvPr>
+        </p:nvSpPr>
+        <p:spPr/>
+      </p:sp>
+      <p:sp>
+        <p:nvSpPr>
+          <p:cNvPr id="3" name="Notes Placeholder 2"/>
+          <p:cNvSpPr>
+            <a:spLocks noGrp="1"/>
+          </p:cNvSpPr>
+          <p:nvPr>
+            <p:ph type="body" idx="1"/>
+          </p:nvPr>
+        </p:nvSpPr>
+        <p:spPr/>
+        <p:txBody>
+          <a:bodyPr/>
+          <a:lstStyle/>
+          <a:p>
+            <a:endParaRPr lang="en-US" dirty="0"/>
+          </a:p>
+        </p:txBody>
+      </p:sp>
+      <p:sp>
+        <p:nvSpPr>
+          <p:cNvPr id="4" name="Slide Number Placeholder 3"/>
+          <p:cNvSpPr>
+            <a:spLocks noGrp="1"/>
+          </p:cNvSpPr>
+          <p:nvPr>
+            <p:ph type="sldNum" sz="quarter" idx="10"/>
+          </p:nvPr>
+        </p:nvSpPr>
+        <p:spPr/>
+        <p:txBody>
+          <a:bodyPr/>
+          <a:lstStyle/>
+          <a:p>
+            <a:fld id="{0AE27A20-6DF0-4715-80D6-CAFF8BC4F1B6}" type="slidenum">
+              <a:rPr lang="en-US" smtClean="0"/>
+              <a:t>1</a:t>
+            </a:fld>
+            <a:endParaRPr lang="en-US"/>
+          </a:p>
+        </p:txBody>
+      </p:sp>
+    </p:spTree>
+    <p:extLst>
+      <p:ext uri="{BB962C8B-B14F-4D97-AF65-F5344CB8AC3E}">
+        <p14:creationId xmlns:p14="http://schemas.microsoft.com/office/powerpoint/2010/main" val="2605518528"/>
+      </p:ext>
+    </p:extLst>
+  </p:cSld>
+  <p:clrMapOvr>
+    <a:masterClrMapping/>
+  </p:clrMapOvr>
+</p:notes>
 </file>
 
 <file path=ppt/slideLayouts/slideLayout1.xml><?xml version="1.0" encoding="utf-8"?>
@@ -8576,7 +8649,7 @@
           <a:p>
             <a:fld id="{376874AF-159F-4CEC-9104-928F9FD1B2C9}" type="datetime1">
               <a:rPr lang="en-US" smtClean="0"/>
-              <a:t>2/3/2015</a:t>
+              <a:t>2/6/2015</a:t>
             </a:fld>
             <a:endParaRPr lang="en-US"/>
           </a:p>
@@ -9379,7 +9452,7 @@
           <a:p>
             <a:fld id="{31AADF11-9351-4F8A-A3F9-7FADD029A6D8}" type="datetime1">
               <a:rPr lang="en-US" smtClean="0"/>
-              <a:t>2/3/2015</a:t>
+              <a:t>2/6/2015</a:t>
             </a:fld>
             <a:endParaRPr lang="en-US"/>
           </a:p>
@@ -9559,7 +9632,7 @@
           <a:p>
             <a:fld id="{0C53FADC-7B3A-48F4-99B1-26127968BF23}" type="datetime1">
               <a:rPr lang="en-US" smtClean="0"/>
-              <a:t>2/3/2015</a:t>
+              <a:t>2/6/2015</a:t>
             </a:fld>
             <a:endParaRPr lang="en-US"/>
           </a:p>
@@ -9743,7 +9816,7 @@
           <a:p>
             <a:fld id="{4881E60F-E9AC-4322-BE61-AC93285DAEA4}" type="datetime1">
               <a:rPr lang="en-US" smtClean="0"/>
-              <a:t>2/3/2015</a:t>
+              <a:t>2/6/2015</a:t>
             </a:fld>
             <a:endParaRPr lang="en-US"/>
           </a:p>
@@ -10566,7 +10639,7 @@
           <a:p>
             <a:fld id="{F38595E2-8FF9-4742-8317-E3F9F01938B0}" type="datetime1">
               <a:rPr lang="en-US" smtClean="0"/>
-              <a:t>2/3/2015</a:t>
+              <a:t>2/6/2015</a:t>
             </a:fld>
             <a:endParaRPr lang="en-US"/>
           </a:p>
@@ -10854,7 +10927,7 @@
           <a:p>
             <a:fld id="{99AFA6CA-EC1C-40D2-8BD0-45C7B1F3AD9B}" type="datetime1">
               <a:rPr lang="en-US" smtClean="0"/>
-              <a:t>2/3/2015</a:t>
+              <a:t>2/6/2015</a:t>
             </a:fld>
             <a:endParaRPr lang="en-US"/>
           </a:p>
@@ -11276,7 +11349,7 @@
           <a:p>
             <a:fld id="{B956E2BD-C9EB-4C76-8811-39DF168BCDA1}" type="datetime1">
               <a:rPr lang="en-US" smtClean="0"/>
-              <a:t>2/3/2015</a:t>
+              <a:t>2/6/2015</a:t>
             </a:fld>
             <a:endParaRPr lang="en-US"/>
           </a:p>
@@ -11394,7 +11467,7 @@
           <a:p>
             <a:fld id="{D8ABADA8-C847-4688-A1C2-4391DA5D5716}" type="datetime1">
               <a:rPr lang="en-US" smtClean="0"/>
-              <a:t>2/3/2015</a:t>
+              <a:t>2/6/2015</a:t>
             </a:fld>
             <a:endParaRPr lang="en-US"/>
           </a:p>
@@ -11489,7 +11562,7 @@
           <a:p>
             <a:fld id="{DAC1E19D-366B-4BC1-98C6-648060562CFC}" type="datetime1">
               <a:rPr lang="en-US" smtClean="0"/>
-              <a:t>2/3/2015</a:t>
+              <a:t>2/6/2015</a:t>
             </a:fld>
             <a:endParaRPr lang="en-US"/>
           </a:p>
@@ -11766,7 +11839,7 @@
           <a:p>
             <a:fld id="{439D7FBD-36F1-44BC-BC3A-6EC3DE10F642}" type="datetime1">
               <a:rPr lang="en-US" smtClean="0"/>
-              <a:t>2/3/2015</a:t>
+              <a:t>2/6/2015</a:t>
             </a:fld>
             <a:endParaRPr lang="en-US"/>
           </a:p>
@@ -12019,7 +12092,7 @@
           <a:p>
             <a:fld id="{FD07A776-1210-4F33-868F-121AC297E95A}" type="datetime1">
               <a:rPr lang="en-US" smtClean="0"/>
-              <a:t>2/3/2015</a:t>
+              <a:t>2/6/2015</a:t>
             </a:fld>
             <a:endParaRPr lang="en-US"/>
           </a:p>
@@ -12232,7 +12305,7 @@
           <a:p>
             <a:fld id="{D048E1EF-96E8-486D-B984-DD8D76E8775D}" type="datetime1">
               <a:rPr lang="en-US" smtClean="0"/>
-              <a:t>2/3/2015</a:t>
+              <a:t>2/6/2015</a:t>
             </a:fld>
             <a:endParaRPr lang="en-US"/>
           </a:p>
@@ -12668,138 +12741,6 @@
       </p:sp>
       <p:sp>
         <p:nvSpPr>
-          <p:cNvPr id="3" name="Subtitle 2"/>
-          <p:cNvSpPr>
-            <a:spLocks noGrp="1"/>
-          </p:cNvSpPr>
-          <p:nvPr>
-            <p:ph type="subTitle" idx="1"/>
-          </p:nvPr>
-        </p:nvSpPr>
-        <p:spPr>
-          <a:xfrm>
-            <a:off x="395536" y="548680"/>
-            <a:ext cx="3024336" cy="1080120"/>
-          </a:xfrm>
-        </p:spPr>
-        <p:txBody>
-          <a:bodyPr>
-            <a:noAutofit/>
-          </a:bodyPr>
-          <a:lstStyle/>
-          <a:p>
-            <a:pPr algn="r">
-              <a:lnSpc>
-                <a:spcPct val="110000"/>
-              </a:lnSpc>
-              <a:spcBef>
-                <a:spcPts val="0"/>
-              </a:spcBef>
-            </a:pPr>
-            <a:r>
-              <a:rPr lang="de-DE" sz="1600" b="1" dirty="0" smtClean="0">
-                <a:solidFill>
-                  <a:schemeClr val="bg1"/>
-                </a:solidFill>
-              </a:rPr>
-              <a:t>Marco Dung</a:t>
-            </a:r>
-          </a:p>
-          <a:p>
-            <a:pPr algn="r">
-              <a:lnSpc>
-                <a:spcPct val="110000"/>
-              </a:lnSpc>
-              <a:spcBef>
-                <a:spcPts val="0"/>
-              </a:spcBef>
-            </a:pPr>
-            <a:r>
-              <a:rPr lang="de-DE" sz="1600" b="1" dirty="0" smtClean="0">
-                <a:solidFill>
-                  <a:schemeClr val="bg1"/>
-                </a:solidFill>
-              </a:rPr>
-              <a:t>Christoph Krämer</a:t>
-            </a:r>
-          </a:p>
-          <a:p>
-            <a:pPr algn="r">
-              <a:lnSpc>
-                <a:spcPct val="110000"/>
-              </a:lnSpc>
-              <a:spcBef>
-                <a:spcPts val="0"/>
-              </a:spcBef>
-            </a:pPr>
-            <a:r>
-              <a:rPr lang="de-DE" sz="1600" b="1" dirty="0" smtClean="0">
-                <a:solidFill>
-                  <a:schemeClr val="bg1"/>
-                </a:solidFill>
-              </a:rPr>
-              <a:t>Ying Li</a:t>
-            </a:r>
-          </a:p>
-          <a:p>
-            <a:pPr algn="r">
-              <a:lnSpc>
-                <a:spcPct val="110000"/>
-              </a:lnSpc>
-              <a:spcBef>
-                <a:spcPts val="0"/>
-              </a:spcBef>
-            </a:pPr>
-            <a:r>
-              <a:rPr lang="de-DE" sz="1600" b="1" dirty="0" smtClean="0">
-                <a:solidFill>
-                  <a:schemeClr val="bg1"/>
-                </a:solidFill>
-              </a:rPr>
-              <a:t> </a:t>
-            </a:r>
-          </a:p>
-          <a:p>
-            <a:pPr algn="r">
-              <a:lnSpc>
-                <a:spcPct val="110000"/>
-              </a:lnSpc>
-              <a:spcBef>
-                <a:spcPts val="0"/>
-              </a:spcBef>
-            </a:pPr>
-            <a:r>
-              <a:rPr lang="de-DE" sz="1600" b="1" dirty="0" smtClean="0">
-                <a:solidFill>
-                  <a:schemeClr val="bg1"/>
-                </a:solidFill>
-              </a:rPr>
-              <a:t>06.02.2015</a:t>
-            </a:r>
-            <a:endParaRPr lang="en-US" sz="1600" b="1" dirty="0" smtClean="0">
-              <a:solidFill>
-                <a:schemeClr val="bg1"/>
-              </a:solidFill>
-            </a:endParaRPr>
-          </a:p>
-          <a:p>
-            <a:endParaRPr lang="de-DE" sz="1600" b="1" dirty="0" smtClean="0">
-              <a:solidFill>
-                <a:schemeClr val="bg1"/>
-              </a:solidFill>
-            </a:endParaRPr>
-          </a:p>
-          <a:p>
-            <a:endParaRPr lang="en-US" sz="1600" b="1" dirty="0">
-              <a:solidFill>
-                <a:schemeClr val="bg1"/>
-              </a:solidFill>
-            </a:endParaRPr>
-          </a:p>
-        </p:txBody>
-      </p:sp>
-      <p:sp>
-        <p:nvSpPr>
           <p:cNvPr id="18" name="Rectangle 17"/>
           <p:cNvSpPr/>
           <p:nvPr/>
@@ -12844,22 +12785,14 @@
             <a:pPr algn="r"/>
             <a:r>
               <a:rPr lang="de-DE" b="1" dirty="0" smtClean="0"/>
-              <a:t>Development Team: </a:t>
-            </a:r>
-            <a:r>
-              <a:rPr lang="de-DE" b="1" dirty="0" smtClean="0"/>
-              <a:t>Marco Dung, Christoph Krämer, Ying Li  </a:t>
+              <a:t>Development Team: Marco Dung, Christoph Krämer, Ying Li  </a:t>
             </a:r>
           </a:p>
           <a:p>
             <a:pPr algn="r"/>
             <a:r>
               <a:rPr lang="en-US" b="1" dirty="0" smtClean="0"/>
-              <a:t>06.02.2015</a:t>
-            </a:r>
-            <a:r>
-              <a:rPr lang="en-US" b="1" dirty="0" smtClean="0"/>
-              <a:t>, </a:t>
+              <a:t>06.02.2015, </a:t>
             </a:r>
             <a:r>
               <a:rPr lang="de-DE" b="1" dirty="0"/>
@@ -12882,7 +12815,7 @@
         <p:spPr>
           <a:xfrm>
             <a:off x="2483232" y="2665230"/>
-            <a:ext cx="4681056" cy="2779994"/>
+            <a:ext cx="4681056" cy="2563970"/>
           </a:xfrm>
           <a:prstGeom prst="roundRect">
             <a:avLst/>
@@ -12928,7 +12861,7 @@
         <p:spPr>
           <a:xfrm>
             <a:off x="2666008" y="2809638"/>
-            <a:ext cx="4320480" cy="2495762"/>
+            <a:ext cx="4320480" cy="2275546"/>
           </a:xfrm>
           <a:prstGeom prst="roundRect">
             <a:avLst/>
@@ -12972,14 +12905,14 @@
       </p:sp>
       <p:pic>
         <p:nvPicPr>
-          <p:cNvPr id="3074" name="Picture 2"/>
+          <p:cNvPr id="1026" name="Picture 2"/>
           <p:cNvPicPr>
             <a:picLocks noChangeAspect="1" noChangeArrowheads="1"/>
           </p:cNvPicPr>
           <p:nvPr/>
         </p:nvPicPr>
         <p:blipFill>
-          <a:blip r:embed="rId2" cstate="print">
+          <a:blip r:embed="rId3" cstate="print">
             <a:extLst>
               <a:ext uri="{28A0092B-C50C-407E-A947-70E740481C1C}">
                 <a14:useLocalDpi xmlns:a14="http://schemas.microsoft.com/office/drawing/2010/main" val="0"/>
@@ -12993,8 +12926,8 @@
         </p:blipFill>
         <p:spPr bwMode="auto">
           <a:xfrm>
-            <a:off x="3059832" y="2840118"/>
-            <a:ext cx="3600400" cy="2419562"/>
+            <a:off x="2923663" y="2901078"/>
+            <a:ext cx="3849884" cy="2059522"/>
           </a:xfrm>
           <a:prstGeom prst="rect">
             <a:avLst/>
@@ -13024,10 +12957,375 @@
           </a:extLst>
         </p:spPr>
       </p:pic>
+      <p:sp>
+        <p:nvSpPr>
+          <p:cNvPr id="5" name="Subtitle 4"/>
+          <p:cNvSpPr>
+            <a:spLocks noGrp="1"/>
+          </p:cNvSpPr>
+          <p:nvPr>
+            <p:ph type="subTitle" idx="1"/>
+          </p:nvPr>
+        </p:nvSpPr>
+        <p:spPr/>
+        <p:txBody>
+          <a:bodyPr/>
+          <a:lstStyle/>
+          <a:p>
+            <a:endParaRPr lang="en-US"/>
+          </a:p>
+        </p:txBody>
+      </p:sp>
     </p:spTree>
     <p:extLst>
       <p:ext uri="{BB962C8B-B14F-4D97-AF65-F5344CB8AC3E}">
         <p14:creationId xmlns:p14="http://schemas.microsoft.com/office/powerpoint/2010/main" val="3468920714"/>
+      </p:ext>
+    </p:extLst>
+  </p:cSld>
+  <p:clrMapOvr>
+    <a:masterClrMapping/>
+  </p:clrMapOvr>
+  <p:timing>
+    <p:tnLst>
+      <p:par>
+        <p:cTn id="1" dur="indefinite" restart="never" nodeType="tmRoot"/>
+      </p:par>
+    </p:tnLst>
+  </p:timing>
+</p:sld>
+</file>
+
+<file path=ppt/slides/slide10.xml><?xml version="1.0" encoding="utf-8"?>
+<p:sld xmlns:a="http://schemas.openxmlformats.org/drawingml/2006/main" xmlns:r="http://schemas.openxmlformats.org/officeDocument/2006/relationships" xmlns:p="http://schemas.openxmlformats.org/presentationml/2006/main">
+  <p:cSld>
+    <p:spTree>
+      <p:nvGrpSpPr>
+        <p:cNvPr id="1" name=""/>
+        <p:cNvGrpSpPr/>
+        <p:nvPr/>
+      </p:nvGrpSpPr>
+      <p:grpSpPr>
+        <a:xfrm>
+          <a:off x="0" y="0"/>
+          <a:ext cx="0" cy="0"/>
+          <a:chOff x="0" y="0"/>
+          <a:chExt cx="0" cy="0"/>
+        </a:xfrm>
+      </p:grpSpPr>
+      <p:sp>
+        <p:nvSpPr>
+          <p:cNvPr id="2" name="Title 1"/>
+          <p:cNvSpPr>
+            <a:spLocks noGrp="1"/>
+          </p:cNvSpPr>
+          <p:nvPr>
+            <p:ph type="title"/>
+          </p:nvPr>
+        </p:nvSpPr>
+        <p:spPr/>
+        <p:txBody>
+          <a:bodyPr/>
+          <a:lstStyle/>
+          <a:p>
+            <a:r>
+              <a:rPr lang="en-US" dirty="0" smtClean="0"/>
+              <a:t>Message Management</a:t>
+            </a:r>
+            <a:endParaRPr lang="en-US" dirty="0"/>
+          </a:p>
+        </p:txBody>
+      </p:sp>
+      <p:sp>
+        <p:nvSpPr>
+          <p:cNvPr id="4" name="Slide Number Placeholder 3"/>
+          <p:cNvSpPr>
+            <a:spLocks noGrp="1"/>
+          </p:cNvSpPr>
+          <p:nvPr>
+            <p:ph type="sldNum" sz="quarter" idx="12"/>
+          </p:nvPr>
+        </p:nvSpPr>
+        <p:spPr/>
+        <p:txBody>
+          <a:bodyPr/>
+          <a:lstStyle/>
+          <a:p>
+            <a:fld id="{639B228B-E4D6-40B8-B79B-9A0D26B7F84A}" type="slidenum">
+              <a:rPr lang="en-US" smtClean="0"/>
+              <a:pPr/>
+              <a:t>10</a:t>
+            </a:fld>
+            <a:endParaRPr lang="en-US" dirty="0"/>
+          </a:p>
+        </p:txBody>
+      </p:sp>
+      <p:pic>
+        <p:nvPicPr>
+          <p:cNvPr id="2050" name="Picture 2"/>
+          <p:cNvPicPr>
+            <a:picLocks noChangeAspect="1" noChangeArrowheads="1"/>
+          </p:cNvPicPr>
+          <p:nvPr/>
+        </p:nvPicPr>
+        <p:blipFill>
+          <a:blip r:embed="rId2">
+            <a:extLst>
+              <a:ext uri="{28A0092B-C50C-407E-A947-70E740481C1C}">
+                <a14:useLocalDpi xmlns:a14="http://schemas.microsoft.com/office/drawing/2010/main" val="0"/>
+              </a:ext>
+            </a:extLst>
+          </a:blip>
+          <a:srcRect/>
+          <a:stretch>
+            <a:fillRect/>
+          </a:stretch>
+        </p:blipFill>
+        <p:spPr bwMode="auto">
+          <a:xfrm>
+            <a:off x="2974032" y="1495425"/>
+            <a:ext cx="5486400" cy="4933950"/>
+          </a:xfrm>
+          <a:prstGeom prst="rect">
+            <a:avLst/>
+          </a:prstGeom>
+          <a:noFill/>
+          <a:ln>
+            <a:noFill/>
+          </a:ln>
+          <a:extLst>
+            <a:ext uri="{909E8E84-426E-40DD-AFC4-6F175D3DCCD1}">
+              <a14:hiddenFill xmlns:a14="http://schemas.microsoft.com/office/drawing/2010/main">
+                <a:solidFill>
+                  <a:schemeClr val="accent1"/>
+                </a:solidFill>
+              </a14:hiddenFill>
+            </a:ext>
+            <a:ext uri="{91240B29-F687-4F45-9708-019B960494DF}">
+              <a14:hiddenLine xmlns:a14="http://schemas.microsoft.com/office/drawing/2010/main" w="9525">
+                <a:solidFill>
+                  <a:schemeClr val="tx1"/>
+                </a:solidFill>
+                <a:miter lim="800000"/>
+                <a:headEnd/>
+                <a:tailEnd/>
+              </a14:hiddenLine>
+            </a:ext>
+          </a:extLst>
+        </p:spPr>
+      </p:pic>
+      <p:sp>
+        <p:nvSpPr>
+          <p:cNvPr id="6" name="Striped Right Arrow 5">
+            <a:hlinkClick r:id="rId3" action="ppaction://hlinksldjump"/>
+          </p:cNvPr>
+          <p:cNvSpPr/>
+          <p:nvPr/>
+        </p:nvSpPr>
+        <p:spPr>
+          <a:xfrm>
+            <a:off x="8460432" y="5949280"/>
+            <a:ext cx="288032" cy="261744"/>
+          </a:xfrm>
+          <a:prstGeom prst="stripedRightArrow">
+            <a:avLst/>
+          </a:prstGeom>
+          <a:solidFill>
+            <a:schemeClr val="bg2">
+              <a:lumMod val="50000"/>
+            </a:schemeClr>
+          </a:solidFill>
+          <a:ln>
+            <a:noFill/>
+          </a:ln>
+        </p:spPr>
+        <p:style>
+          <a:lnRef idx="2">
+            <a:schemeClr val="accent1">
+              <a:shade val="50000"/>
+            </a:schemeClr>
+          </a:lnRef>
+          <a:fillRef idx="1">
+            <a:schemeClr val="accent1"/>
+          </a:fillRef>
+          <a:effectRef idx="0">
+            <a:schemeClr val="accent1"/>
+          </a:effectRef>
+          <a:fontRef idx="minor">
+            <a:schemeClr val="lt1"/>
+          </a:fontRef>
+        </p:style>
+        <p:txBody>
+          <a:bodyPr rtlCol="0" anchor="ctr"/>
+          <a:lstStyle/>
+          <a:p>
+            <a:pPr algn="ctr"/>
+            <a:endParaRPr lang="en-US"/>
+          </a:p>
+        </p:txBody>
+      </p:sp>
+      <p:sp>
+        <p:nvSpPr>
+          <p:cNvPr id="7" name="Rounded Rectangle 6"/>
+          <p:cNvSpPr/>
+          <p:nvPr/>
+        </p:nvSpPr>
+        <p:spPr>
+          <a:xfrm>
+            <a:off x="46544" y="1486277"/>
+            <a:ext cx="2880320" cy="1584176"/>
+          </a:xfrm>
+          <a:prstGeom prst="roundRect">
+            <a:avLst/>
+          </a:prstGeom>
+          <a:pattFill prst="pct5">
+            <a:fgClr>
+              <a:srgbClr val="F9A703"/>
+            </a:fgClr>
+            <a:bgClr>
+              <a:schemeClr val="bg1"/>
+            </a:bgClr>
+          </a:pattFill>
+          <a:ln w="50800">
+            <a:solidFill>
+              <a:srgbClr val="F9A703"/>
+            </a:solidFill>
+          </a:ln>
+        </p:spPr>
+        <p:style>
+          <a:lnRef idx="2">
+            <a:schemeClr val="accent1">
+              <a:shade val="50000"/>
+            </a:schemeClr>
+          </a:lnRef>
+          <a:fillRef idx="1">
+            <a:schemeClr val="accent1"/>
+          </a:fillRef>
+          <a:effectRef idx="0">
+            <a:schemeClr val="accent1"/>
+          </a:effectRef>
+          <a:fontRef idx="minor">
+            <a:schemeClr val="lt1"/>
+          </a:fontRef>
+        </p:style>
+        <p:txBody>
+          <a:bodyPr rtlCol="0" anchor="ctr"/>
+          <a:lstStyle/>
+          <a:p>
+            <a:endParaRPr lang="en-US" b="1">
+              <a:solidFill>
+                <a:schemeClr val="accent2"/>
+              </a:solidFill>
+            </a:endParaRPr>
+          </a:p>
+        </p:txBody>
+      </p:sp>
+      <p:sp>
+        <p:nvSpPr>
+          <p:cNvPr id="8" name="TextBox 7"/>
+          <p:cNvSpPr txBox="1"/>
+          <p:nvPr/>
+        </p:nvSpPr>
+        <p:spPr>
+          <a:xfrm>
+            <a:off x="68114" y="1673721"/>
+            <a:ext cx="2827249" cy="1477328"/>
+          </a:xfrm>
+          <a:prstGeom prst="rect">
+            <a:avLst/>
+          </a:prstGeom>
+          <a:noFill/>
+        </p:spPr>
+        <p:txBody>
+          <a:bodyPr wrap="none" rtlCol="0">
+            <a:spAutoFit/>
+          </a:bodyPr>
+          <a:lstStyle/>
+          <a:p>
+            <a:r>
+              <a:rPr lang="en-US" b="1" dirty="0" smtClean="0"/>
+              <a:t>Message Management</a:t>
+            </a:r>
+          </a:p>
+          <a:p>
+            <a:pPr marL="285750" indent="-285750">
+              <a:buClr>
+                <a:srgbClr val="F9A703"/>
+              </a:buClr>
+              <a:buFont typeface="Wingdings" panose="05000000000000000000" pitchFamily="2" charset="2"/>
+              <a:buChar char="§"/>
+            </a:pPr>
+            <a:r>
+              <a:rPr lang="de-DE" dirty="0" err="1" smtClean="0"/>
+              <a:t>messages</a:t>
+            </a:r>
+            <a:r>
+              <a:rPr lang="de-DE" dirty="0" smtClean="0"/>
+              <a:t> </a:t>
+            </a:r>
+            <a:r>
+              <a:rPr lang="de-DE" dirty="0" err="1"/>
+              <a:t>to</a:t>
+            </a:r>
+            <a:r>
+              <a:rPr lang="de-DE" dirty="0"/>
+              <a:t> offline </a:t>
+            </a:r>
+            <a:r>
+              <a:rPr lang="de-DE" dirty="0" err="1"/>
+              <a:t>users</a:t>
+            </a:r>
+            <a:endParaRPr lang="de-DE" dirty="0"/>
+          </a:p>
+          <a:p>
+            <a:pPr marL="285750" indent="-285750">
+              <a:buClr>
+                <a:srgbClr val="F9A703"/>
+              </a:buClr>
+              <a:buFont typeface="Wingdings" panose="05000000000000000000" pitchFamily="2" charset="2"/>
+              <a:buChar char="§"/>
+            </a:pPr>
+            <a:r>
+              <a:rPr lang="de-DE" dirty="0" err="1"/>
+              <a:t>chat</a:t>
+            </a:r>
+            <a:r>
+              <a:rPr lang="de-DE" dirty="0"/>
+              <a:t> </a:t>
+            </a:r>
+            <a:r>
+              <a:rPr lang="de-DE" dirty="0" err="1"/>
+              <a:t>history</a:t>
+            </a:r>
+            <a:endParaRPr lang="de-DE" dirty="0"/>
+          </a:p>
+          <a:p>
+            <a:pPr marL="285750" indent="-285750">
+              <a:buClr>
+                <a:srgbClr val="F9A703"/>
+              </a:buClr>
+              <a:buFont typeface="Wingdings" panose="05000000000000000000" pitchFamily="2" charset="2"/>
+              <a:buChar char="§"/>
+            </a:pPr>
+            <a:r>
+              <a:rPr lang="de-DE" dirty="0"/>
+              <a:t>funny </a:t>
+            </a:r>
+            <a:r>
+              <a:rPr lang="de-DE" dirty="0" err="1"/>
+              <a:t>icons</a:t>
+            </a:r>
+            <a:endParaRPr lang="de-DE" dirty="0"/>
+          </a:p>
+          <a:p>
+            <a:endParaRPr lang="en-US" dirty="0"/>
+          </a:p>
+        </p:txBody>
+      </p:sp>
+    </p:spTree>
+    <p:extLst>
+      <p:ext uri="{BB962C8B-B14F-4D97-AF65-F5344CB8AC3E}">
+        <p14:creationId xmlns:p14="http://schemas.microsoft.com/office/powerpoint/2010/main" val="3685778075"/>
       </p:ext>
     </p:extLst>
   </p:cSld>
@@ -13118,7 +13416,7 @@
         </p:nvSpPr>
         <p:spPr>
           <a:xfrm>
-            <a:off x="1259632" y="1628800"/>
+            <a:off x="1259632" y="1674520"/>
             <a:ext cx="2880320" cy="1584176"/>
           </a:xfrm>
           <a:prstGeom prst="roundRect">
@@ -13174,8 +13472,8 @@
         </p:nvSpPr>
         <p:spPr>
           <a:xfrm>
-            <a:off x="4644008" y="1628800"/>
-            <a:ext cx="2880320" cy="1584176"/>
+            <a:off x="4644008" y="1674520"/>
+            <a:ext cx="2903960" cy="1584176"/>
           </a:xfrm>
           <a:prstGeom prst="roundRect">
             <a:avLst/>
@@ -13342,7 +13640,7 @@
         </p:nvSpPr>
         <p:spPr>
           <a:xfrm>
-            <a:off x="1475656" y="1628800"/>
+            <a:off x="1475656" y="1674520"/>
             <a:ext cx="2144113" cy="1477328"/>
           </a:xfrm>
           <a:prstGeom prst="rect">
@@ -13423,7 +13721,7 @@
         </p:nvSpPr>
         <p:spPr>
           <a:xfrm>
-            <a:off x="5056726" y="1628800"/>
+            <a:off x="5056726" y="1674520"/>
             <a:ext cx="2413931" cy="1477328"/>
           </a:xfrm>
           <a:prstGeom prst="rect">
@@ -13529,7 +13827,7 @@
         </p:nvSpPr>
         <p:spPr>
           <a:xfrm>
-            <a:off x="1331640" y="4365104"/>
+            <a:off x="1331640" y="4319384"/>
             <a:ext cx="2757422" cy="1754326"/>
           </a:xfrm>
           <a:prstGeom prst="rect">
@@ -13642,7 +13940,7 @@
         </p:nvSpPr>
         <p:spPr>
           <a:xfrm>
-            <a:off x="4735761" y="4360912"/>
+            <a:off x="4735761" y="4323576"/>
             <a:ext cx="2827249" cy="1477328"/>
           </a:xfrm>
           <a:prstGeom prst="rect">
@@ -13822,6 +14120,206 @@
                 <a:schemeClr val="bg1"/>
               </a:solidFill>
             </a:endParaRPr>
+          </a:p>
+        </p:txBody>
+      </p:sp>
+      <p:sp>
+        <p:nvSpPr>
+          <p:cNvPr id="3" name="Striped Right Arrow 2">
+            <a:hlinkClick r:id="rId2" action="ppaction://hlinksldjump"/>
+          </p:cNvPr>
+          <p:cNvSpPr/>
+          <p:nvPr/>
+        </p:nvSpPr>
+        <p:spPr>
+          <a:xfrm>
+            <a:off x="1475656" y="2905512"/>
+            <a:ext cx="288032" cy="261744"/>
+          </a:xfrm>
+          <a:prstGeom prst="stripedRightArrow">
+            <a:avLst/>
+          </a:prstGeom>
+          <a:solidFill>
+            <a:schemeClr val="bg2">
+              <a:lumMod val="50000"/>
+            </a:schemeClr>
+          </a:solidFill>
+          <a:ln>
+            <a:noFill/>
+          </a:ln>
+        </p:spPr>
+        <p:style>
+          <a:lnRef idx="2">
+            <a:schemeClr val="accent1">
+              <a:shade val="50000"/>
+            </a:schemeClr>
+          </a:lnRef>
+          <a:fillRef idx="1">
+            <a:schemeClr val="accent1"/>
+          </a:fillRef>
+          <a:effectRef idx="0">
+            <a:schemeClr val="accent1"/>
+          </a:effectRef>
+          <a:fontRef idx="minor">
+            <a:schemeClr val="lt1"/>
+          </a:fontRef>
+        </p:style>
+        <p:txBody>
+          <a:bodyPr rtlCol="0" anchor="ctr"/>
+          <a:lstStyle/>
+          <a:p>
+            <a:pPr algn="ctr"/>
+            <a:endParaRPr lang="en-US"/>
+          </a:p>
+        </p:txBody>
+      </p:sp>
+      <p:sp>
+        <p:nvSpPr>
+          <p:cNvPr id="14" name="Striped Right Arrow 13">
+            <a:hlinkClick r:id="rId3" action="ppaction://hlinksldjump"/>
+          </p:cNvPr>
+          <p:cNvSpPr/>
+          <p:nvPr/>
+        </p:nvSpPr>
+        <p:spPr>
+          <a:xfrm>
+            <a:off x="7020272" y="2878656"/>
+            <a:ext cx="288032" cy="261744"/>
+          </a:xfrm>
+          <a:prstGeom prst="stripedRightArrow">
+            <a:avLst/>
+          </a:prstGeom>
+          <a:solidFill>
+            <a:schemeClr val="bg2">
+              <a:lumMod val="50000"/>
+            </a:schemeClr>
+          </a:solidFill>
+          <a:ln>
+            <a:noFill/>
+          </a:ln>
+        </p:spPr>
+        <p:style>
+          <a:lnRef idx="2">
+            <a:schemeClr val="accent1">
+              <a:shade val="50000"/>
+            </a:schemeClr>
+          </a:lnRef>
+          <a:fillRef idx="1">
+            <a:schemeClr val="accent1"/>
+          </a:fillRef>
+          <a:effectRef idx="0">
+            <a:schemeClr val="accent1"/>
+          </a:effectRef>
+          <a:fontRef idx="minor">
+            <a:schemeClr val="lt1"/>
+          </a:fontRef>
+        </p:style>
+        <p:txBody>
+          <a:bodyPr rtlCol="0" anchor="ctr"/>
+          <a:lstStyle/>
+          <a:p>
+            <a:pPr algn="ctr"/>
+            <a:endParaRPr lang="en-US"/>
+          </a:p>
+        </p:txBody>
+      </p:sp>
+      <p:sp>
+        <p:nvSpPr>
+          <p:cNvPr id="15" name="Striped Right Arrow 14">
+            <a:hlinkClick r:id="rId4" action="ppaction://hlinksldjump"/>
+          </p:cNvPr>
+          <p:cNvSpPr/>
+          <p:nvPr/>
+        </p:nvSpPr>
+        <p:spPr>
+          <a:xfrm>
+            <a:off x="1475656" y="5470160"/>
+            <a:ext cx="288032" cy="261744"/>
+          </a:xfrm>
+          <a:prstGeom prst="stripedRightArrow">
+            <a:avLst/>
+          </a:prstGeom>
+          <a:solidFill>
+            <a:schemeClr val="bg2">
+              <a:lumMod val="50000"/>
+            </a:schemeClr>
+          </a:solidFill>
+          <a:ln>
+            <a:noFill/>
+          </a:ln>
+        </p:spPr>
+        <p:style>
+          <a:lnRef idx="2">
+            <a:schemeClr val="accent1">
+              <a:shade val="50000"/>
+            </a:schemeClr>
+          </a:lnRef>
+          <a:fillRef idx="1">
+            <a:schemeClr val="accent1"/>
+          </a:fillRef>
+          <a:effectRef idx="0">
+            <a:schemeClr val="accent1"/>
+          </a:effectRef>
+          <a:fontRef idx="minor">
+            <a:schemeClr val="lt1"/>
+          </a:fontRef>
+        </p:style>
+        <p:txBody>
+          <a:bodyPr rtlCol="0" anchor="ctr"/>
+          <a:lstStyle/>
+          <a:p>
+            <a:pPr algn="ctr"/>
+            <a:endParaRPr lang="en-US"/>
+          </a:p>
+        </p:txBody>
+      </p:sp>
+      <p:sp>
+        <p:nvSpPr>
+          <p:cNvPr id="16" name="Striped Right Arrow 15">
+            <a:hlinkClick r:id="rId5" action="ppaction://hlinksldjump"/>
+          </p:cNvPr>
+          <p:cNvSpPr/>
+          <p:nvPr/>
+        </p:nvSpPr>
+        <p:spPr>
+          <a:xfrm>
+            <a:off x="7092280" y="5458564"/>
+            <a:ext cx="288032" cy="261744"/>
+          </a:xfrm>
+          <a:prstGeom prst="stripedRightArrow">
+            <a:avLst/>
+          </a:prstGeom>
+          <a:solidFill>
+            <a:schemeClr val="bg2">
+              <a:lumMod val="50000"/>
+            </a:schemeClr>
+          </a:solidFill>
+          <a:ln>
+            <a:noFill/>
+          </a:ln>
+        </p:spPr>
+        <p:style>
+          <a:lnRef idx="2">
+            <a:schemeClr val="accent1">
+              <a:shade val="50000"/>
+            </a:schemeClr>
+          </a:lnRef>
+          <a:fillRef idx="1">
+            <a:schemeClr val="accent1"/>
+          </a:fillRef>
+          <a:effectRef idx="0">
+            <a:schemeClr val="accent1"/>
+          </a:effectRef>
+          <a:fontRef idx="minor">
+            <a:schemeClr val="lt1"/>
+          </a:fontRef>
+        </p:style>
+        <p:txBody>
+          <a:bodyPr rtlCol="0" anchor="ctr"/>
+          <a:lstStyle/>
+          <a:p>
+            <a:pPr algn="ctr"/>
+            <a:endParaRPr lang="en-US"/>
           </a:p>
         </p:txBody>
       </p:sp>
@@ -13881,11 +14379,7 @@
           <a:p>
             <a:r>
               <a:rPr lang="en-US" dirty="0" smtClean="0"/>
-              <a:t>Target </a:t>
-            </a:r>
-            <a:r>
-              <a:rPr lang="en-US" dirty="0" smtClean="0"/>
-              <a:t>Groups</a:t>
+              <a:t>Target Groups</a:t>
             </a:r>
             <a:endParaRPr lang="en-US" dirty="0"/>
           </a:p>
@@ -14562,11 +15056,7 @@
               </a:pPr>
               <a:r>
                 <a:rPr lang="en-US" sz="1900" kern="1200" dirty="0" smtClean="0"/>
-                <a:t>who like working with Restful </a:t>
-              </a:r>
-              <a:r>
-                <a:rPr lang="en-US" sz="1900" kern="1200" dirty="0" smtClean="0"/>
-                <a:t>APIs</a:t>
+                <a:t>who like working with Restful APIs</a:t>
               </a:r>
               <a:endParaRPr lang="en-US" sz="1900" kern="1200" dirty="0"/>
             </a:p>
@@ -14585,11 +15075,7 @@
               </a:pPr>
               <a:r>
                 <a:rPr lang="en-US" sz="1900" kern="1200" dirty="0" smtClean="0"/>
-                <a:t>who are fans of </a:t>
-              </a:r>
-              <a:r>
-                <a:rPr lang="en-US" sz="1900" kern="1200" dirty="0" smtClean="0"/>
-                <a:t>open source software </a:t>
+                <a:t>who are fans of open source software </a:t>
               </a:r>
               <a:endParaRPr lang="en-US" sz="1900" kern="1200" dirty="0"/>
             </a:p>
@@ -14795,7 +15281,7 @@
           <p:nvPr>
             <p:extLst>
               <p:ext uri="{D42A27DB-BD31-4B8C-83A1-F6EECF244321}">
-                <p14:modId xmlns:p14="http://schemas.microsoft.com/office/powerpoint/2010/main" val="830465199"/>
+                <p14:modId xmlns:p14="http://schemas.microsoft.com/office/powerpoint/2010/main" val="1782650373"/>
               </p:ext>
             </p:extLst>
           </p:nvPr>
@@ -15416,6 +15902,1560 @@
     <p:extLst>
       <p:ext uri="{BB962C8B-B14F-4D97-AF65-F5344CB8AC3E}">
         <p14:creationId xmlns:p14="http://schemas.microsoft.com/office/powerpoint/2010/main" val="521654784"/>
+      </p:ext>
+    </p:extLst>
+  </p:cSld>
+  <p:clrMapOvr>
+    <a:masterClrMapping/>
+  </p:clrMapOvr>
+  <p:timing>
+    <p:tnLst>
+      <p:par>
+        <p:cTn id="1" dur="indefinite" restart="never" nodeType="tmRoot"/>
+      </p:par>
+    </p:tnLst>
+  </p:timing>
+</p:sld>
+</file>
+
+<file path=ppt/slides/slide6.xml><?xml version="1.0" encoding="utf-8"?>
+<p:sld xmlns:a="http://schemas.openxmlformats.org/drawingml/2006/main" xmlns:r="http://schemas.openxmlformats.org/officeDocument/2006/relationships" xmlns:p="http://schemas.openxmlformats.org/presentationml/2006/main">
+  <p:cSld>
+    <p:spTree>
+      <p:nvGrpSpPr>
+        <p:cNvPr id="1" name=""/>
+        <p:cNvGrpSpPr/>
+        <p:nvPr/>
+      </p:nvGrpSpPr>
+      <p:grpSpPr>
+        <a:xfrm>
+          <a:off x="0" y="0"/>
+          <a:ext cx="0" cy="0"/>
+          <a:chOff x="0" y="0"/>
+          <a:chExt cx="0" cy="0"/>
+        </a:xfrm>
+      </p:grpSpPr>
+      <p:sp>
+        <p:nvSpPr>
+          <p:cNvPr id="2" name="Title 1"/>
+          <p:cNvSpPr>
+            <a:spLocks noGrp="1"/>
+          </p:cNvSpPr>
+          <p:nvPr>
+            <p:ph type="title"/>
+          </p:nvPr>
+        </p:nvSpPr>
+        <p:spPr/>
+        <p:txBody>
+          <a:bodyPr/>
+          <a:lstStyle/>
+          <a:p>
+            <a:endParaRPr lang="en-US"/>
+          </a:p>
+        </p:txBody>
+      </p:sp>
+      <p:sp>
+        <p:nvSpPr>
+          <p:cNvPr id="3" name="Content Placeholder 2"/>
+          <p:cNvSpPr>
+            <a:spLocks noGrp="1"/>
+          </p:cNvSpPr>
+          <p:nvPr>
+            <p:ph idx="1"/>
+          </p:nvPr>
+        </p:nvSpPr>
+        <p:spPr>
+          <a:xfrm>
+            <a:off x="457200" y="2924945"/>
+            <a:ext cx="8229600" cy="1656184"/>
+          </a:xfrm>
+        </p:spPr>
+        <p:txBody>
+          <a:bodyPr>
+            <a:normAutofit/>
+          </a:bodyPr>
+          <a:lstStyle/>
+          <a:p>
+            <a:pPr marL="0" indent="0" algn="ctr">
+              <a:buNone/>
+            </a:pPr>
+            <a:r>
+              <a:rPr lang="en-US" sz="4000" dirty="0" smtClean="0">
+                <a:latin typeface="Forte" panose="03060902040502070203" pitchFamily="66" charset="0"/>
+              </a:rPr>
+              <a:t>Thank you for your attention!</a:t>
+            </a:r>
+            <a:endParaRPr lang="en-US" sz="4000" dirty="0">
+              <a:latin typeface="Forte" panose="03060902040502070203" pitchFamily="66" charset="0"/>
+            </a:endParaRPr>
+          </a:p>
+        </p:txBody>
+      </p:sp>
+      <p:sp>
+        <p:nvSpPr>
+          <p:cNvPr id="4" name="Slide Number Placeholder 3"/>
+          <p:cNvSpPr>
+            <a:spLocks noGrp="1"/>
+          </p:cNvSpPr>
+          <p:nvPr>
+            <p:ph type="sldNum" sz="quarter" idx="12"/>
+          </p:nvPr>
+        </p:nvSpPr>
+        <p:spPr/>
+        <p:txBody>
+          <a:bodyPr/>
+          <a:lstStyle/>
+          <a:p>
+            <a:fld id="{639B228B-E4D6-40B8-B79B-9A0D26B7F84A}" type="slidenum">
+              <a:rPr lang="en-US" smtClean="0"/>
+              <a:pPr/>
+              <a:t>6</a:t>
+            </a:fld>
+            <a:endParaRPr lang="en-US" dirty="0"/>
+          </a:p>
+        </p:txBody>
+      </p:sp>
+    </p:spTree>
+    <p:extLst>
+      <p:ext uri="{BB962C8B-B14F-4D97-AF65-F5344CB8AC3E}">
+        <p14:creationId xmlns:p14="http://schemas.microsoft.com/office/powerpoint/2010/main" val="1147151401"/>
+      </p:ext>
+    </p:extLst>
+  </p:cSld>
+  <p:clrMapOvr>
+    <a:masterClrMapping/>
+  </p:clrMapOvr>
+  <p:timing>
+    <p:tnLst>
+      <p:par>
+        <p:cTn id="1" dur="indefinite" restart="never" nodeType="tmRoot"/>
+      </p:par>
+    </p:tnLst>
+  </p:timing>
+</p:sld>
+</file>
+
+<file path=ppt/slides/slide7.xml><?xml version="1.0" encoding="utf-8"?>
+<p:sld xmlns:a="http://schemas.openxmlformats.org/drawingml/2006/main" xmlns:r="http://schemas.openxmlformats.org/officeDocument/2006/relationships" xmlns:p="http://schemas.openxmlformats.org/presentationml/2006/main">
+  <p:cSld>
+    <p:spTree>
+      <p:nvGrpSpPr>
+        <p:cNvPr id="1" name=""/>
+        <p:cNvGrpSpPr/>
+        <p:nvPr/>
+      </p:nvGrpSpPr>
+      <p:grpSpPr>
+        <a:xfrm>
+          <a:off x="0" y="0"/>
+          <a:ext cx="0" cy="0"/>
+          <a:chOff x="0" y="0"/>
+          <a:chExt cx="0" cy="0"/>
+        </a:xfrm>
+      </p:grpSpPr>
+      <p:sp>
+        <p:nvSpPr>
+          <p:cNvPr id="2" name="Title 1"/>
+          <p:cNvSpPr>
+            <a:spLocks noGrp="1"/>
+          </p:cNvSpPr>
+          <p:nvPr>
+            <p:ph type="title"/>
+          </p:nvPr>
+        </p:nvSpPr>
+        <p:spPr/>
+        <p:txBody>
+          <a:bodyPr/>
+          <a:lstStyle/>
+          <a:p>
+            <a:r>
+              <a:rPr lang="en-US" dirty="0" smtClean="0"/>
+              <a:t>Profile Management</a:t>
+            </a:r>
+            <a:endParaRPr lang="en-US" dirty="0"/>
+          </a:p>
+        </p:txBody>
+      </p:sp>
+      <p:sp>
+        <p:nvSpPr>
+          <p:cNvPr id="4" name="Slide Number Placeholder 3"/>
+          <p:cNvSpPr>
+            <a:spLocks noGrp="1"/>
+          </p:cNvSpPr>
+          <p:nvPr>
+            <p:ph type="sldNum" sz="quarter" idx="12"/>
+          </p:nvPr>
+        </p:nvSpPr>
+        <p:spPr/>
+        <p:txBody>
+          <a:bodyPr/>
+          <a:lstStyle/>
+          <a:p>
+            <a:fld id="{639B228B-E4D6-40B8-B79B-9A0D26B7F84A}" type="slidenum">
+              <a:rPr lang="en-US" smtClean="0"/>
+              <a:pPr/>
+              <a:t>7</a:t>
+            </a:fld>
+            <a:endParaRPr lang="en-US" dirty="0"/>
+          </a:p>
+        </p:txBody>
+      </p:sp>
+      <p:pic>
+        <p:nvPicPr>
+          <p:cNvPr id="5" name="Picture 3"/>
+          <p:cNvPicPr>
+            <a:picLocks noChangeAspect="1" noChangeArrowheads="1"/>
+          </p:cNvPicPr>
+          <p:nvPr/>
+        </p:nvPicPr>
+        <p:blipFill>
+          <a:blip r:embed="rId2">
+            <a:extLst>
+              <a:ext uri="{28A0092B-C50C-407E-A947-70E740481C1C}">
+                <a14:useLocalDpi xmlns:a14="http://schemas.microsoft.com/office/drawing/2010/main" val="0"/>
+              </a:ext>
+            </a:extLst>
+          </a:blip>
+          <a:srcRect/>
+          <a:stretch>
+            <a:fillRect/>
+          </a:stretch>
+        </p:blipFill>
+        <p:spPr bwMode="auto">
+          <a:xfrm>
+            <a:off x="3419872" y="1702425"/>
+            <a:ext cx="4127351" cy="4498349"/>
+          </a:xfrm>
+          <a:prstGeom prst="rect">
+            <a:avLst/>
+          </a:prstGeom>
+          <a:noFill/>
+          <a:ln>
+            <a:noFill/>
+          </a:ln>
+          <a:extLst>
+            <a:ext uri="{909E8E84-426E-40DD-AFC4-6F175D3DCCD1}">
+              <a14:hiddenFill xmlns:a14="http://schemas.microsoft.com/office/drawing/2010/main">
+                <a:solidFill>
+                  <a:schemeClr val="accent1"/>
+                </a:solidFill>
+              </a14:hiddenFill>
+            </a:ext>
+            <a:ext uri="{91240B29-F687-4F45-9708-019B960494DF}">
+              <a14:hiddenLine xmlns:a14="http://schemas.microsoft.com/office/drawing/2010/main" w="9525">
+                <a:solidFill>
+                  <a:schemeClr val="tx1"/>
+                </a:solidFill>
+                <a:miter lim="800000"/>
+                <a:headEnd/>
+                <a:tailEnd/>
+              </a14:hiddenLine>
+            </a:ext>
+          </a:extLst>
+        </p:spPr>
+      </p:pic>
+      <p:sp>
+        <p:nvSpPr>
+          <p:cNvPr id="7" name="Striped Right Arrow 6">
+            <a:hlinkClick r:id="rId3" action="ppaction://hlinksldjump"/>
+          </p:cNvPr>
+          <p:cNvSpPr/>
+          <p:nvPr/>
+        </p:nvSpPr>
+        <p:spPr>
+          <a:xfrm>
+            <a:off x="8460432" y="5949280"/>
+            <a:ext cx="288032" cy="261744"/>
+          </a:xfrm>
+          <a:prstGeom prst="stripedRightArrow">
+            <a:avLst/>
+          </a:prstGeom>
+          <a:solidFill>
+            <a:schemeClr val="bg2">
+              <a:lumMod val="50000"/>
+            </a:schemeClr>
+          </a:solidFill>
+          <a:ln>
+            <a:noFill/>
+          </a:ln>
+        </p:spPr>
+        <p:style>
+          <a:lnRef idx="2">
+            <a:schemeClr val="accent1">
+              <a:shade val="50000"/>
+            </a:schemeClr>
+          </a:lnRef>
+          <a:fillRef idx="1">
+            <a:schemeClr val="accent1"/>
+          </a:fillRef>
+          <a:effectRef idx="0">
+            <a:schemeClr val="accent1"/>
+          </a:effectRef>
+          <a:fontRef idx="minor">
+            <a:schemeClr val="lt1"/>
+          </a:fontRef>
+        </p:style>
+        <p:txBody>
+          <a:bodyPr rtlCol="0" anchor="ctr"/>
+          <a:lstStyle/>
+          <a:p>
+            <a:pPr algn="ctr"/>
+            <a:endParaRPr lang="en-US"/>
+          </a:p>
+        </p:txBody>
+      </p:sp>
+      <p:sp>
+        <p:nvSpPr>
+          <p:cNvPr id="10" name="Rounded Rectangle 9"/>
+          <p:cNvSpPr/>
+          <p:nvPr/>
+        </p:nvSpPr>
+        <p:spPr>
+          <a:xfrm>
+            <a:off x="323528" y="1670065"/>
+            <a:ext cx="2880320" cy="1584176"/>
+          </a:xfrm>
+          <a:prstGeom prst="roundRect">
+            <a:avLst/>
+          </a:prstGeom>
+          <a:pattFill prst="pct5">
+            <a:fgClr>
+              <a:srgbClr val="F9A703"/>
+            </a:fgClr>
+            <a:bgClr>
+              <a:schemeClr val="bg1"/>
+            </a:bgClr>
+          </a:pattFill>
+          <a:ln w="50800">
+            <a:solidFill>
+              <a:srgbClr val="F9A703"/>
+            </a:solidFill>
+          </a:ln>
+        </p:spPr>
+        <p:style>
+          <a:lnRef idx="2">
+            <a:schemeClr val="accent1">
+              <a:shade val="50000"/>
+            </a:schemeClr>
+          </a:lnRef>
+          <a:fillRef idx="1">
+            <a:schemeClr val="accent1"/>
+          </a:fillRef>
+          <a:effectRef idx="0">
+            <a:schemeClr val="accent1"/>
+          </a:effectRef>
+          <a:fontRef idx="minor">
+            <a:schemeClr val="lt1"/>
+          </a:fontRef>
+        </p:style>
+        <p:txBody>
+          <a:bodyPr rtlCol="0" anchor="ctr"/>
+          <a:lstStyle/>
+          <a:p>
+            <a:endParaRPr lang="en-US" b="1" dirty="0">
+              <a:solidFill>
+                <a:schemeClr val="accent2"/>
+              </a:solidFill>
+            </a:endParaRPr>
+          </a:p>
+        </p:txBody>
+      </p:sp>
+      <p:sp>
+        <p:nvSpPr>
+          <p:cNvPr id="9" name="Rectangle 8"/>
+          <p:cNvSpPr/>
+          <p:nvPr/>
+        </p:nvSpPr>
+        <p:spPr>
+          <a:xfrm>
+            <a:off x="692696" y="1861988"/>
+            <a:ext cx="2141984" cy="1200329"/>
+          </a:xfrm>
+          <a:prstGeom prst="rect">
+            <a:avLst/>
+          </a:prstGeom>
+        </p:spPr>
+        <p:txBody>
+          <a:bodyPr wrap="square">
+            <a:spAutoFit/>
+          </a:bodyPr>
+          <a:lstStyle/>
+          <a:p>
+            <a:r>
+              <a:rPr lang="en-US" b="1" dirty="0"/>
+              <a:t>Profile Management</a:t>
+            </a:r>
+          </a:p>
+          <a:p>
+            <a:pPr marL="285750" indent="-285750">
+              <a:buClr>
+                <a:srgbClr val="F9A703"/>
+              </a:buClr>
+              <a:buFont typeface="Wingdings" panose="05000000000000000000" pitchFamily="2" charset="2"/>
+              <a:buChar char="§"/>
+            </a:pPr>
+            <a:r>
+              <a:rPr lang="de-DE" dirty="0"/>
+              <a:t>update </a:t>
+            </a:r>
+            <a:r>
+              <a:rPr lang="de-DE" dirty="0" err="1"/>
+              <a:t>profile</a:t>
+            </a:r>
+            <a:endParaRPr lang="de-DE" dirty="0"/>
+          </a:p>
+          <a:p>
+            <a:pPr marL="285750" indent="-285750">
+              <a:buClr>
+                <a:srgbClr val="F9A703"/>
+              </a:buClr>
+              <a:buFont typeface="Wingdings" panose="05000000000000000000" pitchFamily="2" charset="2"/>
+              <a:buChar char="§"/>
+            </a:pPr>
+            <a:r>
+              <a:rPr lang="de-DE" dirty="0" err="1"/>
+              <a:t>picture</a:t>
+            </a:r>
+            <a:r>
+              <a:rPr lang="de-DE" dirty="0"/>
+              <a:t> link</a:t>
+            </a:r>
+          </a:p>
+          <a:p>
+            <a:pPr marL="285750" indent="-285750">
+              <a:buClr>
+                <a:srgbClr val="F9A703"/>
+              </a:buClr>
+              <a:buFont typeface="Wingdings" panose="05000000000000000000" pitchFamily="2" charset="2"/>
+              <a:buChar char="§"/>
+            </a:pPr>
+            <a:r>
+              <a:rPr lang="de-DE" dirty="0" err="1"/>
+              <a:t>visibility</a:t>
+            </a:r>
+            <a:endParaRPr lang="de-DE" dirty="0"/>
+          </a:p>
+        </p:txBody>
+      </p:sp>
+    </p:spTree>
+    <p:extLst>
+      <p:ext uri="{BB962C8B-B14F-4D97-AF65-F5344CB8AC3E}">
+        <p14:creationId xmlns:p14="http://schemas.microsoft.com/office/powerpoint/2010/main" val="3780126931"/>
+      </p:ext>
+    </p:extLst>
+  </p:cSld>
+  <p:clrMapOvr>
+    <a:masterClrMapping/>
+  </p:clrMapOvr>
+  <p:timing>
+    <p:tnLst>
+      <p:par>
+        <p:cTn id="1" dur="indefinite" restart="never" nodeType="tmRoot"/>
+      </p:par>
+    </p:tnLst>
+  </p:timing>
+</p:sld>
+</file>
+
+<file path=ppt/slides/slide8.xml><?xml version="1.0" encoding="utf-8"?>
+<p:sld xmlns:a="http://schemas.openxmlformats.org/drawingml/2006/main" xmlns:r="http://schemas.openxmlformats.org/officeDocument/2006/relationships" xmlns:p="http://schemas.openxmlformats.org/presentationml/2006/main">
+  <p:cSld>
+    <p:spTree>
+      <p:nvGrpSpPr>
+        <p:cNvPr id="1" name=""/>
+        <p:cNvGrpSpPr/>
+        <p:nvPr/>
+      </p:nvGrpSpPr>
+      <p:grpSpPr>
+        <a:xfrm>
+          <a:off x="0" y="0"/>
+          <a:ext cx="0" cy="0"/>
+          <a:chOff x="0" y="0"/>
+          <a:chExt cx="0" cy="0"/>
+        </a:xfrm>
+      </p:grpSpPr>
+      <p:sp>
+        <p:nvSpPr>
+          <p:cNvPr id="2" name="Title 1"/>
+          <p:cNvSpPr>
+            <a:spLocks noGrp="1"/>
+          </p:cNvSpPr>
+          <p:nvPr>
+            <p:ph type="title"/>
+          </p:nvPr>
+        </p:nvSpPr>
+        <p:spPr/>
+        <p:txBody>
+          <a:bodyPr/>
+          <a:lstStyle/>
+          <a:p>
+            <a:r>
+              <a:rPr lang="en-US" dirty="0" smtClean="0"/>
+              <a:t>Request Management</a:t>
+            </a:r>
+            <a:endParaRPr lang="en-US" dirty="0"/>
+          </a:p>
+        </p:txBody>
+      </p:sp>
+      <p:sp>
+        <p:nvSpPr>
+          <p:cNvPr id="4" name="Slide Number Placeholder 3"/>
+          <p:cNvSpPr>
+            <a:spLocks noGrp="1"/>
+          </p:cNvSpPr>
+          <p:nvPr>
+            <p:ph type="sldNum" sz="quarter" idx="12"/>
+          </p:nvPr>
+        </p:nvSpPr>
+        <p:spPr/>
+        <p:txBody>
+          <a:bodyPr/>
+          <a:lstStyle/>
+          <a:p>
+            <a:fld id="{639B228B-E4D6-40B8-B79B-9A0D26B7F84A}" type="slidenum">
+              <a:rPr lang="en-US" smtClean="0"/>
+              <a:pPr/>
+              <a:t>8</a:t>
+            </a:fld>
+            <a:endParaRPr lang="en-US" dirty="0"/>
+          </a:p>
+        </p:txBody>
+      </p:sp>
+      <p:pic>
+        <p:nvPicPr>
+          <p:cNvPr id="3074" name="Picture 2"/>
+          <p:cNvPicPr>
+            <a:picLocks noChangeAspect="1" noChangeArrowheads="1"/>
+          </p:cNvPicPr>
+          <p:nvPr/>
+        </p:nvPicPr>
+        <p:blipFill>
+          <a:blip r:embed="rId2">
+            <a:extLst>
+              <a:ext uri="{28A0092B-C50C-407E-A947-70E740481C1C}">
+                <a14:useLocalDpi xmlns:a14="http://schemas.microsoft.com/office/drawing/2010/main" val="0"/>
+              </a:ext>
+            </a:extLst>
+          </a:blip>
+          <a:srcRect/>
+          <a:stretch>
+            <a:fillRect/>
+          </a:stretch>
+        </p:blipFill>
+        <p:spPr bwMode="auto">
+          <a:xfrm>
+            <a:off x="1194920" y="3137364"/>
+            <a:ext cx="3654508" cy="3580064"/>
+          </a:xfrm>
+          <a:prstGeom prst="rect">
+            <a:avLst/>
+          </a:prstGeom>
+          <a:noFill/>
+          <a:ln>
+            <a:noFill/>
+          </a:ln>
+          <a:extLst>
+            <a:ext uri="{909E8E84-426E-40DD-AFC4-6F175D3DCCD1}">
+              <a14:hiddenFill xmlns:a14="http://schemas.microsoft.com/office/drawing/2010/main">
+                <a:solidFill>
+                  <a:schemeClr val="accent1"/>
+                </a:solidFill>
+              </a14:hiddenFill>
+            </a:ext>
+            <a:ext uri="{91240B29-F687-4F45-9708-019B960494DF}">
+              <a14:hiddenLine xmlns:a14="http://schemas.microsoft.com/office/drawing/2010/main" w="9525">
+                <a:solidFill>
+                  <a:schemeClr val="tx1"/>
+                </a:solidFill>
+                <a:miter lim="800000"/>
+                <a:headEnd/>
+                <a:tailEnd/>
+              </a14:hiddenLine>
+            </a:ext>
+          </a:extLst>
+        </p:spPr>
+      </p:pic>
+      <p:pic>
+        <p:nvPicPr>
+          <p:cNvPr id="3075" name="Picture 3"/>
+          <p:cNvPicPr>
+            <a:picLocks noChangeAspect="1" noChangeArrowheads="1"/>
+          </p:cNvPicPr>
+          <p:nvPr/>
+        </p:nvPicPr>
+        <p:blipFill>
+          <a:blip r:embed="rId3">
+            <a:extLst>
+              <a:ext uri="{28A0092B-C50C-407E-A947-70E740481C1C}">
+                <a14:useLocalDpi xmlns:a14="http://schemas.microsoft.com/office/drawing/2010/main" val="0"/>
+              </a:ext>
+            </a:extLst>
+          </a:blip>
+          <a:srcRect/>
+          <a:stretch>
+            <a:fillRect/>
+          </a:stretch>
+        </p:blipFill>
+        <p:spPr bwMode="auto">
+          <a:xfrm>
+            <a:off x="5105078" y="3137364"/>
+            <a:ext cx="3936247" cy="854769"/>
+          </a:xfrm>
+          <a:prstGeom prst="rect">
+            <a:avLst/>
+          </a:prstGeom>
+          <a:noFill/>
+          <a:ln>
+            <a:noFill/>
+          </a:ln>
+          <a:extLst>
+            <a:ext uri="{909E8E84-426E-40DD-AFC4-6F175D3DCCD1}">
+              <a14:hiddenFill xmlns:a14="http://schemas.microsoft.com/office/drawing/2010/main">
+                <a:solidFill>
+                  <a:schemeClr val="accent1"/>
+                </a:solidFill>
+              </a14:hiddenFill>
+            </a:ext>
+            <a:ext uri="{91240B29-F687-4F45-9708-019B960494DF}">
+              <a14:hiddenLine xmlns:a14="http://schemas.microsoft.com/office/drawing/2010/main" w="9525">
+                <a:solidFill>
+                  <a:schemeClr val="tx1"/>
+                </a:solidFill>
+                <a:miter lim="800000"/>
+                <a:headEnd/>
+                <a:tailEnd/>
+              </a14:hiddenLine>
+            </a:ext>
+          </a:extLst>
+        </p:spPr>
+      </p:pic>
+      <p:pic>
+        <p:nvPicPr>
+          <p:cNvPr id="3077" name="Picture 5"/>
+          <p:cNvPicPr>
+            <a:picLocks noChangeAspect="1" noChangeArrowheads="1"/>
+          </p:cNvPicPr>
+          <p:nvPr/>
+        </p:nvPicPr>
+        <p:blipFill>
+          <a:blip r:embed="rId4">
+            <a:extLst>
+              <a:ext uri="{28A0092B-C50C-407E-A947-70E740481C1C}">
+                <a14:useLocalDpi xmlns:a14="http://schemas.microsoft.com/office/drawing/2010/main" val="0"/>
+              </a:ext>
+            </a:extLst>
+          </a:blip>
+          <a:srcRect/>
+          <a:stretch>
+            <a:fillRect/>
+          </a:stretch>
+        </p:blipFill>
+        <p:spPr bwMode="auto">
+          <a:xfrm>
+            <a:off x="3262933" y="1229807"/>
+            <a:ext cx="3011413" cy="794054"/>
+          </a:xfrm>
+          <a:prstGeom prst="rect">
+            <a:avLst/>
+          </a:prstGeom>
+          <a:noFill/>
+          <a:ln>
+            <a:noFill/>
+          </a:ln>
+          <a:extLst>
+            <a:ext uri="{909E8E84-426E-40DD-AFC4-6F175D3DCCD1}">
+              <a14:hiddenFill xmlns:a14="http://schemas.microsoft.com/office/drawing/2010/main">
+                <a:solidFill>
+                  <a:schemeClr val="accent1"/>
+                </a:solidFill>
+              </a14:hiddenFill>
+            </a:ext>
+            <a:ext uri="{91240B29-F687-4F45-9708-019B960494DF}">
+              <a14:hiddenLine xmlns:a14="http://schemas.microsoft.com/office/drawing/2010/main" w="9525">
+                <a:solidFill>
+                  <a:schemeClr val="tx1"/>
+                </a:solidFill>
+                <a:miter lim="800000"/>
+                <a:headEnd/>
+                <a:tailEnd/>
+              </a14:hiddenLine>
+            </a:ext>
+          </a:extLst>
+        </p:spPr>
+      </p:pic>
+      <p:cxnSp>
+        <p:nvCxnSpPr>
+          <p:cNvPr id="5" name="Straight Arrow Connector 4"/>
+          <p:cNvCxnSpPr>
+            <a:endCxn id="3074" idx="0"/>
+          </p:cNvCxnSpPr>
+          <p:nvPr/>
+        </p:nvCxnSpPr>
+        <p:spPr>
+          <a:xfrm flipH="1">
+            <a:off x="3022174" y="1916832"/>
+            <a:ext cx="1379545" cy="1220532"/>
+          </a:xfrm>
+          <a:prstGeom prst="straightConnector1">
+            <a:avLst/>
+          </a:prstGeom>
+          <a:ln w="50800">
+            <a:solidFill>
+              <a:srgbClr val="F9A703"/>
+            </a:solidFill>
+            <a:tailEnd type="arrow"/>
+          </a:ln>
+        </p:spPr>
+        <p:style>
+          <a:lnRef idx="1">
+            <a:schemeClr val="accent1"/>
+          </a:lnRef>
+          <a:fillRef idx="0">
+            <a:schemeClr val="accent1"/>
+          </a:fillRef>
+          <a:effectRef idx="0">
+            <a:schemeClr val="accent1"/>
+          </a:effectRef>
+          <a:fontRef idx="minor">
+            <a:schemeClr val="tx1"/>
+          </a:fontRef>
+        </p:style>
+      </p:cxnSp>
+      <p:sp>
+        <p:nvSpPr>
+          <p:cNvPr id="8" name="Oval 7"/>
+          <p:cNvSpPr/>
+          <p:nvPr/>
+        </p:nvSpPr>
+        <p:spPr>
+          <a:xfrm>
+            <a:off x="4050040" y="1229807"/>
+            <a:ext cx="703359" cy="687025"/>
+          </a:xfrm>
+          <a:prstGeom prst="ellipse">
+            <a:avLst/>
+          </a:prstGeom>
+          <a:noFill/>
+          <a:ln w="50800">
+            <a:solidFill>
+              <a:srgbClr val="F9A703"/>
+            </a:solidFill>
+          </a:ln>
+        </p:spPr>
+        <p:style>
+          <a:lnRef idx="2">
+            <a:schemeClr val="accent1">
+              <a:shade val="50000"/>
+            </a:schemeClr>
+          </a:lnRef>
+          <a:fillRef idx="1">
+            <a:schemeClr val="accent1"/>
+          </a:fillRef>
+          <a:effectRef idx="0">
+            <a:schemeClr val="accent1"/>
+          </a:effectRef>
+          <a:fontRef idx="minor">
+            <a:schemeClr val="lt1"/>
+          </a:fontRef>
+        </p:style>
+        <p:txBody>
+          <a:bodyPr rtlCol="0" anchor="ctr"/>
+          <a:lstStyle/>
+          <a:p>
+            <a:pPr algn="ctr"/>
+            <a:endParaRPr lang="en-US"/>
+          </a:p>
+        </p:txBody>
+      </p:sp>
+      <p:sp>
+        <p:nvSpPr>
+          <p:cNvPr id="12" name="Oval 11"/>
+          <p:cNvSpPr/>
+          <p:nvPr/>
+        </p:nvSpPr>
+        <p:spPr>
+          <a:xfrm>
+            <a:off x="4753399" y="1229807"/>
+            <a:ext cx="703359" cy="687025"/>
+          </a:xfrm>
+          <a:prstGeom prst="ellipse">
+            <a:avLst/>
+          </a:prstGeom>
+          <a:noFill/>
+          <a:ln w="50800">
+            <a:solidFill>
+              <a:srgbClr val="3C536F"/>
+            </a:solidFill>
+          </a:ln>
+        </p:spPr>
+        <p:style>
+          <a:lnRef idx="2">
+            <a:schemeClr val="accent1">
+              <a:shade val="50000"/>
+            </a:schemeClr>
+          </a:lnRef>
+          <a:fillRef idx="1">
+            <a:schemeClr val="accent1"/>
+          </a:fillRef>
+          <a:effectRef idx="0">
+            <a:schemeClr val="accent1"/>
+          </a:effectRef>
+          <a:fontRef idx="minor">
+            <a:schemeClr val="lt1"/>
+          </a:fontRef>
+        </p:style>
+        <p:txBody>
+          <a:bodyPr rtlCol="0" anchor="ctr"/>
+          <a:lstStyle/>
+          <a:p>
+            <a:pPr algn="ctr"/>
+            <a:endParaRPr lang="en-US"/>
+          </a:p>
+        </p:txBody>
+      </p:sp>
+      <p:cxnSp>
+        <p:nvCxnSpPr>
+          <p:cNvPr id="13" name="Straight Arrow Connector 12"/>
+          <p:cNvCxnSpPr>
+            <a:stCxn id="12" idx="4"/>
+            <a:endCxn id="3075" idx="0"/>
+          </p:cNvCxnSpPr>
+          <p:nvPr/>
+        </p:nvCxnSpPr>
+        <p:spPr>
+          <a:xfrm>
+            <a:off x="5105079" y="1916832"/>
+            <a:ext cx="1968123" cy="1220532"/>
+          </a:xfrm>
+          <a:prstGeom prst="straightConnector1">
+            <a:avLst/>
+          </a:prstGeom>
+          <a:ln w="50800">
+            <a:solidFill>
+              <a:srgbClr val="3C536F"/>
+            </a:solidFill>
+            <a:tailEnd type="arrow"/>
+          </a:ln>
+        </p:spPr>
+        <p:style>
+          <a:lnRef idx="1">
+            <a:schemeClr val="accent1"/>
+          </a:lnRef>
+          <a:fillRef idx="0">
+            <a:schemeClr val="accent1"/>
+          </a:fillRef>
+          <a:effectRef idx="0">
+            <a:schemeClr val="accent1"/>
+          </a:effectRef>
+          <a:fontRef idx="minor">
+            <a:schemeClr val="tx1"/>
+          </a:fontRef>
+        </p:style>
+      </p:cxnSp>
+      <p:sp>
+        <p:nvSpPr>
+          <p:cNvPr id="17" name="Striped Right Arrow 16">
+            <a:hlinkClick r:id="rId5" action="ppaction://hlinksldjump"/>
+          </p:cNvPr>
+          <p:cNvSpPr/>
+          <p:nvPr/>
+        </p:nvSpPr>
+        <p:spPr>
+          <a:xfrm>
+            <a:off x="8460432" y="5949280"/>
+            <a:ext cx="288032" cy="261744"/>
+          </a:xfrm>
+          <a:prstGeom prst="stripedRightArrow">
+            <a:avLst/>
+          </a:prstGeom>
+          <a:solidFill>
+            <a:schemeClr val="bg2">
+              <a:lumMod val="50000"/>
+            </a:schemeClr>
+          </a:solidFill>
+          <a:ln>
+            <a:noFill/>
+          </a:ln>
+        </p:spPr>
+        <p:style>
+          <a:lnRef idx="2">
+            <a:schemeClr val="accent1">
+              <a:shade val="50000"/>
+            </a:schemeClr>
+          </a:lnRef>
+          <a:fillRef idx="1">
+            <a:schemeClr val="accent1"/>
+          </a:fillRef>
+          <a:effectRef idx="0">
+            <a:schemeClr val="accent1"/>
+          </a:effectRef>
+          <a:fontRef idx="minor">
+            <a:schemeClr val="lt1"/>
+          </a:fontRef>
+        </p:style>
+        <p:txBody>
+          <a:bodyPr rtlCol="0" anchor="ctr"/>
+          <a:lstStyle/>
+          <a:p>
+            <a:pPr algn="ctr"/>
+            <a:endParaRPr lang="en-US"/>
+          </a:p>
+        </p:txBody>
+      </p:sp>
+      <p:sp>
+        <p:nvSpPr>
+          <p:cNvPr id="18" name="Rounded Rectangle 17"/>
+          <p:cNvSpPr/>
+          <p:nvPr/>
+        </p:nvSpPr>
+        <p:spPr>
+          <a:xfrm>
+            <a:off x="141854" y="1376772"/>
+            <a:ext cx="2880320" cy="1584176"/>
+          </a:xfrm>
+          <a:prstGeom prst="roundRect">
+            <a:avLst/>
+          </a:prstGeom>
+          <a:pattFill prst="pct5">
+            <a:fgClr>
+              <a:srgbClr val="F9A703"/>
+            </a:fgClr>
+            <a:bgClr>
+              <a:schemeClr val="bg1"/>
+            </a:bgClr>
+          </a:pattFill>
+          <a:ln w="50800">
+            <a:solidFill>
+              <a:srgbClr val="F9A703"/>
+            </a:solidFill>
+          </a:ln>
+        </p:spPr>
+        <p:style>
+          <a:lnRef idx="2">
+            <a:schemeClr val="accent1">
+              <a:shade val="50000"/>
+            </a:schemeClr>
+          </a:lnRef>
+          <a:fillRef idx="1">
+            <a:schemeClr val="accent1"/>
+          </a:fillRef>
+          <a:effectRef idx="0">
+            <a:schemeClr val="accent1"/>
+          </a:effectRef>
+          <a:fontRef idx="minor">
+            <a:schemeClr val="lt1"/>
+          </a:fontRef>
+        </p:style>
+        <p:txBody>
+          <a:bodyPr rtlCol="0" anchor="ctr"/>
+          <a:lstStyle/>
+          <a:p>
+            <a:endParaRPr lang="en-US" b="1">
+              <a:solidFill>
+                <a:schemeClr val="accent2"/>
+              </a:solidFill>
+            </a:endParaRPr>
+          </a:p>
+        </p:txBody>
+      </p:sp>
+      <p:sp>
+        <p:nvSpPr>
+          <p:cNvPr id="19" name="TextBox 18"/>
+          <p:cNvSpPr txBox="1"/>
+          <p:nvPr/>
+        </p:nvSpPr>
+        <p:spPr>
+          <a:xfrm>
+            <a:off x="190223" y="1560024"/>
+            <a:ext cx="2757422" cy="1754326"/>
+          </a:xfrm>
+          <a:prstGeom prst="rect">
+            <a:avLst/>
+          </a:prstGeom>
+          <a:noFill/>
+        </p:spPr>
+        <p:txBody>
+          <a:bodyPr wrap="none" rtlCol="0">
+            <a:spAutoFit/>
+          </a:bodyPr>
+          <a:lstStyle/>
+          <a:p>
+            <a:r>
+              <a:rPr lang="en-US" b="1" dirty="0" smtClean="0"/>
+              <a:t>Request Management</a:t>
+            </a:r>
+          </a:p>
+          <a:p>
+            <a:pPr marL="285750" indent="-285750">
+              <a:buClr>
+                <a:srgbClr val="F9A703"/>
+              </a:buClr>
+              <a:buFont typeface="Wingdings" panose="05000000000000000000" pitchFamily="2" charset="2"/>
+              <a:buChar char="§"/>
+            </a:pPr>
+            <a:r>
+              <a:rPr lang="de-DE" dirty="0" smtClean="0"/>
+              <a:t>send </a:t>
+            </a:r>
+            <a:r>
+              <a:rPr lang="de-DE" dirty="0" err="1" smtClean="0"/>
+              <a:t>contact</a:t>
+            </a:r>
+            <a:r>
+              <a:rPr lang="de-DE" dirty="0" smtClean="0"/>
+              <a:t> </a:t>
+            </a:r>
+            <a:r>
+              <a:rPr lang="de-DE" dirty="0" err="1" smtClean="0"/>
+              <a:t>requests</a:t>
+            </a:r>
+            <a:endParaRPr lang="de-DE" dirty="0" smtClean="0"/>
+          </a:p>
+          <a:p>
+            <a:pPr marL="285750" indent="-285750">
+              <a:buClr>
+                <a:srgbClr val="F9A703"/>
+              </a:buClr>
+              <a:buFont typeface="Wingdings" panose="05000000000000000000" pitchFamily="2" charset="2"/>
+              <a:buChar char="§"/>
+            </a:pPr>
+            <a:r>
+              <a:rPr lang="de-DE" dirty="0" err="1" smtClean="0"/>
+              <a:t>receive</a:t>
+            </a:r>
+            <a:r>
+              <a:rPr lang="de-DE" dirty="0" smtClean="0"/>
+              <a:t> </a:t>
+            </a:r>
+            <a:r>
+              <a:rPr lang="de-DE" dirty="0" err="1" smtClean="0"/>
+              <a:t>contact</a:t>
+            </a:r>
+            <a:r>
+              <a:rPr lang="de-DE" dirty="0" smtClean="0"/>
+              <a:t> </a:t>
+            </a:r>
+            <a:r>
+              <a:rPr lang="de-DE" dirty="0" err="1" smtClean="0"/>
+              <a:t>requests</a:t>
+            </a:r>
+            <a:endParaRPr lang="de-DE" dirty="0" smtClean="0"/>
+          </a:p>
+          <a:p>
+            <a:pPr marL="285750" indent="-285750">
+              <a:buClr>
+                <a:srgbClr val="F9A703"/>
+              </a:buClr>
+              <a:buFont typeface="Wingdings" panose="05000000000000000000" pitchFamily="2" charset="2"/>
+              <a:buChar char="§"/>
+            </a:pPr>
+            <a:r>
+              <a:rPr lang="de-DE" dirty="0" err="1" smtClean="0"/>
+              <a:t>request</a:t>
+            </a:r>
+            <a:r>
+              <a:rPr lang="de-DE" dirty="0" smtClean="0"/>
+              <a:t> </a:t>
+            </a:r>
+            <a:r>
+              <a:rPr lang="de-DE" dirty="0" err="1" smtClean="0"/>
+              <a:t>overview</a:t>
+            </a:r>
+            <a:endParaRPr lang="en-US" dirty="0" smtClean="0"/>
+          </a:p>
+          <a:p>
+            <a:endParaRPr lang="en-US" dirty="0" smtClean="0"/>
+          </a:p>
+          <a:p>
+            <a:endParaRPr lang="en-US" dirty="0"/>
+          </a:p>
+        </p:txBody>
+      </p:sp>
+    </p:spTree>
+    <p:extLst>
+      <p:ext uri="{BB962C8B-B14F-4D97-AF65-F5344CB8AC3E}">
+        <p14:creationId xmlns:p14="http://schemas.microsoft.com/office/powerpoint/2010/main" val="504861898"/>
+      </p:ext>
+    </p:extLst>
+  </p:cSld>
+  <p:clrMapOvr>
+    <a:masterClrMapping/>
+  </p:clrMapOvr>
+  <p:timing>
+    <p:tnLst>
+      <p:par>
+        <p:cTn id="1" dur="indefinite" restart="never" nodeType="tmRoot"/>
+      </p:par>
+    </p:tnLst>
+  </p:timing>
+</p:sld>
+</file>
+
+<file path=ppt/slides/slide9.xml><?xml version="1.0" encoding="utf-8"?>
+<p:sld xmlns:a="http://schemas.openxmlformats.org/drawingml/2006/main" xmlns:r="http://schemas.openxmlformats.org/officeDocument/2006/relationships" xmlns:p="http://schemas.openxmlformats.org/presentationml/2006/main">
+  <p:cSld>
+    <p:spTree>
+      <p:nvGrpSpPr>
+        <p:cNvPr id="1" name=""/>
+        <p:cNvGrpSpPr/>
+        <p:nvPr/>
+      </p:nvGrpSpPr>
+      <p:grpSpPr>
+        <a:xfrm>
+          <a:off x="0" y="0"/>
+          <a:ext cx="0" cy="0"/>
+          <a:chOff x="0" y="0"/>
+          <a:chExt cx="0" cy="0"/>
+        </a:xfrm>
+      </p:grpSpPr>
+      <p:sp>
+        <p:nvSpPr>
+          <p:cNvPr id="2" name="Title 1"/>
+          <p:cNvSpPr>
+            <a:spLocks noGrp="1"/>
+          </p:cNvSpPr>
+          <p:nvPr>
+            <p:ph type="title"/>
+          </p:nvPr>
+        </p:nvSpPr>
+        <p:spPr/>
+        <p:txBody>
+          <a:bodyPr/>
+          <a:lstStyle/>
+          <a:p>
+            <a:r>
+              <a:rPr lang="en-US" dirty="0" smtClean="0"/>
+              <a:t>Contact Management</a:t>
+            </a:r>
+            <a:endParaRPr lang="en-US" dirty="0"/>
+          </a:p>
+        </p:txBody>
+      </p:sp>
+      <p:sp>
+        <p:nvSpPr>
+          <p:cNvPr id="4" name="Slide Number Placeholder 3"/>
+          <p:cNvSpPr>
+            <a:spLocks noGrp="1"/>
+          </p:cNvSpPr>
+          <p:nvPr>
+            <p:ph type="sldNum" sz="quarter" idx="12"/>
+          </p:nvPr>
+        </p:nvSpPr>
+        <p:spPr/>
+        <p:txBody>
+          <a:bodyPr/>
+          <a:lstStyle/>
+          <a:p>
+            <a:fld id="{639B228B-E4D6-40B8-B79B-9A0D26B7F84A}" type="slidenum">
+              <a:rPr lang="en-US" smtClean="0"/>
+              <a:pPr/>
+              <a:t>9</a:t>
+            </a:fld>
+            <a:endParaRPr lang="en-US" dirty="0"/>
+          </a:p>
+        </p:txBody>
+      </p:sp>
+      <p:grpSp>
+        <p:nvGrpSpPr>
+          <p:cNvPr id="16" name="Group 15"/>
+          <p:cNvGrpSpPr/>
+          <p:nvPr/>
+        </p:nvGrpSpPr>
+        <p:grpSpPr>
+          <a:xfrm>
+            <a:off x="3978424" y="1700808"/>
+            <a:ext cx="3761928" cy="3672408"/>
+            <a:chOff x="2034208" y="1700808"/>
+            <a:chExt cx="3761928" cy="3672408"/>
+          </a:xfrm>
+        </p:grpSpPr>
+        <p:pic>
+          <p:nvPicPr>
+            <p:cNvPr id="1026" name="Picture 2"/>
+            <p:cNvPicPr>
+              <a:picLocks noChangeAspect="1" noChangeArrowheads="1"/>
+            </p:cNvPicPr>
+            <p:nvPr/>
+          </p:nvPicPr>
+          <p:blipFill>
+            <a:blip r:embed="rId2">
+              <a:extLst>
+                <a:ext uri="{28A0092B-C50C-407E-A947-70E740481C1C}">
+                  <a14:useLocalDpi xmlns:a14="http://schemas.microsoft.com/office/drawing/2010/main" val="0"/>
+                </a:ext>
+              </a:extLst>
+            </a:blip>
+            <a:srcRect/>
+            <a:stretch>
+              <a:fillRect/>
+            </a:stretch>
+          </p:blipFill>
+          <p:spPr bwMode="auto">
+            <a:xfrm>
+              <a:off x="2094672" y="1772816"/>
+              <a:ext cx="3701464" cy="3600400"/>
+            </a:xfrm>
+            <a:prstGeom prst="rect">
+              <a:avLst/>
+            </a:prstGeom>
+            <a:noFill/>
+            <a:ln>
+              <a:noFill/>
+            </a:ln>
+            <a:extLst>
+              <a:ext uri="{909E8E84-426E-40DD-AFC4-6F175D3DCCD1}">
+                <a14:hiddenFill xmlns:a14="http://schemas.microsoft.com/office/drawing/2010/main">
+                  <a:solidFill>
+                    <a:schemeClr val="accent1"/>
+                  </a:solidFill>
+                </a14:hiddenFill>
+              </a:ext>
+              <a:ext uri="{91240B29-F687-4F45-9708-019B960494DF}">
+                <a14:hiddenLine xmlns:a14="http://schemas.microsoft.com/office/drawing/2010/main" w="9525">
+                  <a:solidFill>
+                    <a:schemeClr val="tx1"/>
+                  </a:solidFill>
+                  <a:miter lim="800000"/>
+                  <a:headEnd/>
+                  <a:tailEnd/>
+                </a14:hiddenLine>
+              </a:ext>
+            </a:extLst>
+          </p:spPr>
+        </p:pic>
+        <p:sp>
+          <p:nvSpPr>
+            <p:cNvPr id="6" name="Oval 5"/>
+            <p:cNvSpPr/>
+            <p:nvPr/>
+          </p:nvSpPr>
+          <p:spPr>
+            <a:xfrm>
+              <a:off x="2034208" y="1700808"/>
+              <a:ext cx="768072" cy="720080"/>
+            </a:xfrm>
+            <a:prstGeom prst="ellipse">
+              <a:avLst/>
+            </a:prstGeom>
+            <a:noFill/>
+            <a:ln w="50800">
+              <a:solidFill>
+                <a:srgbClr val="F9A703"/>
+              </a:solidFill>
+            </a:ln>
+          </p:spPr>
+          <p:style>
+            <a:lnRef idx="2">
+              <a:schemeClr val="accent1">
+                <a:shade val="50000"/>
+              </a:schemeClr>
+            </a:lnRef>
+            <a:fillRef idx="1">
+              <a:schemeClr val="accent1"/>
+            </a:fillRef>
+            <a:effectRef idx="0">
+              <a:schemeClr val="accent1"/>
+            </a:effectRef>
+            <a:fontRef idx="minor">
+              <a:schemeClr val="lt1"/>
+            </a:fontRef>
+          </p:style>
+          <p:txBody>
+            <a:bodyPr rtlCol="0" anchor="ctr"/>
+            <a:lstStyle/>
+            <a:p>
+              <a:pPr algn="ctr"/>
+              <a:endParaRPr lang="en-US"/>
+            </a:p>
+          </p:txBody>
+        </p:sp>
+        <p:cxnSp>
+          <p:nvCxnSpPr>
+            <p:cNvPr id="13" name="Straight Connector 12"/>
+            <p:cNvCxnSpPr/>
+            <p:nvPr/>
+          </p:nvCxnSpPr>
+          <p:spPr>
+            <a:xfrm>
+              <a:off x="2418244" y="2420888"/>
+              <a:ext cx="0" cy="864096"/>
+            </a:xfrm>
+            <a:prstGeom prst="line">
+              <a:avLst/>
+            </a:prstGeom>
+            <a:ln w="50800">
+              <a:solidFill>
+                <a:srgbClr val="F9A703"/>
+              </a:solidFill>
+            </a:ln>
+          </p:spPr>
+          <p:style>
+            <a:lnRef idx="1">
+              <a:schemeClr val="accent1"/>
+            </a:lnRef>
+            <a:fillRef idx="0">
+              <a:schemeClr val="accent1"/>
+            </a:fillRef>
+            <a:effectRef idx="0">
+              <a:schemeClr val="accent1"/>
+            </a:effectRef>
+            <a:fontRef idx="minor">
+              <a:schemeClr val="tx1"/>
+            </a:fontRef>
+          </p:style>
+        </p:cxnSp>
+        <p:cxnSp>
+          <p:nvCxnSpPr>
+            <p:cNvPr id="15" name="Straight Arrow Connector 14"/>
+            <p:cNvCxnSpPr/>
+            <p:nvPr/>
+          </p:nvCxnSpPr>
+          <p:spPr>
+            <a:xfrm>
+              <a:off x="2418244" y="3284984"/>
+              <a:ext cx="384036" cy="0"/>
+            </a:xfrm>
+            <a:prstGeom prst="straightConnector1">
+              <a:avLst/>
+            </a:prstGeom>
+            <a:ln w="50800">
+              <a:solidFill>
+                <a:srgbClr val="F9A703"/>
+              </a:solidFill>
+              <a:tailEnd type="arrow"/>
+            </a:ln>
+          </p:spPr>
+          <p:style>
+            <a:lnRef idx="1">
+              <a:schemeClr val="accent1"/>
+            </a:lnRef>
+            <a:fillRef idx="0">
+              <a:schemeClr val="accent1"/>
+            </a:fillRef>
+            <a:effectRef idx="0">
+              <a:schemeClr val="accent1"/>
+            </a:effectRef>
+            <a:fontRef idx="minor">
+              <a:schemeClr val="tx1"/>
+            </a:fontRef>
+          </p:style>
+        </p:cxnSp>
+      </p:grpSp>
+      <p:sp>
+        <p:nvSpPr>
+          <p:cNvPr id="17" name="Striped Right Arrow 16">
+            <a:hlinkClick r:id="rId3" action="ppaction://hlinksldjump"/>
+          </p:cNvPr>
+          <p:cNvSpPr/>
+          <p:nvPr/>
+        </p:nvSpPr>
+        <p:spPr>
+          <a:xfrm>
+            <a:off x="8460432" y="5949280"/>
+            <a:ext cx="288032" cy="261744"/>
+          </a:xfrm>
+          <a:prstGeom prst="stripedRightArrow">
+            <a:avLst/>
+          </a:prstGeom>
+          <a:solidFill>
+            <a:schemeClr val="bg2">
+              <a:lumMod val="50000"/>
+            </a:schemeClr>
+          </a:solidFill>
+          <a:ln>
+            <a:noFill/>
+          </a:ln>
+        </p:spPr>
+        <p:style>
+          <a:lnRef idx="2">
+            <a:schemeClr val="accent1">
+              <a:shade val="50000"/>
+            </a:schemeClr>
+          </a:lnRef>
+          <a:fillRef idx="1">
+            <a:schemeClr val="accent1"/>
+          </a:fillRef>
+          <a:effectRef idx="0">
+            <a:schemeClr val="accent1"/>
+          </a:effectRef>
+          <a:fontRef idx="minor">
+            <a:schemeClr val="lt1"/>
+          </a:fontRef>
+        </p:style>
+        <p:txBody>
+          <a:bodyPr rtlCol="0" anchor="ctr"/>
+          <a:lstStyle/>
+          <a:p>
+            <a:pPr algn="ctr"/>
+            <a:endParaRPr lang="en-US"/>
+          </a:p>
+        </p:txBody>
+      </p:sp>
+      <p:sp>
+        <p:nvSpPr>
+          <p:cNvPr id="18" name="Rounded Rectangle 17"/>
+          <p:cNvSpPr/>
+          <p:nvPr/>
+        </p:nvSpPr>
+        <p:spPr>
+          <a:xfrm>
+            <a:off x="587920" y="1567672"/>
+            <a:ext cx="2903960" cy="1584176"/>
+          </a:xfrm>
+          <a:prstGeom prst="roundRect">
+            <a:avLst/>
+          </a:prstGeom>
+          <a:pattFill prst="pct5">
+            <a:fgClr>
+              <a:srgbClr val="F9A703"/>
+            </a:fgClr>
+            <a:bgClr>
+              <a:schemeClr val="bg1"/>
+            </a:bgClr>
+          </a:pattFill>
+          <a:ln w="50800">
+            <a:solidFill>
+              <a:srgbClr val="F9A703"/>
+            </a:solidFill>
+          </a:ln>
+        </p:spPr>
+        <p:style>
+          <a:lnRef idx="2">
+            <a:schemeClr val="accent1">
+              <a:shade val="50000"/>
+            </a:schemeClr>
+          </a:lnRef>
+          <a:fillRef idx="1">
+            <a:schemeClr val="accent1"/>
+          </a:fillRef>
+          <a:effectRef idx="0">
+            <a:schemeClr val="accent1"/>
+          </a:effectRef>
+          <a:fontRef idx="minor">
+            <a:schemeClr val="lt1"/>
+          </a:fontRef>
+        </p:style>
+        <p:txBody>
+          <a:bodyPr rtlCol="0" anchor="ctr"/>
+          <a:lstStyle/>
+          <a:p>
+            <a:endParaRPr lang="en-US" b="1">
+              <a:solidFill>
+                <a:schemeClr val="accent2"/>
+              </a:solidFill>
+            </a:endParaRPr>
+          </a:p>
+        </p:txBody>
+      </p:sp>
+      <p:sp>
+        <p:nvSpPr>
+          <p:cNvPr id="19" name="TextBox 18"/>
+          <p:cNvSpPr txBox="1"/>
+          <p:nvPr/>
+        </p:nvSpPr>
+        <p:spPr>
+          <a:xfrm>
+            <a:off x="1000638" y="1567672"/>
+            <a:ext cx="2413931" cy="1477328"/>
+          </a:xfrm>
+          <a:prstGeom prst="rect">
+            <a:avLst/>
+          </a:prstGeom>
+          <a:noFill/>
+        </p:spPr>
+        <p:txBody>
+          <a:bodyPr wrap="none" rtlCol="0">
+            <a:spAutoFit/>
+          </a:bodyPr>
+          <a:lstStyle/>
+          <a:p>
+            <a:r>
+              <a:rPr lang="en-US" b="1" dirty="0" smtClean="0"/>
+              <a:t>Contact Management</a:t>
+            </a:r>
+          </a:p>
+          <a:p>
+            <a:pPr marL="285750" indent="-285750">
+              <a:buClr>
+                <a:srgbClr val="F9A703"/>
+              </a:buClr>
+              <a:buFont typeface="Wingdings" panose="05000000000000000000" pitchFamily="2" charset="2"/>
+              <a:buChar char="§"/>
+            </a:pPr>
+            <a:r>
+              <a:rPr lang="de-DE" dirty="0" err="1" smtClean="0"/>
+              <a:t>add</a:t>
+            </a:r>
+            <a:r>
+              <a:rPr lang="de-DE" dirty="0" smtClean="0"/>
+              <a:t> </a:t>
+            </a:r>
+            <a:r>
+              <a:rPr lang="de-DE" dirty="0" err="1" smtClean="0"/>
+              <a:t>contacts</a:t>
+            </a:r>
+            <a:endParaRPr lang="de-DE" dirty="0" smtClean="0"/>
+          </a:p>
+          <a:p>
+            <a:pPr marL="285750" indent="-285750">
+              <a:buClr>
+                <a:srgbClr val="F9A703"/>
+              </a:buClr>
+              <a:buFont typeface="Wingdings" panose="05000000000000000000" pitchFamily="2" charset="2"/>
+              <a:buChar char="§"/>
+            </a:pPr>
+            <a:r>
+              <a:rPr lang="de-DE" dirty="0" err="1" smtClean="0"/>
+              <a:t>delete</a:t>
+            </a:r>
+            <a:r>
+              <a:rPr lang="de-DE" dirty="0" smtClean="0"/>
+              <a:t> </a:t>
+            </a:r>
+            <a:r>
+              <a:rPr lang="de-DE" dirty="0" err="1" smtClean="0"/>
+              <a:t>contacts</a:t>
+            </a:r>
+            <a:endParaRPr lang="de-DE" dirty="0" smtClean="0"/>
+          </a:p>
+          <a:p>
+            <a:pPr marL="285750" indent="-285750">
+              <a:buClr>
+                <a:srgbClr val="F9A703"/>
+              </a:buClr>
+              <a:buFont typeface="Wingdings" panose="05000000000000000000" pitchFamily="2" charset="2"/>
+              <a:buChar char="§"/>
+            </a:pPr>
+            <a:r>
+              <a:rPr lang="de-DE" dirty="0" err="1" smtClean="0"/>
+              <a:t>view</a:t>
+            </a:r>
+            <a:r>
+              <a:rPr lang="de-DE" dirty="0" smtClean="0"/>
+              <a:t> </a:t>
+            </a:r>
+            <a:r>
+              <a:rPr lang="de-DE" dirty="0" err="1" smtClean="0"/>
+              <a:t>contact</a:t>
+            </a:r>
+            <a:r>
+              <a:rPr lang="de-DE" dirty="0" smtClean="0"/>
+              <a:t> </a:t>
+            </a:r>
+            <a:r>
+              <a:rPr lang="de-DE" dirty="0" err="1" smtClean="0"/>
+              <a:t>profiles</a:t>
+            </a:r>
+            <a:endParaRPr lang="en-US" dirty="0" smtClean="0"/>
+          </a:p>
+          <a:p>
+            <a:endParaRPr lang="en-US" dirty="0"/>
+          </a:p>
+        </p:txBody>
+      </p:sp>
+    </p:spTree>
+    <p:extLst>
+      <p:ext uri="{BB962C8B-B14F-4D97-AF65-F5344CB8AC3E}">
+        <p14:creationId xmlns:p14="http://schemas.microsoft.com/office/powerpoint/2010/main" val="2121140947"/>
       </p:ext>
     </p:extLst>
   </p:cSld>
